--- a/Control Design PPT.pptx
+++ b/Control Design PPT.pptx
@@ -16,6 +16,8 @@
     <p:sldId id="265" r:id="rId10"/>
     <p:sldId id="264" r:id="rId11"/>
     <p:sldId id="266" r:id="rId12"/>
+    <p:sldId id="267" r:id="rId13"/>
+    <p:sldId id="268" r:id="rId14"/>
   </p:sldIdLst>
   <p:sldSz cx="12192000" cy="6858000"/>
   <p:notesSz cx="6858000" cy="9144000"/>
@@ -120,6 +122,357 @@
     </p:ext>
   </p:extLst>
 </p:presentation>
+</file>
+
+<file path=ppt/ink/ink1.xml><?xml version="1.0" encoding="utf-8"?>
+<inkml:ink xmlns:inkml="http://www.w3.org/2003/InkML">
+  <inkml:definitions>
+    <inkml:context xml:id="ctx0">
+      <inkml:inkSource xml:id="inkSrc0">
+        <inkml:traceFormat>
+          <inkml:channel name="X" type="integer" min="-2.14748E9" max="2.14748E9" units="cm"/>
+          <inkml:channel name="Y" type="integer" min="-2.14748E9" max="2.14748E9" units="cm"/>
+          <inkml:channel name="F" type="integer" max="32767" units="dev"/>
+        </inkml:traceFormat>
+        <inkml:channelProperties>
+          <inkml:channelProperty channel="X" name="resolution" value="1000" units="1/cm"/>
+          <inkml:channelProperty channel="Y" name="resolution" value="1000" units="1/cm"/>
+          <inkml:channelProperty channel="F" name="resolution" value="0" units="1/dev"/>
+        </inkml:channelProperties>
+      </inkml:inkSource>
+      <inkml:timestamp xml:id="ts0" timeString="2026-01-13T05:52:16.291"/>
+    </inkml:context>
+    <inkml:brush xml:id="br0">
+      <inkml:brushProperty name="width" value="0.035" units="cm"/>
+      <inkml:brushProperty name="height" value="0.035" units="cm"/>
+    </inkml:brush>
+  </inkml:definitions>
+  <inkml:trace contextRef="#ctx0" brushRef="#br0">1262 11 24575,'-2'5'0,"0"0"0,-1 0 0,1-1 0,-1 1 0,0 0 0,-1-1 0,1 0 0,-1 0 0,0 0 0,0 0 0,0-1 0,-6 5 0,-8 8 0,-109 138 0,85-98 0,-64 64 0,-18 14 0,60-64 0,-4-3 0,-132 100 0,51-46 0,73-59 0,-65 61 0,119-101 0,16-17 0,-1 0 0,1 1 0,1 0 0,-1 0 0,1 0 0,0 1 0,0 0 0,1 0 0,0 0 0,0 0 0,1 1 0,0 0 0,0 0 0,0-1 0,1 1 0,1 1 0,-2 11 0,2-12 0,1 1 0,-1 0 0,2 0 0,-1 0 0,1 0 0,1 0 0,0 0 0,0-1 0,0 1 0,1-1 0,1 1 0,-1-1 0,1 0 0,1 0 0,0-1 0,0 1 0,0-1 0,1 0 0,0 0 0,0-1 0,0 0 0,1 0 0,0 0 0,0-1 0,16 8 0,5 1 0,1-2 0,1-1 0,0-1 0,1-2 0,0-1 0,0-1 0,0-2 0,58 1 0,-60-6 0,-13 2 0,0-1 0,0 0 0,0-1 0,0-1 0,0-1 0,-1 0 0,1-1 0,-1 0 0,25-12 0,8-11 0,-2-2 0,-1-2 0,-1-2 0,75-76 0,-77 61 0,68-106 0,-108 152 0,52-76 0,-24 37 0,-2 0 0,31-63 0,-23 33 0,12-28 0,-29 59 0,37-62 0,9-16 0,25-60 0,15-32 0,-85 170-1365,-9 24-5461</inkml:trace>
+</inkml:ink>
+</file>
+
+<file path=ppt/ink/ink10.xml><?xml version="1.0" encoding="utf-8"?>
+<inkml:ink xmlns:inkml="http://www.w3.org/2003/InkML">
+  <inkml:definitions>
+    <inkml:context xml:id="ctx0">
+      <inkml:inkSource xml:id="inkSrc0">
+        <inkml:traceFormat>
+          <inkml:channel name="X" type="integer" min="-2.14748E9" max="2.14748E9" units="cm"/>
+          <inkml:channel name="Y" type="integer" min="-2.14748E9" max="2.14748E9" units="cm"/>
+          <inkml:channel name="F" type="integer" max="32767" units="dev"/>
+        </inkml:traceFormat>
+        <inkml:channelProperties>
+          <inkml:channelProperty channel="X" name="resolution" value="1000" units="1/cm"/>
+          <inkml:channelProperty channel="Y" name="resolution" value="1000" units="1/cm"/>
+          <inkml:channelProperty channel="F" name="resolution" value="0" units="1/dev"/>
+        </inkml:channelProperties>
+      </inkml:inkSource>
+      <inkml:timestamp xml:id="ts0" timeString="2026-01-13T05:53:20.458"/>
+    </inkml:context>
+    <inkml:brush xml:id="br0">
+      <inkml:brushProperty name="width" value="0.035" units="cm"/>
+      <inkml:brushProperty name="height" value="0.035" units="cm"/>
+    </inkml:brush>
+  </inkml:definitions>
+  <inkml:trace contextRef="#ctx0" brushRef="#br0">2229 55 24575,'-26'-2'0,"0"-1"0,1-1 0,-46-13 0,42 9 0,1 2 0,-50-6 0,-402 10 0,240 4 0,-760-2 0,986 1 0,0 0 0,0 1 0,0 0 0,0 1 0,0 1 0,1 0 0,-17 7 0,23-8 0,1 0 0,-1 0 0,0 1 0,1 0 0,0 0 0,0 1 0,0 0 0,1 0 0,-1 0 0,1 1 0,0-1 0,1 1 0,-1 0 0,1 1 0,-4 8 0,7-12 0,0 0 0,0 0 0,0 0 0,1 0 0,-1 0 0,1 1 0,0-1 0,0 0 0,0 0 0,0 0 0,1 0 0,-1 1 0,1-1 0,0 0 0,0 0 0,0 0 0,0 0 0,0 0 0,1-1 0,-1 1 0,1 0 0,0-1 0,0 1 0,0-1 0,0 1 0,4 3 0,7 5 0,0-1 0,1 0 0,29 16 0,-9-5 0,-15-10 0,2-1 0,-1 0 0,1-1 0,37 9 0,22 9 0,-31-9 0,1-3 0,1-2 0,0-2 0,1-3 0,72 4 0,2 1 0,-77-6 0,61 0 0,-79-6 0,54 10 0,-53-5 0,50 1 0,662-8-1365,-722 1-5461</inkml:trace>
+</inkml:ink>
+</file>
+
+<file path=ppt/ink/ink11.xml><?xml version="1.0" encoding="utf-8"?>
+<inkml:ink xmlns:inkml="http://www.w3.org/2003/InkML">
+  <inkml:definitions>
+    <inkml:context xml:id="ctx0">
+      <inkml:inkSource xml:id="inkSrc0">
+        <inkml:traceFormat>
+          <inkml:channel name="X" type="integer" min="-2.14748E9" max="2.14748E9" units="cm"/>
+          <inkml:channel name="Y" type="integer" min="-2.14748E9" max="2.14748E9" units="cm"/>
+          <inkml:channel name="F" type="integer" max="32767" units="dev"/>
+        </inkml:traceFormat>
+        <inkml:channelProperties>
+          <inkml:channelProperty channel="X" name="resolution" value="1000" units="1/cm"/>
+          <inkml:channelProperty channel="Y" name="resolution" value="1000" units="1/cm"/>
+          <inkml:channelProperty channel="F" name="resolution" value="0" units="1/dev"/>
+        </inkml:channelProperties>
+      </inkml:inkSource>
+      <inkml:timestamp xml:id="ts0" timeString="2026-01-13T05:53:22.362"/>
+    </inkml:context>
+    <inkml:brush xml:id="br0">
+      <inkml:brushProperty name="width" value="0.035" units="cm"/>
+      <inkml:brushProperty name="height" value="0.035" units="cm"/>
+    </inkml:brush>
+  </inkml:definitions>
+  <inkml:trace contextRef="#ctx0" brushRef="#br0">2213 29 24575,'-91'0'0,"-527"-16"0,-166 4 0,476 15 0,285-4 0,-7 0 0,-1 1 0,0 1 0,1 2 0,-1 1 0,1 1 0,0 2 0,-29 10 0,51-14 0,1 0 0,-1 1 0,0 0 0,1 0 0,0 1 0,0 0 0,0 0 0,1 1 0,0-1 0,0 2 0,0-1 0,-6 9 0,9-10 0,0 1 0,1-1 0,-1 1 0,1 0 0,0 0 0,0 0 0,1 0 0,0 0 0,0 0 0,0 0 0,1 0 0,-1 0 0,2 1 0,-1-1 0,1 0 0,0 0 0,3 11 0,-1-9 0,0-1 0,1 1 0,-1-1 0,1 0 0,1 0 0,0-1 0,0 1 0,0-1 0,1 0 0,-1 0 0,1-1 0,1 0 0,-1 0 0,1 0 0,0-1 0,13 6 0,12 6 0,2-3 0,50 15 0,-60-21 0,32 9 0,2-2 0,113 11 0,120-17 0,-263-6 0,1 0 0,30 7 0,-29-3 0,52 1 0,1021-8 0,-1083 0 42,1-1 0,30-7 1,10-1-1535,-39 7-5334</inkml:trace>
+</inkml:ink>
+</file>
+
+<file path=ppt/ink/ink12.xml><?xml version="1.0" encoding="utf-8"?>
+<inkml:ink xmlns:inkml="http://www.w3.org/2003/InkML">
+  <inkml:definitions>
+    <inkml:context xml:id="ctx0">
+      <inkml:inkSource xml:id="inkSrc0">
+        <inkml:traceFormat>
+          <inkml:channel name="X" type="integer" min="-2.14748E9" max="2.14748E9" units="cm"/>
+          <inkml:channel name="Y" type="integer" min="-2.14748E9" max="2.14748E9" units="cm"/>
+          <inkml:channel name="F" type="integer" max="32767" units="dev"/>
+        </inkml:traceFormat>
+        <inkml:channelProperties>
+          <inkml:channelProperty channel="X" name="resolution" value="1000" units="1/cm"/>
+          <inkml:channelProperty channel="Y" name="resolution" value="1000" units="1/cm"/>
+          <inkml:channelProperty channel="F" name="resolution" value="0" units="1/dev"/>
+        </inkml:channelProperties>
+      </inkml:inkSource>
+      <inkml:timestamp xml:id="ts0" timeString="2026-01-13T05:53:24.567"/>
+    </inkml:context>
+    <inkml:brush xml:id="br0">
+      <inkml:brushProperty name="width" value="0.035" units="cm"/>
+      <inkml:brushProperty name="height" value="0.035" units="cm"/>
+    </inkml:brush>
+  </inkml:definitions>
+  <inkml:trace contextRef="#ctx0" brushRef="#br0">1001 336 24575,'0'-4'0,"-1"1"0,0-1 0,0 1 0,0 0 0,0 0 0,0 0 0,-1 0 0,0 0 0,1 0 0,-1 0 0,0 0 0,0 0 0,-3-2 0,-36-35 0,31 31 0,-15-14 0,-1 2 0,-1 0 0,-1 2 0,-1 1 0,-1 2 0,0 0 0,-1 2 0,-1 1 0,-48-12 0,22 10 0,0 2 0,0 3 0,-1 2 0,-67 0 0,106 8 0,1 1 0,0 0 0,0 2 0,0 0 0,-31 10 0,46-12 0,-1 1 0,0 0 0,0 0 0,1 0 0,0 1 0,-1-1 0,1 1 0,0 0 0,0 1 0,0-1 0,1 0 0,-1 1 0,1 0 0,0 0 0,0 0 0,0 0 0,1 1 0,-1-1 0,1 1 0,0-1 0,0 1 0,1 0 0,-1 0 0,1 0 0,0 0 0,0 9 0,1-11 0,0 1 0,0-1 0,0 0 0,1 1 0,0-1 0,-1 1 0,1-1 0,1 0 0,-1 0 0,0 0 0,1 1 0,-1-1 0,1-1 0,0 1 0,0 0 0,0 0 0,4 3 0,0-1 0,0 1 0,1-1 0,-1-1 0,1 0 0,0 0 0,0 0 0,10 3 0,4 1 0,0-2 0,1 0 0,0-2 0,37 4 0,127-9 0,13 2 0,-196-1 0,0 0 0,0 0 0,0 0 0,0 1 0,0-1 0,0 1 0,0 0 0,0 0 0,-1 0 0,1 1 0,0-1 0,-1 0 0,1 1 0,-1 0 0,1 0 0,-1-1 0,0 1 0,0 1 0,0-1 0,0 0 0,0 0 0,0 1 0,0-1 0,-1 1 0,0 0 0,1-1 0,-1 1 0,0 0 0,1 5 0,-2-5 0,1 1 0,-1 0 0,-1 0 0,1-1 0,0 1 0,-1 0 0,0-1 0,0 1 0,0 0 0,0-1 0,-1 1 0,1-1 0,-1 0 0,0 0 0,0 1 0,0-1 0,0 0 0,-1 0 0,1-1 0,-1 1 0,0-1 0,0 1 0,-5 3 0,-11 5 0,-2-1 0,1 0 0,-1-1 0,0-2 0,0 0 0,-40 7 0,28-7 0,1 1 0,-36 16 0,59-20 0,-1 0 0,1 1 0,0 1 0,0-1 0,1 2 0,0-1 0,0 1 0,0 0 0,1 0 0,0 1 0,-6 9 0,10-12 0,0-1 0,1 0 0,0 0 0,0 1 0,0 0 0,0-1 0,1 1 0,-1 0 0,1 0 0,1-1 0,-1 1 0,1 0 0,0 0 0,0 0 0,0 0 0,0 0 0,1 0 0,0 0 0,2 5 0,-2-6 0,0-1 0,1 1 0,0-1 0,0 1 0,0-1 0,0 0 0,1 0 0,-1 0 0,1 0 0,-1 0 0,1 0 0,0-1 0,0 1 0,1-1 0,-1 0 0,0 0 0,1 0 0,-1 0 0,1-1 0,0 0 0,-1 1 0,1-1 0,0 0 0,4 0 0,42 3 0,0-2 0,70-6 0,-5 0 0,-76 2 0,0-2 0,0-2 0,-1-2 0,1-1 0,44-18 0,-45 11-1365,-20 6-5461</inkml:trace>
+</inkml:ink>
+</file>
+
+<file path=ppt/ink/ink13.xml><?xml version="1.0" encoding="utf-8"?>
+<inkml:ink xmlns:inkml="http://www.w3.org/2003/InkML">
+  <inkml:definitions>
+    <inkml:context xml:id="ctx0">
+      <inkml:inkSource xml:id="inkSrc0">
+        <inkml:traceFormat>
+          <inkml:channel name="X" type="integer" min="-2.14748E9" max="2.14748E9" units="cm"/>
+          <inkml:channel name="Y" type="integer" min="-2.14748E9" max="2.14748E9" units="cm"/>
+          <inkml:channel name="F" type="integer" max="32767" units="dev"/>
+        </inkml:traceFormat>
+        <inkml:channelProperties>
+          <inkml:channelProperty channel="X" name="resolution" value="1000" units="1/cm"/>
+          <inkml:channelProperty channel="Y" name="resolution" value="1000" units="1/cm"/>
+          <inkml:channelProperty channel="F" name="resolution" value="0" units="1/dev"/>
+        </inkml:channelProperties>
+      </inkml:inkSource>
+      <inkml:timestamp xml:id="ts0" timeString="2026-01-13T05:53:25.182"/>
+    </inkml:context>
+    <inkml:brush xml:id="br0">
+      <inkml:brushProperty name="width" value="0.035" units="cm"/>
+      <inkml:brushProperty name="height" value="0.035" units="cm"/>
+    </inkml:brush>
+  </inkml:definitions>
+  <inkml:trace contextRef="#ctx0" brushRef="#br0">1 0 24575,'0'0'-8191</inkml:trace>
+</inkml:ink>
+</file>
+
+<file path=ppt/ink/ink2.xml><?xml version="1.0" encoding="utf-8"?>
+<inkml:ink xmlns:inkml="http://www.w3.org/2003/InkML">
+  <inkml:definitions>
+    <inkml:context xml:id="ctx0">
+      <inkml:inkSource xml:id="inkSrc0">
+        <inkml:traceFormat>
+          <inkml:channel name="X" type="integer" min="-2.14748E9" max="2.14748E9" units="cm"/>
+          <inkml:channel name="Y" type="integer" min="-2.14748E9" max="2.14748E9" units="cm"/>
+          <inkml:channel name="F" type="integer" max="32767" units="dev"/>
+        </inkml:traceFormat>
+        <inkml:channelProperties>
+          <inkml:channelProperty channel="X" name="resolution" value="1000" units="1/cm"/>
+          <inkml:channelProperty channel="Y" name="resolution" value="1000" units="1/cm"/>
+          <inkml:channelProperty channel="F" name="resolution" value="0" units="1/dev"/>
+        </inkml:channelProperties>
+      </inkml:inkSource>
+      <inkml:timestamp xml:id="ts0" timeString="2026-01-13T05:52:18.943"/>
+    </inkml:context>
+    <inkml:brush xml:id="br0">
+      <inkml:brushProperty name="width" value="0.035" units="cm"/>
+      <inkml:brushProperty name="height" value="0.035" units="cm"/>
+    </inkml:brush>
+  </inkml:definitions>
+  <inkml:trace contextRef="#ctx0" brushRef="#br0">1720 739 24575,'-13'-10'0,"0"0"0,-1 1 0,-1 0 0,1 2 0,-23-10 0,-14-7 0,-640-342 0,456 266 0,35 18 0,165 67 0,-60-17 0,-13-5 0,99 33 0,1 1 0,-1 0 0,0 0 0,0 1 0,0 0 0,-1 0 0,1 1 0,0 0 0,-13 1 0,18 1 0,1-1 0,0 1 0,0 0 0,-1 0 0,1 0 0,0 0 0,0 1 0,0-1 0,0 1 0,0 0 0,1 0 0,-1 0 0,0 0 0,1 0 0,0 1 0,-1-1 0,1 1 0,0-1 0,0 1 0,0 0 0,1 0 0,-1 0 0,1 0 0,0 0 0,-1 0 0,1 0 0,1 0 0,-1 1 0,0 3 0,-11 63 0,4 0 0,2 1 0,5 82 0,1-128 0,0 0 0,2 1 0,5 25 0,-4-41 0,0-1 0,0 1 0,1 0 0,0-1 0,1 1 0,0-1 0,0-1 0,1 1 0,0-1 0,9 10 0,16 11 0,0-1 0,2-1 0,66 41 0,26 9 0,85 58 0,-174-114 0,0-1 0,1-1 0,45 14 0,-74-29 0,197 68 0,-60-15 0,-120-48 0,1-1 0,0-1 0,0-1 0,1-1 0,0-2 0,0 0 0,31-2 0,17 3 0,-4 8 0,12 0 0,-62-11 0,0-1 0,0-1 0,0-1 0,22-5 0,-33 5 0,0-2 0,0 1 0,0-1 0,0-1 0,-1 1 0,0-2 0,0 1 0,0-1 0,15-15 0,-6 5-118,3-2-298,-1-1 1,21-28-1,-29 31-6410</inkml:trace>
+</inkml:ink>
+</file>
+
+<file path=ppt/ink/ink3.xml><?xml version="1.0" encoding="utf-8"?>
+<inkml:ink xmlns:inkml="http://www.w3.org/2003/InkML">
+  <inkml:definitions>
+    <inkml:context xml:id="ctx0">
+      <inkml:inkSource xml:id="inkSrc0">
+        <inkml:traceFormat>
+          <inkml:channel name="X" type="integer" min="-2.14748E9" max="2.14748E9" units="cm"/>
+          <inkml:channel name="Y" type="integer" min="-2.14748E9" max="2.14748E9" units="cm"/>
+          <inkml:channel name="F" type="integer" max="32767" units="dev"/>
+        </inkml:traceFormat>
+        <inkml:channelProperties>
+          <inkml:channelProperty channel="X" name="resolution" value="1000" units="1/cm"/>
+          <inkml:channelProperty channel="Y" name="resolution" value="1000" units="1/cm"/>
+          <inkml:channelProperty channel="F" name="resolution" value="0" units="1/dev"/>
+        </inkml:channelProperties>
+      </inkml:inkSource>
+      <inkml:timestamp xml:id="ts0" timeString="2026-01-13T05:52:21.212"/>
+    </inkml:context>
+    <inkml:brush xml:id="br0">
+      <inkml:brushProperty name="width" value="0.035" units="cm"/>
+      <inkml:brushProperty name="height" value="0.035" units="cm"/>
+    </inkml:brush>
+  </inkml:definitions>
+  <inkml:trace contextRef="#ctx0" brushRef="#br0">683 207 24575,'0'-5'0,"-1"0"0,0 1 0,0-1 0,0 1 0,-1-1 0,1 1 0,-1 0 0,0 0 0,-1 0 0,1 0 0,-1 0 0,1 0 0,-1 0 0,0 1 0,-1-1 0,1 1 0,0 0 0,-1 0 0,0 1 0,0-1 0,0 1 0,-5-3 0,-14-7 0,0 1 0,-47-14 0,43 16 0,-15-6 0,0 3 0,-1 1 0,-1 2 0,-69-5 0,109 13 0,0 1 0,-1 0 0,1 0 0,-1 1 0,1-1 0,0 1 0,0 0 0,-1 0 0,1 0 0,0 0 0,0 1 0,0 0 0,0 0 0,0 0 0,0 0 0,-6 6 0,7-4 0,0-1 0,0 1 0,0 0 0,1 0 0,0 1 0,-1-1 0,2 0 0,-1 1 0,0-1 0,1 1 0,0 0 0,0-1 0,0 1 0,1 0 0,-1 6 0,0 9 0,0 0 0,1 0 0,1 0 0,1 0 0,5 23 0,-6-38 0,1 0 0,-1 0 0,1 0 0,0 0 0,1-1 0,-1 1 0,1-1 0,0 0 0,0 0 0,0 0 0,0 0 0,1 0 0,-1-1 0,1 1 0,0-1 0,0 0 0,1 0 0,-1-1 0,1 1 0,-1-1 0,1 0 0,0 0 0,-1 0 0,1-1 0,8 2 0,-3-2 0,1 2 0,0 0 0,-1 0 0,1 1 0,-1 0 0,0 1 0,0 0 0,9 6 0,-15-7 0,1 0 0,-1 0 0,1 0 0,-1 1 0,-1-1 0,1 1 0,-1 0 0,1 0 0,-1 0 0,-1 0 0,1 1 0,-1-1 0,0 1 0,0 0 0,0 0 0,0 9 0,1 0 0,-1 0 0,-1 0 0,-1 0 0,0 0 0,-1 0 0,0 0 0,-6 24 0,6-35 0,0 1 0,-1-1 0,0 1 0,1-1 0,-2 0 0,1 0 0,0 0 0,-1 0 0,0 0 0,0 0 0,0-1 0,0 1 0,0-1 0,-1 0 0,1 0 0,-1 0 0,0 0 0,0-1 0,0 0 0,-1 1 0,1-1 0,0-1 0,-1 1 0,1-1 0,-1 0 0,1 0 0,-9 1 0,-93-2 0,6-1 0,98 1 0,1 0 0,-1 0 0,0 0 0,1 0 0,-1 0 0,0 0 0,1 1 0,-1-1 0,0 1 0,1-1 0,-1 1 0,1-1 0,-1 1 0,1 0 0,-1 0 0,1 0 0,-1 0 0,1 0 0,0 0 0,0 0 0,-1 0 0,1 1 0,0-1 0,0 0 0,0 1 0,-1 1 0,2 0 0,0-1 0,0 0 0,0 1 0,0-1 0,0 0 0,1 0 0,-1 1 0,1-1 0,0 0 0,-1 0 0,1 1 0,0-1 0,0 0 0,0 0 0,1 0 0,1 2 0,6 9 0,1-1 0,1-1 0,0 1 0,18 13 0,-19-18 0,0-1 0,-1 0 0,2-1 0,-1 0 0,1-1 0,-1 0 0,20 4 0,82 9 0,-83-13 0,25 1 0,0-2 0,95-8 0,-142 5-65,1-1 0,0 0 0,0-1 0,-1 0 0,1 0 0,-1-1 0,1 1 0,-1-2 0,0 1 0,0-1 0,-1 0 0,1 0 0,-1-1 0,0 0 0,0 0 0,0-1 0,-1 1 0,0-1 0,0 0 0,4-7 0,-1-4-6761</inkml:trace>
+</inkml:ink>
+</file>
+
+<file path=ppt/ink/ink4.xml><?xml version="1.0" encoding="utf-8"?>
+<inkml:ink xmlns:inkml="http://www.w3.org/2003/InkML">
+  <inkml:definitions>
+    <inkml:context xml:id="ctx0">
+      <inkml:inkSource xml:id="inkSrc0">
+        <inkml:traceFormat>
+          <inkml:channel name="X" type="integer" min="-2.14748E9" max="2.14748E9" units="cm"/>
+          <inkml:channel name="Y" type="integer" min="-2.14748E9" max="2.14748E9" units="cm"/>
+          <inkml:channel name="F" type="integer" max="32767" units="dev"/>
+        </inkml:traceFormat>
+        <inkml:channelProperties>
+          <inkml:channelProperty channel="X" name="resolution" value="1000" units="1/cm"/>
+          <inkml:channelProperty channel="Y" name="resolution" value="1000" units="1/cm"/>
+          <inkml:channelProperty channel="F" name="resolution" value="0" units="1/dev"/>
+        </inkml:channelProperties>
+      </inkml:inkSource>
+      <inkml:timestamp xml:id="ts0" timeString="2026-01-13T05:52:30.707"/>
+    </inkml:context>
+    <inkml:brush xml:id="br0">
+      <inkml:brushProperty name="width" value="0.035" units="cm"/>
+      <inkml:brushProperty name="height" value="0.035" units="cm"/>
+    </inkml:brush>
+  </inkml:definitions>
+  <inkml:trace contextRef="#ctx0" brushRef="#br0">442 85 24575,'1'5'0,"0"0"0,0-1 0,0 1 0,1 0 0,-1-1 0,1 1 0,0-1 0,1 1 0,-1-1 0,1 0 0,0 0 0,6 6 0,43 44 0,-50-53 0,28 27 0,2-1 0,0-2 0,2-1 0,1-2 0,50 24 0,19 7 0,123 86 0,-198-120 0,70 41 0,-51-33 0,-1 3 0,46 38 0,28 21 0,-93-71 0,0 1 0,-2 1 0,0 1 0,-2 1 0,0 2 0,32 40 0,-52-57 0,0 1 0,0-1 0,-1 1 0,0 0 0,-1 0 0,1 0 0,-1 0 0,-1 0 0,0 1 0,0 8 0,-4 93 0,0-47 0,3-58 0,0 1 0,0-1 0,0 0 0,-1 0 0,1 1 0,-1-1 0,0 0 0,-1 0 0,1 0 0,-1 0 0,0 0 0,-1-1 0,1 1 0,-1 0 0,0-1 0,0 0 0,0 1 0,0-1 0,-1-1 0,0 1 0,1 0 0,-1-1 0,-1 0 0,1 0 0,0 0 0,-1 0 0,0-1 0,-8 3 0,-31 9 0,-2-2 0,0-2 0,0-2 0,-1-2 0,1-2 0,-1-2 0,-67-7 0,102 4 0,-1-2 0,1 0 0,0 0 0,0-1 0,0 0 0,0-1 0,1-1 0,-14-8 0,-88-65 0,45 28 0,-32-30 0,29 22 0,19 14 0,2-2 0,-57-69 0,-3-3 0,-77-82 0,46 12 0,124 169 0,2 0 0,0-1 0,1-1 0,1 0 0,0-1 0,2 0 0,1-1 0,-7-27 0,12 32-136,2 0-1,0 0 1,1-1-1,1 1 1,1 0-1,1-1 1,0 1-1,2 0 0,6-29 1,-3 31-6690</inkml:trace>
+</inkml:ink>
+</file>
+
+<file path=ppt/ink/ink5.xml><?xml version="1.0" encoding="utf-8"?>
+<inkml:ink xmlns:inkml="http://www.w3.org/2003/InkML">
+  <inkml:definitions>
+    <inkml:context xml:id="ctx0">
+      <inkml:inkSource xml:id="inkSrc0">
+        <inkml:traceFormat>
+          <inkml:channel name="X" type="integer" min="-2.14748E9" max="2.14748E9" units="cm"/>
+          <inkml:channel name="Y" type="integer" min="-2.14748E9" max="2.14748E9" units="cm"/>
+          <inkml:channel name="F" type="integer" max="32767" units="dev"/>
+        </inkml:traceFormat>
+        <inkml:channelProperties>
+          <inkml:channelProperty channel="X" name="resolution" value="1000" units="1/cm"/>
+          <inkml:channelProperty channel="Y" name="resolution" value="1000" units="1/cm"/>
+          <inkml:channelProperty channel="F" name="resolution" value="0" units="1/dev"/>
+        </inkml:channelProperties>
+      </inkml:inkSource>
+      <inkml:timestamp xml:id="ts0" timeString="2026-01-13T05:52:44.105"/>
+    </inkml:context>
+    <inkml:brush xml:id="br0">
+      <inkml:brushProperty name="width" value="0.035" units="cm"/>
+      <inkml:brushProperty name="height" value="0.035" units="cm"/>
+    </inkml:brush>
+  </inkml:definitions>
+  <inkml:trace contextRef="#ctx0" brushRef="#br0">2050 233 24575,'-9'-6'0,"0"1"0,0 0 0,0 1 0,-1 0 0,1 1 0,-1-1 0,0 2 0,0 0 0,-13-2 0,6 1 0,-362-60 0,188 37 0,131 17 0,-102-31 0,117 27 0,0 1 0,-1 2 0,0 3 0,-62-3 0,-508 11 0,607-1 0,1 1 0,-1 1 0,1-1 0,-1 1 0,1 0 0,0 1 0,0 0 0,0 1 0,0-1 0,1 1 0,0 1 0,-1-1 0,1 1 0,1 1 0,-1-1 0,-8 11 0,4-5 0,1 1 0,1 1 0,0 0 0,1 0 0,0 1 0,1 0 0,0 0 0,-5 20 0,10-31 0,1 1 0,0-1 0,1 1 0,-1 0 0,1-1 0,-1 1 0,1 0 0,0 0 0,0-1 0,1 1 0,-1 0 0,1 0 0,0-1 0,0 1 0,0 0 0,0-1 0,1 0 0,-1 1 0,1-1 0,0 0 0,0 1 0,0-1 0,1 0 0,-1-1 0,1 1 0,-1 0 0,1-1 0,0 1 0,0-1 0,0 0 0,6 3 0,9 5 0,1-2 0,1 0 0,-1-1 0,35 8 0,-13-4 0,252 71 0,-253-74 0,43 2 0,-16-2 0,93 2 0,-114-10 0,1 3 0,49 9 0,-56-6 0,76 1 0,-74-6 0,68 10 0,300 68 0,-380-73 0,145 24 0,-97-20 0,-35-3 0,68 1 0,-104-8 0,5 1 0,-1-1 0,1-1 0,-1 0 0,1-1 0,21-5 0,-29 6 0,-1-1 0,0 0 0,0 1 0,0-1 0,0 0 0,0 0 0,0-1 0,-1 1 0,1-1 0,-1 1 0,1-1 0,-1 0 0,0 0 0,0 0 0,0 0 0,-1 0 0,1 0 0,-1 0 0,1-1 0,-1 1 0,0-1 0,-1 1 0,2-8 0,12-51-1365,-9 45-5461</inkml:trace>
+</inkml:ink>
+</file>
+
+<file path=ppt/ink/ink6.xml><?xml version="1.0" encoding="utf-8"?>
+<inkml:ink xmlns:inkml="http://www.w3.org/2003/InkML">
+  <inkml:definitions>
+    <inkml:context xml:id="ctx0">
+      <inkml:inkSource xml:id="inkSrc0">
+        <inkml:traceFormat>
+          <inkml:channel name="X" type="integer" min="-2.14748E9" max="2.14748E9" units="cm"/>
+          <inkml:channel name="Y" type="integer" min="-2.14748E9" max="2.14748E9" units="cm"/>
+          <inkml:channel name="F" type="integer" max="32767" units="dev"/>
+        </inkml:traceFormat>
+        <inkml:channelProperties>
+          <inkml:channelProperty channel="X" name="resolution" value="1000" units="1/cm"/>
+          <inkml:channelProperty channel="Y" name="resolution" value="1000" units="1/cm"/>
+          <inkml:channelProperty channel="F" name="resolution" value="0" units="1/dev"/>
+        </inkml:channelProperties>
+      </inkml:inkSource>
+      <inkml:timestamp xml:id="ts0" timeString="2026-01-13T05:52:46.552"/>
+    </inkml:context>
+    <inkml:brush xml:id="br0">
+      <inkml:brushProperty name="width" value="0.035" units="cm"/>
+      <inkml:brushProperty name="height" value="0.035" units="cm"/>
+    </inkml:brush>
+  </inkml:definitions>
+  <inkml:trace contextRef="#ctx0" brushRef="#br0">582 315 24575,'0'-18'0,"1"1"0,-1 1 0,-1-1 0,-1 0 0,-5-23 0,5 34 0,0 0 0,0 0 0,-1 1 0,1-1 0,-1 1 0,-1 0 0,1 0 0,-1 0 0,0 0 0,0 0 0,-1 1 0,1 0 0,-1 0 0,0 0 0,-9-5 0,-19-9 0,-1 2 0,-1 2 0,0 0 0,-72-15 0,90 25 0,1 0 0,-1 2 0,1 0 0,-1 0 0,0 2 0,1 0 0,-1 1 0,0 1 0,-24 5 0,36-5 0,1 0 0,-1 1 0,0 0 0,1-1 0,0 2 0,-1-1 0,1 0 0,0 1 0,1 0 0,-1 0 0,1 0 0,0 0 0,0 1 0,-4 5 0,6-7 0,0-1 0,-1 1 0,1-1 0,0 1 0,1-1 0,-1 1 0,0 0 0,1-1 0,-1 1 0,1 0 0,0-1 0,0 1 0,0 0 0,0-1 0,1 1 0,-1 0 0,1-1 0,-1 1 0,1 0 0,0-1 0,0 1 0,0-1 0,1 1 0,-1-1 0,0 0 0,1 1 0,0-1 0,3 4 0,2-1 0,1 1 0,0-2 0,0 1 0,0-1 0,0 0 0,1 0 0,-1-1 0,1 0 0,0-1 0,0 0 0,15 1 0,-13-1 0,1 0 0,0 1 0,-1 0 0,1 1 0,12 6 0,-20-7 0,0-1 0,0 1 0,-1 0 0,1 0 0,0 0 0,-1 1 0,0-1 0,0 1 0,0 0 0,0 0 0,0 0 0,-1 0 0,0 0 0,0 1 0,0-1 0,0 1 0,1 5 0,-2-6 0,0 0 0,0 0 0,0 0 0,0 1 0,0-1 0,-1 0 0,0 1 0,0-1 0,0 0 0,-1 1 0,1-1 0,-1 0 0,0 0 0,0 1 0,-3 7 0,2-10 0,0 1 0,-1-1 0,1 1 0,0-1 0,-1 0 0,1 0 0,-1 0 0,0 0 0,1 0 0,-1 0 0,0-1 0,0 0 0,0 1 0,0-1 0,0 0 0,-1 0 0,1-1 0,0 1 0,0-1 0,-1 0 0,-4 1 0,-14-1 0,12 0 0,1 1 0,-1-1 0,1 2 0,-1-1 0,1 1 0,-9 3 0,15-4 0,1 0 0,0 1 0,-1-1 0,1 0 0,0 1 0,0-1 0,0 1 0,0 0 0,0 0 0,1 0 0,-1 0 0,0 0 0,1 0 0,0 0 0,-1 0 0,1 1 0,0-1 0,0 1 0,0-1 0,0 1 0,1-1 0,-1 1 0,1-1 0,0 1 0,-1-1 0,1 1 0,0 3 0,0-1 0,0 1 0,1-1 0,-1 0 0,1 1 0,0-1 0,0 1 0,1-1 0,-1 0 0,1 0 0,0 0 0,1 0 0,-1 0 0,1 0 0,0-1 0,0 1 0,6 6 0,-3-6 0,0 0 0,1 0 0,-1 0 0,1-1 0,0 0 0,0 0 0,1-1 0,-1 0 0,1 0 0,8 2 0,17 1 0,-1-1 0,1-1 0,0-2 0,44-3 0,-66 1 0,2 0-111,45-5-1143,-41-1-5572</inkml:trace>
+</inkml:ink>
+</file>
+
+<file path=ppt/ink/ink7.xml><?xml version="1.0" encoding="utf-8"?>
+<inkml:ink xmlns:inkml="http://www.w3.org/2003/InkML">
+  <inkml:definitions>
+    <inkml:context xml:id="ctx0">
+      <inkml:inkSource xml:id="inkSrc0">
+        <inkml:traceFormat>
+          <inkml:channel name="X" type="integer" min="-2.14748E9" max="2.14748E9" units="cm"/>
+          <inkml:channel name="Y" type="integer" min="-2.14748E9" max="2.14748E9" units="cm"/>
+          <inkml:channel name="F" type="integer" max="32767" units="dev"/>
+        </inkml:traceFormat>
+        <inkml:channelProperties>
+          <inkml:channelProperty channel="X" name="resolution" value="1000" units="1/cm"/>
+          <inkml:channelProperty channel="Y" name="resolution" value="1000" units="1/cm"/>
+          <inkml:channelProperty channel="F" name="resolution" value="0" units="1/dev"/>
+        </inkml:channelProperties>
+      </inkml:inkSource>
+      <inkml:timestamp xml:id="ts0" timeString="2026-01-13T05:53:00.389"/>
+    </inkml:context>
+    <inkml:brush xml:id="br0">
+      <inkml:brushProperty name="width" value="0.035" units="cm"/>
+      <inkml:brushProperty name="height" value="0.035" units="cm"/>
+    </inkml:brush>
+  </inkml:definitions>
+  <inkml:trace contextRef="#ctx0" brushRef="#br0">1568 0 24575,'-25'1'0,"0"1"0,1 1 0,-1 2 0,1 0 0,0 1 0,0 2 0,1 0 0,0 2 0,-23 13 0,-195 83 0,-212 110 0,285-127 0,-62 39 0,201-110 0,16-11 0,1 0 0,0 1 0,1 0 0,0 1 0,0 0 0,1 1 0,0 0 0,-12 17 0,13-15 0,1 0 0,0 1 0,1 0 0,0 0 0,1 1 0,1-1 0,0 1 0,1 1 0,0-1 0,1 0 0,1 1 0,-1 24 0,2-32 0,1-1 0,0 1 0,1 0 0,0-1 0,0 1 0,0 0 0,1-1 0,0 1 0,0-1 0,1 0 0,-1 0 0,5 7 0,-4-10 0,0 1 0,0-1 0,0 0 0,1 0 0,-1 0 0,1-1 0,0 1 0,0-1 0,-1 0 0,2 0 0,-1 0 0,0-1 0,0 1 0,0-1 0,1 0 0,-1 0 0,1-1 0,-1 1 0,6-1 0,67 3 0,105-9 0,-164 3 0,0-1 0,0-1 0,-1 0 0,0-2 0,0 0 0,30-17 0,30-12 0,138-65 0,-120 53 0,145-91 0,-148 82 0,113-53 0,-174 92 0,-2 0 0,0-2 0,-2-1 0,32-32 0,-33 31 0,-8 8 0,1 1 0,0 0 0,0 2 0,32-13 0,-28 13 0,-1 0 0,0-1 0,26-20 0,-1 0-1365,-35 22-5461</inkml:trace>
+</inkml:ink>
+</file>
+
+<file path=ppt/ink/ink8.xml><?xml version="1.0" encoding="utf-8"?>
+<inkml:ink xmlns:inkml="http://www.w3.org/2003/InkML">
+  <inkml:definitions>
+    <inkml:context xml:id="ctx0">
+      <inkml:inkSource xml:id="inkSrc0">
+        <inkml:traceFormat>
+          <inkml:channel name="X" type="integer" min="-2.14748E9" max="2.14748E9" units="cm"/>
+          <inkml:channel name="Y" type="integer" min="-2.14748E9" max="2.14748E9" units="cm"/>
+          <inkml:channel name="F" type="integer" max="32767" units="dev"/>
+        </inkml:traceFormat>
+        <inkml:channelProperties>
+          <inkml:channelProperty channel="X" name="resolution" value="1000" units="1/cm"/>
+          <inkml:channelProperty channel="Y" name="resolution" value="1000" units="1/cm"/>
+          <inkml:channelProperty channel="F" name="resolution" value="0" units="1/dev"/>
+        </inkml:channelProperties>
+      </inkml:inkSource>
+      <inkml:timestamp xml:id="ts0" timeString="2026-01-13T05:53:10.430"/>
+    </inkml:context>
+    <inkml:brush xml:id="br0">
+      <inkml:brushProperty name="width" value="0.035" units="cm"/>
+      <inkml:brushProperty name="height" value="0.035" units="cm"/>
+    </inkml:brush>
+  </inkml:definitions>
+  <inkml:trace contextRef="#ctx0" brushRef="#br0">1518 1290 24575,'-9'-1'0,"0"0"0,0-1 0,1 1 0,-1-2 0,1 1 0,-1-1 0,1-1 0,0 1 0,0-1 0,1-1 0,-1 1 0,1-1 0,0-1 0,0 1 0,0-1 0,1 0 0,-7-9 0,-12-16 0,1 0 0,-31-57 0,29 46 0,-42-66 0,-5 2 0,-125-139 0,-8-13 0,200 250 0,-45-67 0,35 49 0,-1 1 0,-1 0 0,-1 1 0,-1 1 0,-1 1 0,-36-29 0,49 47 0,1 0 0,-1 1 0,0 0 0,0 0 0,0 1 0,0 0 0,-1 0 0,1 1 0,0 0 0,-14 0 0,-86 8 0,96-6 0,1 2 0,-1-1 0,1 2 0,0-1 0,0 2 0,0-1 0,1 1 0,-1 1 0,1 0 0,1 1 0,-1 0 0,1 0 0,0 1 0,1 0 0,-1 0 0,2 1 0,-12 16 0,10-11 0,0 0 0,1 1 0,0 0 0,2 1 0,0-1 0,0 1 0,2 0 0,0 1 0,0-1 0,2 1 0,-1 28 0,2 17 0,5 132 0,-2-182 0,1 0 0,0 0 0,1 0 0,0-1 0,1 1 0,0-1 0,1 0 0,0-1 0,1 1 0,11 12 0,12 14 0,45 40 0,-8-14 0,4-3 0,2-4 0,2-3 0,3-3 0,85 41 0,-132-74 0,-1 1 0,-2 2 0,0 1 0,26 25 0,98 107 0,-73-70 0,-18-25 27,37 41-1419,-85-84-5434</inkml:trace>
+</inkml:ink>
+</file>
+
+<file path=ppt/ink/ink9.xml><?xml version="1.0" encoding="utf-8"?>
+<inkml:ink xmlns:inkml="http://www.w3.org/2003/InkML">
+  <inkml:definitions>
+    <inkml:context xml:id="ctx0">
+      <inkml:inkSource xml:id="inkSrc0">
+        <inkml:traceFormat>
+          <inkml:channel name="X" type="integer" min="-2.14748E9" max="2.14748E9" units="cm"/>
+          <inkml:channel name="Y" type="integer" min="-2.14748E9" max="2.14748E9" units="cm"/>
+          <inkml:channel name="F" type="integer" max="32767" units="dev"/>
+        </inkml:traceFormat>
+        <inkml:channelProperties>
+          <inkml:channelProperty channel="X" name="resolution" value="1000" units="1/cm"/>
+          <inkml:channelProperty channel="Y" name="resolution" value="1000" units="1/cm"/>
+          <inkml:channelProperty channel="F" name="resolution" value="0" units="1/dev"/>
+        </inkml:channelProperties>
+      </inkml:inkSource>
+      <inkml:timestamp xml:id="ts0" timeString="2026-01-13T05:53:12.400"/>
+    </inkml:context>
+    <inkml:brush xml:id="br0">
+      <inkml:brushProperty name="width" value="0.035" units="cm"/>
+      <inkml:brushProperty name="height" value="0.035" units="cm"/>
+    </inkml:brush>
+  </inkml:definitions>
+  <inkml:trace contextRef="#ctx0" brushRef="#br0">1025 311 24575,'-12'0'0,"-1"0"0,0 0 0,1-1 0,-1-1 0,1 0 0,0-1 0,-1 0 0,1-1 0,0 0 0,1-1 0,-1 0 0,1-1 0,0 0 0,1-1 0,-12-9 0,-8-7 0,-3-5 0,-2 2 0,0 1 0,-2 2 0,-1 2 0,-67-29 0,78 40 0,0 1 0,0 0 0,-1 2 0,0 2 0,0 0 0,-37-1 0,47 6 0,0 1 0,0 0 0,-24 6 0,33-5 0,1 1 0,0 0 0,0 0 0,0 1 0,0 0 0,1 0 0,-1 1 0,1 0 0,-7 6 0,3-1 0,0 0 0,1 0 0,0 1 0,1 0 0,0 1 0,1 0 0,-13 24 0,19-32 0,0-1 0,1 1 0,0-1 0,0 1 0,0 0 0,0-1 0,0 1 0,1 0 0,-1 0 0,1-1 0,0 1 0,0 0 0,1 0 0,-1 0 0,1-1 0,0 1 0,0 0 0,0-1 0,0 1 0,1-1 0,-1 1 0,1-1 0,0 0 0,0 1 0,0-1 0,0 0 0,1 0 0,-1-1 0,1 1 0,0 0 0,0-1 0,0 0 0,0 0 0,0 1 0,5 1 0,10 4 0,0 0 0,0-1 0,1-1 0,0-1 0,26 4 0,25 7 0,-17-1 0,-39-13 0,-1 1 0,0 0 0,0 1 0,0 1 0,0 0 0,0 1 0,-1 0 0,0 1 0,-1 1 0,1 0 0,-1 0 0,11 12 0,-16-14 0,1 1 0,-2 0 0,1 0 0,-1 0 0,0 1 0,-1 0 0,5 10 0,-8-17 0,-1 1 0,1-1 0,-1 1 0,0 0 0,1-1 0,-1 1 0,0 0 0,0-1 0,0 1 0,0 0 0,0-1 0,-1 1 0,1-1 0,0 1 0,-1 0 0,1-1 0,-1 1 0,-1 1 0,1-1 0,-1 0 0,1 0 0,-1-1 0,0 1 0,0-1 0,0 1 0,0-1 0,0 0 0,0 0 0,0 0 0,0 0 0,0 0 0,0 0 0,-1 0 0,1-1 0,-5 1 0,-19 2 0,1-1 0,-1-1 0,0-2 0,-30-3 0,33 1 0,0 1 0,0 2 0,0 0 0,0 1 0,-36 7 0,54-6 0,0 0 0,0 0 0,1 0 0,-1 1 0,1-1 0,0 1 0,0 0 0,0 1 0,0-1 0,0 1 0,1-1 0,-1 1 0,1 0 0,0 1 0,0-1 0,1 0 0,-1 1 0,1-1 0,0 1 0,0 0 0,1 0 0,-1 0 0,1 0 0,0 0 0,0 9 0,-2 10 0,1 0 0,2 0 0,1 0 0,3 27 0,-3-46 0,0 0 0,0 1 0,1-1 0,-1 0 0,1 0 0,0 0 0,0 0 0,1-1 0,0 1 0,0-1 0,0 1 0,0-1 0,0 0 0,1 0 0,0 0 0,0-1 0,0 1 0,0-1 0,1 0 0,-1 0 0,8 3 0,9 3 0,1 0 0,-1-2 0,43 9 0,-4 0 0,145 39-1365,-184-49-5461</inkml:trace>
+</inkml:ink>
 </file>
 
 <file path=ppt/slideLayouts/slideLayout1.xml><?xml version="1.0" encoding="utf-8"?>
@@ -269,7 +622,7 @@
           <a:p>
             <a:fld id="{127C1622-C0C2-42A6-A420-A2525B32B105}" type="datetimeFigureOut">
               <a:rPr lang="ko-KR" altLang="en-US" smtClean="0"/>
-              <a:t>2026-01-12</a:t>
+              <a:t>2026-01-13</a:t>
             </a:fld>
             <a:endParaRPr lang="ko-KR" altLang="en-US"/>
           </a:p>
@@ -467,7 +820,7 @@
           <a:p>
             <a:fld id="{127C1622-C0C2-42A6-A420-A2525B32B105}" type="datetimeFigureOut">
               <a:rPr lang="ko-KR" altLang="en-US" smtClean="0"/>
-              <a:t>2026-01-12</a:t>
+              <a:t>2026-01-13</a:t>
             </a:fld>
             <a:endParaRPr lang="ko-KR" altLang="en-US"/>
           </a:p>
@@ -675,7 +1028,7 @@
           <a:p>
             <a:fld id="{127C1622-C0C2-42A6-A420-A2525B32B105}" type="datetimeFigureOut">
               <a:rPr lang="ko-KR" altLang="en-US" smtClean="0"/>
-              <a:t>2026-01-12</a:t>
+              <a:t>2026-01-13</a:t>
             </a:fld>
             <a:endParaRPr lang="ko-KR" altLang="en-US"/>
           </a:p>
@@ -873,7 +1226,7 @@
           <a:p>
             <a:fld id="{127C1622-C0C2-42A6-A420-A2525B32B105}" type="datetimeFigureOut">
               <a:rPr lang="ko-KR" altLang="en-US" smtClean="0"/>
-              <a:t>2026-01-12</a:t>
+              <a:t>2026-01-13</a:t>
             </a:fld>
             <a:endParaRPr lang="ko-KR" altLang="en-US"/>
           </a:p>
@@ -1148,7 +1501,7 @@
           <a:p>
             <a:fld id="{127C1622-C0C2-42A6-A420-A2525B32B105}" type="datetimeFigureOut">
               <a:rPr lang="ko-KR" altLang="en-US" smtClean="0"/>
-              <a:t>2026-01-12</a:t>
+              <a:t>2026-01-13</a:t>
             </a:fld>
             <a:endParaRPr lang="ko-KR" altLang="en-US"/>
           </a:p>
@@ -1413,7 +1766,7 @@
           <a:p>
             <a:fld id="{127C1622-C0C2-42A6-A420-A2525B32B105}" type="datetimeFigureOut">
               <a:rPr lang="ko-KR" altLang="en-US" smtClean="0"/>
-              <a:t>2026-01-12</a:t>
+              <a:t>2026-01-13</a:t>
             </a:fld>
             <a:endParaRPr lang="ko-KR" altLang="en-US"/>
           </a:p>
@@ -1825,7 +2178,7 @@
           <a:p>
             <a:fld id="{127C1622-C0C2-42A6-A420-A2525B32B105}" type="datetimeFigureOut">
               <a:rPr lang="ko-KR" altLang="en-US" smtClean="0"/>
-              <a:t>2026-01-12</a:t>
+              <a:t>2026-01-13</a:t>
             </a:fld>
             <a:endParaRPr lang="ko-KR" altLang="en-US"/>
           </a:p>
@@ -1966,7 +2319,7 @@
           <a:p>
             <a:fld id="{127C1622-C0C2-42A6-A420-A2525B32B105}" type="datetimeFigureOut">
               <a:rPr lang="ko-KR" altLang="en-US" smtClean="0"/>
-              <a:t>2026-01-12</a:t>
+              <a:t>2026-01-13</a:t>
             </a:fld>
             <a:endParaRPr lang="ko-KR" altLang="en-US"/>
           </a:p>
@@ -2079,7 +2432,7 @@
           <a:p>
             <a:fld id="{127C1622-C0C2-42A6-A420-A2525B32B105}" type="datetimeFigureOut">
               <a:rPr lang="ko-KR" altLang="en-US" smtClean="0"/>
-              <a:t>2026-01-12</a:t>
+              <a:t>2026-01-13</a:t>
             </a:fld>
             <a:endParaRPr lang="ko-KR" altLang="en-US"/>
           </a:p>
@@ -2390,7 +2743,7 @@
           <a:p>
             <a:fld id="{127C1622-C0C2-42A6-A420-A2525B32B105}" type="datetimeFigureOut">
               <a:rPr lang="ko-KR" altLang="en-US" smtClean="0"/>
-              <a:t>2026-01-12</a:t>
+              <a:t>2026-01-13</a:t>
             </a:fld>
             <a:endParaRPr lang="ko-KR" altLang="en-US"/>
           </a:p>
@@ -2678,7 +3031,7 @@
           <a:p>
             <a:fld id="{127C1622-C0C2-42A6-A420-A2525B32B105}" type="datetimeFigureOut">
               <a:rPr lang="ko-KR" altLang="en-US" smtClean="0"/>
-              <a:t>2026-01-12</a:t>
+              <a:t>2026-01-13</a:t>
             </a:fld>
             <a:endParaRPr lang="ko-KR" altLang="en-US"/>
           </a:p>
@@ -2919,7 +3272,7 @@
           <a:p>
             <a:fld id="{127C1622-C0C2-42A6-A420-A2525B32B105}" type="datetimeFigureOut">
               <a:rPr lang="ko-KR" altLang="en-US" smtClean="0"/>
-              <a:t>2026-01-12</a:t>
+              <a:t>2026-01-13</a:t>
             </a:fld>
             <a:endParaRPr lang="ko-KR" altLang="en-US"/>
           </a:p>
@@ -4266,10 +4619,10 @@
         </p:nvGrpSpPr>
         <p:grpSpPr>
           <a:xfrm>
-            <a:off x="145383" y="253532"/>
-            <a:ext cx="7234222" cy="6011200"/>
-            <a:chOff x="1293043" y="427324"/>
-            <a:chExt cx="6574608" cy="6011200"/>
+            <a:off x="351190" y="199085"/>
+            <a:ext cx="7234222" cy="6015955"/>
+            <a:chOff x="1293043" y="422568"/>
+            <a:chExt cx="6574608" cy="6015955"/>
           </a:xfrm>
         </p:grpSpPr>
         <p:grpSp>
@@ -4286,10 +4639,10 @@
           </p:nvGrpSpPr>
           <p:grpSpPr>
             <a:xfrm>
-              <a:off x="1293043" y="427324"/>
-              <a:ext cx="6574608" cy="6011200"/>
-              <a:chOff x="1293043" y="427324"/>
-              <a:chExt cx="6574608" cy="6011200"/>
+              <a:off x="1293043" y="422568"/>
+              <a:ext cx="6574608" cy="6015955"/>
+              <a:chOff x="1293043" y="422568"/>
+              <a:chExt cx="6574608" cy="6015955"/>
             </a:xfrm>
           </p:grpSpPr>
           <p:grpSp>
@@ -4306,10 +4659,10 @@
             </p:nvGrpSpPr>
             <p:grpSpPr>
               <a:xfrm>
-                <a:off x="1293043" y="427324"/>
-                <a:ext cx="6574608" cy="6011200"/>
-                <a:chOff x="687845" y="2336844"/>
-                <a:chExt cx="4308091" cy="3611513"/>
+                <a:off x="1293043" y="422568"/>
+                <a:ext cx="6574608" cy="6015955"/>
+                <a:chOff x="687845" y="2333987"/>
+                <a:chExt cx="4308091" cy="3614370"/>
               </a:xfrm>
               <a:solidFill>
                 <a:schemeClr val="bg1"/>
@@ -4341,6 +4694,13 @@
                     <a:schemeClr val="tx1"/>
                   </a:solidFill>
                 </a:ln>
+                <a:scene3d>
+                  <a:camera prst="orthographicFront"/>
+                  <a:lightRig rig="threePt" dir="t"/>
+                </a:scene3d>
+                <a:sp3d>
+                  <a:bevelT w="114300" prst="hardEdge"/>
+                </a:sp3d>
               </p:spPr>
               <p:style>
                 <a:lnRef idx="2">
@@ -4393,6 +4753,13 @@
                     <a:schemeClr val="tx1"/>
                   </a:solidFill>
                 </a:ln>
+                <a:scene3d>
+                  <a:camera prst="orthographicFront"/>
+                  <a:lightRig rig="threePt" dir="t"/>
+                </a:scene3d>
+                <a:sp3d>
+                  <a:bevelT w="114300" prst="hardEdge"/>
+                </a:sp3d>
               </p:spPr>
               <p:style>
                 <a:lnRef idx="2">
@@ -4445,6 +4812,13 @@
                     <a:schemeClr val="tx1"/>
                   </a:solidFill>
                 </a:ln>
+                <a:scene3d>
+                  <a:camera prst="orthographicFront"/>
+                  <a:lightRig rig="threePt" dir="t"/>
+                </a:scene3d>
+                <a:sp3d>
+                  <a:bevelT w="114300" prst="hardEdge"/>
+                </a:sp3d>
               </p:spPr>
               <p:style>
                 <a:lnRef idx="2">
@@ -4467,7 +4841,7 @@
                 <a:lstStyle/>
                 <a:p>
                   <a:pPr algn="ctr"/>
-                  <a:endParaRPr lang="ko-KR" altLang="en-US" sz="1013"/>
+                  <a:endParaRPr lang="ko-KR" altLang="en-US" sz="1013" dirty="0"/>
                 </a:p>
               </p:txBody>
             </p:sp>
@@ -4598,8 +4972,8 @@
                 <p:nvPr/>
               </p:nvSpPr>
               <p:spPr>
-                <a:xfrm rot="1599716">
-                  <a:off x="3008452" y="3312570"/>
+                <a:xfrm rot="1583793">
+                  <a:off x="3008452" y="3309710"/>
                   <a:ext cx="704321" cy="98450"/>
                 </a:xfrm>
                 <a:prstGeom prst="rect">
@@ -4782,6 +5156,13 @@
                     <a:schemeClr val="tx1"/>
                   </a:solidFill>
                 </a:ln>
+                <a:scene3d>
+                  <a:camera prst="orthographicFront"/>
+                  <a:lightRig rig="threePt" dir="t"/>
+                </a:scene3d>
+                <a:sp3d>
+                  <a:bevelT w="114300" prst="hardEdge"/>
+                </a:sp3d>
               </p:spPr>
               <p:style>
                 <a:lnRef idx="2">
@@ -4938,6 +5319,13 @@
                     <a:schemeClr val="tx1"/>
                   </a:solidFill>
                 </a:ln>
+                <a:scene3d>
+                  <a:camera prst="orthographicFront"/>
+                  <a:lightRig rig="threePt" dir="t"/>
+                </a:scene3d>
+                <a:sp3d>
+                  <a:bevelT w="114300" prst="hardEdge"/>
+                </a:sp3d>
               </p:spPr>
               <p:style>
                 <a:lnRef idx="2">
@@ -5172,6 +5560,13 @@
                       <a:schemeClr val="tx1"/>
                     </a:solidFill>
                   </a:ln>
+                  <a:scene3d>
+                    <a:camera prst="orthographicFront"/>
+                    <a:lightRig rig="threePt" dir="t"/>
+                  </a:scene3d>
+                  <a:sp3d>
+                    <a:bevelT w="114300" prst="hardEdge"/>
+                  </a:sp3d>
                 </p:spPr>
                 <p:style>
                   <a:lnRef idx="2">
@@ -5350,6 +5745,13 @@
                       <a:schemeClr val="tx1"/>
                     </a:solidFill>
                   </a:ln>
+                  <a:scene3d>
+                    <a:camera prst="orthographicFront"/>
+                    <a:lightRig rig="threePt" dir="t"/>
+                  </a:scene3d>
+                  <a:sp3d>
+                    <a:bevelT w="114300" prst="hardEdge"/>
+                  </a:sp3d>
                 </p:spPr>
                 <p:style>
                   <a:lnRef idx="2">
@@ -5495,9 +5897,9 @@
               </p:nvGrpSpPr>
               <p:grpSpPr>
                 <a:xfrm rot="1600827">
-                  <a:off x="3098836" y="2336844"/>
+                  <a:off x="3098846" y="2333987"/>
                   <a:ext cx="1044000" cy="1044000"/>
-                  <a:chOff x="689405" y="3629513"/>
+                  <a:chOff x="688131" y="3626956"/>
                   <a:chExt cx="1044000" cy="1044000"/>
                 </a:xfrm>
                 <a:grpFill/>
@@ -5516,7 +5918,7 @@
                 </p:nvSpPr>
                 <p:spPr>
                   <a:xfrm>
-                    <a:off x="689405" y="3629513"/>
+                    <a:off x="688131" y="3626956"/>
                     <a:ext cx="1044000" cy="1044000"/>
                   </a:xfrm>
                   <a:prstGeom prst="roundRect">
@@ -5528,6 +5930,13 @@
                       <a:schemeClr val="tx1"/>
                     </a:solidFill>
                   </a:ln>
+                  <a:scene3d>
+                    <a:camera prst="orthographicFront"/>
+                    <a:lightRig rig="threePt" dir="t"/>
+                  </a:scene3d>
+                  <a:sp3d>
+                    <a:bevelT w="114300" prst="hardEdge"/>
+                  </a:sp3d>
                 </p:spPr>
                 <p:style>
                   <a:lnRef idx="2">
@@ -5706,6 +6115,13 @@
                       <a:schemeClr val="tx1"/>
                     </a:solidFill>
                   </a:ln>
+                  <a:scene3d>
+                    <a:camera prst="orthographicFront"/>
+                    <a:lightRig rig="threePt" dir="t"/>
+                  </a:scene3d>
+                  <a:sp3d>
+                    <a:bevelT w="114300" prst="hardEdge"/>
+                  </a:sp3d>
                 </p:spPr>
                 <p:style>
                   <a:lnRef idx="2">
@@ -5951,6 +6367,405 @@
                 </a:p>
               </p:txBody>
             </p:sp>
+            <p:sp>
+              <p:nvSpPr>
+                <p:cNvPr id="82" name="직사각형 81">
+                  <a:extLst>
+                    <a:ext uri="{FF2B5EF4-FFF2-40B4-BE49-F238E27FC236}">
+                      <a16:creationId xmlns:a16="http://schemas.microsoft.com/office/drawing/2014/main" id="{184E9E63-FB97-9FA4-3A31-57EDEDD04FD0}"/>
+                    </a:ext>
+                  </a:extLst>
+                </p:cNvPr>
+                <p:cNvSpPr/>
+                <p:nvPr/>
+              </p:nvSpPr>
+              <p:spPr>
+                <a:xfrm rot="16200000">
+                  <a:off x="1422005" y="4097962"/>
+                  <a:ext cx="712781" cy="97282"/>
+                </a:xfrm>
+                <a:prstGeom prst="rect">
+                  <a:avLst/>
+                </a:prstGeom>
+                <a:solidFill>
+                  <a:schemeClr val="tx2">
+                    <a:lumMod val="10000"/>
+                    <a:lumOff val="90000"/>
+                  </a:schemeClr>
+                </a:solidFill>
+                <a:ln>
+                  <a:solidFill>
+                    <a:schemeClr val="tx1"/>
+                  </a:solidFill>
+                </a:ln>
+              </p:spPr>
+              <p:style>
+                <a:lnRef idx="2">
+                  <a:schemeClr val="accent1">
+                    <a:shade val="15000"/>
+                  </a:schemeClr>
+                </a:lnRef>
+                <a:fillRef idx="1">
+                  <a:schemeClr val="accent1"/>
+                </a:fillRef>
+                <a:effectRef idx="0">
+                  <a:schemeClr val="accent1"/>
+                </a:effectRef>
+                <a:fontRef idx="minor">
+                  <a:schemeClr val="lt1"/>
+                </a:fontRef>
+              </p:style>
+              <p:txBody>
+                <a:bodyPr rtlCol="0" anchor="ctr"/>
+                <a:lstStyle/>
+                <a:p>
+                  <a:pPr algn="ctr"/>
+                  <a:endParaRPr lang="ko-KR" altLang="en-US" sz="1013" dirty="0"/>
+                </a:p>
+              </p:txBody>
+            </p:sp>
+            <p:sp>
+              <p:nvSpPr>
+                <p:cNvPr id="83" name="직사각형 82">
+                  <a:extLst>
+                    <a:ext uri="{FF2B5EF4-FFF2-40B4-BE49-F238E27FC236}">
+                      <a16:creationId xmlns:a16="http://schemas.microsoft.com/office/drawing/2014/main" id="{999A2466-858D-F305-DDC2-B2E5C1EE0967}"/>
+                    </a:ext>
+                  </a:extLst>
+                </p:cNvPr>
+                <p:cNvSpPr/>
+                <p:nvPr/>
+              </p:nvSpPr>
+              <p:spPr>
+                <a:xfrm rot="1583793">
+                  <a:off x="3006361" y="3309294"/>
+                  <a:ext cx="704321" cy="98450"/>
+                </a:xfrm>
+                <a:prstGeom prst="rect">
+                  <a:avLst/>
+                </a:prstGeom>
+                <a:solidFill>
+                  <a:schemeClr val="tx2">
+                    <a:lumMod val="10000"/>
+                    <a:lumOff val="90000"/>
+                  </a:schemeClr>
+                </a:solidFill>
+                <a:ln>
+                  <a:solidFill>
+                    <a:schemeClr val="tx1"/>
+                  </a:solidFill>
+                </a:ln>
+              </p:spPr>
+              <p:style>
+                <a:lnRef idx="2">
+                  <a:schemeClr val="accent1">
+                    <a:shade val="15000"/>
+                  </a:schemeClr>
+                </a:lnRef>
+                <a:fillRef idx="1">
+                  <a:schemeClr val="accent1"/>
+                </a:fillRef>
+                <a:effectRef idx="0">
+                  <a:schemeClr val="accent1"/>
+                </a:effectRef>
+                <a:fontRef idx="minor">
+                  <a:schemeClr val="lt1"/>
+                </a:fontRef>
+              </p:style>
+              <p:txBody>
+                <a:bodyPr rtlCol="0" anchor="ctr"/>
+                <a:lstStyle/>
+                <a:p>
+                  <a:pPr algn="ctr"/>
+                  <a:endParaRPr lang="ko-KR" altLang="en-US" sz="1013"/>
+                </a:p>
+              </p:txBody>
+            </p:sp>
+            <p:sp>
+              <p:nvSpPr>
+                <p:cNvPr id="84" name="직사각형 83">
+                  <a:extLst>
+                    <a:ext uri="{FF2B5EF4-FFF2-40B4-BE49-F238E27FC236}">
+                      <a16:creationId xmlns:a16="http://schemas.microsoft.com/office/drawing/2014/main" id="{E277BBDA-DE5E-6F53-2535-80DE4A8B7469}"/>
+                    </a:ext>
+                  </a:extLst>
+                </p:cNvPr>
+                <p:cNvSpPr/>
+                <p:nvPr/>
+              </p:nvSpPr>
+              <p:spPr>
+                <a:xfrm rot="10800000">
+                  <a:off x="1977035" y="5137572"/>
+                  <a:ext cx="712781" cy="97282"/>
+                </a:xfrm>
+                <a:prstGeom prst="rect">
+                  <a:avLst/>
+                </a:prstGeom>
+                <a:solidFill>
+                  <a:schemeClr val="tx2">
+                    <a:lumMod val="10000"/>
+                    <a:lumOff val="90000"/>
+                  </a:schemeClr>
+                </a:solidFill>
+                <a:ln>
+                  <a:solidFill>
+                    <a:schemeClr val="tx1"/>
+                  </a:solidFill>
+                </a:ln>
+              </p:spPr>
+              <p:style>
+                <a:lnRef idx="2">
+                  <a:schemeClr val="accent1">
+                    <a:shade val="15000"/>
+                  </a:schemeClr>
+                </a:lnRef>
+                <a:fillRef idx="1">
+                  <a:schemeClr val="accent1"/>
+                </a:fillRef>
+                <a:effectRef idx="0">
+                  <a:schemeClr val="accent1"/>
+                </a:effectRef>
+                <a:fontRef idx="minor">
+                  <a:schemeClr val="lt1"/>
+                </a:fontRef>
+              </p:style>
+              <p:txBody>
+                <a:bodyPr rtlCol="0" anchor="ctr"/>
+                <a:lstStyle/>
+                <a:p>
+                  <a:pPr algn="ctr"/>
+                  <a:endParaRPr lang="ko-KR" altLang="en-US" sz="1013"/>
+                </a:p>
+              </p:txBody>
+            </p:sp>
+            <p:sp>
+              <p:nvSpPr>
+                <p:cNvPr id="85" name="직사각형 84">
+                  <a:extLst>
+                    <a:ext uri="{FF2B5EF4-FFF2-40B4-BE49-F238E27FC236}">
+                      <a16:creationId xmlns:a16="http://schemas.microsoft.com/office/drawing/2014/main" id="{D26DC1A1-07F4-693D-449D-DE12A6E0320E}"/>
+                    </a:ext>
+                  </a:extLst>
+                </p:cNvPr>
+                <p:cNvSpPr/>
+                <p:nvPr/>
+              </p:nvSpPr>
+              <p:spPr>
+                <a:xfrm rot="10800000">
+                  <a:off x="2989382" y="5137572"/>
+                  <a:ext cx="712781" cy="97282"/>
+                </a:xfrm>
+                <a:prstGeom prst="rect">
+                  <a:avLst/>
+                </a:prstGeom>
+                <a:solidFill>
+                  <a:schemeClr val="tx2">
+                    <a:lumMod val="10000"/>
+                    <a:lumOff val="90000"/>
+                  </a:schemeClr>
+                </a:solidFill>
+                <a:ln>
+                  <a:solidFill>
+                    <a:schemeClr val="tx1"/>
+                  </a:solidFill>
+                </a:ln>
+              </p:spPr>
+              <p:style>
+                <a:lnRef idx="2">
+                  <a:schemeClr val="accent1">
+                    <a:shade val="15000"/>
+                  </a:schemeClr>
+                </a:lnRef>
+                <a:fillRef idx="1">
+                  <a:schemeClr val="accent1"/>
+                </a:fillRef>
+                <a:effectRef idx="0">
+                  <a:schemeClr val="accent1"/>
+                </a:effectRef>
+                <a:fontRef idx="minor">
+                  <a:schemeClr val="lt1"/>
+                </a:fontRef>
+              </p:style>
+              <p:txBody>
+                <a:bodyPr rtlCol="0" anchor="ctr"/>
+                <a:lstStyle/>
+                <a:p>
+                  <a:pPr algn="ctr"/>
+                  <a:endParaRPr lang="ko-KR" altLang="en-US" sz="1013"/>
+                </a:p>
+              </p:txBody>
+            </p:sp>
+            <p:sp>
+              <p:nvSpPr>
+                <p:cNvPr id="86" name="직사각형 85">
+                  <a:extLst>
+                    <a:ext uri="{FF2B5EF4-FFF2-40B4-BE49-F238E27FC236}">
+                      <a16:creationId xmlns:a16="http://schemas.microsoft.com/office/drawing/2014/main" id="{45C7A4DD-009C-4FA8-F780-B473031C7474}"/>
+                    </a:ext>
+                  </a:extLst>
+                </p:cNvPr>
+                <p:cNvSpPr/>
+                <p:nvPr/>
+              </p:nvSpPr>
+              <p:spPr>
+                <a:xfrm rot="16200000">
+                  <a:off x="3544813" y="4097964"/>
+                  <a:ext cx="712781" cy="97282"/>
+                </a:xfrm>
+                <a:prstGeom prst="rect">
+                  <a:avLst/>
+                </a:prstGeom>
+                <a:solidFill>
+                  <a:schemeClr val="tx2">
+                    <a:lumMod val="10000"/>
+                    <a:lumOff val="90000"/>
+                  </a:schemeClr>
+                </a:solidFill>
+                <a:ln>
+                  <a:solidFill>
+                    <a:schemeClr val="tx1"/>
+                  </a:solidFill>
+                </a:ln>
+              </p:spPr>
+              <p:style>
+                <a:lnRef idx="2">
+                  <a:schemeClr val="accent1">
+                    <a:shade val="15000"/>
+                  </a:schemeClr>
+                </a:lnRef>
+                <a:fillRef idx="1">
+                  <a:schemeClr val="accent1"/>
+                </a:fillRef>
+                <a:effectRef idx="0">
+                  <a:schemeClr val="accent1"/>
+                </a:effectRef>
+                <a:fontRef idx="minor">
+                  <a:schemeClr val="lt1"/>
+                </a:fontRef>
+              </p:style>
+              <p:txBody>
+                <a:bodyPr rtlCol="0" anchor="ctr"/>
+                <a:lstStyle/>
+                <a:p>
+                  <a:pPr algn="ctr"/>
+                  <a:endParaRPr lang="ko-KR" altLang="en-US" sz="1013" dirty="0"/>
+                </a:p>
+              </p:txBody>
+            </p:sp>
+            <p:sp>
+              <p:nvSpPr>
+                <p:cNvPr id="87" name="직사각형 86">
+                  <a:extLst>
+                    <a:ext uri="{FF2B5EF4-FFF2-40B4-BE49-F238E27FC236}">
+                      <a16:creationId xmlns:a16="http://schemas.microsoft.com/office/drawing/2014/main" id="{5D37F62F-5295-868E-8BE6-2E03262F7FEB}"/>
+                    </a:ext>
+                  </a:extLst>
+                </p:cNvPr>
+                <p:cNvSpPr/>
+                <p:nvPr/>
+              </p:nvSpPr>
+              <p:spPr>
+                <a:xfrm rot="10800000">
+                  <a:off x="1977034" y="5850659"/>
+                  <a:ext cx="712781" cy="97282"/>
+                </a:xfrm>
+                <a:prstGeom prst="rect">
+                  <a:avLst/>
+                </a:prstGeom>
+                <a:solidFill>
+                  <a:schemeClr val="tx2">
+                    <a:lumMod val="10000"/>
+                    <a:lumOff val="90000"/>
+                  </a:schemeClr>
+                </a:solidFill>
+                <a:ln>
+                  <a:solidFill>
+                    <a:schemeClr val="tx1"/>
+                  </a:solidFill>
+                </a:ln>
+              </p:spPr>
+              <p:style>
+                <a:lnRef idx="2">
+                  <a:schemeClr val="accent1">
+                    <a:shade val="15000"/>
+                  </a:schemeClr>
+                </a:lnRef>
+                <a:fillRef idx="1">
+                  <a:schemeClr val="accent1"/>
+                </a:fillRef>
+                <a:effectRef idx="0">
+                  <a:schemeClr val="accent1"/>
+                </a:effectRef>
+                <a:fontRef idx="minor">
+                  <a:schemeClr val="lt1"/>
+                </a:fontRef>
+              </p:style>
+              <p:txBody>
+                <a:bodyPr rtlCol="0" anchor="ctr"/>
+                <a:lstStyle/>
+                <a:p>
+                  <a:pPr algn="ctr"/>
+                  <a:endParaRPr lang="ko-KR" altLang="en-US" sz="1013"/>
+                </a:p>
+              </p:txBody>
+            </p:sp>
+            <p:sp>
+              <p:nvSpPr>
+                <p:cNvPr id="88" name="직사각형 87">
+                  <a:extLst>
+                    <a:ext uri="{FF2B5EF4-FFF2-40B4-BE49-F238E27FC236}">
+                      <a16:creationId xmlns:a16="http://schemas.microsoft.com/office/drawing/2014/main" id="{FEE9F76B-333B-5341-BEA7-E359F4DFEF27}"/>
+                    </a:ext>
+                  </a:extLst>
+                </p:cNvPr>
+                <p:cNvSpPr/>
+                <p:nvPr/>
+              </p:nvSpPr>
+              <p:spPr>
+                <a:xfrm rot="10800000">
+                  <a:off x="2991894" y="5850659"/>
+                  <a:ext cx="712781" cy="97282"/>
+                </a:xfrm>
+                <a:prstGeom prst="rect">
+                  <a:avLst/>
+                </a:prstGeom>
+                <a:solidFill>
+                  <a:schemeClr val="tx2">
+                    <a:lumMod val="10000"/>
+                    <a:lumOff val="90000"/>
+                  </a:schemeClr>
+                </a:solidFill>
+                <a:ln>
+                  <a:solidFill>
+                    <a:schemeClr val="tx1"/>
+                  </a:solidFill>
+                </a:ln>
+              </p:spPr>
+              <p:style>
+                <a:lnRef idx="2">
+                  <a:schemeClr val="accent1">
+                    <a:shade val="15000"/>
+                  </a:schemeClr>
+                </a:lnRef>
+                <a:fillRef idx="1">
+                  <a:schemeClr val="accent1"/>
+                </a:fillRef>
+                <a:effectRef idx="0">
+                  <a:schemeClr val="accent1"/>
+                </a:effectRef>
+                <a:fontRef idx="minor">
+                  <a:schemeClr val="lt1"/>
+                </a:fontRef>
+              </p:style>
+              <p:txBody>
+                <a:bodyPr rtlCol="0" anchor="ctr"/>
+                <a:lstStyle/>
+                <a:p>
+                  <a:pPr algn="ctr"/>
+                  <a:endParaRPr lang="ko-KR" altLang="en-US" sz="1013"/>
+                </a:p>
+              </p:txBody>
+            </p:sp>
           </p:grpSp>
           <p:sp>
             <p:nvSpPr>
@@ -6054,7 +6869,7 @@
               <a:lstStyle/>
               <a:p>
                 <a:pPr algn="ctr"/>
-                <a:endParaRPr lang="ko-KR" altLang="en-US"/>
+                <a:endParaRPr lang="ko-KR" altLang="en-US" dirty="0"/>
               </a:p>
             </p:txBody>
           </p:sp>
@@ -6114,12 +6929,113 @@
           </p:txBody>
         </p:sp>
       </p:grpSp>
+      <p:pic>
+        <p:nvPicPr>
+          <p:cNvPr id="68" name="그림 67" descr="화이트, 디자인이(가) 표시된 사진&#10;&#10;AI 생성 콘텐츠는 정확하지 않을 수 있습니다.">
+            <a:extLst>
+              <a:ext uri="{FF2B5EF4-FFF2-40B4-BE49-F238E27FC236}">
+                <a16:creationId xmlns:a16="http://schemas.microsoft.com/office/drawing/2014/main" id="{5A5F51B9-F0BD-FB1D-69F3-D2BF9576A42B}"/>
+              </a:ext>
+            </a:extLst>
+          </p:cNvPr>
+          <p:cNvPicPr>
+            <a:picLocks noChangeAspect="1"/>
+          </p:cNvPicPr>
+          <p:nvPr/>
+        </p:nvPicPr>
+        <p:blipFill>
+          <a:blip r:embed="rId2">
+            <a:extLst>
+              <a:ext uri="{28A0092B-C50C-407E-A947-70E740481C1C}">
+                <a14:useLocalDpi xmlns:a14="http://schemas.microsoft.com/office/drawing/2010/main" val="0"/>
+              </a:ext>
+            </a:extLst>
+          </a:blip>
+          <a:stretch>
+            <a:fillRect/>
+          </a:stretch>
+        </p:blipFill>
+        <p:spPr>
+          <a:xfrm>
+            <a:off x="9902721" y="2656229"/>
+            <a:ext cx="318658" cy="271552"/>
+          </a:xfrm>
+          <a:prstGeom prst="rect">
+            <a:avLst/>
+          </a:prstGeom>
+        </p:spPr>
+      </p:pic>
+      <p:sp>
+        <p:nvSpPr>
+          <p:cNvPr id="2" name="타원 1">
+            <a:extLst>
+              <a:ext uri="{FF2B5EF4-FFF2-40B4-BE49-F238E27FC236}">
+                <a16:creationId xmlns:a16="http://schemas.microsoft.com/office/drawing/2014/main" id="{51C2B642-4BEA-27E4-C497-30AA9543B386}"/>
+              </a:ext>
+            </a:extLst>
+          </p:cNvPr>
+          <p:cNvSpPr/>
+          <p:nvPr/>
+        </p:nvSpPr>
+        <p:spPr>
+          <a:xfrm>
+            <a:off x="9506139" y="3961832"/>
+            <a:ext cx="183600" cy="183600"/>
+          </a:xfrm>
+          <a:prstGeom prst="ellipse">
+            <a:avLst/>
+          </a:prstGeom>
+          <a:solidFill>
+            <a:schemeClr val="bg2">
+              <a:lumMod val="90000"/>
+            </a:schemeClr>
+          </a:solidFill>
+          <a:ln>
+            <a:solidFill>
+              <a:schemeClr val="bg2">
+                <a:lumMod val="75000"/>
+              </a:schemeClr>
+            </a:solidFill>
+          </a:ln>
+          <a:scene3d>
+            <a:camera prst="orthographicFront"/>
+            <a:lightRig rig="threePt" dir="t"/>
+          </a:scene3d>
+          <a:sp3d>
+            <a:bevelT w="114300" prst="hardEdge"/>
+          </a:sp3d>
+        </p:spPr>
+        <p:style>
+          <a:lnRef idx="2">
+            <a:schemeClr val="accent1">
+              <a:shade val="15000"/>
+            </a:schemeClr>
+          </a:lnRef>
+          <a:fillRef idx="1">
+            <a:schemeClr val="accent1"/>
+          </a:fillRef>
+          <a:effectRef idx="0">
+            <a:schemeClr val="accent1"/>
+          </a:effectRef>
+          <a:fontRef idx="minor">
+            <a:schemeClr val="lt1"/>
+          </a:fontRef>
+        </p:style>
+        <p:txBody>
+          <a:bodyPr rtlCol="0" anchor="ctr"/>
+          <a:lstStyle/>
+          <a:p>
+            <a:pPr algn="ctr"/>
+            <a:endParaRPr lang="ko-KR" altLang="en-US"/>
+          </a:p>
+        </p:txBody>
+      </p:sp>
       <p:grpSp>
         <p:nvGrpSpPr>
-          <p:cNvPr id="59" name="그룹 58">
+          <p:cNvPr id="80" name="그룹 79">
             <a:extLst>
               <a:ext uri="{FF2B5EF4-FFF2-40B4-BE49-F238E27FC236}">
-                <a16:creationId xmlns:a16="http://schemas.microsoft.com/office/drawing/2014/main" id="{DB2F5F20-C2CB-0ADD-BE6F-211755375505}"/>
+                <a16:creationId xmlns:a16="http://schemas.microsoft.com/office/drawing/2014/main" id="{C3356E13-9E72-EBBC-053D-1CA397C8197B}"/>
               </a:ext>
             </a:extLst>
           </p:cNvPr>
@@ -6127,19 +7043,19 @@
           <p:nvPr/>
         </p:nvGrpSpPr>
         <p:grpSpPr>
-          <a:xfrm rot="2033279">
-            <a:off x="6719992" y="1467802"/>
-            <a:ext cx="482735" cy="347740"/>
-            <a:chOff x="7490394" y="964108"/>
-            <a:chExt cx="482735" cy="347740"/>
+          <a:xfrm>
+            <a:off x="8166822" y="4513762"/>
+            <a:ext cx="768574" cy="67492"/>
+            <a:chOff x="7326313" y="4325793"/>
+            <a:chExt cx="768574" cy="67492"/>
           </a:xfrm>
         </p:grpSpPr>
         <p:sp>
           <p:nvSpPr>
-            <p:cNvPr id="54" name="순서도: 수행의 시작/종료 53">
+            <p:cNvPr id="79" name="자유형: 도형 78">
               <a:extLst>
                 <a:ext uri="{FF2B5EF4-FFF2-40B4-BE49-F238E27FC236}">
-                  <a16:creationId xmlns:a16="http://schemas.microsoft.com/office/drawing/2014/main" id="{FA92DFFE-35FE-39A4-D944-50B7A8902D7E}"/>
+                  <a16:creationId xmlns:a16="http://schemas.microsoft.com/office/drawing/2014/main" id="{F6F2081D-45A7-C49E-9EBC-7DB0332C7588}"/>
                 </a:ext>
               </a:extLst>
             </p:cNvPr>
@@ -6147,21 +7063,284 @@
             <p:nvPr/>
           </p:nvSpPr>
           <p:spPr>
-            <a:xfrm rot="3429511">
-              <a:off x="7678056" y="956117"/>
-              <a:ext cx="107411" cy="353239"/>
+            <a:xfrm rot="10800000">
+              <a:off x="7905433" y="4325793"/>
+              <a:ext cx="189454" cy="67492"/>
             </a:xfrm>
-            <a:prstGeom prst="flowChartTerminator">
+            <a:custGeom>
+              <a:avLst/>
+              <a:gdLst>
+                <a:gd name="csX0" fmla="*/ 343891 w 419729"/>
+                <a:gd name="csY0" fmla="*/ 67492 h 67492"/>
+                <a:gd name="csX1" fmla="*/ 295791 w 419729"/>
+                <a:gd name="csY1" fmla="*/ 67492 h 67492"/>
+                <a:gd name="csX2" fmla="*/ 279198 w 419729"/>
+                <a:gd name="csY2" fmla="*/ 67492 h 67492"/>
+                <a:gd name="csX3" fmla="*/ 271040 w 419729"/>
+                <a:gd name="csY3" fmla="*/ 67492 h 67492"/>
+                <a:gd name="csX4" fmla="*/ 251237 w 419729"/>
+                <a:gd name="csY4" fmla="*/ 67492 h 67492"/>
+                <a:gd name="csX5" fmla="*/ 0 w 419729"/>
+                <a:gd name="csY5" fmla="*/ 67492 h 67492"/>
+                <a:gd name="csX6" fmla="*/ 0 w 419729"/>
+                <a:gd name="csY6" fmla="*/ 59274 h 67492"/>
+                <a:gd name="csX7" fmla="*/ 188727 w 419729"/>
+                <a:gd name="csY7" fmla="*/ 59274 h 67492"/>
+                <a:gd name="csX8" fmla="*/ 237623 w 419729"/>
+                <a:gd name="csY8" fmla="*/ 33593 h 67492"/>
+                <a:gd name="csX9" fmla="*/ 188727 w 419729"/>
+                <a:gd name="csY9" fmla="*/ 7912 h 67492"/>
+                <a:gd name="csX10" fmla="*/ 0 w 419729"/>
+                <a:gd name="csY10" fmla="*/ 7912 h 67492"/>
+                <a:gd name="csX11" fmla="*/ 0 w 419729"/>
+                <a:gd name="csY11" fmla="*/ 0 h 67492"/>
+                <a:gd name="csX12" fmla="*/ 251237 w 419729"/>
+                <a:gd name="csY12" fmla="*/ 0 h 67492"/>
+                <a:gd name="csX13" fmla="*/ 271040 w 419729"/>
+                <a:gd name="csY13" fmla="*/ 0 h 67492"/>
+                <a:gd name="csX14" fmla="*/ 279198 w 419729"/>
+                <a:gd name="csY14" fmla="*/ 0 h 67492"/>
+                <a:gd name="csX15" fmla="*/ 295791 w 419729"/>
+                <a:gd name="csY15" fmla="*/ 0 h 67492"/>
+                <a:gd name="csX16" fmla="*/ 343891 w 419729"/>
+                <a:gd name="csY16" fmla="*/ 0 h 67492"/>
+                <a:gd name="csX17" fmla="*/ 351329 w 419729"/>
+                <a:gd name="csY17" fmla="*/ 7761 h 67492"/>
+                <a:gd name="csX18" fmla="*/ 351329 w 419729"/>
+                <a:gd name="csY18" fmla="*/ 2381 h 67492"/>
+                <a:gd name="csX19" fmla="*/ 419729 w 419729"/>
+                <a:gd name="csY19" fmla="*/ 32981 h 67492"/>
+                <a:gd name="csX20" fmla="*/ 351329 w 419729"/>
+                <a:gd name="csY20" fmla="*/ 63581 h 67492"/>
+                <a:gd name="csX21" fmla="*/ 351329 w 419729"/>
+                <a:gd name="csY21" fmla="*/ 59732 h 67492"/>
+              </a:gdLst>
+              <a:ahLst/>
+              <a:cxnLst>
+                <a:cxn ang="0">
+                  <a:pos x="csX0" y="csY0"/>
+                </a:cxn>
+                <a:cxn ang="0">
+                  <a:pos x="csX1" y="csY1"/>
+                </a:cxn>
+                <a:cxn ang="0">
+                  <a:pos x="csX2" y="csY2"/>
+                </a:cxn>
+                <a:cxn ang="0">
+                  <a:pos x="csX3" y="csY3"/>
+                </a:cxn>
+                <a:cxn ang="0">
+                  <a:pos x="csX4" y="csY4"/>
+                </a:cxn>
+                <a:cxn ang="0">
+                  <a:pos x="csX5" y="csY5"/>
+                </a:cxn>
+                <a:cxn ang="0">
+                  <a:pos x="csX6" y="csY6"/>
+                </a:cxn>
+                <a:cxn ang="0">
+                  <a:pos x="csX7" y="csY7"/>
+                </a:cxn>
+                <a:cxn ang="0">
+                  <a:pos x="csX8" y="csY8"/>
+                </a:cxn>
+                <a:cxn ang="0">
+                  <a:pos x="csX9" y="csY9"/>
+                </a:cxn>
+                <a:cxn ang="0">
+                  <a:pos x="csX10" y="csY10"/>
+                </a:cxn>
+                <a:cxn ang="0">
+                  <a:pos x="csX11" y="csY11"/>
+                </a:cxn>
+                <a:cxn ang="0">
+                  <a:pos x="csX12" y="csY12"/>
+                </a:cxn>
+                <a:cxn ang="0">
+                  <a:pos x="csX13" y="csY13"/>
+                </a:cxn>
+                <a:cxn ang="0">
+                  <a:pos x="csX14" y="csY14"/>
+                </a:cxn>
+                <a:cxn ang="0">
+                  <a:pos x="csX15" y="csY15"/>
+                </a:cxn>
+                <a:cxn ang="0">
+                  <a:pos x="csX16" y="csY16"/>
+                </a:cxn>
+                <a:cxn ang="0">
+                  <a:pos x="csX17" y="csY17"/>
+                </a:cxn>
+                <a:cxn ang="0">
+                  <a:pos x="csX18" y="csY18"/>
+                </a:cxn>
+                <a:cxn ang="0">
+                  <a:pos x="csX19" y="csY19"/>
+                </a:cxn>
+                <a:cxn ang="0">
+                  <a:pos x="csX20" y="csY20"/>
+                </a:cxn>
+                <a:cxn ang="0">
+                  <a:pos x="csX21" y="csY21"/>
+                </a:cxn>
+              </a:cxnLst>
+              <a:rect l="l" t="t" r="r" b="b"/>
+              <a:pathLst>
+                <a:path w="419729" h="67492">
+                  <a:moveTo>
+                    <a:pt x="343891" y="67492"/>
+                  </a:moveTo>
+                  <a:lnTo>
+                    <a:pt x="295791" y="67492"/>
+                  </a:lnTo>
+                  <a:lnTo>
+                    <a:pt x="279198" y="67492"/>
+                  </a:lnTo>
+                  <a:lnTo>
+                    <a:pt x="271040" y="67492"/>
+                  </a:lnTo>
+                  <a:lnTo>
+                    <a:pt x="251237" y="67492"/>
+                  </a:lnTo>
+                  <a:lnTo>
+                    <a:pt x="0" y="67492"/>
+                  </a:lnTo>
+                  <a:lnTo>
+                    <a:pt x="0" y="59274"/>
+                  </a:lnTo>
+                  <a:lnTo>
+                    <a:pt x="188727" y="59274"/>
+                  </a:lnTo>
+                  <a:cubicBezTo>
+                    <a:pt x="215742" y="59274"/>
+                    <a:pt x="237623" y="47774"/>
+                    <a:pt x="237623" y="33593"/>
+                  </a:cubicBezTo>
+                  <a:cubicBezTo>
+                    <a:pt x="237623" y="19412"/>
+                    <a:pt x="215742" y="7912"/>
+                    <a:pt x="188727" y="7912"/>
+                  </a:cubicBezTo>
+                  <a:lnTo>
+                    <a:pt x="0" y="7912"/>
+                  </a:lnTo>
+                  <a:lnTo>
+                    <a:pt x="0" y="0"/>
+                  </a:lnTo>
+                  <a:lnTo>
+                    <a:pt x="251237" y="0"/>
+                  </a:lnTo>
+                  <a:lnTo>
+                    <a:pt x="271040" y="0"/>
+                  </a:lnTo>
+                  <a:lnTo>
+                    <a:pt x="279198" y="0"/>
+                  </a:lnTo>
+                  <a:lnTo>
+                    <a:pt x="295791" y="0"/>
+                  </a:lnTo>
+                  <a:lnTo>
+                    <a:pt x="343891" y="0"/>
+                  </a:lnTo>
+                  <a:lnTo>
+                    <a:pt x="351329" y="7761"/>
+                  </a:lnTo>
+                  <a:lnTo>
+                    <a:pt x="351329" y="2381"/>
+                  </a:lnTo>
+                  <a:lnTo>
+                    <a:pt x="419729" y="32981"/>
+                  </a:lnTo>
+                  <a:lnTo>
+                    <a:pt x="351329" y="63581"/>
+                  </a:lnTo>
+                  <a:lnTo>
+                    <a:pt x="351329" y="59732"/>
+                  </a:lnTo>
+                  <a:close/>
+                </a:path>
+              </a:pathLst>
+            </a:custGeom>
+            <a:solidFill>
+              <a:srgbClr val="FFFFEB"/>
+            </a:solidFill>
+            <a:ln>
+              <a:solidFill>
+                <a:srgbClr val="FCFFDD"/>
+              </a:solidFill>
+            </a:ln>
+            <a:scene3d>
+              <a:camera prst="orthographicFront"/>
+              <a:lightRig rig="threePt" dir="t"/>
+            </a:scene3d>
+            <a:sp3d>
+              <a:bevelT w="12700" h="12700"/>
+            </a:sp3d>
+          </p:spPr>
+          <p:style>
+            <a:lnRef idx="2">
+              <a:schemeClr val="accent1">
+                <a:shade val="15000"/>
+              </a:schemeClr>
+            </a:lnRef>
+            <a:fillRef idx="1">
+              <a:schemeClr val="accent1"/>
+            </a:fillRef>
+            <a:effectRef idx="0">
+              <a:schemeClr val="accent1"/>
+            </a:effectRef>
+            <a:fontRef idx="minor">
+              <a:schemeClr val="lt1"/>
+            </a:fontRef>
+          </p:style>
+          <p:txBody>
+            <a:bodyPr wrap="square" rtlCol="0" anchor="ctr">
+              <a:noAutofit/>
+            </a:bodyPr>
+            <a:lstStyle/>
+            <a:p>
+              <a:pPr algn="ctr"/>
+              <a:endParaRPr lang="ko-KR" altLang="en-US" dirty="0"/>
+            </a:p>
+          </p:txBody>
+        </p:sp>
+        <p:sp>
+          <p:nvSpPr>
+            <p:cNvPr id="3" name="직사각형 2">
+              <a:extLst>
+                <a:ext uri="{FF2B5EF4-FFF2-40B4-BE49-F238E27FC236}">
+                  <a16:creationId xmlns:a16="http://schemas.microsoft.com/office/drawing/2014/main" id="{44951657-89B9-5298-58CA-09F30319D293}"/>
+                </a:ext>
+              </a:extLst>
+            </p:cNvPr>
+            <p:cNvSpPr/>
+            <p:nvPr/>
+          </p:nvSpPr>
+          <p:spPr>
+            <a:xfrm rot="10800000">
+              <a:off x="7326313" y="4346017"/>
+              <a:ext cx="579120" cy="29482"/>
+            </a:xfrm>
+            <a:prstGeom prst="rect">
               <a:avLst/>
             </a:prstGeom>
             <a:solidFill>
-              <a:schemeClr val="bg1"/>
+              <a:schemeClr val="bg2"/>
             </a:solidFill>
             <a:ln>
               <a:solidFill>
-                <a:schemeClr val="tx1"/>
+                <a:schemeClr val="bg2">
+                  <a:lumMod val="90000"/>
+                </a:schemeClr>
               </a:solidFill>
             </a:ln>
+            <a:scene3d>
+              <a:camera prst="orthographicFront"/>
+              <a:lightRig rig="threePt" dir="t"/>
+            </a:scene3d>
+            <a:sp3d>
+              <a:bevelT w="139700" prst="cross"/>
+            </a:sp3d>
           </p:spPr>
           <p:style>
             <a:lnRef idx="2">
@@ -6190,10 +7369,10 @@
         </p:sp>
         <p:sp>
           <p:nvSpPr>
-            <p:cNvPr id="57" name="타원 56">
+            <p:cNvPr id="74" name="타원 73">
               <a:extLst>
                 <a:ext uri="{FF2B5EF4-FFF2-40B4-BE49-F238E27FC236}">
-                  <a16:creationId xmlns:a16="http://schemas.microsoft.com/office/drawing/2014/main" id="{52DB6016-B3C3-F7E2-0698-1E54DDBCCA48}"/>
+                  <a16:creationId xmlns:a16="http://schemas.microsoft.com/office/drawing/2014/main" id="{99640388-3062-B5C1-777D-932A7D87C3F4}"/>
                 </a:ext>
               </a:extLst>
             </p:cNvPr>
@@ -6201,75 +7380,32 @@
             <p:nvPr/>
           </p:nvSpPr>
           <p:spPr>
-            <a:xfrm>
-              <a:off x="7490394" y="1193869"/>
-              <a:ext cx="122712" cy="117979"/>
+            <a:xfrm rot="10800000">
+              <a:off x="7844513" y="4357158"/>
+              <a:ext cx="25200" cy="3600"/>
             </a:xfrm>
             <a:prstGeom prst="ellipse">
               <a:avLst/>
             </a:prstGeom>
             <a:solidFill>
-              <a:schemeClr val="bg1"/>
+              <a:schemeClr val="bg2">
+                <a:lumMod val="90000"/>
+              </a:schemeClr>
             </a:solidFill>
             <a:ln>
               <a:solidFill>
-                <a:schemeClr val="tx1"/>
+                <a:schemeClr val="bg2">
+                  <a:lumMod val="75000"/>
+                </a:schemeClr>
               </a:solidFill>
             </a:ln>
-          </p:spPr>
-          <p:style>
-            <a:lnRef idx="2">
-              <a:schemeClr val="accent1">
-                <a:shade val="15000"/>
-              </a:schemeClr>
-            </a:lnRef>
-            <a:fillRef idx="1">
-              <a:schemeClr val="accent1"/>
-            </a:fillRef>
-            <a:effectRef idx="0">
-              <a:schemeClr val="accent1"/>
-            </a:effectRef>
-            <a:fontRef idx="minor">
-              <a:schemeClr val="lt1"/>
-            </a:fontRef>
-          </p:style>
-          <p:txBody>
-            <a:bodyPr rtlCol="0" anchor="ctr"/>
-            <a:lstStyle/>
-            <a:p>
-              <a:pPr algn="ctr"/>
-              <a:endParaRPr lang="ko-KR" altLang="en-US" dirty="0"/>
-            </a:p>
-          </p:txBody>
-        </p:sp>
-        <p:sp>
-          <p:nvSpPr>
-            <p:cNvPr id="58" name="타원 57">
-              <a:extLst>
-                <a:ext uri="{FF2B5EF4-FFF2-40B4-BE49-F238E27FC236}">
-                  <a16:creationId xmlns:a16="http://schemas.microsoft.com/office/drawing/2014/main" id="{BE898A9B-9BD3-3AF4-39F8-45B408FD9B70}"/>
-                </a:ext>
-              </a:extLst>
-            </p:cNvPr>
-            <p:cNvSpPr/>
-            <p:nvPr/>
-          </p:nvSpPr>
-          <p:spPr>
-            <a:xfrm>
-              <a:off x="7850417" y="964108"/>
-              <a:ext cx="122712" cy="117979"/>
-            </a:xfrm>
-            <a:prstGeom prst="ellipse">
-              <a:avLst/>
-            </a:prstGeom>
-            <a:solidFill>
-              <a:schemeClr val="bg1"/>
-            </a:solidFill>
-            <a:ln>
-              <a:solidFill>
-                <a:schemeClr val="tx1"/>
-              </a:solidFill>
-            </a:ln>
+            <a:scene3d>
+              <a:camera prst="orthographicFront"/>
+              <a:lightRig rig="threePt" dir="t"/>
+            </a:scene3d>
+            <a:sp3d>
+              <a:bevelT w="139700" prst="cross"/>
+            </a:sp3d>
           </p:spPr>
           <p:style>
             <a:lnRef idx="2">
@@ -6297,12 +7433,105 @@
           </p:txBody>
         </p:sp>
       </p:grpSp>
+      <p:sp>
+        <p:nvSpPr>
+          <p:cNvPr id="76" name="직사각형 75">
+            <a:extLst>
+              <a:ext uri="{FF2B5EF4-FFF2-40B4-BE49-F238E27FC236}">
+                <a16:creationId xmlns:a16="http://schemas.microsoft.com/office/drawing/2014/main" id="{DF0B1B50-3627-E3F1-4F52-5B8771682AF2}"/>
+              </a:ext>
+            </a:extLst>
+          </p:cNvPr>
+          <p:cNvSpPr/>
+          <p:nvPr/>
+        </p:nvSpPr>
+        <p:spPr>
+          <a:xfrm rot="10800000">
+            <a:off x="8166816" y="4836725"/>
+            <a:ext cx="919639" cy="28800"/>
+          </a:xfrm>
+          <a:prstGeom prst="rect">
+            <a:avLst/>
+          </a:prstGeom>
+          <a:solidFill>
+            <a:schemeClr val="bg2"/>
+          </a:solidFill>
+          <a:ln>
+            <a:solidFill>
+              <a:schemeClr val="bg2">
+                <a:lumMod val="90000"/>
+              </a:schemeClr>
+            </a:solidFill>
+          </a:ln>
+          <a:scene3d>
+            <a:camera prst="orthographicFront"/>
+            <a:lightRig rig="threePt" dir="t"/>
+          </a:scene3d>
+          <a:sp3d>
+            <a:bevelT w="139700" prst="cross"/>
+          </a:sp3d>
+        </p:spPr>
+        <p:style>
+          <a:lnRef idx="2">
+            <a:schemeClr val="accent1">
+              <a:shade val="15000"/>
+            </a:schemeClr>
+          </a:lnRef>
+          <a:fillRef idx="1">
+            <a:schemeClr val="accent1"/>
+          </a:fillRef>
+          <a:effectRef idx="0">
+            <a:schemeClr val="accent1"/>
+          </a:effectRef>
+          <a:fontRef idx="minor">
+            <a:schemeClr val="lt1"/>
+          </a:fontRef>
+        </p:style>
+        <p:txBody>
+          <a:bodyPr rtlCol="0" anchor="ctr"/>
+          <a:lstStyle/>
+          <a:p>
+            <a:pPr algn="ctr"/>
+            <a:endParaRPr lang="ko-KR" altLang="en-US"/>
+          </a:p>
+        </p:txBody>
+      </p:sp>
+    </p:spTree>
+    <p:extLst>
+      <p:ext uri="{BB962C8B-B14F-4D97-AF65-F5344CB8AC3E}">
+        <p14:creationId xmlns:p14="http://schemas.microsoft.com/office/powerpoint/2010/main" val="798506379"/>
+      </p:ext>
+    </p:extLst>
+  </p:cSld>
+  <p:clrMapOvr>
+    <a:masterClrMapping/>
+  </p:clrMapOvr>
+</p:sld>
+</file>
+
+<file path=ppt/slides/slide12.xml><?xml version="1.0" encoding="utf-8"?>
+<p:sld xmlns:a="http://schemas.openxmlformats.org/drawingml/2006/main" xmlns:r="http://schemas.openxmlformats.org/officeDocument/2006/relationships" xmlns:p="http://schemas.openxmlformats.org/presentationml/2006/main">
+  <p:cSld>
+    <p:spTree>
+      <p:nvGrpSpPr>
+        <p:cNvPr id="1" name=""/>
+        <p:cNvGrpSpPr/>
+        <p:nvPr/>
+      </p:nvGrpSpPr>
+      <p:grpSpPr>
+        <a:xfrm>
+          <a:off x="0" y="0"/>
+          <a:ext cx="0" cy="0"/>
+          <a:chOff x="0" y="0"/>
+          <a:chExt cx="0" cy="0"/>
+        </a:xfrm>
+      </p:grpSpPr>
       <p:grpSp>
         <p:nvGrpSpPr>
-          <p:cNvPr id="62" name="그룹 61">
+          <p:cNvPr id="29" name="그룹 28">
             <a:extLst>
               <a:ext uri="{FF2B5EF4-FFF2-40B4-BE49-F238E27FC236}">
-                <a16:creationId xmlns:a16="http://schemas.microsoft.com/office/drawing/2014/main" id="{41EFEB97-5F60-62ED-743E-EA6D4482BE8B}"/>
+                <a16:creationId xmlns:a16="http://schemas.microsoft.com/office/drawing/2014/main" id="{CFA40EA3-36F3-7783-8735-C1AC976DFF01}"/>
               </a:ext>
             </a:extLst>
           </p:cNvPr>
@@ -6310,19 +7539,91 @@
           <p:nvPr/>
         </p:nvGrpSpPr>
         <p:grpSpPr>
-          <a:xfrm rot="19029891">
-            <a:off x="7484665" y="1222696"/>
-            <a:ext cx="865864" cy="661586"/>
-            <a:chOff x="7491015" y="1196556"/>
-            <a:chExt cx="865864" cy="661586"/>
+          <a:xfrm>
+            <a:off x="929678" y="527818"/>
+            <a:ext cx="6817236" cy="5482729"/>
+            <a:chOff x="1065363" y="650215"/>
+            <a:chExt cx="6817236" cy="5482729"/>
           </a:xfrm>
         </p:grpSpPr>
+        <p:pic>
+          <p:nvPicPr>
+            <p:cNvPr id="4" name="그림 3" descr="원, 스케치, 도표, 그림이(가) 표시된 사진&#10;&#10;AI 생성 콘텐츠는 정확하지 않을 수 있습니다.">
+              <a:extLst>
+                <a:ext uri="{FF2B5EF4-FFF2-40B4-BE49-F238E27FC236}">
+                  <a16:creationId xmlns:a16="http://schemas.microsoft.com/office/drawing/2014/main" id="{CFE83A01-C357-A1D9-6BAA-0AAFE2586198}"/>
+                </a:ext>
+              </a:extLst>
+            </p:cNvPr>
+            <p:cNvPicPr>
+              <a:picLocks noChangeAspect="1"/>
+            </p:cNvPicPr>
+            <p:nvPr/>
+          </p:nvPicPr>
+          <p:blipFill>
+            <a:blip r:embed="rId2"/>
+            <a:stretch>
+              <a:fillRect/>
+            </a:stretch>
+          </p:blipFill>
+          <p:spPr>
+            <a:xfrm>
+              <a:off x="1065363" y="650215"/>
+              <a:ext cx="6817236" cy="5482729"/>
+            </a:xfrm>
+            <a:prstGeom prst="rect">
+              <a:avLst/>
+            </a:prstGeom>
+          </p:spPr>
+        </p:pic>
+        <p:cxnSp>
+          <p:nvCxnSpPr>
+            <p:cNvPr id="6" name="직선 연결선 5">
+              <a:extLst>
+                <a:ext uri="{FF2B5EF4-FFF2-40B4-BE49-F238E27FC236}">
+                  <a16:creationId xmlns:a16="http://schemas.microsoft.com/office/drawing/2014/main" id="{83318C3F-4BB2-513D-2453-3417672F0AA4}"/>
+                </a:ext>
+              </a:extLst>
+            </p:cNvPr>
+            <p:cNvCxnSpPr/>
+            <p:nvPr/>
+          </p:nvCxnSpPr>
+          <p:spPr>
+            <a:xfrm flipH="1">
+              <a:off x="2549236" y="1126836"/>
+              <a:ext cx="1939637" cy="3140364"/>
+            </a:xfrm>
+            <a:prstGeom prst="line">
+              <a:avLst/>
+            </a:prstGeom>
+            <a:ln>
+              <a:solidFill>
+                <a:srgbClr val="C00000"/>
+              </a:solidFill>
+              <a:prstDash val="dash"/>
+            </a:ln>
+          </p:spPr>
+          <p:style>
+            <a:lnRef idx="2">
+              <a:schemeClr val="accent5"/>
+            </a:lnRef>
+            <a:fillRef idx="0">
+              <a:schemeClr val="accent5"/>
+            </a:fillRef>
+            <a:effectRef idx="1">
+              <a:schemeClr val="accent5"/>
+            </a:effectRef>
+            <a:fontRef idx="minor">
+              <a:schemeClr val="tx1"/>
+            </a:fontRef>
+          </p:style>
+        </p:cxnSp>
         <p:sp>
           <p:nvSpPr>
-            <p:cNvPr id="52" name="순서도: 수행의 시작/종료 51">
+            <p:cNvPr id="7" name="타원 6">
               <a:extLst>
                 <a:ext uri="{FF2B5EF4-FFF2-40B4-BE49-F238E27FC236}">
-                  <a16:creationId xmlns:a16="http://schemas.microsoft.com/office/drawing/2014/main" id="{0FC75677-BD3A-FD3F-76AC-061194DDFEA6}"/>
+                  <a16:creationId xmlns:a16="http://schemas.microsoft.com/office/drawing/2014/main" id="{EB7EF093-B86D-5732-979C-BFD5B9FA0458}"/>
                 </a:ext>
               </a:extLst>
             </p:cNvPr>
@@ -6330,21 +7631,188 @@
             <p:nvPr/>
           </p:nvSpPr>
           <p:spPr>
-            <a:xfrm rot="18717821">
-              <a:off x="7725693" y="1184041"/>
-              <a:ext cx="117318" cy="567522"/>
+            <a:xfrm>
+              <a:off x="3574473" y="2392218"/>
+              <a:ext cx="175491" cy="221673"/>
             </a:xfrm>
-            <a:prstGeom prst="flowChartTerminator">
+            <a:prstGeom prst="ellipse">
+              <a:avLst/>
+            </a:prstGeom>
+          </p:spPr>
+          <p:style>
+            <a:lnRef idx="2">
+              <a:schemeClr val="accent2">
+                <a:shade val="15000"/>
+              </a:schemeClr>
+            </a:lnRef>
+            <a:fillRef idx="1">
+              <a:schemeClr val="accent2"/>
+            </a:fillRef>
+            <a:effectRef idx="0">
+              <a:schemeClr val="accent2"/>
+            </a:effectRef>
+            <a:fontRef idx="minor">
+              <a:schemeClr val="lt1"/>
+            </a:fontRef>
+          </p:style>
+          <p:txBody>
+            <a:bodyPr rtlCol="0" anchor="ctr"/>
+            <a:lstStyle/>
+            <a:p>
+              <a:pPr algn="ctr"/>
+              <a:endParaRPr lang="ko-KR" altLang="en-US"/>
+            </a:p>
+          </p:txBody>
+        </p:sp>
+        <p:cxnSp>
+          <p:nvCxnSpPr>
+            <p:cNvPr id="8" name="직선 연결선 7">
+              <a:extLst>
+                <a:ext uri="{FF2B5EF4-FFF2-40B4-BE49-F238E27FC236}">
+                  <a16:creationId xmlns:a16="http://schemas.microsoft.com/office/drawing/2014/main" id="{B7418993-0B1A-40C4-D415-553E6C9F8FC8}"/>
+                </a:ext>
+              </a:extLst>
+            </p:cNvPr>
+            <p:cNvCxnSpPr>
+              <a:cxnSpLocks/>
+            </p:cNvCxnSpPr>
+            <p:nvPr/>
+          </p:nvCxnSpPr>
+          <p:spPr>
+            <a:xfrm flipH="1">
+              <a:off x="2549236" y="4267200"/>
+              <a:ext cx="4119419" cy="0"/>
+            </a:xfrm>
+            <a:prstGeom prst="line">
+              <a:avLst/>
+            </a:prstGeom>
+            <a:ln>
+              <a:solidFill>
+                <a:srgbClr val="C00000"/>
+              </a:solidFill>
+              <a:prstDash val="dash"/>
+            </a:ln>
+          </p:spPr>
+          <p:style>
+            <a:lnRef idx="2">
+              <a:schemeClr val="accent5"/>
+            </a:lnRef>
+            <a:fillRef idx="0">
+              <a:schemeClr val="accent5"/>
+            </a:fillRef>
+            <a:effectRef idx="1">
+              <a:schemeClr val="accent5"/>
+            </a:effectRef>
+            <a:fontRef idx="minor">
+              <a:schemeClr val="tx1"/>
+            </a:fontRef>
+          </p:style>
+        </p:cxnSp>
+        <p:cxnSp>
+          <p:nvCxnSpPr>
+            <p:cNvPr id="12" name="직선 화살표 연결선 11">
+              <a:extLst>
+                <a:ext uri="{FF2B5EF4-FFF2-40B4-BE49-F238E27FC236}">
+                  <a16:creationId xmlns:a16="http://schemas.microsoft.com/office/drawing/2014/main" id="{373D7E16-F167-50A3-1E1B-10E0B1CC9282}"/>
+                </a:ext>
+              </a:extLst>
+            </p:cNvPr>
+            <p:cNvCxnSpPr>
+              <a:cxnSpLocks/>
+            </p:cNvCxnSpPr>
+            <p:nvPr/>
+          </p:nvCxnSpPr>
+          <p:spPr>
+            <a:xfrm flipV="1">
+              <a:off x="2681372" y="2687782"/>
+              <a:ext cx="966992" cy="1505528"/>
+            </a:xfrm>
+            <a:prstGeom prst="straightConnector1">
+              <a:avLst/>
+            </a:prstGeom>
+            <a:ln>
+              <a:tailEnd type="triangle"/>
+            </a:ln>
+          </p:spPr>
+          <p:style>
+            <a:lnRef idx="2">
+              <a:schemeClr val="accent1"/>
+            </a:lnRef>
+            <a:fillRef idx="0">
+              <a:schemeClr val="accent1"/>
+            </a:fillRef>
+            <a:effectRef idx="1">
+              <a:schemeClr val="accent1"/>
+            </a:effectRef>
+            <a:fontRef idx="minor">
+              <a:schemeClr val="tx1"/>
+            </a:fontRef>
+          </p:style>
+        </p:cxnSp>
+        <p:cxnSp>
+          <p:nvCxnSpPr>
+            <p:cNvPr id="15" name="직선 화살표 연결선 14">
+              <a:extLst>
+                <a:ext uri="{FF2B5EF4-FFF2-40B4-BE49-F238E27FC236}">
+                  <a16:creationId xmlns:a16="http://schemas.microsoft.com/office/drawing/2014/main" id="{4ECA2405-DC17-67BF-A74D-EFCB9FA8217A}"/>
+                </a:ext>
+              </a:extLst>
+            </p:cNvPr>
+            <p:cNvCxnSpPr>
+              <a:cxnSpLocks/>
+            </p:cNvCxnSpPr>
+            <p:nvPr/>
+          </p:nvCxnSpPr>
+          <p:spPr>
+            <a:xfrm>
+              <a:off x="2681372" y="4193310"/>
+              <a:ext cx="1792609" cy="0"/>
+            </a:xfrm>
+            <a:prstGeom prst="straightConnector1">
+              <a:avLst/>
+            </a:prstGeom>
+            <a:ln>
+              <a:tailEnd type="triangle"/>
+            </a:ln>
+          </p:spPr>
+          <p:style>
+            <a:lnRef idx="2">
+              <a:schemeClr val="accent1"/>
+            </a:lnRef>
+            <a:fillRef idx="0">
+              <a:schemeClr val="accent1"/>
+            </a:fillRef>
+            <a:effectRef idx="1">
+              <a:schemeClr val="accent1"/>
+            </a:effectRef>
+            <a:fontRef idx="minor">
+              <a:schemeClr val="tx1"/>
+            </a:fontRef>
+          </p:style>
+        </p:cxnSp>
+        <p:sp>
+          <p:nvSpPr>
+            <p:cNvPr id="24" name="직사각형 23">
+              <a:extLst>
+                <a:ext uri="{FF2B5EF4-FFF2-40B4-BE49-F238E27FC236}">
+                  <a16:creationId xmlns:a16="http://schemas.microsoft.com/office/drawing/2014/main" id="{B1130656-EBB6-053C-933E-6E509348C61B}"/>
+                </a:ext>
+              </a:extLst>
+            </p:cNvPr>
+            <p:cNvSpPr/>
+            <p:nvPr/>
+          </p:nvSpPr>
+          <p:spPr>
+            <a:xfrm>
+              <a:off x="2730757" y="2059894"/>
+              <a:ext cx="868222" cy="369332"/>
+            </a:xfrm>
+            <a:prstGeom prst="rect">
               <a:avLst/>
             </a:prstGeom>
             <a:solidFill>
               <a:schemeClr val="bg1"/>
             </a:solidFill>
-            <a:ln>
-              <a:solidFill>
-                <a:schemeClr val="tx1"/>
-              </a:solidFill>
-            </a:ln>
           </p:spPr>
           <p:style>
             <a:lnRef idx="2">
@@ -6367,16 +7835,23 @@
             <a:lstStyle/>
             <a:p>
               <a:pPr algn="ctr"/>
-              <a:endParaRPr lang="ko-KR" altLang="en-US"/>
+              <a:r>
+                <a:rPr lang="ko-KR" altLang="en-US" sz="1200" dirty="0">
+                  <a:solidFill>
+                    <a:schemeClr val="tx1"/>
+                  </a:solidFill>
+                </a:rPr>
+                <a:t>현재 끝점</a:t>
+              </a:r>
             </a:p>
           </p:txBody>
         </p:sp>
         <p:sp>
           <p:nvSpPr>
-            <p:cNvPr id="53" name="막힌 원호 52">
+            <p:cNvPr id="26" name="직사각형 25">
               <a:extLst>
                 <a:ext uri="{FF2B5EF4-FFF2-40B4-BE49-F238E27FC236}">
-                  <a16:creationId xmlns:a16="http://schemas.microsoft.com/office/drawing/2014/main" id="{C4B7EACF-FC8D-FB03-81C3-2A10E22A68C2}"/>
+                  <a16:creationId xmlns:a16="http://schemas.microsoft.com/office/drawing/2014/main" id="{4012F1DB-E95E-AD99-70C3-2898006E1DB0}"/>
                 </a:ext>
               </a:extLst>
             </p:cNvPr>
@@ -6384,21 +7859,16 @@
             <p:nvPr/>
           </p:nvSpPr>
           <p:spPr>
-            <a:xfrm rot="18717821">
-              <a:off x="8051137" y="1552399"/>
-              <a:ext cx="159220" cy="452265"/>
+            <a:xfrm>
+              <a:off x="4561726" y="4368921"/>
+              <a:ext cx="868222" cy="369332"/>
             </a:xfrm>
-            <a:prstGeom prst="blockArc">
+            <a:prstGeom prst="rect">
               <a:avLst/>
             </a:prstGeom>
             <a:solidFill>
               <a:schemeClr val="bg1"/>
             </a:solidFill>
-            <a:ln>
-              <a:solidFill>
-                <a:schemeClr val="tx1"/>
-              </a:solidFill>
-            </a:ln>
           </p:spPr>
           <p:style>
             <a:lnRef idx="2">
@@ -6421,20 +7891,23 @@
             <a:lstStyle/>
             <a:p>
               <a:pPr algn="ctr"/>
-              <a:endParaRPr lang="ko-KR" altLang="en-US">
-                <a:solidFill>
-                  <a:schemeClr val="tx1"/>
-                </a:solidFill>
-              </a:endParaRPr>
+              <a:r>
+                <a:rPr lang="ko-KR" altLang="en-US" sz="1200" dirty="0">
+                  <a:solidFill>
+                    <a:schemeClr val="tx1"/>
+                  </a:solidFill>
+                </a:rPr>
+                <a:t>목적지</a:t>
+              </a:r>
             </a:p>
           </p:txBody>
         </p:sp>
         <p:sp>
           <p:nvSpPr>
-            <p:cNvPr id="60" name="타원 59">
+            <p:cNvPr id="28" name="타원 27">
               <a:extLst>
                 <a:ext uri="{FF2B5EF4-FFF2-40B4-BE49-F238E27FC236}">
-                  <a16:creationId xmlns:a16="http://schemas.microsoft.com/office/drawing/2014/main" id="{11D29E7F-3CF8-F322-A27C-6645F96A0272}"/>
+                  <a16:creationId xmlns:a16="http://schemas.microsoft.com/office/drawing/2014/main" id="{300758B0-8B04-3533-7E49-A9273B88B0AD}"/>
                 </a:ext>
               </a:extLst>
             </p:cNvPr>
@@ -6442,33 +7915,28 @@
             <p:nvPr/>
           </p:nvSpPr>
           <p:spPr>
-            <a:xfrm rot="1047922">
-              <a:off x="7491015" y="1196556"/>
-              <a:ext cx="122712" cy="117979"/>
+            <a:xfrm>
+              <a:off x="4473981" y="4147248"/>
+              <a:ext cx="175491" cy="221673"/>
             </a:xfrm>
             <a:prstGeom prst="ellipse">
               <a:avLst/>
             </a:prstGeom>
             <a:solidFill>
-              <a:schemeClr val="bg1"/>
+              <a:srgbClr val="FF0000"/>
             </a:solidFill>
-            <a:ln>
-              <a:solidFill>
-                <a:schemeClr val="tx1"/>
-              </a:solidFill>
-            </a:ln>
           </p:spPr>
           <p:style>
             <a:lnRef idx="2">
-              <a:schemeClr val="accent1">
+              <a:schemeClr val="accent2">
                 <a:shade val="15000"/>
               </a:schemeClr>
             </a:lnRef>
             <a:fillRef idx="1">
-              <a:schemeClr val="accent1"/>
+              <a:schemeClr val="accent2"/>
             </a:fillRef>
             <a:effectRef idx="0">
-              <a:schemeClr val="accent1"/>
+              <a:schemeClr val="accent2"/>
             </a:effectRef>
             <a:fontRef idx="minor">
               <a:schemeClr val="lt1"/>
@@ -6479,17 +7947,95 @@
             <a:lstStyle/>
             <a:p>
               <a:pPr algn="ctr"/>
-              <a:endParaRPr lang="ko-KR" altLang="en-US" dirty="0"/>
+              <a:endParaRPr lang="ko-KR" altLang="en-US"/>
             </a:p>
           </p:txBody>
         </p:sp>
       </p:grpSp>
+    </p:spTree>
+    <p:extLst>
+      <p:ext uri="{BB962C8B-B14F-4D97-AF65-F5344CB8AC3E}">
+        <p14:creationId xmlns:p14="http://schemas.microsoft.com/office/powerpoint/2010/main" val="885850718"/>
+      </p:ext>
+    </p:extLst>
+  </p:cSld>
+  <p:clrMapOvr>
+    <a:masterClrMapping/>
+  </p:clrMapOvr>
+</p:sld>
+</file>
+
+<file path=ppt/slides/slide13.xml><?xml version="1.0" encoding="utf-8"?>
+<p:sld xmlns:a="http://schemas.openxmlformats.org/drawingml/2006/main" xmlns:r="http://schemas.openxmlformats.org/officeDocument/2006/relationships" xmlns:p="http://schemas.openxmlformats.org/presentationml/2006/main">
+  <p:cSld>
+    <p:spTree>
+      <p:nvGrpSpPr>
+        <p:cNvPr id="1" name="">
+          <a:extLst>
+            <a:ext uri="{FF2B5EF4-FFF2-40B4-BE49-F238E27FC236}">
+              <a16:creationId xmlns:a16="http://schemas.microsoft.com/office/drawing/2014/main" id="{ADFC7937-E8C7-F2F6-6F9E-CF968FF9AEA2}"/>
+            </a:ext>
+          </a:extLst>
+        </p:cNvPr>
+        <p:cNvGrpSpPr/>
+        <p:nvPr/>
+      </p:nvGrpSpPr>
+      <p:grpSpPr>
+        <a:xfrm>
+          <a:off x="0" y="0"/>
+          <a:ext cx="0" cy="0"/>
+          <a:chOff x="0" y="0"/>
+          <a:chExt cx="0" cy="0"/>
+        </a:xfrm>
+      </p:grpSpPr>
+      <p:sp>
+        <p:nvSpPr>
+          <p:cNvPr id="13" name="TextBox 12">
+            <a:extLst>
+              <a:ext uri="{FF2B5EF4-FFF2-40B4-BE49-F238E27FC236}">
+                <a16:creationId xmlns:a16="http://schemas.microsoft.com/office/drawing/2014/main" id="{594EE151-8DF0-8D84-6C1A-A9D987806175}"/>
+              </a:ext>
+            </a:extLst>
+          </p:cNvPr>
+          <p:cNvSpPr txBox="1"/>
+          <p:nvPr/>
+        </p:nvSpPr>
+        <p:spPr>
+          <a:xfrm>
+            <a:off x="4036291" y="517236"/>
+            <a:ext cx="732893" cy="646331"/>
+          </a:xfrm>
+          <a:prstGeom prst="rect">
+            <a:avLst/>
+          </a:prstGeom>
+          <a:noFill/>
+        </p:spPr>
+        <p:txBody>
+          <a:bodyPr wrap="none" rtlCol="0">
+            <a:spAutoFit/>
+          </a:bodyPr>
+          <a:lstStyle/>
+          <a:p>
+            <a:r>
+              <a:rPr lang="en-US" altLang="ko-KR" dirty="0"/>
+              <a:t>Idle</a:t>
+            </a:r>
+          </a:p>
+          <a:p>
+            <a:r>
+              <a:rPr lang="en-US" altLang="ko-KR" dirty="0"/>
+              <a:t>(fold)</a:t>
+            </a:r>
+            <a:endParaRPr lang="ko-KR" altLang="en-US" dirty="0"/>
+          </a:p>
+        </p:txBody>
+      </p:sp>
       <p:pic>
         <p:nvPicPr>
-          <p:cNvPr id="66" name="그림 65" descr="공구, 주방 도구, 흑백이(가) 표시된 사진&#10;&#10;AI 생성 콘텐츠는 정확하지 않을 수 있습니다.">
+          <p:cNvPr id="16" name="그림 15" descr="렌치, 공구, 가정용 하드웨어이(가) 표시된 사진&#10;&#10;AI 생성 콘텐츠는 정확하지 않을 수 있습니다.">
             <a:extLst>
               <a:ext uri="{FF2B5EF4-FFF2-40B4-BE49-F238E27FC236}">
-                <a16:creationId xmlns:a16="http://schemas.microsoft.com/office/drawing/2014/main" id="{C448F293-D717-24E2-71D5-A9400ECF06E5}"/>
+                <a16:creationId xmlns:a16="http://schemas.microsoft.com/office/drawing/2014/main" id="{33AEE66B-6687-F084-A67B-BE4E854D7605}"/>
               </a:ext>
             </a:extLst>
           </p:cNvPr>
@@ -6499,21 +8045,15 @@
           <p:nvPr/>
         </p:nvPicPr>
         <p:blipFill>
-          <a:blip r:embed="rId2">
-            <a:extLst>
-              <a:ext uri="{28A0092B-C50C-407E-A947-70E740481C1C}">
-                <a14:useLocalDpi xmlns:a14="http://schemas.microsoft.com/office/drawing/2010/main" val="0"/>
-              </a:ext>
-            </a:extLst>
-          </a:blip>
+          <a:blip r:embed="rId2"/>
           <a:stretch>
             <a:fillRect/>
           </a:stretch>
         </p:blipFill>
         <p:spPr>
-          <a:xfrm rot="9621953">
-            <a:off x="8149621" y="1954119"/>
-            <a:ext cx="1096301" cy="1020111"/>
+          <a:xfrm>
+            <a:off x="902129" y="156257"/>
+            <a:ext cx="3134162" cy="2629267"/>
           </a:xfrm>
           <a:prstGeom prst="rect">
             <a:avLst/>
@@ -6522,10 +8062,10 @@
       </p:pic>
       <p:pic>
         <p:nvPicPr>
-          <p:cNvPr id="68" name="그림 67" descr="화이트, 디자인이(가) 표시된 사진&#10;&#10;AI 생성 콘텐츠는 정확하지 않을 수 있습니다.">
+          <p:cNvPr id="18" name="그림 17" descr="렌치, 공구이(가) 표시된 사진&#10;&#10;AI 생성 콘텐츠는 정확하지 않을 수 있습니다.">
             <a:extLst>
               <a:ext uri="{FF2B5EF4-FFF2-40B4-BE49-F238E27FC236}">
-                <a16:creationId xmlns:a16="http://schemas.microsoft.com/office/drawing/2014/main" id="{5A5F51B9-F0BD-FB1D-69F3-D2BF9576A42B}"/>
+                <a16:creationId xmlns:a16="http://schemas.microsoft.com/office/drawing/2014/main" id="{75C57588-AA47-E528-9D7A-817288872D38}"/>
               </a:ext>
             </a:extLst>
           </p:cNvPr>
@@ -6535,33 +8075,66 @@
           <p:nvPr/>
         </p:nvPicPr>
         <p:blipFill>
-          <a:blip r:embed="rId3">
-            <a:extLst>
-              <a:ext uri="{28A0092B-C50C-407E-A947-70E740481C1C}">
-                <a14:useLocalDpi xmlns:a14="http://schemas.microsoft.com/office/drawing/2010/main" val="0"/>
-              </a:ext>
-            </a:extLst>
-          </a:blip>
+          <a:blip r:embed="rId3"/>
+          <a:srcRect r="39861" b="15667"/>
           <a:stretch>
             <a:fillRect/>
           </a:stretch>
         </p:blipFill>
         <p:spPr>
           <a:xfrm>
-            <a:off x="9064295" y="3073665"/>
-            <a:ext cx="318658" cy="271552"/>
+            <a:off x="5417361" y="156257"/>
+            <a:ext cx="3506184" cy="2739530"/>
           </a:xfrm>
           <a:prstGeom prst="rect">
             <a:avLst/>
           </a:prstGeom>
         </p:spPr>
       </p:pic>
+      <p:sp>
+        <p:nvSpPr>
+          <p:cNvPr id="19" name="TextBox 18">
+            <a:extLst>
+              <a:ext uri="{FF2B5EF4-FFF2-40B4-BE49-F238E27FC236}">
+                <a16:creationId xmlns:a16="http://schemas.microsoft.com/office/drawing/2014/main" id="{9FDDB42B-394F-BB20-D38C-1D9E0D799EBA}"/>
+              </a:ext>
+            </a:extLst>
+          </p:cNvPr>
+          <p:cNvSpPr txBox="1"/>
+          <p:nvPr/>
+        </p:nvSpPr>
+        <p:spPr>
+          <a:xfrm>
+            <a:off x="8919896" y="526411"/>
+            <a:ext cx="886781" cy="646331"/>
+          </a:xfrm>
+          <a:prstGeom prst="rect">
+            <a:avLst/>
+          </a:prstGeom>
+          <a:noFill/>
+        </p:spPr>
+        <p:txBody>
+          <a:bodyPr wrap="none" rtlCol="0">
+            <a:spAutoFit/>
+          </a:bodyPr>
+          <a:lstStyle/>
+          <a:p>
+            <a:r>
+              <a:rPr lang="en-US" altLang="ko-KR" dirty="0"/>
+              <a:t>Unfold</a:t>
+            </a:r>
+          </a:p>
+          <a:p>
+            <a:endParaRPr lang="en-US" altLang="ko-KR" dirty="0"/>
+          </a:p>
+        </p:txBody>
+      </p:sp>
       <p:pic>
         <p:nvPicPr>
-          <p:cNvPr id="64" name="그림 63" descr="원, 스케치, 천문학, 예술이(가) 표시된 사진&#10;&#10;AI 생성 콘텐츠는 정확하지 않을 수 있습니다.">
+          <p:cNvPr id="21" name="그림 20" descr="렌치, 가정용 하드웨어, 공구, 디자인이(가) 표시된 사진&#10;&#10;AI 생성 콘텐츠는 정확하지 않을 수 있습니다.">
             <a:extLst>
               <a:ext uri="{FF2B5EF4-FFF2-40B4-BE49-F238E27FC236}">
-                <a16:creationId xmlns:a16="http://schemas.microsoft.com/office/drawing/2014/main" id="{EA50F540-553D-76F6-7F13-3871B88C358D}"/>
+                <a16:creationId xmlns:a16="http://schemas.microsoft.com/office/drawing/2014/main" id="{7C421575-EEAC-5BBE-244B-88879D4F6582}"/>
               </a:ext>
             </a:extLst>
           </p:cNvPr>
@@ -6571,31 +8144,1229 @@
           <p:nvPr/>
         </p:nvPicPr>
         <p:blipFill>
-          <a:blip r:embed="rId4">
-            <a:extLst>
-              <a:ext uri="{28A0092B-C50C-407E-A947-70E740481C1C}">
-                <a14:useLocalDpi xmlns:a14="http://schemas.microsoft.com/office/drawing/2010/main" val="0"/>
-              </a:ext>
-            </a:extLst>
-          </a:blip>
+          <a:blip r:embed="rId4"/>
           <a:stretch>
             <a:fillRect/>
           </a:stretch>
         </p:blipFill>
         <p:spPr>
-          <a:xfrm rot="9766885">
-            <a:off x="8421017" y="2449915"/>
-            <a:ext cx="1143827" cy="825896"/>
+          <a:xfrm>
+            <a:off x="944997" y="2962750"/>
+            <a:ext cx="3048425" cy="2876951"/>
           </a:xfrm>
           <a:prstGeom prst="rect">
             <a:avLst/>
           </a:prstGeom>
         </p:spPr>
       </p:pic>
+      <p:sp>
+        <p:nvSpPr>
+          <p:cNvPr id="22" name="TextBox 21">
+            <a:extLst>
+              <a:ext uri="{FF2B5EF4-FFF2-40B4-BE49-F238E27FC236}">
+                <a16:creationId xmlns:a16="http://schemas.microsoft.com/office/drawing/2014/main" id="{7E34555B-CF9E-F56A-16B1-EA682960C102}"/>
+              </a:ext>
+            </a:extLst>
+          </p:cNvPr>
+          <p:cNvSpPr txBox="1"/>
+          <p:nvPr/>
+        </p:nvSpPr>
+        <p:spPr>
+          <a:xfrm>
+            <a:off x="4023406" y="3059668"/>
+            <a:ext cx="612219" cy="369332"/>
+          </a:xfrm>
+          <a:prstGeom prst="rect">
+            <a:avLst/>
+          </a:prstGeom>
+          <a:noFill/>
+        </p:spPr>
+        <p:txBody>
+          <a:bodyPr wrap="none" rtlCol="0">
+            <a:spAutoFit/>
+          </a:bodyPr>
+          <a:lstStyle/>
+          <a:p>
+            <a:r>
+              <a:rPr lang="en-US" altLang="ko-KR" dirty="0"/>
+              <a:t>turn</a:t>
+            </a:r>
+            <a:endParaRPr lang="ko-KR" altLang="en-US" dirty="0"/>
+          </a:p>
+        </p:txBody>
+      </p:sp>
+      <p:pic>
+        <p:nvPicPr>
+          <p:cNvPr id="27" name="그림 26" descr="안전핀, 디자인이(가) 표시된 사진&#10;&#10;AI 생성 콘텐츠는 정확하지 않을 수 있습니다.">
+            <a:extLst>
+              <a:ext uri="{FF2B5EF4-FFF2-40B4-BE49-F238E27FC236}">
+                <a16:creationId xmlns:a16="http://schemas.microsoft.com/office/drawing/2014/main" id="{C5D8B5CA-506A-E226-479E-28AA7023D7BC}"/>
+              </a:ext>
+            </a:extLst>
+          </p:cNvPr>
+          <p:cNvPicPr>
+            <a:picLocks noChangeAspect="1"/>
+          </p:cNvPicPr>
+          <p:nvPr/>
+        </p:nvPicPr>
+        <p:blipFill>
+          <a:blip r:embed="rId5"/>
+          <a:stretch>
+            <a:fillRect/>
+          </a:stretch>
+        </p:blipFill>
+        <p:spPr>
+          <a:xfrm>
+            <a:off x="5622289" y="3143749"/>
+            <a:ext cx="2905530" cy="2514951"/>
+          </a:xfrm>
+          <a:prstGeom prst="rect">
+            <a:avLst/>
+          </a:prstGeom>
+        </p:spPr>
+      </p:pic>
+      <p:sp>
+        <p:nvSpPr>
+          <p:cNvPr id="30" name="TextBox 29">
+            <a:extLst>
+              <a:ext uri="{FF2B5EF4-FFF2-40B4-BE49-F238E27FC236}">
+                <a16:creationId xmlns:a16="http://schemas.microsoft.com/office/drawing/2014/main" id="{8DAF3033-DA69-FA92-67E3-265676FFE811}"/>
+              </a:ext>
+            </a:extLst>
+          </p:cNvPr>
+          <p:cNvSpPr txBox="1"/>
+          <p:nvPr/>
+        </p:nvSpPr>
+        <p:spPr>
+          <a:xfrm>
+            <a:off x="8524170" y="3143749"/>
+            <a:ext cx="570926" cy="369332"/>
+          </a:xfrm>
+          <a:prstGeom prst="rect">
+            <a:avLst/>
+          </a:prstGeom>
+          <a:noFill/>
+        </p:spPr>
+        <p:txBody>
+          <a:bodyPr wrap="none" rtlCol="0">
+            <a:spAutoFit/>
+          </a:bodyPr>
+          <a:lstStyle/>
+          <a:p>
+            <a:r>
+              <a:rPr lang="en-US" altLang="ko-KR" dirty="0"/>
+              <a:t>row</a:t>
+            </a:r>
+            <a:endParaRPr lang="ko-KR" altLang="en-US" dirty="0"/>
+          </a:p>
+        </p:txBody>
+      </p:sp>
+      <p:grpSp>
+        <p:nvGrpSpPr>
+          <p:cNvPr id="34" name="그룹 33">
+            <a:extLst>
+              <a:ext uri="{FF2B5EF4-FFF2-40B4-BE49-F238E27FC236}">
+                <a16:creationId xmlns:a16="http://schemas.microsoft.com/office/drawing/2014/main" id="{09CF23CF-A748-D0E4-4B2E-B8B549330012}"/>
+              </a:ext>
+            </a:extLst>
+          </p:cNvPr>
+          <p:cNvGrpSpPr/>
+          <p:nvPr/>
+        </p:nvGrpSpPr>
+        <p:grpSpPr>
+          <a:xfrm>
+            <a:off x="2229207" y="1372036"/>
+            <a:ext cx="1476720" cy="660600"/>
+            <a:chOff x="2229207" y="1372036"/>
+            <a:chExt cx="1476720" cy="660600"/>
+          </a:xfrm>
+        </p:grpSpPr>
+        <mc:AlternateContent xmlns:mc="http://schemas.openxmlformats.org/markup-compatibility/2006">
+          <mc:Choice xmlns:p14="http://schemas.microsoft.com/office/powerpoint/2010/main" Requires="p14">
+            <p:contentPart p14:bwMode="auto" r:id="rId6">
+              <p14:nvContentPartPr>
+                <p14:cNvPr id="31" name="잉크 30">
+                  <a:extLst>
+                    <a:ext uri="{FF2B5EF4-FFF2-40B4-BE49-F238E27FC236}">
+                      <a16:creationId xmlns:a16="http://schemas.microsoft.com/office/drawing/2014/main" id="{0756CF5B-480D-D469-2939-7F07F94F8E98}"/>
+                    </a:ext>
+                  </a:extLst>
+                </p14:cNvPr>
+                <p14:cNvContentPartPr/>
+                <p14:nvPr/>
+              </p14:nvContentPartPr>
+              <p14:xfrm>
+                <a:off x="3083127" y="1372036"/>
+                <a:ext cx="622800" cy="577800"/>
+              </p14:xfrm>
+            </p:contentPart>
+          </mc:Choice>
+          <mc:Fallback>
+            <p:pic>
+              <p:nvPicPr>
+                <p:cNvPr id="31" name="잉크 30">
+                  <a:extLst>
+                    <a:ext uri="{FF2B5EF4-FFF2-40B4-BE49-F238E27FC236}">
+                      <a16:creationId xmlns:a16="http://schemas.microsoft.com/office/drawing/2014/main" id="{0756CF5B-480D-D469-2939-7F07F94F8E98}"/>
+                    </a:ext>
+                  </a:extLst>
+                </p:cNvPr>
+                <p:cNvPicPr/>
+                <p:nvPr/>
+              </p:nvPicPr>
+              <p:blipFill>
+                <a:blip r:embed="rId7"/>
+                <a:stretch>
+                  <a:fillRect/>
+                </a:stretch>
+              </p:blipFill>
+              <p:spPr>
+                <a:xfrm>
+                  <a:off x="3077007" y="1365916"/>
+                  <a:ext cx="635040" cy="590040"/>
+                </a:xfrm>
+                <a:prstGeom prst="rect">
+                  <a:avLst/>
+                </a:prstGeom>
+              </p:spPr>
+            </p:pic>
+          </mc:Fallback>
+        </mc:AlternateContent>
+        <mc:AlternateContent xmlns:mc="http://schemas.openxmlformats.org/markup-compatibility/2006">
+          <mc:Choice xmlns:p14="http://schemas.microsoft.com/office/powerpoint/2010/main" Requires="p14">
+            <p:contentPart p14:bwMode="auto" r:id="rId8">
+              <p14:nvContentPartPr>
+                <p14:cNvPr id="32" name="잉크 31">
+                  <a:extLst>
+                    <a:ext uri="{FF2B5EF4-FFF2-40B4-BE49-F238E27FC236}">
+                      <a16:creationId xmlns:a16="http://schemas.microsoft.com/office/drawing/2014/main" id="{1156F4BC-AE9A-277F-011B-DB3BDBBA59D6}"/>
+                    </a:ext>
+                  </a:extLst>
+                </p14:cNvPr>
+                <p14:cNvContentPartPr/>
+                <p14:nvPr/>
+              </p14:nvContentPartPr>
+              <p14:xfrm>
+                <a:off x="2456367" y="1553116"/>
+                <a:ext cx="708120" cy="479520"/>
+              </p14:xfrm>
+            </p:contentPart>
+          </mc:Choice>
+          <mc:Fallback>
+            <p:pic>
+              <p:nvPicPr>
+                <p:cNvPr id="32" name="잉크 31">
+                  <a:extLst>
+                    <a:ext uri="{FF2B5EF4-FFF2-40B4-BE49-F238E27FC236}">
+                      <a16:creationId xmlns:a16="http://schemas.microsoft.com/office/drawing/2014/main" id="{1156F4BC-AE9A-277F-011B-DB3BDBBA59D6}"/>
+                    </a:ext>
+                  </a:extLst>
+                </p:cNvPr>
+                <p:cNvPicPr/>
+                <p:nvPr/>
+              </p:nvPicPr>
+              <p:blipFill>
+                <a:blip r:embed="rId9"/>
+                <a:stretch>
+                  <a:fillRect/>
+                </a:stretch>
+              </p:blipFill>
+              <p:spPr>
+                <a:xfrm>
+                  <a:off x="2450247" y="1546996"/>
+                  <a:ext cx="720360" cy="491760"/>
+                </a:xfrm>
+                <a:prstGeom prst="rect">
+                  <a:avLst/>
+                </a:prstGeom>
+              </p:spPr>
+            </p:pic>
+          </mc:Fallback>
+        </mc:AlternateContent>
+        <mc:AlternateContent xmlns:mc="http://schemas.openxmlformats.org/markup-compatibility/2006">
+          <mc:Choice xmlns:p14="http://schemas.microsoft.com/office/powerpoint/2010/main" Requires="p14">
+            <p:contentPart p14:bwMode="auto" r:id="rId10">
+              <p14:nvContentPartPr>
+                <p14:cNvPr id="33" name="잉크 32">
+                  <a:extLst>
+                    <a:ext uri="{FF2B5EF4-FFF2-40B4-BE49-F238E27FC236}">
+                      <a16:creationId xmlns:a16="http://schemas.microsoft.com/office/drawing/2014/main" id="{E811C26A-B251-4E24-FF39-12DC8F9F0906}"/>
+                    </a:ext>
+                  </a:extLst>
+                </p14:cNvPr>
+                <p14:cNvContentPartPr/>
+                <p14:nvPr/>
+              </p14:nvContentPartPr>
+              <p14:xfrm>
+                <a:off x="2229207" y="1532596"/>
+                <a:ext cx="263880" cy="325440"/>
+              </p14:xfrm>
+            </p:contentPart>
+          </mc:Choice>
+          <mc:Fallback>
+            <p:pic>
+              <p:nvPicPr>
+                <p:cNvPr id="33" name="잉크 32">
+                  <a:extLst>
+                    <a:ext uri="{FF2B5EF4-FFF2-40B4-BE49-F238E27FC236}">
+                      <a16:creationId xmlns:a16="http://schemas.microsoft.com/office/drawing/2014/main" id="{E811C26A-B251-4E24-FF39-12DC8F9F0906}"/>
+                    </a:ext>
+                  </a:extLst>
+                </p:cNvPr>
+                <p:cNvPicPr/>
+                <p:nvPr/>
+              </p:nvPicPr>
+              <p:blipFill>
+                <a:blip r:embed="rId11"/>
+                <a:stretch>
+                  <a:fillRect/>
+                </a:stretch>
+              </p:blipFill>
+              <p:spPr>
+                <a:xfrm>
+                  <a:off x="2223087" y="1526476"/>
+                  <a:ext cx="276120" cy="337680"/>
+                </a:xfrm>
+                <a:prstGeom prst="rect">
+                  <a:avLst/>
+                </a:prstGeom>
+              </p:spPr>
+            </p:pic>
+          </mc:Fallback>
+        </mc:AlternateContent>
+      </p:grpSp>
+      <mc:AlternateContent xmlns:mc="http://schemas.openxmlformats.org/markup-compatibility/2006">
+        <mc:Choice xmlns:p14="http://schemas.microsoft.com/office/powerpoint/2010/main" Requires="p14">
+          <p:contentPart p14:bwMode="auto" r:id="rId12">
+            <p14:nvContentPartPr>
+              <p14:cNvPr id="35" name="잉크 34">
+                <a:extLst>
+                  <a:ext uri="{FF2B5EF4-FFF2-40B4-BE49-F238E27FC236}">
+                    <a16:creationId xmlns:a16="http://schemas.microsoft.com/office/drawing/2014/main" id="{8C6BC762-CD5C-0E28-A6C5-FFE2657BDB68}"/>
+                  </a:ext>
+                </a:extLst>
+              </p14:cNvPr>
+              <p14:cNvContentPartPr/>
+              <p14:nvPr/>
+            </p14:nvContentPartPr>
+            <p14:xfrm>
+              <a:off x="8458287" y="1502356"/>
+              <a:ext cx="641880" cy="540000"/>
+            </p14:xfrm>
+          </p:contentPart>
+        </mc:Choice>
+        <mc:Fallback>
+          <p:pic>
+            <p:nvPicPr>
+              <p:cNvPr id="35" name="잉크 34">
+                <a:extLst>
+                  <a:ext uri="{FF2B5EF4-FFF2-40B4-BE49-F238E27FC236}">
+                    <a16:creationId xmlns:a16="http://schemas.microsoft.com/office/drawing/2014/main" id="{8C6BC762-CD5C-0E28-A6C5-FFE2657BDB68}"/>
+                  </a:ext>
+                </a:extLst>
+              </p:cNvPr>
+              <p:cNvPicPr/>
+              <p:nvPr/>
+            </p:nvPicPr>
+            <p:blipFill>
+              <a:blip r:embed="rId13"/>
+              <a:stretch>
+                <a:fillRect/>
+              </a:stretch>
+            </p:blipFill>
+            <p:spPr>
+              <a:xfrm>
+                <a:off x="8452167" y="1496236"/>
+                <a:ext cx="654120" cy="552240"/>
+              </a:xfrm>
+              <a:prstGeom prst="rect">
+                <a:avLst/>
+              </a:prstGeom>
+            </p:spPr>
+          </p:pic>
+        </mc:Fallback>
+      </mc:AlternateContent>
+      <p:grpSp>
+        <p:nvGrpSpPr>
+          <p:cNvPr id="42" name="그룹 41">
+            <a:extLst>
+              <a:ext uri="{FF2B5EF4-FFF2-40B4-BE49-F238E27FC236}">
+                <a16:creationId xmlns:a16="http://schemas.microsoft.com/office/drawing/2014/main" id="{9660EEC2-A2C8-68E9-752E-D0B198920478}"/>
+              </a:ext>
+            </a:extLst>
+          </p:cNvPr>
+          <p:cNvGrpSpPr/>
+          <p:nvPr/>
+        </p:nvGrpSpPr>
+        <p:grpSpPr>
+          <a:xfrm rot="1002820">
+            <a:off x="7874607" y="1672352"/>
+            <a:ext cx="1019880" cy="326520"/>
+            <a:chOff x="7899927" y="1816996"/>
+            <a:chExt cx="1019880" cy="326520"/>
+          </a:xfrm>
+        </p:grpSpPr>
+        <mc:AlternateContent xmlns:mc="http://schemas.openxmlformats.org/markup-compatibility/2006">
+          <mc:Choice xmlns:p14="http://schemas.microsoft.com/office/powerpoint/2010/main" Requires="p14">
+            <p:contentPart p14:bwMode="auto" r:id="rId14">
+              <p14:nvContentPartPr>
+                <p14:cNvPr id="40" name="잉크 39">
+                  <a:extLst>
+                    <a:ext uri="{FF2B5EF4-FFF2-40B4-BE49-F238E27FC236}">
+                      <a16:creationId xmlns:a16="http://schemas.microsoft.com/office/drawing/2014/main" id="{A9161C5F-7126-5F75-0655-14D958325062}"/>
+                    </a:ext>
+                  </a:extLst>
+                </p14:cNvPr>
+                <p14:cNvContentPartPr/>
+                <p14:nvPr/>
+              </p14:nvContentPartPr>
+              <p14:xfrm>
+                <a:off x="8064087" y="1901956"/>
+                <a:ext cx="855720" cy="241560"/>
+              </p14:xfrm>
+            </p:contentPart>
+          </mc:Choice>
+          <mc:Fallback>
+            <p:pic>
+              <p:nvPicPr>
+                <p:cNvPr id="40" name="잉크 39">
+                  <a:extLst>
+                    <a:ext uri="{FF2B5EF4-FFF2-40B4-BE49-F238E27FC236}">
+                      <a16:creationId xmlns:a16="http://schemas.microsoft.com/office/drawing/2014/main" id="{A9161C5F-7126-5F75-0655-14D958325062}"/>
+                    </a:ext>
+                  </a:extLst>
+                </p:cNvPr>
+                <p:cNvPicPr/>
+                <p:nvPr/>
+              </p:nvPicPr>
+              <p:blipFill>
+                <a:blip r:embed="rId15"/>
+                <a:stretch>
+                  <a:fillRect/>
+                </a:stretch>
+              </p:blipFill>
+              <p:spPr>
+                <a:xfrm>
+                  <a:off x="8057967" y="1895836"/>
+                  <a:ext cx="867960" cy="253800"/>
+                </a:xfrm>
+                <a:prstGeom prst="rect">
+                  <a:avLst/>
+                </a:prstGeom>
+              </p:spPr>
+            </p:pic>
+          </mc:Fallback>
+        </mc:AlternateContent>
+        <mc:AlternateContent xmlns:mc="http://schemas.openxmlformats.org/markup-compatibility/2006">
+          <mc:Choice xmlns:p14="http://schemas.microsoft.com/office/powerpoint/2010/main" Requires="p14">
+            <p:contentPart p14:bwMode="auto" r:id="rId16">
+              <p14:nvContentPartPr>
+                <p14:cNvPr id="41" name="잉크 40">
+                  <a:extLst>
+                    <a:ext uri="{FF2B5EF4-FFF2-40B4-BE49-F238E27FC236}">
+                      <a16:creationId xmlns:a16="http://schemas.microsoft.com/office/drawing/2014/main" id="{151C2AC5-1566-ED2C-168F-24B063816CC3}"/>
+                    </a:ext>
+                  </a:extLst>
+                </p14:cNvPr>
+                <p14:cNvContentPartPr/>
+                <p14:nvPr/>
+              </p14:nvContentPartPr>
+              <p14:xfrm>
+                <a:off x="7899927" y="1816996"/>
+                <a:ext cx="210240" cy="224640"/>
+              </p14:xfrm>
+            </p:contentPart>
+          </mc:Choice>
+          <mc:Fallback>
+            <p:pic>
+              <p:nvPicPr>
+                <p:cNvPr id="41" name="잉크 40">
+                  <a:extLst>
+                    <a:ext uri="{FF2B5EF4-FFF2-40B4-BE49-F238E27FC236}">
+                      <a16:creationId xmlns:a16="http://schemas.microsoft.com/office/drawing/2014/main" id="{151C2AC5-1566-ED2C-168F-24B063816CC3}"/>
+                    </a:ext>
+                  </a:extLst>
+                </p:cNvPr>
+                <p:cNvPicPr/>
+                <p:nvPr/>
+              </p:nvPicPr>
+              <p:blipFill>
+                <a:blip r:embed="rId17"/>
+                <a:stretch>
+                  <a:fillRect/>
+                </a:stretch>
+              </p:blipFill>
+              <p:spPr>
+                <a:xfrm>
+                  <a:off x="7893807" y="1810876"/>
+                  <a:ext cx="222480" cy="236880"/>
+                </a:xfrm>
+                <a:prstGeom prst="rect">
+                  <a:avLst/>
+                </a:prstGeom>
+              </p:spPr>
+            </p:pic>
+          </mc:Fallback>
+        </mc:AlternateContent>
+      </p:grpSp>
+      <mc:AlternateContent xmlns:mc="http://schemas.openxmlformats.org/markup-compatibility/2006">
+        <mc:Choice xmlns:p14="http://schemas.microsoft.com/office/powerpoint/2010/main" Requires="p14">
+          <p:contentPart p14:bwMode="auto" r:id="rId18">
+            <p14:nvContentPartPr>
+              <p14:cNvPr id="48" name="잉크 47">
+                <a:extLst>
+                  <a:ext uri="{FF2B5EF4-FFF2-40B4-BE49-F238E27FC236}">
+                    <a16:creationId xmlns:a16="http://schemas.microsoft.com/office/drawing/2014/main" id="{32CA6E41-5A45-46E8-6200-E891CC26669E}"/>
+                  </a:ext>
+                </a:extLst>
+              </p14:cNvPr>
+              <p14:cNvContentPartPr/>
+              <p14:nvPr/>
+            </p14:nvContentPartPr>
+            <p14:xfrm>
+              <a:off x="2862087" y="4516276"/>
+              <a:ext cx="699120" cy="380880"/>
+            </p14:xfrm>
+          </p:contentPart>
+        </mc:Choice>
+        <mc:Fallback>
+          <p:pic>
+            <p:nvPicPr>
+              <p:cNvPr id="48" name="잉크 47">
+                <a:extLst>
+                  <a:ext uri="{FF2B5EF4-FFF2-40B4-BE49-F238E27FC236}">
+                    <a16:creationId xmlns:a16="http://schemas.microsoft.com/office/drawing/2014/main" id="{32CA6E41-5A45-46E8-6200-E891CC26669E}"/>
+                  </a:ext>
+                </a:extLst>
+              </p:cNvPr>
+              <p:cNvPicPr/>
+              <p:nvPr/>
+            </p:nvPicPr>
+            <p:blipFill>
+              <a:blip r:embed="rId19"/>
+              <a:stretch>
+                <a:fillRect/>
+              </a:stretch>
+            </p:blipFill>
+            <p:spPr>
+              <a:xfrm>
+                <a:off x="2855967" y="4510156"/>
+                <a:ext cx="711360" cy="393120"/>
+              </a:xfrm>
+              <a:prstGeom prst="rect">
+                <a:avLst/>
+              </a:prstGeom>
+            </p:spPr>
+          </p:pic>
+        </mc:Fallback>
+      </mc:AlternateContent>
+      <p:grpSp>
+        <p:nvGrpSpPr>
+          <p:cNvPr id="54" name="그룹 53">
+            <a:extLst>
+              <a:ext uri="{FF2B5EF4-FFF2-40B4-BE49-F238E27FC236}">
+                <a16:creationId xmlns:a16="http://schemas.microsoft.com/office/drawing/2014/main" id="{E43CB5CD-B16E-7F77-A5BE-15574AD98CB3}"/>
+              </a:ext>
+            </a:extLst>
+          </p:cNvPr>
+          <p:cNvGrpSpPr/>
+          <p:nvPr/>
+        </p:nvGrpSpPr>
+        <p:grpSpPr>
+          <a:xfrm>
+            <a:off x="2189247" y="4053676"/>
+            <a:ext cx="775440" cy="795600"/>
+            <a:chOff x="2189247" y="4053676"/>
+            <a:chExt cx="775440" cy="795600"/>
+          </a:xfrm>
+        </p:grpSpPr>
+        <mc:AlternateContent xmlns:mc="http://schemas.openxmlformats.org/markup-compatibility/2006">
+          <mc:Choice xmlns:p14="http://schemas.microsoft.com/office/powerpoint/2010/main" Requires="p14">
+            <p:contentPart p14:bwMode="auto" r:id="rId20">
+              <p14:nvContentPartPr>
+                <p14:cNvPr id="52" name="잉크 51">
+                  <a:extLst>
+                    <a:ext uri="{FF2B5EF4-FFF2-40B4-BE49-F238E27FC236}">
+                      <a16:creationId xmlns:a16="http://schemas.microsoft.com/office/drawing/2014/main" id="{59E7AD8B-A5E8-B202-70FD-0F7AACD89DBD}"/>
+                    </a:ext>
+                  </a:extLst>
+                </p14:cNvPr>
+                <p14:cNvContentPartPr/>
+                <p14:nvPr/>
+              </p14:nvContentPartPr>
+              <p14:xfrm>
+                <a:off x="2418207" y="4218556"/>
+                <a:ext cx="546480" cy="630720"/>
+              </p14:xfrm>
+            </p:contentPart>
+          </mc:Choice>
+          <mc:Fallback>
+            <p:pic>
+              <p:nvPicPr>
+                <p:cNvPr id="52" name="잉크 51">
+                  <a:extLst>
+                    <a:ext uri="{FF2B5EF4-FFF2-40B4-BE49-F238E27FC236}">
+                      <a16:creationId xmlns:a16="http://schemas.microsoft.com/office/drawing/2014/main" id="{59E7AD8B-A5E8-B202-70FD-0F7AACD89DBD}"/>
+                    </a:ext>
+                  </a:extLst>
+                </p:cNvPr>
+                <p:cNvPicPr/>
+                <p:nvPr/>
+              </p:nvPicPr>
+              <p:blipFill>
+                <a:blip r:embed="rId21"/>
+                <a:stretch>
+                  <a:fillRect/>
+                </a:stretch>
+              </p:blipFill>
+              <p:spPr>
+                <a:xfrm>
+                  <a:off x="2412087" y="4212436"/>
+                  <a:ext cx="558720" cy="642960"/>
+                </a:xfrm>
+                <a:prstGeom prst="rect">
+                  <a:avLst/>
+                </a:prstGeom>
+              </p:spPr>
+            </p:pic>
+          </mc:Fallback>
+        </mc:AlternateContent>
+        <mc:AlternateContent xmlns:mc="http://schemas.openxmlformats.org/markup-compatibility/2006">
+          <mc:Choice xmlns:p14="http://schemas.microsoft.com/office/powerpoint/2010/main" Requires="p14">
+            <p:contentPart p14:bwMode="auto" r:id="rId22">
+              <p14:nvContentPartPr>
+                <p14:cNvPr id="53" name="잉크 52">
+                  <a:extLst>
+                    <a:ext uri="{FF2B5EF4-FFF2-40B4-BE49-F238E27FC236}">
+                      <a16:creationId xmlns:a16="http://schemas.microsoft.com/office/drawing/2014/main" id="{07DAFDC9-0259-B5BD-2909-25D99386037B}"/>
+                    </a:ext>
+                  </a:extLst>
+                </p14:cNvPr>
+                <p14:cNvContentPartPr/>
+                <p14:nvPr/>
+              </p14:nvContentPartPr>
+              <p14:xfrm>
+                <a:off x="2189247" y="4053676"/>
+                <a:ext cx="369360" cy="374760"/>
+              </p14:xfrm>
+            </p:contentPart>
+          </mc:Choice>
+          <mc:Fallback>
+            <p:pic>
+              <p:nvPicPr>
+                <p:cNvPr id="53" name="잉크 52">
+                  <a:extLst>
+                    <a:ext uri="{FF2B5EF4-FFF2-40B4-BE49-F238E27FC236}">
+                      <a16:creationId xmlns:a16="http://schemas.microsoft.com/office/drawing/2014/main" id="{07DAFDC9-0259-B5BD-2909-25D99386037B}"/>
+                    </a:ext>
+                  </a:extLst>
+                </p:cNvPr>
+                <p:cNvPicPr/>
+                <p:nvPr/>
+              </p:nvPicPr>
+              <p:blipFill>
+                <a:blip r:embed="rId23"/>
+                <a:stretch>
+                  <a:fillRect/>
+                </a:stretch>
+              </p:blipFill>
+              <p:spPr>
+                <a:xfrm>
+                  <a:off x="2183127" y="4047556"/>
+                  <a:ext cx="381600" cy="387000"/>
+                </a:xfrm>
+                <a:prstGeom prst="rect">
+                  <a:avLst/>
+                </a:prstGeom>
+              </p:spPr>
+            </p:pic>
+          </mc:Fallback>
+        </mc:AlternateContent>
+      </p:grpSp>
+      <p:grpSp>
+        <p:nvGrpSpPr>
+          <p:cNvPr id="59" name="그룹 58">
+            <a:extLst>
+              <a:ext uri="{FF2B5EF4-FFF2-40B4-BE49-F238E27FC236}">
+                <a16:creationId xmlns:a16="http://schemas.microsoft.com/office/drawing/2014/main" id="{BE5801A7-C115-781B-82C2-0A8759E2EB99}"/>
+              </a:ext>
+            </a:extLst>
+          </p:cNvPr>
+          <p:cNvGrpSpPr/>
+          <p:nvPr/>
+        </p:nvGrpSpPr>
+        <p:grpSpPr>
+          <a:xfrm>
+            <a:off x="5790687" y="4229356"/>
+            <a:ext cx="1940040" cy="271080"/>
+            <a:chOff x="5790687" y="4229356"/>
+            <a:chExt cx="1940040" cy="271080"/>
+          </a:xfrm>
+        </p:grpSpPr>
+        <mc:AlternateContent xmlns:mc="http://schemas.openxmlformats.org/markup-compatibility/2006">
+          <mc:Choice xmlns:p14="http://schemas.microsoft.com/office/powerpoint/2010/main" Requires="p14">
+            <p:contentPart p14:bwMode="auto" r:id="rId24">
+              <p14:nvContentPartPr>
+                <p14:cNvPr id="55" name="잉크 54">
+                  <a:extLst>
+                    <a:ext uri="{FF2B5EF4-FFF2-40B4-BE49-F238E27FC236}">
+                      <a16:creationId xmlns:a16="http://schemas.microsoft.com/office/drawing/2014/main" id="{EC664B98-404D-8325-5877-6A90286DA2F0}"/>
+                    </a:ext>
+                  </a:extLst>
+                </p14:cNvPr>
+                <p14:cNvContentPartPr/>
+                <p14:nvPr/>
+              </p14:nvContentPartPr>
+              <p14:xfrm>
+                <a:off x="6928287" y="4293436"/>
+                <a:ext cx="802440" cy="177120"/>
+              </p14:xfrm>
+            </p:contentPart>
+          </mc:Choice>
+          <mc:Fallback>
+            <p:pic>
+              <p:nvPicPr>
+                <p:cNvPr id="55" name="잉크 54">
+                  <a:extLst>
+                    <a:ext uri="{FF2B5EF4-FFF2-40B4-BE49-F238E27FC236}">
+                      <a16:creationId xmlns:a16="http://schemas.microsoft.com/office/drawing/2014/main" id="{EC664B98-404D-8325-5877-6A90286DA2F0}"/>
+                    </a:ext>
+                  </a:extLst>
+                </p:cNvPr>
+                <p:cNvPicPr/>
+                <p:nvPr/>
+              </p:nvPicPr>
+              <p:blipFill>
+                <a:blip r:embed="rId25"/>
+                <a:stretch>
+                  <a:fillRect/>
+                </a:stretch>
+              </p:blipFill>
+              <p:spPr>
+                <a:xfrm>
+                  <a:off x="6922167" y="4287316"/>
+                  <a:ext cx="814680" cy="189360"/>
+                </a:xfrm>
+                <a:prstGeom prst="rect">
+                  <a:avLst/>
+                </a:prstGeom>
+              </p:spPr>
+            </p:pic>
+          </mc:Fallback>
+        </mc:AlternateContent>
+        <mc:AlternateContent xmlns:mc="http://schemas.openxmlformats.org/markup-compatibility/2006">
+          <mc:Choice xmlns:p14="http://schemas.microsoft.com/office/powerpoint/2010/main" Requires="p14">
+            <p:contentPart p14:bwMode="auto" r:id="rId26">
+              <p14:nvContentPartPr>
+                <p14:cNvPr id="56" name="잉크 55">
+                  <a:extLst>
+                    <a:ext uri="{FF2B5EF4-FFF2-40B4-BE49-F238E27FC236}">
+                      <a16:creationId xmlns:a16="http://schemas.microsoft.com/office/drawing/2014/main" id="{2DD1D7D0-4E52-EB4F-A17E-BB7F28947A03}"/>
+                    </a:ext>
+                  </a:extLst>
+                </p14:cNvPr>
+                <p14:cNvContentPartPr/>
+                <p14:nvPr/>
+              </p14:nvContentPartPr>
+              <p14:xfrm>
+                <a:off x="6148887" y="4302796"/>
+                <a:ext cx="851400" cy="177120"/>
+              </p14:xfrm>
+            </p:contentPart>
+          </mc:Choice>
+          <mc:Fallback>
+            <p:pic>
+              <p:nvPicPr>
+                <p:cNvPr id="56" name="잉크 55">
+                  <a:extLst>
+                    <a:ext uri="{FF2B5EF4-FFF2-40B4-BE49-F238E27FC236}">
+                      <a16:creationId xmlns:a16="http://schemas.microsoft.com/office/drawing/2014/main" id="{2DD1D7D0-4E52-EB4F-A17E-BB7F28947A03}"/>
+                    </a:ext>
+                  </a:extLst>
+                </p:cNvPr>
+                <p:cNvPicPr/>
+                <p:nvPr/>
+              </p:nvPicPr>
+              <p:blipFill>
+                <a:blip r:embed="rId27"/>
+                <a:stretch>
+                  <a:fillRect/>
+                </a:stretch>
+              </p:blipFill>
+              <p:spPr>
+                <a:xfrm>
+                  <a:off x="6142767" y="4296676"/>
+                  <a:ext cx="863640" cy="189360"/>
+                </a:xfrm>
+                <a:prstGeom prst="rect">
+                  <a:avLst/>
+                </a:prstGeom>
+              </p:spPr>
+            </p:pic>
+          </mc:Fallback>
+        </mc:AlternateContent>
+        <mc:AlternateContent xmlns:mc="http://schemas.openxmlformats.org/markup-compatibility/2006">
+          <mc:Choice xmlns:p14="http://schemas.microsoft.com/office/powerpoint/2010/main" Requires="p14">
+            <p:contentPart p14:bwMode="auto" r:id="rId28">
+              <p14:nvContentPartPr>
+                <p14:cNvPr id="57" name="잉크 56">
+                  <a:extLst>
+                    <a:ext uri="{FF2B5EF4-FFF2-40B4-BE49-F238E27FC236}">
+                      <a16:creationId xmlns:a16="http://schemas.microsoft.com/office/drawing/2014/main" id="{81158693-9092-B06E-33A8-25F10FACA6DD}"/>
+                    </a:ext>
+                  </a:extLst>
+                </p14:cNvPr>
+                <p14:cNvContentPartPr/>
+                <p14:nvPr/>
+              </p14:nvContentPartPr>
+              <p14:xfrm>
+                <a:off x="5790687" y="4229356"/>
+                <a:ext cx="360360" cy="271080"/>
+              </p14:xfrm>
+            </p:contentPart>
+          </mc:Choice>
+          <mc:Fallback>
+            <p:pic>
+              <p:nvPicPr>
+                <p:cNvPr id="57" name="잉크 56">
+                  <a:extLst>
+                    <a:ext uri="{FF2B5EF4-FFF2-40B4-BE49-F238E27FC236}">
+                      <a16:creationId xmlns:a16="http://schemas.microsoft.com/office/drawing/2014/main" id="{81158693-9092-B06E-33A8-25F10FACA6DD}"/>
+                    </a:ext>
+                  </a:extLst>
+                </p:cNvPr>
+                <p:cNvPicPr/>
+                <p:nvPr/>
+              </p:nvPicPr>
+              <p:blipFill>
+                <a:blip r:embed="rId29"/>
+                <a:stretch>
+                  <a:fillRect/>
+                </a:stretch>
+              </p:blipFill>
+              <p:spPr>
+                <a:xfrm>
+                  <a:off x="5784567" y="4223236"/>
+                  <a:ext cx="372600" cy="283320"/>
+                </a:xfrm>
+                <a:prstGeom prst="rect">
+                  <a:avLst/>
+                </a:prstGeom>
+              </p:spPr>
+            </p:pic>
+          </mc:Fallback>
+        </mc:AlternateContent>
+      </p:grpSp>
+      <mc:AlternateContent xmlns:mc="http://schemas.openxmlformats.org/markup-compatibility/2006">
+        <mc:Choice xmlns:p14="http://schemas.microsoft.com/office/powerpoint/2010/main" Requires="p14">
+          <p:contentPart p14:bwMode="auto" r:id="rId30">
+            <p14:nvContentPartPr>
+              <p14:cNvPr id="58" name="잉크 57">
+                <a:extLst>
+                  <a:ext uri="{FF2B5EF4-FFF2-40B4-BE49-F238E27FC236}">
+                    <a16:creationId xmlns:a16="http://schemas.microsoft.com/office/drawing/2014/main" id="{53503E94-FB7D-F41A-CDEF-348D230E8461}"/>
+                  </a:ext>
+                </a:extLst>
+              </p14:cNvPr>
+              <p14:cNvContentPartPr/>
+              <p14:nvPr/>
+            </p14:nvContentPartPr>
+            <p14:xfrm>
+              <a:off x="9762567" y="4424116"/>
+              <a:ext cx="360" cy="360"/>
+            </p14:xfrm>
+          </p:contentPart>
+        </mc:Choice>
+        <mc:Fallback>
+          <p:pic>
+            <p:nvPicPr>
+              <p:cNvPr id="58" name="잉크 57">
+                <a:extLst>
+                  <a:ext uri="{FF2B5EF4-FFF2-40B4-BE49-F238E27FC236}">
+                    <a16:creationId xmlns:a16="http://schemas.microsoft.com/office/drawing/2014/main" id="{53503E94-FB7D-F41A-CDEF-348D230E8461}"/>
+                  </a:ext>
+                </a:extLst>
+              </p:cNvPr>
+              <p:cNvPicPr/>
+              <p:nvPr/>
+            </p:nvPicPr>
+            <p:blipFill>
+              <a:blip r:embed="rId31"/>
+              <a:stretch>
+                <a:fillRect/>
+              </a:stretch>
+            </p:blipFill>
+            <p:spPr>
+              <a:xfrm>
+                <a:off x="9756447" y="4417996"/>
+                <a:ext cx="12600" cy="12600"/>
+              </a:xfrm>
+              <a:prstGeom prst="rect">
+                <a:avLst/>
+              </a:prstGeom>
+            </p:spPr>
+          </p:pic>
+        </mc:Fallback>
+      </mc:AlternateContent>
+      <p:cxnSp>
+        <p:nvCxnSpPr>
+          <p:cNvPr id="61" name="직선 화살표 연결선 60">
+            <a:extLst>
+              <a:ext uri="{FF2B5EF4-FFF2-40B4-BE49-F238E27FC236}">
+                <a16:creationId xmlns:a16="http://schemas.microsoft.com/office/drawing/2014/main" id="{917FA202-150D-C76A-03E5-DE1DF8E803F9}"/>
+              </a:ext>
+            </a:extLst>
+          </p:cNvPr>
+          <p:cNvCxnSpPr/>
+          <p:nvPr/>
+        </p:nvCxnSpPr>
+        <p:spPr>
+          <a:xfrm flipH="1">
+            <a:off x="6742545" y="1372036"/>
+            <a:ext cx="840510" cy="0"/>
+          </a:xfrm>
+          <a:prstGeom prst="straightConnector1">
+            <a:avLst/>
+          </a:prstGeom>
+          <a:ln>
+            <a:tailEnd type="triangle"/>
+          </a:ln>
+        </p:spPr>
+        <p:style>
+          <a:lnRef idx="2">
+            <a:schemeClr val="accent1"/>
+          </a:lnRef>
+          <a:fillRef idx="0">
+            <a:schemeClr val="accent1"/>
+          </a:fillRef>
+          <a:effectRef idx="1">
+            <a:schemeClr val="accent1"/>
+          </a:effectRef>
+          <a:fontRef idx="minor">
+            <a:schemeClr val="tx1"/>
+          </a:fontRef>
+        </p:style>
+      </p:cxnSp>
+      <p:cxnSp>
+        <p:nvCxnSpPr>
+          <p:cNvPr id="62" name="직선 화살표 연결선 61">
+            <a:extLst>
+              <a:ext uri="{FF2B5EF4-FFF2-40B4-BE49-F238E27FC236}">
+                <a16:creationId xmlns:a16="http://schemas.microsoft.com/office/drawing/2014/main" id="{78436FA7-E387-653E-8C49-21AC559E7635}"/>
+              </a:ext>
+            </a:extLst>
+          </p:cNvPr>
+          <p:cNvCxnSpPr>
+            <a:cxnSpLocks/>
+          </p:cNvCxnSpPr>
+          <p:nvPr/>
+        </p:nvCxnSpPr>
+        <p:spPr>
+          <a:xfrm flipV="1">
+            <a:off x="7017089" y="1714935"/>
+            <a:ext cx="914985" cy="219240"/>
+          </a:xfrm>
+          <a:prstGeom prst="straightConnector1">
+            <a:avLst/>
+          </a:prstGeom>
+          <a:ln>
+            <a:tailEnd type="triangle"/>
+          </a:ln>
+        </p:spPr>
+        <p:style>
+          <a:lnRef idx="2">
+            <a:schemeClr val="accent1"/>
+          </a:lnRef>
+          <a:fillRef idx="0">
+            <a:schemeClr val="accent1"/>
+          </a:fillRef>
+          <a:effectRef idx="1">
+            <a:schemeClr val="accent1"/>
+          </a:effectRef>
+          <a:fontRef idx="minor">
+            <a:schemeClr val="tx1"/>
+          </a:fontRef>
+        </p:style>
+      </p:cxnSp>
+      <p:sp>
+        <p:nvSpPr>
+          <p:cNvPr id="65" name="TextBox 64">
+            <a:extLst>
+              <a:ext uri="{FF2B5EF4-FFF2-40B4-BE49-F238E27FC236}">
+                <a16:creationId xmlns:a16="http://schemas.microsoft.com/office/drawing/2014/main" id="{66970C25-3A83-9224-14A9-56ADC7482041}"/>
+              </a:ext>
+            </a:extLst>
+          </p:cNvPr>
+          <p:cNvSpPr txBox="1"/>
+          <p:nvPr/>
+        </p:nvSpPr>
+        <p:spPr>
+          <a:xfrm>
+            <a:off x="7001977" y="1017324"/>
+            <a:ext cx="336952" cy="369332"/>
+          </a:xfrm>
+          <a:prstGeom prst="rect">
+            <a:avLst/>
+          </a:prstGeom>
+          <a:noFill/>
+        </p:spPr>
+        <p:txBody>
+          <a:bodyPr wrap="none" rtlCol="0">
+            <a:spAutoFit/>
+          </a:bodyPr>
+          <a:lstStyle/>
+          <a:p>
+            <a:r>
+              <a:rPr lang="en-US" altLang="ko-KR" dirty="0"/>
+              <a:t>A</a:t>
+            </a:r>
+            <a:endParaRPr lang="ko-KR" altLang="en-US" dirty="0"/>
+          </a:p>
+        </p:txBody>
+      </p:sp>
+      <p:sp>
+        <p:nvSpPr>
+          <p:cNvPr id="66" name="TextBox 65">
+            <a:extLst>
+              <a:ext uri="{FF2B5EF4-FFF2-40B4-BE49-F238E27FC236}">
+                <a16:creationId xmlns:a16="http://schemas.microsoft.com/office/drawing/2014/main" id="{59C98B18-58AE-156E-7B2A-CFD28BE9B959}"/>
+              </a:ext>
+            </a:extLst>
+          </p:cNvPr>
+          <p:cNvSpPr txBox="1"/>
+          <p:nvPr/>
+        </p:nvSpPr>
+        <p:spPr>
+          <a:xfrm>
+            <a:off x="7162800" y="1457956"/>
+            <a:ext cx="319318" cy="369332"/>
+          </a:xfrm>
+          <a:prstGeom prst="rect">
+            <a:avLst/>
+          </a:prstGeom>
+          <a:noFill/>
+        </p:spPr>
+        <p:txBody>
+          <a:bodyPr wrap="none" rtlCol="0">
+            <a:spAutoFit/>
+          </a:bodyPr>
+          <a:lstStyle/>
+          <a:p>
+            <a:r>
+              <a:rPr lang="en-US" altLang="ko-KR" dirty="0"/>
+              <a:t>B</a:t>
+            </a:r>
+            <a:endParaRPr lang="ko-KR" altLang="en-US" dirty="0"/>
+          </a:p>
+        </p:txBody>
+      </p:sp>
+      <p:cxnSp>
+        <p:nvCxnSpPr>
+          <p:cNvPr id="67" name="직선 화살표 연결선 66">
+            <a:extLst>
+              <a:ext uri="{FF2B5EF4-FFF2-40B4-BE49-F238E27FC236}">
+                <a16:creationId xmlns:a16="http://schemas.microsoft.com/office/drawing/2014/main" id="{C8830A1B-105A-6B5B-876B-492548C148D5}"/>
+              </a:ext>
+            </a:extLst>
+          </p:cNvPr>
+          <p:cNvCxnSpPr/>
+          <p:nvPr/>
+        </p:nvCxnSpPr>
+        <p:spPr>
+          <a:xfrm flipH="1">
+            <a:off x="6104114" y="4239551"/>
+            <a:ext cx="840510" cy="0"/>
+          </a:xfrm>
+          <a:prstGeom prst="straightConnector1">
+            <a:avLst/>
+          </a:prstGeom>
+          <a:ln>
+            <a:tailEnd type="triangle"/>
+          </a:ln>
+        </p:spPr>
+        <p:style>
+          <a:lnRef idx="2">
+            <a:schemeClr val="accent1"/>
+          </a:lnRef>
+          <a:fillRef idx="0">
+            <a:schemeClr val="accent1"/>
+          </a:fillRef>
+          <a:effectRef idx="1">
+            <a:schemeClr val="accent1"/>
+          </a:effectRef>
+          <a:fontRef idx="minor">
+            <a:schemeClr val="tx1"/>
+          </a:fontRef>
+        </p:style>
+      </p:cxnSp>
+      <p:cxnSp>
+        <p:nvCxnSpPr>
+          <p:cNvPr id="68" name="직선 화살표 연결선 67">
+            <a:extLst>
+              <a:ext uri="{FF2B5EF4-FFF2-40B4-BE49-F238E27FC236}">
+                <a16:creationId xmlns:a16="http://schemas.microsoft.com/office/drawing/2014/main" id="{4C2E7462-AF99-348F-F40E-716D3D55BBAD}"/>
+              </a:ext>
+            </a:extLst>
+          </p:cNvPr>
+          <p:cNvCxnSpPr>
+            <a:cxnSpLocks/>
+          </p:cNvCxnSpPr>
+          <p:nvPr/>
+        </p:nvCxnSpPr>
+        <p:spPr>
+          <a:xfrm>
+            <a:off x="6494963" y="3446910"/>
+            <a:ext cx="834544" cy="260171"/>
+          </a:xfrm>
+          <a:prstGeom prst="straightConnector1">
+            <a:avLst/>
+          </a:prstGeom>
+          <a:ln>
+            <a:tailEnd type="triangle"/>
+          </a:ln>
+        </p:spPr>
+        <p:style>
+          <a:lnRef idx="2">
+            <a:schemeClr val="accent1"/>
+          </a:lnRef>
+          <a:fillRef idx="0">
+            <a:schemeClr val="accent1"/>
+          </a:fillRef>
+          <a:effectRef idx="1">
+            <a:schemeClr val="accent1"/>
+          </a:effectRef>
+          <a:fontRef idx="minor">
+            <a:schemeClr val="tx1"/>
+          </a:fontRef>
+        </p:style>
+      </p:cxnSp>
+      <p:sp>
+        <p:nvSpPr>
+          <p:cNvPr id="69" name="TextBox 68">
+            <a:extLst>
+              <a:ext uri="{FF2B5EF4-FFF2-40B4-BE49-F238E27FC236}">
+                <a16:creationId xmlns:a16="http://schemas.microsoft.com/office/drawing/2014/main" id="{01C457E7-95CD-AB44-E113-80A455A3A5E3}"/>
+              </a:ext>
+            </a:extLst>
+          </p:cNvPr>
+          <p:cNvSpPr txBox="1"/>
+          <p:nvPr/>
+        </p:nvSpPr>
+        <p:spPr>
+          <a:xfrm>
+            <a:off x="6363546" y="3884839"/>
+            <a:ext cx="336952" cy="369332"/>
+          </a:xfrm>
+          <a:prstGeom prst="rect">
+            <a:avLst/>
+          </a:prstGeom>
+          <a:noFill/>
+        </p:spPr>
+        <p:txBody>
+          <a:bodyPr wrap="none" rtlCol="0">
+            <a:spAutoFit/>
+          </a:bodyPr>
+          <a:lstStyle/>
+          <a:p>
+            <a:r>
+              <a:rPr lang="en-US" altLang="ko-KR" dirty="0"/>
+              <a:t>A</a:t>
+            </a:r>
+            <a:endParaRPr lang="ko-KR" altLang="en-US" dirty="0"/>
+          </a:p>
+        </p:txBody>
+      </p:sp>
+      <p:sp>
+        <p:nvSpPr>
+          <p:cNvPr id="70" name="TextBox 69">
+            <a:extLst>
+              <a:ext uri="{FF2B5EF4-FFF2-40B4-BE49-F238E27FC236}">
+                <a16:creationId xmlns:a16="http://schemas.microsoft.com/office/drawing/2014/main" id="{AEA0C3E4-0DAE-E6E9-88BF-F79D0BC92BD2}"/>
+              </a:ext>
+            </a:extLst>
+          </p:cNvPr>
+          <p:cNvSpPr txBox="1"/>
+          <p:nvPr/>
+        </p:nvSpPr>
+        <p:spPr>
+          <a:xfrm>
+            <a:off x="6784965" y="3257147"/>
+            <a:ext cx="319318" cy="369332"/>
+          </a:xfrm>
+          <a:prstGeom prst="rect">
+            <a:avLst/>
+          </a:prstGeom>
+          <a:noFill/>
+        </p:spPr>
+        <p:txBody>
+          <a:bodyPr wrap="none" rtlCol="0">
+            <a:spAutoFit/>
+          </a:bodyPr>
+          <a:lstStyle/>
+          <a:p>
+            <a:r>
+              <a:rPr lang="en-US" altLang="ko-KR" dirty="0"/>
+              <a:t>B</a:t>
+            </a:r>
+            <a:endParaRPr lang="ko-KR" altLang="en-US" dirty="0"/>
+          </a:p>
+        </p:txBody>
+      </p:sp>
+      <p:sp>
+        <p:nvSpPr>
+          <p:cNvPr id="71" name="TextBox 70">
+            <a:extLst>
+              <a:ext uri="{FF2B5EF4-FFF2-40B4-BE49-F238E27FC236}">
+                <a16:creationId xmlns:a16="http://schemas.microsoft.com/office/drawing/2014/main" id="{10876CD5-3896-B352-2E71-1F9F7AE2AD64}"/>
+              </a:ext>
+            </a:extLst>
+          </p:cNvPr>
+          <p:cNvSpPr txBox="1"/>
+          <p:nvPr/>
+        </p:nvSpPr>
+        <p:spPr>
+          <a:xfrm>
+            <a:off x="3940412" y="5832907"/>
+            <a:ext cx="2427268" cy="646331"/>
+          </a:xfrm>
+          <a:prstGeom prst="rect">
+            <a:avLst/>
+          </a:prstGeom>
+          <a:noFill/>
+        </p:spPr>
+        <p:txBody>
+          <a:bodyPr wrap="none" rtlCol="0">
+            <a:spAutoFit/>
+          </a:bodyPr>
+          <a:lstStyle/>
+          <a:p>
+            <a:r>
+              <a:rPr lang="ko-KR" altLang="en-US" dirty="0"/>
+              <a:t>이때 직선 </a:t>
+            </a:r>
+            <a:r>
+              <a:rPr lang="en-US" altLang="ko-KR" dirty="0"/>
+              <a:t>A = </a:t>
+            </a:r>
+            <a:r>
+              <a:rPr lang="ko-KR" altLang="en-US" dirty="0"/>
+              <a:t>직선 </a:t>
+            </a:r>
+            <a:r>
+              <a:rPr lang="en-US" altLang="ko-KR" dirty="0"/>
+              <a:t>B</a:t>
+            </a:r>
+            <a:endParaRPr lang="ko-KR" altLang="en-US" dirty="0"/>
+          </a:p>
+          <a:p>
+            <a:endParaRPr lang="ko-KR" altLang="en-US" dirty="0"/>
+          </a:p>
+        </p:txBody>
+      </p:sp>
     </p:spTree>
     <p:extLst>
       <p:ext uri="{BB962C8B-B14F-4D97-AF65-F5344CB8AC3E}">
-        <p14:creationId xmlns:p14="http://schemas.microsoft.com/office/powerpoint/2010/main" val="798506379"/>
+        <p14:creationId xmlns:p14="http://schemas.microsoft.com/office/powerpoint/2010/main" val="1457690181"/>
       </p:ext>
     </p:extLst>
   </p:cSld>

--- a/Control Design PPT.pptx
+++ b/Control Design PPT.pptx
@@ -18,6 +18,7 @@
     <p:sldId id="266" r:id="rId12"/>
     <p:sldId id="267" r:id="rId13"/>
     <p:sldId id="268" r:id="rId14"/>
+    <p:sldId id="269" r:id="rId15"/>
   </p:sldIdLst>
   <p:sldSz cx="12192000" cy="6858000"/>
   <p:notesSz cx="6858000" cy="9144000"/>
@@ -4619,7 +4620,7 @@
         </p:nvGrpSpPr>
         <p:grpSpPr>
           <a:xfrm>
-            <a:off x="351190" y="199085"/>
+            <a:off x="318931" y="0"/>
             <a:ext cx="7234222" cy="6015955"/>
             <a:chOff x="1293043" y="422568"/>
             <a:chExt cx="6574608" cy="6015955"/>
@@ -4627,10 +4628,10 @@
         </p:grpSpPr>
         <p:grpSp>
           <p:nvGrpSpPr>
-            <p:cNvPr id="44" name="그룹 43">
+            <p:cNvPr id="4" name="그룹 3">
               <a:extLst>
                 <a:ext uri="{FF2B5EF4-FFF2-40B4-BE49-F238E27FC236}">
-                  <a16:creationId xmlns:a16="http://schemas.microsoft.com/office/drawing/2014/main" id="{BCFA6D23-D81C-CBAE-E20E-D553B28127CC}"/>
+                  <a16:creationId xmlns:a16="http://schemas.microsoft.com/office/drawing/2014/main" id="{B0C277EC-D4C1-8F7B-EDF8-321393ACD511}"/>
                 </a:ext>
               </a:extLst>
             </p:cNvPr>
@@ -4641,2138 +4642,19 @@
             <a:xfrm>
               <a:off x="1293043" y="422568"/>
               <a:ext cx="6574608" cy="6015955"/>
-              <a:chOff x="1293043" y="422568"/>
-              <a:chExt cx="6574608" cy="6015955"/>
+              <a:chOff x="687845" y="2333987"/>
+              <a:chExt cx="4308091" cy="3614370"/>
             </a:xfrm>
+            <a:solidFill>
+              <a:schemeClr val="bg1"/>
+            </a:solidFill>
           </p:grpSpPr>
-          <p:grpSp>
-            <p:nvGrpSpPr>
-              <p:cNvPr id="4" name="그룹 3">
+          <p:sp>
+            <p:nvSpPr>
+              <p:cNvPr id="5" name="사각형: 둥근 모서리 4">
                 <a:extLst>
                   <a:ext uri="{FF2B5EF4-FFF2-40B4-BE49-F238E27FC236}">
-                    <a16:creationId xmlns:a16="http://schemas.microsoft.com/office/drawing/2014/main" id="{B0C277EC-D4C1-8F7B-EDF8-321393ACD511}"/>
-                  </a:ext>
-                </a:extLst>
-              </p:cNvPr>
-              <p:cNvGrpSpPr/>
-              <p:nvPr/>
-            </p:nvGrpSpPr>
-            <p:grpSpPr>
-              <a:xfrm>
-                <a:off x="1293043" y="422568"/>
-                <a:ext cx="6574608" cy="6015955"/>
-                <a:chOff x="687845" y="2333987"/>
-                <a:chExt cx="4308091" cy="3614370"/>
-              </a:xfrm>
-              <a:solidFill>
-                <a:schemeClr val="bg1"/>
-              </a:solidFill>
-            </p:grpSpPr>
-            <p:sp>
-              <p:nvSpPr>
-                <p:cNvPr id="5" name="사각형: 둥근 모서리 4">
-                  <a:extLst>
-                    <a:ext uri="{FF2B5EF4-FFF2-40B4-BE49-F238E27FC236}">
-                      <a16:creationId xmlns:a16="http://schemas.microsoft.com/office/drawing/2014/main" id="{F82A151E-F2B6-CDD4-D1D6-BF0A40F34CD6}"/>
-                    </a:ext>
-                  </a:extLst>
-                </p:cNvPr>
-                <p:cNvSpPr/>
-                <p:nvPr/>
-              </p:nvSpPr>
-              <p:spPr>
-                <a:xfrm>
-                  <a:off x="2916560" y="4594635"/>
-                  <a:ext cx="862607" cy="543598"/>
-                </a:xfrm>
-                <a:prstGeom prst="roundRect">
-                  <a:avLst/>
-                </a:prstGeom>
-                <a:grpFill/>
-                <a:ln>
-                  <a:solidFill>
-                    <a:schemeClr val="tx1"/>
-                  </a:solidFill>
-                </a:ln>
-                <a:scene3d>
-                  <a:camera prst="orthographicFront"/>
-                  <a:lightRig rig="threePt" dir="t"/>
-                </a:scene3d>
-                <a:sp3d>
-                  <a:bevelT w="114300" prst="hardEdge"/>
-                </a:sp3d>
-              </p:spPr>
-              <p:style>
-                <a:lnRef idx="2">
-                  <a:schemeClr val="accent1">
-                    <a:shade val="15000"/>
-                  </a:schemeClr>
-                </a:lnRef>
-                <a:fillRef idx="1">
-                  <a:schemeClr val="accent1"/>
-                </a:fillRef>
-                <a:effectRef idx="0">
-                  <a:schemeClr val="accent1"/>
-                </a:effectRef>
-                <a:fontRef idx="minor">
-                  <a:schemeClr val="lt1"/>
-                </a:fontRef>
-              </p:style>
-              <p:txBody>
-                <a:bodyPr rtlCol="0" anchor="ctr"/>
-                <a:lstStyle/>
-                <a:p>
-                  <a:pPr algn="ctr"/>
-                  <a:endParaRPr lang="ko-KR" altLang="en-US" sz="1013"/>
-                </a:p>
-              </p:txBody>
-            </p:sp>
-            <p:sp>
-              <p:nvSpPr>
-                <p:cNvPr id="6" name="사각형: 둥근 모서리 5">
-                  <a:extLst>
-                    <a:ext uri="{FF2B5EF4-FFF2-40B4-BE49-F238E27FC236}">
-                      <a16:creationId xmlns:a16="http://schemas.microsoft.com/office/drawing/2014/main" id="{222670D6-ED40-C32B-4B63-92C9AFADD985}"/>
-                    </a:ext>
-                  </a:extLst>
-                </p:cNvPr>
-                <p:cNvSpPr/>
-                <p:nvPr/>
-              </p:nvSpPr>
-              <p:spPr>
-                <a:xfrm>
-                  <a:off x="1904213" y="4594635"/>
-                  <a:ext cx="862608" cy="543598"/>
-                </a:xfrm>
-                <a:prstGeom prst="roundRect">
-                  <a:avLst/>
-                </a:prstGeom>
-                <a:grpFill/>
-                <a:ln>
-                  <a:solidFill>
-                    <a:schemeClr val="tx1"/>
-                  </a:solidFill>
-                </a:ln>
-                <a:scene3d>
-                  <a:camera prst="orthographicFront"/>
-                  <a:lightRig rig="threePt" dir="t"/>
-                </a:scene3d>
-                <a:sp3d>
-                  <a:bevelT w="114300" prst="hardEdge"/>
-                </a:sp3d>
-              </p:spPr>
-              <p:style>
-                <a:lnRef idx="2">
-                  <a:schemeClr val="accent1">
-                    <a:shade val="15000"/>
-                  </a:schemeClr>
-                </a:lnRef>
-                <a:fillRef idx="1">
-                  <a:schemeClr val="accent1"/>
-                </a:fillRef>
-                <a:effectRef idx="0">
-                  <a:schemeClr val="accent1"/>
-                </a:effectRef>
-                <a:fontRef idx="minor">
-                  <a:schemeClr val="lt1"/>
-                </a:fontRef>
-              </p:style>
-              <p:txBody>
-                <a:bodyPr rtlCol="0" anchor="ctr"/>
-                <a:lstStyle/>
-                <a:p>
-                  <a:pPr algn="ctr"/>
-                  <a:endParaRPr lang="ko-KR" altLang="en-US" sz="1013"/>
-                </a:p>
-              </p:txBody>
-            </p:sp>
-            <p:sp>
-              <p:nvSpPr>
-                <p:cNvPr id="7" name="육각형 6">
-                  <a:extLst>
-                    <a:ext uri="{FF2B5EF4-FFF2-40B4-BE49-F238E27FC236}">
-                      <a16:creationId xmlns:a16="http://schemas.microsoft.com/office/drawing/2014/main" id="{74AAB669-6ADC-F7E9-C8B9-FE4A88A1547F}"/>
-                    </a:ext>
-                  </a:extLst>
-                </p:cNvPr>
-                <p:cNvSpPr/>
-                <p:nvPr/>
-              </p:nvSpPr>
-              <p:spPr>
-                <a:xfrm rot="5400000">
-                  <a:off x="1828993" y="3153455"/>
-                  <a:ext cx="2025000" cy="2025000"/>
-                </a:xfrm>
-                <a:prstGeom prst="hexagon">
-                  <a:avLst/>
-                </a:prstGeom>
-                <a:grpFill/>
-                <a:ln>
-                  <a:solidFill>
-                    <a:schemeClr val="tx1"/>
-                  </a:solidFill>
-                </a:ln>
-                <a:scene3d>
-                  <a:camera prst="orthographicFront"/>
-                  <a:lightRig rig="threePt" dir="t"/>
-                </a:scene3d>
-                <a:sp3d>
-                  <a:bevelT w="114300" prst="hardEdge"/>
-                </a:sp3d>
-              </p:spPr>
-              <p:style>
-                <a:lnRef idx="2">
-                  <a:schemeClr val="accent1">
-                    <a:shade val="15000"/>
-                  </a:schemeClr>
-                </a:lnRef>
-                <a:fillRef idx="1">
-                  <a:schemeClr val="accent1"/>
-                </a:fillRef>
-                <a:effectRef idx="0">
-                  <a:schemeClr val="accent1"/>
-                </a:effectRef>
-                <a:fontRef idx="minor">
-                  <a:schemeClr val="lt1"/>
-                </a:fontRef>
-              </p:style>
-              <p:txBody>
-                <a:bodyPr rtlCol="0" anchor="ctr"/>
-                <a:lstStyle/>
-                <a:p>
-                  <a:pPr algn="ctr"/>
-                  <a:endParaRPr lang="ko-KR" altLang="en-US" sz="1013" dirty="0"/>
-                </a:p>
-              </p:txBody>
-            </p:sp>
-            <p:sp>
-              <p:nvSpPr>
-                <p:cNvPr id="8" name="직사각형 7">
-                  <a:extLst>
-                    <a:ext uri="{FF2B5EF4-FFF2-40B4-BE49-F238E27FC236}">
-                      <a16:creationId xmlns:a16="http://schemas.microsoft.com/office/drawing/2014/main" id="{E1125694-1BE9-AB05-E278-625ECA1D35DF}"/>
-                    </a:ext>
-                  </a:extLst>
-                </p:cNvPr>
-                <p:cNvSpPr/>
-                <p:nvPr/>
-              </p:nvSpPr>
-              <p:spPr>
-                <a:xfrm rot="20011563">
-                  <a:off x="1967793" y="3310806"/>
-                  <a:ext cx="704321" cy="98450"/>
-                </a:xfrm>
-                <a:prstGeom prst="rect">
-                  <a:avLst/>
-                </a:prstGeom>
-                <a:solidFill>
-                  <a:schemeClr val="tx2">
-                    <a:lumMod val="10000"/>
-                    <a:lumOff val="90000"/>
-                  </a:schemeClr>
-                </a:solidFill>
-                <a:ln>
-                  <a:solidFill>
-                    <a:schemeClr val="tx1"/>
-                  </a:solidFill>
-                </a:ln>
-              </p:spPr>
-              <p:style>
-                <a:lnRef idx="2">
-                  <a:schemeClr val="accent1">
-                    <a:shade val="15000"/>
-                  </a:schemeClr>
-                </a:lnRef>
-                <a:fillRef idx="1">
-                  <a:schemeClr val="accent1"/>
-                </a:fillRef>
-                <a:effectRef idx="0">
-                  <a:schemeClr val="accent1"/>
-                </a:effectRef>
-                <a:fontRef idx="minor">
-                  <a:schemeClr val="lt1"/>
-                </a:fontRef>
-              </p:style>
-              <p:txBody>
-                <a:bodyPr rtlCol="0" anchor="ctr"/>
-                <a:lstStyle/>
-                <a:p>
-                  <a:pPr algn="ctr"/>
-                  <a:endParaRPr lang="ko-KR" altLang="en-US" sz="1013" dirty="0"/>
-                </a:p>
-              </p:txBody>
-            </p:sp>
-            <p:sp>
-              <p:nvSpPr>
-                <p:cNvPr id="9" name="직사각형 8">
-                  <a:extLst>
-                    <a:ext uri="{FF2B5EF4-FFF2-40B4-BE49-F238E27FC236}">
-                      <a16:creationId xmlns:a16="http://schemas.microsoft.com/office/drawing/2014/main" id="{68DB6EF1-BFA0-789A-D6B0-722D2714D861}"/>
-                    </a:ext>
-                  </a:extLst>
-                </p:cNvPr>
-                <p:cNvSpPr/>
-                <p:nvPr/>
-              </p:nvSpPr>
-              <p:spPr>
-                <a:xfrm rot="16200000">
-                  <a:off x="1424096" y="4098379"/>
-                  <a:ext cx="712781" cy="97282"/>
-                </a:xfrm>
-                <a:prstGeom prst="rect">
-                  <a:avLst/>
-                </a:prstGeom>
-                <a:solidFill>
-                  <a:schemeClr val="tx2">
-                    <a:lumMod val="10000"/>
-                    <a:lumOff val="90000"/>
-                  </a:schemeClr>
-                </a:solidFill>
-                <a:ln>
-                  <a:solidFill>
-                    <a:schemeClr val="tx1"/>
-                  </a:solidFill>
-                </a:ln>
-              </p:spPr>
-              <p:style>
-                <a:lnRef idx="2">
-                  <a:schemeClr val="accent1">
-                    <a:shade val="15000"/>
-                  </a:schemeClr>
-                </a:lnRef>
-                <a:fillRef idx="1">
-                  <a:schemeClr val="accent1"/>
-                </a:fillRef>
-                <a:effectRef idx="0">
-                  <a:schemeClr val="accent1"/>
-                </a:effectRef>
-                <a:fontRef idx="minor">
-                  <a:schemeClr val="lt1"/>
-                </a:fontRef>
-              </p:style>
-              <p:txBody>
-                <a:bodyPr rtlCol="0" anchor="ctr"/>
-                <a:lstStyle/>
-                <a:p>
-                  <a:pPr algn="ctr"/>
-                  <a:endParaRPr lang="ko-KR" altLang="en-US" sz="1013"/>
-                </a:p>
-              </p:txBody>
-            </p:sp>
-            <p:sp>
-              <p:nvSpPr>
-                <p:cNvPr id="10" name="직사각형 9">
-                  <a:extLst>
-                    <a:ext uri="{FF2B5EF4-FFF2-40B4-BE49-F238E27FC236}">
-                      <a16:creationId xmlns:a16="http://schemas.microsoft.com/office/drawing/2014/main" id="{0A102AC2-3907-B28E-1315-7B51D8252A03}"/>
-                    </a:ext>
-                  </a:extLst>
-                </p:cNvPr>
-                <p:cNvSpPr/>
-                <p:nvPr/>
-              </p:nvSpPr>
-              <p:spPr>
-                <a:xfrm rot="1583793">
-                  <a:off x="3008452" y="3309710"/>
-                  <a:ext cx="704321" cy="98450"/>
-                </a:xfrm>
-                <a:prstGeom prst="rect">
-                  <a:avLst/>
-                </a:prstGeom>
-                <a:solidFill>
-                  <a:schemeClr val="tx2">
-                    <a:lumMod val="10000"/>
-                    <a:lumOff val="90000"/>
-                  </a:schemeClr>
-                </a:solidFill>
-                <a:ln>
-                  <a:solidFill>
-                    <a:schemeClr val="tx1"/>
-                  </a:solidFill>
-                </a:ln>
-              </p:spPr>
-              <p:style>
-                <a:lnRef idx="2">
-                  <a:schemeClr val="accent1">
-                    <a:shade val="15000"/>
-                  </a:schemeClr>
-                </a:lnRef>
-                <a:fillRef idx="1">
-                  <a:schemeClr val="accent1"/>
-                </a:fillRef>
-                <a:effectRef idx="0">
-                  <a:schemeClr val="accent1"/>
-                </a:effectRef>
-                <a:fontRef idx="minor">
-                  <a:schemeClr val="lt1"/>
-                </a:fontRef>
-              </p:style>
-              <p:txBody>
-                <a:bodyPr rtlCol="0" anchor="ctr"/>
-                <a:lstStyle/>
-                <a:p>
-                  <a:pPr algn="ctr"/>
-                  <a:endParaRPr lang="ko-KR" altLang="en-US" sz="1013"/>
-                </a:p>
-              </p:txBody>
-            </p:sp>
-            <p:sp>
-              <p:nvSpPr>
-                <p:cNvPr id="11" name="직사각형 10">
-                  <a:extLst>
-                    <a:ext uri="{FF2B5EF4-FFF2-40B4-BE49-F238E27FC236}">
-                      <a16:creationId xmlns:a16="http://schemas.microsoft.com/office/drawing/2014/main" id="{670C2189-AC82-6E35-1D26-4589C6FB746D}"/>
-                    </a:ext>
-                  </a:extLst>
-                </p:cNvPr>
-                <p:cNvSpPr/>
-                <p:nvPr/>
-              </p:nvSpPr>
-              <p:spPr>
-                <a:xfrm rot="10800000">
-                  <a:off x="1979126" y="5137988"/>
-                  <a:ext cx="712781" cy="97282"/>
-                </a:xfrm>
-                <a:prstGeom prst="rect">
-                  <a:avLst/>
-                </a:prstGeom>
-                <a:solidFill>
-                  <a:schemeClr val="tx2">
-                    <a:lumMod val="10000"/>
-                    <a:lumOff val="90000"/>
-                  </a:schemeClr>
-                </a:solidFill>
-                <a:ln>
-                  <a:solidFill>
-                    <a:schemeClr val="tx1"/>
-                  </a:solidFill>
-                </a:ln>
-              </p:spPr>
-              <p:style>
-                <a:lnRef idx="2">
-                  <a:schemeClr val="accent1">
-                    <a:shade val="15000"/>
-                  </a:schemeClr>
-                </a:lnRef>
-                <a:fillRef idx="1">
-                  <a:schemeClr val="accent1"/>
-                </a:fillRef>
-                <a:effectRef idx="0">
-                  <a:schemeClr val="accent1"/>
-                </a:effectRef>
-                <a:fontRef idx="minor">
-                  <a:schemeClr val="lt1"/>
-                </a:fontRef>
-              </p:style>
-              <p:txBody>
-                <a:bodyPr rtlCol="0" anchor="ctr"/>
-                <a:lstStyle/>
-                <a:p>
-                  <a:pPr algn="ctr"/>
-                  <a:endParaRPr lang="ko-KR" altLang="en-US" sz="1013"/>
-                </a:p>
-              </p:txBody>
-            </p:sp>
-            <p:sp>
-              <p:nvSpPr>
-                <p:cNvPr id="12" name="직사각형 11">
-                  <a:extLst>
-                    <a:ext uri="{FF2B5EF4-FFF2-40B4-BE49-F238E27FC236}">
-                      <a16:creationId xmlns:a16="http://schemas.microsoft.com/office/drawing/2014/main" id="{B9767F94-2149-DF97-2F4A-9F3E89C90A66}"/>
-                    </a:ext>
-                  </a:extLst>
-                </p:cNvPr>
-                <p:cNvSpPr/>
-                <p:nvPr/>
-              </p:nvSpPr>
-              <p:spPr>
-                <a:xfrm rot="10800000">
-                  <a:off x="2991473" y="5137988"/>
-                  <a:ext cx="712781" cy="97282"/>
-                </a:xfrm>
-                <a:prstGeom prst="rect">
-                  <a:avLst/>
-                </a:prstGeom>
-                <a:solidFill>
-                  <a:schemeClr val="tx2">
-                    <a:lumMod val="10000"/>
-                    <a:lumOff val="90000"/>
-                  </a:schemeClr>
-                </a:solidFill>
-                <a:ln>
-                  <a:solidFill>
-                    <a:schemeClr val="tx1"/>
-                  </a:solidFill>
-                </a:ln>
-              </p:spPr>
-              <p:style>
-                <a:lnRef idx="2">
-                  <a:schemeClr val="accent1">
-                    <a:shade val="15000"/>
-                  </a:schemeClr>
-                </a:lnRef>
-                <a:fillRef idx="1">
-                  <a:schemeClr val="accent1"/>
-                </a:fillRef>
-                <a:effectRef idx="0">
-                  <a:schemeClr val="accent1"/>
-                </a:effectRef>
-                <a:fontRef idx="minor">
-                  <a:schemeClr val="lt1"/>
-                </a:fontRef>
-              </p:style>
-              <p:txBody>
-                <a:bodyPr rtlCol="0" anchor="ctr"/>
-                <a:lstStyle/>
-                <a:p>
-                  <a:pPr algn="ctr"/>
-                  <a:endParaRPr lang="ko-KR" altLang="en-US" sz="1013"/>
-                </a:p>
-              </p:txBody>
-            </p:sp>
-            <p:sp>
-              <p:nvSpPr>
-                <p:cNvPr id="13" name="사각형: 둥근 모서리 12">
-                  <a:extLst>
-                    <a:ext uri="{FF2B5EF4-FFF2-40B4-BE49-F238E27FC236}">
-                      <a16:creationId xmlns:a16="http://schemas.microsoft.com/office/drawing/2014/main" id="{CDBF8FD0-BAD6-36C2-25D8-5A75E69CFDB2}"/>
-                    </a:ext>
-                  </a:extLst>
-                </p:cNvPr>
-                <p:cNvSpPr/>
-                <p:nvPr/>
-              </p:nvSpPr>
-              <p:spPr>
-                <a:xfrm>
-                  <a:off x="1904213" y="5235271"/>
-                  <a:ext cx="862608" cy="619755"/>
-                </a:xfrm>
-                <a:prstGeom prst="roundRect">
-                  <a:avLst/>
-                </a:prstGeom>
-                <a:grpFill/>
-                <a:ln>
-                  <a:solidFill>
-                    <a:schemeClr val="tx1"/>
-                  </a:solidFill>
-                </a:ln>
-                <a:scene3d>
-                  <a:camera prst="orthographicFront"/>
-                  <a:lightRig rig="threePt" dir="t"/>
-                </a:scene3d>
-                <a:sp3d>
-                  <a:bevelT w="114300" prst="hardEdge"/>
-                </a:sp3d>
-              </p:spPr>
-              <p:style>
-                <a:lnRef idx="2">
-                  <a:schemeClr val="accent1">
-                    <a:shade val="15000"/>
-                  </a:schemeClr>
-                </a:lnRef>
-                <a:fillRef idx="1">
-                  <a:schemeClr val="accent1"/>
-                </a:fillRef>
-                <a:effectRef idx="0">
-                  <a:schemeClr val="accent1"/>
-                </a:effectRef>
-                <a:fontRef idx="minor">
-                  <a:schemeClr val="lt1"/>
-                </a:fontRef>
-              </p:style>
-              <p:txBody>
-                <a:bodyPr rtlCol="0" anchor="ctr"/>
-                <a:lstStyle/>
-                <a:p>
-                  <a:pPr algn="ctr"/>
-                  <a:endParaRPr lang="ko-KR" altLang="en-US" sz="1013"/>
-                </a:p>
-              </p:txBody>
-            </p:sp>
-            <p:sp>
-              <p:nvSpPr>
-                <p:cNvPr id="14" name="타원 13">
-                  <a:extLst>
-                    <a:ext uri="{FF2B5EF4-FFF2-40B4-BE49-F238E27FC236}">
-                      <a16:creationId xmlns:a16="http://schemas.microsoft.com/office/drawing/2014/main" id="{22B7B247-14A2-EB4A-4E0F-2C7E55153366}"/>
-                    </a:ext>
-                  </a:extLst>
-                </p:cNvPr>
-                <p:cNvSpPr/>
-                <p:nvPr/>
-              </p:nvSpPr>
-              <p:spPr>
-                <a:xfrm>
-                  <a:off x="1991300" y="5391298"/>
-                  <a:ext cx="303750" cy="303750"/>
-                </a:xfrm>
-                <a:prstGeom prst="ellipse">
-                  <a:avLst/>
-                </a:prstGeom>
-                <a:grpFill/>
-                <a:ln>
-                  <a:solidFill>
-                    <a:schemeClr val="tx1"/>
-                  </a:solidFill>
-                </a:ln>
-              </p:spPr>
-              <p:style>
-                <a:lnRef idx="2">
-                  <a:schemeClr val="accent1">
-                    <a:shade val="15000"/>
-                  </a:schemeClr>
-                </a:lnRef>
-                <a:fillRef idx="1">
-                  <a:schemeClr val="accent1"/>
-                </a:fillRef>
-                <a:effectRef idx="0">
-                  <a:schemeClr val="accent1"/>
-                </a:effectRef>
-                <a:fontRef idx="minor">
-                  <a:schemeClr val="lt1"/>
-                </a:fontRef>
-              </p:style>
-              <p:txBody>
-                <a:bodyPr rtlCol="0" anchor="ctr"/>
-                <a:lstStyle/>
-                <a:p>
-                  <a:pPr algn="ctr"/>
-                  <a:endParaRPr lang="ko-KR" altLang="en-US" sz="1013"/>
-                </a:p>
-              </p:txBody>
-            </p:sp>
-            <p:sp>
-              <p:nvSpPr>
-                <p:cNvPr id="15" name="타원 14">
-                  <a:extLst>
-                    <a:ext uri="{FF2B5EF4-FFF2-40B4-BE49-F238E27FC236}">
-                      <a16:creationId xmlns:a16="http://schemas.microsoft.com/office/drawing/2014/main" id="{D04B9D93-D417-D2E2-A8BB-F00320A9CB3B}"/>
-                    </a:ext>
-                  </a:extLst>
-                </p:cNvPr>
-                <p:cNvSpPr/>
-                <p:nvPr/>
-              </p:nvSpPr>
-              <p:spPr>
-                <a:xfrm>
-                  <a:off x="2386065" y="5391298"/>
-                  <a:ext cx="303750" cy="303750"/>
-                </a:xfrm>
-                <a:prstGeom prst="ellipse">
-                  <a:avLst/>
-                </a:prstGeom>
-                <a:grpFill/>
-                <a:ln>
-                  <a:solidFill>
-                    <a:schemeClr val="tx1"/>
-                  </a:solidFill>
-                </a:ln>
-              </p:spPr>
-              <p:style>
-                <a:lnRef idx="2">
-                  <a:schemeClr val="accent1">
-                    <a:shade val="15000"/>
-                  </a:schemeClr>
-                </a:lnRef>
-                <a:fillRef idx="1">
-                  <a:schemeClr val="accent1"/>
-                </a:fillRef>
-                <a:effectRef idx="0">
-                  <a:schemeClr val="accent1"/>
-                </a:effectRef>
-                <a:fontRef idx="minor">
-                  <a:schemeClr val="lt1"/>
-                </a:fontRef>
-              </p:style>
-              <p:txBody>
-                <a:bodyPr rtlCol="0" anchor="ctr"/>
-                <a:lstStyle/>
-                <a:p>
-                  <a:pPr algn="ctr"/>
-                  <a:endParaRPr lang="ko-KR" altLang="en-US" sz="1013"/>
-                </a:p>
-              </p:txBody>
-            </p:sp>
-            <p:sp>
-              <p:nvSpPr>
-                <p:cNvPr id="16" name="사각형: 둥근 모서리 15">
-                  <a:extLst>
-                    <a:ext uri="{FF2B5EF4-FFF2-40B4-BE49-F238E27FC236}">
-                      <a16:creationId xmlns:a16="http://schemas.microsoft.com/office/drawing/2014/main" id="{453FB89A-5CD9-0D93-C506-B0FA7F0FB979}"/>
-                    </a:ext>
-                  </a:extLst>
-                </p:cNvPr>
-                <p:cNvSpPr/>
-                <p:nvPr/>
-              </p:nvSpPr>
-              <p:spPr>
-                <a:xfrm>
-                  <a:off x="2916560" y="5235271"/>
-                  <a:ext cx="862608" cy="619755"/>
-                </a:xfrm>
-                <a:prstGeom prst="roundRect">
-                  <a:avLst/>
-                </a:prstGeom>
-                <a:grpFill/>
-                <a:ln>
-                  <a:solidFill>
-                    <a:schemeClr val="tx1"/>
-                  </a:solidFill>
-                </a:ln>
-                <a:scene3d>
-                  <a:camera prst="orthographicFront"/>
-                  <a:lightRig rig="threePt" dir="t"/>
-                </a:scene3d>
-                <a:sp3d>
-                  <a:bevelT w="114300" prst="hardEdge"/>
-                </a:sp3d>
-              </p:spPr>
-              <p:style>
-                <a:lnRef idx="2">
-                  <a:schemeClr val="accent1">
-                    <a:shade val="15000"/>
-                  </a:schemeClr>
-                </a:lnRef>
-                <a:fillRef idx="1">
-                  <a:schemeClr val="accent1"/>
-                </a:fillRef>
-                <a:effectRef idx="0">
-                  <a:schemeClr val="accent1"/>
-                </a:effectRef>
-                <a:fontRef idx="minor">
-                  <a:schemeClr val="lt1"/>
-                </a:fontRef>
-              </p:style>
-              <p:txBody>
-                <a:bodyPr rtlCol="0" anchor="ctr"/>
-                <a:lstStyle/>
-                <a:p>
-                  <a:pPr algn="ctr"/>
-                  <a:endParaRPr lang="ko-KR" altLang="en-US" sz="1013"/>
-                </a:p>
-              </p:txBody>
-            </p:sp>
-            <p:sp>
-              <p:nvSpPr>
-                <p:cNvPr id="17" name="타원 16">
-                  <a:extLst>
-                    <a:ext uri="{FF2B5EF4-FFF2-40B4-BE49-F238E27FC236}">
-                      <a16:creationId xmlns:a16="http://schemas.microsoft.com/office/drawing/2014/main" id="{566DE3F3-20EA-97B9-2337-935FB86E1EDF}"/>
-                    </a:ext>
-                  </a:extLst>
-                </p:cNvPr>
-                <p:cNvSpPr/>
-                <p:nvPr/>
-              </p:nvSpPr>
-              <p:spPr>
-                <a:xfrm>
-                  <a:off x="3003647" y="5391298"/>
-                  <a:ext cx="303750" cy="303750"/>
-                </a:xfrm>
-                <a:prstGeom prst="ellipse">
-                  <a:avLst/>
-                </a:prstGeom>
-                <a:grpFill/>
-                <a:ln>
-                  <a:solidFill>
-                    <a:schemeClr val="tx1"/>
-                  </a:solidFill>
-                </a:ln>
-              </p:spPr>
-              <p:style>
-                <a:lnRef idx="2">
-                  <a:schemeClr val="accent1">
-                    <a:shade val="15000"/>
-                  </a:schemeClr>
-                </a:lnRef>
-                <a:fillRef idx="1">
-                  <a:schemeClr val="accent1"/>
-                </a:fillRef>
-                <a:effectRef idx="0">
-                  <a:schemeClr val="accent1"/>
-                </a:effectRef>
-                <a:fontRef idx="minor">
-                  <a:schemeClr val="lt1"/>
-                </a:fontRef>
-              </p:style>
-              <p:txBody>
-                <a:bodyPr rtlCol="0" anchor="ctr"/>
-                <a:lstStyle/>
-                <a:p>
-                  <a:pPr algn="ctr"/>
-                  <a:endParaRPr lang="ko-KR" altLang="en-US" sz="1013"/>
-                </a:p>
-              </p:txBody>
-            </p:sp>
-            <p:sp>
-              <p:nvSpPr>
-                <p:cNvPr id="18" name="타원 17">
-                  <a:extLst>
-                    <a:ext uri="{FF2B5EF4-FFF2-40B4-BE49-F238E27FC236}">
-                      <a16:creationId xmlns:a16="http://schemas.microsoft.com/office/drawing/2014/main" id="{67514C8E-BA0E-CD43-7A12-D3C99EAB5048}"/>
-                    </a:ext>
-                  </a:extLst>
-                </p:cNvPr>
-                <p:cNvSpPr/>
-                <p:nvPr/>
-              </p:nvSpPr>
-              <p:spPr>
-                <a:xfrm>
-                  <a:off x="3398412" y="5391298"/>
-                  <a:ext cx="303750" cy="303750"/>
-                </a:xfrm>
-                <a:prstGeom prst="ellipse">
-                  <a:avLst/>
-                </a:prstGeom>
-                <a:grpFill/>
-                <a:ln>
-                  <a:solidFill>
-                    <a:schemeClr val="tx1"/>
-                  </a:solidFill>
-                </a:ln>
-              </p:spPr>
-              <p:style>
-                <a:lnRef idx="2">
-                  <a:schemeClr val="accent1">
-                    <a:shade val="15000"/>
-                  </a:schemeClr>
-                </a:lnRef>
-                <a:fillRef idx="1">
-                  <a:schemeClr val="accent1"/>
-                </a:fillRef>
-                <a:effectRef idx="0">
-                  <a:schemeClr val="accent1"/>
-                </a:effectRef>
-                <a:fontRef idx="minor">
-                  <a:schemeClr val="lt1"/>
-                </a:fontRef>
-              </p:style>
-              <p:txBody>
-                <a:bodyPr rtlCol="0" anchor="ctr"/>
-                <a:lstStyle/>
-                <a:p>
-                  <a:pPr algn="ctr"/>
-                  <a:endParaRPr lang="ko-KR" altLang="en-US" sz="1013"/>
-                </a:p>
-              </p:txBody>
-            </p:sp>
-            <p:sp>
-              <p:nvSpPr>
-                <p:cNvPr id="19" name="직사각형 18">
-                  <a:extLst>
-                    <a:ext uri="{FF2B5EF4-FFF2-40B4-BE49-F238E27FC236}">
-                      <a16:creationId xmlns:a16="http://schemas.microsoft.com/office/drawing/2014/main" id="{612BB1C5-4231-2662-6E5E-D9E3070E0E18}"/>
-                    </a:ext>
-                  </a:extLst>
-                </p:cNvPr>
-                <p:cNvSpPr/>
-                <p:nvPr/>
-              </p:nvSpPr>
-              <p:spPr>
-                <a:xfrm rot="16200000">
-                  <a:off x="3546904" y="4098380"/>
-                  <a:ext cx="712781" cy="97282"/>
-                </a:xfrm>
-                <a:prstGeom prst="rect">
-                  <a:avLst/>
-                </a:prstGeom>
-                <a:solidFill>
-                  <a:schemeClr val="tx2">
-                    <a:lumMod val="10000"/>
-                    <a:lumOff val="90000"/>
-                  </a:schemeClr>
-                </a:solidFill>
-                <a:ln>
-                  <a:solidFill>
-                    <a:schemeClr val="tx1"/>
-                  </a:solidFill>
-                </a:ln>
-              </p:spPr>
-              <p:style>
-                <a:lnRef idx="2">
-                  <a:schemeClr val="accent1">
-                    <a:shade val="15000"/>
-                  </a:schemeClr>
-                </a:lnRef>
-                <a:fillRef idx="1">
-                  <a:schemeClr val="accent1"/>
-                </a:fillRef>
-                <a:effectRef idx="0">
-                  <a:schemeClr val="accent1"/>
-                </a:effectRef>
-                <a:fontRef idx="minor">
-                  <a:schemeClr val="lt1"/>
-                </a:fontRef>
-              </p:style>
-              <p:txBody>
-                <a:bodyPr rtlCol="0" anchor="ctr"/>
-                <a:lstStyle/>
-                <a:p>
-                  <a:pPr algn="ctr"/>
-                  <a:endParaRPr lang="ko-KR" altLang="en-US" sz="1013" dirty="0"/>
-                </a:p>
-              </p:txBody>
-            </p:sp>
-            <p:grpSp>
-              <p:nvGrpSpPr>
-                <p:cNvPr id="20" name="그룹 19">
-                  <a:extLst>
-                    <a:ext uri="{FF2B5EF4-FFF2-40B4-BE49-F238E27FC236}">
-                      <a16:creationId xmlns:a16="http://schemas.microsoft.com/office/drawing/2014/main" id="{1D5D5032-8CC0-9D82-1926-3A54C3B492F5}"/>
-                    </a:ext>
-                  </a:extLst>
-                </p:cNvPr>
-                <p:cNvGrpSpPr/>
-                <p:nvPr/>
-              </p:nvGrpSpPr>
-              <p:grpSpPr>
-                <a:xfrm>
-                  <a:off x="687845" y="3625020"/>
-                  <a:ext cx="1044000" cy="1044000"/>
-                  <a:chOff x="687845" y="3625020"/>
-                  <a:chExt cx="1044000" cy="1044000"/>
-                </a:xfrm>
-                <a:grpFill/>
-              </p:grpSpPr>
-              <p:sp>
-                <p:nvSpPr>
-                  <p:cNvPr id="35" name="사각형: 둥근 모서리 34">
-                    <a:extLst>
-                      <a:ext uri="{FF2B5EF4-FFF2-40B4-BE49-F238E27FC236}">
-                        <a16:creationId xmlns:a16="http://schemas.microsoft.com/office/drawing/2014/main" id="{5822221A-D744-E44E-A5CB-AC1AC7328BC8}"/>
-                      </a:ext>
-                    </a:extLst>
-                  </p:cNvPr>
-                  <p:cNvSpPr/>
-                  <p:nvPr/>
-                </p:nvSpPr>
-                <p:spPr>
-                  <a:xfrm>
-                    <a:off x="687845" y="3625020"/>
-                    <a:ext cx="1044000" cy="1044000"/>
-                  </a:xfrm>
-                  <a:prstGeom prst="roundRect">
-                    <a:avLst/>
-                  </a:prstGeom>
-                  <a:grpFill/>
-                  <a:ln>
-                    <a:solidFill>
-                      <a:schemeClr val="tx1"/>
-                    </a:solidFill>
-                  </a:ln>
-                  <a:scene3d>
-                    <a:camera prst="orthographicFront"/>
-                    <a:lightRig rig="threePt" dir="t"/>
-                  </a:scene3d>
-                  <a:sp3d>
-                    <a:bevelT w="114300" prst="hardEdge"/>
-                  </a:sp3d>
-                </p:spPr>
-                <p:style>
-                  <a:lnRef idx="2">
-                    <a:schemeClr val="accent1">
-                      <a:shade val="15000"/>
-                    </a:schemeClr>
-                  </a:lnRef>
-                  <a:fillRef idx="1">
-                    <a:schemeClr val="accent1"/>
-                  </a:fillRef>
-                  <a:effectRef idx="0">
-                    <a:schemeClr val="accent1"/>
-                  </a:effectRef>
-                  <a:fontRef idx="minor">
-                    <a:schemeClr val="lt1"/>
-                  </a:fontRef>
-                </p:style>
-                <p:txBody>
-                  <a:bodyPr rtlCol="0" anchor="ctr"/>
-                  <a:lstStyle/>
-                  <a:p>
-                    <a:pPr algn="ctr"/>
-                    <a:endParaRPr lang="ko-KR" altLang="en-US"/>
-                  </a:p>
-                </p:txBody>
-              </p:sp>
-              <p:sp>
-                <p:nvSpPr>
-                  <p:cNvPr id="36" name="타원 35">
-                    <a:extLst>
-                      <a:ext uri="{FF2B5EF4-FFF2-40B4-BE49-F238E27FC236}">
-                        <a16:creationId xmlns:a16="http://schemas.microsoft.com/office/drawing/2014/main" id="{6B49CD7A-2F54-080D-268B-CF98C7C6DB11}"/>
-                      </a:ext>
-                    </a:extLst>
-                  </p:cNvPr>
-                  <p:cNvSpPr/>
-                  <p:nvPr/>
-                </p:nvSpPr>
-                <p:spPr>
-                  <a:xfrm>
-                    <a:off x="853063" y="4014080"/>
-                    <a:ext cx="303750" cy="303750"/>
-                  </a:xfrm>
-                  <a:prstGeom prst="ellipse">
-                    <a:avLst/>
-                  </a:prstGeom>
-                  <a:grpFill/>
-                  <a:ln>
-                    <a:solidFill>
-                      <a:schemeClr val="tx1"/>
-                    </a:solidFill>
-                  </a:ln>
-                </p:spPr>
-                <p:style>
-                  <a:lnRef idx="2">
-                    <a:schemeClr val="accent1">
-                      <a:shade val="15000"/>
-                    </a:schemeClr>
-                  </a:lnRef>
-                  <a:fillRef idx="1">
-                    <a:schemeClr val="accent1"/>
-                  </a:fillRef>
-                  <a:effectRef idx="0">
-                    <a:schemeClr val="accent1"/>
-                  </a:effectRef>
-                  <a:fontRef idx="minor">
-                    <a:schemeClr val="lt1"/>
-                  </a:fontRef>
-                </p:style>
-                <p:txBody>
-                  <a:bodyPr rtlCol="0" anchor="ctr"/>
-                  <a:lstStyle/>
-                  <a:p>
-                    <a:pPr algn="ctr"/>
-                    <a:endParaRPr lang="ko-KR" altLang="en-US" sz="1013"/>
-                  </a:p>
-                </p:txBody>
-              </p:sp>
-              <p:sp>
-                <p:nvSpPr>
-                  <p:cNvPr id="37" name="타원 36">
-                    <a:extLst>
-                      <a:ext uri="{FF2B5EF4-FFF2-40B4-BE49-F238E27FC236}">
-                        <a16:creationId xmlns:a16="http://schemas.microsoft.com/office/drawing/2014/main" id="{A081D723-B319-BC2A-A2D1-C9A6594F75E5}"/>
-                      </a:ext>
-                    </a:extLst>
-                  </p:cNvPr>
-                  <p:cNvSpPr/>
-                  <p:nvPr/>
-                </p:nvSpPr>
-                <p:spPr>
-                  <a:xfrm>
-                    <a:off x="1253961" y="4014080"/>
-                    <a:ext cx="303750" cy="303750"/>
-                  </a:xfrm>
-                  <a:prstGeom prst="ellipse">
-                    <a:avLst/>
-                  </a:prstGeom>
-                  <a:grpFill/>
-                  <a:ln>
-                    <a:solidFill>
-                      <a:schemeClr val="tx1"/>
-                    </a:solidFill>
-                  </a:ln>
-                </p:spPr>
-                <p:style>
-                  <a:lnRef idx="2">
-                    <a:schemeClr val="accent1">
-                      <a:shade val="15000"/>
-                    </a:schemeClr>
-                  </a:lnRef>
-                  <a:fillRef idx="1">
-                    <a:schemeClr val="accent1"/>
-                  </a:fillRef>
-                  <a:effectRef idx="0">
-                    <a:schemeClr val="accent1"/>
-                  </a:effectRef>
-                  <a:fontRef idx="minor">
-                    <a:schemeClr val="lt1"/>
-                  </a:fontRef>
-                </p:style>
-                <p:txBody>
-                  <a:bodyPr rtlCol="0" anchor="ctr"/>
-                  <a:lstStyle/>
-                  <a:p>
-                    <a:pPr algn="ctr"/>
-                    <a:endParaRPr lang="ko-KR" altLang="en-US" sz="1013"/>
-                  </a:p>
-                </p:txBody>
-              </p:sp>
-            </p:grpSp>
-            <p:grpSp>
-              <p:nvGrpSpPr>
-                <p:cNvPr id="21" name="그룹 20">
-                  <a:extLst>
-                    <a:ext uri="{FF2B5EF4-FFF2-40B4-BE49-F238E27FC236}">
-                      <a16:creationId xmlns:a16="http://schemas.microsoft.com/office/drawing/2014/main" id="{FF1D06E5-B25C-1758-A969-56701E5CBAD3}"/>
-                    </a:ext>
-                  </a:extLst>
-                </p:cNvPr>
-                <p:cNvGrpSpPr/>
-                <p:nvPr/>
-              </p:nvGrpSpPr>
-              <p:grpSpPr>
-                <a:xfrm rot="20016713">
-                  <a:off x="1532665" y="2338583"/>
-                  <a:ext cx="1044000" cy="1044000"/>
-                  <a:chOff x="680427" y="3627212"/>
-                  <a:chExt cx="1044000" cy="1044000"/>
-                </a:xfrm>
-                <a:grpFill/>
-              </p:grpSpPr>
-              <p:sp>
-                <p:nvSpPr>
-                  <p:cNvPr id="32" name="사각형: 둥근 모서리 31">
-                    <a:extLst>
-                      <a:ext uri="{FF2B5EF4-FFF2-40B4-BE49-F238E27FC236}">
-                        <a16:creationId xmlns:a16="http://schemas.microsoft.com/office/drawing/2014/main" id="{046C95BD-BB0D-8A3A-2810-6991BC84799D}"/>
-                      </a:ext>
-                    </a:extLst>
-                  </p:cNvPr>
-                  <p:cNvSpPr/>
-                  <p:nvPr/>
-                </p:nvSpPr>
-                <p:spPr>
-                  <a:xfrm>
-                    <a:off x="680427" y="3627212"/>
-                    <a:ext cx="1044000" cy="1044000"/>
-                  </a:xfrm>
-                  <a:prstGeom prst="roundRect">
-                    <a:avLst/>
-                  </a:prstGeom>
-                  <a:grpFill/>
-                  <a:ln>
-                    <a:solidFill>
-                      <a:schemeClr val="tx1"/>
-                    </a:solidFill>
-                  </a:ln>
-                  <a:scene3d>
-                    <a:camera prst="orthographicFront"/>
-                    <a:lightRig rig="threePt" dir="t"/>
-                  </a:scene3d>
-                  <a:sp3d>
-                    <a:bevelT w="114300" prst="hardEdge"/>
-                  </a:sp3d>
-                </p:spPr>
-                <p:style>
-                  <a:lnRef idx="2">
-                    <a:schemeClr val="accent1">
-                      <a:shade val="15000"/>
-                    </a:schemeClr>
-                  </a:lnRef>
-                  <a:fillRef idx="1">
-                    <a:schemeClr val="accent1"/>
-                  </a:fillRef>
-                  <a:effectRef idx="0">
-                    <a:schemeClr val="accent1"/>
-                  </a:effectRef>
-                  <a:fontRef idx="minor">
-                    <a:schemeClr val="lt1"/>
-                  </a:fontRef>
-                </p:style>
-                <p:txBody>
-                  <a:bodyPr rtlCol="0" anchor="ctr"/>
-                  <a:lstStyle/>
-                  <a:p>
-                    <a:pPr algn="ctr"/>
-                    <a:endParaRPr lang="ko-KR" altLang="en-US"/>
-                  </a:p>
-                </p:txBody>
-              </p:sp>
-              <p:sp>
-                <p:nvSpPr>
-                  <p:cNvPr id="33" name="타원 32">
-                    <a:extLst>
-                      <a:ext uri="{FF2B5EF4-FFF2-40B4-BE49-F238E27FC236}">
-                        <a16:creationId xmlns:a16="http://schemas.microsoft.com/office/drawing/2014/main" id="{85113DD2-AA4D-E9A0-A1D2-C96AFBFA4EAE}"/>
-                      </a:ext>
-                    </a:extLst>
-                  </p:cNvPr>
-                  <p:cNvSpPr/>
-                  <p:nvPr/>
-                </p:nvSpPr>
-                <p:spPr>
-                  <a:xfrm>
-                    <a:off x="853063" y="4014080"/>
-                    <a:ext cx="303750" cy="303750"/>
-                  </a:xfrm>
-                  <a:prstGeom prst="ellipse">
-                    <a:avLst/>
-                  </a:prstGeom>
-                  <a:grpFill/>
-                  <a:ln>
-                    <a:solidFill>
-                      <a:schemeClr val="tx1"/>
-                    </a:solidFill>
-                  </a:ln>
-                </p:spPr>
-                <p:style>
-                  <a:lnRef idx="2">
-                    <a:schemeClr val="accent1">
-                      <a:shade val="15000"/>
-                    </a:schemeClr>
-                  </a:lnRef>
-                  <a:fillRef idx="1">
-                    <a:schemeClr val="accent1"/>
-                  </a:fillRef>
-                  <a:effectRef idx="0">
-                    <a:schemeClr val="accent1"/>
-                  </a:effectRef>
-                  <a:fontRef idx="minor">
-                    <a:schemeClr val="lt1"/>
-                  </a:fontRef>
-                </p:style>
-                <p:txBody>
-                  <a:bodyPr rtlCol="0" anchor="ctr"/>
-                  <a:lstStyle/>
-                  <a:p>
-                    <a:pPr algn="ctr"/>
-                    <a:endParaRPr lang="ko-KR" altLang="en-US" sz="1013"/>
-                  </a:p>
-                </p:txBody>
-              </p:sp>
-              <p:sp>
-                <p:nvSpPr>
-                  <p:cNvPr id="34" name="타원 33">
-                    <a:extLst>
-                      <a:ext uri="{FF2B5EF4-FFF2-40B4-BE49-F238E27FC236}">
-                        <a16:creationId xmlns:a16="http://schemas.microsoft.com/office/drawing/2014/main" id="{481A2934-49FB-D1C5-C65A-075B77B82D35}"/>
-                      </a:ext>
-                    </a:extLst>
-                  </p:cNvPr>
-                  <p:cNvSpPr/>
-                  <p:nvPr/>
-                </p:nvSpPr>
-                <p:spPr>
-                  <a:xfrm>
-                    <a:off x="1253961" y="4014080"/>
-                    <a:ext cx="303750" cy="303750"/>
-                  </a:xfrm>
-                  <a:prstGeom prst="ellipse">
-                    <a:avLst/>
-                  </a:prstGeom>
-                  <a:grpFill/>
-                  <a:ln>
-                    <a:solidFill>
-                      <a:schemeClr val="tx1"/>
-                    </a:solidFill>
-                  </a:ln>
-                </p:spPr>
-                <p:style>
-                  <a:lnRef idx="2">
-                    <a:schemeClr val="accent1">
-                      <a:shade val="15000"/>
-                    </a:schemeClr>
-                  </a:lnRef>
-                  <a:fillRef idx="1">
-                    <a:schemeClr val="accent1"/>
-                  </a:fillRef>
-                  <a:effectRef idx="0">
-                    <a:schemeClr val="accent1"/>
-                  </a:effectRef>
-                  <a:fontRef idx="minor">
-                    <a:schemeClr val="lt1"/>
-                  </a:fontRef>
-                </p:style>
-                <p:txBody>
-                  <a:bodyPr rtlCol="0" anchor="ctr"/>
-                  <a:lstStyle/>
-                  <a:p>
-                    <a:pPr algn="ctr"/>
-                    <a:endParaRPr lang="ko-KR" altLang="en-US" sz="1013"/>
-                  </a:p>
-                </p:txBody>
-              </p:sp>
-            </p:grpSp>
-            <p:grpSp>
-              <p:nvGrpSpPr>
-                <p:cNvPr id="22" name="그룹 21">
-                  <a:extLst>
-                    <a:ext uri="{FF2B5EF4-FFF2-40B4-BE49-F238E27FC236}">
-                      <a16:creationId xmlns:a16="http://schemas.microsoft.com/office/drawing/2014/main" id="{1F32B517-1405-B1C4-9665-64AECF29E97D}"/>
-                    </a:ext>
-                  </a:extLst>
-                </p:cNvPr>
-                <p:cNvGrpSpPr/>
-                <p:nvPr/>
-              </p:nvGrpSpPr>
-              <p:grpSpPr>
-                <a:xfrm rot="1600827">
-                  <a:off x="3098846" y="2333987"/>
-                  <a:ext cx="1044000" cy="1044000"/>
-                  <a:chOff x="688131" y="3626956"/>
-                  <a:chExt cx="1044000" cy="1044000"/>
-                </a:xfrm>
-                <a:grpFill/>
-              </p:grpSpPr>
-              <p:sp>
-                <p:nvSpPr>
-                  <p:cNvPr id="29" name="사각형: 둥근 모서리 28">
-                    <a:extLst>
-                      <a:ext uri="{FF2B5EF4-FFF2-40B4-BE49-F238E27FC236}">
-                        <a16:creationId xmlns:a16="http://schemas.microsoft.com/office/drawing/2014/main" id="{FC859FB2-B793-19A1-0067-A99DEA40787F}"/>
-                      </a:ext>
-                    </a:extLst>
-                  </p:cNvPr>
-                  <p:cNvSpPr/>
-                  <p:nvPr/>
-                </p:nvSpPr>
-                <p:spPr>
-                  <a:xfrm>
-                    <a:off x="688131" y="3626956"/>
-                    <a:ext cx="1044000" cy="1044000"/>
-                  </a:xfrm>
-                  <a:prstGeom prst="roundRect">
-                    <a:avLst/>
-                  </a:prstGeom>
-                  <a:grpFill/>
-                  <a:ln>
-                    <a:solidFill>
-                      <a:schemeClr val="tx1"/>
-                    </a:solidFill>
-                  </a:ln>
-                  <a:scene3d>
-                    <a:camera prst="orthographicFront"/>
-                    <a:lightRig rig="threePt" dir="t"/>
-                  </a:scene3d>
-                  <a:sp3d>
-                    <a:bevelT w="114300" prst="hardEdge"/>
-                  </a:sp3d>
-                </p:spPr>
-                <p:style>
-                  <a:lnRef idx="2">
-                    <a:schemeClr val="accent1">
-                      <a:shade val="15000"/>
-                    </a:schemeClr>
-                  </a:lnRef>
-                  <a:fillRef idx="1">
-                    <a:schemeClr val="accent1"/>
-                  </a:fillRef>
-                  <a:effectRef idx="0">
-                    <a:schemeClr val="accent1"/>
-                  </a:effectRef>
-                  <a:fontRef idx="minor">
-                    <a:schemeClr val="lt1"/>
-                  </a:fontRef>
-                </p:style>
-                <p:txBody>
-                  <a:bodyPr rtlCol="0" anchor="ctr"/>
-                  <a:lstStyle/>
-                  <a:p>
-                    <a:pPr algn="ctr"/>
-                    <a:endParaRPr lang="ko-KR" altLang="en-US" dirty="0"/>
-                  </a:p>
-                </p:txBody>
-              </p:sp>
-              <p:sp>
-                <p:nvSpPr>
-                  <p:cNvPr id="30" name="타원 29">
-                    <a:extLst>
-                      <a:ext uri="{FF2B5EF4-FFF2-40B4-BE49-F238E27FC236}">
-                        <a16:creationId xmlns:a16="http://schemas.microsoft.com/office/drawing/2014/main" id="{271BE631-4312-91AD-6F9A-C797E31D83B2}"/>
-                      </a:ext>
-                    </a:extLst>
-                  </p:cNvPr>
-                  <p:cNvSpPr/>
-                  <p:nvPr/>
-                </p:nvSpPr>
-                <p:spPr>
-                  <a:xfrm>
-                    <a:off x="853063" y="4014080"/>
-                    <a:ext cx="303750" cy="303750"/>
-                  </a:xfrm>
-                  <a:prstGeom prst="ellipse">
-                    <a:avLst/>
-                  </a:prstGeom>
-                  <a:grpFill/>
-                  <a:ln>
-                    <a:solidFill>
-                      <a:schemeClr val="tx1"/>
-                    </a:solidFill>
-                  </a:ln>
-                </p:spPr>
-                <p:style>
-                  <a:lnRef idx="2">
-                    <a:schemeClr val="accent1">
-                      <a:shade val="15000"/>
-                    </a:schemeClr>
-                  </a:lnRef>
-                  <a:fillRef idx="1">
-                    <a:schemeClr val="accent1"/>
-                  </a:fillRef>
-                  <a:effectRef idx="0">
-                    <a:schemeClr val="accent1"/>
-                  </a:effectRef>
-                  <a:fontRef idx="minor">
-                    <a:schemeClr val="lt1"/>
-                  </a:fontRef>
-                </p:style>
-                <p:txBody>
-                  <a:bodyPr rtlCol="0" anchor="ctr"/>
-                  <a:lstStyle/>
-                  <a:p>
-                    <a:pPr algn="ctr"/>
-                    <a:endParaRPr lang="ko-KR" altLang="en-US" sz="1013"/>
-                  </a:p>
-                </p:txBody>
-              </p:sp>
-              <p:sp>
-                <p:nvSpPr>
-                  <p:cNvPr id="31" name="타원 30">
-                    <a:extLst>
-                      <a:ext uri="{FF2B5EF4-FFF2-40B4-BE49-F238E27FC236}">
-                        <a16:creationId xmlns:a16="http://schemas.microsoft.com/office/drawing/2014/main" id="{0EA8042F-766F-D379-B696-B358F6BCB871}"/>
-                      </a:ext>
-                    </a:extLst>
-                  </p:cNvPr>
-                  <p:cNvSpPr/>
-                  <p:nvPr/>
-                </p:nvSpPr>
-                <p:spPr>
-                  <a:xfrm>
-                    <a:off x="1253961" y="4014080"/>
-                    <a:ext cx="303750" cy="303750"/>
-                  </a:xfrm>
-                  <a:prstGeom prst="ellipse">
-                    <a:avLst/>
-                  </a:prstGeom>
-                  <a:grpFill/>
-                  <a:ln>
-                    <a:solidFill>
-                      <a:schemeClr val="tx1"/>
-                    </a:solidFill>
-                  </a:ln>
-                </p:spPr>
-                <p:style>
-                  <a:lnRef idx="2">
-                    <a:schemeClr val="accent1">
-                      <a:shade val="15000"/>
-                    </a:schemeClr>
-                  </a:lnRef>
-                  <a:fillRef idx="1">
-                    <a:schemeClr val="accent1"/>
-                  </a:fillRef>
-                  <a:effectRef idx="0">
-                    <a:schemeClr val="accent1"/>
-                  </a:effectRef>
-                  <a:fontRef idx="minor">
-                    <a:schemeClr val="lt1"/>
-                  </a:fontRef>
-                </p:style>
-                <p:txBody>
-                  <a:bodyPr rtlCol="0" anchor="ctr"/>
-                  <a:lstStyle/>
-                  <a:p>
-                    <a:pPr algn="ctr"/>
-                    <a:endParaRPr lang="ko-KR" altLang="en-US" sz="1013"/>
-                  </a:p>
-                </p:txBody>
-              </p:sp>
-            </p:grpSp>
-            <p:grpSp>
-              <p:nvGrpSpPr>
-                <p:cNvPr id="23" name="그룹 22">
-                  <a:extLst>
-                    <a:ext uri="{FF2B5EF4-FFF2-40B4-BE49-F238E27FC236}">
-                      <a16:creationId xmlns:a16="http://schemas.microsoft.com/office/drawing/2014/main" id="{64181031-BABB-9821-D769-F4A120EB5773}"/>
-                    </a:ext>
-                  </a:extLst>
-                </p:cNvPr>
-                <p:cNvGrpSpPr/>
-                <p:nvPr/>
-              </p:nvGrpSpPr>
-              <p:grpSpPr>
-                <a:xfrm>
-                  <a:off x="3951936" y="3625020"/>
-                  <a:ext cx="1044000" cy="1044000"/>
-                  <a:chOff x="691020" y="3625020"/>
-                  <a:chExt cx="1044000" cy="1044000"/>
-                </a:xfrm>
-                <a:grpFill/>
-              </p:grpSpPr>
-              <p:sp>
-                <p:nvSpPr>
-                  <p:cNvPr id="26" name="사각형: 둥근 모서리 25">
-                    <a:extLst>
-                      <a:ext uri="{FF2B5EF4-FFF2-40B4-BE49-F238E27FC236}">
-                        <a16:creationId xmlns:a16="http://schemas.microsoft.com/office/drawing/2014/main" id="{F22202E4-3BC9-DBBE-215D-0A3B518B4FEE}"/>
-                      </a:ext>
-                    </a:extLst>
-                  </p:cNvPr>
-                  <p:cNvSpPr/>
-                  <p:nvPr/>
-                </p:nvSpPr>
-                <p:spPr>
-                  <a:xfrm>
-                    <a:off x="691020" y="3625020"/>
-                    <a:ext cx="1044000" cy="1044000"/>
-                  </a:xfrm>
-                  <a:prstGeom prst="roundRect">
-                    <a:avLst/>
-                  </a:prstGeom>
-                  <a:grpFill/>
-                  <a:ln>
-                    <a:solidFill>
-                      <a:schemeClr val="tx1"/>
-                    </a:solidFill>
-                  </a:ln>
-                  <a:scene3d>
-                    <a:camera prst="orthographicFront"/>
-                    <a:lightRig rig="threePt" dir="t"/>
-                  </a:scene3d>
-                  <a:sp3d>
-                    <a:bevelT w="114300" prst="hardEdge"/>
-                  </a:sp3d>
-                </p:spPr>
-                <p:style>
-                  <a:lnRef idx="2">
-                    <a:schemeClr val="accent1">
-                      <a:shade val="15000"/>
-                    </a:schemeClr>
-                  </a:lnRef>
-                  <a:fillRef idx="1">
-                    <a:schemeClr val="accent1"/>
-                  </a:fillRef>
-                  <a:effectRef idx="0">
-                    <a:schemeClr val="accent1"/>
-                  </a:effectRef>
-                  <a:fontRef idx="minor">
-                    <a:schemeClr val="lt1"/>
-                  </a:fontRef>
-                </p:style>
-                <p:txBody>
-                  <a:bodyPr rtlCol="0" anchor="ctr"/>
-                  <a:lstStyle/>
-                  <a:p>
-                    <a:pPr algn="ctr"/>
-                    <a:endParaRPr lang="ko-KR" altLang="en-US"/>
-                  </a:p>
-                </p:txBody>
-              </p:sp>
-              <p:sp>
-                <p:nvSpPr>
-                  <p:cNvPr id="27" name="타원 26">
-                    <a:extLst>
-                      <a:ext uri="{FF2B5EF4-FFF2-40B4-BE49-F238E27FC236}">
-                        <a16:creationId xmlns:a16="http://schemas.microsoft.com/office/drawing/2014/main" id="{4E3DC6D0-497E-B576-0FBC-9C4A28A6B395}"/>
-                      </a:ext>
-                    </a:extLst>
-                  </p:cNvPr>
-                  <p:cNvSpPr/>
-                  <p:nvPr/>
-                </p:nvSpPr>
-                <p:spPr>
-                  <a:xfrm>
-                    <a:off x="853063" y="4014080"/>
-                    <a:ext cx="303750" cy="303750"/>
-                  </a:xfrm>
-                  <a:prstGeom prst="ellipse">
-                    <a:avLst/>
-                  </a:prstGeom>
-                  <a:grpFill/>
-                  <a:ln>
-                    <a:solidFill>
-                      <a:schemeClr val="tx1"/>
-                    </a:solidFill>
-                  </a:ln>
-                </p:spPr>
-                <p:style>
-                  <a:lnRef idx="2">
-                    <a:schemeClr val="accent1">
-                      <a:shade val="15000"/>
-                    </a:schemeClr>
-                  </a:lnRef>
-                  <a:fillRef idx="1">
-                    <a:schemeClr val="accent1"/>
-                  </a:fillRef>
-                  <a:effectRef idx="0">
-                    <a:schemeClr val="accent1"/>
-                  </a:effectRef>
-                  <a:fontRef idx="minor">
-                    <a:schemeClr val="lt1"/>
-                  </a:fontRef>
-                </p:style>
-                <p:txBody>
-                  <a:bodyPr rtlCol="0" anchor="ctr"/>
-                  <a:lstStyle/>
-                  <a:p>
-                    <a:pPr algn="ctr"/>
-                    <a:endParaRPr lang="ko-KR" altLang="en-US" sz="1013"/>
-                  </a:p>
-                </p:txBody>
-              </p:sp>
-              <p:sp>
-                <p:nvSpPr>
-                  <p:cNvPr id="28" name="타원 27">
-                    <a:extLst>
-                      <a:ext uri="{FF2B5EF4-FFF2-40B4-BE49-F238E27FC236}">
-                        <a16:creationId xmlns:a16="http://schemas.microsoft.com/office/drawing/2014/main" id="{05A8CA6C-8522-1FF1-BF6C-F779E25EDEE2}"/>
-                      </a:ext>
-                    </a:extLst>
-                  </p:cNvPr>
-                  <p:cNvSpPr/>
-                  <p:nvPr/>
-                </p:nvSpPr>
-                <p:spPr>
-                  <a:xfrm>
-                    <a:off x="1253961" y="4014080"/>
-                    <a:ext cx="303750" cy="303750"/>
-                  </a:xfrm>
-                  <a:prstGeom prst="ellipse">
-                    <a:avLst/>
-                  </a:prstGeom>
-                  <a:grpFill/>
-                  <a:ln>
-                    <a:solidFill>
-                      <a:schemeClr val="tx1"/>
-                    </a:solidFill>
-                  </a:ln>
-                </p:spPr>
-                <p:style>
-                  <a:lnRef idx="2">
-                    <a:schemeClr val="accent1">
-                      <a:shade val="15000"/>
-                    </a:schemeClr>
-                  </a:lnRef>
-                  <a:fillRef idx="1">
-                    <a:schemeClr val="accent1"/>
-                  </a:fillRef>
-                  <a:effectRef idx="0">
-                    <a:schemeClr val="accent1"/>
-                  </a:effectRef>
-                  <a:fontRef idx="minor">
-                    <a:schemeClr val="lt1"/>
-                  </a:fontRef>
-                </p:style>
-                <p:txBody>
-                  <a:bodyPr rtlCol="0" anchor="ctr"/>
-                  <a:lstStyle/>
-                  <a:p>
-                    <a:pPr algn="ctr"/>
-                    <a:endParaRPr lang="ko-KR" altLang="en-US" sz="1013"/>
-                  </a:p>
-                </p:txBody>
-              </p:sp>
-            </p:grpSp>
-            <p:sp>
-              <p:nvSpPr>
-                <p:cNvPr id="24" name="직사각형 23">
-                  <a:extLst>
-                    <a:ext uri="{FF2B5EF4-FFF2-40B4-BE49-F238E27FC236}">
-                      <a16:creationId xmlns:a16="http://schemas.microsoft.com/office/drawing/2014/main" id="{ADB1AB5D-D091-801B-A628-3FCDF27406FE}"/>
-                    </a:ext>
-                  </a:extLst>
-                </p:cNvPr>
-                <p:cNvSpPr/>
-                <p:nvPr/>
-              </p:nvSpPr>
-              <p:spPr>
-                <a:xfrm rot="10800000">
-                  <a:off x="1979125" y="5851075"/>
-                  <a:ext cx="712781" cy="97282"/>
-                </a:xfrm>
-                <a:prstGeom prst="rect">
-                  <a:avLst/>
-                </a:prstGeom>
-                <a:solidFill>
-                  <a:schemeClr val="tx2">
-                    <a:lumMod val="10000"/>
-                    <a:lumOff val="90000"/>
-                  </a:schemeClr>
-                </a:solidFill>
-                <a:ln>
-                  <a:solidFill>
-                    <a:schemeClr val="tx1"/>
-                  </a:solidFill>
-                </a:ln>
-              </p:spPr>
-              <p:style>
-                <a:lnRef idx="2">
-                  <a:schemeClr val="accent1">
-                    <a:shade val="15000"/>
-                  </a:schemeClr>
-                </a:lnRef>
-                <a:fillRef idx="1">
-                  <a:schemeClr val="accent1"/>
-                </a:fillRef>
-                <a:effectRef idx="0">
-                  <a:schemeClr val="accent1"/>
-                </a:effectRef>
-                <a:fontRef idx="minor">
-                  <a:schemeClr val="lt1"/>
-                </a:fontRef>
-              </p:style>
-              <p:txBody>
-                <a:bodyPr rtlCol="0" anchor="ctr"/>
-                <a:lstStyle/>
-                <a:p>
-                  <a:pPr algn="ctr"/>
-                  <a:endParaRPr lang="ko-KR" altLang="en-US" sz="1013"/>
-                </a:p>
-              </p:txBody>
-            </p:sp>
-            <p:sp>
-              <p:nvSpPr>
-                <p:cNvPr id="25" name="직사각형 24">
-                  <a:extLst>
-                    <a:ext uri="{FF2B5EF4-FFF2-40B4-BE49-F238E27FC236}">
-                      <a16:creationId xmlns:a16="http://schemas.microsoft.com/office/drawing/2014/main" id="{A5F3E81B-E064-A30C-3429-867EF6624261}"/>
-                    </a:ext>
-                  </a:extLst>
-                </p:cNvPr>
-                <p:cNvSpPr/>
-                <p:nvPr/>
-              </p:nvSpPr>
-              <p:spPr>
-                <a:xfrm rot="10800000">
-                  <a:off x="2993985" y="5851075"/>
-                  <a:ext cx="712781" cy="97282"/>
-                </a:xfrm>
-                <a:prstGeom prst="rect">
-                  <a:avLst/>
-                </a:prstGeom>
-                <a:solidFill>
-                  <a:schemeClr val="tx2">
-                    <a:lumMod val="10000"/>
-                    <a:lumOff val="90000"/>
-                  </a:schemeClr>
-                </a:solidFill>
-                <a:ln>
-                  <a:solidFill>
-                    <a:schemeClr val="tx1"/>
-                  </a:solidFill>
-                </a:ln>
-              </p:spPr>
-              <p:style>
-                <a:lnRef idx="2">
-                  <a:schemeClr val="accent1">
-                    <a:shade val="15000"/>
-                  </a:schemeClr>
-                </a:lnRef>
-                <a:fillRef idx="1">
-                  <a:schemeClr val="accent1"/>
-                </a:fillRef>
-                <a:effectRef idx="0">
-                  <a:schemeClr val="accent1"/>
-                </a:effectRef>
-                <a:fontRef idx="minor">
-                  <a:schemeClr val="lt1"/>
-                </a:fontRef>
-              </p:style>
-              <p:txBody>
-                <a:bodyPr rtlCol="0" anchor="ctr"/>
-                <a:lstStyle/>
-                <a:p>
-                  <a:pPr algn="ctr"/>
-                  <a:endParaRPr lang="ko-KR" altLang="en-US" sz="1013"/>
-                </a:p>
-              </p:txBody>
-            </p:sp>
-            <p:sp>
-              <p:nvSpPr>
-                <p:cNvPr id="82" name="직사각형 81">
-                  <a:extLst>
-                    <a:ext uri="{FF2B5EF4-FFF2-40B4-BE49-F238E27FC236}">
-                      <a16:creationId xmlns:a16="http://schemas.microsoft.com/office/drawing/2014/main" id="{184E9E63-FB97-9FA4-3A31-57EDEDD04FD0}"/>
-                    </a:ext>
-                  </a:extLst>
-                </p:cNvPr>
-                <p:cNvSpPr/>
-                <p:nvPr/>
-              </p:nvSpPr>
-              <p:spPr>
-                <a:xfrm rot="16200000">
-                  <a:off x="1422005" y="4097962"/>
-                  <a:ext cx="712781" cy="97282"/>
-                </a:xfrm>
-                <a:prstGeom prst="rect">
-                  <a:avLst/>
-                </a:prstGeom>
-                <a:solidFill>
-                  <a:schemeClr val="tx2">
-                    <a:lumMod val="10000"/>
-                    <a:lumOff val="90000"/>
-                  </a:schemeClr>
-                </a:solidFill>
-                <a:ln>
-                  <a:solidFill>
-                    <a:schemeClr val="tx1"/>
-                  </a:solidFill>
-                </a:ln>
-              </p:spPr>
-              <p:style>
-                <a:lnRef idx="2">
-                  <a:schemeClr val="accent1">
-                    <a:shade val="15000"/>
-                  </a:schemeClr>
-                </a:lnRef>
-                <a:fillRef idx="1">
-                  <a:schemeClr val="accent1"/>
-                </a:fillRef>
-                <a:effectRef idx="0">
-                  <a:schemeClr val="accent1"/>
-                </a:effectRef>
-                <a:fontRef idx="minor">
-                  <a:schemeClr val="lt1"/>
-                </a:fontRef>
-              </p:style>
-              <p:txBody>
-                <a:bodyPr rtlCol="0" anchor="ctr"/>
-                <a:lstStyle/>
-                <a:p>
-                  <a:pPr algn="ctr"/>
-                  <a:endParaRPr lang="ko-KR" altLang="en-US" sz="1013" dirty="0"/>
-                </a:p>
-              </p:txBody>
-            </p:sp>
-            <p:sp>
-              <p:nvSpPr>
-                <p:cNvPr id="83" name="직사각형 82">
-                  <a:extLst>
-                    <a:ext uri="{FF2B5EF4-FFF2-40B4-BE49-F238E27FC236}">
-                      <a16:creationId xmlns:a16="http://schemas.microsoft.com/office/drawing/2014/main" id="{999A2466-858D-F305-DDC2-B2E5C1EE0967}"/>
-                    </a:ext>
-                  </a:extLst>
-                </p:cNvPr>
-                <p:cNvSpPr/>
-                <p:nvPr/>
-              </p:nvSpPr>
-              <p:spPr>
-                <a:xfrm rot="1583793">
-                  <a:off x="3006361" y="3309294"/>
-                  <a:ext cx="704321" cy="98450"/>
-                </a:xfrm>
-                <a:prstGeom prst="rect">
-                  <a:avLst/>
-                </a:prstGeom>
-                <a:solidFill>
-                  <a:schemeClr val="tx2">
-                    <a:lumMod val="10000"/>
-                    <a:lumOff val="90000"/>
-                  </a:schemeClr>
-                </a:solidFill>
-                <a:ln>
-                  <a:solidFill>
-                    <a:schemeClr val="tx1"/>
-                  </a:solidFill>
-                </a:ln>
-              </p:spPr>
-              <p:style>
-                <a:lnRef idx="2">
-                  <a:schemeClr val="accent1">
-                    <a:shade val="15000"/>
-                  </a:schemeClr>
-                </a:lnRef>
-                <a:fillRef idx="1">
-                  <a:schemeClr val="accent1"/>
-                </a:fillRef>
-                <a:effectRef idx="0">
-                  <a:schemeClr val="accent1"/>
-                </a:effectRef>
-                <a:fontRef idx="minor">
-                  <a:schemeClr val="lt1"/>
-                </a:fontRef>
-              </p:style>
-              <p:txBody>
-                <a:bodyPr rtlCol="0" anchor="ctr"/>
-                <a:lstStyle/>
-                <a:p>
-                  <a:pPr algn="ctr"/>
-                  <a:endParaRPr lang="ko-KR" altLang="en-US" sz="1013"/>
-                </a:p>
-              </p:txBody>
-            </p:sp>
-            <p:sp>
-              <p:nvSpPr>
-                <p:cNvPr id="84" name="직사각형 83">
-                  <a:extLst>
-                    <a:ext uri="{FF2B5EF4-FFF2-40B4-BE49-F238E27FC236}">
-                      <a16:creationId xmlns:a16="http://schemas.microsoft.com/office/drawing/2014/main" id="{E277BBDA-DE5E-6F53-2535-80DE4A8B7469}"/>
-                    </a:ext>
-                  </a:extLst>
-                </p:cNvPr>
-                <p:cNvSpPr/>
-                <p:nvPr/>
-              </p:nvSpPr>
-              <p:spPr>
-                <a:xfrm rot="10800000">
-                  <a:off x="1977035" y="5137572"/>
-                  <a:ext cx="712781" cy="97282"/>
-                </a:xfrm>
-                <a:prstGeom prst="rect">
-                  <a:avLst/>
-                </a:prstGeom>
-                <a:solidFill>
-                  <a:schemeClr val="tx2">
-                    <a:lumMod val="10000"/>
-                    <a:lumOff val="90000"/>
-                  </a:schemeClr>
-                </a:solidFill>
-                <a:ln>
-                  <a:solidFill>
-                    <a:schemeClr val="tx1"/>
-                  </a:solidFill>
-                </a:ln>
-              </p:spPr>
-              <p:style>
-                <a:lnRef idx="2">
-                  <a:schemeClr val="accent1">
-                    <a:shade val="15000"/>
-                  </a:schemeClr>
-                </a:lnRef>
-                <a:fillRef idx="1">
-                  <a:schemeClr val="accent1"/>
-                </a:fillRef>
-                <a:effectRef idx="0">
-                  <a:schemeClr val="accent1"/>
-                </a:effectRef>
-                <a:fontRef idx="minor">
-                  <a:schemeClr val="lt1"/>
-                </a:fontRef>
-              </p:style>
-              <p:txBody>
-                <a:bodyPr rtlCol="0" anchor="ctr"/>
-                <a:lstStyle/>
-                <a:p>
-                  <a:pPr algn="ctr"/>
-                  <a:endParaRPr lang="ko-KR" altLang="en-US" sz="1013"/>
-                </a:p>
-              </p:txBody>
-            </p:sp>
-            <p:sp>
-              <p:nvSpPr>
-                <p:cNvPr id="85" name="직사각형 84">
-                  <a:extLst>
-                    <a:ext uri="{FF2B5EF4-FFF2-40B4-BE49-F238E27FC236}">
-                      <a16:creationId xmlns:a16="http://schemas.microsoft.com/office/drawing/2014/main" id="{D26DC1A1-07F4-693D-449D-DE12A6E0320E}"/>
-                    </a:ext>
-                  </a:extLst>
-                </p:cNvPr>
-                <p:cNvSpPr/>
-                <p:nvPr/>
-              </p:nvSpPr>
-              <p:spPr>
-                <a:xfrm rot="10800000">
-                  <a:off x="2989382" y="5137572"/>
-                  <a:ext cx="712781" cy="97282"/>
-                </a:xfrm>
-                <a:prstGeom prst="rect">
-                  <a:avLst/>
-                </a:prstGeom>
-                <a:solidFill>
-                  <a:schemeClr val="tx2">
-                    <a:lumMod val="10000"/>
-                    <a:lumOff val="90000"/>
-                  </a:schemeClr>
-                </a:solidFill>
-                <a:ln>
-                  <a:solidFill>
-                    <a:schemeClr val="tx1"/>
-                  </a:solidFill>
-                </a:ln>
-              </p:spPr>
-              <p:style>
-                <a:lnRef idx="2">
-                  <a:schemeClr val="accent1">
-                    <a:shade val="15000"/>
-                  </a:schemeClr>
-                </a:lnRef>
-                <a:fillRef idx="1">
-                  <a:schemeClr val="accent1"/>
-                </a:fillRef>
-                <a:effectRef idx="0">
-                  <a:schemeClr val="accent1"/>
-                </a:effectRef>
-                <a:fontRef idx="minor">
-                  <a:schemeClr val="lt1"/>
-                </a:fontRef>
-              </p:style>
-              <p:txBody>
-                <a:bodyPr rtlCol="0" anchor="ctr"/>
-                <a:lstStyle/>
-                <a:p>
-                  <a:pPr algn="ctr"/>
-                  <a:endParaRPr lang="ko-KR" altLang="en-US" sz="1013"/>
-                </a:p>
-              </p:txBody>
-            </p:sp>
-            <p:sp>
-              <p:nvSpPr>
-                <p:cNvPr id="86" name="직사각형 85">
-                  <a:extLst>
-                    <a:ext uri="{FF2B5EF4-FFF2-40B4-BE49-F238E27FC236}">
-                      <a16:creationId xmlns:a16="http://schemas.microsoft.com/office/drawing/2014/main" id="{45C7A4DD-009C-4FA8-F780-B473031C7474}"/>
-                    </a:ext>
-                  </a:extLst>
-                </p:cNvPr>
-                <p:cNvSpPr/>
-                <p:nvPr/>
-              </p:nvSpPr>
-              <p:spPr>
-                <a:xfrm rot="16200000">
-                  <a:off x="3544813" y="4097964"/>
-                  <a:ext cx="712781" cy="97282"/>
-                </a:xfrm>
-                <a:prstGeom prst="rect">
-                  <a:avLst/>
-                </a:prstGeom>
-                <a:solidFill>
-                  <a:schemeClr val="tx2">
-                    <a:lumMod val="10000"/>
-                    <a:lumOff val="90000"/>
-                  </a:schemeClr>
-                </a:solidFill>
-                <a:ln>
-                  <a:solidFill>
-                    <a:schemeClr val="tx1"/>
-                  </a:solidFill>
-                </a:ln>
-              </p:spPr>
-              <p:style>
-                <a:lnRef idx="2">
-                  <a:schemeClr val="accent1">
-                    <a:shade val="15000"/>
-                  </a:schemeClr>
-                </a:lnRef>
-                <a:fillRef idx="1">
-                  <a:schemeClr val="accent1"/>
-                </a:fillRef>
-                <a:effectRef idx="0">
-                  <a:schemeClr val="accent1"/>
-                </a:effectRef>
-                <a:fontRef idx="minor">
-                  <a:schemeClr val="lt1"/>
-                </a:fontRef>
-              </p:style>
-              <p:txBody>
-                <a:bodyPr rtlCol="0" anchor="ctr"/>
-                <a:lstStyle/>
-                <a:p>
-                  <a:pPr algn="ctr"/>
-                  <a:endParaRPr lang="ko-KR" altLang="en-US" sz="1013" dirty="0"/>
-                </a:p>
-              </p:txBody>
-            </p:sp>
-            <p:sp>
-              <p:nvSpPr>
-                <p:cNvPr id="87" name="직사각형 86">
-                  <a:extLst>
-                    <a:ext uri="{FF2B5EF4-FFF2-40B4-BE49-F238E27FC236}">
-                      <a16:creationId xmlns:a16="http://schemas.microsoft.com/office/drawing/2014/main" id="{5D37F62F-5295-868E-8BE6-2E03262F7FEB}"/>
-                    </a:ext>
-                  </a:extLst>
-                </p:cNvPr>
-                <p:cNvSpPr/>
-                <p:nvPr/>
-              </p:nvSpPr>
-              <p:spPr>
-                <a:xfrm rot="10800000">
-                  <a:off x="1977034" y="5850659"/>
-                  <a:ext cx="712781" cy="97282"/>
-                </a:xfrm>
-                <a:prstGeom prst="rect">
-                  <a:avLst/>
-                </a:prstGeom>
-                <a:solidFill>
-                  <a:schemeClr val="tx2">
-                    <a:lumMod val="10000"/>
-                    <a:lumOff val="90000"/>
-                  </a:schemeClr>
-                </a:solidFill>
-                <a:ln>
-                  <a:solidFill>
-                    <a:schemeClr val="tx1"/>
-                  </a:solidFill>
-                </a:ln>
-              </p:spPr>
-              <p:style>
-                <a:lnRef idx="2">
-                  <a:schemeClr val="accent1">
-                    <a:shade val="15000"/>
-                  </a:schemeClr>
-                </a:lnRef>
-                <a:fillRef idx="1">
-                  <a:schemeClr val="accent1"/>
-                </a:fillRef>
-                <a:effectRef idx="0">
-                  <a:schemeClr val="accent1"/>
-                </a:effectRef>
-                <a:fontRef idx="minor">
-                  <a:schemeClr val="lt1"/>
-                </a:fontRef>
-              </p:style>
-              <p:txBody>
-                <a:bodyPr rtlCol="0" anchor="ctr"/>
-                <a:lstStyle/>
-                <a:p>
-                  <a:pPr algn="ctr"/>
-                  <a:endParaRPr lang="ko-KR" altLang="en-US" sz="1013"/>
-                </a:p>
-              </p:txBody>
-            </p:sp>
-            <p:sp>
-              <p:nvSpPr>
-                <p:cNvPr id="88" name="직사각형 87">
-                  <a:extLst>
-                    <a:ext uri="{FF2B5EF4-FFF2-40B4-BE49-F238E27FC236}">
-                      <a16:creationId xmlns:a16="http://schemas.microsoft.com/office/drawing/2014/main" id="{FEE9F76B-333B-5341-BEA7-E359F4DFEF27}"/>
-                    </a:ext>
-                  </a:extLst>
-                </p:cNvPr>
-                <p:cNvSpPr/>
-                <p:nvPr/>
-              </p:nvSpPr>
-              <p:spPr>
-                <a:xfrm rot="10800000">
-                  <a:off x="2991894" y="5850659"/>
-                  <a:ext cx="712781" cy="97282"/>
-                </a:xfrm>
-                <a:prstGeom prst="rect">
-                  <a:avLst/>
-                </a:prstGeom>
-                <a:solidFill>
-                  <a:schemeClr val="tx2">
-                    <a:lumMod val="10000"/>
-                    <a:lumOff val="90000"/>
-                  </a:schemeClr>
-                </a:solidFill>
-                <a:ln>
-                  <a:solidFill>
-                    <a:schemeClr val="tx1"/>
-                  </a:solidFill>
-                </a:ln>
-              </p:spPr>
-              <p:style>
-                <a:lnRef idx="2">
-                  <a:schemeClr val="accent1">
-                    <a:shade val="15000"/>
-                  </a:schemeClr>
-                </a:lnRef>
-                <a:fillRef idx="1">
-                  <a:schemeClr val="accent1"/>
-                </a:fillRef>
-                <a:effectRef idx="0">
-                  <a:schemeClr val="accent1"/>
-                </a:effectRef>
-                <a:fontRef idx="minor">
-                  <a:schemeClr val="lt1"/>
-                </a:fontRef>
-              </p:style>
-              <p:txBody>
-                <a:bodyPr rtlCol="0" anchor="ctr"/>
-                <a:lstStyle/>
-                <a:p>
-                  <a:pPr algn="ctr"/>
-                  <a:endParaRPr lang="ko-KR" altLang="en-US" sz="1013"/>
-                </a:p>
-              </p:txBody>
-            </p:sp>
-          </p:grpSp>
-          <p:sp>
-            <p:nvSpPr>
-              <p:cNvPr id="39" name="타원 38">
-                <a:extLst>
-                  <a:ext uri="{FF2B5EF4-FFF2-40B4-BE49-F238E27FC236}">
-                    <a16:creationId xmlns:a16="http://schemas.microsoft.com/office/drawing/2014/main" id="{F9EA8341-92EF-D19B-01CB-F0FF89509705}"/>
+                    <a16:creationId xmlns:a16="http://schemas.microsoft.com/office/drawing/2014/main" id="{F82A151E-F2B6-CDD4-D1D6-BF0A40F34CD6}"/>
                   </a:ext>
                 </a:extLst>
               </p:cNvPr>
@@ -6781,18 +4663,269 @@
             </p:nvSpPr>
             <p:spPr>
               <a:xfrm>
-                <a:off x="3378957" y="2122680"/>
-                <a:ext cx="2394923" cy="2635200"/>
+                <a:off x="2916560" y="4594635"/>
+                <a:ext cx="862607" cy="543598"/>
               </a:xfrm>
-              <a:prstGeom prst="ellipse">
+              <a:prstGeom prst="roundRect">
                 <a:avLst/>
               </a:prstGeom>
-              <a:noFill/>
+              <a:solidFill>
+                <a:schemeClr val="bg1"/>
+              </a:solidFill>
+              <a:ln>
+                <a:noFill/>
+              </a:ln>
+              <a:effectLst/>
+              <a:scene3d>
+                <a:camera prst="orthographicFront"/>
+                <a:lightRig rig="threePt" dir="t"/>
+              </a:scene3d>
+              <a:sp3d prstMaterial="flat">
+                <a:bevelT w="139700" h="139700" prst="divot"/>
+              </a:sp3d>
+            </p:spPr>
+            <p:style>
+              <a:lnRef idx="2">
+                <a:schemeClr val="accent1">
+                  <a:shade val="50000"/>
+                </a:schemeClr>
+              </a:lnRef>
+              <a:fillRef idx="1">
+                <a:schemeClr val="accent1"/>
+              </a:fillRef>
+              <a:effectRef idx="0">
+                <a:schemeClr val="accent1"/>
+              </a:effectRef>
+              <a:fontRef idx="minor">
+                <a:schemeClr val="lt1"/>
+              </a:fontRef>
+            </p:style>
+            <p:txBody>
+              <a:bodyPr rtlCol="0" anchor="ctr"/>
+              <a:lstStyle/>
+              <a:p>
+                <a:pPr algn="ctr"/>
+                <a:endParaRPr lang="ko-KR" altLang="en-US" sz="1500"/>
+              </a:p>
+            </p:txBody>
+          </p:sp>
+          <p:sp>
+            <p:nvSpPr>
+              <p:cNvPr id="6" name="사각형: 둥근 모서리 5">
+                <a:extLst>
+                  <a:ext uri="{FF2B5EF4-FFF2-40B4-BE49-F238E27FC236}">
+                    <a16:creationId xmlns:a16="http://schemas.microsoft.com/office/drawing/2014/main" id="{222670D6-ED40-C32B-4B63-92C9AFADD985}"/>
+                  </a:ext>
+                </a:extLst>
+              </p:cNvPr>
+              <p:cNvSpPr/>
+              <p:nvPr/>
+            </p:nvSpPr>
+            <p:spPr>
+              <a:xfrm>
+                <a:off x="1904213" y="4594635"/>
+                <a:ext cx="862608" cy="543598"/>
+              </a:xfrm>
+              <a:prstGeom prst="roundRect">
+                <a:avLst/>
+              </a:prstGeom>
+              <a:solidFill>
+                <a:schemeClr val="bg1"/>
+              </a:solidFill>
+              <a:ln>
+                <a:noFill/>
+              </a:ln>
+              <a:effectLst/>
+              <a:scene3d>
+                <a:camera prst="orthographicFront"/>
+                <a:lightRig rig="threePt" dir="t"/>
+              </a:scene3d>
+              <a:sp3d prstMaterial="flat">
+                <a:bevelT w="139700" h="139700" prst="divot"/>
+              </a:sp3d>
+            </p:spPr>
+            <p:style>
+              <a:lnRef idx="2">
+                <a:schemeClr val="accent1">
+                  <a:shade val="50000"/>
+                </a:schemeClr>
+              </a:lnRef>
+              <a:fillRef idx="1">
+                <a:schemeClr val="accent1"/>
+              </a:fillRef>
+              <a:effectRef idx="0">
+                <a:schemeClr val="accent1"/>
+              </a:effectRef>
+              <a:fontRef idx="minor">
+                <a:schemeClr val="lt1"/>
+              </a:fontRef>
+            </p:style>
+            <p:txBody>
+              <a:bodyPr rtlCol="0" anchor="ctr"/>
+              <a:lstStyle/>
+              <a:p>
+                <a:pPr algn="ctr"/>
+                <a:endParaRPr lang="ko-KR" altLang="en-US" sz="1500"/>
+              </a:p>
+            </p:txBody>
+          </p:sp>
+          <p:sp>
+            <p:nvSpPr>
+              <p:cNvPr id="7" name="육각형 6">
+                <a:extLst>
+                  <a:ext uri="{FF2B5EF4-FFF2-40B4-BE49-F238E27FC236}">
+                    <a16:creationId xmlns:a16="http://schemas.microsoft.com/office/drawing/2014/main" id="{74AAB669-6ADC-F7E9-C8B9-FE4A88A1547F}"/>
+                  </a:ext>
+                </a:extLst>
+              </p:cNvPr>
+              <p:cNvSpPr/>
+              <p:nvPr/>
+            </p:nvSpPr>
+            <p:spPr>
+              <a:xfrm rot="5400000">
+                <a:off x="1828993" y="3153455"/>
+                <a:ext cx="2025000" cy="2025000"/>
+              </a:xfrm>
+              <a:prstGeom prst="hexagon">
+                <a:avLst/>
+              </a:prstGeom>
+              <a:solidFill>
+                <a:schemeClr val="bg1"/>
+              </a:solidFill>
+              <a:ln>
+                <a:noFill/>
+              </a:ln>
+              <a:effectLst/>
+              <a:scene3d>
+                <a:camera prst="orthographicFront"/>
+                <a:lightRig rig="threePt" dir="t"/>
+              </a:scene3d>
+              <a:sp3d prstMaterial="flat">
+                <a:bevelT w="139700" h="139700" prst="divot"/>
+              </a:sp3d>
+            </p:spPr>
+            <p:style>
+              <a:lnRef idx="2">
+                <a:schemeClr val="accent1">
+                  <a:shade val="50000"/>
+                </a:schemeClr>
+              </a:lnRef>
+              <a:fillRef idx="1">
+                <a:schemeClr val="accent1"/>
+              </a:fillRef>
+              <a:effectRef idx="0">
+                <a:schemeClr val="accent1"/>
+              </a:effectRef>
+              <a:fontRef idx="minor">
+                <a:schemeClr val="lt1"/>
+              </a:fontRef>
+            </p:style>
+            <p:txBody>
+              <a:bodyPr rtlCol="0" anchor="ctr"/>
+              <a:lstStyle/>
+              <a:p>
+                <a:pPr algn="ctr"/>
+                <a:endParaRPr lang="ko-KR" altLang="en-US" sz="1500" dirty="0"/>
+              </a:p>
+            </p:txBody>
+          </p:sp>
+          <p:sp>
+            <p:nvSpPr>
+              <p:cNvPr id="8" name="직사각형 7">
+                <a:extLst>
+                  <a:ext uri="{FF2B5EF4-FFF2-40B4-BE49-F238E27FC236}">
+                    <a16:creationId xmlns:a16="http://schemas.microsoft.com/office/drawing/2014/main" id="{E1125694-1BE9-AB05-E278-625ECA1D35DF}"/>
+                  </a:ext>
+                </a:extLst>
+              </p:cNvPr>
+              <p:cNvSpPr/>
+              <p:nvPr/>
+            </p:nvSpPr>
+            <p:spPr>
+              <a:xfrm rot="20011563">
+                <a:off x="1967793" y="3310806"/>
+                <a:ext cx="704321" cy="98450"/>
+              </a:xfrm>
+              <a:prstGeom prst="rect">
+                <a:avLst/>
+              </a:prstGeom>
+              <a:solidFill>
+                <a:schemeClr val="tx2">
+                  <a:lumMod val="10000"/>
+                  <a:lumOff val="90000"/>
+                </a:schemeClr>
+              </a:solidFill>
+              <a:ln>
+                <a:solidFill>
+                  <a:schemeClr val="bg1">
+                    <a:lumMod val="75000"/>
+                  </a:schemeClr>
+                </a:solidFill>
+              </a:ln>
+              <a:scene3d>
+                <a:camera prst="orthographicFront"/>
+                <a:lightRig rig="threePt" dir="t"/>
+              </a:scene3d>
+              <a:sp3d>
+                <a:bevelT w="1270000" h="101600" prst="angle"/>
+                <a:bevelB w="1270000" h="0"/>
+              </a:sp3d>
+            </p:spPr>
+            <p:style>
+              <a:lnRef idx="2">
+                <a:schemeClr val="accent1">
+                  <a:shade val="15000"/>
+                </a:schemeClr>
+              </a:lnRef>
+              <a:fillRef idx="1">
+                <a:schemeClr val="accent1"/>
+              </a:fillRef>
+              <a:effectRef idx="0">
+                <a:schemeClr val="accent1"/>
+              </a:effectRef>
+              <a:fontRef idx="minor">
+                <a:schemeClr val="lt1"/>
+              </a:fontRef>
+            </p:style>
+            <p:txBody>
+              <a:bodyPr rtlCol="0" anchor="ctr"/>
+              <a:lstStyle/>
+              <a:p>
+                <a:pPr algn="ctr"/>
+                <a:endParaRPr lang="ko-KR" altLang="en-US" sz="1013" dirty="0"/>
+              </a:p>
+            </p:txBody>
+          </p:sp>
+          <p:sp>
+            <p:nvSpPr>
+              <p:cNvPr id="9" name="직사각형 8">
+                <a:extLst>
+                  <a:ext uri="{FF2B5EF4-FFF2-40B4-BE49-F238E27FC236}">
+                    <a16:creationId xmlns:a16="http://schemas.microsoft.com/office/drawing/2014/main" id="{68DB6EF1-BFA0-789A-D6B0-722D2714D861}"/>
+                  </a:ext>
+                </a:extLst>
+              </p:cNvPr>
+              <p:cNvSpPr/>
+              <p:nvPr/>
+            </p:nvSpPr>
+            <p:spPr>
+              <a:xfrm rot="16200000">
+                <a:off x="1424096" y="4098379"/>
+                <a:ext cx="712781" cy="97282"/>
+              </a:xfrm>
+              <a:prstGeom prst="rect">
+                <a:avLst/>
+              </a:prstGeom>
+              <a:solidFill>
+                <a:schemeClr val="tx2">
+                  <a:lumMod val="10000"/>
+                  <a:lumOff val="90000"/>
+                </a:schemeClr>
+              </a:solidFill>
               <a:ln>
                 <a:solidFill>
                   <a:schemeClr val="tx1"/>
                 </a:solidFill>
-                <a:prstDash val="sysDash"/>
               </a:ln>
             </p:spPr>
             <p:style>
@@ -6816,16 +4949,16 @@
               <a:lstStyle/>
               <a:p>
                 <a:pPr algn="ctr"/>
-                <a:endParaRPr lang="ko-KR" altLang="en-US"/>
+                <a:endParaRPr lang="ko-KR" altLang="en-US" sz="1013"/>
               </a:p>
             </p:txBody>
           </p:sp>
           <p:sp>
             <p:nvSpPr>
-              <p:cNvPr id="43" name="타원 42">
+              <p:cNvPr id="10" name="직사각형 9">
                 <a:extLst>
                   <a:ext uri="{FF2B5EF4-FFF2-40B4-BE49-F238E27FC236}">
-                    <a16:creationId xmlns:a16="http://schemas.microsoft.com/office/drawing/2014/main" id="{9606418F-D254-4763-4A45-E2A6EBDC1FDF}"/>
+                    <a16:creationId xmlns:a16="http://schemas.microsoft.com/office/drawing/2014/main" id="{0A102AC2-3907-B28E-1315-7B51D8252A03}"/>
                   </a:ext>
                 </a:extLst>
               </p:cNvPr>
@@ -6833,19 +4966,23 @@
               <p:nvPr/>
             </p:nvSpPr>
             <p:spPr>
-              <a:xfrm>
-                <a:off x="3741434" y="2515185"/>
-                <a:ext cx="1688225" cy="1855813"/>
+              <a:xfrm rot="1583793">
+                <a:off x="3008452" y="3309710"/>
+                <a:ext cx="704321" cy="98450"/>
               </a:xfrm>
-              <a:prstGeom prst="ellipse">
+              <a:prstGeom prst="rect">
                 <a:avLst/>
               </a:prstGeom>
-              <a:noFill/>
+              <a:solidFill>
+                <a:schemeClr val="tx2">
+                  <a:lumMod val="10000"/>
+                  <a:lumOff val="90000"/>
+                </a:schemeClr>
+              </a:solidFill>
               <a:ln>
                 <a:solidFill>
                   <a:schemeClr val="tx1"/>
                 </a:solidFill>
-                <a:prstDash val="sysDash"/>
               </a:ln>
             </p:spPr>
             <p:style>
@@ -6869,7 +5006,1121 @@
               <a:lstStyle/>
               <a:p>
                 <a:pPr algn="ctr"/>
-                <a:endParaRPr lang="ko-KR" altLang="en-US" dirty="0"/>
+                <a:endParaRPr lang="ko-KR" altLang="en-US" sz="1013"/>
+              </a:p>
+            </p:txBody>
+          </p:sp>
+          <p:sp>
+            <p:nvSpPr>
+              <p:cNvPr id="11" name="직사각형 10">
+                <a:extLst>
+                  <a:ext uri="{FF2B5EF4-FFF2-40B4-BE49-F238E27FC236}">
+                    <a16:creationId xmlns:a16="http://schemas.microsoft.com/office/drawing/2014/main" id="{670C2189-AC82-6E35-1D26-4589C6FB746D}"/>
+                  </a:ext>
+                </a:extLst>
+              </p:cNvPr>
+              <p:cNvSpPr/>
+              <p:nvPr/>
+            </p:nvSpPr>
+            <p:spPr>
+              <a:xfrm rot="10800000">
+                <a:off x="1979126" y="5137988"/>
+                <a:ext cx="712781" cy="97282"/>
+              </a:xfrm>
+              <a:prstGeom prst="rect">
+                <a:avLst/>
+              </a:prstGeom>
+              <a:solidFill>
+                <a:schemeClr val="tx2">
+                  <a:lumMod val="10000"/>
+                  <a:lumOff val="90000"/>
+                </a:schemeClr>
+              </a:solidFill>
+              <a:ln>
+                <a:solidFill>
+                  <a:schemeClr val="tx1"/>
+                </a:solidFill>
+              </a:ln>
+            </p:spPr>
+            <p:style>
+              <a:lnRef idx="2">
+                <a:schemeClr val="accent1">
+                  <a:shade val="15000"/>
+                </a:schemeClr>
+              </a:lnRef>
+              <a:fillRef idx="1">
+                <a:schemeClr val="accent1"/>
+              </a:fillRef>
+              <a:effectRef idx="0">
+                <a:schemeClr val="accent1"/>
+              </a:effectRef>
+              <a:fontRef idx="minor">
+                <a:schemeClr val="lt1"/>
+              </a:fontRef>
+            </p:style>
+            <p:txBody>
+              <a:bodyPr rtlCol="0" anchor="ctr"/>
+              <a:lstStyle/>
+              <a:p>
+                <a:pPr algn="ctr"/>
+                <a:endParaRPr lang="ko-KR" altLang="en-US" sz="1013"/>
+              </a:p>
+            </p:txBody>
+          </p:sp>
+          <p:sp>
+            <p:nvSpPr>
+              <p:cNvPr id="12" name="직사각형 11">
+                <a:extLst>
+                  <a:ext uri="{FF2B5EF4-FFF2-40B4-BE49-F238E27FC236}">
+                    <a16:creationId xmlns:a16="http://schemas.microsoft.com/office/drawing/2014/main" id="{B9767F94-2149-DF97-2F4A-9F3E89C90A66}"/>
+                  </a:ext>
+                </a:extLst>
+              </p:cNvPr>
+              <p:cNvSpPr/>
+              <p:nvPr/>
+            </p:nvSpPr>
+            <p:spPr>
+              <a:xfrm rot="10800000">
+                <a:off x="2991473" y="5137988"/>
+                <a:ext cx="712781" cy="97282"/>
+              </a:xfrm>
+              <a:prstGeom prst="rect">
+                <a:avLst/>
+              </a:prstGeom>
+              <a:solidFill>
+                <a:schemeClr val="tx2">
+                  <a:lumMod val="10000"/>
+                  <a:lumOff val="90000"/>
+                </a:schemeClr>
+              </a:solidFill>
+              <a:ln>
+                <a:solidFill>
+                  <a:schemeClr val="tx1"/>
+                </a:solidFill>
+              </a:ln>
+            </p:spPr>
+            <p:style>
+              <a:lnRef idx="2">
+                <a:schemeClr val="accent1">
+                  <a:shade val="15000"/>
+                </a:schemeClr>
+              </a:lnRef>
+              <a:fillRef idx="1">
+                <a:schemeClr val="accent1"/>
+              </a:fillRef>
+              <a:effectRef idx="0">
+                <a:schemeClr val="accent1"/>
+              </a:effectRef>
+              <a:fontRef idx="minor">
+                <a:schemeClr val="lt1"/>
+              </a:fontRef>
+            </p:style>
+            <p:txBody>
+              <a:bodyPr rtlCol="0" anchor="ctr"/>
+              <a:lstStyle/>
+              <a:p>
+                <a:pPr algn="ctr"/>
+                <a:endParaRPr lang="ko-KR" altLang="en-US" sz="1013"/>
+              </a:p>
+            </p:txBody>
+          </p:sp>
+          <p:sp>
+            <p:nvSpPr>
+              <p:cNvPr id="13" name="사각형: 둥근 모서리 12">
+                <a:extLst>
+                  <a:ext uri="{FF2B5EF4-FFF2-40B4-BE49-F238E27FC236}">
+                    <a16:creationId xmlns:a16="http://schemas.microsoft.com/office/drawing/2014/main" id="{CDBF8FD0-BAD6-36C2-25D8-5A75E69CFDB2}"/>
+                  </a:ext>
+                </a:extLst>
+              </p:cNvPr>
+              <p:cNvSpPr/>
+              <p:nvPr/>
+            </p:nvSpPr>
+            <p:spPr>
+              <a:xfrm>
+                <a:off x="1904213" y="5235271"/>
+                <a:ext cx="862608" cy="619755"/>
+              </a:xfrm>
+              <a:prstGeom prst="roundRect">
+                <a:avLst/>
+              </a:prstGeom>
+              <a:solidFill>
+                <a:schemeClr val="bg1"/>
+              </a:solidFill>
+              <a:ln>
+                <a:noFill/>
+              </a:ln>
+              <a:effectLst/>
+              <a:scene3d>
+                <a:camera prst="orthographicFront"/>
+                <a:lightRig rig="threePt" dir="t"/>
+              </a:scene3d>
+              <a:sp3d prstMaterial="flat">
+                <a:bevelT w="139700" h="139700" prst="divot"/>
+              </a:sp3d>
+            </p:spPr>
+            <p:style>
+              <a:lnRef idx="2">
+                <a:schemeClr val="accent1">
+                  <a:shade val="50000"/>
+                </a:schemeClr>
+              </a:lnRef>
+              <a:fillRef idx="1">
+                <a:schemeClr val="accent1"/>
+              </a:fillRef>
+              <a:effectRef idx="0">
+                <a:schemeClr val="accent1"/>
+              </a:effectRef>
+              <a:fontRef idx="minor">
+                <a:schemeClr val="lt1"/>
+              </a:fontRef>
+            </p:style>
+            <p:txBody>
+              <a:bodyPr rtlCol="0" anchor="ctr"/>
+              <a:lstStyle/>
+              <a:p>
+                <a:pPr algn="ctr"/>
+                <a:endParaRPr lang="ko-KR" altLang="en-US" sz="1500"/>
+              </a:p>
+            </p:txBody>
+          </p:sp>
+          <p:sp>
+            <p:nvSpPr>
+              <p:cNvPr id="16" name="사각형: 둥근 모서리 15">
+                <a:extLst>
+                  <a:ext uri="{FF2B5EF4-FFF2-40B4-BE49-F238E27FC236}">
+                    <a16:creationId xmlns:a16="http://schemas.microsoft.com/office/drawing/2014/main" id="{453FB89A-5CD9-0D93-C506-B0FA7F0FB979}"/>
+                  </a:ext>
+                </a:extLst>
+              </p:cNvPr>
+              <p:cNvSpPr/>
+              <p:nvPr/>
+            </p:nvSpPr>
+            <p:spPr>
+              <a:xfrm>
+                <a:off x="2916560" y="5235271"/>
+                <a:ext cx="862608" cy="619755"/>
+              </a:xfrm>
+              <a:prstGeom prst="roundRect">
+                <a:avLst/>
+              </a:prstGeom>
+              <a:solidFill>
+                <a:schemeClr val="bg1"/>
+              </a:solidFill>
+              <a:ln>
+                <a:noFill/>
+              </a:ln>
+              <a:effectLst/>
+              <a:scene3d>
+                <a:camera prst="orthographicFront"/>
+                <a:lightRig rig="threePt" dir="t"/>
+              </a:scene3d>
+              <a:sp3d prstMaterial="flat">
+                <a:bevelT w="139700" h="139700" prst="divot"/>
+              </a:sp3d>
+            </p:spPr>
+            <p:style>
+              <a:lnRef idx="2">
+                <a:schemeClr val="accent1">
+                  <a:shade val="50000"/>
+                </a:schemeClr>
+              </a:lnRef>
+              <a:fillRef idx="1">
+                <a:schemeClr val="accent1"/>
+              </a:fillRef>
+              <a:effectRef idx="0">
+                <a:schemeClr val="accent1"/>
+              </a:effectRef>
+              <a:fontRef idx="minor">
+                <a:schemeClr val="lt1"/>
+              </a:fontRef>
+            </p:style>
+            <p:txBody>
+              <a:bodyPr rtlCol="0" anchor="ctr"/>
+              <a:lstStyle/>
+              <a:p>
+                <a:pPr algn="ctr"/>
+                <a:endParaRPr lang="ko-KR" altLang="en-US" sz="1500"/>
+              </a:p>
+            </p:txBody>
+          </p:sp>
+          <p:sp>
+            <p:nvSpPr>
+              <p:cNvPr id="19" name="직사각형 18">
+                <a:extLst>
+                  <a:ext uri="{FF2B5EF4-FFF2-40B4-BE49-F238E27FC236}">
+                    <a16:creationId xmlns:a16="http://schemas.microsoft.com/office/drawing/2014/main" id="{612BB1C5-4231-2662-6E5E-D9E3070E0E18}"/>
+                  </a:ext>
+                </a:extLst>
+              </p:cNvPr>
+              <p:cNvSpPr/>
+              <p:nvPr/>
+            </p:nvSpPr>
+            <p:spPr>
+              <a:xfrm rot="16200000">
+                <a:off x="3546904" y="4098380"/>
+                <a:ext cx="712781" cy="97282"/>
+              </a:xfrm>
+              <a:prstGeom prst="rect">
+                <a:avLst/>
+              </a:prstGeom>
+              <a:solidFill>
+                <a:schemeClr val="tx2">
+                  <a:lumMod val="10000"/>
+                  <a:lumOff val="90000"/>
+                </a:schemeClr>
+              </a:solidFill>
+              <a:ln>
+                <a:solidFill>
+                  <a:schemeClr val="tx1"/>
+                </a:solidFill>
+              </a:ln>
+            </p:spPr>
+            <p:style>
+              <a:lnRef idx="2">
+                <a:schemeClr val="accent1">
+                  <a:shade val="15000"/>
+                </a:schemeClr>
+              </a:lnRef>
+              <a:fillRef idx="1">
+                <a:schemeClr val="accent1"/>
+              </a:fillRef>
+              <a:effectRef idx="0">
+                <a:schemeClr val="accent1"/>
+              </a:effectRef>
+              <a:fontRef idx="minor">
+                <a:schemeClr val="lt1"/>
+              </a:fontRef>
+            </p:style>
+            <p:txBody>
+              <a:bodyPr rtlCol="0" anchor="ctr"/>
+              <a:lstStyle/>
+              <a:p>
+                <a:pPr algn="ctr"/>
+                <a:endParaRPr lang="ko-KR" altLang="en-US" sz="1013" dirty="0"/>
+              </a:p>
+            </p:txBody>
+          </p:sp>
+          <p:sp>
+            <p:nvSpPr>
+              <p:cNvPr id="35" name="사각형: 둥근 모서리 34">
+                <a:extLst>
+                  <a:ext uri="{FF2B5EF4-FFF2-40B4-BE49-F238E27FC236}">
+                    <a16:creationId xmlns:a16="http://schemas.microsoft.com/office/drawing/2014/main" id="{5822221A-D744-E44E-A5CB-AC1AC7328BC8}"/>
+                  </a:ext>
+                </a:extLst>
+              </p:cNvPr>
+              <p:cNvSpPr/>
+              <p:nvPr/>
+            </p:nvSpPr>
+            <p:spPr>
+              <a:xfrm>
+                <a:off x="687845" y="3625020"/>
+                <a:ext cx="1044000" cy="1044000"/>
+              </a:xfrm>
+              <a:prstGeom prst="roundRect">
+                <a:avLst/>
+              </a:prstGeom>
+              <a:solidFill>
+                <a:schemeClr val="bg1"/>
+              </a:solidFill>
+              <a:ln>
+                <a:noFill/>
+              </a:ln>
+              <a:effectLst/>
+              <a:scene3d>
+                <a:camera prst="orthographicFront"/>
+                <a:lightRig rig="threePt" dir="t"/>
+              </a:scene3d>
+              <a:sp3d prstMaterial="flat">
+                <a:bevelT w="139700" h="139700" prst="divot"/>
+              </a:sp3d>
+            </p:spPr>
+            <p:style>
+              <a:lnRef idx="2">
+                <a:schemeClr val="accent1">
+                  <a:shade val="50000"/>
+                </a:schemeClr>
+              </a:lnRef>
+              <a:fillRef idx="1">
+                <a:schemeClr val="accent1"/>
+              </a:fillRef>
+              <a:effectRef idx="0">
+                <a:schemeClr val="accent1"/>
+              </a:effectRef>
+              <a:fontRef idx="minor">
+                <a:schemeClr val="lt1"/>
+              </a:fontRef>
+            </p:style>
+            <p:txBody>
+              <a:bodyPr rtlCol="0" anchor="ctr"/>
+              <a:lstStyle/>
+              <a:p>
+                <a:pPr algn="ctr"/>
+                <a:endParaRPr lang="ko-KR" altLang="en-US" sz="1500"/>
+              </a:p>
+            </p:txBody>
+          </p:sp>
+          <p:sp>
+            <p:nvSpPr>
+              <p:cNvPr id="32" name="사각형: 둥근 모서리 31">
+                <a:extLst>
+                  <a:ext uri="{FF2B5EF4-FFF2-40B4-BE49-F238E27FC236}">
+                    <a16:creationId xmlns:a16="http://schemas.microsoft.com/office/drawing/2014/main" id="{046C95BD-BB0D-8A3A-2810-6991BC84799D}"/>
+                  </a:ext>
+                </a:extLst>
+              </p:cNvPr>
+              <p:cNvSpPr/>
+              <p:nvPr/>
+            </p:nvSpPr>
+            <p:spPr>
+              <a:xfrm rot="20016713">
+                <a:off x="1532665" y="2338583"/>
+                <a:ext cx="1044000" cy="1044000"/>
+              </a:xfrm>
+              <a:prstGeom prst="roundRect">
+                <a:avLst/>
+              </a:prstGeom>
+              <a:solidFill>
+                <a:schemeClr val="bg1"/>
+              </a:solidFill>
+              <a:ln>
+                <a:noFill/>
+              </a:ln>
+              <a:effectLst/>
+              <a:scene3d>
+                <a:camera prst="orthographicFront"/>
+                <a:lightRig rig="threePt" dir="t"/>
+              </a:scene3d>
+              <a:sp3d prstMaterial="flat">
+                <a:bevelT w="139700" h="139700" prst="divot"/>
+              </a:sp3d>
+            </p:spPr>
+            <p:style>
+              <a:lnRef idx="2">
+                <a:schemeClr val="accent1">
+                  <a:shade val="50000"/>
+                </a:schemeClr>
+              </a:lnRef>
+              <a:fillRef idx="1">
+                <a:schemeClr val="accent1"/>
+              </a:fillRef>
+              <a:effectRef idx="0">
+                <a:schemeClr val="accent1"/>
+              </a:effectRef>
+              <a:fontRef idx="minor">
+                <a:schemeClr val="lt1"/>
+              </a:fontRef>
+            </p:style>
+            <p:txBody>
+              <a:bodyPr rtlCol="0" anchor="ctr"/>
+              <a:lstStyle/>
+              <a:p>
+                <a:pPr algn="ctr"/>
+                <a:endParaRPr lang="ko-KR" altLang="en-US" sz="1500"/>
+              </a:p>
+            </p:txBody>
+          </p:sp>
+          <p:sp>
+            <p:nvSpPr>
+              <p:cNvPr id="29" name="사각형: 둥근 모서리 28">
+                <a:extLst>
+                  <a:ext uri="{FF2B5EF4-FFF2-40B4-BE49-F238E27FC236}">
+                    <a16:creationId xmlns:a16="http://schemas.microsoft.com/office/drawing/2014/main" id="{FC859FB2-B793-19A1-0067-A99DEA40787F}"/>
+                  </a:ext>
+                </a:extLst>
+              </p:cNvPr>
+              <p:cNvSpPr/>
+              <p:nvPr/>
+            </p:nvSpPr>
+            <p:spPr>
+              <a:xfrm rot="1600827">
+                <a:off x="3098846" y="2333987"/>
+                <a:ext cx="1044000" cy="1044000"/>
+              </a:xfrm>
+              <a:prstGeom prst="roundRect">
+                <a:avLst/>
+              </a:prstGeom>
+              <a:solidFill>
+                <a:schemeClr val="bg1"/>
+              </a:solidFill>
+              <a:ln>
+                <a:noFill/>
+              </a:ln>
+              <a:effectLst/>
+              <a:scene3d>
+                <a:camera prst="orthographicFront"/>
+                <a:lightRig rig="threePt" dir="t"/>
+              </a:scene3d>
+              <a:sp3d prstMaterial="flat">
+                <a:bevelT w="139700" h="139700" prst="divot"/>
+              </a:sp3d>
+            </p:spPr>
+            <p:style>
+              <a:lnRef idx="2">
+                <a:schemeClr val="accent1">
+                  <a:shade val="50000"/>
+                </a:schemeClr>
+              </a:lnRef>
+              <a:fillRef idx="1">
+                <a:schemeClr val="accent1"/>
+              </a:fillRef>
+              <a:effectRef idx="0">
+                <a:schemeClr val="accent1"/>
+              </a:effectRef>
+              <a:fontRef idx="minor">
+                <a:schemeClr val="lt1"/>
+              </a:fontRef>
+            </p:style>
+            <p:txBody>
+              <a:bodyPr rtlCol="0" anchor="ctr"/>
+              <a:lstStyle/>
+              <a:p>
+                <a:pPr algn="ctr"/>
+                <a:endParaRPr lang="ko-KR" altLang="en-US" sz="1500" dirty="0"/>
+              </a:p>
+            </p:txBody>
+          </p:sp>
+          <p:sp>
+            <p:nvSpPr>
+              <p:cNvPr id="26" name="사각형: 둥근 모서리 25">
+                <a:extLst>
+                  <a:ext uri="{FF2B5EF4-FFF2-40B4-BE49-F238E27FC236}">
+                    <a16:creationId xmlns:a16="http://schemas.microsoft.com/office/drawing/2014/main" id="{F22202E4-3BC9-DBBE-215D-0A3B518B4FEE}"/>
+                  </a:ext>
+                </a:extLst>
+              </p:cNvPr>
+              <p:cNvSpPr/>
+              <p:nvPr/>
+            </p:nvSpPr>
+            <p:spPr>
+              <a:xfrm>
+                <a:off x="3951936" y="3625020"/>
+                <a:ext cx="1044000" cy="1044000"/>
+              </a:xfrm>
+              <a:prstGeom prst="roundRect">
+                <a:avLst/>
+              </a:prstGeom>
+              <a:solidFill>
+                <a:schemeClr val="bg1"/>
+              </a:solidFill>
+              <a:ln>
+                <a:noFill/>
+              </a:ln>
+              <a:effectLst/>
+              <a:scene3d>
+                <a:camera prst="orthographicFront"/>
+                <a:lightRig rig="threePt" dir="t"/>
+              </a:scene3d>
+              <a:sp3d prstMaterial="flat">
+                <a:bevelT w="139700" h="139700" prst="divot"/>
+              </a:sp3d>
+            </p:spPr>
+            <p:style>
+              <a:lnRef idx="2">
+                <a:schemeClr val="accent1">
+                  <a:shade val="50000"/>
+                </a:schemeClr>
+              </a:lnRef>
+              <a:fillRef idx="1">
+                <a:schemeClr val="accent1"/>
+              </a:fillRef>
+              <a:effectRef idx="0">
+                <a:schemeClr val="accent1"/>
+              </a:effectRef>
+              <a:fontRef idx="minor">
+                <a:schemeClr val="lt1"/>
+              </a:fontRef>
+            </p:style>
+            <p:txBody>
+              <a:bodyPr rtlCol="0" anchor="ctr"/>
+              <a:lstStyle/>
+              <a:p>
+                <a:pPr algn="ctr"/>
+                <a:endParaRPr lang="ko-KR" altLang="en-US" sz="1500"/>
+              </a:p>
+            </p:txBody>
+          </p:sp>
+          <p:sp>
+            <p:nvSpPr>
+              <p:cNvPr id="24" name="직사각형 23">
+                <a:extLst>
+                  <a:ext uri="{FF2B5EF4-FFF2-40B4-BE49-F238E27FC236}">
+                    <a16:creationId xmlns:a16="http://schemas.microsoft.com/office/drawing/2014/main" id="{ADB1AB5D-D091-801B-A628-3FCDF27406FE}"/>
+                  </a:ext>
+                </a:extLst>
+              </p:cNvPr>
+              <p:cNvSpPr/>
+              <p:nvPr/>
+            </p:nvSpPr>
+            <p:spPr>
+              <a:xfrm rot="10800000">
+                <a:off x="1979125" y="5851075"/>
+                <a:ext cx="712781" cy="97282"/>
+              </a:xfrm>
+              <a:prstGeom prst="rect">
+                <a:avLst/>
+              </a:prstGeom>
+              <a:solidFill>
+                <a:schemeClr val="tx2">
+                  <a:lumMod val="10000"/>
+                  <a:lumOff val="90000"/>
+                </a:schemeClr>
+              </a:solidFill>
+              <a:ln>
+                <a:solidFill>
+                  <a:schemeClr val="tx1"/>
+                </a:solidFill>
+              </a:ln>
+            </p:spPr>
+            <p:style>
+              <a:lnRef idx="2">
+                <a:schemeClr val="accent1">
+                  <a:shade val="15000"/>
+                </a:schemeClr>
+              </a:lnRef>
+              <a:fillRef idx="1">
+                <a:schemeClr val="accent1"/>
+              </a:fillRef>
+              <a:effectRef idx="0">
+                <a:schemeClr val="accent1"/>
+              </a:effectRef>
+              <a:fontRef idx="minor">
+                <a:schemeClr val="lt1"/>
+              </a:fontRef>
+            </p:style>
+            <p:txBody>
+              <a:bodyPr rtlCol="0" anchor="ctr"/>
+              <a:lstStyle/>
+              <a:p>
+                <a:pPr algn="ctr"/>
+                <a:endParaRPr lang="ko-KR" altLang="en-US" sz="1013"/>
+              </a:p>
+            </p:txBody>
+          </p:sp>
+          <p:sp>
+            <p:nvSpPr>
+              <p:cNvPr id="25" name="직사각형 24">
+                <a:extLst>
+                  <a:ext uri="{FF2B5EF4-FFF2-40B4-BE49-F238E27FC236}">
+                    <a16:creationId xmlns:a16="http://schemas.microsoft.com/office/drawing/2014/main" id="{A5F3E81B-E064-A30C-3429-867EF6624261}"/>
+                  </a:ext>
+                </a:extLst>
+              </p:cNvPr>
+              <p:cNvSpPr/>
+              <p:nvPr/>
+            </p:nvSpPr>
+            <p:spPr>
+              <a:xfrm rot="10800000">
+                <a:off x="2993985" y="5851075"/>
+                <a:ext cx="712781" cy="97282"/>
+              </a:xfrm>
+              <a:prstGeom prst="rect">
+                <a:avLst/>
+              </a:prstGeom>
+              <a:solidFill>
+                <a:schemeClr val="tx2">
+                  <a:lumMod val="10000"/>
+                  <a:lumOff val="90000"/>
+                </a:schemeClr>
+              </a:solidFill>
+              <a:ln>
+                <a:solidFill>
+                  <a:schemeClr val="tx1"/>
+                </a:solidFill>
+              </a:ln>
+            </p:spPr>
+            <p:style>
+              <a:lnRef idx="2">
+                <a:schemeClr val="accent1">
+                  <a:shade val="15000"/>
+                </a:schemeClr>
+              </a:lnRef>
+              <a:fillRef idx="1">
+                <a:schemeClr val="accent1"/>
+              </a:fillRef>
+              <a:effectRef idx="0">
+                <a:schemeClr val="accent1"/>
+              </a:effectRef>
+              <a:fontRef idx="minor">
+                <a:schemeClr val="lt1"/>
+              </a:fontRef>
+            </p:style>
+            <p:txBody>
+              <a:bodyPr rtlCol="0" anchor="ctr"/>
+              <a:lstStyle/>
+              <a:p>
+                <a:pPr algn="ctr"/>
+                <a:endParaRPr lang="ko-KR" altLang="en-US" sz="1013"/>
+              </a:p>
+            </p:txBody>
+          </p:sp>
+          <p:sp>
+            <p:nvSpPr>
+              <p:cNvPr id="82" name="직사각형 81">
+                <a:extLst>
+                  <a:ext uri="{FF2B5EF4-FFF2-40B4-BE49-F238E27FC236}">
+                    <a16:creationId xmlns:a16="http://schemas.microsoft.com/office/drawing/2014/main" id="{184E9E63-FB97-9FA4-3A31-57EDEDD04FD0}"/>
+                  </a:ext>
+                </a:extLst>
+              </p:cNvPr>
+              <p:cNvSpPr/>
+              <p:nvPr/>
+            </p:nvSpPr>
+            <p:spPr>
+              <a:xfrm rot="16200000">
+                <a:off x="1422005" y="4097962"/>
+                <a:ext cx="712781" cy="97282"/>
+              </a:xfrm>
+              <a:prstGeom prst="rect">
+                <a:avLst/>
+              </a:prstGeom>
+              <a:solidFill>
+                <a:schemeClr val="tx2">
+                  <a:lumMod val="10000"/>
+                  <a:lumOff val="90000"/>
+                </a:schemeClr>
+              </a:solidFill>
+              <a:ln>
+                <a:solidFill>
+                  <a:schemeClr val="bg1">
+                    <a:lumMod val="75000"/>
+                  </a:schemeClr>
+                </a:solidFill>
+              </a:ln>
+              <a:scene3d>
+                <a:camera prst="orthographicFront"/>
+                <a:lightRig rig="threePt" dir="t"/>
+              </a:scene3d>
+              <a:sp3d>
+                <a:bevelT w="1270000" h="101600" prst="angle"/>
+                <a:bevelB w="1270000" h="0"/>
+              </a:sp3d>
+            </p:spPr>
+            <p:style>
+              <a:lnRef idx="2">
+                <a:schemeClr val="accent1">
+                  <a:shade val="15000"/>
+                </a:schemeClr>
+              </a:lnRef>
+              <a:fillRef idx="1">
+                <a:schemeClr val="accent1"/>
+              </a:fillRef>
+              <a:effectRef idx="0">
+                <a:schemeClr val="accent1"/>
+              </a:effectRef>
+              <a:fontRef idx="minor">
+                <a:schemeClr val="lt1"/>
+              </a:fontRef>
+            </p:style>
+            <p:txBody>
+              <a:bodyPr rtlCol="0" anchor="ctr"/>
+              <a:lstStyle/>
+              <a:p>
+                <a:pPr algn="ctr"/>
+                <a:endParaRPr lang="ko-KR" altLang="en-US" sz="1013" dirty="0"/>
+              </a:p>
+            </p:txBody>
+          </p:sp>
+          <p:sp>
+            <p:nvSpPr>
+              <p:cNvPr id="83" name="직사각형 82">
+                <a:extLst>
+                  <a:ext uri="{FF2B5EF4-FFF2-40B4-BE49-F238E27FC236}">
+                    <a16:creationId xmlns:a16="http://schemas.microsoft.com/office/drawing/2014/main" id="{999A2466-858D-F305-DDC2-B2E5C1EE0967}"/>
+                  </a:ext>
+                </a:extLst>
+              </p:cNvPr>
+              <p:cNvSpPr/>
+              <p:nvPr/>
+            </p:nvSpPr>
+            <p:spPr>
+              <a:xfrm rot="1583793">
+                <a:off x="3006361" y="3309294"/>
+                <a:ext cx="704321" cy="98450"/>
+              </a:xfrm>
+              <a:prstGeom prst="rect">
+                <a:avLst/>
+              </a:prstGeom>
+              <a:solidFill>
+                <a:schemeClr val="tx2">
+                  <a:lumMod val="10000"/>
+                  <a:lumOff val="90000"/>
+                </a:schemeClr>
+              </a:solidFill>
+              <a:ln>
+                <a:solidFill>
+                  <a:schemeClr val="bg1">
+                    <a:lumMod val="75000"/>
+                  </a:schemeClr>
+                </a:solidFill>
+              </a:ln>
+              <a:scene3d>
+                <a:camera prst="orthographicFront"/>
+                <a:lightRig rig="threePt" dir="t"/>
+              </a:scene3d>
+              <a:sp3d>
+                <a:bevelT w="1270000" h="101600" prst="angle"/>
+                <a:bevelB w="1270000" h="0"/>
+              </a:sp3d>
+            </p:spPr>
+            <p:style>
+              <a:lnRef idx="2">
+                <a:schemeClr val="accent1">
+                  <a:shade val="15000"/>
+                </a:schemeClr>
+              </a:lnRef>
+              <a:fillRef idx="1">
+                <a:schemeClr val="accent1"/>
+              </a:fillRef>
+              <a:effectRef idx="0">
+                <a:schemeClr val="accent1"/>
+              </a:effectRef>
+              <a:fontRef idx="minor">
+                <a:schemeClr val="lt1"/>
+              </a:fontRef>
+            </p:style>
+            <p:txBody>
+              <a:bodyPr rtlCol="0" anchor="ctr"/>
+              <a:lstStyle/>
+              <a:p>
+                <a:pPr algn="ctr"/>
+                <a:endParaRPr lang="ko-KR" altLang="en-US" sz="1013"/>
+              </a:p>
+            </p:txBody>
+          </p:sp>
+          <p:sp>
+            <p:nvSpPr>
+              <p:cNvPr id="84" name="직사각형 83">
+                <a:extLst>
+                  <a:ext uri="{FF2B5EF4-FFF2-40B4-BE49-F238E27FC236}">
+                    <a16:creationId xmlns:a16="http://schemas.microsoft.com/office/drawing/2014/main" id="{E277BBDA-DE5E-6F53-2535-80DE4A8B7469}"/>
+                  </a:ext>
+                </a:extLst>
+              </p:cNvPr>
+              <p:cNvSpPr/>
+              <p:nvPr/>
+            </p:nvSpPr>
+            <p:spPr>
+              <a:xfrm rot="10800000">
+                <a:off x="1977035" y="5137572"/>
+                <a:ext cx="712781" cy="97282"/>
+              </a:xfrm>
+              <a:prstGeom prst="rect">
+                <a:avLst/>
+              </a:prstGeom>
+              <a:solidFill>
+                <a:schemeClr val="tx2">
+                  <a:lumMod val="10000"/>
+                  <a:lumOff val="90000"/>
+                </a:schemeClr>
+              </a:solidFill>
+              <a:ln>
+                <a:solidFill>
+                  <a:schemeClr val="bg1">
+                    <a:lumMod val="75000"/>
+                  </a:schemeClr>
+                </a:solidFill>
+              </a:ln>
+              <a:scene3d>
+                <a:camera prst="orthographicFront"/>
+                <a:lightRig rig="threePt" dir="t"/>
+              </a:scene3d>
+              <a:sp3d>
+                <a:bevelT w="1270000" h="101600" prst="angle"/>
+                <a:bevelB w="1270000" h="0"/>
+              </a:sp3d>
+            </p:spPr>
+            <p:style>
+              <a:lnRef idx="2">
+                <a:schemeClr val="accent1">
+                  <a:shade val="15000"/>
+                </a:schemeClr>
+              </a:lnRef>
+              <a:fillRef idx="1">
+                <a:schemeClr val="accent1"/>
+              </a:fillRef>
+              <a:effectRef idx="0">
+                <a:schemeClr val="accent1"/>
+              </a:effectRef>
+              <a:fontRef idx="minor">
+                <a:schemeClr val="lt1"/>
+              </a:fontRef>
+            </p:style>
+            <p:txBody>
+              <a:bodyPr rtlCol="0" anchor="ctr"/>
+              <a:lstStyle/>
+              <a:p>
+                <a:pPr algn="ctr"/>
+                <a:endParaRPr lang="ko-KR" altLang="en-US" sz="1013"/>
+              </a:p>
+            </p:txBody>
+          </p:sp>
+          <p:sp>
+            <p:nvSpPr>
+              <p:cNvPr id="85" name="직사각형 84">
+                <a:extLst>
+                  <a:ext uri="{FF2B5EF4-FFF2-40B4-BE49-F238E27FC236}">
+                    <a16:creationId xmlns:a16="http://schemas.microsoft.com/office/drawing/2014/main" id="{D26DC1A1-07F4-693D-449D-DE12A6E0320E}"/>
+                  </a:ext>
+                </a:extLst>
+              </p:cNvPr>
+              <p:cNvSpPr/>
+              <p:nvPr/>
+            </p:nvSpPr>
+            <p:spPr>
+              <a:xfrm rot="10800000">
+                <a:off x="2989382" y="5137572"/>
+                <a:ext cx="712781" cy="97282"/>
+              </a:xfrm>
+              <a:prstGeom prst="rect">
+                <a:avLst/>
+              </a:prstGeom>
+              <a:solidFill>
+                <a:schemeClr val="tx2">
+                  <a:lumMod val="10000"/>
+                  <a:lumOff val="90000"/>
+                </a:schemeClr>
+              </a:solidFill>
+              <a:ln>
+                <a:solidFill>
+                  <a:schemeClr val="bg1">
+                    <a:lumMod val="75000"/>
+                  </a:schemeClr>
+                </a:solidFill>
+              </a:ln>
+              <a:scene3d>
+                <a:camera prst="orthographicFront"/>
+                <a:lightRig rig="threePt" dir="t"/>
+              </a:scene3d>
+              <a:sp3d>
+                <a:bevelT w="1270000" h="101600" prst="angle"/>
+                <a:bevelB w="1270000" h="0"/>
+              </a:sp3d>
+            </p:spPr>
+            <p:style>
+              <a:lnRef idx="2">
+                <a:schemeClr val="accent1">
+                  <a:shade val="15000"/>
+                </a:schemeClr>
+              </a:lnRef>
+              <a:fillRef idx="1">
+                <a:schemeClr val="accent1"/>
+              </a:fillRef>
+              <a:effectRef idx="0">
+                <a:schemeClr val="accent1"/>
+              </a:effectRef>
+              <a:fontRef idx="minor">
+                <a:schemeClr val="lt1"/>
+              </a:fontRef>
+            </p:style>
+            <p:txBody>
+              <a:bodyPr rtlCol="0" anchor="ctr"/>
+              <a:lstStyle/>
+              <a:p>
+                <a:pPr algn="ctr"/>
+                <a:endParaRPr lang="ko-KR" altLang="en-US" sz="1013"/>
+              </a:p>
+            </p:txBody>
+          </p:sp>
+          <p:sp>
+            <p:nvSpPr>
+              <p:cNvPr id="86" name="직사각형 85">
+                <a:extLst>
+                  <a:ext uri="{FF2B5EF4-FFF2-40B4-BE49-F238E27FC236}">
+                    <a16:creationId xmlns:a16="http://schemas.microsoft.com/office/drawing/2014/main" id="{45C7A4DD-009C-4FA8-F780-B473031C7474}"/>
+                  </a:ext>
+                </a:extLst>
+              </p:cNvPr>
+              <p:cNvSpPr/>
+              <p:nvPr/>
+            </p:nvSpPr>
+            <p:spPr>
+              <a:xfrm rot="16200000">
+                <a:off x="3544813" y="4097964"/>
+                <a:ext cx="712781" cy="97282"/>
+              </a:xfrm>
+              <a:prstGeom prst="rect">
+                <a:avLst/>
+              </a:prstGeom>
+              <a:solidFill>
+                <a:schemeClr val="tx2">
+                  <a:lumMod val="10000"/>
+                  <a:lumOff val="90000"/>
+                </a:schemeClr>
+              </a:solidFill>
+              <a:ln>
+                <a:solidFill>
+                  <a:schemeClr val="bg1">
+                    <a:lumMod val="75000"/>
+                  </a:schemeClr>
+                </a:solidFill>
+              </a:ln>
+              <a:scene3d>
+                <a:camera prst="orthographicFront"/>
+                <a:lightRig rig="threePt" dir="t"/>
+              </a:scene3d>
+              <a:sp3d>
+                <a:bevelT w="1270000" h="101600" prst="angle"/>
+                <a:bevelB w="1270000" h="0"/>
+              </a:sp3d>
+            </p:spPr>
+            <p:style>
+              <a:lnRef idx="2">
+                <a:schemeClr val="accent1">
+                  <a:shade val="15000"/>
+                </a:schemeClr>
+              </a:lnRef>
+              <a:fillRef idx="1">
+                <a:schemeClr val="accent1"/>
+              </a:fillRef>
+              <a:effectRef idx="0">
+                <a:schemeClr val="accent1"/>
+              </a:effectRef>
+              <a:fontRef idx="minor">
+                <a:schemeClr val="lt1"/>
+              </a:fontRef>
+            </p:style>
+            <p:txBody>
+              <a:bodyPr rtlCol="0" anchor="ctr"/>
+              <a:lstStyle/>
+              <a:p>
+                <a:pPr algn="ctr"/>
+                <a:endParaRPr lang="ko-KR" altLang="en-US" sz="1013" dirty="0"/>
+              </a:p>
+            </p:txBody>
+          </p:sp>
+          <p:sp>
+            <p:nvSpPr>
+              <p:cNvPr id="87" name="직사각형 86">
+                <a:extLst>
+                  <a:ext uri="{FF2B5EF4-FFF2-40B4-BE49-F238E27FC236}">
+                    <a16:creationId xmlns:a16="http://schemas.microsoft.com/office/drawing/2014/main" id="{5D37F62F-5295-868E-8BE6-2E03262F7FEB}"/>
+                  </a:ext>
+                </a:extLst>
+              </p:cNvPr>
+              <p:cNvSpPr/>
+              <p:nvPr/>
+            </p:nvSpPr>
+            <p:spPr>
+              <a:xfrm rot="10800000">
+                <a:off x="1977034" y="5850659"/>
+                <a:ext cx="712781" cy="97282"/>
+              </a:xfrm>
+              <a:prstGeom prst="rect">
+                <a:avLst/>
+              </a:prstGeom>
+              <a:solidFill>
+                <a:schemeClr val="tx2">
+                  <a:lumMod val="10000"/>
+                  <a:lumOff val="90000"/>
+                </a:schemeClr>
+              </a:solidFill>
+              <a:ln>
+                <a:solidFill>
+                  <a:schemeClr val="bg1">
+                    <a:lumMod val="75000"/>
+                  </a:schemeClr>
+                </a:solidFill>
+              </a:ln>
+              <a:scene3d>
+                <a:camera prst="orthographicFront"/>
+                <a:lightRig rig="threePt" dir="t"/>
+              </a:scene3d>
+              <a:sp3d>
+                <a:bevelT w="1270000" h="101600" prst="angle"/>
+                <a:bevelB w="1270000" h="0"/>
+              </a:sp3d>
+            </p:spPr>
+            <p:style>
+              <a:lnRef idx="2">
+                <a:schemeClr val="accent1">
+                  <a:shade val="15000"/>
+                </a:schemeClr>
+              </a:lnRef>
+              <a:fillRef idx="1">
+                <a:schemeClr val="accent1"/>
+              </a:fillRef>
+              <a:effectRef idx="0">
+                <a:schemeClr val="accent1"/>
+              </a:effectRef>
+              <a:fontRef idx="minor">
+                <a:schemeClr val="lt1"/>
+              </a:fontRef>
+            </p:style>
+            <p:txBody>
+              <a:bodyPr rtlCol="0" anchor="ctr"/>
+              <a:lstStyle/>
+              <a:p>
+                <a:pPr algn="ctr"/>
+                <a:endParaRPr lang="ko-KR" altLang="en-US" sz="1013"/>
+              </a:p>
+            </p:txBody>
+          </p:sp>
+          <p:sp>
+            <p:nvSpPr>
+              <p:cNvPr id="88" name="직사각형 87">
+                <a:extLst>
+                  <a:ext uri="{FF2B5EF4-FFF2-40B4-BE49-F238E27FC236}">
+                    <a16:creationId xmlns:a16="http://schemas.microsoft.com/office/drawing/2014/main" id="{FEE9F76B-333B-5341-BEA7-E359F4DFEF27}"/>
+                  </a:ext>
+                </a:extLst>
+              </p:cNvPr>
+              <p:cNvSpPr/>
+              <p:nvPr/>
+            </p:nvSpPr>
+            <p:spPr>
+              <a:xfrm rot="10800000">
+                <a:off x="2991894" y="5850659"/>
+                <a:ext cx="712781" cy="97282"/>
+              </a:xfrm>
+              <a:prstGeom prst="rect">
+                <a:avLst/>
+              </a:prstGeom>
+              <a:solidFill>
+                <a:schemeClr val="tx2">
+                  <a:lumMod val="10000"/>
+                  <a:lumOff val="90000"/>
+                </a:schemeClr>
+              </a:solidFill>
+              <a:ln>
+                <a:solidFill>
+                  <a:schemeClr val="bg1">
+                    <a:lumMod val="75000"/>
+                  </a:schemeClr>
+                </a:solidFill>
+              </a:ln>
+              <a:scene3d>
+                <a:camera prst="orthographicFront"/>
+                <a:lightRig rig="threePt" dir="t"/>
+              </a:scene3d>
+              <a:sp3d>
+                <a:bevelT w="1270000" h="101600" prst="angle"/>
+                <a:bevelB w="1270000" h="0"/>
+              </a:sp3d>
+            </p:spPr>
+            <p:style>
+              <a:lnRef idx="2">
+                <a:schemeClr val="accent1">
+                  <a:shade val="15000"/>
+                </a:schemeClr>
+              </a:lnRef>
+              <a:fillRef idx="1">
+                <a:schemeClr val="accent1"/>
+              </a:fillRef>
+              <a:effectRef idx="0">
+                <a:schemeClr val="accent1"/>
+              </a:effectRef>
+              <a:fontRef idx="minor">
+                <a:schemeClr val="lt1"/>
+              </a:fontRef>
+            </p:style>
+            <p:txBody>
+              <a:bodyPr rtlCol="0" anchor="ctr"/>
+              <a:lstStyle/>
+              <a:p>
+                <a:pPr algn="ctr"/>
+                <a:endParaRPr lang="ko-KR" altLang="en-US" sz="1013"/>
               </a:p>
             </p:txBody>
           </p:sp>
@@ -6929,42 +6180,6 @@
           </p:txBody>
         </p:sp>
       </p:grpSp>
-      <p:pic>
-        <p:nvPicPr>
-          <p:cNvPr id="68" name="그림 67" descr="화이트, 디자인이(가) 표시된 사진&#10;&#10;AI 생성 콘텐츠는 정확하지 않을 수 있습니다.">
-            <a:extLst>
-              <a:ext uri="{FF2B5EF4-FFF2-40B4-BE49-F238E27FC236}">
-                <a16:creationId xmlns:a16="http://schemas.microsoft.com/office/drawing/2014/main" id="{5A5F51B9-F0BD-FB1D-69F3-D2BF9576A42B}"/>
-              </a:ext>
-            </a:extLst>
-          </p:cNvPr>
-          <p:cNvPicPr>
-            <a:picLocks noChangeAspect="1"/>
-          </p:cNvPicPr>
-          <p:nvPr/>
-        </p:nvPicPr>
-        <p:blipFill>
-          <a:blip r:embed="rId2">
-            <a:extLst>
-              <a:ext uri="{28A0092B-C50C-407E-A947-70E740481C1C}">
-                <a14:useLocalDpi xmlns:a14="http://schemas.microsoft.com/office/drawing/2010/main" val="0"/>
-              </a:ext>
-            </a:extLst>
-          </a:blip>
-          <a:stretch>
-            <a:fillRect/>
-          </a:stretch>
-        </p:blipFill>
-        <p:spPr>
-          <a:xfrm>
-            <a:off x="9902721" y="2656229"/>
-            <a:ext cx="318658" cy="271552"/>
-          </a:xfrm>
-          <a:prstGeom prst="rect">
-            <a:avLst/>
-          </a:prstGeom>
-        </p:spPr>
-      </p:pic>
       <p:sp>
         <p:nvSpPr>
           <p:cNvPr id="2" name="타원 1">
@@ -6999,9 +6214,11 @@
           </a:ln>
           <a:scene3d>
             <a:camera prst="orthographicFront"/>
-            <a:lightRig rig="threePt" dir="t"/>
+            <a:lightRig rig="threePt" dir="t">
+              <a:rot lat="0" lon="0" rev="2700000"/>
+            </a:lightRig>
           </a:scene3d>
-          <a:sp3d>
+          <a:sp3d prstMaterial="softEdge">
             <a:bevelT w="114300" prst="hardEdge"/>
           </a:sp3d>
         </p:spPr>
@@ -7032,10 +6249,10 @@
       </p:sp>
       <p:grpSp>
         <p:nvGrpSpPr>
-          <p:cNvPr id="80" name="그룹 79">
+          <p:cNvPr id="97" name="그룹 96">
             <a:extLst>
               <a:ext uri="{FF2B5EF4-FFF2-40B4-BE49-F238E27FC236}">
-                <a16:creationId xmlns:a16="http://schemas.microsoft.com/office/drawing/2014/main" id="{C3356E13-9E72-EBBC-053D-1CA397C8197B}"/>
+                <a16:creationId xmlns:a16="http://schemas.microsoft.com/office/drawing/2014/main" id="{EE1E3DA7-0339-AE44-2544-D3D5F885ACD6}"/>
               </a:ext>
             </a:extLst>
           </p:cNvPr>
@@ -7044,9 +6261,9 @@
         </p:nvGrpSpPr>
         <p:grpSpPr>
           <a:xfrm>
-            <a:off x="8166822" y="4513762"/>
+            <a:off x="8166816" y="4500651"/>
             <a:ext cx="768574" cy="67492"/>
-            <a:chOff x="7326313" y="4325793"/>
+            <a:chOff x="8166816" y="4500651"/>
             <a:chExt cx="768574" cy="67492"/>
           </a:xfrm>
         </p:grpSpPr>
@@ -7064,7 +6281,7 @@
           </p:nvSpPr>
           <p:spPr>
             <a:xfrm rot="10800000">
-              <a:off x="7905433" y="4325793"/>
+              <a:off x="8745936" y="4500651"/>
               <a:ext cx="189454" cy="67492"/>
             </a:xfrm>
             <a:custGeom>
@@ -7318,14 +6535,14 @@
           </p:nvSpPr>
           <p:spPr>
             <a:xfrm rot="10800000">
-              <a:off x="7326313" y="4346017"/>
+              <a:off x="8166816" y="4520875"/>
               <a:ext cx="579120" cy="29482"/>
             </a:xfrm>
             <a:prstGeom prst="rect">
               <a:avLst/>
             </a:prstGeom>
             <a:solidFill>
-              <a:schemeClr val="bg2"/>
+              <a:srgbClr val="F3F3F3"/>
             </a:solidFill>
             <a:ln>
               <a:solidFill>
@@ -7381,7 +6598,7 @@
           </p:nvSpPr>
           <p:spPr>
             <a:xfrm rot="10800000">
-              <a:off x="7844513" y="4357158"/>
+              <a:off x="8685016" y="4532016"/>
               <a:ext cx="25200" cy="3600"/>
             </a:xfrm>
             <a:prstGeom prst="ellipse">
@@ -7454,7 +6671,7 @@
             <a:avLst/>
           </a:prstGeom>
           <a:solidFill>
-            <a:schemeClr val="bg2"/>
+            <a:srgbClr val="F3F3F3"/>
           </a:solidFill>
           <a:ln>
             <a:solidFill>
@@ -7493,6 +6710,129 @@
           <a:p>
             <a:pPr algn="ctr"/>
             <a:endParaRPr lang="ko-KR" altLang="en-US"/>
+          </a:p>
+        </p:txBody>
+      </p:sp>
+      <p:sp>
+        <p:nvSpPr>
+          <p:cNvPr id="91" name="육각형 90">
+            <a:extLst>
+              <a:ext uri="{FF2B5EF4-FFF2-40B4-BE49-F238E27FC236}">
+                <a16:creationId xmlns:a16="http://schemas.microsoft.com/office/drawing/2014/main" id="{EA49EC0B-2B4B-1184-2907-41C2429EF1B9}"/>
+              </a:ext>
+            </a:extLst>
+          </p:cNvPr>
+          <p:cNvSpPr/>
+          <p:nvPr/>
+        </p:nvSpPr>
+        <p:spPr>
+          <a:xfrm rot="16200000">
+            <a:off x="8238744" y="3584448"/>
+            <a:ext cx="579120" cy="579600"/>
+          </a:xfrm>
+          <a:prstGeom prst="hexagon">
+            <a:avLst/>
+          </a:prstGeom>
+          <a:solidFill>
+            <a:schemeClr val="bg2">
+              <a:lumMod val="90000"/>
+            </a:schemeClr>
+          </a:solidFill>
+          <a:ln>
+            <a:solidFill>
+              <a:schemeClr val="bg2"/>
+            </a:solidFill>
+          </a:ln>
+          <a:scene3d>
+            <a:camera prst="orthographicFront"/>
+            <a:lightRig rig="threePt" dir="t"/>
+          </a:scene3d>
+          <a:sp3d>
+            <a:bevelT w="165100" prst="coolSlant"/>
+          </a:sp3d>
+        </p:spPr>
+        <p:style>
+          <a:lnRef idx="2">
+            <a:schemeClr val="accent1">
+              <a:shade val="15000"/>
+            </a:schemeClr>
+          </a:lnRef>
+          <a:fillRef idx="1">
+            <a:schemeClr val="accent1"/>
+          </a:fillRef>
+          <a:effectRef idx="0">
+            <a:schemeClr val="accent1"/>
+          </a:effectRef>
+          <a:fontRef idx="minor">
+            <a:schemeClr val="lt1"/>
+          </a:fontRef>
+        </p:style>
+        <p:txBody>
+          <a:bodyPr rtlCol="0" anchor="ctr"/>
+          <a:lstStyle/>
+          <a:p>
+            <a:pPr algn="ctr"/>
+            <a:endParaRPr lang="ko-KR" altLang="en-US"/>
+          </a:p>
+        </p:txBody>
+      </p:sp>
+      <p:sp>
+        <p:nvSpPr>
+          <p:cNvPr id="94" name="육각형 93">
+            <a:extLst>
+              <a:ext uri="{FF2B5EF4-FFF2-40B4-BE49-F238E27FC236}">
+                <a16:creationId xmlns:a16="http://schemas.microsoft.com/office/drawing/2014/main" id="{8C4717DD-28E1-3223-1AEF-5FCD4ADEE59E}"/>
+              </a:ext>
+            </a:extLst>
+          </p:cNvPr>
+          <p:cNvSpPr/>
+          <p:nvPr/>
+        </p:nvSpPr>
+        <p:spPr>
+          <a:xfrm>
+            <a:off x="8166816" y="323911"/>
+            <a:ext cx="3575402" cy="3082243"/>
+          </a:xfrm>
+          <a:prstGeom prst="hexagon">
+            <a:avLst/>
+          </a:prstGeom>
+          <a:solidFill>
+            <a:schemeClr val="bg1"/>
+          </a:solidFill>
+          <a:ln>
+            <a:noFill/>
+          </a:ln>
+          <a:effectLst/>
+          <a:scene3d>
+            <a:camera prst="orthographicFront"/>
+            <a:lightRig rig="threePt" dir="t"/>
+          </a:scene3d>
+          <a:sp3d prstMaterial="flat">
+            <a:bevelT w="139700" h="139700" prst="divot"/>
+          </a:sp3d>
+        </p:spPr>
+        <p:style>
+          <a:lnRef idx="2">
+            <a:schemeClr val="accent1">
+              <a:shade val="50000"/>
+            </a:schemeClr>
+          </a:lnRef>
+          <a:fillRef idx="1">
+            <a:schemeClr val="accent1"/>
+          </a:fillRef>
+          <a:effectRef idx="0">
+            <a:schemeClr val="accent1"/>
+          </a:effectRef>
+          <a:fontRef idx="minor">
+            <a:schemeClr val="lt1"/>
+          </a:fontRef>
+        </p:style>
+        <p:txBody>
+          <a:bodyPr rtlCol="0" anchor="ctr"/>
+          <a:lstStyle/>
+          <a:p>
+            <a:pPr algn="ctr"/>
+            <a:endParaRPr lang="ko-KR" altLang="en-US" sz="1500" dirty="0"/>
           </a:p>
         </p:txBody>
       </p:sp>
@@ -9367,6 +8707,246 @@
     <p:extLst>
       <p:ext uri="{BB962C8B-B14F-4D97-AF65-F5344CB8AC3E}">
         <p14:creationId xmlns:p14="http://schemas.microsoft.com/office/powerpoint/2010/main" val="1457690181"/>
+      </p:ext>
+    </p:extLst>
+  </p:cSld>
+  <p:clrMapOvr>
+    <a:masterClrMapping/>
+  </p:clrMapOvr>
+</p:sld>
+</file>
+
+<file path=ppt/slides/slide14.xml><?xml version="1.0" encoding="utf-8"?>
+<p:sld xmlns:a="http://schemas.openxmlformats.org/drawingml/2006/main" xmlns:r="http://schemas.openxmlformats.org/officeDocument/2006/relationships" xmlns:p="http://schemas.openxmlformats.org/presentationml/2006/main">
+  <p:cSld>
+    <p:spTree>
+      <p:nvGrpSpPr>
+        <p:cNvPr id="1" name=""/>
+        <p:cNvGrpSpPr/>
+        <p:nvPr/>
+      </p:nvGrpSpPr>
+      <p:grpSpPr>
+        <a:xfrm>
+          <a:off x="0" y="0"/>
+          <a:ext cx="0" cy="0"/>
+          <a:chOff x="0" y="0"/>
+          <a:chExt cx="0" cy="0"/>
+        </a:xfrm>
+      </p:grpSpPr>
+      <p:pic>
+        <p:nvPicPr>
+          <p:cNvPr id="5" name="내용 개체 틀 4" descr="원, 프레임, 디자인이(가) 표시된 사진&#10;&#10;AI 생성 콘텐츠는 정확하지 않을 수 있습니다.">
+            <a:extLst>
+              <a:ext uri="{FF2B5EF4-FFF2-40B4-BE49-F238E27FC236}">
+                <a16:creationId xmlns:a16="http://schemas.microsoft.com/office/drawing/2014/main" id="{9C4D3B3B-743A-FD07-8674-5B32DBBB8C4E}"/>
+              </a:ext>
+            </a:extLst>
+          </p:cNvPr>
+          <p:cNvPicPr>
+            <a:picLocks noGrp="1" noChangeAspect="1"/>
+          </p:cNvPicPr>
+          <p:nvPr>
+            <p:ph idx="1"/>
+          </p:nvPr>
+        </p:nvPicPr>
+        <p:blipFill>
+          <a:blip r:embed="rId2"/>
+          <a:stretch>
+            <a:fillRect/>
+          </a:stretch>
+        </p:blipFill>
+        <p:spPr>
+          <a:xfrm rot="2183175">
+            <a:off x="6696051" y="2654363"/>
+            <a:ext cx="2429214" cy="2191056"/>
+          </a:xfrm>
+          <a:prstGeom prst="rect">
+            <a:avLst/>
+          </a:prstGeom>
+        </p:spPr>
+      </p:pic>
+      <p:grpSp>
+        <p:nvGrpSpPr>
+          <p:cNvPr id="18" name="그룹 17">
+            <a:extLst>
+              <a:ext uri="{FF2B5EF4-FFF2-40B4-BE49-F238E27FC236}">
+                <a16:creationId xmlns:a16="http://schemas.microsoft.com/office/drawing/2014/main" id="{6618337F-9130-F721-82AF-46835E6BBFD9}"/>
+              </a:ext>
+            </a:extLst>
+          </p:cNvPr>
+          <p:cNvGrpSpPr/>
+          <p:nvPr/>
+        </p:nvGrpSpPr>
+        <p:grpSpPr>
+          <a:xfrm rot="2183175">
+            <a:off x="6835776" y="2482564"/>
+            <a:ext cx="1507847" cy="2705326"/>
+            <a:chOff x="7112000" y="2721038"/>
+            <a:chExt cx="1507847" cy="2705326"/>
+          </a:xfrm>
+        </p:grpSpPr>
+        <p:cxnSp>
+          <p:nvCxnSpPr>
+            <p:cNvPr id="7" name="직선 연결선 6">
+              <a:extLst>
+                <a:ext uri="{FF2B5EF4-FFF2-40B4-BE49-F238E27FC236}">
+                  <a16:creationId xmlns:a16="http://schemas.microsoft.com/office/drawing/2014/main" id="{31898551-1933-D2AD-4C68-41DF221AC7FB}"/>
+                </a:ext>
+              </a:extLst>
+            </p:cNvPr>
+            <p:cNvCxnSpPr>
+              <a:cxnSpLocks/>
+            </p:cNvCxnSpPr>
+            <p:nvPr/>
+          </p:nvCxnSpPr>
+          <p:spPr>
+            <a:xfrm>
+              <a:off x="7578436" y="2721038"/>
+              <a:ext cx="932872" cy="2599107"/>
+            </a:xfrm>
+            <a:prstGeom prst="line">
+              <a:avLst/>
+            </a:prstGeom>
+          </p:spPr>
+          <p:style>
+            <a:lnRef idx="2">
+              <a:schemeClr val="accent1"/>
+            </a:lnRef>
+            <a:fillRef idx="0">
+              <a:schemeClr val="accent1"/>
+            </a:fillRef>
+            <a:effectRef idx="1">
+              <a:schemeClr val="accent1"/>
+            </a:effectRef>
+            <a:fontRef idx="minor">
+              <a:schemeClr val="tx1"/>
+            </a:fontRef>
+          </p:style>
+        </p:cxnSp>
+        <p:cxnSp>
+          <p:nvCxnSpPr>
+            <p:cNvPr id="8" name="직선 연결선 7">
+              <a:extLst>
+                <a:ext uri="{FF2B5EF4-FFF2-40B4-BE49-F238E27FC236}">
+                  <a16:creationId xmlns:a16="http://schemas.microsoft.com/office/drawing/2014/main" id="{0943EAD2-53AB-E553-6507-19169CD25490}"/>
+                </a:ext>
+              </a:extLst>
+            </p:cNvPr>
+            <p:cNvCxnSpPr>
+              <a:cxnSpLocks/>
+            </p:cNvCxnSpPr>
+            <p:nvPr/>
+          </p:nvCxnSpPr>
+          <p:spPr>
+            <a:xfrm>
+              <a:off x="7112000" y="2827257"/>
+              <a:ext cx="932872" cy="2599107"/>
+            </a:xfrm>
+            <a:prstGeom prst="line">
+              <a:avLst/>
+            </a:prstGeom>
+          </p:spPr>
+          <p:style>
+            <a:lnRef idx="2">
+              <a:schemeClr val="accent1"/>
+            </a:lnRef>
+            <a:fillRef idx="0">
+              <a:schemeClr val="accent1"/>
+            </a:fillRef>
+            <a:effectRef idx="1">
+              <a:schemeClr val="accent1"/>
+            </a:effectRef>
+            <a:fontRef idx="minor">
+              <a:schemeClr val="tx1"/>
+            </a:fontRef>
+          </p:style>
+        </p:cxnSp>
+        <p:cxnSp>
+          <p:nvCxnSpPr>
+            <p:cNvPr id="10" name="직선 연결선 9">
+              <a:extLst>
+                <a:ext uri="{FF2B5EF4-FFF2-40B4-BE49-F238E27FC236}">
+                  <a16:creationId xmlns:a16="http://schemas.microsoft.com/office/drawing/2014/main" id="{55006981-8AAD-45E8-4791-5E7FF96CC7A1}"/>
+                </a:ext>
+              </a:extLst>
+            </p:cNvPr>
+            <p:cNvCxnSpPr>
+              <a:cxnSpLocks/>
+            </p:cNvCxnSpPr>
+            <p:nvPr/>
+          </p:nvCxnSpPr>
+          <p:spPr>
+            <a:xfrm flipH="1">
+              <a:off x="7675418" y="3659910"/>
+              <a:ext cx="944429" cy="720765"/>
+            </a:xfrm>
+            <a:prstGeom prst="line">
+              <a:avLst/>
+            </a:prstGeom>
+            <a:ln>
+              <a:solidFill>
+                <a:srgbClr val="C00000"/>
+              </a:solidFill>
+            </a:ln>
+          </p:spPr>
+          <p:style>
+            <a:lnRef idx="2">
+              <a:schemeClr val="accent1"/>
+            </a:lnRef>
+            <a:fillRef idx="0">
+              <a:schemeClr val="accent1"/>
+            </a:fillRef>
+            <a:effectRef idx="1">
+              <a:schemeClr val="accent1"/>
+            </a:effectRef>
+            <a:fontRef idx="minor">
+              <a:schemeClr val="tx1"/>
+            </a:fontRef>
+          </p:style>
+        </p:cxnSp>
+      </p:grpSp>
+      <p:cxnSp>
+        <p:nvCxnSpPr>
+          <p:cNvPr id="24" name="직선 연결선 23">
+            <a:extLst>
+              <a:ext uri="{FF2B5EF4-FFF2-40B4-BE49-F238E27FC236}">
+                <a16:creationId xmlns:a16="http://schemas.microsoft.com/office/drawing/2014/main" id="{D20A653C-8E6A-0CE4-2811-47386AB9B1A5}"/>
+              </a:ext>
+            </a:extLst>
+          </p:cNvPr>
+          <p:cNvCxnSpPr>
+            <a:cxnSpLocks/>
+          </p:cNvCxnSpPr>
+          <p:nvPr/>
+        </p:nvCxnSpPr>
+        <p:spPr>
+          <a:xfrm>
+            <a:off x="7413879" y="3328377"/>
+            <a:ext cx="1059304" cy="630971"/>
+          </a:xfrm>
+          <a:prstGeom prst="line">
+            <a:avLst/>
+          </a:prstGeom>
+        </p:spPr>
+        <p:style>
+          <a:lnRef idx="2">
+            <a:schemeClr val="accent1"/>
+          </a:lnRef>
+          <a:fillRef idx="0">
+            <a:schemeClr val="accent1"/>
+          </a:fillRef>
+          <a:effectRef idx="1">
+            <a:schemeClr val="accent1"/>
+          </a:effectRef>
+          <a:fontRef idx="minor">
+            <a:schemeClr val="tx1"/>
+          </a:fontRef>
+        </p:style>
+      </p:cxnSp>
+    </p:spTree>
+    <p:extLst>
+      <p:ext uri="{BB962C8B-B14F-4D97-AF65-F5344CB8AC3E}">
+        <p14:creationId xmlns:p14="http://schemas.microsoft.com/office/powerpoint/2010/main" val="289742244"/>
       </p:ext>
     </p:extLst>
   </p:cSld>

--- a/Control Design PPT.pptx
+++ b/Control Design PPT.pptx
@@ -4,6 +4,9 @@
   <p:sldMasterIdLst>
     <p:sldMasterId id="2147483648" r:id="rId1"/>
   </p:sldMasterIdLst>
+  <p:notesMasterIdLst>
+    <p:notesMasterId r:id="rId17"/>
+  </p:notesMasterIdLst>
   <p:sldIdLst>
     <p:sldId id="256" r:id="rId2"/>
     <p:sldId id="257" r:id="rId3"/>
@@ -18,7 +21,8 @@
     <p:sldId id="266" r:id="rId12"/>
     <p:sldId id="267" r:id="rId13"/>
     <p:sldId id="268" r:id="rId14"/>
-    <p:sldId id="269" r:id="rId15"/>
+    <p:sldId id="270" r:id="rId15"/>
+    <p:sldId id="269" r:id="rId16"/>
   </p:sldIdLst>
   <p:sldSz cx="12192000" cy="6858000"/>
   <p:notesSz cx="6858000" cy="9144000"/>
@@ -260,6 +264,174 @@
 </inkml:ink>
 </file>
 
+<file path=ppt/ink/ink14.xml><?xml version="1.0" encoding="utf-8"?>
+<inkml:ink xmlns:inkml="http://www.w3.org/2003/InkML">
+  <inkml:definitions>
+    <inkml:context xml:id="ctx0">
+      <inkml:inkSource xml:id="inkSrc0">
+        <inkml:traceFormat>
+          <inkml:channel name="X" type="integer" min="-2.14748E9" max="2.14748E9" units="cm"/>
+          <inkml:channel name="Y" type="integer" min="-2.14748E9" max="2.14748E9" units="cm"/>
+        </inkml:traceFormat>
+        <inkml:channelProperties>
+          <inkml:channelProperty channel="X" name="resolution" value="1000" units="1/cm"/>
+          <inkml:channelProperty channel="Y" name="resolution" value="1000" units="1/cm"/>
+        </inkml:channelProperties>
+      </inkml:inkSource>
+      <inkml:timestamp xml:id="ts0" timeString="2026-01-14T06:06:17.865"/>
+    </inkml:context>
+    <inkml:brush xml:id="br0">
+      <inkml:brushProperty name="width" value="0.1" units="cm"/>
+      <inkml:brushProperty name="height" value="0.2" units="cm"/>
+      <inkml:brushProperty name="color" value="#00FDFF"/>
+      <inkml:brushProperty name="tip" value="rectangle"/>
+      <inkml:brushProperty name="rasterOp" value="maskPen"/>
+      <inkml:brushProperty name="ignorePressure" value="1"/>
+    </inkml:brush>
+  </inkml:definitions>
+  <inkml:trace contextRef="#ctx0" brushRef="#br0">7620 2322,'0'-1,"-1"0,0 0,1 0,-1 1,1-1,-1 0,0 0,1 0,-1 1,0-1,0 0,0 1,0-1,0 0,0 1,0-1,0 1,0 0,0-1,0 1,0 0,0-1,0 1,0 0,0 0,0 0,-1 0,-37-2,35 2,-39-5,1-1,0-2,0-2,1-2,-45-19,-56-15,76 23,1-3,1-2,-84-51,8 4,73 36,53 30,-1-1,0 2,0 0,-1 1,0 0,0 1,-1 1,0 1,-22-4,15 5,0-2,0 0,1-2,-1-1,2 0,-1-2,-28-17,-33-12,-86-33,61 29,-171-44,168 55,-110-18,108 27,-170-42,-73-3,208 44,-74-16,127 20,-168-44,29-1,51 16,68 22,72 18,-68-22,-244-85,68 24,-150-39,79 22,352 107,-220-67,161 49,-96-41,16 4,44 25,-88-34,-90-31,221 78,56 18,-252-70,196 56,43 10</inkml:trace>
+</inkml:ink>
+</file>
+
+<file path=ppt/ink/ink15.xml><?xml version="1.0" encoding="utf-8"?>
+<inkml:ink xmlns:inkml="http://www.w3.org/2003/InkML">
+  <inkml:definitions>
+    <inkml:context xml:id="ctx0">
+      <inkml:inkSource xml:id="inkSrc0">
+        <inkml:traceFormat>
+          <inkml:channel name="X" type="integer" min="-2.14748E9" max="2.14748E9" units="cm"/>
+          <inkml:channel name="Y" type="integer" min="-2.14748E9" max="2.14748E9" units="cm"/>
+        </inkml:traceFormat>
+        <inkml:channelProperties>
+          <inkml:channelProperty channel="X" name="resolution" value="1000" units="1/cm"/>
+          <inkml:channelProperty channel="Y" name="resolution" value="1000" units="1/cm"/>
+        </inkml:channelProperties>
+      </inkml:inkSource>
+      <inkml:timestamp xml:id="ts0" timeString="2026-01-14T06:06:18.155"/>
+    </inkml:context>
+    <inkml:brush xml:id="br0">
+      <inkml:brushProperty name="width" value="0.1" units="cm"/>
+      <inkml:brushProperty name="height" value="0.2" units="cm"/>
+      <inkml:brushProperty name="color" value="#00FDFF"/>
+      <inkml:brushProperty name="tip" value="rectangle"/>
+      <inkml:brushProperty name="rasterOp" value="maskPen"/>
+      <inkml:brushProperty name="ignorePressure" value="1"/>
+    </inkml:brush>
+  </inkml:definitions>
+  <inkml:trace contextRef="#ctx0" brushRef="#br0">1 7,'3'-3,"1"-1</inkml:trace>
+</inkml:ink>
+</file>
+
+<file path=ppt/ink/ink16.xml><?xml version="1.0" encoding="utf-8"?>
+<inkml:ink xmlns:inkml="http://www.w3.org/2003/InkML">
+  <inkml:definitions>
+    <inkml:context xml:id="ctx0">
+      <inkml:inkSource xml:id="inkSrc0">
+        <inkml:traceFormat>
+          <inkml:channel name="X" type="integer" min="-2.14748E9" max="2.14748E9" units="cm"/>
+          <inkml:channel name="Y" type="integer" min="-2.14748E9" max="2.14748E9" units="cm"/>
+        </inkml:traceFormat>
+        <inkml:channelProperties>
+          <inkml:channelProperty channel="X" name="resolution" value="1000" units="1/cm"/>
+          <inkml:channelProperty channel="Y" name="resolution" value="1000" units="1/cm"/>
+        </inkml:channelProperties>
+      </inkml:inkSource>
+      <inkml:timestamp xml:id="ts0" timeString="2026-01-14T06:06:18.815"/>
+    </inkml:context>
+    <inkml:brush xml:id="br0">
+      <inkml:brushProperty name="width" value="0.1" units="cm"/>
+      <inkml:brushProperty name="height" value="0.2" units="cm"/>
+      <inkml:brushProperty name="color" value="#00FDFF"/>
+      <inkml:brushProperty name="tip" value="rectangle"/>
+      <inkml:brushProperty name="rasterOp" value="maskPen"/>
+      <inkml:brushProperty name="ignorePressure" value="1"/>
+    </inkml:brush>
+  </inkml:definitions>
+  <inkml:trace contextRef="#ctx0" brushRef="#br0">493 42,'2'-13,"-2"2,-18 4,-28 2,0 1,-1 3,-53 4,-2 0,97-3,0 1,0 0,0 0,0 0,0 1,0-1,0 1,1 0,-1 1,1-1,0 1,-1 0,1 0,0 0,1 0,-1 1,0 0,-4 6,2-2,0 1,0 0,1 0,1 0,-1 0,1 1,1 0,-4 14,7-20,0 0,-1 0,1 0,1 0,-1 1,1-1,-1 0,1 0,0 0,1 0,-1 0,1 0,0-1,0 1,0 0,0-1,0 0,1 1,3 3,9 9,1-1,28 22,5 4,-17-7,32 31,99 131,-156-186</inkml:trace>
+</inkml:ink>
+</file>
+
+<file path=ppt/ink/ink17.xml><?xml version="1.0" encoding="utf-8"?>
+<inkml:ink xmlns:inkml="http://www.w3.org/2003/InkML">
+  <inkml:definitions>
+    <inkml:context xml:id="ctx0">
+      <inkml:inkSource xml:id="inkSrc0">
+        <inkml:traceFormat>
+          <inkml:channel name="X" type="integer" min="-2.14748E9" max="2.14748E9" units="cm"/>
+          <inkml:channel name="Y" type="integer" min="-2.14748E9" max="2.14748E9" units="cm"/>
+          <inkml:channel name="F" type="integer" max="32767" units="dev"/>
+        </inkml:traceFormat>
+        <inkml:channelProperties>
+          <inkml:channelProperty channel="X" name="resolution" value="1000" units="1/cm"/>
+          <inkml:channelProperty channel="Y" name="resolution" value="1000" units="1/cm"/>
+          <inkml:channelProperty channel="F" name="resolution" value="0" units="1/dev"/>
+        </inkml:channelProperties>
+      </inkml:inkSource>
+      <inkml:timestamp xml:id="ts0" timeString="2026-01-14T06:06:33.034"/>
+    </inkml:context>
+    <inkml:brush xml:id="br0">
+      <inkml:brushProperty name="width" value="0.035" units="cm"/>
+      <inkml:brushProperty name="height" value="0.035" units="cm"/>
+    </inkml:brush>
+  </inkml:definitions>
+  <inkml:trace contextRef="#ctx0" brushRef="#br0">41 1 24575,'0'3'0,"-1"1"0,-1 0 0,1 0 0,0-1 0,-1 1 0,0-1 0,1 1 0,-4 3 0,-11 26 0,12 0 0,1 1 0,1 0 0,2 0 0,5 45 0,-4-77-54,-1 1-1,0-1 0,1 0 1,-1 1-1,1-1 1,-1 0-1,1 1 0,0-1 1,0 0-1,0 0 1,0 0-1,1 0 0,-1 0 1,1 0-1,-1 0 0,1-1 1,-1 1-1,1 0 1,0-1-1,0 1 0,0-1 1,0 0-1,0 1 1,4 0-1,7 3-6771</inkml:trace>
+</inkml:ink>
+</file>
+
+<file path=ppt/ink/ink18.xml><?xml version="1.0" encoding="utf-8"?>
+<inkml:ink xmlns:inkml="http://www.w3.org/2003/InkML">
+  <inkml:definitions>
+    <inkml:context xml:id="ctx0">
+      <inkml:inkSource xml:id="inkSrc0">
+        <inkml:traceFormat>
+          <inkml:channel name="X" type="integer" min="-2.14748E9" max="2.14748E9" units="cm"/>
+          <inkml:channel name="Y" type="integer" min="-2.14748E9" max="2.14748E9" units="cm"/>
+          <inkml:channel name="F" type="integer" max="32767" units="dev"/>
+        </inkml:traceFormat>
+        <inkml:channelProperties>
+          <inkml:channelProperty channel="X" name="resolution" value="1000" units="1/cm"/>
+          <inkml:channelProperty channel="Y" name="resolution" value="1000" units="1/cm"/>
+          <inkml:channelProperty channel="F" name="resolution" value="0" units="1/dev"/>
+        </inkml:channelProperties>
+      </inkml:inkSource>
+      <inkml:timestamp xml:id="ts0" timeString="2026-01-14T06:06:39.535"/>
+    </inkml:context>
+    <inkml:brush xml:id="br0">
+      <inkml:brushProperty name="width" value="0.035" units="cm"/>
+      <inkml:brushProperty name="height" value="0.035" units="cm"/>
+    </inkml:brush>
+  </inkml:definitions>
+  <inkml:trace contextRef="#ctx0" brushRef="#br0">253 1 24575,'2'49'0,"0"-35"0,-1 0 0,-1 0 0,0 0 0,0 0 0,-2 1 0,0-1 0,-7 25 0,6-34 0,0-1 0,0 1 0,0-1 0,-1 0 0,0 0 0,0-1 0,0 1 0,0-1 0,-1 0 0,1 0 0,-1 0 0,0 0 0,0-1 0,-5 2 0,-3 1 0,1 0 0,-1-1 0,0-1 0,-21 3 0,30-5 0,1-1 0,0 0 0,-1 0 0,1-1 0,-1 1 0,1-1 0,0 1 0,-1-1 0,1 0 0,0 0 0,0-1 0,0 1 0,0-1 0,0 1 0,0-1 0,0 0 0,1 0 0,-1 0 0,0 0 0,1-1 0,0 1 0,0-1 0,-1 0 0,2 1 0,-1-1 0,0 0 0,0 0 0,1 0 0,-2-4 0,1 0 0,0 1 0,0-1 0,0 1 0,1-1 0,0 0 0,0 0 0,1 0 0,0 0 0,0 0 0,1 1 0,0-1 0,0 0 0,4-12 0,-4 16 0,1 0 0,0 0 0,0 1 0,0-1 0,1 0 0,-1 1 0,1 0 0,-1-1 0,1 1 0,0 0 0,0 0 0,0 1 0,0-1 0,0 0 0,0 1 0,1 0 0,-1 0 0,0 0 0,1 0 0,-1 1 0,0-1 0,1 1 0,-1 0 0,1 0 0,3 0 0,10 0 0,0 0 0,0 2 0,29 5 0,-37-5 11,-1 1 0,0 0 0,0 1 0,0 0 0,0 0 0,0 0-1,-1 1 1,0 0 0,0 1 0,8 7 0,3 5-506,0 2 0,16 24 0,-27-35-6331</inkml:trace>
+</inkml:ink>
+</file>
+
+<file path=ppt/ink/ink19.xml><?xml version="1.0" encoding="utf-8"?>
+<inkml:ink xmlns:inkml="http://www.w3.org/2003/InkML">
+  <inkml:definitions>
+    <inkml:context xml:id="ctx0">
+      <inkml:inkSource xml:id="inkSrc0">
+        <inkml:traceFormat>
+          <inkml:channel name="X" type="integer" min="-2.14748E9" max="2.14748E9" units="cm"/>
+          <inkml:channel name="Y" type="integer" min="-2.14748E9" max="2.14748E9" units="cm"/>
+          <inkml:channel name="F" type="integer" max="32767" units="dev"/>
+        </inkml:traceFormat>
+        <inkml:channelProperties>
+          <inkml:channelProperty channel="X" name="resolution" value="1000" units="1/cm"/>
+          <inkml:channelProperty channel="Y" name="resolution" value="1000" units="1/cm"/>
+          <inkml:channelProperty channel="F" name="resolution" value="0" units="1/dev"/>
+        </inkml:channelProperties>
+      </inkml:inkSource>
+      <inkml:timestamp xml:id="ts0" timeString="2026-01-14T06:06:40.851"/>
+    </inkml:context>
+    <inkml:brush xml:id="br0">
+      <inkml:brushProperty name="width" value="0.035" units="cm"/>
+      <inkml:brushProperty name="height" value="0.035" units="cm"/>
+    </inkml:brush>
+  </inkml:definitions>
+  <inkml:trace contextRef="#ctx0" brushRef="#br0">146 0 24575,'-5'2'0,"-1"0"0,1 1 0,0-1 0,1 1 0,-1 0 0,0 0 0,1 1 0,-1 0 0,1-1 0,0 1 0,-6 9 0,4-8 0,-3 5 0,-1 0 0,1 1 0,1 0 0,-12 20 0,16-24 0,1 0 0,1 0 0,-1 0 0,1 0 0,0 1 0,1-1 0,0 1 0,0-1 0,1 1 0,0 8 0,-1 61 0,0-50 0,0 0 0,2 0 0,1 0 0,11 52 0,-9-70 19,-1-1 0,1 0 0,1 0 0,-1 0 0,1 0 0,9 9 0,17 30-1517,-27-36-5328</inkml:trace>
+</inkml:ink>
+</file>
+
 <file path=ppt/ink/ink2.xml><?xml version="1.0" encoding="utf-8"?>
 <inkml:ink xmlns:inkml="http://www.w3.org/2003/InkML">
   <inkml:definitions>
@@ -287,6 +459,276 @@
 </inkml:ink>
 </file>
 
+<file path=ppt/ink/ink20.xml><?xml version="1.0" encoding="utf-8"?>
+<inkml:ink xmlns:inkml="http://www.w3.org/2003/InkML">
+  <inkml:definitions>
+    <inkml:context xml:id="ctx0">
+      <inkml:inkSource xml:id="inkSrc0">
+        <inkml:traceFormat>
+          <inkml:channel name="X" type="integer" min="-2.14748E9" max="2.14748E9" units="cm"/>
+          <inkml:channel name="Y" type="integer" min="-2.14748E9" max="2.14748E9" units="cm"/>
+          <inkml:channel name="F" type="integer" max="32767" units="dev"/>
+        </inkml:traceFormat>
+        <inkml:channelProperties>
+          <inkml:channelProperty channel="X" name="resolution" value="1000" units="1/cm"/>
+          <inkml:channelProperty channel="Y" name="resolution" value="1000" units="1/cm"/>
+          <inkml:channelProperty channel="F" name="resolution" value="0" units="1/dev"/>
+        </inkml:channelProperties>
+      </inkml:inkSource>
+      <inkml:timestamp xml:id="ts0" timeString="2026-01-14T06:06:44.034"/>
+    </inkml:context>
+    <inkml:brush xml:id="br0">
+      <inkml:brushProperty name="width" value="0.035" units="cm"/>
+      <inkml:brushProperty name="height" value="0.035" units="cm"/>
+    </inkml:brush>
+  </inkml:definitions>
+  <inkml:trace contextRef="#ctx0" brushRef="#br0">68 1 24575,'-7'171'0,"5"-147"0,-2 0 0,-1-1 0,-1 0 0,-1 0 0,-12 26 0,1-3 0,22-107 0,-1 50 0,2-1 0,0 1 0,0 1 0,1-1 0,0 1 0,10-13 0,-14 20 0,0 0 0,0 1 0,0-1 0,1 0 0,0 1 0,-1-1 0,1 1 0,0 0 0,0 0 0,0 0 0,0 0 0,1 0 0,-1 1 0,0 0 0,1-1 0,-1 1 0,1 0 0,-1 1 0,1-1 0,0 1 0,-1-1 0,1 1 0,0 0 0,6 2 0,-7-2 0,-1 2 0,1-1 0,-1 0 0,0 1 0,1-1 0,-1 1 0,0-1 0,0 1 0,0 0 0,0 0 0,0 0 0,-1 0 0,1 0 0,0 1 0,-1-1 0,0 0 0,1 1 0,-1-1 0,0 1 0,0-1 0,-1 1 0,1 0 0,0-1 0,-1 1 0,1 5 0,0 9 0,0 1 0,-1-1 0,-2 19 0,0-8 0,2-25 5,0-1 0,0 1 0,0 0-1,0 0 1,0 0 0,-1-1 0,1 1 0,-1 0-1,0 0 1,0-1 0,0 1 0,0-1 0,-1 1-1,1-1 1,0 1 0,-1-1 0,0 0-1,0 0 1,0 0 0,0 0 0,0 0 0,0 0-1,0 0 1,-3 1 0,-1 0-154,0-1 1,-1-1-1,1 1 1,0-1-1,-1 0 1,1 0-1,0-1 1,-1 1-1,-10-2 1,2 0-6678</inkml:trace>
+</inkml:ink>
+</file>
+
+<file path=ppt/ink/ink21.xml><?xml version="1.0" encoding="utf-8"?>
+<inkml:ink xmlns:inkml="http://www.w3.org/2003/InkML">
+  <inkml:definitions>
+    <inkml:context xml:id="ctx0">
+      <inkml:inkSource xml:id="inkSrc0">
+        <inkml:traceFormat>
+          <inkml:channel name="X" type="integer" min="-2.14748E9" max="2.14748E9" units="cm"/>
+          <inkml:channel name="Y" type="integer" min="-2.14748E9" max="2.14748E9" units="cm"/>
+          <inkml:channel name="F" type="integer" max="32767" units="dev"/>
+        </inkml:traceFormat>
+        <inkml:channelProperties>
+          <inkml:channelProperty channel="X" name="resolution" value="1000" units="1/cm"/>
+          <inkml:channelProperty channel="Y" name="resolution" value="1000" units="1/cm"/>
+          <inkml:channelProperty channel="F" name="resolution" value="0" units="1/dev"/>
+        </inkml:channelProperties>
+      </inkml:inkSource>
+      <inkml:timestamp xml:id="ts0" timeString="2026-01-14T06:06:47.818"/>
+    </inkml:context>
+    <inkml:brush xml:id="br0">
+      <inkml:brushProperty name="width" value="0.035" units="cm"/>
+      <inkml:brushProperty name="height" value="0.035" units="cm"/>
+    </inkml:brush>
+  </inkml:definitions>
+  <inkml:trace contextRef="#ctx0" brushRef="#br0">215 1 24575,'-59'60'0,"-84"112"0,142-170 0,0-1 0,0 0 0,0 0 0,0 0 0,0 0 0,0 1 0,0-1 0,1 0 0,-1 1 0,0-1 0,1 1 0,-1-1 0,1 0 0,0 1 0,-1-1 0,1 1 0,0 0 0,0-1 0,0 1 0,0-1 0,0 1 0,0-1 0,1 1 0,-1-1 0,1 3 0,0-2 0,1-1 0,-1 0 0,1 0 0,-1 1 0,1-1 0,-1 0 0,1 0 0,0 0 0,0-1 0,-1 1 0,1 0 0,0-1 0,0 1 0,0-1 0,0 0 0,0 1 0,2-1 0,9 1 0,1-1 0,-1-1 0,1 0 0,23-4 0,34-9-1365,-56 12-5461</inkml:trace>
+</inkml:ink>
+</file>
+
+<file path=ppt/ink/ink22.xml><?xml version="1.0" encoding="utf-8"?>
+<inkml:ink xmlns:inkml="http://www.w3.org/2003/InkML">
+  <inkml:definitions>
+    <inkml:context xml:id="ctx0">
+      <inkml:inkSource xml:id="inkSrc0">
+        <inkml:traceFormat>
+          <inkml:channel name="X" type="integer" min="-2.14748E9" max="2.14748E9" units="cm"/>
+          <inkml:channel name="Y" type="integer" min="-2.14748E9" max="2.14748E9" units="cm"/>
+          <inkml:channel name="F" type="integer" max="32767" units="dev"/>
+        </inkml:traceFormat>
+        <inkml:channelProperties>
+          <inkml:channelProperty channel="X" name="resolution" value="1000" units="1/cm"/>
+          <inkml:channelProperty channel="Y" name="resolution" value="1000" units="1/cm"/>
+          <inkml:channelProperty channel="F" name="resolution" value="0" units="1/dev"/>
+        </inkml:channelProperties>
+      </inkml:inkSource>
+      <inkml:timestamp xml:id="ts0" timeString="2026-01-14T06:06:48.701"/>
+    </inkml:context>
+    <inkml:brush xml:id="br0">
+      <inkml:brushProperty name="width" value="0.035" units="cm"/>
+      <inkml:brushProperty name="height" value="0.035" units="cm"/>
+    </inkml:brush>
+  </inkml:definitions>
+  <inkml:trace contextRef="#ctx0" brushRef="#br0">197 9 24575,'-9'0'0,"1"2"0,0-1 0,0 1 0,-1 0 0,1 1 0,1 0 0,-1 0 0,0 0 0,1 1 0,0 1 0,0-1 0,0 1 0,0 0 0,1 1 0,0-1 0,0 1 0,-9 12 0,9-11 0,0 1 0,0 0 0,1 0 0,0 0 0,1 1 0,0 0 0,0 0 0,1 0 0,0 0 0,0 0 0,1 1 0,0-1 0,1 1 0,0 0 0,1 10 0,0-18 0,1 1 0,-1-1 0,1 0 0,0 0 0,0-1 0,0 1 0,0 0 0,0 0 0,0 0 0,1-1 0,-1 1 0,0 0 0,1-1 0,0 1 0,-1-1 0,1 0 0,0 1 0,0-1 0,-1 0 0,1 0 0,0 0 0,0-1 0,0 1 0,0 0 0,0-1 0,0 1 0,1-1 0,-1 0 0,0 1 0,0-1 0,3 0 0,11 0 0,0 0 0,0 0 0,17-4 0,-23 3 0,-5 0 0,0 1 0,0-1 0,0-1 0,0 1 0,0-1 0,0 0 0,0 0 0,0 0 0,-1-1 0,1 0 0,-1 0 0,0 0 0,0 0 0,0-1 0,0 1 0,0-1 0,-1 0 0,0 0 0,0 0 0,0-1 0,0 1 0,3-9 0,2-7 0,-1 0 0,-1 0 0,-1 0 0,3-30 0,4-12 0,-7 54 0,-1 23 0,1 31 0,-5-42 0,1 9 14,0 1-1,1-1 0,1 1 0,0-1 1,1 0-1,0 0 0,1 0 1,10 20-1,-11-28-84,-1 0 1,1 0-1,0 0 0,1 0 0,-1 0 1,1-1-1,0 0 0,0 0 1,0 0-1,1-1 0,-1 0 0,1 0 1,0 0-1,0 0 0,0-1 1,0 0-1,0-1 0,0 1 0,0-1 1,11 1-1,-2-1-6755</inkml:trace>
+</inkml:ink>
+</file>
+
+<file path=ppt/ink/ink23.xml><?xml version="1.0" encoding="utf-8"?>
+<inkml:ink xmlns:inkml="http://www.w3.org/2003/InkML">
+  <inkml:definitions>
+    <inkml:context xml:id="ctx0">
+      <inkml:inkSource xml:id="inkSrc0">
+        <inkml:traceFormat>
+          <inkml:channel name="X" type="integer" min="-2.14748E9" max="2.14748E9" units="cm"/>
+          <inkml:channel name="Y" type="integer" min="-2.14748E9" max="2.14748E9" units="cm"/>
+          <inkml:channel name="F" type="integer" max="32767" units="dev"/>
+        </inkml:traceFormat>
+        <inkml:channelProperties>
+          <inkml:channelProperty channel="X" name="resolution" value="1000" units="1/cm"/>
+          <inkml:channelProperty channel="Y" name="resolution" value="1000" units="1/cm"/>
+          <inkml:channelProperty channel="F" name="resolution" value="0" units="1/dev"/>
+        </inkml:channelProperties>
+      </inkml:inkSource>
+      <inkml:timestamp xml:id="ts0" timeString="2026-01-14T06:06:57.990"/>
+    </inkml:context>
+    <inkml:brush xml:id="br0">
+      <inkml:brushProperty name="width" value="0.035" units="cm"/>
+      <inkml:brushProperty name="height" value="0.035" units="cm"/>
+    </inkml:brush>
+  </inkml:definitions>
+  <inkml:trace contextRef="#ctx0" brushRef="#br0">0 1 24575,'3'0'0,"4"0"0,4 0 0,3 0 0,-1 0-8191</inkml:trace>
+</inkml:ink>
+</file>
+
+<file path=ppt/ink/ink24.xml><?xml version="1.0" encoding="utf-8"?>
+<inkml:ink xmlns:inkml="http://www.w3.org/2003/InkML">
+  <inkml:definitions>
+    <inkml:context xml:id="ctx0">
+      <inkml:inkSource xml:id="inkSrc0">
+        <inkml:traceFormat>
+          <inkml:channel name="X" type="integer" min="-2.14748E9" max="2.14748E9" units="cm"/>
+          <inkml:channel name="Y" type="integer" min="-2.14748E9" max="2.14748E9" units="cm"/>
+          <inkml:channel name="F" type="integer" max="32767" units="dev"/>
+        </inkml:traceFormat>
+        <inkml:channelProperties>
+          <inkml:channelProperty channel="X" name="resolution" value="1000" units="1/cm"/>
+          <inkml:channelProperty channel="Y" name="resolution" value="1000" units="1/cm"/>
+          <inkml:channelProperty channel="F" name="resolution" value="0" units="1/dev"/>
+        </inkml:channelProperties>
+      </inkml:inkSource>
+      <inkml:timestamp xml:id="ts0" timeString="2026-01-14T06:06:58.363"/>
+    </inkml:context>
+    <inkml:brush xml:id="br0">
+      <inkml:brushProperty name="width" value="0.035" units="cm"/>
+      <inkml:brushProperty name="height" value="0.035" units="cm"/>
+    </inkml:brush>
+  </inkml:definitions>
+  <inkml:trace contextRef="#ctx0" brushRef="#br0">0 1 24575,'3'0'0,"4"0"0,4 0 0,6 0 0,3 0 0,1 0 0,0 0 0,0 0 0,-1 0 0,-4 0-8191</inkml:trace>
+</inkml:ink>
+</file>
+
+<file path=ppt/ink/ink25.xml><?xml version="1.0" encoding="utf-8"?>
+<inkml:ink xmlns:inkml="http://www.w3.org/2003/InkML">
+  <inkml:definitions>
+    <inkml:context xml:id="ctx0">
+      <inkml:inkSource xml:id="inkSrc0">
+        <inkml:traceFormat>
+          <inkml:channel name="X" type="integer" min="-2.14748E9" max="2.14748E9" units="cm"/>
+          <inkml:channel name="Y" type="integer" min="-2.14748E9" max="2.14748E9" units="cm"/>
+          <inkml:channel name="F" type="integer" max="32767" units="dev"/>
+        </inkml:traceFormat>
+        <inkml:channelProperties>
+          <inkml:channelProperty channel="X" name="resolution" value="1000" units="1/cm"/>
+          <inkml:channelProperty channel="Y" name="resolution" value="1000" units="1/cm"/>
+          <inkml:channelProperty channel="F" name="resolution" value="0" units="1/dev"/>
+        </inkml:channelProperties>
+      </inkml:inkSource>
+      <inkml:timestamp xml:id="ts0" timeString="2026-01-14T06:06:59.396"/>
+    </inkml:context>
+    <inkml:brush xml:id="br0">
+      <inkml:brushProperty name="width" value="0.035" units="cm"/>
+      <inkml:brushProperty name="height" value="0.035" units="cm"/>
+    </inkml:brush>
+  </inkml:definitions>
+  <inkml:trace contextRef="#ctx0" brushRef="#br0">0 1 24575,'3'0'0,"4"0"0,4 0 0,3 0 0,2 0 0,2 0 0,-3 0-8191</inkml:trace>
+</inkml:ink>
+</file>
+
+<file path=ppt/ink/ink26.xml><?xml version="1.0" encoding="utf-8"?>
+<inkml:ink xmlns:inkml="http://www.w3.org/2003/InkML">
+  <inkml:definitions>
+    <inkml:context xml:id="ctx0">
+      <inkml:inkSource xml:id="inkSrc0">
+        <inkml:traceFormat>
+          <inkml:channel name="X" type="integer" min="-2.14748E9" max="2.14748E9" units="cm"/>
+          <inkml:channel name="Y" type="integer" min="-2.14748E9" max="2.14748E9" units="cm"/>
+          <inkml:channel name="F" type="integer" max="32767" units="dev"/>
+        </inkml:traceFormat>
+        <inkml:channelProperties>
+          <inkml:channelProperty channel="X" name="resolution" value="1000" units="1/cm"/>
+          <inkml:channelProperty channel="Y" name="resolution" value="1000" units="1/cm"/>
+          <inkml:channelProperty channel="F" name="resolution" value="0" units="1/dev"/>
+        </inkml:channelProperties>
+      </inkml:inkSource>
+      <inkml:timestamp xml:id="ts0" timeString="2026-01-14T06:07:03.015"/>
+    </inkml:context>
+    <inkml:brush xml:id="br0">
+      <inkml:brushProperty name="width" value="0.035" units="cm"/>
+      <inkml:brushProperty name="height" value="0.035" units="cm"/>
+    </inkml:brush>
+  </inkml:definitions>
+  <inkml:trace contextRef="#ctx0" brushRef="#br0">100 0 24575,'-1'6'0,"-1"1"0,-1-1 0,1-1 0,-1 1 0,0 0 0,0-1 0,-1 1 0,1-1 0,-9 9 0,-3 6 0,3-2 0,8-13 0,0-1 0,0 1 0,0 0 0,1 1 0,0-1 0,0 0 0,1 1 0,-1 0 0,1 0 0,1 0 0,-3 9 0,5-14 3,-1 0 0,1 0 0,-1 1 0,1-1 0,0 0 0,-1 0 0,1 0 0,0 0 0,0-1 0,0 1 0,0 0 0,0 0 0,0 0 0,0-1 0,0 1 0,0 0 0,0-1 0,0 1 0,0-1 0,0 0-1,1 1 1,-1-1 0,0 0 0,0 0 0,1 1 0,-1-1 0,2 0 0,40 0-661,-36 0-132,10-1-6036</inkml:trace>
+</inkml:ink>
+</file>
+
+<file path=ppt/ink/ink27.xml><?xml version="1.0" encoding="utf-8"?>
+<inkml:ink xmlns:inkml="http://www.w3.org/2003/InkML">
+  <inkml:definitions>
+    <inkml:context xml:id="ctx0">
+      <inkml:inkSource xml:id="inkSrc0">
+        <inkml:traceFormat>
+          <inkml:channel name="X" type="integer" min="-2.14748E9" max="2.14748E9" units="cm"/>
+          <inkml:channel name="Y" type="integer" min="-2.14748E9" max="2.14748E9" units="cm"/>
+          <inkml:channel name="F" type="integer" max="32767" units="dev"/>
+        </inkml:traceFormat>
+        <inkml:channelProperties>
+          <inkml:channelProperty channel="X" name="resolution" value="1000" units="1/cm"/>
+          <inkml:channelProperty channel="Y" name="resolution" value="1000" units="1/cm"/>
+          <inkml:channelProperty channel="F" name="resolution" value="0" units="1/dev"/>
+        </inkml:channelProperties>
+      </inkml:inkSource>
+      <inkml:timestamp xml:id="ts0" timeString="2026-01-14T06:07:04.232"/>
+    </inkml:context>
+    <inkml:brush xml:id="br0">
+      <inkml:brushProperty name="width" value="0.035" units="cm"/>
+      <inkml:brushProperty name="height" value="0.035" units="cm"/>
+    </inkml:brush>
+  </inkml:definitions>
+  <inkml:trace contextRef="#ctx0" brushRef="#br0">157 0 24575,'-2'10'0,"0"-1"0,0 0 0,-1 0 0,0-1 0,0 1 0,-1 0 0,0-1 0,-7 10 0,-6 16 0,2 0-119,-13 29-504,-30 98 0,54-141-6203</inkml:trace>
+</inkml:ink>
+</file>
+
+<file path=ppt/ink/ink28.xml><?xml version="1.0" encoding="utf-8"?>
+<inkml:ink xmlns:inkml="http://www.w3.org/2003/InkML">
+  <inkml:definitions>
+    <inkml:context xml:id="ctx0">
+      <inkml:inkSource xml:id="inkSrc0">
+        <inkml:traceFormat>
+          <inkml:channel name="X" type="integer" min="-2.14748E9" max="2.14748E9" units="cm"/>
+          <inkml:channel name="Y" type="integer" min="-2.14748E9" max="2.14748E9" units="cm"/>
+          <inkml:channel name="F" type="integer" max="32767" units="dev"/>
+        </inkml:traceFormat>
+        <inkml:channelProperties>
+          <inkml:channelProperty channel="X" name="resolution" value="1000" units="1/cm"/>
+          <inkml:channelProperty channel="Y" name="resolution" value="1000" units="1/cm"/>
+          <inkml:channelProperty channel="F" name="resolution" value="0" units="1/dev"/>
+        </inkml:channelProperties>
+      </inkml:inkSource>
+      <inkml:timestamp xml:id="ts0" timeString="2026-01-14T06:07:05.671"/>
+    </inkml:context>
+    <inkml:brush xml:id="br0">
+      <inkml:brushProperty name="width" value="0.035" units="cm"/>
+      <inkml:brushProperty name="height" value="0.035" units="cm"/>
+    </inkml:brush>
+  </inkml:definitions>
+  <inkml:trace contextRef="#ctx0" brushRef="#br0">69 1 24575,'3'0'0,"1"0"0,0 0 0,-1 0 0,1 1 0,0 0 0,-1-1 0,1 1 0,0 1 0,-1-1 0,0 0 0,1 1 0,-1 0 0,0 0 0,4 2 0,-5-2 0,0 0 0,-1 0 0,1 1 0,-1-1 0,1 0 0,-1 1 0,0-1 0,0 1 0,0-1 0,0 1 0,0-1 0,-1 1 0,1 0 0,-1-1 0,0 1 0,1 0 0,-1-1 0,-1 1 0,1 0 0,0-1 0,-1 1 0,1 0 0,-1-1 0,-1 4 0,1-3 5,0 0 1,0 0-1,-1 0 0,1 0 0,-1 0 1,1 0-1,-1-1 0,0 1 0,0 0 0,-1-1 1,1 0-1,0 1 0,-1-1 0,0 0 0,1 0 1,-1-1-1,0 1 0,0-1 0,-3 2 0,-7 2-265,0 0-1,0-2 1,-17 4-1,22-6-166,-7 2-6399</inkml:trace>
+</inkml:ink>
+</file>
+
+<file path=ppt/ink/ink29.xml><?xml version="1.0" encoding="utf-8"?>
+<inkml:ink xmlns:inkml="http://www.w3.org/2003/InkML">
+  <inkml:definitions>
+    <inkml:context xml:id="ctx0">
+      <inkml:inkSource xml:id="inkSrc0">
+        <inkml:traceFormat>
+          <inkml:channel name="X" type="integer" min="-2.14748E9" max="2.14748E9" units="cm"/>
+          <inkml:channel name="Y" type="integer" min="-2.14748E9" max="2.14748E9" units="cm"/>
+          <inkml:channel name="F" type="integer" max="32767" units="dev"/>
+        </inkml:traceFormat>
+        <inkml:channelProperties>
+          <inkml:channelProperty channel="X" name="resolution" value="1000" units="1/cm"/>
+          <inkml:channelProperty channel="Y" name="resolution" value="1000" units="1/cm"/>
+          <inkml:channelProperty channel="F" name="resolution" value="0" units="1/dev"/>
+        </inkml:channelProperties>
+      </inkml:inkSource>
+      <inkml:timestamp xml:id="ts0" timeString="2026-01-14T06:10:19.280"/>
+    </inkml:context>
+    <inkml:brush xml:id="br0">
+      <inkml:brushProperty name="width" value="0.035" units="cm"/>
+      <inkml:brushProperty name="height" value="0.035" units="cm"/>
+    </inkml:brush>
+  </inkml:definitions>
+  <inkml:trace contextRef="#ctx0" brushRef="#br0">301 1 24575,'-3'0'0,"1"1"0,-1 0 0,1-1 0,-1 1 0,1 0 0,0 1 0,-1-1 0,1 0 0,0 1 0,0-1 0,0 1 0,0 0 0,0 0 0,0-1 0,1 1 0,-1 0 0,-1 3 0,-26 40 0,28-42 0,-45 83 0,5 1 0,-41 122 0,66-152 0,2 1 0,2 0 0,3 0 0,3 1 0,1 96 0,6 337 0,9-402 0,-2-39 0,23 121 0,-16-97 0,0-8 0,4-1 0,26 65 0,65 110-1365,-105-231-5461</inkml:trace>
+</inkml:ink>
+</file>
+
 <file path=ppt/ink/ink3.xml><?xml version="1.0" encoding="utf-8"?>
 <inkml:ink xmlns:inkml="http://www.w3.org/2003/InkML">
   <inkml:definitions>
@@ -311,6 +753,114 @@
     </inkml:brush>
   </inkml:definitions>
   <inkml:trace contextRef="#ctx0" brushRef="#br0">683 207 24575,'0'-5'0,"-1"0"0,0 1 0,0-1 0,0 1 0,-1-1 0,1 1 0,-1 0 0,0 0 0,-1 0 0,1 0 0,-1 0 0,1 0 0,-1 0 0,0 1 0,-1-1 0,1 1 0,0 0 0,-1 0 0,0 1 0,0-1 0,0 1 0,-5-3 0,-14-7 0,0 1 0,-47-14 0,43 16 0,-15-6 0,0 3 0,-1 1 0,-1 2 0,-69-5 0,109 13 0,0 1 0,-1 0 0,1 0 0,-1 1 0,1-1 0,0 1 0,0 0 0,-1 0 0,1 0 0,0 0 0,0 1 0,0 0 0,0 0 0,0 0 0,0 0 0,-6 6 0,7-4 0,0-1 0,0 1 0,0 0 0,1 0 0,0 1 0,-1-1 0,2 0 0,-1 1 0,0-1 0,1 1 0,0 0 0,0-1 0,0 1 0,1 0 0,-1 6 0,0 9 0,0 0 0,1 0 0,1 0 0,1 0 0,5 23 0,-6-38 0,1 0 0,-1 0 0,1 0 0,0 0 0,1-1 0,-1 1 0,1-1 0,0 0 0,0 0 0,0 0 0,0 0 0,1 0 0,-1-1 0,1 1 0,0-1 0,0 0 0,1 0 0,-1-1 0,1 1 0,-1-1 0,1 0 0,0 0 0,-1 0 0,1-1 0,8 2 0,-3-2 0,1 2 0,0 0 0,-1 0 0,1 1 0,-1 0 0,0 1 0,0 0 0,9 6 0,-15-7 0,1 0 0,-1 0 0,1 0 0,-1 1 0,-1-1 0,1 1 0,-1 0 0,1 0 0,-1 0 0,-1 0 0,1 1 0,-1-1 0,0 1 0,0 0 0,0 0 0,0 9 0,1 0 0,-1 0 0,-1 0 0,-1 0 0,0 0 0,-1 0 0,0 0 0,-6 24 0,6-35 0,0 1 0,-1-1 0,0 1 0,1-1 0,-2 0 0,1 0 0,0 0 0,-1 0 0,0 0 0,0 0 0,0-1 0,0 1 0,0-1 0,-1 0 0,1 0 0,-1 0 0,0 0 0,0-1 0,0 0 0,-1 1 0,1-1 0,0-1 0,-1 1 0,1-1 0,-1 0 0,1 0 0,-9 1 0,-93-2 0,6-1 0,98 1 0,1 0 0,-1 0 0,0 0 0,1 0 0,-1 0 0,0 0 0,1 1 0,-1-1 0,0 1 0,1-1 0,-1 1 0,1-1 0,-1 1 0,1 0 0,-1 0 0,1 0 0,-1 0 0,1 0 0,0 0 0,0 0 0,-1 0 0,1 1 0,0-1 0,0 0 0,0 1 0,-1 1 0,2 0 0,0-1 0,0 0 0,0 1 0,0-1 0,0 0 0,1 0 0,-1 1 0,1-1 0,0 0 0,-1 0 0,1 1 0,0-1 0,0 0 0,0 0 0,1 0 0,1 2 0,6 9 0,1-1 0,1-1 0,0 1 0,18 13 0,-19-18 0,0-1 0,-1 0 0,2-1 0,-1 0 0,1-1 0,-1 0 0,20 4 0,82 9 0,-83-13 0,25 1 0,0-2 0,95-8 0,-142 5-65,1-1 0,0 0 0,0-1 0,-1 0 0,1 0 0,-1-1 0,1 1 0,-1-2 0,0 1 0,0-1 0,-1 0 0,1 0 0,-1-1 0,0 0 0,0 0 0,0-1 0,-1 1 0,0-1 0,0 0 0,4-7 0,-1-4-6761</inkml:trace>
+</inkml:ink>
+</file>
+
+<file path=ppt/ink/ink30.xml><?xml version="1.0" encoding="utf-8"?>
+<inkml:ink xmlns:inkml="http://www.w3.org/2003/InkML">
+  <inkml:definitions>
+    <inkml:context xml:id="ctx0">
+      <inkml:inkSource xml:id="inkSrc0">
+        <inkml:traceFormat>
+          <inkml:channel name="X" type="integer" min="-2.14748E9" max="2.14748E9" units="cm"/>
+          <inkml:channel name="Y" type="integer" min="-2.14748E9" max="2.14748E9" units="cm"/>
+          <inkml:channel name="F" type="integer" max="32767" units="dev"/>
+        </inkml:traceFormat>
+        <inkml:channelProperties>
+          <inkml:channelProperty channel="X" name="resolution" value="1000" units="1/cm"/>
+          <inkml:channelProperty channel="Y" name="resolution" value="1000" units="1/cm"/>
+          <inkml:channelProperty channel="F" name="resolution" value="0" units="1/dev"/>
+        </inkml:channelProperties>
+      </inkml:inkSource>
+      <inkml:timestamp xml:id="ts0" timeString="2026-01-14T06:10:24.864"/>
+    </inkml:context>
+    <inkml:brush xml:id="br0">
+      <inkml:brushProperty name="width" value="0.035" units="cm"/>
+      <inkml:brushProperty name="height" value="0.035" units="cm"/>
+    </inkml:brush>
+  </inkml:definitions>
+  <inkml:trace contextRef="#ctx0" brushRef="#br0">127 1 24575,'-8'0'0,"0"0"0,-1 0 0,1 1 0,0 0 0,0 0 0,0 1 0,0 0 0,-13 6 0,18-7 0,0 1 0,0 0 0,1 0 0,-1 0 0,1 1 0,-1-1 0,1 1 0,0-1 0,0 1 0,0 0 0,0-1 0,0 1 0,1 0 0,-1 0 0,1 1 0,0-1 0,0 0 0,0 0 0,0 0 0,1 1 0,-1-1 0,1 0 0,0 1 0,0 3 0,0-3 0,0 0 0,0 1 0,0-1 0,0 1 0,1-1 0,0 1 0,0-1 0,0 0 0,0 1 0,1-1 0,-1 0 0,1 0 0,0 0 0,0 0 0,1-1 0,-1 1 0,6 5 0,-4-6 0,0 0 0,0 0 0,1 0 0,-1 0 0,1-1 0,0 0 0,-1 0 0,1 0 0,0-1 0,0 0 0,0 0 0,0 0 0,1 0 0,-1-1 0,6 0 0,-5 1 0,0-1 0,0 0 0,0 0 0,1-1 0,-1 0 0,0 0 0,0 0 0,0-1 0,7-2 0,-11 2 0,0 1 0,0-1 0,0 1 0,-1-1 0,1 0 0,-1 1 0,1-1 0,-1 0 0,1 0 0,-1 0 0,0 0 0,0 0 0,0-1 0,0 1 0,-1 0 0,1 0 0,0-1 0,-1 1 0,0 0 0,1-1 0,-1 1 0,0 0 0,0-1 0,0 1 0,-1-1 0,0-3 0,1 4 5,0 0 0,-1 1 0,1-1-1,0 0 1,-1 1 0,0-1 0,1 0 0,-1 1-1,0-1 1,1 1 0,-1-1 0,0 1 0,0 0-1,0-1 1,-1 1 0,1 0 0,0 0-1,0 0 1,-1 0 0,1 0 0,0 0 0,-1 0-1,1 0 1,-4-1 0,0 0-217,0 1 0,0 0 0,0 0-1,0 0 1,-1 1 0,-7-1 0,-3 2-6614</inkml:trace>
+</inkml:ink>
+</file>
+
+<file path=ppt/ink/ink31.xml><?xml version="1.0" encoding="utf-8"?>
+<inkml:ink xmlns:inkml="http://www.w3.org/2003/InkML">
+  <inkml:definitions>
+    <inkml:context xml:id="ctx0">
+      <inkml:inkSource xml:id="inkSrc0">
+        <inkml:traceFormat>
+          <inkml:channel name="X" type="integer" min="-2.14748E9" max="2.14748E9" units="cm"/>
+          <inkml:channel name="Y" type="integer" min="-2.14748E9" max="2.14748E9" units="cm"/>
+          <inkml:channel name="F" type="integer" max="32767" units="dev"/>
+        </inkml:traceFormat>
+        <inkml:channelProperties>
+          <inkml:channelProperty channel="X" name="resolution" value="1000" units="1/cm"/>
+          <inkml:channelProperty channel="Y" name="resolution" value="1000" units="1/cm"/>
+          <inkml:channelProperty channel="F" name="resolution" value="0" units="1/dev"/>
+        </inkml:channelProperties>
+      </inkml:inkSource>
+      <inkml:timestamp xml:id="ts0" timeString="2026-01-14T06:10:26.363"/>
+    </inkml:context>
+    <inkml:brush xml:id="br0">
+      <inkml:brushProperty name="width" value="0.035" units="cm"/>
+      <inkml:brushProperty name="height" value="0.035" units="cm"/>
+    </inkml:brush>
+  </inkml:definitions>
+  <inkml:trace contextRef="#ctx0" brushRef="#br0">236 75 24575,'-50'-2'0,"35"1"0,0 0 0,-1 0 0,1 2 0,0 0 0,0 0 0,0 1 0,-18 6 0,30-7 0,1 0 0,-1 1 0,0-1 0,1 1 0,-1-1 0,1 1 0,0 0 0,0 0 0,0 0 0,0 0 0,0 1 0,0-1 0,0 1 0,1-1 0,-1 1 0,1-1 0,-2 5 0,1-1 0,0 0 0,1 0 0,0 0 0,0 0 0,0 0 0,1 0 0,0 1 0,1 6 0,0-2 0,1 0 0,0 0 0,0-1 0,1 1 0,1-1 0,0 0 0,0 0 0,1 0 0,8 13 0,-6-13 0,2 0 0,-1 0 0,1-1 0,0 0 0,1 0 0,0-1 0,0-1 0,1 0 0,12 6 0,-18-10 0,0-1 0,0 0 0,0 0 0,0-1 0,0 0 0,0 0 0,1 0 0,-1 0 0,0-1 0,0 0 0,1 0 0,-1 0 0,0-1 0,0 0 0,1 0 0,-1 0 0,0-1 0,0 1 0,0-1 0,0 0 0,-1-1 0,1 1 0,-1-1 0,7-4 0,5-6 0,0 0 0,-1-1 0,-1 0 0,0-1 0,-1-1 0,22-33 0,-28 37 0,0-1 0,-1 0 0,-1-1 0,0 1 0,-1-1 0,0 0 0,-1 0 0,-1 0 0,0-1 0,-1-22 0,0 33 0,-1 0 0,0 0 0,-1 1 0,1-1 0,0 0 0,-1 0 0,0 1 0,0-1 0,0 0 0,0 1 0,-1-1 0,1 1 0,-5-6 0,4 7 0,0 0 0,-1 0 0,1 1 0,-1-1 0,0 1 0,1-1 0,-1 1 0,0 0 0,0 0 0,0 1 0,0-1 0,0 0 0,1 1 0,-1 0 0,0 0 0,-1 0 0,-4 0 0,-119 4-1365,112-4-5461</inkml:trace>
+</inkml:ink>
+</file>
+
+<file path=ppt/ink/ink32.xml><?xml version="1.0" encoding="utf-8"?>
+<inkml:ink xmlns:inkml="http://www.w3.org/2003/InkML">
+  <inkml:definitions>
+    <inkml:context xml:id="ctx0">
+      <inkml:inkSource xml:id="inkSrc0">
+        <inkml:traceFormat>
+          <inkml:channel name="X" type="integer" min="-2.14748E9" max="2.14748E9" units="cm"/>
+          <inkml:channel name="Y" type="integer" min="-2.14748E9" max="2.14748E9" units="cm"/>
+          <inkml:channel name="F" type="integer" max="32767" units="dev"/>
+        </inkml:traceFormat>
+        <inkml:channelProperties>
+          <inkml:channelProperty channel="X" name="resolution" value="1000" units="1/cm"/>
+          <inkml:channelProperty channel="Y" name="resolution" value="1000" units="1/cm"/>
+          <inkml:channelProperty channel="F" name="resolution" value="0" units="1/dev"/>
+        </inkml:channelProperties>
+      </inkml:inkSource>
+      <inkml:timestamp xml:id="ts0" timeString="2026-01-14T06:20:50.739"/>
+    </inkml:context>
+    <inkml:brush xml:id="br0">
+      <inkml:brushProperty name="width" value="0.035" units="cm"/>
+      <inkml:brushProperty name="height" value="0.035" units="cm"/>
+    </inkml:brush>
+  </inkml:definitions>
+  <inkml:trace contextRef="#ctx0" brushRef="#br0">0 1 24575</inkml:trace>
+</inkml:ink>
+</file>
+
+<file path=ppt/ink/ink33.xml><?xml version="1.0" encoding="utf-8"?>
+<inkml:ink xmlns:inkml="http://www.w3.org/2003/InkML">
+  <inkml:definitions>
+    <inkml:context xml:id="ctx0">
+      <inkml:inkSource xml:id="inkSrc0">
+        <inkml:traceFormat>
+          <inkml:channel name="X" type="integer" min="-2.14748E9" max="2.14748E9" units="cm"/>
+          <inkml:channel name="Y" type="integer" min="-2.14748E9" max="2.14748E9" units="cm"/>
+          <inkml:channel name="F" type="integer" max="32767" units="dev"/>
+        </inkml:traceFormat>
+        <inkml:channelProperties>
+          <inkml:channelProperty channel="X" name="resolution" value="1000" units="1/cm"/>
+          <inkml:channelProperty channel="Y" name="resolution" value="1000" units="1/cm"/>
+          <inkml:channelProperty channel="F" name="resolution" value="0" units="1/dev"/>
+        </inkml:channelProperties>
+      </inkml:inkSource>
+      <inkml:timestamp xml:id="ts0" timeString="2026-01-14T06:21:29.732"/>
+    </inkml:context>
+    <inkml:brush xml:id="br0">
+      <inkml:brushProperty name="width" value="0.035" units="cm"/>
+      <inkml:brushProperty name="height" value="0.035" units="cm"/>
+    </inkml:brush>
+  </inkml:definitions>
+  <inkml:trace contextRef="#ctx0" brushRef="#br0">0 1 24575,'0'0'-8191</inkml:trace>
 </inkml:ink>
 </file>
 
@@ -476,6 +1026,439 @@
 </inkml:ink>
 </file>
 
+<file path=ppt/notesMasters/notesMaster1.xml><?xml version="1.0" encoding="utf-8"?>
+<p:notesMaster xmlns:a="http://schemas.openxmlformats.org/drawingml/2006/main" xmlns:r="http://schemas.openxmlformats.org/officeDocument/2006/relationships" xmlns:p="http://schemas.openxmlformats.org/presentationml/2006/main">
+  <p:cSld>
+    <p:bg>
+      <p:bgRef idx="1001">
+        <a:schemeClr val="bg1"/>
+      </p:bgRef>
+    </p:bg>
+    <p:spTree>
+      <p:nvGrpSpPr>
+        <p:cNvPr id="1" name=""/>
+        <p:cNvGrpSpPr/>
+        <p:nvPr/>
+      </p:nvGrpSpPr>
+      <p:grpSpPr>
+        <a:xfrm>
+          <a:off x="0" y="0"/>
+          <a:ext cx="0" cy="0"/>
+          <a:chOff x="0" y="0"/>
+          <a:chExt cx="0" cy="0"/>
+        </a:xfrm>
+      </p:grpSpPr>
+      <p:sp>
+        <p:nvSpPr>
+          <p:cNvPr id="2" name="머리글 개체 틀 1"/>
+          <p:cNvSpPr>
+            <a:spLocks noGrp="1"/>
+          </p:cNvSpPr>
+          <p:nvPr>
+            <p:ph type="hdr" sz="quarter"/>
+          </p:nvPr>
+        </p:nvSpPr>
+        <p:spPr>
+          <a:xfrm>
+            <a:off x="0" y="0"/>
+            <a:ext cx="2971800" cy="458788"/>
+          </a:xfrm>
+          <a:prstGeom prst="rect">
+            <a:avLst/>
+          </a:prstGeom>
+        </p:spPr>
+        <p:txBody>
+          <a:bodyPr vert="horz" lIns="91440" tIns="45720" rIns="91440" bIns="45720" rtlCol="0"/>
+          <a:lstStyle>
+            <a:lvl1pPr algn="l">
+              <a:defRPr sz="1200"/>
+            </a:lvl1pPr>
+          </a:lstStyle>
+          <a:p>
+            <a:endParaRPr lang="ko-KR" altLang="en-US"/>
+          </a:p>
+        </p:txBody>
+      </p:sp>
+      <p:sp>
+        <p:nvSpPr>
+          <p:cNvPr id="3" name="날짜 개체 틀 2"/>
+          <p:cNvSpPr>
+            <a:spLocks noGrp="1"/>
+          </p:cNvSpPr>
+          <p:nvPr>
+            <p:ph type="dt" idx="1"/>
+          </p:nvPr>
+        </p:nvSpPr>
+        <p:spPr>
+          <a:xfrm>
+            <a:off x="3884613" y="0"/>
+            <a:ext cx="2971800" cy="458788"/>
+          </a:xfrm>
+          <a:prstGeom prst="rect">
+            <a:avLst/>
+          </a:prstGeom>
+        </p:spPr>
+        <p:txBody>
+          <a:bodyPr vert="horz" lIns="91440" tIns="45720" rIns="91440" bIns="45720" rtlCol="0"/>
+          <a:lstStyle>
+            <a:lvl1pPr algn="r">
+              <a:defRPr sz="1200"/>
+            </a:lvl1pPr>
+          </a:lstStyle>
+          <a:p>
+            <a:fld id="{4ED325A6-F241-40D7-BF9F-421B71D3CAAD}" type="datetimeFigureOut">
+              <a:rPr lang="ko-KR" altLang="en-US" smtClean="0"/>
+              <a:t>2026-01-14</a:t>
+            </a:fld>
+            <a:endParaRPr lang="ko-KR" altLang="en-US"/>
+          </a:p>
+        </p:txBody>
+      </p:sp>
+      <p:sp>
+        <p:nvSpPr>
+          <p:cNvPr id="4" name="슬라이드 이미지 개체 틀 3"/>
+          <p:cNvSpPr>
+            <a:spLocks noGrp="1" noRot="1" noChangeAspect="1"/>
+          </p:cNvSpPr>
+          <p:nvPr>
+            <p:ph type="sldImg" idx="2"/>
+          </p:nvPr>
+        </p:nvSpPr>
+        <p:spPr>
+          <a:xfrm>
+            <a:off x="685800" y="1143000"/>
+            <a:ext cx="5486400" cy="3086100"/>
+          </a:xfrm>
+          <a:prstGeom prst="rect">
+            <a:avLst/>
+          </a:prstGeom>
+          <a:noFill/>
+          <a:ln w="12700">
+            <a:solidFill>
+              <a:prstClr val="black"/>
+            </a:solidFill>
+          </a:ln>
+        </p:spPr>
+        <p:txBody>
+          <a:bodyPr vert="horz" lIns="91440" tIns="45720" rIns="91440" bIns="45720" rtlCol="0" anchor="ctr"/>
+          <a:lstStyle/>
+          <a:p>
+            <a:endParaRPr lang="ko-KR" altLang="en-US"/>
+          </a:p>
+        </p:txBody>
+      </p:sp>
+      <p:sp>
+        <p:nvSpPr>
+          <p:cNvPr id="5" name="슬라이드 노트 개체 틀 4"/>
+          <p:cNvSpPr>
+            <a:spLocks noGrp="1"/>
+          </p:cNvSpPr>
+          <p:nvPr>
+            <p:ph type="body" sz="quarter" idx="3"/>
+          </p:nvPr>
+        </p:nvSpPr>
+        <p:spPr>
+          <a:xfrm>
+            <a:off x="685800" y="4400550"/>
+            <a:ext cx="5486400" cy="3600450"/>
+          </a:xfrm>
+          <a:prstGeom prst="rect">
+            <a:avLst/>
+          </a:prstGeom>
+        </p:spPr>
+        <p:txBody>
+          <a:bodyPr vert="horz" lIns="91440" tIns="45720" rIns="91440" bIns="45720" rtlCol="0"/>
+          <a:lstStyle/>
+          <a:p>
+            <a:pPr lvl="0"/>
+            <a:r>
+              <a:rPr lang="ko-KR" altLang="en-US"/>
+              <a:t>마스터 텍스트 스타일을 편집하려면 클릭</a:t>
+            </a:r>
+          </a:p>
+          <a:p>
+            <a:pPr lvl="1"/>
+            <a:r>
+              <a:rPr lang="ko-KR" altLang="en-US"/>
+              <a:t>두 번째 수준</a:t>
+            </a:r>
+          </a:p>
+          <a:p>
+            <a:pPr lvl="2"/>
+            <a:r>
+              <a:rPr lang="ko-KR" altLang="en-US"/>
+              <a:t>세 번째 수준</a:t>
+            </a:r>
+          </a:p>
+          <a:p>
+            <a:pPr lvl="3"/>
+            <a:r>
+              <a:rPr lang="ko-KR" altLang="en-US"/>
+              <a:t>네 번째 수준</a:t>
+            </a:r>
+          </a:p>
+          <a:p>
+            <a:pPr lvl="4"/>
+            <a:r>
+              <a:rPr lang="ko-KR" altLang="en-US"/>
+              <a:t>다섯 번째 수준</a:t>
+            </a:r>
+          </a:p>
+        </p:txBody>
+      </p:sp>
+      <p:sp>
+        <p:nvSpPr>
+          <p:cNvPr id="6" name="바닥글 개체 틀 5"/>
+          <p:cNvSpPr>
+            <a:spLocks noGrp="1"/>
+          </p:cNvSpPr>
+          <p:nvPr>
+            <p:ph type="ftr" sz="quarter" idx="4"/>
+          </p:nvPr>
+        </p:nvSpPr>
+        <p:spPr>
+          <a:xfrm>
+            <a:off x="0" y="8685213"/>
+            <a:ext cx="2971800" cy="458787"/>
+          </a:xfrm>
+          <a:prstGeom prst="rect">
+            <a:avLst/>
+          </a:prstGeom>
+        </p:spPr>
+        <p:txBody>
+          <a:bodyPr vert="horz" lIns="91440" tIns="45720" rIns="91440" bIns="45720" rtlCol="0" anchor="b"/>
+          <a:lstStyle>
+            <a:lvl1pPr algn="l">
+              <a:defRPr sz="1200"/>
+            </a:lvl1pPr>
+          </a:lstStyle>
+          <a:p>
+            <a:endParaRPr lang="ko-KR" altLang="en-US"/>
+          </a:p>
+        </p:txBody>
+      </p:sp>
+      <p:sp>
+        <p:nvSpPr>
+          <p:cNvPr id="7" name="슬라이드 번호 개체 틀 6"/>
+          <p:cNvSpPr>
+            <a:spLocks noGrp="1"/>
+          </p:cNvSpPr>
+          <p:nvPr>
+            <p:ph type="sldNum" sz="quarter" idx="5"/>
+          </p:nvPr>
+        </p:nvSpPr>
+        <p:spPr>
+          <a:xfrm>
+            <a:off x="3884613" y="8685213"/>
+            <a:ext cx="2971800" cy="458787"/>
+          </a:xfrm>
+          <a:prstGeom prst="rect">
+            <a:avLst/>
+          </a:prstGeom>
+        </p:spPr>
+        <p:txBody>
+          <a:bodyPr vert="horz" lIns="91440" tIns="45720" rIns="91440" bIns="45720" rtlCol="0" anchor="b"/>
+          <a:lstStyle>
+            <a:lvl1pPr algn="r">
+              <a:defRPr sz="1200"/>
+            </a:lvl1pPr>
+          </a:lstStyle>
+          <a:p>
+            <a:fld id="{95829CEC-7133-48FF-9097-1FF2E33271C0}" type="slidenum">
+              <a:rPr lang="ko-KR" altLang="en-US" smtClean="0"/>
+              <a:t>‹#›</a:t>
+            </a:fld>
+            <a:endParaRPr lang="ko-KR" altLang="en-US"/>
+          </a:p>
+        </p:txBody>
+      </p:sp>
+    </p:spTree>
+    <p:extLst>
+      <p:ext uri="{BB962C8B-B14F-4D97-AF65-F5344CB8AC3E}">
+        <p14:creationId xmlns:p14="http://schemas.microsoft.com/office/powerpoint/2010/main" val="4212095942"/>
+      </p:ext>
+    </p:extLst>
+  </p:cSld>
+  <p:clrMap bg1="lt1" tx1="dk1" bg2="lt2" tx2="dk2" accent1="accent1" accent2="accent2" accent3="accent3" accent4="accent4" accent5="accent5" accent6="accent6" hlink="hlink" folHlink="folHlink"/>
+  <p:notesStyle>
+    <a:lvl1pPr marL="0" algn="l" defTabSz="914400" rtl="0" eaLnBrk="1" latinLnBrk="1" hangingPunct="1">
+      <a:defRPr sz="1200" kern="1200">
+        <a:solidFill>
+          <a:schemeClr val="tx1"/>
+        </a:solidFill>
+        <a:latin typeface="+mn-lt"/>
+        <a:ea typeface="+mn-ea"/>
+        <a:cs typeface="+mn-cs"/>
+      </a:defRPr>
+    </a:lvl1pPr>
+    <a:lvl2pPr marL="457200" algn="l" defTabSz="914400" rtl="0" eaLnBrk="1" latinLnBrk="1" hangingPunct="1">
+      <a:defRPr sz="1200" kern="1200">
+        <a:solidFill>
+          <a:schemeClr val="tx1"/>
+        </a:solidFill>
+        <a:latin typeface="+mn-lt"/>
+        <a:ea typeface="+mn-ea"/>
+        <a:cs typeface="+mn-cs"/>
+      </a:defRPr>
+    </a:lvl2pPr>
+    <a:lvl3pPr marL="914400" algn="l" defTabSz="914400" rtl="0" eaLnBrk="1" latinLnBrk="1" hangingPunct="1">
+      <a:defRPr sz="1200" kern="1200">
+        <a:solidFill>
+          <a:schemeClr val="tx1"/>
+        </a:solidFill>
+        <a:latin typeface="+mn-lt"/>
+        <a:ea typeface="+mn-ea"/>
+        <a:cs typeface="+mn-cs"/>
+      </a:defRPr>
+    </a:lvl3pPr>
+    <a:lvl4pPr marL="1371600" algn="l" defTabSz="914400" rtl="0" eaLnBrk="1" latinLnBrk="1" hangingPunct="1">
+      <a:defRPr sz="1200" kern="1200">
+        <a:solidFill>
+          <a:schemeClr val="tx1"/>
+        </a:solidFill>
+        <a:latin typeface="+mn-lt"/>
+        <a:ea typeface="+mn-ea"/>
+        <a:cs typeface="+mn-cs"/>
+      </a:defRPr>
+    </a:lvl4pPr>
+    <a:lvl5pPr marL="1828800" algn="l" defTabSz="914400" rtl="0" eaLnBrk="1" latinLnBrk="1" hangingPunct="1">
+      <a:defRPr sz="1200" kern="1200">
+        <a:solidFill>
+          <a:schemeClr val="tx1"/>
+        </a:solidFill>
+        <a:latin typeface="+mn-lt"/>
+        <a:ea typeface="+mn-ea"/>
+        <a:cs typeface="+mn-cs"/>
+      </a:defRPr>
+    </a:lvl5pPr>
+    <a:lvl6pPr marL="2286000" algn="l" defTabSz="914400" rtl="0" eaLnBrk="1" latinLnBrk="1" hangingPunct="1">
+      <a:defRPr sz="1200" kern="1200">
+        <a:solidFill>
+          <a:schemeClr val="tx1"/>
+        </a:solidFill>
+        <a:latin typeface="+mn-lt"/>
+        <a:ea typeface="+mn-ea"/>
+        <a:cs typeface="+mn-cs"/>
+      </a:defRPr>
+    </a:lvl6pPr>
+    <a:lvl7pPr marL="2743200" algn="l" defTabSz="914400" rtl="0" eaLnBrk="1" latinLnBrk="1" hangingPunct="1">
+      <a:defRPr sz="1200" kern="1200">
+        <a:solidFill>
+          <a:schemeClr val="tx1"/>
+        </a:solidFill>
+        <a:latin typeface="+mn-lt"/>
+        <a:ea typeface="+mn-ea"/>
+        <a:cs typeface="+mn-cs"/>
+      </a:defRPr>
+    </a:lvl7pPr>
+    <a:lvl8pPr marL="3200400" algn="l" defTabSz="914400" rtl="0" eaLnBrk="1" latinLnBrk="1" hangingPunct="1">
+      <a:defRPr sz="1200" kern="1200">
+        <a:solidFill>
+          <a:schemeClr val="tx1"/>
+        </a:solidFill>
+        <a:latin typeface="+mn-lt"/>
+        <a:ea typeface="+mn-ea"/>
+        <a:cs typeface="+mn-cs"/>
+      </a:defRPr>
+    </a:lvl8pPr>
+    <a:lvl9pPr marL="3657600" algn="l" defTabSz="914400" rtl="0" eaLnBrk="1" latinLnBrk="1" hangingPunct="1">
+      <a:defRPr sz="1200" kern="1200">
+        <a:solidFill>
+          <a:schemeClr val="tx1"/>
+        </a:solidFill>
+        <a:latin typeface="+mn-lt"/>
+        <a:ea typeface="+mn-ea"/>
+        <a:cs typeface="+mn-cs"/>
+      </a:defRPr>
+    </a:lvl9pPr>
+  </p:notesStyle>
+</p:notesMaster>
+</file>
+
+<file path=ppt/notesSlides/notesSlide1.xml><?xml version="1.0" encoding="utf-8"?>
+<p:notes xmlns:a="http://schemas.openxmlformats.org/drawingml/2006/main" xmlns:r="http://schemas.openxmlformats.org/officeDocument/2006/relationships" xmlns:p="http://schemas.openxmlformats.org/presentationml/2006/main">
+  <p:cSld>
+    <p:spTree>
+      <p:nvGrpSpPr>
+        <p:cNvPr id="1" name=""/>
+        <p:cNvGrpSpPr/>
+        <p:nvPr/>
+      </p:nvGrpSpPr>
+      <p:grpSpPr>
+        <a:xfrm>
+          <a:off x="0" y="0"/>
+          <a:ext cx="0" cy="0"/>
+          <a:chOff x="0" y="0"/>
+          <a:chExt cx="0" cy="0"/>
+        </a:xfrm>
+      </p:grpSpPr>
+      <p:sp>
+        <p:nvSpPr>
+          <p:cNvPr id="2" name="슬라이드 이미지 개체 틀 1"/>
+          <p:cNvSpPr>
+            <a:spLocks noGrp="1" noRot="1" noChangeAspect="1"/>
+          </p:cNvSpPr>
+          <p:nvPr>
+            <p:ph type="sldImg"/>
+          </p:nvPr>
+        </p:nvSpPr>
+        <p:spPr/>
+      </p:sp>
+      <p:sp>
+        <p:nvSpPr>
+          <p:cNvPr id="3" name="슬라이드 노트 개체 틀 2"/>
+          <p:cNvSpPr>
+            <a:spLocks noGrp="1"/>
+          </p:cNvSpPr>
+          <p:nvPr>
+            <p:ph type="body" idx="1"/>
+          </p:nvPr>
+        </p:nvSpPr>
+        <p:spPr/>
+        <p:txBody>
+          <a:bodyPr/>
+          <a:lstStyle/>
+          <a:p>
+            <a:endParaRPr lang="ko-KR" altLang="en-US" dirty="0"/>
+          </a:p>
+        </p:txBody>
+      </p:sp>
+      <p:sp>
+        <p:nvSpPr>
+          <p:cNvPr id="4" name="슬라이드 번호 개체 틀 3"/>
+          <p:cNvSpPr>
+            <a:spLocks noGrp="1"/>
+          </p:cNvSpPr>
+          <p:nvPr>
+            <p:ph type="sldNum" sz="quarter" idx="5"/>
+          </p:nvPr>
+        </p:nvSpPr>
+        <p:spPr/>
+        <p:txBody>
+          <a:bodyPr/>
+          <a:lstStyle/>
+          <a:p>
+            <a:fld id="{95829CEC-7133-48FF-9097-1FF2E33271C0}" type="slidenum">
+              <a:rPr lang="ko-KR" altLang="en-US" smtClean="0"/>
+              <a:t>15</a:t>
+            </a:fld>
+            <a:endParaRPr lang="ko-KR" altLang="en-US"/>
+          </a:p>
+        </p:txBody>
+      </p:sp>
+    </p:spTree>
+    <p:extLst>
+      <p:ext uri="{BB962C8B-B14F-4D97-AF65-F5344CB8AC3E}">
+        <p14:creationId xmlns:p14="http://schemas.microsoft.com/office/powerpoint/2010/main" val="1623689514"/>
+      </p:ext>
+    </p:extLst>
+  </p:cSld>
+  <p:clrMapOvr>
+    <a:masterClrMapping/>
+  </p:clrMapOvr>
+</p:notes>
+</file>
+
 <file path=ppt/slideLayouts/slideLayout1.xml><?xml version="1.0" encoding="utf-8"?>
 <p:sldLayout xmlns:a="http://schemas.openxmlformats.org/drawingml/2006/main" xmlns:r="http://schemas.openxmlformats.org/officeDocument/2006/relationships" xmlns:p="http://schemas.openxmlformats.org/presentationml/2006/main" type="title" preserve="1">
   <p:cSld name="제목 슬라이드">
@@ -623,7 +1606,7 @@
           <a:p>
             <a:fld id="{127C1622-C0C2-42A6-A420-A2525B32B105}" type="datetimeFigureOut">
               <a:rPr lang="ko-KR" altLang="en-US" smtClean="0"/>
-              <a:t>2026-01-13</a:t>
+              <a:t>2026-01-14</a:t>
             </a:fld>
             <a:endParaRPr lang="ko-KR" altLang="en-US"/>
           </a:p>
@@ -821,7 +1804,7 @@
           <a:p>
             <a:fld id="{127C1622-C0C2-42A6-A420-A2525B32B105}" type="datetimeFigureOut">
               <a:rPr lang="ko-KR" altLang="en-US" smtClean="0"/>
-              <a:t>2026-01-13</a:t>
+              <a:t>2026-01-14</a:t>
             </a:fld>
             <a:endParaRPr lang="ko-KR" altLang="en-US"/>
           </a:p>
@@ -1029,7 +2012,7 @@
           <a:p>
             <a:fld id="{127C1622-C0C2-42A6-A420-A2525B32B105}" type="datetimeFigureOut">
               <a:rPr lang="ko-KR" altLang="en-US" smtClean="0"/>
-              <a:t>2026-01-13</a:t>
+              <a:t>2026-01-14</a:t>
             </a:fld>
             <a:endParaRPr lang="ko-KR" altLang="en-US"/>
           </a:p>
@@ -1227,7 +2210,7 @@
           <a:p>
             <a:fld id="{127C1622-C0C2-42A6-A420-A2525B32B105}" type="datetimeFigureOut">
               <a:rPr lang="ko-KR" altLang="en-US" smtClean="0"/>
-              <a:t>2026-01-13</a:t>
+              <a:t>2026-01-14</a:t>
             </a:fld>
             <a:endParaRPr lang="ko-KR" altLang="en-US"/>
           </a:p>
@@ -1502,7 +2485,7 @@
           <a:p>
             <a:fld id="{127C1622-C0C2-42A6-A420-A2525B32B105}" type="datetimeFigureOut">
               <a:rPr lang="ko-KR" altLang="en-US" smtClean="0"/>
-              <a:t>2026-01-13</a:t>
+              <a:t>2026-01-14</a:t>
             </a:fld>
             <a:endParaRPr lang="ko-KR" altLang="en-US"/>
           </a:p>
@@ -1767,7 +2750,7 @@
           <a:p>
             <a:fld id="{127C1622-C0C2-42A6-A420-A2525B32B105}" type="datetimeFigureOut">
               <a:rPr lang="ko-KR" altLang="en-US" smtClean="0"/>
-              <a:t>2026-01-13</a:t>
+              <a:t>2026-01-14</a:t>
             </a:fld>
             <a:endParaRPr lang="ko-KR" altLang="en-US"/>
           </a:p>
@@ -2179,7 +3162,7 @@
           <a:p>
             <a:fld id="{127C1622-C0C2-42A6-A420-A2525B32B105}" type="datetimeFigureOut">
               <a:rPr lang="ko-KR" altLang="en-US" smtClean="0"/>
-              <a:t>2026-01-13</a:t>
+              <a:t>2026-01-14</a:t>
             </a:fld>
             <a:endParaRPr lang="ko-KR" altLang="en-US"/>
           </a:p>
@@ -2320,7 +3303,7 @@
           <a:p>
             <a:fld id="{127C1622-C0C2-42A6-A420-A2525B32B105}" type="datetimeFigureOut">
               <a:rPr lang="ko-KR" altLang="en-US" smtClean="0"/>
-              <a:t>2026-01-13</a:t>
+              <a:t>2026-01-14</a:t>
             </a:fld>
             <a:endParaRPr lang="ko-KR" altLang="en-US"/>
           </a:p>
@@ -2433,7 +3416,7 @@
           <a:p>
             <a:fld id="{127C1622-C0C2-42A6-A420-A2525B32B105}" type="datetimeFigureOut">
               <a:rPr lang="ko-KR" altLang="en-US" smtClean="0"/>
-              <a:t>2026-01-13</a:t>
+              <a:t>2026-01-14</a:t>
             </a:fld>
             <a:endParaRPr lang="ko-KR" altLang="en-US"/>
           </a:p>
@@ -2744,7 +3727,7 @@
           <a:p>
             <a:fld id="{127C1622-C0C2-42A6-A420-A2525B32B105}" type="datetimeFigureOut">
               <a:rPr lang="ko-KR" altLang="en-US" smtClean="0"/>
-              <a:t>2026-01-13</a:t>
+              <a:t>2026-01-14</a:t>
             </a:fld>
             <a:endParaRPr lang="ko-KR" altLang="en-US"/>
           </a:p>
@@ -3032,7 +4015,7 @@
           <a:p>
             <a:fld id="{127C1622-C0C2-42A6-A420-A2525B32B105}" type="datetimeFigureOut">
               <a:rPr lang="ko-KR" altLang="en-US" smtClean="0"/>
-              <a:t>2026-01-13</a:t>
+              <a:t>2026-01-14</a:t>
             </a:fld>
             <a:endParaRPr lang="ko-KR" altLang="en-US"/>
           </a:p>
@@ -3273,7 +4256,7 @@
           <a:p>
             <a:fld id="{127C1622-C0C2-42A6-A420-A2525B32B105}" type="datetimeFigureOut">
               <a:rPr lang="ko-KR" altLang="en-US" smtClean="0"/>
-              <a:t>2026-01-13</a:t>
+              <a:t>2026-01-14</a:t>
             </a:fld>
             <a:endParaRPr lang="ko-KR" altLang="en-US"/>
           </a:p>
@@ -6205,10 +7188,11 @@
               <a:lumMod val="90000"/>
             </a:schemeClr>
           </a:solidFill>
-          <a:ln>
+          <a:ln w="38100">
             <a:solidFill>
               <a:schemeClr val="bg2">
                 <a:lumMod val="75000"/>
+                <a:alpha val="0"/>
               </a:schemeClr>
             </a:solidFill>
           </a:ln>
@@ -7621,8 +8605,8 @@
             <a:chExt cx="1476720" cy="660600"/>
           </a:xfrm>
         </p:grpSpPr>
-        <mc:AlternateContent xmlns:mc="http://schemas.openxmlformats.org/markup-compatibility/2006">
-          <mc:Choice xmlns:p14="http://schemas.microsoft.com/office/powerpoint/2010/main" Requires="p14">
+        <mc:AlternateContent xmlns:mc="http://schemas.openxmlformats.org/markup-compatibility/2006" xmlns:p14="http://schemas.microsoft.com/office/powerpoint/2010/main">
+          <mc:Choice Requires="p14">
             <p:contentPart p14:bwMode="auto" r:id="rId6">
               <p14:nvContentPartPr>
                 <p14:cNvPr id="31" name="잉크 30">
@@ -7641,7 +8625,7 @@
               </p14:xfrm>
             </p:contentPart>
           </mc:Choice>
-          <mc:Fallback>
+          <mc:Fallback xmlns="">
             <p:pic>
               <p:nvPicPr>
                 <p:cNvPr id="31" name="잉크 30">
@@ -7672,8 +8656,8 @@
             </p:pic>
           </mc:Fallback>
         </mc:AlternateContent>
-        <mc:AlternateContent xmlns:mc="http://schemas.openxmlformats.org/markup-compatibility/2006">
-          <mc:Choice xmlns:p14="http://schemas.microsoft.com/office/powerpoint/2010/main" Requires="p14">
+        <mc:AlternateContent xmlns:mc="http://schemas.openxmlformats.org/markup-compatibility/2006" xmlns:p14="http://schemas.microsoft.com/office/powerpoint/2010/main">
+          <mc:Choice Requires="p14">
             <p:contentPart p14:bwMode="auto" r:id="rId8">
               <p14:nvContentPartPr>
                 <p14:cNvPr id="32" name="잉크 31">
@@ -7692,7 +8676,7 @@
               </p14:xfrm>
             </p:contentPart>
           </mc:Choice>
-          <mc:Fallback>
+          <mc:Fallback xmlns="">
             <p:pic>
               <p:nvPicPr>
                 <p:cNvPr id="32" name="잉크 31">
@@ -7723,8 +8707,8 @@
             </p:pic>
           </mc:Fallback>
         </mc:AlternateContent>
-        <mc:AlternateContent xmlns:mc="http://schemas.openxmlformats.org/markup-compatibility/2006">
-          <mc:Choice xmlns:p14="http://schemas.microsoft.com/office/powerpoint/2010/main" Requires="p14">
+        <mc:AlternateContent xmlns:mc="http://schemas.openxmlformats.org/markup-compatibility/2006" xmlns:p14="http://schemas.microsoft.com/office/powerpoint/2010/main">
+          <mc:Choice Requires="p14">
             <p:contentPart p14:bwMode="auto" r:id="rId10">
               <p14:nvContentPartPr>
                 <p14:cNvPr id="33" name="잉크 32">
@@ -7743,7 +8727,7 @@
               </p14:xfrm>
             </p:contentPart>
           </mc:Choice>
-          <mc:Fallback>
+          <mc:Fallback xmlns="">
             <p:pic>
               <p:nvPicPr>
                 <p:cNvPr id="33" name="잉크 32">
@@ -7775,8 +8759,8 @@
           </mc:Fallback>
         </mc:AlternateContent>
       </p:grpSp>
-      <mc:AlternateContent xmlns:mc="http://schemas.openxmlformats.org/markup-compatibility/2006">
-        <mc:Choice xmlns:p14="http://schemas.microsoft.com/office/powerpoint/2010/main" Requires="p14">
+      <mc:AlternateContent xmlns:mc="http://schemas.openxmlformats.org/markup-compatibility/2006" xmlns:p14="http://schemas.microsoft.com/office/powerpoint/2010/main">
+        <mc:Choice Requires="p14">
           <p:contentPart p14:bwMode="auto" r:id="rId12">
             <p14:nvContentPartPr>
               <p14:cNvPr id="35" name="잉크 34">
@@ -7795,7 +8779,7 @@
             </p14:xfrm>
           </p:contentPart>
         </mc:Choice>
-        <mc:Fallback>
+        <mc:Fallback xmlns="">
           <p:pic>
             <p:nvPicPr>
               <p:cNvPr id="35" name="잉크 34">
@@ -7846,8 +8830,8 @@
             <a:chExt cx="1019880" cy="326520"/>
           </a:xfrm>
         </p:grpSpPr>
-        <mc:AlternateContent xmlns:mc="http://schemas.openxmlformats.org/markup-compatibility/2006">
-          <mc:Choice xmlns:p14="http://schemas.microsoft.com/office/powerpoint/2010/main" Requires="p14">
+        <mc:AlternateContent xmlns:mc="http://schemas.openxmlformats.org/markup-compatibility/2006" xmlns:p14="http://schemas.microsoft.com/office/powerpoint/2010/main">
+          <mc:Choice Requires="p14">
             <p:contentPart p14:bwMode="auto" r:id="rId14">
               <p14:nvContentPartPr>
                 <p14:cNvPr id="40" name="잉크 39">
@@ -7866,7 +8850,7 @@
               </p14:xfrm>
             </p:contentPart>
           </mc:Choice>
-          <mc:Fallback>
+          <mc:Fallback xmlns="">
             <p:pic>
               <p:nvPicPr>
                 <p:cNvPr id="40" name="잉크 39">
@@ -7897,8 +8881,8 @@
             </p:pic>
           </mc:Fallback>
         </mc:AlternateContent>
-        <mc:AlternateContent xmlns:mc="http://schemas.openxmlformats.org/markup-compatibility/2006">
-          <mc:Choice xmlns:p14="http://schemas.microsoft.com/office/powerpoint/2010/main" Requires="p14">
+        <mc:AlternateContent xmlns:mc="http://schemas.openxmlformats.org/markup-compatibility/2006" xmlns:p14="http://schemas.microsoft.com/office/powerpoint/2010/main">
+          <mc:Choice Requires="p14">
             <p:contentPart p14:bwMode="auto" r:id="rId16">
               <p14:nvContentPartPr>
                 <p14:cNvPr id="41" name="잉크 40">
@@ -7917,7 +8901,7 @@
               </p14:xfrm>
             </p:contentPart>
           </mc:Choice>
-          <mc:Fallback>
+          <mc:Fallback xmlns="">
             <p:pic>
               <p:nvPicPr>
                 <p:cNvPr id="41" name="잉크 40">
@@ -7949,8 +8933,8 @@
           </mc:Fallback>
         </mc:AlternateContent>
       </p:grpSp>
-      <mc:AlternateContent xmlns:mc="http://schemas.openxmlformats.org/markup-compatibility/2006">
-        <mc:Choice xmlns:p14="http://schemas.microsoft.com/office/powerpoint/2010/main" Requires="p14">
+      <mc:AlternateContent xmlns:mc="http://schemas.openxmlformats.org/markup-compatibility/2006" xmlns:p14="http://schemas.microsoft.com/office/powerpoint/2010/main">
+        <mc:Choice Requires="p14">
           <p:contentPart p14:bwMode="auto" r:id="rId18">
             <p14:nvContentPartPr>
               <p14:cNvPr id="48" name="잉크 47">
@@ -7969,7 +8953,7 @@
             </p14:xfrm>
           </p:contentPart>
         </mc:Choice>
-        <mc:Fallback>
+        <mc:Fallback xmlns="">
           <p:pic>
             <p:nvPicPr>
               <p:cNvPr id="48" name="잉크 47">
@@ -8020,8 +9004,8 @@
             <a:chExt cx="775440" cy="795600"/>
           </a:xfrm>
         </p:grpSpPr>
-        <mc:AlternateContent xmlns:mc="http://schemas.openxmlformats.org/markup-compatibility/2006">
-          <mc:Choice xmlns:p14="http://schemas.microsoft.com/office/powerpoint/2010/main" Requires="p14">
+        <mc:AlternateContent xmlns:mc="http://schemas.openxmlformats.org/markup-compatibility/2006" xmlns:p14="http://schemas.microsoft.com/office/powerpoint/2010/main">
+          <mc:Choice Requires="p14">
             <p:contentPart p14:bwMode="auto" r:id="rId20">
               <p14:nvContentPartPr>
                 <p14:cNvPr id="52" name="잉크 51">
@@ -8040,7 +9024,7 @@
               </p14:xfrm>
             </p:contentPart>
           </mc:Choice>
-          <mc:Fallback>
+          <mc:Fallback xmlns="">
             <p:pic>
               <p:nvPicPr>
                 <p:cNvPr id="52" name="잉크 51">
@@ -8071,8 +9055,8 @@
             </p:pic>
           </mc:Fallback>
         </mc:AlternateContent>
-        <mc:AlternateContent xmlns:mc="http://schemas.openxmlformats.org/markup-compatibility/2006">
-          <mc:Choice xmlns:p14="http://schemas.microsoft.com/office/powerpoint/2010/main" Requires="p14">
+        <mc:AlternateContent xmlns:mc="http://schemas.openxmlformats.org/markup-compatibility/2006" xmlns:p14="http://schemas.microsoft.com/office/powerpoint/2010/main">
+          <mc:Choice Requires="p14">
             <p:contentPart p14:bwMode="auto" r:id="rId22">
               <p14:nvContentPartPr>
                 <p14:cNvPr id="53" name="잉크 52">
@@ -8091,7 +9075,7 @@
               </p14:xfrm>
             </p:contentPart>
           </mc:Choice>
-          <mc:Fallback>
+          <mc:Fallback xmlns="">
             <p:pic>
               <p:nvPicPr>
                 <p:cNvPr id="53" name="잉크 52">
@@ -8143,8 +9127,8 @@
             <a:chExt cx="1940040" cy="271080"/>
           </a:xfrm>
         </p:grpSpPr>
-        <mc:AlternateContent xmlns:mc="http://schemas.openxmlformats.org/markup-compatibility/2006">
-          <mc:Choice xmlns:p14="http://schemas.microsoft.com/office/powerpoint/2010/main" Requires="p14">
+        <mc:AlternateContent xmlns:mc="http://schemas.openxmlformats.org/markup-compatibility/2006" xmlns:p14="http://schemas.microsoft.com/office/powerpoint/2010/main">
+          <mc:Choice Requires="p14">
             <p:contentPart p14:bwMode="auto" r:id="rId24">
               <p14:nvContentPartPr>
                 <p14:cNvPr id="55" name="잉크 54">
@@ -8163,7 +9147,7 @@
               </p14:xfrm>
             </p:contentPart>
           </mc:Choice>
-          <mc:Fallback>
+          <mc:Fallback xmlns="">
             <p:pic>
               <p:nvPicPr>
                 <p:cNvPr id="55" name="잉크 54">
@@ -8194,8 +9178,8 @@
             </p:pic>
           </mc:Fallback>
         </mc:AlternateContent>
-        <mc:AlternateContent xmlns:mc="http://schemas.openxmlformats.org/markup-compatibility/2006">
-          <mc:Choice xmlns:p14="http://schemas.microsoft.com/office/powerpoint/2010/main" Requires="p14">
+        <mc:AlternateContent xmlns:mc="http://schemas.openxmlformats.org/markup-compatibility/2006" xmlns:p14="http://schemas.microsoft.com/office/powerpoint/2010/main">
+          <mc:Choice Requires="p14">
             <p:contentPart p14:bwMode="auto" r:id="rId26">
               <p14:nvContentPartPr>
                 <p14:cNvPr id="56" name="잉크 55">
@@ -8214,7 +9198,7 @@
               </p14:xfrm>
             </p:contentPart>
           </mc:Choice>
-          <mc:Fallback>
+          <mc:Fallback xmlns="">
             <p:pic>
               <p:nvPicPr>
                 <p:cNvPr id="56" name="잉크 55">
@@ -8245,8 +9229,8 @@
             </p:pic>
           </mc:Fallback>
         </mc:AlternateContent>
-        <mc:AlternateContent xmlns:mc="http://schemas.openxmlformats.org/markup-compatibility/2006">
-          <mc:Choice xmlns:p14="http://schemas.microsoft.com/office/powerpoint/2010/main" Requires="p14">
+        <mc:AlternateContent xmlns:mc="http://schemas.openxmlformats.org/markup-compatibility/2006" xmlns:p14="http://schemas.microsoft.com/office/powerpoint/2010/main">
+          <mc:Choice Requires="p14">
             <p:contentPart p14:bwMode="auto" r:id="rId28">
               <p14:nvContentPartPr>
                 <p14:cNvPr id="57" name="잉크 56">
@@ -8265,7 +9249,7 @@
               </p14:xfrm>
             </p:contentPart>
           </mc:Choice>
-          <mc:Fallback>
+          <mc:Fallback xmlns="">
             <p:pic>
               <p:nvPicPr>
                 <p:cNvPr id="57" name="잉크 56">
@@ -8297,8 +9281,8 @@
           </mc:Fallback>
         </mc:AlternateContent>
       </p:grpSp>
-      <mc:AlternateContent xmlns:mc="http://schemas.openxmlformats.org/markup-compatibility/2006">
-        <mc:Choice xmlns:p14="http://schemas.microsoft.com/office/powerpoint/2010/main" Requires="p14">
+      <mc:AlternateContent xmlns:mc="http://schemas.openxmlformats.org/markup-compatibility/2006" xmlns:p14="http://schemas.microsoft.com/office/powerpoint/2010/main">
+        <mc:Choice Requires="p14">
           <p:contentPart p14:bwMode="auto" r:id="rId30">
             <p14:nvContentPartPr>
               <p14:cNvPr id="58" name="잉크 57">
@@ -8317,7 +9301,7 @@
             </p14:xfrm>
           </p:contentPart>
         </mc:Choice>
-        <mc:Fallback>
+        <mc:Fallback xmlns="">
           <p:pic>
             <p:nvPicPr>
               <p:cNvPr id="58" name="잉크 57">
@@ -8721,7 +9705,13 @@
   <p:cSld>
     <p:spTree>
       <p:nvGrpSpPr>
-        <p:cNvPr id="1" name=""/>
+        <p:cNvPr id="1" name="">
+          <a:extLst>
+            <a:ext uri="{FF2B5EF4-FFF2-40B4-BE49-F238E27FC236}">
+              <a16:creationId xmlns:a16="http://schemas.microsoft.com/office/drawing/2014/main" id="{4CF4FD7E-EEC1-F153-0ADF-1641D9D371AF}"/>
+            </a:ext>
+          </a:extLst>
+        </p:cNvPr>
         <p:cNvGrpSpPr/>
         <p:nvPr/>
       </p:nvGrpSpPr>
@@ -8738,7 +9728,7 @@
           <p:cNvPr id="5" name="내용 개체 틀 4" descr="원, 프레임, 디자인이(가) 표시된 사진&#10;&#10;AI 생성 콘텐츠는 정확하지 않을 수 있습니다.">
             <a:extLst>
               <a:ext uri="{FF2B5EF4-FFF2-40B4-BE49-F238E27FC236}">
-                <a16:creationId xmlns:a16="http://schemas.microsoft.com/office/drawing/2014/main" id="{9C4D3B3B-743A-FD07-8674-5B32DBBB8C4E}"/>
+                <a16:creationId xmlns:a16="http://schemas.microsoft.com/office/drawing/2014/main" id="{405DE8BB-6414-F4D8-04AF-434CC427850F}"/>
               </a:ext>
             </a:extLst>
           </p:cNvPr>
@@ -8757,7 +9747,7 @@
         </p:blipFill>
         <p:spPr>
           <a:xfrm rot="2183175">
-            <a:off x="6696051" y="2654363"/>
+            <a:off x="8982051" y="1073213"/>
             <a:ext cx="2429214" cy="2191056"/>
           </a:xfrm>
           <a:prstGeom prst="rect">
@@ -8770,7 +9760,7 @@
           <p:cNvPr id="18" name="그룹 17">
             <a:extLst>
               <a:ext uri="{FF2B5EF4-FFF2-40B4-BE49-F238E27FC236}">
-                <a16:creationId xmlns:a16="http://schemas.microsoft.com/office/drawing/2014/main" id="{6618337F-9130-F721-82AF-46835E6BBFD9}"/>
+                <a16:creationId xmlns:a16="http://schemas.microsoft.com/office/drawing/2014/main" id="{08DCFC17-95C5-2852-8783-4201BB6CD622}"/>
               </a:ext>
             </a:extLst>
           </p:cNvPr>
@@ -8779,7 +9769,7 @@
         </p:nvGrpSpPr>
         <p:grpSpPr>
           <a:xfrm rot="2183175">
-            <a:off x="6835776" y="2482564"/>
+            <a:off x="9121776" y="901414"/>
             <a:ext cx="1507847" cy="2705326"/>
             <a:chOff x="7112000" y="2721038"/>
             <a:chExt cx="1507847" cy="2705326"/>
@@ -8790,7 +9780,7 @@
             <p:cNvPr id="7" name="직선 연결선 6">
               <a:extLst>
                 <a:ext uri="{FF2B5EF4-FFF2-40B4-BE49-F238E27FC236}">
-                  <a16:creationId xmlns:a16="http://schemas.microsoft.com/office/drawing/2014/main" id="{31898551-1933-D2AD-4C68-41DF221AC7FB}"/>
+                  <a16:creationId xmlns:a16="http://schemas.microsoft.com/office/drawing/2014/main" id="{BA237A1F-07EC-4E5E-88E2-39F725D1E769}"/>
                 </a:ext>
               </a:extLst>
             </p:cNvPr>
@@ -8828,7 +9818,7 @@
             <p:cNvPr id="8" name="직선 연결선 7">
               <a:extLst>
                 <a:ext uri="{FF2B5EF4-FFF2-40B4-BE49-F238E27FC236}">
-                  <a16:creationId xmlns:a16="http://schemas.microsoft.com/office/drawing/2014/main" id="{0943EAD2-53AB-E553-6507-19169CD25490}"/>
+                  <a16:creationId xmlns:a16="http://schemas.microsoft.com/office/drawing/2014/main" id="{181F4435-A0D4-6817-A204-B1124192C009}"/>
                 </a:ext>
               </a:extLst>
             </p:cNvPr>
@@ -8866,7 +9856,7 @@
             <p:cNvPr id="10" name="직선 연결선 9">
               <a:extLst>
                 <a:ext uri="{FF2B5EF4-FFF2-40B4-BE49-F238E27FC236}">
-                  <a16:creationId xmlns:a16="http://schemas.microsoft.com/office/drawing/2014/main" id="{55006981-8AAD-45E8-4791-5E7FF96CC7A1}"/>
+                  <a16:creationId xmlns:a16="http://schemas.microsoft.com/office/drawing/2014/main" id="{762A6BD4-3E75-C513-B05E-0098412C6F24}"/>
                 </a:ext>
               </a:extLst>
             </p:cNvPr>
@@ -8910,7 +9900,7 @@
           <p:cNvPr id="24" name="직선 연결선 23">
             <a:extLst>
               <a:ext uri="{FF2B5EF4-FFF2-40B4-BE49-F238E27FC236}">
-                <a16:creationId xmlns:a16="http://schemas.microsoft.com/office/drawing/2014/main" id="{D20A653C-8E6A-0CE4-2811-47386AB9B1A5}"/>
+                <a16:creationId xmlns:a16="http://schemas.microsoft.com/office/drawing/2014/main" id="{4BA86AC2-EFE8-23D3-85D6-5BEE20557143}"/>
               </a:ext>
             </a:extLst>
           </p:cNvPr>
@@ -8921,7 +9911,7 @@
         </p:nvCxnSpPr>
         <p:spPr>
           <a:xfrm>
-            <a:off x="7413879" y="3328377"/>
+            <a:off x="9699879" y="1747227"/>
             <a:ext cx="1059304" cy="630971"/>
           </a:xfrm>
           <a:prstGeom prst="line">
@@ -8943,6 +9933,1882 @@
           </a:fontRef>
         </p:style>
       </p:cxnSp>
+      <p:pic>
+        <p:nvPicPr>
+          <p:cNvPr id="43" name="그림 42" descr="스케치, 디자인이(가) 표시된 사진&#10;&#10;AI 생성 콘텐츠는 정확하지 않을 수 있습니다.">
+            <a:extLst>
+              <a:ext uri="{FF2B5EF4-FFF2-40B4-BE49-F238E27FC236}">
+                <a16:creationId xmlns:a16="http://schemas.microsoft.com/office/drawing/2014/main" id="{571160B1-DCDE-CC9C-4D0C-B47838B8EE50}"/>
+              </a:ext>
+            </a:extLst>
+          </p:cNvPr>
+          <p:cNvPicPr>
+            <a:picLocks noChangeAspect="1"/>
+          </p:cNvPicPr>
+          <p:nvPr/>
+        </p:nvPicPr>
+        <p:blipFill>
+          <a:blip r:embed="rId3"/>
+          <a:stretch>
+            <a:fillRect/>
+          </a:stretch>
+        </p:blipFill>
+        <p:spPr>
+          <a:xfrm>
+            <a:off x="1055149" y="80061"/>
+            <a:ext cx="3162741" cy="1829055"/>
+          </a:xfrm>
+          <a:prstGeom prst="rect">
+            <a:avLst/>
+          </a:prstGeom>
+        </p:spPr>
+      </p:pic>
+      <p:pic>
+        <p:nvPicPr>
+          <p:cNvPr id="45" name="그림 44" descr="디자인이(가) 표시된 사진&#10;&#10;AI 생성 콘텐츠는 정확하지 않을 수 있습니다.">
+            <a:extLst>
+              <a:ext uri="{FF2B5EF4-FFF2-40B4-BE49-F238E27FC236}">
+                <a16:creationId xmlns:a16="http://schemas.microsoft.com/office/drawing/2014/main" id="{08940D5B-781E-54BE-BF59-C57A4E3FA084}"/>
+              </a:ext>
+            </a:extLst>
+          </p:cNvPr>
+          <p:cNvPicPr>
+            <a:picLocks noChangeAspect="1"/>
+          </p:cNvPicPr>
+          <p:nvPr/>
+        </p:nvPicPr>
+        <p:blipFill>
+          <a:blip r:embed="rId4"/>
+          <a:stretch>
+            <a:fillRect/>
+          </a:stretch>
+        </p:blipFill>
+        <p:spPr>
+          <a:xfrm>
+            <a:off x="1045622" y="3771217"/>
+            <a:ext cx="3172268" cy="1867161"/>
+          </a:xfrm>
+          <a:prstGeom prst="rect">
+            <a:avLst/>
+          </a:prstGeom>
+        </p:spPr>
+      </p:pic>
+      <p:cxnSp>
+        <p:nvCxnSpPr>
+          <p:cNvPr id="47" name="직선 화살표 연결선 46">
+            <a:extLst>
+              <a:ext uri="{FF2B5EF4-FFF2-40B4-BE49-F238E27FC236}">
+                <a16:creationId xmlns:a16="http://schemas.microsoft.com/office/drawing/2014/main" id="{2F73FB19-9338-B808-EA20-3BA5D9059EA0}"/>
+              </a:ext>
+            </a:extLst>
+          </p:cNvPr>
+          <p:cNvCxnSpPr/>
+          <p:nvPr/>
+        </p:nvCxnSpPr>
+        <p:spPr>
+          <a:xfrm>
+            <a:off x="1607820" y="994588"/>
+            <a:ext cx="1356360" cy="0"/>
+          </a:xfrm>
+          <a:prstGeom prst="straightConnector1">
+            <a:avLst/>
+          </a:prstGeom>
+          <a:ln w="44450">
+            <a:solidFill>
+              <a:srgbClr val="C00000"/>
+            </a:solidFill>
+            <a:headEnd type="triangle"/>
+            <a:tailEnd type="triangle"/>
+          </a:ln>
+        </p:spPr>
+        <p:style>
+          <a:lnRef idx="2">
+            <a:schemeClr val="accent1"/>
+          </a:lnRef>
+          <a:fillRef idx="0">
+            <a:schemeClr val="accent1"/>
+          </a:fillRef>
+          <a:effectRef idx="1">
+            <a:schemeClr val="accent1"/>
+          </a:effectRef>
+          <a:fontRef idx="minor">
+            <a:schemeClr val="tx1"/>
+          </a:fontRef>
+        </p:style>
+      </p:cxnSp>
+      <p:cxnSp>
+        <p:nvCxnSpPr>
+          <p:cNvPr id="48" name="직선 화살표 연결선 47">
+            <a:extLst>
+              <a:ext uri="{FF2B5EF4-FFF2-40B4-BE49-F238E27FC236}">
+                <a16:creationId xmlns:a16="http://schemas.microsoft.com/office/drawing/2014/main" id="{F6D674E9-CBFB-283D-C1CC-A0DD331AF135}"/>
+              </a:ext>
+            </a:extLst>
+          </p:cNvPr>
+          <p:cNvCxnSpPr/>
+          <p:nvPr/>
+        </p:nvCxnSpPr>
+        <p:spPr>
+          <a:xfrm>
+            <a:off x="1505929" y="4658615"/>
+            <a:ext cx="1356360" cy="0"/>
+          </a:xfrm>
+          <a:prstGeom prst="straightConnector1">
+            <a:avLst/>
+          </a:prstGeom>
+          <a:ln w="44450">
+            <a:solidFill>
+              <a:srgbClr val="C00000"/>
+            </a:solidFill>
+            <a:headEnd type="triangle"/>
+            <a:tailEnd type="triangle"/>
+          </a:ln>
+        </p:spPr>
+        <p:style>
+          <a:lnRef idx="2">
+            <a:schemeClr val="accent1"/>
+          </a:lnRef>
+          <a:fillRef idx="0">
+            <a:schemeClr val="accent1"/>
+          </a:fillRef>
+          <a:effectRef idx="1">
+            <a:schemeClr val="accent1"/>
+          </a:effectRef>
+          <a:fontRef idx="minor">
+            <a:schemeClr val="tx1"/>
+          </a:fontRef>
+        </p:style>
+      </p:cxnSp>
+      <p:pic>
+        <p:nvPicPr>
+          <p:cNvPr id="49" name="그림 48" descr="디자인이(가) 표시된 사진&#10;&#10;AI 생성 콘텐츠는 정확하지 않을 수 있습니다.">
+            <a:extLst>
+              <a:ext uri="{FF2B5EF4-FFF2-40B4-BE49-F238E27FC236}">
+                <a16:creationId xmlns:a16="http://schemas.microsoft.com/office/drawing/2014/main" id="{5D84EF25-628E-D97F-C9FF-36B13346707E}"/>
+              </a:ext>
+            </a:extLst>
+          </p:cNvPr>
+          <p:cNvPicPr>
+            <a:picLocks noChangeAspect="1"/>
+          </p:cNvPicPr>
+          <p:nvPr/>
+        </p:nvPicPr>
+        <p:blipFill>
+          <a:blip r:embed="rId4"/>
+          <a:stretch>
+            <a:fillRect/>
+          </a:stretch>
+        </p:blipFill>
+        <p:spPr>
+          <a:xfrm>
+            <a:off x="1024073" y="1890062"/>
+            <a:ext cx="3172268" cy="1867161"/>
+          </a:xfrm>
+          <a:prstGeom prst="rect">
+            <a:avLst/>
+          </a:prstGeom>
+        </p:spPr>
+      </p:pic>
+      <p:pic>
+        <p:nvPicPr>
+          <p:cNvPr id="50" name="그림 49" descr="스케치, 디자인이(가) 표시된 사진&#10;&#10;AI 생성 콘텐츠는 정확하지 않을 수 있습니다.">
+            <a:extLst>
+              <a:ext uri="{FF2B5EF4-FFF2-40B4-BE49-F238E27FC236}">
+                <a16:creationId xmlns:a16="http://schemas.microsoft.com/office/drawing/2014/main" id="{346E4FBF-6C5C-FA38-CA20-6CF86C6C09BB}"/>
+              </a:ext>
+            </a:extLst>
+          </p:cNvPr>
+          <p:cNvPicPr>
+            <a:picLocks noChangeAspect="1"/>
+          </p:cNvPicPr>
+          <p:nvPr/>
+        </p:nvPicPr>
+        <p:blipFill>
+          <a:blip r:embed="rId3">
+            <a:alphaModFix amt="26000"/>
+          </a:blip>
+          <a:stretch>
+            <a:fillRect/>
+          </a:stretch>
+        </p:blipFill>
+        <p:spPr>
+          <a:xfrm>
+            <a:off x="1025980" y="1800327"/>
+            <a:ext cx="3162741" cy="1829055"/>
+          </a:xfrm>
+          <a:prstGeom prst="rect">
+            <a:avLst/>
+          </a:prstGeom>
+        </p:spPr>
+      </p:pic>
+      <p:sp>
+        <p:nvSpPr>
+          <p:cNvPr id="54" name="화살표: 오른쪽으로 구부러짐 53">
+            <a:extLst>
+              <a:ext uri="{FF2B5EF4-FFF2-40B4-BE49-F238E27FC236}">
+                <a16:creationId xmlns:a16="http://schemas.microsoft.com/office/drawing/2014/main" id="{579B4FD0-90E9-418F-F344-4F68B8E38DC3}"/>
+              </a:ext>
+            </a:extLst>
+          </p:cNvPr>
+          <p:cNvSpPr/>
+          <p:nvPr/>
+        </p:nvSpPr>
+        <p:spPr>
+          <a:xfrm>
+            <a:off x="3321324" y="2308954"/>
+            <a:ext cx="360047" cy="920589"/>
+          </a:xfrm>
+          <a:prstGeom prst="curvedRightArrow">
+            <a:avLst/>
+          </a:prstGeom>
+          <a:solidFill>
+            <a:srgbClr val="C00000"/>
+          </a:solidFill>
+          <a:ln>
+            <a:solidFill>
+              <a:srgbClr val="C00000"/>
+            </a:solidFill>
+          </a:ln>
+        </p:spPr>
+        <p:style>
+          <a:lnRef idx="2">
+            <a:schemeClr val="accent1">
+              <a:shade val="15000"/>
+            </a:schemeClr>
+          </a:lnRef>
+          <a:fillRef idx="1">
+            <a:schemeClr val="accent1"/>
+          </a:fillRef>
+          <a:effectRef idx="0">
+            <a:schemeClr val="accent1"/>
+          </a:effectRef>
+          <a:fontRef idx="minor">
+            <a:schemeClr val="lt1"/>
+          </a:fontRef>
+        </p:style>
+        <p:txBody>
+          <a:bodyPr rtlCol="0" anchor="ctr"/>
+          <a:lstStyle/>
+          <a:p>
+            <a:pPr algn="ctr"/>
+            <a:endParaRPr lang="ko-KR" altLang="en-US">
+              <a:solidFill>
+                <a:schemeClr val="tx1"/>
+              </a:solidFill>
+            </a:endParaRPr>
+          </a:p>
+        </p:txBody>
+      </p:sp>
+      <p:pic>
+        <p:nvPicPr>
+          <p:cNvPr id="56" name="그림 55">
+            <a:extLst>
+              <a:ext uri="{FF2B5EF4-FFF2-40B4-BE49-F238E27FC236}">
+                <a16:creationId xmlns:a16="http://schemas.microsoft.com/office/drawing/2014/main" id="{DE008A79-5573-5720-18A3-279C32CA52B2}"/>
+              </a:ext>
+            </a:extLst>
+          </p:cNvPr>
+          <p:cNvPicPr>
+            <a:picLocks noChangeAspect="1"/>
+          </p:cNvPicPr>
+          <p:nvPr/>
+        </p:nvPicPr>
+        <p:blipFill>
+          <a:blip r:embed="rId5"/>
+          <a:stretch>
+            <a:fillRect/>
+          </a:stretch>
+        </p:blipFill>
+        <p:spPr>
+          <a:xfrm>
+            <a:off x="4632867" y="1961119"/>
+            <a:ext cx="3362794" cy="1619476"/>
+          </a:xfrm>
+          <a:prstGeom prst="rect">
+            <a:avLst/>
+          </a:prstGeom>
+        </p:spPr>
+      </p:pic>
+      <p:cxnSp>
+        <p:nvCxnSpPr>
+          <p:cNvPr id="57" name="직선 화살표 연결선 56">
+            <a:extLst>
+              <a:ext uri="{FF2B5EF4-FFF2-40B4-BE49-F238E27FC236}">
+                <a16:creationId xmlns:a16="http://schemas.microsoft.com/office/drawing/2014/main" id="{E38A53EA-F495-FEFC-D186-C7167F39DBBB}"/>
+              </a:ext>
+            </a:extLst>
+          </p:cNvPr>
+          <p:cNvCxnSpPr>
+            <a:cxnSpLocks/>
+          </p:cNvCxnSpPr>
+          <p:nvPr/>
+        </p:nvCxnSpPr>
+        <p:spPr>
+          <a:xfrm flipV="1">
+            <a:off x="5310909" y="2317478"/>
+            <a:ext cx="1409931" cy="481140"/>
+          </a:xfrm>
+          <a:prstGeom prst="straightConnector1">
+            <a:avLst/>
+          </a:prstGeom>
+          <a:ln w="44450">
+            <a:solidFill>
+              <a:srgbClr val="C00000"/>
+            </a:solidFill>
+            <a:headEnd type="triangle"/>
+            <a:tailEnd type="triangle"/>
+          </a:ln>
+        </p:spPr>
+        <p:style>
+          <a:lnRef idx="2">
+            <a:schemeClr val="accent1"/>
+          </a:lnRef>
+          <a:fillRef idx="0">
+            <a:schemeClr val="accent1"/>
+          </a:fillRef>
+          <a:effectRef idx="1">
+            <a:schemeClr val="accent1"/>
+          </a:effectRef>
+          <a:fontRef idx="minor">
+            <a:schemeClr val="tx1"/>
+          </a:fontRef>
+        </p:style>
+      </p:cxnSp>
+      <p:cxnSp>
+        <p:nvCxnSpPr>
+          <p:cNvPr id="60" name="직선 화살표 연결선 59">
+            <a:extLst>
+              <a:ext uri="{FF2B5EF4-FFF2-40B4-BE49-F238E27FC236}">
+                <a16:creationId xmlns:a16="http://schemas.microsoft.com/office/drawing/2014/main" id="{32D4DED5-8378-9E33-F5C0-6CCFB6BD8B1A}"/>
+              </a:ext>
+            </a:extLst>
+          </p:cNvPr>
+          <p:cNvCxnSpPr>
+            <a:cxnSpLocks/>
+          </p:cNvCxnSpPr>
+          <p:nvPr/>
+        </p:nvCxnSpPr>
+        <p:spPr>
+          <a:xfrm>
+            <a:off x="5310909" y="2798618"/>
+            <a:ext cx="1409931" cy="360218"/>
+          </a:xfrm>
+          <a:prstGeom prst="straightConnector1">
+            <a:avLst/>
+          </a:prstGeom>
+          <a:ln w="44450">
+            <a:solidFill>
+              <a:srgbClr val="C00000"/>
+            </a:solidFill>
+            <a:headEnd type="triangle"/>
+            <a:tailEnd type="triangle"/>
+          </a:ln>
+        </p:spPr>
+        <p:style>
+          <a:lnRef idx="2">
+            <a:schemeClr val="accent1"/>
+          </a:lnRef>
+          <a:fillRef idx="0">
+            <a:schemeClr val="accent1"/>
+          </a:fillRef>
+          <a:effectRef idx="1">
+            <a:schemeClr val="accent1"/>
+          </a:effectRef>
+          <a:fontRef idx="minor">
+            <a:schemeClr val="tx1"/>
+          </a:fontRef>
+        </p:style>
+      </p:cxnSp>
+      <p:sp>
+        <p:nvSpPr>
+          <p:cNvPr id="63" name="화살표: 오른쪽 62">
+            <a:extLst>
+              <a:ext uri="{FF2B5EF4-FFF2-40B4-BE49-F238E27FC236}">
+                <a16:creationId xmlns:a16="http://schemas.microsoft.com/office/drawing/2014/main" id="{D64192DD-7B18-5D17-7724-929D95A08D9C}"/>
+              </a:ext>
+            </a:extLst>
+          </p:cNvPr>
+          <p:cNvSpPr/>
+          <p:nvPr/>
+        </p:nvSpPr>
+        <p:spPr>
+          <a:xfrm>
+            <a:off x="4199627" y="2388118"/>
+            <a:ext cx="663222" cy="871047"/>
+          </a:xfrm>
+          <a:prstGeom prst="rightArrow">
+            <a:avLst/>
+          </a:prstGeom>
+        </p:spPr>
+        <p:style>
+          <a:lnRef idx="2">
+            <a:schemeClr val="accent1">
+              <a:shade val="15000"/>
+            </a:schemeClr>
+          </a:lnRef>
+          <a:fillRef idx="1">
+            <a:schemeClr val="accent1"/>
+          </a:fillRef>
+          <a:effectRef idx="0">
+            <a:schemeClr val="accent1"/>
+          </a:effectRef>
+          <a:fontRef idx="minor">
+            <a:schemeClr val="lt1"/>
+          </a:fontRef>
+        </p:style>
+        <p:txBody>
+          <a:bodyPr rtlCol="0" anchor="ctr"/>
+          <a:lstStyle/>
+          <a:p>
+            <a:pPr algn="ctr"/>
+            <a:endParaRPr lang="ko-KR" altLang="en-US"/>
+          </a:p>
+        </p:txBody>
+      </p:sp>
+    </p:spTree>
+    <p:extLst>
+      <p:ext uri="{BB962C8B-B14F-4D97-AF65-F5344CB8AC3E}">
+        <p14:creationId xmlns:p14="http://schemas.microsoft.com/office/powerpoint/2010/main" val="3828684475"/>
+      </p:ext>
+    </p:extLst>
+  </p:cSld>
+  <p:clrMapOvr>
+    <a:masterClrMapping/>
+  </p:clrMapOvr>
+</p:sld>
+</file>
+
+<file path=ppt/slides/slide15.xml><?xml version="1.0" encoding="utf-8"?>
+<p:sld xmlns:a="http://schemas.openxmlformats.org/drawingml/2006/main" xmlns:r="http://schemas.openxmlformats.org/officeDocument/2006/relationships" xmlns:p="http://schemas.openxmlformats.org/presentationml/2006/main">
+  <p:cSld>
+    <p:spTree>
+      <p:nvGrpSpPr>
+        <p:cNvPr id="1" name=""/>
+        <p:cNvGrpSpPr/>
+        <p:nvPr/>
+      </p:nvGrpSpPr>
+      <p:grpSpPr>
+        <a:xfrm>
+          <a:off x="0" y="0"/>
+          <a:ext cx="0" cy="0"/>
+          <a:chOff x="0" y="0"/>
+          <a:chExt cx="0" cy="0"/>
+        </a:xfrm>
+      </p:grpSpPr>
+      <p:pic>
+        <p:nvPicPr>
+          <p:cNvPr id="304" name="그림 303" descr="스케치, 디자인이(가) 표시된 사진&#10;&#10;AI 생성 콘텐츠는 정확하지 않을 수 있습니다.">
+            <a:extLst>
+              <a:ext uri="{FF2B5EF4-FFF2-40B4-BE49-F238E27FC236}">
+                <a16:creationId xmlns:a16="http://schemas.microsoft.com/office/drawing/2014/main" id="{45F41DF6-3D5D-E810-CD14-63EE2580EC13}"/>
+              </a:ext>
+            </a:extLst>
+          </p:cNvPr>
+          <p:cNvPicPr>
+            <a:picLocks noChangeAspect="1"/>
+          </p:cNvPicPr>
+          <p:nvPr/>
+        </p:nvPicPr>
+        <p:blipFill>
+          <a:blip r:embed="rId3"/>
+          <a:stretch>
+            <a:fillRect/>
+          </a:stretch>
+        </p:blipFill>
+        <p:spPr>
+          <a:xfrm>
+            <a:off x="1489866" y="3070757"/>
+            <a:ext cx="3543795" cy="1905266"/>
+          </a:xfrm>
+          <a:prstGeom prst="rect">
+            <a:avLst/>
+          </a:prstGeom>
+        </p:spPr>
+      </p:pic>
+      <p:pic>
+        <p:nvPicPr>
+          <p:cNvPr id="56" name="그림 55">
+            <a:extLst>
+              <a:ext uri="{FF2B5EF4-FFF2-40B4-BE49-F238E27FC236}">
+                <a16:creationId xmlns:a16="http://schemas.microsoft.com/office/drawing/2014/main" id="{34D4F617-3D3A-B963-4B6D-E12B72A78B11}"/>
+              </a:ext>
+            </a:extLst>
+          </p:cNvPr>
+          <p:cNvPicPr>
+            <a:picLocks noChangeAspect="1"/>
+          </p:cNvPicPr>
+          <p:nvPr/>
+        </p:nvPicPr>
+        <p:blipFill>
+          <a:blip r:embed="rId4"/>
+          <a:stretch>
+            <a:fillRect/>
+          </a:stretch>
+        </p:blipFill>
+        <p:spPr>
+          <a:xfrm>
+            <a:off x="1668687" y="1580119"/>
+            <a:ext cx="3362794" cy="1619476"/>
+          </a:xfrm>
+          <a:prstGeom prst="rect">
+            <a:avLst/>
+          </a:prstGeom>
+        </p:spPr>
+      </p:pic>
+      <p:cxnSp>
+        <p:nvCxnSpPr>
+          <p:cNvPr id="70" name="직선 화살표 연결선 69">
+            <a:extLst>
+              <a:ext uri="{FF2B5EF4-FFF2-40B4-BE49-F238E27FC236}">
+                <a16:creationId xmlns:a16="http://schemas.microsoft.com/office/drawing/2014/main" id="{46E1E5FD-6836-D854-ADBD-8DE8DF8259E9}"/>
+              </a:ext>
+            </a:extLst>
+          </p:cNvPr>
+          <p:cNvCxnSpPr>
+            <a:cxnSpLocks/>
+          </p:cNvCxnSpPr>
+          <p:nvPr/>
+        </p:nvCxnSpPr>
+        <p:spPr>
+          <a:xfrm flipH="1">
+            <a:off x="2066925" y="2066925"/>
+            <a:ext cx="3676650" cy="1362075"/>
+          </a:xfrm>
+          <a:prstGeom prst="straightConnector1">
+            <a:avLst/>
+          </a:prstGeom>
+          <a:ln>
+            <a:solidFill>
+              <a:schemeClr val="tx1"/>
+            </a:solidFill>
+            <a:prstDash val="dash"/>
+            <a:headEnd type="triangle"/>
+            <a:tailEnd type="triangle"/>
+          </a:ln>
+        </p:spPr>
+        <p:style>
+          <a:lnRef idx="2">
+            <a:schemeClr val="accent1"/>
+          </a:lnRef>
+          <a:fillRef idx="0">
+            <a:schemeClr val="accent1"/>
+          </a:fillRef>
+          <a:effectRef idx="1">
+            <a:schemeClr val="accent1"/>
+          </a:effectRef>
+          <a:fontRef idx="minor">
+            <a:schemeClr val="tx1"/>
+          </a:fontRef>
+        </p:style>
+      </p:cxnSp>
+      <p:cxnSp>
+        <p:nvCxnSpPr>
+          <p:cNvPr id="76" name="직선 화살표 연결선 75">
+            <a:extLst>
+              <a:ext uri="{FF2B5EF4-FFF2-40B4-BE49-F238E27FC236}">
+                <a16:creationId xmlns:a16="http://schemas.microsoft.com/office/drawing/2014/main" id="{CD700A4D-87B3-4A8A-3CA7-6CF64AF0A982}"/>
+              </a:ext>
+            </a:extLst>
+          </p:cNvPr>
+          <p:cNvCxnSpPr>
+            <a:cxnSpLocks/>
+          </p:cNvCxnSpPr>
+          <p:nvPr/>
+        </p:nvCxnSpPr>
+        <p:spPr>
+          <a:xfrm flipH="1" flipV="1">
+            <a:off x="2066925" y="1438275"/>
+            <a:ext cx="3871912" cy="1280710"/>
+          </a:xfrm>
+          <a:prstGeom prst="straightConnector1">
+            <a:avLst/>
+          </a:prstGeom>
+          <a:ln>
+            <a:solidFill>
+              <a:schemeClr val="tx1"/>
+            </a:solidFill>
+            <a:prstDash val="dash"/>
+            <a:headEnd type="triangle"/>
+            <a:tailEnd type="triangle"/>
+          </a:ln>
+        </p:spPr>
+        <p:style>
+          <a:lnRef idx="2">
+            <a:schemeClr val="accent1"/>
+          </a:lnRef>
+          <a:fillRef idx="0">
+            <a:schemeClr val="accent1"/>
+          </a:fillRef>
+          <a:effectRef idx="1">
+            <a:schemeClr val="accent1"/>
+          </a:effectRef>
+          <a:fontRef idx="minor">
+            <a:schemeClr val="tx1"/>
+          </a:fontRef>
+        </p:style>
+      </p:cxnSp>
+      <p:cxnSp>
+        <p:nvCxnSpPr>
+          <p:cNvPr id="82" name="직선 연결선 81">
+            <a:extLst>
+              <a:ext uri="{FF2B5EF4-FFF2-40B4-BE49-F238E27FC236}">
+                <a16:creationId xmlns:a16="http://schemas.microsoft.com/office/drawing/2014/main" id="{BDE8596E-9A07-0EC5-0089-B9FB104E3159}"/>
+              </a:ext>
+            </a:extLst>
+          </p:cNvPr>
+          <p:cNvCxnSpPr/>
+          <p:nvPr/>
+        </p:nvCxnSpPr>
+        <p:spPr>
+          <a:xfrm flipH="1">
+            <a:off x="600075" y="2389857"/>
+            <a:ext cx="7505700" cy="0"/>
+          </a:xfrm>
+          <a:prstGeom prst="line">
+            <a:avLst/>
+          </a:prstGeom>
+          <a:ln>
+            <a:solidFill>
+              <a:schemeClr val="tx1"/>
+            </a:solidFill>
+          </a:ln>
+        </p:spPr>
+        <p:style>
+          <a:lnRef idx="2">
+            <a:schemeClr val="accent1"/>
+          </a:lnRef>
+          <a:fillRef idx="0">
+            <a:schemeClr val="accent1"/>
+          </a:fillRef>
+          <a:effectRef idx="1">
+            <a:schemeClr val="accent1"/>
+          </a:effectRef>
+          <a:fontRef idx="minor">
+            <a:schemeClr val="tx1"/>
+          </a:fontRef>
+        </p:style>
+      </p:cxnSp>
+      <p:cxnSp>
+        <p:nvCxnSpPr>
+          <p:cNvPr id="85" name="직선 화살표 연결선 84">
+            <a:extLst>
+              <a:ext uri="{FF2B5EF4-FFF2-40B4-BE49-F238E27FC236}">
+                <a16:creationId xmlns:a16="http://schemas.microsoft.com/office/drawing/2014/main" id="{4851CCC1-E8BF-4801-AE81-909C895B576A}"/>
+              </a:ext>
+            </a:extLst>
+          </p:cNvPr>
+          <p:cNvCxnSpPr>
+            <a:cxnSpLocks/>
+          </p:cNvCxnSpPr>
+          <p:nvPr/>
+        </p:nvCxnSpPr>
+        <p:spPr>
+          <a:xfrm flipH="1">
+            <a:off x="404813" y="1177889"/>
+            <a:ext cx="5967412" cy="1841536"/>
+          </a:xfrm>
+          <a:prstGeom prst="straightConnector1">
+            <a:avLst/>
+          </a:prstGeom>
+          <a:ln>
+            <a:solidFill>
+              <a:schemeClr val="tx1"/>
+            </a:solidFill>
+            <a:prstDash val="dash"/>
+            <a:headEnd type="triangle"/>
+            <a:tailEnd type="triangle"/>
+          </a:ln>
+        </p:spPr>
+        <p:style>
+          <a:lnRef idx="2">
+            <a:schemeClr val="accent1"/>
+          </a:lnRef>
+          <a:fillRef idx="0">
+            <a:schemeClr val="accent1"/>
+          </a:fillRef>
+          <a:effectRef idx="1">
+            <a:schemeClr val="accent1"/>
+          </a:effectRef>
+          <a:fontRef idx="minor">
+            <a:schemeClr val="tx1"/>
+          </a:fontRef>
+        </p:style>
+      </p:cxnSp>
+      <p:cxnSp>
+        <p:nvCxnSpPr>
+          <p:cNvPr id="89" name="직선 화살표 연결선 88">
+            <a:extLst>
+              <a:ext uri="{FF2B5EF4-FFF2-40B4-BE49-F238E27FC236}">
+                <a16:creationId xmlns:a16="http://schemas.microsoft.com/office/drawing/2014/main" id="{6CCBC2E2-E853-B3D1-B10A-BE39FE3166A2}"/>
+              </a:ext>
+            </a:extLst>
+          </p:cNvPr>
+          <p:cNvCxnSpPr>
+            <a:cxnSpLocks/>
+          </p:cNvCxnSpPr>
+          <p:nvPr/>
+        </p:nvCxnSpPr>
+        <p:spPr>
+          <a:xfrm flipH="1" flipV="1">
+            <a:off x="-28575" y="1599282"/>
+            <a:ext cx="6365650" cy="2048793"/>
+          </a:xfrm>
+          <a:prstGeom prst="straightConnector1">
+            <a:avLst/>
+          </a:prstGeom>
+          <a:ln>
+            <a:solidFill>
+              <a:schemeClr val="tx1"/>
+            </a:solidFill>
+            <a:prstDash val="dash"/>
+            <a:headEnd type="triangle"/>
+            <a:tailEnd type="triangle"/>
+          </a:ln>
+        </p:spPr>
+        <p:style>
+          <a:lnRef idx="2">
+            <a:schemeClr val="accent1"/>
+          </a:lnRef>
+          <a:fillRef idx="0">
+            <a:schemeClr val="accent1"/>
+          </a:fillRef>
+          <a:effectRef idx="1">
+            <a:schemeClr val="accent1"/>
+          </a:effectRef>
+          <a:fontRef idx="minor">
+            <a:schemeClr val="tx1"/>
+          </a:fontRef>
+        </p:style>
+      </p:cxnSp>
+      <mc:AlternateContent xmlns:mc="http://schemas.openxmlformats.org/markup-compatibility/2006">
+        <mc:Choice xmlns:p14="http://schemas.microsoft.com/office/powerpoint/2010/main" Requires="p14">
+          <p:contentPart p14:bwMode="auto" r:id="rId5">
+            <p14:nvContentPartPr>
+              <p14:cNvPr id="199" name="잉크 198">
+                <a:extLst>
+                  <a:ext uri="{FF2B5EF4-FFF2-40B4-BE49-F238E27FC236}">
+                    <a16:creationId xmlns:a16="http://schemas.microsoft.com/office/drawing/2014/main" id="{0BACE521-74B2-0652-4F3D-2282AD2A578A}"/>
+                  </a:ext>
+                </a:extLst>
+              </p14:cNvPr>
+              <p14:cNvContentPartPr/>
+              <p14:nvPr/>
+            </p14:nvContentPartPr>
+            <p14:xfrm>
+              <a:off x="2184350" y="1538740"/>
+              <a:ext cx="2743200" cy="836280"/>
+            </p14:xfrm>
+          </p:contentPart>
+        </mc:Choice>
+        <mc:Fallback>
+          <p:pic>
+            <p:nvPicPr>
+              <p:cNvPr id="199" name="잉크 198">
+                <a:extLst>
+                  <a:ext uri="{FF2B5EF4-FFF2-40B4-BE49-F238E27FC236}">
+                    <a16:creationId xmlns:a16="http://schemas.microsoft.com/office/drawing/2014/main" id="{0BACE521-74B2-0652-4F3D-2282AD2A578A}"/>
+                  </a:ext>
+                </a:extLst>
+              </p:cNvPr>
+              <p:cNvPicPr/>
+              <p:nvPr/>
+            </p:nvPicPr>
+            <p:blipFill>
+              <a:blip r:embed="rId6"/>
+              <a:stretch>
+                <a:fillRect/>
+              </a:stretch>
+            </p:blipFill>
+            <p:spPr>
+              <a:xfrm>
+                <a:off x="2166710" y="1503100"/>
+                <a:ext cx="2778840" cy="907920"/>
+              </a:xfrm>
+              <a:prstGeom prst="rect">
+                <a:avLst/>
+              </a:prstGeom>
+            </p:spPr>
+          </p:pic>
+        </mc:Fallback>
+      </mc:AlternateContent>
+      <mc:AlternateContent xmlns:mc="http://schemas.openxmlformats.org/markup-compatibility/2006">
+        <mc:Choice xmlns:p14="http://schemas.microsoft.com/office/powerpoint/2010/main" Requires="p14">
+          <p:contentPart p14:bwMode="auto" r:id="rId7">
+            <p14:nvContentPartPr>
+              <p14:cNvPr id="200" name="잉크 199">
+                <a:extLst>
+                  <a:ext uri="{FF2B5EF4-FFF2-40B4-BE49-F238E27FC236}">
+                    <a16:creationId xmlns:a16="http://schemas.microsoft.com/office/drawing/2014/main" id="{992F471D-B09C-779A-74FC-E5B554615A33}"/>
+                  </a:ext>
+                </a:extLst>
+              </p14:cNvPr>
+              <p14:cNvContentPartPr/>
+              <p14:nvPr/>
+            </p14:nvContentPartPr>
+            <p14:xfrm>
+              <a:off x="2355350" y="1495900"/>
+              <a:ext cx="2880" cy="2880"/>
+            </p14:xfrm>
+          </p:contentPart>
+        </mc:Choice>
+        <mc:Fallback>
+          <p:pic>
+            <p:nvPicPr>
+              <p:cNvPr id="200" name="잉크 199">
+                <a:extLst>
+                  <a:ext uri="{FF2B5EF4-FFF2-40B4-BE49-F238E27FC236}">
+                    <a16:creationId xmlns:a16="http://schemas.microsoft.com/office/drawing/2014/main" id="{992F471D-B09C-779A-74FC-E5B554615A33}"/>
+                  </a:ext>
+                </a:extLst>
+              </p:cNvPr>
+              <p:cNvPicPr/>
+              <p:nvPr/>
+            </p:nvPicPr>
+            <p:blipFill>
+              <a:blip r:embed="rId8"/>
+              <a:stretch>
+                <a:fillRect/>
+              </a:stretch>
+            </p:blipFill>
+            <p:spPr>
+              <a:xfrm>
+                <a:off x="2337710" y="1459900"/>
+                <a:ext cx="38520" cy="74520"/>
+              </a:xfrm>
+              <a:prstGeom prst="rect">
+                <a:avLst/>
+              </a:prstGeom>
+            </p:spPr>
+          </p:pic>
+        </mc:Fallback>
+      </mc:AlternateContent>
+      <mc:AlternateContent xmlns:mc="http://schemas.openxmlformats.org/markup-compatibility/2006">
+        <mc:Choice xmlns:p14="http://schemas.microsoft.com/office/powerpoint/2010/main" Requires="p14">
+          <p:contentPart p14:bwMode="auto" r:id="rId9">
+            <p14:nvContentPartPr>
+              <p14:cNvPr id="201" name="잉크 200">
+                <a:extLst>
+                  <a:ext uri="{FF2B5EF4-FFF2-40B4-BE49-F238E27FC236}">
+                    <a16:creationId xmlns:a16="http://schemas.microsoft.com/office/drawing/2014/main" id="{14ED6011-7261-95DB-6F0D-CFB3163177D4}"/>
+                  </a:ext>
+                </a:extLst>
+              </p14:cNvPr>
+              <p14:cNvContentPartPr/>
+              <p14:nvPr/>
+            </p14:nvContentPartPr>
+            <p14:xfrm>
+              <a:off x="2184710" y="1476820"/>
+              <a:ext cx="178560" cy="233640"/>
+            </p14:xfrm>
+          </p:contentPart>
+        </mc:Choice>
+        <mc:Fallback>
+          <p:pic>
+            <p:nvPicPr>
+              <p:cNvPr id="201" name="잉크 200">
+                <a:extLst>
+                  <a:ext uri="{FF2B5EF4-FFF2-40B4-BE49-F238E27FC236}">
+                    <a16:creationId xmlns:a16="http://schemas.microsoft.com/office/drawing/2014/main" id="{14ED6011-7261-95DB-6F0D-CFB3163177D4}"/>
+                  </a:ext>
+                </a:extLst>
+              </p:cNvPr>
+              <p:cNvPicPr/>
+              <p:nvPr/>
+            </p:nvPicPr>
+            <p:blipFill>
+              <a:blip r:embed="rId10"/>
+              <a:stretch>
+                <a:fillRect/>
+              </a:stretch>
+            </p:blipFill>
+            <p:spPr>
+              <a:xfrm>
+                <a:off x="2166710" y="1441180"/>
+                <a:ext cx="214200" cy="305280"/>
+              </a:xfrm>
+              <a:prstGeom prst="rect">
+                <a:avLst/>
+              </a:prstGeom>
+            </p:spPr>
+          </p:pic>
+        </mc:Fallback>
+      </mc:AlternateContent>
+      <mc:AlternateContent xmlns:mc="http://schemas.openxmlformats.org/markup-compatibility/2006">
+        <mc:Choice xmlns:p14="http://schemas.microsoft.com/office/powerpoint/2010/main" Requires="p14">
+          <p:contentPart p14:bwMode="auto" r:id="rId11">
+            <p14:nvContentPartPr>
+              <p14:cNvPr id="204" name="잉크 203">
+                <a:extLst>
+                  <a:ext uri="{FF2B5EF4-FFF2-40B4-BE49-F238E27FC236}">
+                    <a16:creationId xmlns:a16="http://schemas.microsoft.com/office/drawing/2014/main" id="{01848DFB-FED6-621F-96B8-6CCF75AA7633}"/>
+                  </a:ext>
+                </a:extLst>
+              </p14:cNvPr>
+              <p14:cNvContentPartPr/>
+              <p14:nvPr/>
+            </p14:nvContentPartPr>
+            <p14:xfrm>
+              <a:off x="3477470" y="1930060"/>
+              <a:ext cx="19440" cy="121680"/>
+            </p14:xfrm>
+          </p:contentPart>
+        </mc:Choice>
+        <mc:Fallback>
+          <p:pic>
+            <p:nvPicPr>
+              <p:cNvPr id="204" name="잉크 203">
+                <a:extLst>
+                  <a:ext uri="{FF2B5EF4-FFF2-40B4-BE49-F238E27FC236}">
+                    <a16:creationId xmlns:a16="http://schemas.microsoft.com/office/drawing/2014/main" id="{01848DFB-FED6-621F-96B8-6CCF75AA7633}"/>
+                  </a:ext>
+                </a:extLst>
+              </p:cNvPr>
+              <p:cNvPicPr/>
+              <p:nvPr/>
+            </p:nvPicPr>
+            <p:blipFill>
+              <a:blip r:embed="rId12"/>
+              <a:stretch>
+                <a:fillRect/>
+              </a:stretch>
+            </p:blipFill>
+            <p:spPr>
+              <a:xfrm>
+                <a:off x="3471350" y="1923940"/>
+                <a:ext cx="31680" cy="133920"/>
+              </a:xfrm>
+              <a:prstGeom prst="rect">
+                <a:avLst/>
+              </a:prstGeom>
+            </p:spPr>
+          </p:pic>
+        </mc:Fallback>
+      </mc:AlternateContent>
+      <mc:AlternateContent xmlns:mc="http://schemas.openxmlformats.org/markup-compatibility/2006">
+        <mc:Choice xmlns:p14="http://schemas.microsoft.com/office/powerpoint/2010/main" Requires="p14">
+          <p:contentPart p14:bwMode="auto" r:id="rId13">
+            <p14:nvContentPartPr>
+              <p14:cNvPr id="211" name="잉크 210">
+                <a:extLst>
+                  <a:ext uri="{FF2B5EF4-FFF2-40B4-BE49-F238E27FC236}">
+                    <a16:creationId xmlns:a16="http://schemas.microsoft.com/office/drawing/2014/main" id="{8593A100-572F-69D8-D426-BAE83F38806A}"/>
+                  </a:ext>
+                </a:extLst>
+              </p14:cNvPr>
+              <p14:cNvContentPartPr/>
+              <p14:nvPr/>
+            </p14:nvContentPartPr>
+            <p14:xfrm>
+              <a:off x="3325190" y="1968220"/>
+              <a:ext cx="127440" cy="95760"/>
+            </p14:xfrm>
+          </p:contentPart>
+        </mc:Choice>
+        <mc:Fallback>
+          <p:pic>
+            <p:nvPicPr>
+              <p:cNvPr id="211" name="잉크 210">
+                <a:extLst>
+                  <a:ext uri="{FF2B5EF4-FFF2-40B4-BE49-F238E27FC236}">
+                    <a16:creationId xmlns:a16="http://schemas.microsoft.com/office/drawing/2014/main" id="{8593A100-572F-69D8-D426-BAE83F38806A}"/>
+                  </a:ext>
+                </a:extLst>
+              </p:cNvPr>
+              <p:cNvPicPr/>
+              <p:nvPr/>
+            </p:nvPicPr>
+            <p:blipFill>
+              <a:blip r:embed="rId14"/>
+              <a:stretch>
+                <a:fillRect/>
+              </a:stretch>
+            </p:blipFill>
+            <p:spPr>
+              <a:xfrm>
+                <a:off x="3319070" y="1962100"/>
+                <a:ext cx="139680" cy="108000"/>
+              </a:xfrm>
+              <a:prstGeom prst="rect">
+                <a:avLst/>
+              </a:prstGeom>
+            </p:spPr>
+          </p:pic>
+        </mc:Fallback>
+      </mc:AlternateContent>
+      <mc:AlternateContent xmlns:mc="http://schemas.openxmlformats.org/markup-compatibility/2006">
+        <mc:Choice xmlns:p14="http://schemas.microsoft.com/office/powerpoint/2010/main" Requires="p14">
+          <p:contentPart p14:bwMode="auto" r:id="rId15">
+            <p14:nvContentPartPr>
+              <p14:cNvPr id="212" name="잉크 211">
+                <a:extLst>
+                  <a:ext uri="{FF2B5EF4-FFF2-40B4-BE49-F238E27FC236}">
+                    <a16:creationId xmlns:a16="http://schemas.microsoft.com/office/drawing/2014/main" id="{9B2A4DAB-C83B-3603-9F3F-A41B797E4574}"/>
+                  </a:ext>
+                </a:extLst>
+              </p14:cNvPr>
+              <p14:cNvContentPartPr/>
+              <p14:nvPr/>
+            </p14:nvContentPartPr>
+            <p14:xfrm>
+              <a:off x="4589150" y="2266660"/>
+              <a:ext cx="52920" cy="216720"/>
+            </p14:xfrm>
+          </p:contentPart>
+        </mc:Choice>
+        <mc:Fallback>
+          <p:pic>
+            <p:nvPicPr>
+              <p:cNvPr id="212" name="잉크 211">
+                <a:extLst>
+                  <a:ext uri="{FF2B5EF4-FFF2-40B4-BE49-F238E27FC236}">
+                    <a16:creationId xmlns:a16="http://schemas.microsoft.com/office/drawing/2014/main" id="{9B2A4DAB-C83B-3603-9F3F-A41B797E4574}"/>
+                  </a:ext>
+                </a:extLst>
+              </p:cNvPr>
+              <p:cNvPicPr/>
+              <p:nvPr/>
+            </p:nvPicPr>
+            <p:blipFill>
+              <a:blip r:embed="rId16"/>
+              <a:stretch>
+                <a:fillRect/>
+              </a:stretch>
+            </p:blipFill>
+            <p:spPr>
+              <a:xfrm>
+                <a:off x="4583030" y="2260540"/>
+                <a:ext cx="65160" cy="228960"/>
+              </a:xfrm>
+              <a:prstGeom prst="rect">
+                <a:avLst/>
+              </a:prstGeom>
+            </p:spPr>
+          </p:pic>
+        </mc:Fallback>
+      </mc:AlternateContent>
+      <mc:AlternateContent xmlns:mc="http://schemas.openxmlformats.org/markup-compatibility/2006">
+        <mc:Choice xmlns:p14="http://schemas.microsoft.com/office/powerpoint/2010/main" Requires="p14">
+          <p:contentPart p14:bwMode="auto" r:id="rId17">
+            <p14:nvContentPartPr>
+              <p14:cNvPr id="214" name="잉크 213">
+                <a:extLst>
+                  <a:ext uri="{FF2B5EF4-FFF2-40B4-BE49-F238E27FC236}">
+                    <a16:creationId xmlns:a16="http://schemas.microsoft.com/office/drawing/2014/main" id="{B5AAFD03-B8AB-DCE4-CDB7-E3260E622A77}"/>
+                  </a:ext>
+                </a:extLst>
+              </p14:cNvPr>
+              <p14:cNvContentPartPr/>
+              <p14:nvPr/>
+            </p14:nvContentPartPr>
+            <p14:xfrm>
+              <a:off x="4464950" y="2298340"/>
+              <a:ext cx="64440" cy="160560"/>
+            </p14:xfrm>
+          </p:contentPart>
+        </mc:Choice>
+        <mc:Fallback>
+          <p:pic>
+            <p:nvPicPr>
+              <p:cNvPr id="214" name="잉크 213">
+                <a:extLst>
+                  <a:ext uri="{FF2B5EF4-FFF2-40B4-BE49-F238E27FC236}">
+                    <a16:creationId xmlns:a16="http://schemas.microsoft.com/office/drawing/2014/main" id="{B5AAFD03-B8AB-DCE4-CDB7-E3260E622A77}"/>
+                  </a:ext>
+                </a:extLst>
+              </p:cNvPr>
+              <p:cNvPicPr/>
+              <p:nvPr/>
+            </p:nvPicPr>
+            <p:blipFill>
+              <a:blip r:embed="rId18"/>
+              <a:stretch>
+                <a:fillRect/>
+              </a:stretch>
+            </p:blipFill>
+            <p:spPr>
+              <a:xfrm>
+                <a:off x="4458830" y="2292220"/>
+                <a:ext cx="76680" cy="172800"/>
+              </a:xfrm>
+              <a:prstGeom prst="rect">
+                <a:avLst/>
+              </a:prstGeom>
+            </p:spPr>
+          </p:pic>
+        </mc:Fallback>
+      </mc:AlternateContent>
+      <p:grpSp>
+        <p:nvGrpSpPr>
+          <p:cNvPr id="217" name="그룹 216">
+            <a:extLst>
+              <a:ext uri="{FF2B5EF4-FFF2-40B4-BE49-F238E27FC236}">
+                <a16:creationId xmlns:a16="http://schemas.microsoft.com/office/drawing/2014/main" id="{B17A97D9-B323-AEC6-FD25-08427FC342A6}"/>
+              </a:ext>
+            </a:extLst>
+          </p:cNvPr>
+          <p:cNvGrpSpPr/>
+          <p:nvPr/>
+        </p:nvGrpSpPr>
+        <p:grpSpPr>
+          <a:xfrm>
+            <a:off x="3770510" y="1298620"/>
+            <a:ext cx="299160" cy="119160"/>
+            <a:chOff x="3770510" y="1298620"/>
+            <a:chExt cx="299160" cy="119160"/>
+          </a:xfrm>
+        </p:grpSpPr>
+        <mc:AlternateContent xmlns:mc="http://schemas.openxmlformats.org/markup-compatibility/2006">
+          <mc:Choice xmlns:p14="http://schemas.microsoft.com/office/powerpoint/2010/main" Requires="p14">
+            <p:contentPart p14:bwMode="auto" r:id="rId19">
+              <p14:nvContentPartPr>
+                <p14:cNvPr id="215" name="잉크 214">
+                  <a:extLst>
+                    <a:ext uri="{FF2B5EF4-FFF2-40B4-BE49-F238E27FC236}">
+                      <a16:creationId xmlns:a16="http://schemas.microsoft.com/office/drawing/2014/main" id="{2E8924B0-3E42-4B95-B6AA-A0A5C806849F}"/>
+                    </a:ext>
+                  </a:extLst>
+                </p14:cNvPr>
+                <p14:cNvContentPartPr/>
+                <p14:nvPr/>
+              </p14:nvContentPartPr>
+              <p14:xfrm>
+                <a:off x="3770510" y="1314100"/>
+                <a:ext cx="77400" cy="103680"/>
+              </p14:xfrm>
+            </p:contentPart>
+          </mc:Choice>
+          <mc:Fallback>
+            <p:pic>
+              <p:nvPicPr>
+                <p:cNvPr id="215" name="잉크 214">
+                  <a:extLst>
+                    <a:ext uri="{FF2B5EF4-FFF2-40B4-BE49-F238E27FC236}">
+                      <a16:creationId xmlns:a16="http://schemas.microsoft.com/office/drawing/2014/main" id="{2E8924B0-3E42-4B95-B6AA-A0A5C806849F}"/>
+                    </a:ext>
+                  </a:extLst>
+                </p:cNvPr>
+                <p:cNvPicPr/>
+                <p:nvPr/>
+              </p:nvPicPr>
+              <p:blipFill>
+                <a:blip r:embed="rId20"/>
+                <a:stretch>
+                  <a:fillRect/>
+                </a:stretch>
+              </p:blipFill>
+              <p:spPr>
+                <a:xfrm>
+                  <a:off x="3764390" y="1307980"/>
+                  <a:ext cx="89640" cy="115920"/>
+                </a:xfrm>
+                <a:prstGeom prst="rect">
+                  <a:avLst/>
+                </a:prstGeom>
+              </p:spPr>
+            </p:pic>
+          </mc:Fallback>
+        </mc:AlternateContent>
+        <mc:AlternateContent xmlns:mc="http://schemas.openxmlformats.org/markup-compatibility/2006">
+          <mc:Choice xmlns:p14="http://schemas.microsoft.com/office/powerpoint/2010/main" Requires="p14">
+            <p:contentPart p14:bwMode="auto" r:id="rId21">
+              <p14:nvContentPartPr>
+                <p14:cNvPr id="216" name="잉크 215">
+                  <a:extLst>
+                    <a:ext uri="{FF2B5EF4-FFF2-40B4-BE49-F238E27FC236}">
+                      <a16:creationId xmlns:a16="http://schemas.microsoft.com/office/drawing/2014/main" id="{4E840C67-B265-2CBC-FB1A-72892975B3A2}"/>
+                    </a:ext>
+                  </a:extLst>
+                </p14:cNvPr>
+                <p14:cNvContentPartPr/>
+                <p14:nvPr/>
+              </p14:nvContentPartPr>
+              <p14:xfrm>
+                <a:off x="3897950" y="1298620"/>
+                <a:ext cx="171720" cy="100440"/>
+              </p14:xfrm>
+            </p:contentPart>
+          </mc:Choice>
+          <mc:Fallback>
+            <p:pic>
+              <p:nvPicPr>
+                <p:cNvPr id="216" name="잉크 215">
+                  <a:extLst>
+                    <a:ext uri="{FF2B5EF4-FFF2-40B4-BE49-F238E27FC236}">
+                      <a16:creationId xmlns:a16="http://schemas.microsoft.com/office/drawing/2014/main" id="{4E840C67-B265-2CBC-FB1A-72892975B3A2}"/>
+                    </a:ext>
+                  </a:extLst>
+                </p:cNvPr>
+                <p:cNvPicPr/>
+                <p:nvPr/>
+              </p:nvPicPr>
+              <p:blipFill>
+                <a:blip r:embed="rId22"/>
+                <a:stretch>
+                  <a:fillRect/>
+                </a:stretch>
+              </p:blipFill>
+              <p:spPr>
+                <a:xfrm>
+                  <a:off x="3891830" y="1292500"/>
+                  <a:ext cx="183960" cy="112680"/>
+                </a:xfrm>
+                <a:prstGeom prst="rect">
+                  <a:avLst/>
+                </a:prstGeom>
+              </p:spPr>
+            </p:pic>
+          </mc:Fallback>
+        </mc:AlternateContent>
+      </p:grpSp>
+      <p:grpSp>
+        <p:nvGrpSpPr>
+          <p:cNvPr id="231" name="그룹 230">
+            <a:extLst>
+              <a:ext uri="{FF2B5EF4-FFF2-40B4-BE49-F238E27FC236}">
+                <a16:creationId xmlns:a16="http://schemas.microsoft.com/office/drawing/2014/main" id="{C150DD6B-711A-2CF3-A203-588BEBA55031}"/>
+              </a:ext>
+            </a:extLst>
+          </p:cNvPr>
+          <p:cNvGrpSpPr/>
+          <p:nvPr/>
+        </p:nvGrpSpPr>
+        <p:grpSpPr>
+          <a:xfrm>
+            <a:off x="4197110" y="1339300"/>
+            <a:ext cx="61920" cy="57600"/>
+            <a:chOff x="4197110" y="1339300"/>
+            <a:chExt cx="61920" cy="57600"/>
+          </a:xfrm>
+        </p:grpSpPr>
+        <mc:AlternateContent xmlns:mc="http://schemas.openxmlformats.org/markup-compatibility/2006">
+          <mc:Choice xmlns:p14="http://schemas.microsoft.com/office/powerpoint/2010/main" Requires="p14">
+            <p:contentPart p14:bwMode="auto" r:id="rId23">
+              <p14:nvContentPartPr>
+                <p14:cNvPr id="227" name="잉크 226">
+                  <a:extLst>
+                    <a:ext uri="{FF2B5EF4-FFF2-40B4-BE49-F238E27FC236}">
+                      <a16:creationId xmlns:a16="http://schemas.microsoft.com/office/drawing/2014/main" id="{98B291B6-1EC7-ED5D-E3F4-5C7CE465F581}"/>
+                    </a:ext>
+                  </a:extLst>
+                </p14:cNvPr>
+                <p14:cNvContentPartPr/>
+                <p14:nvPr/>
+              </p14:nvContentPartPr>
+              <p14:xfrm>
+                <a:off x="4203590" y="1339300"/>
+                <a:ext cx="17280" cy="360"/>
+              </p14:xfrm>
+            </p:contentPart>
+          </mc:Choice>
+          <mc:Fallback>
+            <p:pic>
+              <p:nvPicPr>
+                <p:cNvPr id="227" name="잉크 226">
+                  <a:extLst>
+                    <a:ext uri="{FF2B5EF4-FFF2-40B4-BE49-F238E27FC236}">
+                      <a16:creationId xmlns:a16="http://schemas.microsoft.com/office/drawing/2014/main" id="{98B291B6-1EC7-ED5D-E3F4-5C7CE465F581}"/>
+                    </a:ext>
+                  </a:extLst>
+                </p:cNvPr>
+                <p:cNvPicPr/>
+                <p:nvPr/>
+              </p:nvPicPr>
+              <p:blipFill>
+                <a:blip r:embed="rId24"/>
+                <a:stretch>
+                  <a:fillRect/>
+                </a:stretch>
+              </p:blipFill>
+              <p:spPr>
+                <a:xfrm>
+                  <a:off x="4197470" y="1333180"/>
+                  <a:ext cx="29520" cy="12600"/>
+                </a:xfrm>
+                <a:prstGeom prst="rect">
+                  <a:avLst/>
+                </a:prstGeom>
+              </p:spPr>
+            </p:pic>
+          </mc:Fallback>
+        </mc:AlternateContent>
+        <mc:AlternateContent xmlns:mc="http://schemas.openxmlformats.org/markup-compatibility/2006">
+          <mc:Choice xmlns:p14="http://schemas.microsoft.com/office/powerpoint/2010/main" Requires="p14">
+            <p:contentPart p14:bwMode="auto" r:id="rId25">
+              <p14:nvContentPartPr>
+                <p14:cNvPr id="228" name="잉크 227">
+                  <a:extLst>
+                    <a:ext uri="{FF2B5EF4-FFF2-40B4-BE49-F238E27FC236}">
+                      <a16:creationId xmlns:a16="http://schemas.microsoft.com/office/drawing/2014/main" id="{CBB58F76-F437-880D-672A-34BA3EBD0A64}"/>
+                    </a:ext>
+                  </a:extLst>
+                </p14:cNvPr>
+                <p14:cNvContentPartPr/>
+                <p14:nvPr/>
+              </p14:nvContentPartPr>
+              <p14:xfrm>
+                <a:off x="4197110" y="1396540"/>
+                <a:ext cx="56520" cy="360"/>
+              </p14:xfrm>
+            </p:contentPart>
+          </mc:Choice>
+          <mc:Fallback>
+            <p:pic>
+              <p:nvPicPr>
+                <p:cNvPr id="228" name="잉크 227">
+                  <a:extLst>
+                    <a:ext uri="{FF2B5EF4-FFF2-40B4-BE49-F238E27FC236}">
+                      <a16:creationId xmlns:a16="http://schemas.microsoft.com/office/drawing/2014/main" id="{CBB58F76-F437-880D-672A-34BA3EBD0A64}"/>
+                    </a:ext>
+                  </a:extLst>
+                </p:cNvPr>
+                <p:cNvPicPr/>
+                <p:nvPr/>
+              </p:nvPicPr>
+              <p:blipFill>
+                <a:blip r:embed="rId26"/>
+                <a:stretch>
+                  <a:fillRect/>
+                </a:stretch>
+              </p:blipFill>
+              <p:spPr>
+                <a:xfrm>
+                  <a:off x="4190990" y="1390420"/>
+                  <a:ext cx="68760" cy="12600"/>
+                </a:xfrm>
+                <a:prstGeom prst="rect">
+                  <a:avLst/>
+                </a:prstGeom>
+              </p:spPr>
+            </p:pic>
+          </mc:Fallback>
+        </mc:AlternateContent>
+        <mc:AlternateContent xmlns:mc="http://schemas.openxmlformats.org/markup-compatibility/2006">
+          <mc:Choice xmlns:p14="http://schemas.microsoft.com/office/powerpoint/2010/main" Requires="p14">
+            <p:contentPart p14:bwMode="auto" r:id="rId27">
+              <p14:nvContentPartPr>
+                <p14:cNvPr id="230" name="잉크 229">
+                  <a:extLst>
+                    <a:ext uri="{FF2B5EF4-FFF2-40B4-BE49-F238E27FC236}">
+                      <a16:creationId xmlns:a16="http://schemas.microsoft.com/office/drawing/2014/main" id="{C9F4FF31-3F25-BB9A-EC13-60F628B6D76C}"/>
+                    </a:ext>
+                  </a:extLst>
+                </p14:cNvPr>
+                <p14:cNvContentPartPr/>
+                <p14:nvPr/>
+              </p14:nvContentPartPr>
+              <p14:xfrm>
+                <a:off x="4228790" y="1339300"/>
+                <a:ext cx="30240" cy="360"/>
+              </p14:xfrm>
+            </p:contentPart>
+          </mc:Choice>
+          <mc:Fallback>
+            <p:pic>
+              <p:nvPicPr>
+                <p:cNvPr id="230" name="잉크 229">
+                  <a:extLst>
+                    <a:ext uri="{FF2B5EF4-FFF2-40B4-BE49-F238E27FC236}">
+                      <a16:creationId xmlns:a16="http://schemas.microsoft.com/office/drawing/2014/main" id="{C9F4FF31-3F25-BB9A-EC13-60F628B6D76C}"/>
+                    </a:ext>
+                  </a:extLst>
+                </p:cNvPr>
+                <p:cNvPicPr/>
+                <p:nvPr/>
+              </p:nvPicPr>
+              <p:blipFill>
+                <a:blip r:embed="rId28"/>
+                <a:stretch>
+                  <a:fillRect/>
+                </a:stretch>
+              </p:blipFill>
+              <p:spPr>
+                <a:xfrm>
+                  <a:off x="4222670" y="1333180"/>
+                  <a:ext cx="42480" cy="12600"/>
+                </a:xfrm>
+                <a:prstGeom prst="rect">
+                  <a:avLst/>
+                </a:prstGeom>
+              </p:spPr>
+            </p:pic>
+          </mc:Fallback>
+        </mc:AlternateContent>
+      </p:grpSp>
+      <p:grpSp>
+        <p:nvGrpSpPr>
+          <p:cNvPr id="239" name="그룹 238">
+            <a:extLst>
+              <a:ext uri="{FF2B5EF4-FFF2-40B4-BE49-F238E27FC236}">
+                <a16:creationId xmlns:a16="http://schemas.microsoft.com/office/drawing/2014/main" id="{E53A5263-6BA2-94C5-D76B-5C4661695A6A}"/>
+              </a:ext>
+            </a:extLst>
+          </p:cNvPr>
+          <p:cNvGrpSpPr/>
+          <p:nvPr/>
+        </p:nvGrpSpPr>
+        <p:grpSpPr>
+          <a:xfrm>
+            <a:off x="4370630" y="1288900"/>
+            <a:ext cx="151920" cy="145080"/>
+            <a:chOff x="4370630" y="1288900"/>
+            <a:chExt cx="151920" cy="145080"/>
+          </a:xfrm>
+        </p:grpSpPr>
+        <mc:AlternateContent xmlns:mc="http://schemas.openxmlformats.org/markup-compatibility/2006">
+          <mc:Choice xmlns:p14="http://schemas.microsoft.com/office/powerpoint/2010/main" Requires="p14">
+            <p:contentPart p14:bwMode="auto" r:id="rId29">
+              <p14:nvContentPartPr>
+                <p14:cNvPr id="235" name="잉크 234">
+                  <a:extLst>
+                    <a:ext uri="{FF2B5EF4-FFF2-40B4-BE49-F238E27FC236}">
+                      <a16:creationId xmlns:a16="http://schemas.microsoft.com/office/drawing/2014/main" id="{C3390692-8063-E85D-BEEA-9497C024A267}"/>
+                    </a:ext>
+                  </a:extLst>
+                </p14:cNvPr>
+                <p14:cNvContentPartPr/>
+                <p14:nvPr/>
+              </p14:nvContentPartPr>
+              <p14:xfrm>
+                <a:off x="4370630" y="1320580"/>
+                <a:ext cx="36360" cy="71280"/>
+              </p14:xfrm>
+            </p:contentPart>
+          </mc:Choice>
+          <mc:Fallback>
+            <p:pic>
+              <p:nvPicPr>
+                <p:cNvPr id="235" name="잉크 234">
+                  <a:extLst>
+                    <a:ext uri="{FF2B5EF4-FFF2-40B4-BE49-F238E27FC236}">
+                      <a16:creationId xmlns:a16="http://schemas.microsoft.com/office/drawing/2014/main" id="{C3390692-8063-E85D-BEEA-9497C024A267}"/>
+                    </a:ext>
+                  </a:extLst>
+                </p:cNvPr>
+                <p:cNvPicPr/>
+                <p:nvPr/>
+              </p:nvPicPr>
+              <p:blipFill>
+                <a:blip r:embed="rId30"/>
+                <a:stretch>
+                  <a:fillRect/>
+                </a:stretch>
+              </p:blipFill>
+              <p:spPr>
+                <a:xfrm>
+                  <a:off x="4364510" y="1314460"/>
+                  <a:ext cx="48600" cy="83520"/>
+                </a:xfrm>
+                <a:prstGeom prst="rect">
+                  <a:avLst/>
+                </a:prstGeom>
+              </p:spPr>
+            </p:pic>
+          </mc:Fallback>
+        </mc:AlternateContent>
+        <mc:AlternateContent xmlns:mc="http://schemas.openxmlformats.org/markup-compatibility/2006">
+          <mc:Choice xmlns:p14="http://schemas.microsoft.com/office/powerpoint/2010/main" Requires="p14">
+            <p:contentPart p14:bwMode="auto" r:id="rId31">
+              <p14:nvContentPartPr>
+                <p14:cNvPr id="236" name="잉크 235">
+                  <a:extLst>
+                    <a:ext uri="{FF2B5EF4-FFF2-40B4-BE49-F238E27FC236}">
+                      <a16:creationId xmlns:a16="http://schemas.microsoft.com/office/drawing/2014/main" id="{A185BB60-517C-7882-D03F-44CAC4F6B4E4}"/>
+                    </a:ext>
+                  </a:extLst>
+                </p14:cNvPr>
+                <p14:cNvContentPartPr/>
+                <p14:nvPr/>
+              </p14:nvContentPartPr>
+              <p14:xfrm>
+                <a:off x="4464590" y="1288900"/>
+                <a:ext cx="56520" cy="144360"/>
+              </p14:xfrm>
+            </p:contentPart>
+          </mc:Choice>
+          <mc:Fallback>
+            <p:pic>
+              <p:nvPicPr>
+                <p:cNvPr id="236" name="잉크 235">
+                  <a:extLst>
+                    <a:ext uri="{FF2B5EF4-FFF2-40B4-BE49-F238E27FC236}">
+                      <a16:creationId xmlns:a16="http://schemas.microsoft.com/office/drawing/2014/main" id="{A185BB60-517C-7882-D03F-44CAC4F6B4E4}"/>
+                    </a:ext>
+                  </a:extLst>
+                </p:cNvPr>
+                <p:cNvPicPr/>
+                <p:nvPr/>
+              </p:nvPicPr>
+              <p:blipFill>
+                <a:blip r:embed="rId32"/>
+                <a:stretch>
+                  <a:fillRect/>
+                </a:stretch>
+              </p:blipFill>
+              <p:spPr>
+                <a:xfrm>
+                  <a:off x="4458470" y="1282780"/>
+                  <a:ext cx="68760" cy="156600"/>
+                </a:xfrm>
+                <a:prstGeom prst="rect">
+                  <a:avLst/>
+                </a:prstGeom>
+              </p:spPr>
+            </p:pic>
+          </mc:Fallback>
+        </mc:AlternateContent>
+        <mc:AlternateContent xmlns:mc="http://schemas.openxmlformats.org/markup-compatibility/2006">
+          <mc:Choice xmlns:p14="http://schemas.microsoft.com/office/powerpoint/2010/main" Requires="p14">
+            <p:contentPart p14:bwMode="auto" r:id="rId33">
+              <p14:nvContentPartPr>
+                <p14:cNvPr id="238" name="잉크 237">
+                  <a:extLst>
+                    <a:ext uri="{FF2B5EF4-FFF2-40B4-BE49-F238E27FC236}">
+                      <a16:creationId xmlns:a16="http://schemas.microsoft.com/office/drawing/2014/main" id="{FE8BCDB4-E247-C402-3EB9-44CDD186F64B}"/>
+                    </a:ext>
+                  </a:extLst>
+                </p14:cNvPr>
+                <p14:cNvContentPartPr/>
+                <p14:nvPr/>
+              </p14:nvContentPartPr>
+              <p14:xfrm>
+                <a:off x="4471070" y="1377460"/>
+                <a:ext cx="51480" cy="56520"/>
+              </p14:xfrm>
+            </p:contentPart>
+          </mc:Choice>
+          <mc:Fallback>
+            <p:pic>
+              <p:nvPicPr>
+                <p:cNvPr id="238" name="잉크 237">
+                  <a:extLst>
+                    <a:ext uri="{FF2B5EF4-FFF2-40B4-BE49-F238E27FC236}">
+                      <a16:creationId xmlns:a16="http://schemas.microsoft.com/office/drawing/2014/main" id="{FE8BCDB4-E247-C402-3EB9-44CDD186F64B}"/>
+                    </a:ext>
+                  </a:extLst>
+                </p:cNvPr>
+                <p:cNvPicPr/>
+                <p:nvPr/>
+              </p:nvPicPr>
+              <p:blipFill>
+                <a:blip r:embed="rId34"/>
+                <a:stretch>
+                  <a:fillRect/>
+                </a:stretch>
+              </p:blipFill>
+              <p:spPr>
+                <a:xfrm>
+                  <a:off x="4464950" y="1371340"/>
+                  <a:ext cx="63720" cy="68760"/>
+                </a:xfrm>
+                <a:prstGeom prst="rect">
+                  <a:avLst/>
+                </a:prstGeom>
+              </p:spPr>
+            </p:pic>
+          </mc:Fallback>
+        </mc:AlternateContent>
+      </p:grpSp>
+      <mc:AlternateContent xmlns:mc="http://schemas.openxmlformats.org/markup-compatibility/2006">
+        <mc:Choice xmlns:p14="http://schemas.microsoft.com/office/powerpoint/2010/main" Requires="p14">
+          <p:contentPart p14:bwMode="auto" r:id="rId35">
+            <p14:nvContentPartPr>
+              <p14:cNvPr id="261" name="잉크 260">
+                <a:extLst>
+                  <a:ext uri="{FF2B5EF4-FFF2-40B4-BE49-F238E27FC236}">
+                    <a16:creationId xmlns:a16="http://schemas.microsoft.com/office/drawing/2014/main" id="{EBC844F6-28D7-7A04-4C1A-14978A93E097}"/>
+                  </a:ext>
+                </a:extLst>
+              </p14:cNvPr>
+              <p14:cNvContentPartPr/>
+              <p14:nvPr/>
+            </p14:nvContentPartPr>
+            <p14:xfrm>
+              <a:off x="2349230" y="1580860"/>
+              <a:ext cx="108360" cy="827280"/>
+            </p14:xfrm>
+          </p:contentPart>
+        </mc:Choice>
+        <mc:Fallback>
+          <p:pic>
+            <p:nvPicPr>
+              <p:cNvPr id="261" name="잉크 260">
+                <a:extLst>
+                  <a:ext uri="{FF2B5EF4-FFF2-40B4-BE49-F238E27FC236}">
+                    <a16:creationId xmlns:a16="http://schemas.microsoft.com/office/drawing/2014/main" id="{EBC844F6-28D7-7A04-4C1A-14978A93E097}"/>
+                  </a:ext>
+                </a:extLst>
+              </p:cNvPr>
+              <p:cNvPicPr/>
+              <p:nvPr/>
+            </p:nvPicPr>
+            <p:blipFill>
+              <a:blip r:embed="rId36"/>
+              <a:stretch>
+                <a:fillRect/>
+              </a:stretch>
+            </p:blipFill>
+            <p:spPr>
+              <a:xfrm>
+                <a:off x="2343110" y="1574740"/>
+                <a:ext cx="120600" cy="839520"/>
+              </a:xfrm>
+              <a:prstGeom prst="rect">
+                <a:avLst/>
+              </a:prstGeom>
+            </p:spPr>
+          </p:pic>
+        </mc:Fallback>
+      </mc:AlternateContent>
+      <mc:AlternateContent xmlns:mc="http://schemas.openxmlformats.org/markup-compatibility/2006">
+        <mc:Choice xmlns:p14="http://schemas.microsoft.com/office/powerpoint/2010/main" Requires="p14">
+          <p:contentPart p14:bwMode="auto" r:id="rId37">
+            <p14:nvContentPartPr>
+              <p14:cNvPr id="262" name="잉크 261">
+                <a:extLst>
+                  <a:ext uri="{FF2B5EF4-FFF2-40B4-BE49-F238E27FC236}">
+                    <a16:creationId xmlns:a16="http://schemas.microsoft.com/office/drawing/2014/main" id="{149FC95F-7C56-5C49-D3AF-EED02B436C34}"/>
+                  </a:ext>
+                </a:extLst>
+              </p14:cNvPr>
+              <p14:cNvContentPartPr/>
+              <p14:nvPr/>
+            </p14:nvContentPartPr>
+            <p14:xfrm>
+              <a:off x="2424110" y="1548820"/>
+              <a:ext cx="73080" cy="71280"/>
+            </p14:xfrm>
+          </p:contentPart>
+        </mc:Choice>
+        <mc:Fallback>
+          <p:pic>
+            <p:nvPicPr>
+              <p:cNvPr id="262" name="잉크 261">
+                <a:extLst>
+                  <a:ext uri="{FF2B5EF4-FFF2-40B4-BE49-F238E27FC236}">
+                    <a16:creationId xmlns:a16="http://schemas.microsoft.com/office/drawing/2014/main" id="{149FC95F-7C56-5C49-D3AF-EED02B436C34}"/>
+                  </a:ext>
+                </a:extLst>
+              </p:cNvPr>
+              <p:cNvPicPr/>
+              <p:nvPr/>
+            </p:nvPicPr>
+            <p:blipFill>
+              <a:blip r:embed="rId38"/>
+              <a:stretch>
+                <a:fillRect/>
+              </a:stretch>
+            </p:blipFill>
+            <p:spPr>
+              <a:xfrm>
+                <a:off x="2417990" y="1542700"/>
+                <a:ext cx="85320" cy="83520"/>
+              </a:xfrm>
+              <a:prstGeom prst="rect">
+                <a:avLst/>
+              </a:prstGeom>
+            </p:spPr>
+          </p:pic>
+        </mc:Fallback>
+      </mc:AlternateContent>
+      <mc:AlternateContent xmlns:mc="http://schemas.openxmlformats.org/markup-compatibility/2006">
+        <mc:Choice xmlns:p14="http://schemas.microsoft.com/office/powerpoint/2010/main" Requires="p14">
+          <p:contentPart p14:bwMode="auto" r:id="rId39">
+            <p14:nvContentPartPr>
+              <p14:cNvPr id="263" name="잉크 262">
+                <a:extLst>
+                  <a:ext uri="{FF2B5EF4-FFF2-40B4-BE49-F238E27FC236}">
+                    <a16:creationId xmlns:a16="http://schemas.microsoft.com/office/drawing/2014/main" id="{4E3D2119-9AA1-61C2-AF47-B96014F67005}"/>
+                  </a:ext>
+                </a:extLst>
+              </p14:cNvPr>
+              <p14:cNvContentPartPr/>
+              <p14:nvPr/>
+            </p14:nvContentPartPr>
+            <p14:xfrm>
+              <a:off x="2372630" y="2309500"/>
+              <a:ext cx="162000" cy="147240"/>
+            </p14:xfrm>
+          </p:contentPart>
+        </mc:Choice>
+        <mc:Fallback>
+          <p:pic>
+            <p:nvPicPr>
+              <p:cNvPr id="263" name="잉크 262">
+                <a:extLst>
+                  <a:ext uri="{FF2B5EF4-FFF2-40B4-BE49-F238E27FC236}">
+                    <a16:creationId xmlns:a16="http://schemas.microsoft.com/office/drawing/2014/main" id="{4E3D2119-9AA1-61C2-AF47-B96014F67005}"/>
+                  </a:ext>
+                </a:extLst>
+              </p:cNvPr>
+              <p:cNvPicPr/>
+              <p:nvPr/>
+            </p:nvPicPr>
+            <p:blipFill>
+              <a:blip r:embed="rId40"/>
+              <a:stretch>
+                <a:fillRect/>
+              </a:stretch>
+            </p:blipFill>
+            <p:spPr>
+              <a:xfrm>
+                <a:off x="2366510" y="2303380"/>
+                <a:ext cx="174240" cy="159480"/>
+              </a:xfrm>
+              <a:prstGeom prst="rect">
+                <a:avLst/>
+              </a:prstGeom>
+            </p:spPr>
+          </p:pic>
+        </mc:Fallback>
+      </mc:AlternateContent>
+      <mc:AlternateContent xmlns:mc="http://schemas.openxmlformats.org/markup-compatibility/2006">
+        <mc:Choice xmlns:p14="http://schemas.microsoft.com/office/powerpoint/2010/main" Requires="p14">
+          <p:contentPart p14:bwMode="auto" r:id="rId41">
+            <p14:nvContentPartPr>
+              <p14:cNvPr id="273" name="잉크 272">
+                <a:extLst>
+                  <a:ext uri="{FF2B5EF4-FFF2-40B4-BE49-F238E27FC236}">
+                    <a16:creationId xmlns:a16="http://schemas.microsoft.com/office/drawing/2014/main" id="{9644CA91-859A-E8C6-FD0B-3FEC0217431E}"/>
+                  </a:ext>
+                </a:extLst>
+              </p14:cNvPr>
+              <p14:cNvContentPartPr/>
+              <p14:nvPr/>
+            </p14:nvContentPartPr>
+            <p14:xfrm>
+              <a:off x="399830" y="3631780"/>
+              <a:ext cx="360" cy="360"/>
+            </p14:xfrm>
+          </p:contentPart>
+        </mc:Choice>
+        <mc:Fallback>
+          <p:pic>
+            <p:nvPicPr>
+              <p:cNvPr id="273" name="잉크 272">
+                <a:extLst>
+                  <a:ext uri="{FF2B5EF4-FFF2-40B4-BE49-F238E27FC236}">
+                    <a16:creationId xmlns:a16="http://schemas.microsoft.com/office/drawing/2014/main" id="{9644CA91-859A-E8C6-FD0B-3FEC0217431E}"/>
+                  </a:ext>
+                </a:extLst>
+              </p:cNvPr>
+              <p:cNvPicPr/>
+              <p:nvPr/>
+            </p:nvPicPr>
+            <p:blipFill>
+              <a:blip r:embed="rId42"/>
+              <a:stretch>
+                <a:fillRect/>
+              </a:stretch>
+            </p:blipFill>
+            <p:spPr>
+              <a:xfrm>
+                <a:off x="393710" y="3625660"/>
+                <a:ext cx="12600" cy="12600"/>
+              </a:xfrm>
+              <a:prstGeom prst="rect">
+                <a:avLst/>
+              </a:prstGeom>
+            </p:spPr>
+          </p:pic>
+        </mc:Fallback>
+      </mc:AlternateContent>
+      <mc:AlternateContent xmlns:mc="http://schemas.openxmlformats.org/markup-compatibility/2006">
+        <mc:Choice xmlns:p14="http://schemas.microsoft.com/office/powerpoint/2010/main" Requires="p14">
+          <p:contentPart p14:bwMode="auto" r:id="rId43">
+            <p14:nvContentPartPr>
+              <p14:cNvPr id="291" name="잉크 290">
+                <a:extLst>
+                  <a:ext uri="{FF2B5EF4-FFF2-40B4-BE49-F238E27FC236}">
+                    <a16:creationId xmlns:a16="http://schemas.microsoft.com/office/drawing/2014/main" id="{2818C01E-ECBB-B9C1-3556-1E7AF60AF0A7}"/>
+                  </a:ext>
+                </a:extLst>
+              </p14:cNvPr>
+              <p14:cNvContentPartPr/>
+              <p14:nvPr/>
+            </p14:nvContentPartPr>
+            <p14:xfrm>
+              <a:off x="3244550" y="4203340"/>
+              <a:ext cx="360" cy="360"/>
+            </p14:xfrm>
+          </p:contentPart>
+        </mc:Choice>
+        <mc:Fallback>
+          <p:pic>
+            <p:nvPicPr>
+              <p:cNvPr id="291" name="잉크 290">
+                <a:extLst>
+                  <a:ext uri="{FF2B5EF4-FFF2-40B4-BE49-F238E27FC236}">
+                    <a16:creationId xmlns:a16="http://schemas.microsoft.com/office/drawing/2014/main" id="{2818C01E-ECBB-B9C1-3556-1E7AF60AF0A7}"/>
+                  </a:ext>
+                </a:extLst>
+              </p:cNvPr>
+              <p:cNvPicPr/>
+              <p:nvPr/>
+            </p:nvPicPr>
+            <p:blipFill>
+              <a:blip r:embed="rId42"/>
+              <a:stretch>
+                <a:fillRect/>
+              </a:stretch>
+            </p:blipFill>
+            <p:spPr>
+              <a:xfrm>
+                <a:off x="3238430" y="4197220"/>
+                <a:ext cx="12600" cy="12600"/>
+              </a:xfrm>
+              <a:prstGeom prst="rect">
+                <a:avLst/>
+              </a:prstGeom>
+            </p:spPr>
+          </p:pic>
+        </mc:Fallback>
+      </mc:AlternateContent>
+      <p:sp>
+        <p:nvSpPr>
+          <p:cNvPr id="324" name="타원 323">
+            <a:extLst>
+              <a:ext uri="{FF2B5EF4-FFF2-40B4-BE49-F238E27FC236}">
+                <a16:creationId xmlns:a16="http://schemas.microsoft.com/office/drawing/2014/main" id="{3E6485FF-0025-B2D9-D247-986ED7BA848F}"/>
+              </a:ext>
+            </a:extLst>
+          </p:cNvPr>
+          <p:cNvSpPr/>
+          <p:nvPr/>
+        </p:nvSpPr>
+        <p:spPr>
+          <a:xfrm>
+            <a:off x="3011550" y="2336140"/>
+            <a:ext cx="64440" cy="108360"/>
+          </a:xfrm>
+          <a:prstGeom prst="ellipse">
+            <a:avLst/>
+          </a:prstGeom>
+        </p:spPr>
+        <p:style>
+          <a:lnRef idx="2">
+            <a:schemeClr val="accent1">
+              <a:shade val="15000"/>
+            </a:schemeClr>
+          </a:lnRef>
+          <a:fillRef idx="1">
+            <a:schemeClr val="accent1"/>
+          </a:fillRef>
+          <a:effectRef idx="0">
+            <a:schemeClr val="accent1"/>
+          </a:effectRef>
+          <a:fontRef idx="minor">
+            <a:schemeClr val="lt1"/>
+          </a:fontRef>
+        </p:style>
+        <p:txBody>
+          <a:bodyPr rtlCol="0" anchor="ctr"/>
+          <a:lstStyle/>
+          <a:p>
+            <a:pPr algn="ctr"/>
+            <a:endParaRPr lang="ko-KR" altLang="en-US"/>
+          </a:p>
+        </p:txBody>
+      </p:sp>
     </p:spTree>
     <p:extLst>
       <p:ext uri="{BB962C8B-B14F-4D97-AF65-F5344CB8AC3E}">
@@ -20491,4 +23357,319 @@
     </a:ext>
   </a:extLst>
 </a:theme>
+</file>
+
+<file path=ppt/theme/theme2.xml><?xml version="1.0" encoding="utf-8"?>
+<a:theme xmlns:a="http://schemas.openxmlformats.org/drawingml/2006/main" name="Office 테마">
+  <a:themeElements>
+    <a:clrScheme name="Office">
+      <a:dk1>
+        <a:sysClr val="windowText" lastClr="000000"/>
+      </a:dk1>
+      <a:lt1>
+        <a:sysClr val="window" lastClr="FFFFFF"/>
+      </a:lt1>
+      <a:dk2>
+        <a:srgbClr val="0E2841"/>
+      </a:dk2>
+      <a:lt2>
+        <a:srgbClr val="E8E8E8"/>
+      </a:lt2>
+      <a:accent1>
+        <a:srgbClr val="156082"/>
+      </a:accent1>
+      <a:accent2>
+        <a:srgbClr val="E97132"/>
+      </a:accent2>
+      <a:accent3>
+        <a:srgbClr val="196B24"/>
+      </a:accent3>
+      <a:accent4>
+        <a:srgbClr val="0F9ED5"/>
+      </a:accent4>
+      <a:accent5>
+        <a:srgbClr val="A02B93"/>
+      </a:accent5>
+      <a:accent6>
+        <a:srgbClr val="4EA72E"/>
+      </a:accent6>
+      <a:hlink>
+        <a:srgbClr val="467886"/>
+      </a:hlink>
+      <a:folHlink>
+        <a:srgbClr val="96607D"/>
+      </a:folHlink>
+    </a:clrScheme>
+    <a:fontScheme name="Office">
+      <a:majorFont>
+        <a:latin typeface="맑은 고딕" panose="02110004020202020204"/>
+        <a:ea typeface=""/>
+        <a:cs typeface=""/>
+        <a:font script="Jpan" typeface="游ゴシック Light"/>
+        <a:font script="Hang" typeface="맑은 고딕"/>
+        <a:font script="Hans" typeface="等线 Light"/>
+        <a:font script="Hant" typeface="新細明體"/>
+        <a:font script="Arab" typeface="Times New Roman"/>
+        <a:font script="Hebr" typeface="Times New Roman"/>
+        <a:font script="Thai" typeface="Angsana New"/>
+        <a:font script="Ethi" typeface="Nyala"/>
+        <a:font script="Beng" typeface="Vrinda"/>
+        <a:font script="Gujr" typeface="Shruti"/>
+        <a:font script="Khmr" typeface="MoolBoran"/>
+        <a:font script="Knda" typeface="Tunga"/>
+        <a:font script="Guru" typeface="Raavi"/>
+        <a:font script="Cans" typeface="Euphemia"/>
+        <a:font script="Cher" typeface="Plantagenet Cherokee"/>
+        <a:font script="Yiii" typeface="Microsoft Yi Baiti"/>
+        <a:font script="Tibt" typeface="Microsoft Himalaya"/>
+        <a:font script="Thaa" typeface="MV Boli"/>
+        <a:font script="Deva" typeface="Mangal"/>
+        <a:font script="Telu" typeface="Gautami"/>
+        <a:font script="Taml" typeface="Latha"/>
+        <a:font script="Syrc" typeface="Estrangelo Edessa"/>
+        <a:font script="Orya" typeface="Kalinga"/>
+        <a:font script="Mlym" typeface="Kartika"/>
+        <a:font script="Laoo" typeface="DokChampa"/>
+        <a:font script="Sinh" typeface="Iskoola Pota"/>
+        <a:font script="Mong" typeface="Mongolian Baiti"/>
+        <a:font script="Viet" typeface="Times New Roman"/>
+        <a:font script="Uigh" typeface="Microsoft Uighur"/>
+        <a:font script="Geor" typeface="Sylfaen"/>
+        <a:font script="Armn" typeface="Arial"/>
+        <a:font script="Bugi" typeface="Leelawadee UI"/>
+        <a:font script="Bopo" typeface="Microsoft JhengHei"/>
+        <a:font script="Java" typeface="Javanese Text"/>
+        <a:font script="Lisu" typeface="Segoe UI"/>
+        <a:font script="Mymr" typeface="Myanmar Text"/>
+        <a:font script="Nkoo" typeface="Ebrima"/>
+        <a:font script="Olck" typeface="Nirmala UI"/>
+        <a:font script="Osma" typeface="Ebrima"/>
+        <a:font script="Phag" typeface="Phagspa"/>
+        <a:font script="Syrn" typeface="Estrangelo Edessa"/>
+        <a:font script="Syrj" typeface="Estrangelo Edessa"/>
+        <a:font script="Syre" typeface="Estrangelo Edessa"/>
+        <a:font script="Sora" typeface="Nirmala UI"/>
+        <a:font script="Tale" typeface="Microsoft Tai Le"/>
+        <a:font script="Talu" typeface="Microsoft New Tai Lue"/>
+        <a:font script="Tfng" typeface="Ebrima"/>
+      </a:majorFont>
+      <a:minorFont>
+        <a:latin typeface="맑은 고딕" panose="02110004020202020204"/>
+        <a:ea typeface=""/>
+        <a:cs typeface=""/>
+        <a:font script="Jpan" typeface="游ゴシック"/>
+        <a:font script="Hang" typeface="맑은 고딕"/>
+        <a:font script="Hans" typeface="等线"/>
+        <a:font script="Hant" typeface="新細明體"/>
+        <a:font script="Arab" typeface="Arial"/>
+        <a:font script="Hebr" typeface="Arial"/>
+        <a:font script="Thai" typeface="Cordia New"/>
+        <a:font script="Ethi" typeface="Nyala"/>
+        <a:font script="Beng" typeface="Vrinda"/>
+        <a:font script="Gujr" typeface="Shruti"/>
+        <a:font script="Khmr" typeface="DaunPenh"/>
+        <a:font script="Knda" typeface="Tunga"/>
+        <a:font script="Guru" typeface="Raavi"/>
+        <a:font script="Cans" typeface="Euphemia"/>
+        <a:font script="Cher" typeface="Plantagenet Cherokee"/>
+        <a:font script="Yiii" typeface="Microsoft Yi Baiti"/>
+        <a:font script="Tibt" typeface="Microsoft Himalaya"/>
+        <a:font script="Thaa" typeface="MV Boli"/>
+        <a:font script="Deva" typeface="Mangal"/>
+        <a:font script="Telu" typeface="Gautami"/>
+        <a:font script="Taml" typeface="Latha"/>
+        <a:font script="Syrc" typeface="Estrangelo Edessa"/>
+        <a:font script="Orya" typeface="Kalinga"/>
+        <a:font script="Mlym" typeface="Kartika"/>
+        <a:font script="Laoo" typeface="DokChampa"/>
+        <a:font script="Sinh" typeface="Iskoola Pota"/>
+        <a:font script="Mong" typeface="Mongolian Baiti"/>
+        <a:font script="Viet" typeface="Arial"/>
+        <a:font script="Uigh" typeface="Microsoft Uighur"/>
+        <a:font script="Geor" typeface="Sylfaen"/>
+        <a:font script="Armn" typeface="Arial"/>
+        <a:font script="Bugi" typeface="Leelawadee UI"/>
+        <a:font script="Bopo" typeface="Microsoft JhengHei"/>
+        <a:font script="Java" typeface="Javanese Text"/>
+        <a:font script="Lisu" typeface="Segoe UI"/>
+        <a:font script="Mymr" typeface="Myanmar Text"/>
+        <a:font script="Nkoo" typeface="Ebrima"/>
+        <a:font script="Olck" typeface="Nirmala UI"/>
+        <a:font script="Osma" typeface="Ebrima"/>
+        <a:font script="Phag" typeface="Phagspa"/>
+        <a:font script="Syrn" typeface="Estrangelo Edessa"/>
+        <a:font script="Syrj" typeface="Estrangelo Edessa"/>
+        <a:font script="Syre" typeface="Estrangelo Edessa"/>
+        <a:font script="Sora" typeface="Nirmala UI"/>
+        <a:font script="Tale" typeface="Microsoft Tai Le"/>
+        <a:font script="Talu" typeface="Microsoft New Tai Lue"/>
+        <a:font script="Tfng" typeface="Ebrima"/>
+      </a:minorFont>
+    </a:fontScheme>
+    <a:fmtScheme name="Office">
+      <a:fillStyleLst>
+        <a:solidFill>
+          <a:schemeClr val="phClr"/>
+        </a:solidFill>
+        <a:gradFill rotWithShape="1">
+          <a:gsLst>
+            <a:gs pos="0">
+              <a:schemeClr val="phClr">
+                <a:lumMod val="110000"/>
+                <a:satMod val="105000"/>
+                <a:tint val="67000"/>
+              </a:schemeClr>
+            </a:gs>
+            <a:gs pos="50000">
+              <a:schemeClr val="phClr">
+                <a:lumMod val="105000"/>
+                <a:satMod val="103000"/>
+                <a:tint val="73000"/>
+              </a:schemeClr>
+            </a:gs>
+            <a:gs pos="100000">
+              <a:schemeClr val="phClr">
+                <a:lumMod val="105000"/>
+                <a:satMod val="109000"/>
+                <a:tint val="81000"/>
+              </a:schemeClr>
+            </a:gs>
+          </a:gsLst>
+          <a:lin ang="5400000" scaled="0"/>
+        </a:gradFill>
+        <a:gradFill rotWithShape="1">
+          <a:gsLst>
+            <a:gs pos="0">
+              <a:schemeClr val="phClr">
+                <a:satMod val="103000"/>
+                <a:lumMod val="102000"/>
+                <a:tint val="94000"/>
+              </a:schemeClr>
+            </a:gs>
+            <a:gs pos="50000">
+              <a:schemeClr val="phClr">
+                <a:satMod val="110000"/>
+                <a:lumMod val="100000"/>
+                <a:shade val="100000"/>
+              </a:schemeClr>
+            </a:gs>
+            <a:gs pos="100000">
+              <a:schemeClr val="phClr">
+                <a:lumMod val="99000"/>
+                <a:satMod val="120000"/>
+                <a:shade val="78000"/>
+              </a:schemeClr>
+            </a:gs>
+          </a:gsLst>
+          <a:lin ang="5400000" scaled="0"/>
+        </a:gradFill>
+      </a:fillStyleLst>
+      <a:lnStyleLst>
+        <a:ln w="12700" cap="flat" cmpd="sng" algn="ctr">
+          <a:solidFill>
+            <a:schemeClr val="phClr"/>
+          </a:solidFill>
+          <a:prstDash val="solid"/>
+          <a:miter lim="800000"/>
+        </a:ln>
+        <a:ln w="19050" cap="flat" cmpd="sng" algn="ctr">
+          <a:solidFill>
+            <a:schemeClr val="phClr"/>
+          </a:solidFill>
+          <a:prstDash val="solid"/>
+          <a:miter lim="800000"/>
+        </a:ln>
+        <a:ln w="25400" cap="flat" cmpd="sng" algn="ctr">
+          <a:solidFill>
+            <a:schemeClr val="phClr"/>
+          </a:solidFill>
+          <a:prstDash val="solid"/>
+          <a:miter lim="800000"/>
+        </a:ln>
+      </a:lnStyleLst>
+      <a:effectStyleLst>
+        <a:effectStyle>
+          <a:effectLst/>
+        </a:effectStyle>
+        <a:effectStyle>
+          <a:effectLst/>
+        </a:effectStyle>
+        <a:effectStyle>
+          <a:effectLst>
+            <a:outerShdw blurRad="57150" dist="19050" dir="5400000" algn="ctr" rotWithShape="0">
+              <a:srgbClr val="000000">
+                <a:alpha val="63000"/>
+              </a:srgbClr>
+            </a:outerShdw>
+          </a:effectLst>
+        </a:effectStyle>
+      </a:effectStyleLst>
+      <a:bgFillStyleLst>
+        <a:solidFill>
+          <a:schemeClr val="phClr"/>
+        </a:solidFill>
+        <a:solidFill>
+          <a:schemeClr val="phClr">
+            <a:tint val="95000"/>
+            <a:satMod val="170000"/>
+          </a:schemeClr>
+        </a:solidFill>
+        <a:gradFill rotWithShape="1">
+          <a:gsLst>
+            <a:gs pos="0">
+              <a:schemeClr val="phClr">
+                <a:tint val="93000"/>
+                <a:satMod val="150000"/>
+                <a:shade val="98000"/>
+                <a:lumMod val="102000"/>
+              </a:schemeClr>
+            </a:gs>
+            <a:gs pos="50000">
+              <a:schemeClr val="phClr">
+                <a:tint val="98000"/>
+                <a:satMod val="130000"/>
+                <a:shade val="90000"/>
+                <a:lumMod val="103000"/>
+              </a:schemeClr>
+            </a:gs>
+            <a:gs pos="100000">
+              <a:schemeClr val="phClr">
+                <a:shade val="63000"/>
+                <a:satMod val="120000"/>
+              </a:schemeClr>
+            </a:gs>
+          </a:gsLst>
+          <a:lin ang="5400000" scaled="0"/>
+        </a:gradFill>
+      </a:bgFillStyleLst>
+    </a:fmtScheme>
+  </a:themeElements>
+  <a:objectDefaults>
+    <a:lnDef>
+      <a:spPr/>
+      <a:bodyPr/>
+      <a:lstStyle/>
+      <a:style>
+        <a:lnRef idx="2">
+          <a:schemeClr val="accent1"/>
+        </a:lnRef>
+        <a:fillRef idx="0">
+          <a:schemeClr val="accent1"/>
+        </a:fillRef>
+        <a:effectRef idx="1">
+          <a:schemeClr val="accent1"/>
+        </a:effectRef>
+        <a:fontRef idx="minor">
+          <a:schemeClr val="tx1"/>
+        </a:fontRef>
+      </a:style>
+    </a:lnDef>
+  </a:objectDefaults>
+  <a:extraClrSchemeLst/>
+  <a:extLst>
+    <a:ext uri="{05A4C25C-085E-4340-85A3-A5531E510DB2}">
+      <thm15:themeFamily xmlns:thm15="http://schemas.microsoft.com/office/thememl/2012/main" name="Office Theme" id="{2E142A2C-CD16-42D6-873A-C26D2A0506FA}" vid="{1BDDFF52-6CD6-40A5-AB3C-68EB2F1E4D0A}"/>
+    </a:ext>
+  </a:extLst>
+</a:theme>
 </file>
--- a/Control Design PPT.pptx
+++ b/Control Design PPT.pptx
@@ -5,7 +5,7 @@
     <p:sldMasterId id="2147483648" r:id="rId1"/>
   </p:sldMasterIdLst>
   <p:notesMasterIdLst>
-    <p:notesMasterId r:id="rId17"/>
+    <p:notesMasterId r:id="rId19"/>
   </p:notesMasterIdLst>
   <p:sldIdLst>
     <p:sldId id="256" r:id="rId2"/>
@@ -23,6 +23,8 @@
     <p:sldId id="268" r:id="rId14"/>
     <p:sldId id="270" r:id="rId15"/>
     <p:sldId id="269" r:id="rId16"/>
+    <p:sldId id="271" r:id="rId17"/>
+    <p:sldId id="272" r:id="rId18"/>
   </p:sldIdLst>
   <p:sldSz cx="12192000" cy="6858000"/>
   <p:notesSz cx="6858000" cy="9144000"/>
@@ -1108,7 +1110,7 @@
           <a:p>
             <a:fld id="{4ED325A6-F241-40D7-BF9F-421B71D3CAAD}" type="datetimeFigureOut">
               <a:rPr lang="ko-KR" altLang="en-US" smtClean="0"/>
-              <a:t>2026-01-14</a:t>
+              <a:t>2026-01-15</a:t>
             </a:fld>
             <a:endParaRPr lang="ko-KR" altLang="en-US"/>
           </a:p>
@@ -1459,6 +1461,90 @@
 </p:notes>
 </file>
 
+<file path=ppt/notesSlides/notesSlide2.xml><?xml version="1.0" encoding="utf-8"?>
+<p:notes xmlns:a="http://schemas.openxmlformats.org/drawingml/2006/main" xmlns:r="http://schemas.openxmlformats.org/officeDocument/2006/relationships" xmlns:p="http://schemas.openxmlformats.org/presentationml/2006/main">
+  <p:cSld>
+    <p:spTree>
+      <p:nvGrpSpPr>
+        <p:cNvPr id="1" name=""/>
+        <p:cNvGrpSpPr/>
+        <p:nvPr/>
+      </p:nvGrpSpPr>
+      <p:grpSpPr>
+        <a:xfrm>
+          <a:off x="0" y="0"/>
+          <a:ext cx="0" cy="0"/>
+          <a:chOff x="0" y="0"/>
+          <a:chExt cx="0" cy="0"/>
+        </a:xfrm>
+      </p:grpSpPr>
+      <p:sp>
+        <p:nvSpPr>
+          <p:cNvPr id="2" name="슬라이드 이미지 개체 틀 1"/>
+          <p:cNvSpPr>
+            <a:spLocks noGrp="1" noRot="1" noChangeAspect="1"/>
+          </p:cNvSpPr>
+          <p:nvPr>
+            <p:ph type="sldImg"/>
+          </p:nvPr>
+        </p:nvSpPr>
+        <p:spPr/>
+      </p:sp>
+      <p:sp>
+        <p:nvSpPr>
+          <p:cNvPr id="3" name="슬라이드 노트 개체 틀 2"/>
+          <p:cNvSpPr>
+            <a:spLocks noGrp="1"/>
+          </p:cNvSpPr>
+          <p:nvPr>
+            <p:ph type="body" idx="1"/>
+          </p:nvPr>
+        </p:nvSpPr>
+        <p:spPr/>
+        <p:txBody>
+          <a:bodyPr/>
+          <a:lstStyle/>
+          <a:p>
+            <a:endParaRPr lang="ko-KR" altLang="en-US" dirty="0"/>
+          </a:p>
+        </p:txBody>
+      </p:sp>
+      <p:sp>
+        <p:nvSpPr>
+          <p:cNvPr id="4" name="슬라이드 번호 개체 틀 3"/>
+          <p:cNvSpPr>
+            <a:spLocks noGrp="1"/>
+          </p:cNvSpPr>
+          <p:nvPr>
+            <p:ph type="sldNum" sz="quarter" idx="5"/>
+          </p:nvPr>
+        </p:nvSpPr>
+        <p:spPr/>
+        <p:txBody>
+          <a:bodyPr/>
+          <a:lstStyle/>
+          <a:p>
+            <a:fld id="{95829CEC-7133-48FF-9097-1FF2E33271C0}" type="slidenum">
+              <a:rPr lang="ko-KR" altLang="en-US" smtClean="0"/>
+              <a:t>16</a:t>
+            </a:fld>
+            <a:endParaRPr lang="ko-KR" altLang="en-US"/>
+          </a:p>
+        </p:txBody>
+      </p:sp>
+    </p:spTree>
+    <p:extLst>
+      <p:ext uri="{BB962C8B-B14F-4D97-AF65-F5344CB8AC3E}">
+        <p14:creationId xmlns:p14="http://schemas.microsoft.com/office/powerpoint/2010/main" val="2504821631"/>
+      </p:ext>
+    </p:extLst>
+  </p:cSld>
+  <p:clrMapOvr>
+    <a:masterClrMapping/>
+  </p:clrMapOvr>
+</p:notes>
+</file>
+
 <file path=ppt/slideLayouts/slideLayout1.xml><?xml version="1.0" encoding="utf-8"?>
 <p:sldLayout xmlns:a="http://schemas.openxmlformats.org/drawingml/2006/main" xmlns:r="http://schemas.openxmlformats.org/officeDocument/2006/relationships" xmlns:p="http://schemas.openxmlformats.org/presentationml/2006/main" type="title" preserve="1">
   <p:cSld name="제목 슬라이드">
@@ -1606,7 +1692,7 @@
           <a:p>
             <a:fld id="{127C1622-C0C2-42A6-A420-A2525B32B105}" type="datetimeFigureOut">
               <a:rPr lang="ko-KR" altLang="en-US" smtClean="0"/>
-              <a:t>2026-01-14</a:t>
+              <a:t>2026-01-15</a:t>
             </a:fld>
             <a:endParaRPr lang="ko-KR" altLang="en-US"/>
           </a:p>
@@ -1804,7 +1890,7 @@
           <a:p>
             <a:fld id="{127C1622-C0C2-42A6-A420-A2525B32B105}" type="datetimeFigureOut">
               <a:rPr lang="ko-KR" altLang="en-US" smtClean="0"/>
-              <a:t>2026-01-14</a:t>
+              <a:t>2026-01-15</a:t>
             </a:fld>
             <a:endParaRPr lang="ko-KR" altLang="en-US"/>
           </a:p>
@@ -2012,7 +2098,7 @@
           <a:p>
             <a:fld id="{127C1622-C0C2-42A6-A420-A2525B32B105}" type="datetimeFigureOut">
               <a:rPr lang="ko-KR" altLang="en-US" smtClean="0"/>
-              <a:t>2026-01-14</a:t>
+              <a:t>2026-01-15</a:t>
             </a:fld>
             <a:endParaRPr lang="ko-KR" altLang="en-US"/>
           </a:p>
@@ -2210,7 +2296,7 @@
           <a:p>
             <a:fld id="{127C1622-C0C2-42A6-A420-A2525B32B105}" type="datetimeFigureOut">
               <a:rPr lang="ko-KR" altLang="en-US" smtClean="0"/>
-              <a:t>2026-01-14</a:t>
+              <a:t>2026-01-15</a:t>
             </a:fld>
             <a:endParaRPr lang="ko-KR" altLang="en-US"/>
           </a:p>
@@ -2485,7 +2571,7 @@
           <a:p>
             <a:fld id="{127C1622-C0C2-42A6-A420-A2525B32B105}" type="datetimeFigureOut">
               <a:rPr lang="ko-KR" altLang="en-US" smtClean="0"/>
-              <a:t>2026-01-14</a:t>
+              <a:t>2026-01-15</a:t>
             </a:fld>
             <a:endParaRPr lang="ko-KR" altLang="en-US"/>
           </a:p>
@@ -2750,7 +2836,7 @@
           <a:p>
             <a:fld id="{127C1622-C0C2-42A6-A420-A2525B32B105}" type="datetimeFigureOut">
               <a:rPr lang="ko-KR" altLang="en-US" smtClean="0"/>
-              <a:t>2026-01-14</a:t>
+              <a:t>2026-01-15</a:t>
             </a:fld>
             <a:endParaRPr lang="ko-KR" altLang="en-US"/>
           </a:p>
@@ -3162,7 +3248,7 @@
           <a:p>
             <a:fld id="{127C1622-C0C2-42A6-A420-A2525B32B105}" type="datetimeFigureOut">
               <a:rPr lang="ko-KR" altLang="en-US" smtClean="0"/>
-              <a:t>2026-01-14</a:t>
+              <a:t>2026-01-15</a:t>
             </a:fld>
             <a:endParaRPr lang="ko-KR" altLang="en-US"/>
           </a:p>
@@ -3303,7 +3389,7 @@
           <a:p>
             <a:fld id="{127C1622-C0C2-42A6-A420-A2525B32B105}" type="datetimeFigureOut">
               <a:rPr lang="ko-KR" altLang="en-US" smtClean="0"/>
-              <a:t>2026-01-14</a:t>
+              <a:t>2026-01-15</a:t>
             </a:fld>
             <a:endParaRPr lang="ko-KR" altLang="en-US"/>
           </a:p>
@@ -3416,7 +3502,7 @@
           <a:p>
             <a:fld id="{127C1622-C0C2-42A6-A420-A2525B32B105}" type="datetimeFigureOut">
               <a:rPr lang="ko-KR" altLang="en-US" smtClean="0"/>
-              <a:t>2026-01-14</a:t>
+              <a:t>2026-01-15</a:t>
             </a:fld>
             <a:endParaRPr lang="ko-KR" altLang="en-US"/>
           </a:p>
@@ -3727,7 +3813,7 @@
           <a:p>
             <a:fld id="{127C1622-C0C2-42A6-A420-A2525B32B105}" type="datetimeFigureOut">
               <a:rPr lang="ko-KR" altLang="en-US" smtClean="0"/>
-              <a:t>2026-01-14</a:t>
+              <a:t>2026-01-15</a:t>
             </a:fld>
             <a:endParaRPr lang="ko-KR" altLang="en-US"/>
           </a:p>
@@ -4015,7 +4101,7 @@
           <a:p>
             <a:fld id="{127C1622-C0C2-42A6-A420-A2525B32B105}" type="datetimeFigureOut">
               <a:rPr lang="ko-KR" altLang="en-US" smtClean="0"/>
-              <a:t>2026-01-14</a:t>
+              <a:t>2026-01-15</a:t>
             </a:fld>
             <a:endParaRPr lang="ko-KR" altLang="en-US"/>
           </a:p>
@@ -4256,7 +4342,7 @@
           <a:p>
             <a:fld id="{127C1622-C0C2-42A6-A420-A2525B32B105}" type="datetimeFigureOut">
               <a:rPr lang="ko-KR" altLang="en-US" smtClean="0"/>
-              <a:t>2026-01-14</a:t>
+              <a:t>2026-01-15</a:t>
             </a:fld>
             <a:endParaRPr lang="ko-KR" altLang="en-US"/>
           </a:p>
@@ -5603,7 +5689,7 @@
         </p:nvGrpSpPr>
         <p:grpSpPr>
           <a:xfrm>
-            <a:off x="318931" y="0"/>
+            <a:off x="316247" y="323911"/>
             <a:ext cx="7234222" cy="6015955"/>
             <a:chOff x="1293043" y="422568"/>
             <a:chExt cx="6574608" cy="6015955"/>
@@ -7817,6 +7903,74 @@
           <a:p>
             <a:pPr algn="ctr"/>
             <a:endParaRPr lang="ko-KR" altLang="en-US" sz="1500" dirty="0"/>
+          </a:p>
+        </p:txBody>
+      </p:sp>
+      <p:sp>
+        <p:nvSpPr>
+          <p:cNvPr id="14" name="타원 13">
+            <a:extLst>
+              <a:ext uri="{FF2B5EF4-FFF2-40B4-BE49-F238E27FC236}">
+                <a16:creationId xmlns:a16="http://schemas.microsoft.com/office/drawing/2014/main" id="{7D529CE4-3ACE-A290-993E-EE37F269126E}"/>
+              </a:ext>
+            </a:extLst>
+          </p:cNvPr>
+          <p:cNvSpPr/>
+          <p:nvPr/>
+        </p:nvSpPr>
+        <p:spPr>
+          <a:xfrm>
+            <a:off x="9862717" y="3961832"/>
+            <a:ext cx="183600" cy="183600"/>
+          </a:xfrm>
+          <a:prstGeom prst="ellipse">
+            <a:avLst/>
+          </a:prstGeom>
+          <a:solidFill>
+            <a:schemeClr val="bg2">
+              <a:lumMod val="90000"/>
+            </a:schemeClr>
+          </a:solidFill>
+          <a:ln w="38100">
+            <a:solidFill>
+              <a:schemeClr val="bg2">
+                <a:lumMod val="75000"/>
+                <a:alpha val="0"/>
+              </a:schemeClr>
+            </a:solidFill>
+          </a:ln>
+          <a:scene3d>
+            <a:camera prst="orthographicFront"/>
+            <a:lightRig rig="threePt" dir="t">
+              <a:rot lat="0" lon="0" rev="2700000"/>
+            </a:lightRig>
+          </a:scene3d>
+          <a:sp3d prstMaterial="softEdge">
+            <a:bevelT w="165100" prst="coolSlant"/>
+          </a:sp3d>
+        </p:spPr>
+        <p:style>
+          <a:lnRef idx="2">
+            <a:schemeClr val="accent1">
+              <a:shade val="15000"/>
+            </a:schemeClr>
+          </a:lnRef>
+          <a:fillRef idx="1">
+            <a:schemeClr val="accent1"/>
+          </a:fillRef>
+          <a:effectRef idx="0">
+            <a:schemeClr val="accent1"/>
+          </a:effectRef>
+          <a:fontRef idx="minor">
+            <a:schemeClr val="lt1"/>
+          </a:fontRef>
+        </p:style>
+        <p:txBody>
+          <a:bodyPr rtlCol="0" anchor="ctr"/>
+          <a:lstStyle/>
+          <a:p>
+            <a:pPr algn="ctr"/>
+            <a:endParaRPr lang="ko-KR" altLang="en-US"/>
           </a:p>
         </p:txBody>
       </p:sp>
@@ -10680,8 +10834,8 @@
           </a:fontRef>
         </p:style>
       </p:cxnSp>
-      <mc:AlternateContent xmlns:mc="http://schemas.openxmlformats.org/markup-compatibility/2006">
-        <mc:Choice xmlns:p14="http://schemas.microsoft.com/office/powerpoint/2010/main" Requires="p14">
+      <mc:AlternateContent xmlns:mc="http://schemas.openxmlformats.org/markup-compatibility/2006" xmlns:p14="http://schemas.microsoft.com/office/powerpoint/2010/main">
+        <mc:Choice Requires="p14">
           <p:contentPart p14:bwMode="auto" r:id="rId5">
             <p14:nvContentPartPr>
               <p14:cNvPr id="199" name="잉크 198">
@@ -10700,7 +10854,7 @@
             </p14:xfrm>
           </p:contentPart>
         </mc:Choice>
-        <mc:Fallback>
+        <mc:Fallback xmlns="">
           <p:pic>
             <p:nvPicPr>
               <p:cNvPr id="199" name="잉크 198">
@@ -10731,8 +10885,8 @@
           </p:pic>
         </mc:Fallback>
       </mc:AlternateContent>
-      <mc:AlternateContent xmlns:mc="http://schemas.openxmlformats.org/markup-compatibility/2006">
-        <mc:Choice xmlns:p14="http://schemas.microsoft.com/office/powerpoint/2010/main" Requires="p14">
+      <mc:AlternateContent xmlns:mc="http://schemas.openxmlformats.org/markup-compatibility/2006" xmlns:p14="http://schemas.microsoft.com/office/powerpoint/2010/main">
+        <mc:Choice Requires="p14">
           <p:contentPart p14:bwMode="auto" r:id="rId7">
             <p14:nvContentPartPr>
               <p14:cNvPr id="200" name="잉크 199">
@@ -10751,7 +10905,7 @@
             </p14:xfrm>
           </p:contentPart>
         </mc:Choice>
-        <mc:Fallback>
+        <mc:Fallback xmlns="">
           <p:pic>
             <p:nvPicPr>
               <p:cNvPr id="200" name="잉크 199">
@@ -10782,8 +10936,8 @@
           </p:pic>
         </mc:Fallback>
       </mc:AlternateContent>
-      <mc:AlternateContent xmlns:mc="http://schemas.openxmlformats.org/markup-compatibility/2006">
-        <mc:Choice xmlns:p14="http://schemas.microsoft.com/office/powerpoint/2010/main" Requires="p14">
+      <mc:AlternateContent xmlns:mc="http://schemas.openxmlformats.org/markup-compatibility/2006" xmlns:p14="http://schemas.microsoft.com/office/powerpoint/2010/main">
+        <mc:Choice Requires="p14">
           <p:contentPart p14:bwMode="auto" r:id="rId9">
             <p14:nvContentPartPr>
               <p14:cNvPr id="201" name="잉크 200">
@@ -10802,7 +10956,7 @@
             </p14:xfrm>
           </p:contentPart>
         </mc:Choice>
-        <mc:Fallback>
+        <mc:Fallback xmlns="">
           <p:pic>
             <p:nvPicPr>
               <p:cNvPr id="201" name="잉크 200">
@@ -10833,8 +10987,8 @@
           </p:pic>
         </mc:Fallback>
       </mc:AlternateContent>
-      <mc:AlternateContent xmlns:mc="http://schemas.openxmlformats.org/markup-compatibility/2006">
-        <mc:Choice xmlns:p14="http://schemas.microsoft.com/office/powerpoint/2010/main" Requires="p14">
+      <mc:AlternateContent xmlns:mc="http://schemas.openxmlformats.org/markup-compatibility/2006" xmlns:p14="http://schemas.microsoft.com/office/powerpoint/2010/main">
+        <mc:Choice Requires="p14">
           <p:contentPart p14:bwMode="auto" r:id="rId11">
             <p14:nvContentPartPr>
               <p14:cNvPr id="204" name="잉크 203">
@@ -10853,7 +11007,7 @@
             </p14:xfrm>
           </p:contentPart>
         </mc:Choice>
-        <mc:Fallback>
+        <mc:Fallback xmlns="">
           <p:pic>
             <p:nvPicPr>
               <p:cNvPr id="204" name="잉크 203">
@@ -10884,8 +11038,8 @@
           </p:pic>
         </mc:Fallback>
       </mc:AlternateContent>
-      <mc:AlternateContent xmlns:mc="http://schemas.openxmlformats.org/markup-compatibility/2006">
-        <mc:Choice xmlns:p14="http://schemas.microsoft.com/office/powerpoint/2010/main" Requires="p14">
+      <mc:AlternateContent xmlns:mc="http://schemas.openxmlformats.org/markup-compatibility/2006" xmlns:p14="http://schemas.microsoft.com/office/powerpoint/2010/main">
+        <mc:Choice Requires="p14">
           <p:contentPart p14:bwMode="auto" r:id="rId13">
             <p14:nvContentPartPr>
               <p14:cNvPr id="211" name="잉크 210">
@@ -10904,7 +11058,7 @@
             </p14:xfrm>
           </p:contentPart>
         </mc:Choice>
-        <mc:Fallback>
+        <mc:Fallback xmlns="">
           <p:pic>
             <p:nvPicPr>
               <p:cNvPr id="211" name="잉크 210">
@@ -10935,8 +11089,8 @@
           </p:pic>
         </mc:Fallback>
       </mc:AlternateContent>
-      <mc:AlternateContent xmlns:mc="http://schemas.openxmlformats.org/markup-compatibility/2006">
-        <mc:Choice xmlns:p14="http://schemas.microsoft.com/office/powerpoint/2010/main" Requires="p14">
+      <mc:AlternateContent xmlns:mc="http://schemas.openxmlformats.org/markup-compatibility/2006" xmlns:p14="http://schemas.microsoft.com/office/powerpoint/2010/main">
+        <mc:Choice Requires="p14">
           <p:contentPart p14:bwMode="auto" r:id="rId15">
             <p14:nvContentPartPr>
               <p14:cNvPr id="212" name="잉크 211">
@@ -10955,7 +11109,7 @@
             </p14:xfrm>
           </p:contentPart>
         </mc:Choice>
-        <mc:Fallback>
+        <mc:Fallback xmlns="">
           <p:pic>
             <p:nvPicPr>
               <p:cNvPr id="212" name="잉크 211">
@@ -10986,8 +11140,8 @@
           </p:pic>
         </mc:Fallback>
       </mc:AlternateContent>
-      <mc:AlternateContent xmlns:mc="http://schemas.openxmlformats.org/markup-compatibility/2006">
-        <mc:Choice xmlns:p14="http://schemas.microsoft.com/office/powerpoint/2010/main" Requires="p14">
+      <mc:AlternateContent xmlns:mc="http://schemas.openxmlformats.org/markup-compatibility/2006" xmlns:p14="http://schemas.microsoft.com/office/powerpoint/2010/main">
+        <mc:Choice Requires="p14">
           <p:contentPart p14:bwMode="auto" r:id="rId17">
             <p14:nvContentPartPr>
               <p14:cNvPr id="214" name="잉크 213">
@@ -11006,7 +11160,7 @@
             </p14:xfrm>
           </p:contentPart>
         </mc:Choice>
-        <mc:Fallback>
+        <mc:Fallback xmlns="">
           <p:pic>
             <p:nvPicPr>
               <p:cNvPr id="214" name="잉크 213">
@@ -11057,8 +11211,8 @@
             <a:chExt cx="299160" cy="119160"/>
           </a:xfrm>
         </p:grpSpPr>
-        <mc:AlternateContent xmlns:mc="http://schemas.openxmlformats.org/markup-compatibility/2006">
-          <mc:Choice xmlns:p14="http://schemas.microsoft.com/office/powerpoint/2010/main" Requires="p14">
+        <mc:AlternateContent xmlns:mc="http://schemas.openxmlformats.org/markup-compatibility/2006" xmlns:p14="http://schemas.microsoft.com/office/powerpoint/2010/main">
+          <mc:Choice Requires="p14">
             <p:contentPart p14:bwMode="auto" r:id="rId19">
               <p14:nvContentPartPr>
                 <p14:cNvPr id="215" name="잉크 214">
@@ -11077,7 +11231,7 @@
               </p14:xfrm>
             </p:contentPart>
           </mc:Choice>
-          <mc:Fallback>
+          <mc:Fallback xmlns="">
             <p:pic>
               <p:nvPicPr>
                 <p:cNvPr id="215" name="잉크 214">
@@ -11108,8 +11262,8 @@
             </p:pic>
           </mc:Fallback>
         </mc:AlternateContent>
-        <mc:AlternateContent xmlns:mc="http://schemas.openxmlformats.org/markup-compatibility/2006">
-          <mc:Choice xmlns:p14="http://schemas.microsoft.com/office/powerpoint/2010/main" Requires="p14">
+        <mc:AlternateContent xmlns:mc="http://schemas.openxmlformats.org/markup-compatibility/2006" xmlns:p14="http://schemas.microsoft.com/office/powerpoint/2010/main">
+          <mc:Choice Requires="p14">
             <p:contentPart p14:bwMode="auto" r:id="rId21">
               <p14:nvContentPartPr>
                 <p14:cNvPr id="216" name="잉크 215">
@@ -11128,7 +11282,7 @@
               </p14:xfrm>
             </p:contentPart>
           </mc:Choice>
-          <mc:Fallback>
+          <mc:Fallback xmlns="">
             <p:pic>
               <p:nvPicPr>
                 <p:cNvPr id="216" name="잉크 215">
@@ -11180,8 +11334,8 @@
             <a:chExt cx="61920" cy="57600"/>
           </a:xfrm>
         </p:grpSpPr>
-        <mc:AlternateContent xmlns:mc="http://schemas.openxmlformats.org/markup-compatibility/2006">
-          <mc:Choice xmlns:p14="http://schemas.microsoft.com/office/powerpoint/2010/main" Requires="p14">
+        <mc:AlternateContent xmlns:mc="http://schemas.openxmlformats.org/markup-compatibility/2006" xmlns:p14="http://schemas.microsoft.com/office/powerpoint/2010/main">
+          <mc:Choice Requires="p14">
             <p:contentPart p14:bwMode="auto" r:id="rId23">
               <p14:nvContentPartPr>
                 <p14:cNvPr id="227" name="잉크 226">
@@ -11200,7 +11354,7 @@
               </p14:xfrm>
             </p:contentPart>
           </mc:Choice>
-          <mc:Fallback>
+          <mc:Fallback xmlns="">
             <p:pic>
               <p:nvPicPr>
                 <p:cNvPr id="227" name="잉크 226">
@@ -11231,8 +11385,8 @@
             </p:pic>
           </mc:Fallback>
         </mc:AlternateContent>
-        <mc:AlternateContent xmlns:mc="http://schemas.openxmlformats.org/markup-compatibility/2006">
-          <mc:Choice xmlns:p14="http://schemas.microsoft.com/office/powerpoint/2010/main" Requires="p14">
+        <mc:AlternateContent xmlns:mc="http://schemas.openxmlformats.org/markup-compatibility/2006" xmlns:p14="http://schemas.microsoft.com/office/powerpoint/2010/main">
+          <mc:Choice Requires="p14">
             <p:contentPart p14:bwMode="auto" r:id="rId25">
               <p14:nvContentPartPr>
                 <p14:cNvPr id="228" name="잉크 227">
@@ -11251,7 +11405,7 @@
               </p14:xfrm>
             </p:contentPart>
           </mc:Choice>
-          <mc:Fallback>
+          <mc:Fallback xmlns="">
             <p:pic>
               <p:nvPicPr>
                 <p:cNvPr id="228" name="잉크 227">
@@ -11282,8 +11436,8 @@
             </p:pic>
           </mc:Fallback>
         </mc:AlternateContent>
-        <mc:AlternateContent xmlns:mc="http://schemas.openxmlformats.org/markup-compatibility/2006">
-          <mc:Choice xmlns:p14="http://schemas.microsoft.com/office/powerpoint/2010/main" Requires="p14">
+        <mc:AlternateContent xmlns:mc="http://schemas.openxmlformats.org/markup-compatibility/2006" xmlns:p14="http://schemas.microsoft.com/office/powerpoint/2010/main">
+          <mc:Choice Requires="p14">
             <p:contentPart p14:bwMode="auto" r:id="rId27">
               <p14:nvContentPartPr>
                 <p14:cNvPr id="230" name="잉크 229">
@@ -11302,7 +11456,7 @@
               </p14:xfrm>
             </p:contentPart>
           </mc:Choice>
-          <mc:Fallback>
+          <mc:Fallback xmlns="">
             <p:pic>
               <p:nvPicPr>
                 <p:cNvPr id="230" name="잉크 229">
@@ -11354,8 +11508,8 @@
             <a:chExt cx="151920" cy="145080"/>
           </a:xfrm>
         </p:grpSpPr>
-        <mc:AlternateContent xmlns:mc="http://schemas.openxmlformats.org/markup-compatibility/2006">
-          <mc:Choice xmlns:p14="http://schemas.microsoft.com/office/powerpoint/2010/main" Requires="p14">
+        <mc:AlternateContent xmlns:mc="http://schemas.openxmlformats.org/markup-compatibility/2006" xmlns:p14="http://schemas.microsoft.com/office/powerpoint/2010/main">
+          <mc:Choice Requires="p14">
             <p:contentPart p14:bwMode="auto" r:id="rId29">
               <p14:nvContentPartPr>
                 <p14:cNvPr id="235" name="잉크 234">
@@ -11374,7 +11528,7 @@
               </p14:xfrm>
             </p:contentPart>
           </mc:Choice>
-          <mc:Fallback>
+          <mc:Fallback xmlns="">
             <p:pic>
               <p:nvPicPr>
                 <p:cNvPr id="235" name="잉크 234">
@@ -11405,8 +11559,8 @@
             </p:pic>
           </mc:Fallback>
         </mc:AlternateContent>
-        <mc:AlternateContent xmlns:mc="http://schemas.openxmlformats.org/markup-compatibility/2006">
-          <mc:Choice xmlns:p14="http://schemas.microsoft.com/office/powerpoint/2010/main" Requires="p14">
+        <mc:AlternateContent xmlns:mc="http://schemas.openxmlformats.org/markup-compatibility/2006" xmlns:p14="http://schemas.microsoft.com/office/powerpoint/2010/main">
+          <mc:Choice Requires="p14">
             <p:contentPart p14:bwMode="auto" r:id="rId31">
               <p14:nvContentPartPr>
                 <p14:cNvPr id="236" name="잉크 235">
@@ -11425,7 +11579,7 @@
               </p14:xfrm>
             </p:contentPart>
           </mc:Choice>
-          <mc:Fallback>
+          <mc:Fallback xmlns="">
             <p:pic>
               <p:nvPicPr>
                 <p:cNvPr id="236" name="잉크 235">
@@ -11456,8 +11610,8 @@
             </p:pic>
           </mc:Fallback>
         </mc:AlternateContent>
-        <mc:AlternateContent xmlns:mc="http://schemas.openxmlformats.org/markup-compatibility/2006">
-          <mc:Choice xmlns:p14="http://schemas.microsoft.com/office/powerpoint/2010/main" Requires="p14">
+        <mc:AlternateContent xmlns:mc="http://schemas.openxmlformats.org/markup-compatibility/2006" xmlns:p14="http://schemas.microsoft.com/office/powerpoint/2010/main">
+          <mc:Choice Requires="p14">
             <p:contentPart p14:bwMode="auto" r:id="rId33">
               <p14:nvContentPartPr>
                 <p14:cNvPr id="238" name="잉크 237">
@@ -11476,7 +11630,7 @@
               </p14:xfrm>
             </p:contentPart>
           </mc:Choice>
-          <mc:Fallback>
+          <mc:Fallback xmlns="">
             <p:pic>
               <p:nvPicPr>
                 <p:cNvPr id="238" name="잉크 237">
@@ -11508,8 +11662,8 @@
           </mc:Fallback>
         </mc:AlternateContent>
       </p:grpSp>
-      <mc:AlternateContent xmlns:mc="http://schemas.openxmlformats.org/markup-compatibility/2006">
-        <mc:Choice xmlns:p14="http://schemas.microsoft.com/office/powerpoint/2010/main" Requires="p14">
+      <mc:AlternateContent xmlns:mc="http://schemas.openxmlformats.org/markup-compatibility/2006" xmlns:p14="http://schemas.microsoft.com/office/powerpoint/2010/main">
+        <mc:Choice Requires="p14">
           <p:contentPart p14:bwMode="auto" r:id="rId35">
             <p14:nvContentPartPr>
               <p14:cNvPr id="261" name="잉크 260">
@@ -11528,7 +11682,7 @@
             </p14:xfrm>
           </p:contentPart>
         </mc:Choice>
-        <mc:Fallback>
+        <mc:Fallback xmlns="">
           <p:pic>
             <p:nvPicPr>
               <p:cNvPr id="261" name="잉크 260">
@@ -11559,8 +11713,8 @@
           </p:pic>
         </mc:Fallback>
       </mc:AlternateContent>
-      <mc:AlternateContent xmlns:mc="http://schemas.openxmlformats.org/markup-compatibility/2006">
-        <mc:Choice xmlns:p14="http://schemas.microsoft.com/office/powerpoint/2010/main" Requires="p14">
+      <mc:AlternateContent xmlns:mc="http://schemas.openxmlformats.org/markup-compatibility/2006" xmlns:p14="http://schemas.microsoft.com/office/powerpoint/2010/main">
+        <mc:Choice Requires="p14">
           <p:contentPart p14:bwMode="auto" r:id="rId37">
             <p14:nvContentPartPr>
               <p14:cNvPr id="262" name="잉크 261">
@@ -11579,7 +11733,7 @@
             </p14:xfrm>
           </p:contentPart>
         </mc:Choice>
-        <mc:Fallback>
+        <mc:Fallback xmlns="">
           <p:pic>
             <p:nvPicPr>
               <p:cNvPr id="262" name="잉크 261">
@@ -11610,8 +11764,8 @@
           </p:pic>
         </mc:Fallback>
       </mc:AlternateContent>
-      <mc:AlternateContent xmlns:mc="http://schemas.openxmlformats.org/markup-compatibility/2006">
-        <mc:Choice xmlns:p14="http://schemas.microsoft.com/office/powerpoint/2010/main" Requires="p14">
+      <mc:AlternateContent xmlns:mc="http://schemas.openxmlformats.org/markup-compatibility/2006" xmlns:p14="http://schemas.microsoft.com/office/powerpoint/2010/main">
+        <mc:Choice Requires="p14">
           <p:contentPart p14:bwMode="auto" r:id="rId39">
             <p14:nvContentPartPr>
               <p14:cNvPr id="263" name="잉크 262">
@@ -11630,7 +11784,7 @@
             </p14:xfrm>
           </p:contentPart>
         </mc:Choice>
-        <mc:Fallback>
+        <mc:Fallback xmlns="">
           <p:pic>
             <p:nvPicPr>
               <p:cNvPr id="263" name="잉크 262">
@@ -11661,8 +11815,8 @@
           </p:pic>
         </mc:Fallback>
       </mc:AlternateContent>
-      <mc:AlternateContent xmlns:mc="http://schemas.openxmlformats.org/markup-compatibility/2006">
-        <mc:Choice xmlns:p14="http://schemas.microsoft.com/office/powerpoint/2010/main" Requires="p14">
+      <mc:AlternateContent xmlns:mc="http://schemas.openxmlformats.org/markup-compatibility/2006" xmlns:p14="http://schemas.microsoft.com/office/powerpoint/2010/main">
+        <mc:Choice Requires="p14">
           <p:contentPart p14:bwMode="auto" r:id="rId41">
             <p14:nvContentPartPr>
               <p14:cNvPr id="273" name="잉크 272">
@@ -11681,7 +11835,7 @@
             </p14:xfrm>
           </p:contentPart>
         </mc:Choice>
-        <mc:Fallback>
+        <mc:Fallback xmlns="">
           <p:pic>
             <p:nvPicPr>
               <p:cNvPr id="273" name="잉크 272">
@@ -11712,8 +11866,8 @@
           </p:pic>
         </mc:Fallback>
       </mc:AlternateContent>
-      <mc:AlternateContent xmlns:mc="http://schemas.openxmlformats.org/markup-compatibility/2006">
-        <mc:Choice xmlns:p14="http://schemas.microsoft.com/office/powerpoint/2010/main" Requires="p14">
+      <mc:AlternateContent xmlns:mc="http://schemas.openxmlformats.org/markup-compatibility/2006" xmlns:p14="http://schemas.microsoft.com/office/powerpoint/2010/main">
+        <mc:Choice Requires="p14">
           <p:contentPart p14:bwMode="auto" r:id="rId43">
             <p14:nvContentPartPr>
               <p14:cNvPr id="291" name="잉크 290">
@@ -11732,7 +11886,7 @@
             </p14:xfrm>
           </p:contentPart>
         </mc:Choice>
-        <mc:Fallback>
+        <mc:Fallback xmlns="">
           <p:pic>
             <p:nvPicPr>
               <p:cNvPr id="291" name="잉크 290">
@@ -11813,6 +11967,7244 @@
     <p:extLst>
       <p:ext uri="{BB962C8B-B14F-4D97-AF65-F5344CB8AC3E}">
         <p14:creationId xmlns:p14="http://schemas.microsoft.com/office/powerpoint/2010/main" val="289742244"/>
+      </p:ext>
+    </p:extLst>
+  </p:cSld>
+  <p:clrMapOvr>
+    <a:masterClrMapping/>
+  </p:clrMapOvr>
+</p:sld>
+</file>
+
+<file path=ppt/slides/slide16.xml><?xml version="1.0" encoding="utf-8"?>
+<p:sld xmlns:a="http://schemas.openxmlformats.org/drawingml/2006/main" xmlns:r="http://schemas.openxmlformats.org/officeDocument/2006/relationships" xmlns:p="http://schemas.openxmlformats.org/presentationml/2006/main">
+  <p:cSld>
+    <p:spTree>
+      <p:nvGrpSpPr>
+        <p:cNvPr id="1" name=""/>
+        <p:cNvGrpSpPr/>
+        <p:nvPr/>
+      </p:nvGrpSpPr>
+      <p:grpSpPr>
+        <a:xfrm>
+          <a:off x="0" y="0"/>
+          <a:ext cx="0" cy="0"/>
+          <a:chOff x="0" y="0"/>
+          <a:chExt cx="0" cy="0"/>
+        </a:xfrm>
+      </p:grpSpPr>
+      <p:sp>
+        <p:nvSpPr>
+          <p:cNvPr id="44" name="직사각형 43">
+            <a:extLst>
+              <a:ext uri="{FF2B5EF4-FFF2-40B4-BE49-F238E27FC236}">
+                <a16:creationId xmlns:a16="http://schemas.microsoft.com/office/drawing/2014/main" id="{FBA1FBFA-E1CB-28D2-817C-8DE9AFD7EF4B}"/>
+              </a:ext>
+            </a:extLst>
+          </p:cNvPr>
+          <p:cNvSpPr/>
+          <p:nvPr/>
+        </p:nvSpPr>
+        <p:spPr>
+          <a:xfrm>
+            <a:off x="1172181" y="1249680"/>
+            <a:ext cx="3970857" cy="3676232"/>
+          </a:xfrm>
+          <a:prstGeom prst="rect">
+            <a:avLst/>
+          </a:prstGeom>
+          <a:solidFill>
+            <a:schemeClr val="bg2">
+              <a:lumMod val="25000"/>
+            </a:schemeClr>
+          </a:solidFill>
+        </p:spPr>
+        <p:style>
+          <a:lnRef idx="2">
+            <a:schemeClr val="accent1">
+              <a:shade val="15000"/>
+            </a:schemeClr>
+          </a:lnRef>
+          <a:fillRef idx="1">
+            <a:schemeClr val="accent1"/>
+          </a:fillRef>
+          <a:effectRef idx="0">
+            <a:schemeClr val="accent1"/>
+          </a:effectRef>
+          <a:fontRef idx="minor">
+            <a:schemeClr val="lt1"/>
+          </a:fontRef>
+        </p:style>
+        <p:txBody>
+          <a:bodyPr rtlCol="0" anchor="ctr"/>
+          <a:lstStyle/>
+          <a:p>
+            <a:pPr algn="ctr"/>
+            <a:endParaRPr lang="ko-KR" altLang="en-US"/>
+          </a:p>
+        </p:txBody>
+      </p:sp>
+      <p:grpSp>
+        <p:nvGrpSpPr>
+          <p:cNvPr id="16" name="그룹 15">
+            <a:extLst>
+              <a:ext uri="{FF2B5EF4-FFF2-40B4-BE49-F238E27FC236}">
+                <a16:creationId xmlns:a16="http://schemas.microsoft.com/office/drawing/2014/main" id="{AA9E4FE4-CE16-7EA6-D66E-42EED819B688}"/>
+              </a:ext>
+            </a:extLst>
+          </p:cNvPr>
+          <p:cNvGrpSpPr/>
+          <p:nvPr/>
+        </p:nvGrpSpPr>
+        <p:grpSpPr>
+          <a:xfrm>
+            <a:off x="7199447" y="2546894"/>
+            <a:ext cx="340004" cy="811312"/>
+            <a:chOff x="7306608" y="2080088"/>
+            <a:chExt cx="340004" cy="811312"/>
+          </a:xfrm>
+        </p:grpSpPr>
+        <p:sp>
+          <p:nvSpPr>
+            <p:cNvPr id="15" name="자유형: 도형 14">
+              <a:extLst>
+                <a:ext uri="{FF2B5EF4-FFF2-40B4-BE49-F238E27FC236}">
+                  <a16:creationId xmlns:a16="http://schemas.microsoft.com/office/drawing/2014/main" id="{ACCC6E1B-95A4-C743-3C02-CB7A2F393D14}"/>
+                </a:ext>
+              </a:extLst>
+            </p:cNvPr>
+            <p:cNvSpPr/>
+            <p:nvPr/>
+          </p:nvSpPr>
+          <p:spPr>
+            <a:xfrm rot="5400000">
+              <a:off x="7154494" y="2399283"/>
+              <a:ext cx="644231" cy="340004"/>
+            </a:xfrm>
+            <a:custGeom>
+              <a:avLst/>
+              <a:gdLst>
+                <a:gd name="csX0" fmla="*/ 0 w 848765"/>
+                <a:gd name="csY0" fmla="*/ 197695 h 395171"/>
+                <a:gd name="csX1" fmla="*/ 20 w 848765"/>
+                <a:gd name="csY1" fmla="*/ 197583 h 395171"/>
+                <a:gd name="csX2" fmla="*/ 1 w 848765"/>
+                <a:gd name="csY2" fmla="*/ 197476 h 395171"/>
+                <a:gd name="csX3" fmla="*/ 40 w 848765"/>
+                <a:gd name="csY3" fmla="*/ 197476 h 395171"/>
+                <a:gd name="csX4" fmla="*/ 7909 w 848765"/>
+                <a:gd name="csY4" fmla="*/ 153808 h 395171"/>
+                <a:gd name="csX5" fmla="*/ 355576 w 848765"/>
+                <a:gd name="csY5" fmla="*/ 153808 h 395171"/>
+                <a:gd name="csX6" fmla="*/ 355576 w 848765"/>
+                <a:gd name="csY6" fmla="*/ 149160 h 395171"/>
+                <a:gd name="csX7" fmla="*/ 475551 w 848765"/>
+                <a:gd name="csY7" fmla="*/ 0 h 395171"/>
+                <a:gd name="csX8" fmla="*/ 734375 w 848765"/>
+                <a:gd name="csY8" fmla="*/ 0 h 395171"/>
+                <a:gd name="csX9" fmla="*/ 833042 w 848765"/>
+                <a:gd name="csY9" fmla="*/ 33763 h 395171"/>
+                <a:gd name="csX10" fmla="*/ 848764 w 848765"/>
+                <a:gd name="csY10" fmla="*/ 48295 h 395171"/>
+                <a:gd name="csX11" fmla="*/ 688809 w 848765"/>
+                <a:gd name="csY11" fmla="*/ 48295 h 395171"/>
+                <a:gd name="csX12" fmla="*/ 605279 w 848765"/>
+                <a:gd name="csY12" fmla="*/ 73811 h 395171"/>
+                <a:gd name="csX13" fmla="*/ 584942 w 848765"/>
+                <a:gd name="csY13" fmla="*/ 92289 h 395171"/>
+                <a:gd name="csX14" fmla="*/ 582288 w 848765"/>
+                <a:gd name="csY14" fmla="*/ 94078 h 395171"/>
+                <a:gd name="csX15" fmla="*/ 581205 w 848765"/>
+                <a:gd name="csY15" fmla="*/ 95685 h 395171"/>
+                <a:gd name="csX16" fmla="*/ 573525 w 848765"/>
+                <a:gd name="csY16" fmla="*/ 102663 h 395171"/>
+                <a:gd name="csX17" fmla="*/ 551150 w 848765"/>
+                <a:gd name="csY17" fmla="*/ 139542 h 395171"/>
+                <a:gd name="csX18" fmla="*/ 550943 w 848765"/>
+                <a:gd name="csY18" fmla="*/ 140570 h 395171"/>
+                <a:gd name="csX19" fmla="*/ 550917 w 848765"/>
+                <a:gd name="csY19" fmla="*/ 140608 h 395171"/>
+                <a:gd name="csX20" fmla="*/ 539414 w 848765"/>
+                <a:gd name="csY20" fmla="*/ 197586 h 395171"/>
+                <a:gd name="csX21" fmla="*/ 550917 w 848765"/>
+                <a:gd name="csY21" fmla="*/ 254565 h 395171"/>
+                <a:gd name="csX22" fmla="*/ 550944 w 848765"/>
+                <a:gd name="csY22" fmla="*/ 254605 h 395171"/>
+                <a:gd name="csX23" fmla="*/ 551151 w 848765"/>
+                <a:gd name="csY23" fmla="*/ 255629 h 395171"/>
+                <a:gd name="csX24" fmla="*/ 573526 w 848765"/>
+                <a:gd name="csY24" fmla="*/ 292508 h 395171"/>
+                <a:gd name="csX25" fmla="*/ 581202 w 848765"/>
+                <a:gd name="csY25" fmla="*/ 299483 h 395171"/>
+                <a:gd name="csX26" fmla="*/ 582288 w 848765"/>
+                <a:gd name="csY26" fmla="*/ 301094 h 395171"/>
+                <a:gd name="csX27" fmla="*/ 584950 w 848765"/>
+                <a:gd name="csY27" fmla="*/ 302889 h 395171"/>
+                <a:gd name="csX28" fmla="*/ 605279 w 848765"/>
+                <a:gd name="csY28" fmla="*/ 321361 h 395171"/>
+                <a:gd name="csX29" fmla="*/ 688810 w 848765"/>
+                <a:gd name="csY29" fmla="*/ 346876 h 395171"/>
+                <a:gd name="csX30" fmla="*/ 848765 w 848765"/>
+                <a:gd name="csY30" fmla="*/ 346876 h 395171"/>
+                <a:gd name="csX31" fmla="*/ 833043 w 848765"/>
+                <a:gd name="csY31" fmla="*/ 361408 h 395171"/>
+                <a:gd name="csX32" fmla="*/ 734376 w 848765"/>
+                <a:gd name="csY32" fmla="*/ 395171 h 395171"/>
+                <a:gd name="csX33" fmla="*/ 475552 w 848765"/>
+                <a:gd name="csY33" fmla="*/ 395171 h 395171"/>
+                <a:gd name="csX34" fmla="*/ 355577 w 848765"/>
+                <a:gd name="csY34" fmla="*/ 246011 h 395171"/>
+                <a:gd name="csX35" fmla="*/ 355577 w 848765"/>
+                <a:gd name="csY35" fmla="*/ 241363 h 395171"/>
+                <a:gd name="csX36" fmla="*/ 7910 w 848765"/>
+                <a:gd name="csY36" fmla="*/ 241363 h 395171"/>
+                <a:gd name="csX37" fmla="*/ 41 w 848765"/>
+                <a:gd name="csY37" fmla="*/ 197695 h 395171"/>
+              </a:gdLst>
+              <a:ahLst/>
+              <a:cxnLst>
+                <a:cxn ang="0">
+                  <a:pos x="csX0" y="csY0"/>
+                </a:cxn>
+                <a:cxn ang="0">
+                  <a:pos x="csX1" y="csY1"/>
+                </a:cxn>
+                <a:cxn ang="0">
+                  <a:pos x="csX2" y="csY2"/>
+                </a:cxn>
+                <a:cxn ang="0">
+                  <a:pos x="csX3" y="csY3"/>
+                </a:cxn>
+                <a:cxn ang="0">
+                  <a:pos x="csX4" y="csY4"/>
+                </a:cxn>
+                <a:cxn ang="0">
+                  <a:pos x="csX5" y="csY5"/>
+                </a:cxn>
+                <a:cxn ang="0">
+                  <a:pos x="csX6" y="csY6"/>
+                </a:cxn>
+                <a:cxn ang="0">
+                  <a:pos x="csX7" y="csY7"/>
+                </a:cxn>
+                <a:cxn ang="0">
+                  <a:pos x="csX8" y="csY8"/>
+                </a:cxn>
+                <a:cxn ang="0">
+                  <a:pos x="csX9" y="csY9"/>
+                </a:cxn>
+                <a:cxn ang="0">
+                  <a:pos x="csX10" y="csY10"/>
+                </a:cxn>
+                <a:cxn ang="0">
+                  <a:pos x="csX11" y="csY11"/>
+                </a:cxn>
+                <a:cxn ang="0">
+                  <a:pos x="csX12" y="csY12"/>
+                </a:cxn>
+                <a:cxn ang="0">
+                  <a:pos x="csX13" y="csY13"/>
+                </a:cxn>
+                <a:cxn ang="0">
+                  <a:pos x="csX14" y="csY14"/>
+                </a:cxn>
+                <a:cxn ang="0">
+                  <a:pos x="csX15" y="csY15"/>
+                </a:cxn>
+                <a:cxn ang="0">
+                  <a:pos x="csX16" y="csY16"/>
+                </a:cxn>
+                <a:cxn ang="0">
+                  <a:pos x="csX17" y="csY17"/>
+                </a:cxn>
+                <a:cxn ang="0">
+                  <a:pos x="csX18" y="csY18"/>
+                </a:cxn>
+                <a:cxn ang="0">
+                  <a:pos x="csX19" y="csY19"/>
+                </a:cxn>
+                <a:cxn ang="0">
+                  <a:pos x="csX20" y="csY20"/>
+                </a:cxn>
+                <a:cxn ang="0">
+                  <a:pos x="csX21" y="csY21"/>
+                </a:cxn>
+                <a:cxn ang="0">
+                  <a:pos x="csX22" y="csY22"/>
+                </a:cxn>
+                <a:cxn ang="0">
+                  <a:pos x="csX23" y="csY23"/>
+                </a:cxn>
+                <a:cxn ang="0">
+                  <a:pos x="csX24" y="csY24"/>
+                </a:cxn>
+                <a:cxn ang="0">
+                  <a:pos x="csX25" y="csY25"/>
+                </a:cxn>
+                <a:cxn ang="0">
+                  <a:pos x="csX26" y="csY26"/>
+                </a:cxn>
+                <a:cxn ang="0">
+                  <a:pos x="csX27" y="csY27"/>
+                </a:cxn>
+                <a:cxn ang="0">
+                  <a:pos x="csX28" y="csY28"/>
+                </a:cxn>
+                <a:cxn ang="0">
+                  <a:pos x="csX29" y="csY29"/>
+                </a:cxn>
+                <a:cxn ang="0">
+                  <a:pos x="csX30" y="csY30"/>
+                </a:cxn>
+                <a:cxn ang="0">
+                  <a:pos x="csX31" y="csY31"/>
+                </a:cxn>
+                <a:cxn ang="0">
+                  <a:pos x="csX32" y="csY32"/>
+                </a:cxn>
+                <a:cxn ang="0">
+                  <a:pos x="csX33" y="csY33"/>
+                </a:cxn>
+                <a:cxn ang="0">
+                  <a:pos x="csX34" y="csY34"/>
+                </a:cxn>
+                <a:cxn ang="0">
+                  <a:pos x="csX35" y="csY35"/>
+                </a:cxn>
+                <a:cxn ang="0">
+                  <a:pos x="csX36" y="csY36"/>
+                </a:cxn>
+                <a:cxn ang="0">
+                  <a:pos x="csX37" y="csY37"/>
+                </a:cxn>
+              </a:cxnLst>
+              <a:rect l="l" t="t" r="r" b="b"/>
+              <a:pathLst>
+                <a:path w="848765" h="395171">
+                  <a:moveTo>
+                    <a:pt x="0" y="197695"/>
+                  </a:moveTo>
+                  <a:lnTo>
+                    <a:pt x="20" y="197583"/>
+                  </a:lnTo>
+                  <a:lnTo>
+                    <a:pt x="1" y="197476"/>
+                  </a:lnTo>
+                  <a:lnTo>
+                    <a:pt x="40" y="197476"/>
+                  </a:lnTo>
+                  <a:lnTo>
+                    <a:pt x="7909" y="153808"/>
+                  </a:lnTo>
+                  <a:lnTo>
+                    <a:pt x="355576" y="153808"/>
+                  </a:lnTo>
+                  <a:lnTo>
+                    <a:pt x="355576" y="149160"/>
+                  </a:lnTo>
+                  <a:lnTo>
+                    <a:pt x="475551" y="0"/>
+                  </a:lnTo>
+                  <a:lnTo>
+                    <a:pt x="734375" y="0"/>
+                  </a:lnTo>
+                  <a:cubicBezTo>
+                    <a:pt x="770924" y="0"/>
+                    <a:pt x="804877" y="12447"/>
+                    <a:pt x="833042" y="33763"/>
+                  </a:cubicBezTo>
+                  <a:lnTo>
+                    <a:pt x="848764" y="48295"/>
+                  </a:lnTo>
+                  <a:lnTo>
+                    <a:pt x="688809" y="48295"/>
+                  </a:lnTo>
+                  <a:cubicBezTo>
+                    <a:pt x="657868" y="48295"/>
+                    <a:pt x="629123" y="57701"/>
+                    <a:pt x="605279" y="73811"/>
+                  </a:cubicBezTo>
+                  <a:lnTo>
+                    <a:pt x="584942" y="92289"/>
+                  </a:lnTo>
+                  <a:lnTo>
+                    <a:pt x="582288" y="94078"/>
+                  </a:lnTo>
+                  <a:lnTo>
+                    <a:pt x="581205" y="95685"/>
+                  </a:lnTo>
+                  <a:lnTo>
+                    <a:pt x="573525" y="102663"/>
+                  </a:lnTo>
+                  <a:cubicBezTo>
+                    <a:pt x="564391" y="113731"/>
+                    <a:pt x="556820" y="126137"/>
+                    <a:pt x="551150" y="139542"/>
+                  </a:cubicBezTo>
+                  <a:lnTo>
+                    <a:pt x="550943" y="140570"/>
+                  </a:lnTo>
+                  <a:lnTo>
+                    <a:pt x="550917" y="140608"/>
+                  </a:lnTo>
+                  <a:cubicBezTo>
+                    <a:pt x="543510" y="158120"/>
+                    <a:pt x="539414" y="177375"/>
+                    <a:pt x="539414" y="197586"/>
+                  </a:cubicBezTo>
+                  <a:cubicBezTo>
+                    <a:pt x="539414" y="217797"/>
+                    <a:pt x="543510" y="237052"/>
+                    <a:pt x="550917" y="254565"/>
+                  </a:cubicBezTo>
+                  <a:lnTo>
+                    <a:pt x="550944" y="254605"/>
+                  </a:lnTo>
+                  <a:lnTo>
+                    <a:pt x="551151" y="255629"/>
+                  </a:lnTo>
+                  <a:cubicBezTo>
+                    <a:pt x="556821" y="269035"/>
+                    <a:pt x="564392" y="281440"/>
+                    <a:pt x="573526" y="292508"/>
+                  </a:cubicBezTo>
+                  <a:lnTo>
+                    <a:pt x="581202" y="299483"/>
+                  </a:lnTo>
+                  <a:lnTo>
+                    <a:pt x="582288" y="301094"/>
+                  </a:lnTo>
+                  <a:lnTo>
+                    <a:pt x="584950" y="302889"/>
+                  </a:lnTo>
+                  <a:lnTo>
+                    <a:pt x="605279" y="321361"/>
+                  </a:lnTo>
+                  <a:cubicBezTo>
+                    <a:pt x="629124" y="337470"/>
+                    <a:pt x="657869" y="346876"/>
+                    <a:pt x="688810" y="346876"/>
+                  </a:cubicBezTo>
+                  <a:lnTo>
+                    <a:pt x="848765" y="346876"/>
+                  </a:lnTo>
+                  <a:lnTo>
+                    <a:pt x="833043" y="361408"/>
+                  </a:lnTo>
+                  <a:cubicBezTo>
+                    <a:pt x="804878" y="382724"/>
+                    <a:pt x="770925" y="395171"/>
+                    <a:pt x="734376" y="395171"/>
+                  </a:cubicBezTo>
+                  <a:lnTo>
+                    <a:pt x="475552" y="395171"/>
+                  </a:lnTo>
+                  <a:lnTo>
+                    <a:pt x="355577" y="246011"/>
+                  </a:lnTo>
+                  <a:lnTo>
+                    <a:pt x="355577" y="241363"/>
+                  </a:lnTo>
+                  <a:lnTo>
+                    <a:pt x="7910" y="241363"/>
+                  </a:lnTo>
+                  <a:lnTo>
+                    <a:pt x="41" y="197695"/>
+                  </a:lnTo>
+                  <a:close/>
+                </a:path>
+              </a:pathLst>
+            </a:custGeom>
+            <a:solidFill>
+              <a:srgbClr val="FCFFDD"/>
+            </a:solidFill>
+            <a:ln>
+              <a:solidFill>
+                <a:srgbClr val="FCFFDD"/>
+              </a:solidFill>
+            </a:ln>
+            <a:effectLst/>
+            <a:scene3d>
+              <a:camera prst="orthographicFront"/>
+              <a:lightRig rig="threePt" dir="t">
+                <a:rot lat="0" lon="0" rev="17400000"/>
+              </a:lightRig>
+            </a:scene3d>
+            <a:sp3d>
+              <a:bevelT w="508000" h="38100" prst="cross"/>
+            </a:sp3d>
+          </p:spPr>
+          <p:style>
+            <a:lnRef idx="2">
+              <a:schemeClr val="accent1">
+                <a:shade val="15000"/>
+              </a:schemeClr>
+            </a:lnRef>
+            <a:fillRef idx="1">
+              <a:schemeClr val="accent1"/>
+            </a:fillRef>
+            <a:effectRef idx="0">
+              <a:schemeClr val="accent1"/>
+            </a:effectRef>
+            <a:fontRef idx="minor">
+              <a:schemeClr val="lt1"/>
+            </a:fontRef>
+          </p:style>
+          <p:txBody>
+            <a:bodyPr wrap="square" rtlCol="0" anchor="ctr">
+              <a:noAutofit/>
+            </a:bodyPr>
+            <a:lstStyle/>
+            <a:p>
+              <a:pPr algn="ctr"/>
+              <a:endParaRPr lang="ko-KR" altLang="en-US" dirty="0">
+                <a:solidFill>
+                  <a:sysClr val="windowText" lastClr="000000"/>
+                </a:solidFill>
+              </a:endParaRPr>
+            </a:p>
+          </p:txBody>
+        </p:sp>
+        <p:sp>
+          <p:nvSpPr>
+            <p:cNvPr id="60" name="자유형: 도형 59">
+              <a:extLst>
+                <a:ext uri="{FF2B5EF4-FFF2-40B4-BE49-F238E27FC236}">
+                  <a16:creationId xmlns:a16="http://schemas.microsoft.com/office/drawing/2014/main" id="{DA58D00D-2DDD-2138-D958-38A43C39F8AF}"/>
+                </a:ext>
+              </a:extLst>
+            </p:cNvPr>
+            <p:cNvSpPr/>
+            <p:nvPr/>
+          </p:nvSpPr>
+          <p:spPr>
+            <a:xfrm rot="5400000">
+              <a:off x="7303722" y="2182181"/>
+              <a:ext cx="345775" cy="141590"/>
+            </a:xfrm>
+            <a:custGeom>
+              <a:avLst/>
+              <a:gdLst>
+                <a:gd name="csX0" fmla="*/ 98886 w 390646"/>
+                <a:gd name="csY0" fmla="*/ 0 h 141590"/>
+                <a:gd name="csX1" fmla="*/ 314678 w 390646"/>
+                <a:gd name="csY1" fmla="*/ 0 h 141590"/>
+                <a:gd name="csX2" fmla="*/ 390646 w 390646"/>
+                <a:gd name="csY2" fmla="*/ 16526 h 141590"/>
+                <a:gd name="csX3" fmla="*/ 390646 w 390646"/>
+                <a:gd name="csY3" fmla="*/ 32120 h 141590"/>
+                <a:gd name="csX4" fmla="*/ 292923 w 390646"/>
+                <a:gd name="csY4" fmla="*/ 32120 h 141590"/>
+                <a:gd name="csX5" fmla="*/ 292923 w 390646"/>
+                <a:gd name="csY5" fmla="*/ 109470 h 141590"/>
+                <a:gd name="csX6" fmla="*/ 390646 w 390646"/>
+                <a:gd name="csY6" fmla="*/ 109470 h 141590"/>
+                <a:gd name="csX7" fmla="*/ 390646 w 390646"/>
+                <a:gd name="csY7" fmla="*/ 125065 h 141590"/>
+                <a:gd name="csX8" fmla="*/ 314678 w 390646"/>
+                <a:gd name="csY8" fmla="*/ 141590 h 141590"/>
+                <a:gd name="csX9" fmla="*/ 169200 w 390646"/>
+                <a:gd name="csY9" fmla="*/ 141590 h 141590"/>
+                <a:gd name="csX10" fmla="*/ 98886 w 390646"/>
+                <a:gd name="csY10" fmla="*/ 141590 h 141590"/>
+                <a:gd name="csX11" fmla="*/ 84600 w 390646"/>
+                <a:gd name="csY11" fmla="*/ 141590 h 141590"/>
+                <a:gd name="csX12" fmla="*/ 0 w 390646"/>
+                <a:gd name="csY12" fmla="*/ 71390 h 141590"/>
+                <a:gd name="csX13" fmla="*/ 84600 w 390646"/>
+                <a:gd name="csY13" fmla="*/ 1190 h 141590"/>
+                <a:gd name="csX14" fmla="*/ 98886 w 390646"/>
+                <a:gd name="csY14" fmla="*/ 1190 h 141590"/>
+              </a:gdLst>
+              <a:ahLst/>
+              <a:cxnLst>
+                <a:cxn ang="0">
+                  <a:pos x="csX0" y="csY0"/>
+                </a:cxn>
+                <a:cxn ang="0">
+                  <a:pos x="csX1" y="csY1"/>
+                </a:cxn>
+                <a:cxn ang="0">
+                  <a:pos x="csX2" y="csY2"/>
+                </a:cxn>
+                <a:cxn ang="0">
+                  <a:pos x="csX3" y="csY3"/>
+                </a:cxn>
+                <a:cxn ang="0">
+                  <a:pos x="csX4" y="csY4"/>
+                </a:cxn>
+                <a:cxn ang="0">
+                  <a:pos x="csX5" y="csY5"/>
+                </a:cxn>
+                <a:cxn ang="0">
+                  <a:pos x="csX6" y="csY6"/>
+                </a:cxn>
+                <a:cxn ang="0">
+                  <a:pos x="csX7" y="csY7"/>
+                </a:cxn>
+                <a:cxn ang="0">
+                  <a:pos x="csX8" y="csY8"/>
+                </a:cxn>
+                <a:cxn ang="0">
+                  <a:pos x="csX9" y="csY9"/>
+                </a:cxn>
+                <a:cxn ang="0">
+                  <a:pos x="csX10" y="csY10"/>
+                </a:cxn>
+                <a:cxn ang="0">
+                  <a:pos x="csX11" y="csY11"/>
+                </a:cxn>
+                <a:cxn ang="0">
+                  <a:pos x="csX12" y="csY12"/>
+                </a:cxn>
+                <a:cxn ang="0">
+                  <a:pos x="csX13" y="csY13"/>
+                </a:cxn>
+                <a:cxn ang="0">
+                  <a:pos x="csX14" y="csY14"/>
+                </a:cxn>
+              </a:cxnLst>
+              <a:rect l="l" t="t" r="r" b="b"/>
+              <a:pathLst>
+                <a:path w="390646" h="141590">
+                  <a:moveTo>
+                    <a:pt x="98886" y="0"/>
+                  </a:moveTo>
+                  <a:lnTo>
+                    <a:pt x="314678" y="0"/>
+                  </a:lnTo>
+                  <a:lnTo>
+                    <a:pt x="390646" y="16526"/>
+                  </a:lnTo>
+                  <a:lnTo>
+                    <a:pt x="390646" y="32120"/>
+                  </a:lnTo>
+                  <a:lnTo>
+                    <a:pt x="292923" y="32120"/>
+                  </a:lnTo>
+                  <a:lnTo>
+                    <a:pt x="292923" y="109470"/>
+                  </a:lnTo>
+                  <a:lnTo>
+                    <a:pt x="390646" y="109470"/>
+                  </a:lnTo>
+                  <a:lnTo>
+                    <a:pt x="390646" y="125065"/>
+                  </a:lnTo>
+                  <a:lnTo>
+                    <a:pt x="314678" y="141590"/>
+                  </a:lnTo>
+                  <a:lnTo>
+                    <a:pt x="169200" y="141590"/>
+                  </a:lnTo>
+                  <a:lnTo>
+                    <a:pt x="98886" y="141590"/>
+                  </a:lnTo>
+                  <a:lnTo>
+                    <a:pt x="84600" y="141590"/>
+                  </a:lnTo>
+                  <a:cubicBezTo>
+                    <a:pt x="37877" y="141590"/>
+                    <a:pt x="0" y="110160"/>
+                    <a:pt x="0" y="71390"/>
+                  </a:cubicBezTo>
+                  <a:cubicBezTo>
+                    <a:pt x="0" y="32620"/>
+                    <a:pt x="37877" y="1190"/>
+                    <a:pt x="84600" y="1190"/>
+                  </a:cubicBezTo>
+                  <a:lnTo>
+                    <a:pt x="98886" y="1190"/>
+                  </a:lnTo>
+                  <a:close/>
+                </a:path>
+              </a:pathLst>
+            </a:custGeom>
+            <a:solidFill>
+              <a:schemeClr val="bg2"/>
+            </a:solidFill>
+            <a:ln>
+              <a:solidFill>
+                <a:schemeClr val="bg2"/>
+              </a:solidFill>
+            </a:ln>
+            <a:scene3d>
+              <a:camera prst="orthographicFront"/>
+              <a:lightRig rig="threePt" dir="t"/>
+            </a:scene3d>
+            <a:sp3d>
+              <a:bevelT w="381000" h="25400" prst="cross"/>
+            </a:sp3d>
+          </p:spPr>
+          <p:style>
+            <a:lnRef idx="2">
+              <a:schemeClr val="accent1">
+                <a:shade val="15000"/>
+              </a:schemeClr>
+            </a:lnRef>
+            <a:fillRef idx="1">
+              <a:schemeClr val="accent1"/>
+            </a:fillRef>
+            <a:effectRef idx="0">
+              <a:schemeClr val="accent1"/>
+            </a:effectRef>
+            <a:fontRef idx="minor">
+              <a:schemeClr val="lt1"/>
+            </a:fontRef>
+          </p:style>
+          <p:txBody>
+            <a:bodyPr wrap="square" rtlCol="0" anchor="ctr">
+              <a:noAutofit/>
+            </a:bodyPr>
+            <a:lstStyle/>
+            <a:p>
+              <a:pPr algn="ctr"/>
+              <a:endParaRPr lang="ko-KR" altLang="en-US"/>
+            </a:p>
+          </p:txBody>
+        </p:sp>
+      </p:grpSp>
+      <p:grpSp>
+        <p:nvGrpSpPr>
+          <p:cNvPr id="22" name="그룹 21">
+            <a:extLst>
+              <a:ext uri="{FF2B5EF4-FFF2-40B4-BE49-F238E27FC236}">
+                <a16:creationId xmlns:a16="http://schemas.microsoft.com/office/drawing/2014/main" id="{A04B3BBD-4363-7ADD-D270-F27E63BAE036}"/>
+              </a:ext>
+            </a:extLst>
+          </p:cNvPr>
+          <p:cNvGrpSpPr/>
+          <p:nvPr/>
+        </p:nvGrpSpPr>
+        <p:grpSpPr>
+          <a:xfrm rot="16200000">
+            <a:off x="8788021" y="3023344"/>
+            <a:ext cx="340004" cy="811312"/>
+            <a:chOff x="7306608" y="2080088"/>
+            <a:chExt cx="340004" cy="811312"/>
+          </a:xfrm>
+        </p:grpSpPr>
+        <p:sp>
+          <p:nvSpPr>
+            <p:cNvPr id="23" name="자유형: 도형 22">
+              <a:extLst>
+                <a:ext uri="{FF2B5EF4-FFF2-40B4-BE49-F238E27FC236}">
+                  <a16:creationId xmlns:a16="http://schemas.microsoft.com/office/drawing/2014/main" id="{17349310-1E3E-6AFD-E272-C3DBC0501497}"/>
+                </a:ext>
+              </a:extLst>
+            </p:cNvPr>
+            <p:cNvSpPr/>
+            <p:nvPr/>
+          </p:nvSpPr>
+          <p:spPr>
+            <a:xfrm rot="5400000">
+              <a:off x="7154494" y="2399283"/>
+              <a:ext cx="644231" cy="340004"/>
+            </a:xfrm>
+            <a:custGeom>
+              <a:avLst/>
+              <a:gdLst>
+                <a:gd name="csX0" fmla="*/ 0 w 848765"/>
+                <a:gd name="csY0" fmla="*/ 197695 h 395171"/>
+                <a:gd name="csX1" fmla="*/ 20 w 848765"/>
+                <a:gd name="csY1" fmla="*/ 197583 h 395171"/>
+                <a:gd name="csX2" fmla="*/ 1 w 848765"/>
+                <a:gd name="csY2" fmla="*/ 197476 h 395171"/>
+                <a:gd name="csX3" fmla="*/ 40 w 848765"/>
+                <a:gd name="csY3" fmla="*/ 197476 h 395171"/>
+                <a:gd name="csX4" fmla="*/ 7909 w 848765"/>
+                <a:gd name="csY4" fmla="*/ 153808 h 395171"/>
+                <a:gd name="csX5" fmla="*/ 355576 w 848765"/>
+                <a:gd name="csY5" fmla="*/ 153808 h 395171"/>
+                <a:gd name="csX6" fmla="*/ 355576 w 848765"/>
+                <a:gd name="csY6" fmla="*/ 149160 h 395171"/>
+                <a:gd name="csX7" fmla="*/ 475551 w 848765"/>
+                <a:gd name="csY7" fmla="*/ 0 h 395171"/>
+                <a:gd name="csX8" fmla="*/ 734375 w 848765"/>
+                <a:gd name="csY8" fmla="*/ 0 h 395171"/>
+                <a:gd name="csX9" fmla="*/ 833042 w 848765"/>
+                <a:gd name="csY9" fmla="*/ 33763 h 395171"/>
+                <a:gd name="csX10" fmla="*/ 848764 w 848765"/>
+                <a:gd name="csY10" fmla="*/ 48295 h 395171"/>
+                <a:gd name="csX11" fmla="*/ 688809 w 848765"/>
+                <a:gd name="csY11" fmla="*/ 48295 h 395171"/>
+                <a:gd name="csX12" fmla="*/ 605279 w 848765"/>
+                <a:gd name="csY12" fmla="*/ 73811 h 395171"/>
+                <a:gd name="csX13" fmla="*/ 584942 w 848765"/>
+                <a:gd name="csY13" fmla="*/ 92289 h 395171"/>
+                <a:gd name="csX14" fmla="*/ 582288 w 848765"/>
+                <a:gd name="csY14" fmla="*/ 94078 h 395171"/>
+                <a:gd name="csX15" fmla="*/ 581205 w 848765"/>
+                <a:gd name="csY15" fmla="*/ 95685 h 395171"/>
+                <a:gd name="csX16" fmla="*/ 573525 w 848765"/>
+                <a:gd name="csY16" fmla="*/ 102663 h 395171"/>
+                <a:gd name="csX17" fmla="*/ 551150 w 848765"/>
+                <a:gd name="csY17" fmla="*/ 139542 h 395171"/>
+                <a:gd name="csX18" fmla="*/ 550943 w 848765"/>
+                <a:gd name="csY18" fmla="*/ 140570 h 395171"/>
+                <a:gd name="csX19" fmla="*/ 550917 w 848765"/>
+                <a:gd name="csY19" fmla="*/ 140608 h 395171"/>
+                <a:gd name="csX20" fmla="*/ 539414 w 848765"/>
+                <a:gd name="csY20" fmla="*/ 197586 h 395171"/>
+                <a:gd name="csX21" fmla="*/ 550917 w 848765"/>
+                <a:gd name="csY21" fmla="*/ 254565 h 395171"/>
+                <a:gd name="csX22" fmla="*/ 550944 w 848765"/>
+                <a:gd name="csY22" fmla="*/ 254605 h 395171"/>
+                <a:gd name="csX23" fmla="*/ 551151 w 848765"/>
+                <a:gd name="csY23" fmla="*/ 255629 h 395171"/>
+                <a:gd name="csX24" fmla="*/ 573526 w 848765"/>
+                <a:gd name="csY24" fmla="*/ 292508 h 395171"/>
+                <a:gd name="csX25" fmla="*/ 581202 w 848765"/>
+                <a:gd name="csY25" fmla="*/ 299483 h 395171"/>
+                <a:gd name="csX26" fmla="*/ 582288 w 848765"/>
+                <a:gd name="csY26" fmla="*/ 301094 h 395171"/>
+                <a:gd name="csX27" fmla="*/ 584950 w 848765"/>
+                <a:gd name="csY27" fmla="*/ 302889 h 395171"/>
+                <a:gd name="csX28" fmla="*/ 605279 w 848765"/>
+                <a:gd name="csY28" fmla="*/ 321361 h 395171"/>
+                <a:gd name="csX29" fmla="*/ 688810 w 848765"/>
+                <a:gd name="csY29" fmla="*/ 346876 h 395171"/>
+                <a:gd name="csX30" fmla="*/ 848765 w 848765"/>
+                <a:gd name="csY30" fmla="*/ 346876 h 395171"/>
+                <a:gd name="csX31" fmla="*/ 833043 w 848765"/>
+                <a:gd name="csY31" fmla="*/ 361408 h 395171"/>
+                <a:gd name="csX32" fmla="*/ 734376 w 848765"/>
+                <a:gd name="csY32" fmla="*/ 395171 h 395171"/>
+                <a:gd name="csX33" fmla="*/ 475552 w 848765"/>
+                <a:gd name="csY33" fmla="*/ 395171 h 395171"/>
+                <a:gd name="csX34" fmla="*/ 355577 w 848765"/>
+                <a:gd name="csY34" fmla="*/ 246011 h 395171"/>
+                <a:gd name="csX35" fmla="*/ 355577 w 848765"/>
+                <a:gd name="csY35" fmla="*/ 241363 h 395171"/>
+                <a:gd name="csX36" fmla="*/ 7910 w 848765"/>
+                <a:gd name="csY36" fmla="*/ 241363 h 395171"/>
+                <a:gd name="csX37" fmla="*/ 41 w 848765"/>
+                <a:gd name="csY37" fmla="*/ 197695 h 395171"/>
+              </a:gdLst>
+              <a:ahLst/>
+              <a:cxnLst>
+                <a:cxn ang="0">
+                  <a:pos x="csX0" y="csY0"/>
+                </a:cxn>
+                <a:cxn ang="0">
+                  <a:pos x="csX1" y="csY1"/>
+                </a:cxn>
+                <a:cxn ang="0">
+                  <a:pos x="csX2" y="csY2"/>
+                </a:cxn>
+                <a:cxn ang="0">
+                  <a:pos x="csX3" y="csY3"/>
+                </a:cxn>
+                <a:cxn ang="0">
+                  <a:pos x="csX4" y="csY4"/>
+                </a:cxn>
+                <a:cxn ang="0">
+                  <a:pos x="csX5" y="csY5"/>
+                </a:cxn>
+                <a:cxn ang="0">
+                  <a:pos x="csX6" y="csY6"/>
+                </a:cxn>
+                <a:cxn ang="0">
+                  <a:pos x="csX7" y="csY7"/>
+                </a:cxn>
+                <a:cxn ang="0">
+                  <a:pos x="csX8" y="csY8"/>
+                </a:cxn>
+                <a:cxn ang="0">
+                  <a:pos x="csX9" y="csY9"/>
+                </a:cxn>
+                <a:cxn ang="0">
+                  <a:pos x="csX10" y="csY10"/>
+                </a:cxn>
+                <a:cxn ang="0">
+                  <a:pos x="csX11" y="csY11"/>
+                </a:cxn>
+                <a:cxn ang="0">
+                  <a:pos x="csX12" y="csY12"/>
+                </a:cxn>
+                <a:cxn ang="0">
+                  <a:pos x="csX13" y="csY13"/>
+                </a:cxn>
+                <a:cxn ang="0">
+                  <a:pos x="csX14" y="csY14"/>
+                </a:cxn>
+                <a:cxn ang="0">
+                  <a:pos x="csX15" y="csY15"/>
+                </a:cxn>
+                <a:cxn ang="0">
+                  <a:pos x="csX16" y="csY16"/>
+                </a:cxn>
+                <a:cxn ang="0">
+                  <a:pos x="csX17" y="csY17"/>
+                </a:cxn>
+                <a:cxn ang="0">
+                  <a:pos x="csX18" y="csY18"/>
+                </a:cxn>
+                <a:cxn ang="0">
+                  <a:pos x="csX19" y="csY19"/>
+                </a:cxn>
+                <a:cxn ang="0">
+                  <a:pos x="csX20" y="csY20"/>
+                </a:cxn>
+                <a:cxn ang="0">
+                  <a:pos x="csX21" y="csY21"/>
+                </a:cxn>
+                <a:cxn ang="0">
+                  <a:pos x="csX22" y="csY22"/>
+                </a:cxn>
+                <a:cxn ang="0">
+                  <a:pos x="csX23" y="csY23"/>
+                </a:cxn>
+                <a:cxn ang="0">
+                  <a:pos x="csX24" y="csY24"/>
+                </a:cxn>
+                <a:cxn ang="0">
+                  <a:pos x="csX25" y="csY25"/>
+                </a:cxn>
+                <a:cxn ang="0">
+                  <a:pos x="csX26" y="csY26"/>
+                </a:cxn>
+                <a:cxn ang="0">
+                  <a:pos x="csX27" y="csY27"/>
+                </a:cxn>
+                <a:cxn ang="0">
+                  <a:pos x="csX28" y="csY28"/>
+                </a:cxn>
+                <a:cxn ang="0">
+                  <a:pos x="csX29" y="csY29"/>
+                </a:cxn>
+                <a:cxn ang="0">
+                  <a:pos x="csX30" y="csY30"/>
+                </a:cxn>
+                <a:cxn ang="0">
+                  <a:pos x="csX31" y="csY31"/>
+                </a:cxn>
+                <a:cxn ang="0">
+                  <a:pos x="csX32" y="csY32"/>
+                </a:cxn>
+                <a:cxn ang="0">
+                  <a:pos x="csX33" y="csY33"/>
+                </a:cxn>
+                <a:cxn ang="0">
+                  <a:pos x="csX34" y="csY34"/>
+                </a:cxn>
+                <a:cxn ang="0">
+                  <a:pos x="csX35" y="csY35"/>
+                </a:cxn>
+                <a:cxn ang="0">
+                  <a:pos x="csX36" y="csY36"/>
+                </a:cxn>
+                <a:cxn ang="0">
+                  <a:pos x="csX37" y="csY37"/>
+                </a:cxn>
+              </a:cxnLst>
+              <a:rect l="l" t="t" r="r" b="b"/>
+              <a:pathLst>
+                <a:path w="848765" h="395171">
+                  <a:moveTo>
+                    <a:pt x="0" y="197695"/>
+                  </a:moveTo>
+                  <a:lnTo>
+                    <a:pt x="20" y="197583"/>
+                  </a:lnTo>
+                  <a:lnTo>
+                    <a:pt x="1" y="197476"/>
+                  </a:lnTo>
+                  <a:lnTo>
+                    <a:pt x="40" y="197476"/>
+                  </a:lnTo>
+                  <a:lnTo>
+                    <a:pt x="7909" y="153808"/>
+                  </a:lnTo>
+                  <a:lnTo>
+                    <a:pt x="355576" y="153808"/>
+                  </a:lnTo>
+                  <a:lnTo>
+                    <a:pt x="355576" y="149160"/>
+                  </a:lnTo>
+                  <a:lnTo>
+                    <a:pt x="475551" y="0"/>
+                  </a:lnTo>
+                  <a:lnTo>
+                    <a:pt x="734375" y="0"/>
+                  </a:lnTo>
+                  <a:cubicBezTo>
+                    <a:pt x="770924" y="0"/>
+                    <a:pt x="804877" y="12447"/>
+                    <a:pt x="833042" y="33763"/>
+                  </a:cubicBezTo>
+                  <a:lnTo>
+                    <a:pt x="848764" y="48295"/>
+                  </a:lnTo>
+                  <a:lnTo>
+                    <a:pt x="688809" y="48295"/>
+                  </a:lnTo>
+                  <a:cubicBezTo>
+                    <a:pt x="657868" y="48295"/>
+                    <a:pt x="629123" y="57701"/>
+                    <a:pt x="605279" y="73811"/>
+                  </a:cubicBezTo>
+                  <a:lnTo>
+                    <a:pt x="584942" y="92289"/>
+                  </a:lnTo>
+                  <a:lnTo>
+                    <a:pt x="582288" y="94078"/>
+                  </a:lnTo>
+                  <a:lnTo>
+                    <a:pt x="581205" y="95685"/>
+                  </a:lnTo>
+                  <a:lnTo>
+                    <a:pt x="573525" y="102663"/>
+                  </a:lnTo>
+                  <a:cubicBezTo>
+                    <a:pt x="564391" y="113731"/>
+                    <a:pt x="556820" y="126137"/>
+                    <a:pt x="551150" y="139542"/>
+                  </a:cubicBezTo>
+                  <a:lnTo>
+                    <a:pt x="550943" y="140570"/>
+                  </a:lnTo>
+                  <a:lnTo>
+                    <a:pt x="550917" y="140608"/>
+                  </a:lnTo>
+                  <a:cubicBezTo>
+                    <a:pt x="543510" y="158120"/>
+                    <a:pt x="539414" y="177375"/>
+                    <a:pt x="539414" y="197586"/>
+                  </a:cubicBezTo>
+                  <a:cubicBezTo>
+                    <a:pt x="539414" y="217797"/>
+                    <a:pt x="543510" y="237052"/>
+                    <a:pt x="550917" y="254565"/>
+                  </a:cubicBezTo>
+                  <a:lnTo>
+                    <a:pt x="550944" y="254605"/>
+                  </a:lnTo>
+                  <a:lnTo>
+                    <a:pt x="551151" y="255629"/>
+                  </a:lnTo>
+                  <a:cubicBezTo>
+                    <a:pt x="556821" y="269035"/>
+                    <a:pt x="564392" y="281440"/>
+                    <a:pt x="573526" y="292508"/>
+                  </a:cubicBezTo>
+                  <a:lnTo>
+                    <a:pt x="581202" y="299483"/>
+                  </a:lnTo>
+                  <a:lnTo>
+                    <a:pt x="582288" y="301094"/>
+                  </a:lnTo>
+                  <a:lnTo>
+                    <a:pt x="584950" y="302889"/>
+                  </a:lnTo>
+                  <a:lnTo>
+                    <a:pt x="605279" y="321361"/>
+                  </a:lnTo>
+                  <a:cubicBezTo>
+                    <a:pt x="629124" y="337470"/>
+                    <a:pt x="657869" y="346876"/>
+                    <a:pt x="688810" y="346876"/>
+                  </a:cubicBezTo>
+                  <a:lnTo>
+                    <a:pt x="848765" y="346876"/>
+                  </a:lnTo>
+                  <a:lnTo>
+                    <a:pt x="833043" y="361408"/>
+                  </a:lnTo>
+                  <a:cubicBezTo>
+                    <a:pt x="804878" y="382724"/>
+                    <a:pt x="770925" y="395171"/>
+                    <a:pt x="734376" y="395171"/>
+                  </a:cubicBezTo>
+                  <a:lnTo>
+                    <a:pt x="475552" y="395171"/>
+                  </a:lnTo>
+                  <a:lnTo>
+                    <a:pt x="355577" y="246011"/>
+                  </a:lnTo>
+                  <a:lnTo>
+                    <a:pt x="355577" y="241363"/>
+                  </a:lnTo>
+                  <a:lnTo>
+                    <a:pt x="7910" y="241363"/>
+                  </a:lnTo>
+                  <a:lnTo>
+                    <a:pt x="41" y="197695"/>
+                  </a:lnTo>
+                  <a:close/>
+                </a:path>
+              </a:pathLst>
+            </a:custGeom>
+            <a:solidFill>
+              <a:srgbClr val="FCFFDD"/>
+            </a:solidFill>
+            <a:ln>
+              <a:solidFill>
+                <a:srgbClr val="FCFFDD"/>
+              </a:solidFill>
+            </a:ln>
+            <a:effectLst/>
+            <a:scene3d>
+              <a:camera prst="orthographicFront"/>
+              <a:lightRig rig="threePt" dir="t">
+                <a:rot lat="0" lon="0" rev="17400000"/>
+              </a:lightRig>
+            </a:scene3d>
+            <a:sp3d>
+              <a:bevelT w="508000" h="38100" prst="cross"/>
+            </a:sp3d>
+          </p:spPr>
+          <p:style>
+            <a:lnRef idx="2">
+              <a:schemeClr val="accent1">
+                <a:shade val="15000"/>
+              </a:schemeClr>
+            </a:lnRef>
+            <a:fillRef idx="1">
+              <a:schemeClr val="accent1"/>
+            </a:fillRef>
+            <a:effectRef idx="0">
+              <a:schemeClr val="accent1"/>
+            </a:effectRef>
+            <a:fontRef idx="minor">
+              <a:schemeClr val="lt1"/>
+            </a:fontRef>
+          </p:style>
+          <p:txBody>
+            <a:bodyPr wrap="square" rtlCol="0" anchor="ctr">
+              <a:noAutofit/>
+            </a:bodyPr>
+            <a:lstStyle/>
+            <a:p>
+              <a:pPr algn="ctr"/>
+              <a:endParaRPr lang="ko-KR" altLang="en-US" dirty="0">
+                <a:solidFill>
+                  <a:sysClr val="windowText" lastClr="000000"/>
+                </a:solidFill>
+              </a:endParaRPr>
+            </a:p>
+          </p:txBody>
+        </p:sp>
+        <p:sp>
+          <p:nvSpPr>
+            <p:cNvPr id="24" name="자유형: 도형 23">
+              <a:extLst>
+                <a:ext uri="{FF2B5EF4-FFF2-40B4-BE49-F238E27FC236}">
+                  <a16:creationId xmlns:a16="http://schemas.microsoft.com/office/drawing/2014/main" id="{0EA557BC-8A91-CB9A-7012-3A9F0172595A}"/>
+                </a:ext>
+              </a:extLst>
+            </p:cNvPr>
+            <p:cNvSpPr/>
+            <p:nvPr/>
+          </p:nvSpPr>
+          <p:spPr>
+            <a:xfrm rot="5400000">
+              <a:off x="7303722" y="2182181"/>
+              <a:ext cx="345775" cy="141590"/>
+            </a:xfrm>
+            <a:custGeom>
+              <a:avLst/>
+              <a:gdLst>
+                <a:gd name="csX0" fmla="*/ 98886 w 390646"/>
+                <a:gd name="csY0" fmla="*/ 0 h 141590"/>
+                <a:gd name="csX1" fmla="*/ 314678 w 390646"/>
+                <a:gd name="csY1" fmla="*/ 0 h 141590"/>
+                <a:gd name="csX2" fmla="*/ 390646 w 390646"/>
+                <a:gd name="csY2" fmla="*/ 16526 h 141590"/>
+                <a:gd name="csX3" fmla="*/ 390646 w 390646"/>
+                <a:gd name="csY3" fmla="*/ 32120 h 141590"/>
+                <a:gd name="csX4" fmla="*/ 292923 w 390646"/>
+                <a:gd name="csY4" fmla="*/ 32120 h 141590"/>
+                <a:gd name="csX5" fmla="*/ 292923 w 390646"/>
+                <a:gd name="csY5" fmla="*/ 109470 h 141590"/>
+                <a:gd name="csX6" fmla="*/ 390646 w 390646"/>
+                <a:gd name="csY6" fmla="*/ 109470 h 141590"/>
+                <a:gd name="csX7" fmla="*/ 390646 w 390646"/>
+                <a:gd name="csY7" fmla="*/ 125065 h 141590"/>
+                <a:gd name="csX8" fmla="*/ 314678 w 390646"/>
+                <a:gd name="csY8" fmla="*/ 141590 h 141590"/>
+                <a:gd name="csX9" fmla="*/ 169200 w 390646"/>
+                <a:gd name="csY9" fmla="*/ 141590 h 141590"/>
+                <a:gd name="csX10" fmla="*/ 98886 w 390646"/>
+                <a:gd name="csY10" fmla="*/ 141590 h 141590"/>
+                <a:gd name="csX11" fmla="*/ 84600 w 390646"/>
+                <a:gd name="csY11" fmla="*/ 141590 h 141590"/>
+                <a:gd name="csX12" fmla="*/ 0 w 390646"/>
+                <a:gd name="csY12" fmla="*/ 71390 h 141590"/>
+                <a:gd name="csX13" fmla="*/ 84600 w 390646"/>
+                <a:gd name="csY13" fmla="*/ 1190 h 141590"/>
+                <a:gd name="csX14" fmla="*/ 98886 w 390646"/>
+                <a:gd name="csY14" fmla="*/ 1190 h 141590"/>
+              </a:gdLst>
+              <a:ahLst/>
+              <a:cxnLst>
+                <a:cxn ang="0">
+                  <a:pos x="csX0" y="csY0"/>
+                </a:cxn>
+                <a:cxn ang="0">
+                  <a:pos x="csX1" y="csY1"/>
+                </a:cxn>
+                <a:cxn ang="0">
+                  <a:pos x="csX2" y="csY2"/>
+                </a:cxn>
+                <a:cxn ang="0">
+                  <a:pos x="csX3" y="csY3"/>
+                </a:cxn>
+                <a:cxn ang="0">
+                  <a:pos x="csX4" y="csY4"/>
+                </a:cxn>
+                <a:cxn ang="0">
+                  <a:pos x="csX5" y="csY5"/>
+                </a:cxn>
+                <a:cxn ang="0">
+                  <a:pos x="csX6" y="csY6"/>
+                </a:cxn>
+                <a:cxn ang="0">
+                  <a:pos x="csX7" y="csY7"/>
+                </a:cxn>
+                <a:cxn ang="0">
+                  <a:pos x="csX8" y="csY8"/>
+                </a:cxn>
+                <a:cxn ang="0">
+                  <a:pos x="csX9" y="csY9"/>
+                </a:cxn>
+                <a:cxn ang="0">
+                  <a:pos x="csX10" y="csY10"/>
+                </a:cxn>
+                <a:cxn ang="0">
+                  <a:pos x="csX11" y="csY11"/>
+                </a:cxn>
+                <a:cxn ang="0">
+                  <a:pos x="csX12" y="csY12"/>
+                </a:cxn>
+                <a:cxn ang="0">
+                  <a:pos x="csX13" y="csY13"/>
+                </a:cxn>
+                <a:cxn ang="0">
+                  <a:pos x="csX14" y="csY14"/>
+                </a:cxn>
+              </a:cxnLst>
+              <a:rect l="l" t="t" r="r" b="b"/>
+              <a:pathLst>
+                <a:path w="390646" h="141590">
+                  <a:moveTo>
+                    <a:pt x="98886" y="0"/>
+                  </a:moveTo>
+                  <a:lnTo>
+                    <a:pt x="314678" y="0"/>
+                  </a:lnTo>
+                  <a:lnTo>
+                    <a:pt x="390646" y="16526"/>
+                  </a:lnTo>
+                  <a:lnTo>
+                    <a:pt x="390646" y="32120"/>
+                  </a:lnTo>
+                  <a:lnTo>
+                    <a:pt x="292923" y="32120"/>
+                  </a:lnTo>
+                  <a:lnTo>
+                    <a:pt x="292923" y="109470"/>
+                  </a:lnTo>
+                  <a:lnTo>
+                    <a:pt x="390646" y="109470"/>
+                  </a:lnTo>
+                  <a:lnTo>
+                    <a:pt x="390646" y="125065"/>
+                  </a:lnTo>
+                  <a:lnTo>
+                    <a:pt x="314678" y="141590"/>
+                  </a:lnTo>
+                  <a:lnTo>
+                    <a:pt x="169200" y="141590"/>
+                  </a:lnTo>
+                  <a:lnTo>
+                    <a:pt x="98886" y="141590"/>
+                  </a:lnTo>
+                  <a:lnTo>
+                    <a:pt x="84600" y="141590"/>
+                  </a:lnTo>
+                  <a:cubicBezTo>
+                    <a:pt x="37877" y="141590"/>
+                    <a:pt x="0" y="110160"/>
+                    <a:pt x="0" y="71390"/>
+                  </a:cubicBezTo>
+                  <a:cubicBezTo>
+                    <a:pt x="0" y="32620"/>
+                    <a:pt x="37877" y="1190"/>
+                    <a:pt x="84600" y="1190"/>
+                  </a:cubicBezTo>
+                  <a:lnTo>
+                    <a:pt x="98886" y="1190"/>
+                  </a:lnTo>
+                  <a:close/>
+                </a:path>
+              </a:pathLst>
+            </a:custGeom>
+            <a:solidFill>
+              <a:schemeClr val="bg2"/>
+            </a:solidFill>
+            <a:ln>
+              <a:solidFill>
+                <a:schemeClr val="bg2"/>
+              </a:solidFill>
+            </a:ln>
+            <a:scene3d>
+              <a:camera prst="orthographicFront"/>
+              <a:lightRig rig="threePt" dir="t"/>
+            </a:scene3d>
+            <a:sp3d>
+              <a:bevelT w="381000" h="25400" prst="cross"/>
+            </a:sp3d>
+          </p:spPr>
+          <p:style>
+            <a:lnRef idx="2">
+              <a:schemeClr val="accent1">
+                <a:shade val="15000"/>
+              </a:schemeClr>
+            </a:lnRef>
+            <a:fillRef idx="1">
+              <a:schemeClr val="accent1"/>
+            </a:fillRef>
+            <a:effectRef idx="0">
+              <a:schemeClr val="accent1"/>
+            </a:effectRef>
+            <a:fontRef idx="minor">
+              <a:schemeClr val="lt1"/>
+            </a:fontRef>
+          </p:style>
+          <p:txBody>
+            <a:bodyPr wrap="square" rtlCol="0" anchor="ctr">
+              <a:noAutofit/>
+            </a:bodyPr>
+            <a:lstStyle/>
+            <a:p>
+              <a:pPr algn="ctr"/>
+              <a:endParaRPr lang="ko-KR" altLang="en-US" dirty="0"/>
+            </a:p>
+          </p:txBody>
+        </p:sp>
+      </p:grpSp>
+      <p:sp>
+        <p:nvSpPr>
+          <p:cNvPr id="25" name="사각형: 둥근 모서리 24">
+            <a:extLst>
+              <a:ext uri="{FF2B5EF4-FFF2-40B4-BE49-F238E27FC236}">
+                <a16:creationId xmlns:a16="http://schemas.microsoft.com/office/drawing/2014/main" id="{9368FF92-0238-CBB1-B8CF-729BC1078175}"/>
+              </a:ext>
+            </a:extLst>
+          </p:cNvPr>
+          <p:cNvSpPr/>
+          <p:nvPr/>
+        </p:nvSpPr>
+        <p:spPr>
+          <a:xfrm rot="16200000">
+            <a:off x="8893304" y="2211807"/>
+            <a:ext cx="185437" cy="875205"/>
+          </a:xfrm>
+          <a:prstGeom prst="roundRect">
+            <a:avLst>
+              <a:gd name="adj" fmla="val 47694"/>
+            </a:avLst>
+          </a:prstGeom>
+          <a:solidFill>
+            <a:schemeClr val="bg2"/>
+          </a:solidFill>
+          <a:ln>
+            <a:solidFill>
+              <a:schemeClr val="bg2">
+                <a:lumMod val="90000"/>
+              </a:schemeClr>
+            </a:solidFill>
+          </a:ln>
+          <a:scene3d>
+            <a:camera prst="orthographicFront"/>
+            <a:lightRig rig="flat" dir="t"/>
+          </a:scene3d>
+          <a:sp3d>
+            <a:bevelT w="254000" h="38100" prst="slope"/>
+          </a:sp3d>
+        </p:spPr>
+        <p:style>
+          <a:lnRef idx="2">
+            <a:schemeClr val="accent1">
+              <a:shade val="15000"/>
+            </a:schemeClr>
+          </a:lnRef>
+          <a:fillRef idx="1">
+            <a:schemeClr val="accent1"/>
+          </a:fillRef>
+          <a:effectRef idx="0">
+            <a:schemeClr val="accent1"/>
+          </a:effectRef>
+          <a:fontRef idx="minor">
+            <a:schemeClr val="lt1"/>
+          </a:fontRef>
+        </p:style>
+        <p:txBody>
+          <a:bodyPr rtlCol="0" anchor="ctr"/>
+          <a:lstStyle/>
+          <a:p>
+            <a:pPr algn="ctr"/>
+            <a:endParaRPr lang="ko-KR" altLang="en-US"/>
+          </a:p>
+        </p:txBody>
+      </p:sp>
+      <p:sp>
+        <p:nvSpPr>
+          <p:cNvPr id="26" name="사각형: 둥근 모서리 25">
+            <a:extLst>
+              <a:ext uri="{FF2B5EF4-FFF2-40B4-BE49-F238E27FC236}">
+                <a16:creationId xmlns:a16="http://schemas.microsoft.com/office/drawing/2014/main" id="{04DBBB0D-5F82-2803-D5BA-30FA96480625}"/>
+              </a:ext>
+            </a:extLst>
+          </p:cNvPr>
+          <p:cNvSpPr/>
+          <p:nvPr/>
+        </p:nvSpPr>
+        <p:spPr>
+          <a:xfrm rot="16200000">
+            <a:off x="8727720" y="1404290"/>
+            <a:ext cx="311517" cy="875206"/>
+          </a:xfrm>
+          <a:prstGeom prst="roundRect">
+            <a:avLst>
+              <a:gd name="adj" fmla="val 47694"/>
+            </a:avLst>
+          </a:prstGeom>
+          <a:solidFill>
+            <a:schemeClr val="bg2"/>
+          </a:solidFill>
+          <a:ln>
+            <a:solidFill>
+              <a:schemeClr val="bg2">
+                <a:lumMod val="90000"/>
+              </a:schemeClr>
+            </a:solidFill>
+          </a:ln>
+          <a:scene3d>
+            <a:camera prst="orthographicFront"/>
+            <a:lightRig rig="flat" dir="t"/>
+          </a:scene3d>
+          <a:sp3d>
+            <a:bevelT w="254000" h="38100" prst="slope"/>
+          </a:sp3d>
+        </p:spPr>
+        <p:style>
+          <a:lnRef idx="2">
+            <a:schemeClr val="accent1">
+              <a:shade val="15000"/>
+            </a:schemeClr>
+          </a:lnRef>
+          <a:fillRef idx="1">
+            <a:schemeClr val="accent1"/>
+          </a:fillRef>
+          <a:effectRef idx="0">
+            <a:schemeClr val="accent1"/>
+          </a:effectRef>
+          <a:fontRef idx="minor">
+            <a:schemeClr val="lt1"/>
+          </a:fontRef>
+        </p:style>
+        <p:txBody>
+          <a:bodyPr rtlCol="0" anchor="ctr"/>
+          <a:lstStyle/>
+          <a:p>
+            <a:pPr algn="ctr"/>
+            <a:endParaRPr lang="ko-KR" altLang="en-US"/>
+          </a:p>
+        </p:txBody>
+      </p:sp>
+      <p:sp>
+        <p:nvSpPr>
+          <p:cNvPr id="27" name="타원 26">
+            <a:extLst>
+              <a:ext uri="{FF2B5EF4-FFF2-40B4-BE49-F238E27FC236}">
+                <a16:creationId xmlns:a16="http://schemas.microsoft.com/office/drawing/2014/main" id="{713750A9-CC9B-F907-B0F1-F561057CB8D7}"/>
+              </a:ext>
+            </a:extLst>
+          </p:cNvPr>
+          <p:cNvSpPr/>
+          <p:nvPr/>
+        </p:nvSpPr>
+        <p:spPr>
+          <a:xfrm>
+            <a:off x="9595859" y="1784651"/>
+            <a:ext cx="817200" cy="817683"/>
+          </a:xfrm>
+          <a:prstGeom prst="ellipse">
+            <a:avLst/>
+          </a:prstGeom>
+          <a:solidFill>
+            <a:schemeClr val="bg2">
+              <a:lumMod val="90000"/>
+            </a:schemeClr>
+          </a:solidFill>
+          <a:ln w="38100">
+            <a:solidFill>
+              <a:schemeClr val="bg2">
+                <a:lumMod val="75000"/>
+                <a:alpha val="0"/>
+              </a:schemeClr>
+            </a:solidFill>
+          </a:ln>
+          <a:scene3d>
+            <a:camera prst="orthographicFront"/>
+            <a:lightRig rig="threePt" dir="t">
+              <a:rot lat="0" lon="0" rev="12600000"/>
+            </a:lightRig>
+          </a:scene3d>
+          <a:sp3d prstMaterial="softEdge">
+            <a:bevelT w="165100" h="38100" prst="coolSlant"/>
+          </a:sp3d>
+        </p:spPr>
+        <p:style>
+          <a:lnRef idx="2">
+            <a:schemeClr val="accent1">
+              <a:shade val="15000"/>
+            </a:schemeClr>
+          </a:lnRef>
+          <a:fillRef idx="1">
+            <a:schemeClr val="accent1"/>
+          </a:fillRef>
+          <a:effectRef idx="0">
+            <a:schemeClr val="accent1"/>
+          </a:effectRef>
+          <a:fontRef idx="minor">
+            <a:schemeClr val="lt1"/>
+          </a:fontRef>
+        </p:style>
+        <p:txBody>
+          <a:bodyPr rtlCol="0" anchor="ctr"/>
+          <a:lstStyle/>
+          <a:p>
+            <a:pPr algn="ctr"/>
+            <a:endParaRPr lang="ko-KR" altLang="en-US"/>
+          </a:p>
+        </p:txBody>
+      </p:sp>
+      <p:grpSp>
+        <p:nvGrpSpPr>
+          <p:cNvPr id="34" name="그룹 33">
+            <a:extLst>
+              <a:ext uri="{FF2B5EF4-FFF2-40B4-BE49-F238E27FC236}">
+                <a16:creationId xmlns:a16="http://schemas.microsoft.com/office/drawing/2014/main" id="{F95BFCE1-2ECA-8315-A870-F94A2DAC3588}"/>
+              </a:ext>
+            </a:extLst>
+          </p:cNvPr>
+          <p:cNvGrpSpPr/>
+          <p:nvPr/>
+        </p:nvGrpSpPr>
+        <p:grpSpPr>
+          <a:xfrm>
+            <a:off x="6421170" y="4021297"/>
+            <a:ext cx="1177416" cy="342000"/>
+            <a:chOff x="7119080" y="2335599"/>
+            <a:chExt cx="1177416" cy="342000"/>
+          </a:xfrm>
+        </p:grpSpPr>
+        <p:sp>
+          <p:nvSpPr>
+            <p:cNvPr id="32" name="자유형: 도형 31">
+              <a:extLst>
+                <a:ext uri="{FF2B5EF4-FFF2-40B4-BE49-F238E27FC236}">
+                  <a16:creationId xmlns:a16="http://schemas.microsoft.com/office/drawing/2014/main" id="{07FE51AB-2550-87E7-2830-C0C2A7C2510B}"/>
+                </a:ext>
+              </a:extLst>
+            </p:cNvPr>
+            <p:cNvSpPr/>
+            <p:nvPr/>
+          </p:nvSpPr>
+          <p:spPr>
+            <a:xfrm>
+              <a:off x="7498218" y="2335599"/>
+              <a:ext cx="798278" cy="342000"/>
+            </a:xfrm>
+            <a:custGeom>
+              <a:avLst/>
+              <a:gdLst>
+                <a:gd name="csX0" fmla="*/ 281505 w 798278"/>
+                <a:gd name="csY0" fmla="*/ 0 h 342000"/>
+                <a:gd name="csX1" fmla="*/ 444732 w 798278"/>
+                <a:gd name="csY1" fmla="*/ 0 h 342000"/>
+                <a:gd name="csX2" fmla="*/ 444732 w 798278"/>
+                <a:gd name="csY2" fmla="*/ 3128 h 342000"/>
+                <a:gd name="csX3" fmla="*/ 447264 w 798278"/>
+                <a:gd name="csY3" fmla="*/ 248 h 342000"/>
+                <a:gd name="csX4" fmla="*/ 690692 w 798278"/>
+                <a:gd name="csY4" fmla="*/ 248 h 342000"/>
+                <a:gd name="csX5" fmla="*/ 783490 w 798278"/>
+                <a:gd name="csY5" fmla="*/ 29298 h 342000"/>
+                <a:gd name="csX6" fmla="*/ 798277 w 798278"/>
+                <a:gd name="csY6" fmla="*/ 41801 h 342000"/>
+                <a:gd name="csX7" fmla="*/ 647837 w 798278"/>
+                <a:gd name="csY7" fmla="*/ 41801 h 342000"/>
+                <a:gd name="csX8" fmla="*/ 569275 w 798278"/>
+                <a:gd name="csY8" fmla="*/ 63755 h 342000"/>
+                <a:gd name="csX9" fmla="*/ 550148 w 798278"/>
+                <a:gd name="csY9" fmla="*/ 79653 h 342000"/>
+                <a:gd name="csX10" fmla="*/ 547652 w 798278"/>
+                <a:gd name="csY10" fmla="*/ 81193 h 342000"/>
+                <a:gd name="csX11" fmla="*/ 546633 w 798278"/>
+                <a:gd name="csY11" fmla="*/ 82575 h 342000"/>
+                <a:gd name="csX12" fmla="*/ 539410 w 798278"/>
+                <a:gd name="csY12" fmla="*/ 88579 h 342000"/>
+                <a:gd name="csX13" fmla="*/ 518366 w 798278"/>
+                <a:gd name="csY13" fmla="*/ 120310 h 342000"/>
+                <a:gd name="csX14" fmla="*/ 518172 w 798278"/>
+                <a:gd name="csY14" fmla="*/ 121194 h 342000"/>
+                <a:gd name="csX15" fmla="*/ 518147 w 798278"/>
+                <a:gd name="csY15" fmla="*/ 121227 h 342000"/>
+                <a:gd name="csX16" fmla="*/ 507328 w 798278"/>
+                <a:gd name="csY16" fmla="*/ 170251 h 342000"/>
+                <a:gd name="csX17" fmla="*/ 518147 w 798278"/>
+                <a:gd name="csY17" fmla="*/ 219275 h 342000"/>
+                <a:gd name="csX18" fmla="*/ 518172 w 798278"/>
+                <a:gd name="csY18" fmla="*/ 219310 h 342000"/>
+                <a:gd name="csX19" fmla="*/ 518367 w 798278"/>
+                <a:gd name="csY19" fmla="*/ 220191 h 342000"/>
+                <a:gd name="csX20" fmla="*/ 539411 w 798278"/>
+                <a:gd name="csY20" fmla="*/ 251921 h 342000"/>
+                <a:gd name="csX21" fmla="*/ 546631 w 798278"/>
+                <a:gd name="csY21" fmla="*/ 257922 h 342000"/>
+                <a:gd name="csX22" fmla="*/ 547652 w 798278"/>
+                <a:gd name="csY22" fmla="*/ 259309 h 342000"/>
+                <a:gd name="csX23" fmla="*/ 550156 w 798278"/>
+                <a:gd name="csY23" fmla="*/ 260853 h 342000"/>
+                <a:gd name="csX24" fmla="*/ 569275 w 798278"/>
+                <a:gd name="csY24" fmla="*/ 276746 h 342000"/>
+                <a:gd name="csX25" fmla="*/ 647838 w 798278"/>
+                <a:gd name="csY25" fmla="*/ 298699 h 342000"/>
+                <a:gd name="csX26" fmla="*/ 798278 w 798278"/>
+                <a:gd name="csY26" fmla="*/ 298699 h 342000"/>
+                <a:gd name="csX27" fmla="*/ 783491 w 798278"/>
+                <a:gd name="csY27" fmla="*/ 311203 h 342000"/>
+                <a:gd name="csX28" fmla="*/ 690693 w 798278"/>
+                <a:gd name="csY28" fmla="*/ 340252 h 342000"/>
+                <a:gd name="csX29" fmla="*/ 447265 w 798278"/>
+                <a:gd name="csY29" fmla="*/ 340252 h 342000"/>
+                <a:gd name="csX30" fmla="*/ 444732 w 798278"/>
+                <a:gd name="csY30" fmla="*/ 337371 h 342000"/>
+                <a:gd name="csX31" fmla="*/ 444732 w 798278"/>
+                <a:gd name="csY31" fmla="*/ 342000 h 342000"/>
+                <a:gd name="csX32" fmla="*/ 281505 w 798278"/>
+                <a:gd name="csY32" fmla="*/ 342000 h 342000"/>
+                <a:gd name="csX33" fmla="*/ 142890 w 798278"/>
+                <a:gd name="csY33" fmla="*/ 207916 h 342000"/>
+                <a:gd name="csX34" fmla="*/ 7440 w 798278"/>
+                <a:gd name="csY34" fmla="*/ 207916 h 342000"/>
+                <a:gd name="csX35" fmla="*/ 39 w 798278"/>
+                <a:gd name="csY35" fmla="*/ 170344 h 342000"/>
+                <a:gd name="csX36" fmla="*/ 0 w 798278"/>
+                <a:gd name="csY36" fmla="*/ 170344 h 342000"/>
+                <a:gd name="csX37" fmla="*/ 19 w 798278"/>
+                <a:gd name="csY37" fmla="*/ 170248 h 342000"/>
+                <a:gd name="csX38" fmla="*/ 1 w 798278"/>
+                <a:gd name="csY38" fmla="*/ 170156 h 342000"/>
+                <a:gd name="csX39" fmla="*/ 38 w 798278"/>
+                <a:gd name="csY39" fmla="*/ 170156 h 342000"/>
+                <a:gd name="csX40" fmla="*/ 7439 w 798278"/>
+                <a:gd name="csY40" fmla="*/ 132584 h 342000"/>
+                <a:gd name="csX41" fmla="*/ 144441 w 798278"/>
+                <a:gd name="csY41" fmla="*/ 132584 h 342000"/>
+              </a:gdLst>
+              <a:ahLst/>
+              <a:cxnLst>
+                <a:cxn ang="0">
+                  <a:pos x="csX0" y="csY0"/>
+                </a:cxn>
+                <a:cxn ang="0">
+                  <a:pos x="csX1" y="csY1"/>
+                </a:cxn>
+                <a:cxn ang="0">
+                  <a:pos x="csX2" y="csY2"/>
+                </a:cxn>
+                <a:cxn ang="0">
+                  <a:pos x="csX3" y="csY3"/>
+                </a:cxn>
+                <a:cxn ang="0">
+                  <a:pos x="csX4" y="csY4"/>
+                </a:cxn>
+                <a:cxn ang="0">
+                  <a:pos x="csX5" y="csY5"/>
+                </a:cxn>
+                <a:cxn ang="0">
+                  <a:pos x="csX6" y="csY6"/>
+                </a:cxn>
+                <a:cxn ang="0">
+                  <a:pos x="csX7" y="csY7"/>
+                </a:cxn>
+                <a:cxn ang="0">
+                  <a:pos x="csX8" y="csY8"/>
+                </a:cxn>
+                <a:cxn ang="0">
+                  <a:pos x="csX9" y="csY9"/>
+                </a:cxn>
+                <a:cxn ang="0">
+                  <a:pos x="csX10" y="csY10"/>
+                </a:cxn>
+                <a:cxn ang="0">
+                  <a:pos x="csX11" y="csY11"/>
+                </a:cxn>
+                <a:cxn ang="0">
+                  <a:pos x="csX12" y="csY12"/>
+                </a:cxn>
+                <a:cxn ang="0">
+                  <a:pos x="csX13" y="csY13"/>
+                </a:cxn>
+                <a:cxn ang="0">
+                  <a:pos x="csX14" y="csY14"/>
+                </a:cxn>
+                <a:cxn ang="0">
+                  <a:pos x="csX15" y="csY15"/>
+                </a:cxn>
+                <a:cxn ang="0">
+                  <a:pos x="csX16" y="csY16"/>
+                </a:cxn>
+                <a:cxn ang="0">
+                  <a:pos x="csX17" y="csY17"/>
+                </a:cxn>
+                <a:cxn ang="0">
+                  <a:pos x="csX18" y="csY18"/>
+                </a:cxn>
+                <a:cxn ang="0">
+                  <a:pos x="csX19" y="csY19"/>
+                </a:cxn>
+                <a:cxn ang="0">
+                  <a:pos x="csX20" y="csY20"/>
+                </a:cxn>
+                <a:cxn ang="0">
+                  <a:pos x="csX21" y="csY21"/>
+                </a:cxn>
+                <a:cxn ang="0">
+                  <a:pos x="csX22" y="csY22"/>
+                </a:cxn>
+                <a:cxn ang="0">
+                  <a:pos x="csX23" y="csY23"/>
+                </a:cxn>
+                <a:cxn ang="0">
+                  <a:pos x="csX24" y="csY24"/>
+                </a:cxn>
+                <a:cxn ang="0">
+                  <a:pos x="csX25" y="csY25"/>
+                </a:cxn>
+                <a:cxn ang="0">
+                  <a:pos x="csX26" y="csY26"/>
+                </a:cxn>
+                <a:cxn ang="0">
+                  <a:pos x="csX27" y="csY27"/>
+                </a:cxn>
+                <a:cxn ang="0">
+                  <a:pos x="csX28" y="csY28"/>
+                </a:cxn>
+                <a:cxn ang="0">
+                  <a:pos x="csX29" y="csY29"/>
+                </a:cxn>
+                <a:cxn ang="0">
+                  <a:pos x="csX30" y="csY30"/>
+                </a:cxn>
+                <a:cxn ang="0">
+                  <a:pos x="csX31" y="csY31"/>
+                </a:cxn>
+                <a:cxn ang="0">
+                  <a:pos x="csX32" y="csY32"/>
+                </a:cxn>
+                <a:cxn ang="0">
+                  <a:pos x="csX33" y="csY33"/>
+                </a:cxn>
+                <a:cxn ang="0">
+                  <a:pos x="csX34" y="csY34"/>
+                </a:cxn>
+                <a:cxn ang="0">
+                  <a:pos x="csX35" y="csY35"/>
+                </a:cxn>
+                <a:cxn ang="0">
+                  <a:pos x="csX36" y="csY36"/>
+                </a:cxn>
+                <a:cxn ang="0">
+                  <a:pos x="csX37" y="csY37"/>
+                </a:cxn>
+                <a:cxn ang="0">
+                  <a:pos x="csX38" y="csY38"/>
+                </a:cxn>
+                <a:cxn ang="0">
+                  <a:pos x="csX39" y="csY39"/>
+                </a:cxn>
+                <a:cxn ang="0">
+                  <a:pos x="csX40" y="csY40"/>
+                </a:cxn>
+                <a:cxn ang="0">
+                  <a:pos x="csX41" y="csY41"/>
+                </a:cxn>
+              </a:cxnLst>
+              <a:rect l="l" t="t" r="r" b="b"/>
+              <a:pathLst>
+                <a:path w="798278" h="342000">
+                  <a:moveTo>
+                    <a:pt x="281505" y="0"/>
+                  </a:moveTo>
+                  <a:lnTo>
+                    <a:pt x="444732" y="0"/>
+                  </a:lnTo>
+                  <a:lnTo>
+                    <a:pt x="444732" y="3128"/>
+                  </a:lnTo>
+                  <a:lnTo>
+                    <a:pt x="447264" y="248"/>
+                  </a:lnTo>
+                  <a:lnTo>
+                    <a:pt x="690692" y="248"/>
+                  </a:lnTo>
+                  <a:cubicBezTo>
+                    <a:pt x="725067" y="248"/>
+                    <a:pt x="757001" y="10957"/>
+                    <a:pt x="783490" y="29298"/>
+                  </a:cubicBezTo>
+                  <a:lnTo>
+                    <a:pt x="798277" y="41801"/>
+                  </a:lnTo>
+                  <a:lnTo>
+                    <a:pt x="647837" y="41801"/>
+                  </a:lnTo>
+                  <a:cubicBezTo>
+                    <a:pt x="618736" y="41801"/>
+                    <a:pt x="591701" y="49894"/>
+                    <a:pt x="569275" y="63755"/>
+                  </a:cubicBezTo>
+                  <a:lnTo>
+                    <a:pt x="550148" y="79653"/>
+                  </a:lnTo>
+                  <a:lnTo>
+                    <a:pt x="547652" y="81193"/>
+                  </a:lnTo>
+                  <a:lnTo>
+                    <a:pt x="546633" y="82575"/>
+                  </a:lnTo>
+                  <a:lnTo>
+                    <a:pt x="539410" y="88579"/>
+                  </a:lnTo>
+                  <a:cubicBezTo>
+                    <a:pt x="530820" y="98102"/>
+                    <a:pt x="523699" y="108776"/>
+                    <a:pt x="518366" y="120310"/>
+                  </a:cubicBezTo>
+                  <a:lnTo>
+                    <a:pt x="518172" y="121194"/>
+                  </a:lnTo>
+                  <a:lnTo>
+                    <a:pt x="518147" y="121227"/>
+                  </a:lnTo>
+                  <a:cubicBezTo>
+                    <a:pt x="511181" y="136294"/>
+                    <a:pt x="507328" y="152861"/>
+                    <a:pt x="507328" y="170251"/>
+                  </a:cubicBezTo>
+                  <a:cubicBezTo>
+                    <a:pt x="507328" y="187640"/>
+                    <a:pt x="511181" y="204207"/>
+                    <a:pt x="518147" y="219275"/>
+                  </a:cubicBezTo>
+                  <a:lnTo>
+                    <a:pt x="518172" y="219310"/>
+                  </a:lnTo>
+                  <a:lnTo>
+                    <a:pt x="518367" y="220191"/>
+                  </a:lnTo>
+                  <a:cubicBezTo>
+                    <a:pt x="523700" y="231725"/>
+                    <a:pt x="530821" y="242398"/>
+                    <a:pt x="539411" y="251921"/>
+                  </a:cubicBezTo>
+                  <a:lnTo>
+                    <a:pt x="546631" y="257922"/>
+                  </a:lnTo>
+                  <a:lnTo>
+                    <a:pt x="547652" y="259309"/>
+                  </a:lnTo>
+                  <a:lnTo>
+                    <a:pt x="550156" y="260853"/>
+                  </a:lnTo>
+                  <a:lnTo>
+                    <a:pt x="569275" y="276746"/>
+                  </a:lnTo>
+                  <a:cubicBezTo>
+                    <a:pt x="591702" y="290606"/>
+                    <a:pt x="618737" y="298699"/>
+                    <a:pt x="647838" y="298699"/>
+                  </a:cubicBezTo>
+                  <a:lnTo>
+                    <a:pt x="798278" y="298699"/>
+                  </a:lnTo>
+                  <a:lnTo>
+                    <a:pt x="783491" y="311203"/>
+                  </a:lnTo>
+                  <a:cubicBezTo>
+                    <a:pt x="757001" y="329543"/>
+                    <a:pt x="725068" y="340252"/>
+                    <a:pt x="690693" y="340252"/>
+                  </a:cubicBezTo>
+                  <a:lnTo>
+                    <a:pt x="447265" y="340252"/>
+                  </a:lnTo>
+                  <a:lnTo>
+                    <a:pt x="444732" y="337371"/>
+                  </a:lnTo>
+                  <a:lnTo>
+                    <a:pt x="444732" y="342000"/>
+                  </a:lnTo>
+                  <a:lnTo>
+                    <a:pt x="281505" y="342000"/>
+                  </a:lnTo>
+                  <a:lnTo>
+                    <a:pt x="142890" y="207916"/>
+                  </a:lnTo>
+                  <a:lnTo>
+                    <a:pt x="7440" y="207916"/>
+                  </a:lnTo>
+                  <a:lnTo>
+                    <a:pt x="39" y="170344"/>
+                  </a:lnTo>
+                  <a:lnTo>
+                    <a:pt x="0" y="170344"/>
+                  </a:lnTo>
+                  <a:lnTo>
+                    <a:pt x="19" y="170248"/>
+                  </a:lnTo>
+                  <a:lnTo>
+                    <a:pt x="1" y="170156"/>
+                  </a:lnTo>
+                  <a:lnTo>
+                    <a:pt x="38" y="170156"/>
+                  </a:lnTo>
+                  <a:lnTo>
+                    <a:pt x="7439" y="132584"/>
+                  </a:lnTo>
+                  <a:lnTo>
+                    <a:pt x="144441" y="132584"/>
+                  </a:lnTo>
+                  <a:close/>
+                </a:path>
+              </a:pathLst>
+            </a:custGeom>
+            <a:solidFill>
+              <a:srgbClr val="FCFFDD"/>
+            </a:solidFill>
+            <a:ln>
+              <a:solidFill>
+                <a:srgbClr val="FCFFDD"/>
+              </a:solidFill>
+            </a:ln>
+            <a:effectLst/>
+            <a:scene3d>
+              <a:camera prst="orthographicFront"/>
+              <a:lightRig rig="threePt" dir="t">
+                <a:rot lat="0" lon="0" rev="17400000"/>
+              </a:lightRig>
+            </a:scene3d>
+            <a:sp3d>
+              <a:bevelT w="508000" h="38100" prst="cross"/>
+            </a:sp3d>
+          </p:spPr>
+          <p:style>
+            <a:lnRef idx="2">
+              <a:schemeClr val="accent1">
+                <a:shade val="15000"/>
+              </a:schemeClr>
+            </a:lnRef>
+            <a:fillRef idx="1">
+              <a:schemeClr val="accent1"/>
+            </a:fillRef>
+            <a:effectRef idx="0">
+              <a:schemeClr val="accent1"/>
+            </a:effectRef>
+            <a:fontRef idx="minor">
+              <a:schemeClr val="lt1"/>
+            </a:fontRef>
+          </p:style>
+          <p:txBody>
+            <a:bodyPr wrap="square" rtlCol="0" anchor="ctr">
+              <a:noAutofit/>
+            </a:bodyPr>
+            <a:lstStyle/>
+            <a:p>
+              <a:pPr algn="ctr"/>
+              <a:endParaRPr lang="ko-KR" altLang="en-US" dirty="0">
+                <a:solidFill>
+                  <a:sysClr val="windowText" lastClr="000000"/>
+                </a:solidFill>
+              </a:endParaRPr>
+            </a:p>
+          </p:txBody>
+        </p:sp>
+        <p:sp>
+          <p:nvSpPr>
+            <p:cNvPr id="33" name="자유형: 도형 32">
+              <a:extLst>
+                <a:ext uri="{FF2B5EF4-FFF2-40B4-BE49-F238E27FC236}">
+                  <a16:creationId xmlns:a16="http://schemas.microsoft.com/office/drawing/2014/main" id="{C7FDB71F-72CC-EC5D-ED20-863198B7F6F9}"/>
+                </a:ext>
+              </a:extLst>
+            </p:cNvPr>
+            <p:cNvSpPr/>
+            <p:nvPr/>
+          </p:nvSpPr>
+          <p:spPr>
+            <a:xfrm>
+              <a:off x="7119080" y="2435804"/>
+              <a:ext cx="345775" cy="141590"/>
+            </a:xfrm>
+            <a:custGeom>
+              <a:avLst/>
+              <a:gdLst>
+                <a:gd name="csX0" fmla="*/ 98886 w 390646"/>
+                <a:gd name="csY0" fmla="*/ 0 h 141590"/>
+                <a:gd name="csX1" fmla="*/ 314678 w 390646"/>
+                <a:gd name="csY1" fmla="*/ 0 h 141590"/>
+                <a:gd name="csX2" fmla="*/ 390646 w 390646"/>
+                <a:gd name="csY2" fmla="*/ 16526 h 141590"/>
+                <a:gd name="csX3" fmla="*/ 390646 w 390646"/>
+                <a:gd name="csY3" fmla="*/ 32120 h 141590"/>
+                <a:gd name="csX4" fmla="*/ 292923 w 390646"/>
+                <a:gd name="csY4" fmla="*/ 32120 h 141590"/>
+                <a:gd name="csX5" fmla="*/ 292923 w 390646"/>
+                <a:gd name="csY5" fmla="*/ 109470 h 141590"/>
+                <a:gd name="csX6" fmla="*/ 390646 w 390646"/>
+                <a:gd name="csY6" fmla="*/ 109470 h 141590"/>
+                <a:gd name="csX7" fmla="*/ 390646 w 390646"/>
+                <a:gd name="csY7" fmla="*/ 125065 h 141590"/>
+                <a:gd name="csX8" fmla="*/ 314678 w 390646"/>
+                <a:gd name="csY8" fmla="*/ 141590 h 141590"/>
+                <a:gd name="csX9" fmla="*/ 169200 w 390646"/>
+                <a:gd name="csY9" fmla="*/ 141590 h 141590"/>
+                <a:gd name="csX10" fmla="*/ 98886 w 390646"/>
+                <a:gd name="csY10" fmla="*/ 141590 h 141590"/>
+                <a:gd name="csX11" fmla="*/ 84600 w 390646"/>
+                <a:gd name="csY11" fmla="*/ 141590 h 141590"/>
+                <a:gd name="csX12" fmla="*/ 0 w 390646"/>
+                <a:gd name="csY12" fmla="*/ 71390 h 141590"/>
+                <a:gd name="csX13" fmla="*/ 84600 w 390646"/>
+                <a:gd name="csY13" fmla="*/ 1190 h 141590"/>
+                <a:gd name="csX14" fmla="*/ 98886 w 390646"/>
+                <a:gd name="csY14" fmla="*/ 1190 h 141590"/>
+              </a:gdLst>
+              <a:ahLst/>
+              <a:cxnLst>
+                <a:cxn ang="0">
+                  <a:pos x="csX0" y="csY0"/>
+                </a:cxn>
+                <a:cxn ang="0">
+                  <a:pos x="csX1" y="csY1"/>
+                </a:cxn>
+                <a:cxn ang="0">
+                  <a:pos x="csX2" y="csY2"/>
+                </a:cxn>
+                <a:cxn ang="0">
+                  <a:pos x="csX3" y="csY3"/>
+                </a:cxn>
+                <a:cxn ang="0">
+                  <a:pos x="csX4" y="csY4"/>
+                </a:cxn>
+                <a:cxn ang="0">
+                  <a:pos x="csX5" y="csY5"/>
+                </a:cxn>
+                <a:cxn ang="0">
+                  <a:pos x="csX6" y="csY6"/>
+                </a:cxn>
+                <a:cxn ang="0">
+                  <a:pos x="csX7" y="csY7"/>
+                </a:cxn>
+                <a:cxn ang="0">
+                  <a:pos x="csX8" y="csY8"/>
+                </a:cxn>
+                <a:cxn ang="0">
+                  <a:pos x="csX9" y="csY9"/>
+                </a:cxn>
+                <a:cxn ang="0">
+                  <a:pos x="csX10" y="csY10"/>
+                </a:cxn>
+                <a:cxn ang="0">
+                  <a:pos x="csX11" y="csY11"/>
+                </a:cxn>
+                <a:cxn ang="0">
+                  <a:pos x="csX12" y="csY12"/>
+                </a:cxn>
+                <a:cxn ang="0">
+                  <a:pos x="csX13" y="csY13"/>
+                </a:cxn>
+                <a:cxn ang="0">
+                  <a:pos x="csX14" y="csY14"/>
+                </a:cxn>
+              </a:cxnLst>
+              <a:rect l="l" t="t" r="r" b="b"/>
+              <a:pathLst>
+                <a:path w="390646" h="141590">
+                  <a:moveTo>
+                    <a:pt x="98886" y="0"/>
+                  </a:moveTo>
+                  <a:lnTo>
+                    <a:pt x="314678" y="0"/>
+                  </a:lnTo>
+                  <a:lnTo>
+                    <a:pt x="390646" y="16526"/>
+                  </a:lnTo>
+                  <a:lnTo>
+                    <a:pt x="390646" y="32120"/>
+                  </a:lnTo>
+                  <a:lnTo>
+                    <a:pt x="292923" y="32120"/>
+                  </a:lnTo>
+                  <a:lnTo>
+                    <a:pt x="292923" y="109470"/>
+                  </a:lnTo>
+                  <a:lnTo>
+                    <a:pt x="390646" y="109470"/>
+                  </a:lnTo>
+                  <a:lnTo>
+                    <a:pt x="390646" y="125065"/>
+                  </a:lnTo>
+                  <a:lnTo>
+                    <a:pt x="314678" y="141590"/>
+                  </a:lnTo>
+                  <a:lnTo>
+                    <a:pt x="169200" y="141590"/>
+                  </a:lnTo>
+                  <a:lnTo>
+                    <a:pt x="98886" y="141590"/>
+                  </a:lnTo>
+                  <a:lnTo>
+                    <a:pt x="84600" y="141590"/>
+                  </a:lnTo>
+                  <a:cubicBezTo>
+                    <a:pt x="37877" y="141590"/>
+                    <a:pt x="0" y="110160"/>
+                    <a:pt x="0" y="71390"/>
+                  </a:cubicBezTo>
+                  <a:cubicBezTo>
+                    <a:pt x="0" y="32620"/>
+                    <a:pt x="37877" y="1190"/>
+                    <a:pt x="84600" y="1190"/>
+                  </a:cubicBezTo>
+                  <a:lnTo>
+                    <a:pt x="98886" y="1190"/>
+                  </a:lnTo>
+                  <a:close/>
+                </a:path>
+              </a:pathLst>
+            </a:custGeom>
+            <a:solidFill>
+              <a:schemeClr val="bg2"/>
+            </a:solidFill>
+            <a:ln>
+              <a:solidFill>
+                <a:schemeClr val="bg2"/>
+              </a:solidFill>
+            </a:ln>
+            <a:scene3d>
+              <a:camera prst="orthographicFront"/>
+              <a:lightRig rig="threePt" dir="t"/>
+            </a:scene3d>
+            <a:sp3d>
+              <a:bevelT w="381000" h="25400" prst="cross"/>
+            </a:sp3d>
+          </p:spPr>
+          <p:style>
+            <a:lnRef idx="2">
+              <a:schemeClr val="accent1">
+                <a:shade val="15000"/>
+              </a:schemeClr>
+            </a:lnRef>
+            <a:fillRef idx="1">
+              <a:schemeClr val="accent1"/>
+            </a:fillRef>
+            <a:effectRef idx="0">
+              <a:schemeClr val="accent1"/>
+            </a:effectRef>
+            <a:fontRef idx="minor">
+              <a:schemeClr val="lt1"/>
+            </a:fontRef>
+          </p:style>
+          <p:txBody>
+            <a:bodyPr wrap="square" rtlCol="0" anchor="ctr">
+              <a:noAutofit/>
+            </a:bodyPr>
+            <a:lstStyle/>
+            <a:p>
+              <a:pPr algn="ctr"/>
+              <a:endParaRPr lang="ko-KR" altLang="en-US" dirty="0"/>
+            </a:p>
+          </p:txBody>
+        </p:sp>
+      </p:grpSp>
+      <p:grpSp>
+        <p:nvGrpSpPr>
+          <p:cNvPr id="41" name="그룹 40">
+            <a:extLst>
+              <a:ext uri="{FF2B5EF4-FFF2-40B4-BE49-F238E27FC236}">
+                <a16:creationId xmlns:a16="http://schemas.microsoft.com/office/drawing/2014/main" id="{2DD90C72-3AB2-6309-2E2C-E5A6BB814C5B}"/>
+              </a:ext>
+            </a:extLst>
+          </p:cNvPr>
+          <p:cNvGrpSpPr/>
+          <p:nvPr/>
+        </p:nvGrpSpPr>
+        <p:grpSpPr>
+          <a:xfrm rot="7469893">
+            <a:off x="2727763" y="2130964"/>
+            <a:ext cx="2680542" cy="1719581"/>
+            <a:chOff x="5666051" y="354895"/>
+            <a:chExt cx="2680542" cy="1719581"/>
+          </a:xfrm>
+        </p:grpSpPr>
+        <p:sp>
+          <p:nvSpPr>
+            <p:cNvPr id="5" name="타원 4">
+              <a:extLst>
+                <a:ext uri="{FF2B5EF4-FFF2-40B4-BE49-F238E27FC236}">
+                  <a16:creationId xmlns:a16="http://schemas.microsoft.com/office/drawing/2014/main" id="{C59887A0-925D-16F0-E627-5D556FC10C7C}"/>
+                </a:ext>
+              </a:extLst>
+            </p:cNvPr>
+            <p:cNvSpPr/>
+            <p:nvPr/>
+          </p:nvSpPr>
+          <p:spPr>
+            <a:xfrm>
+              <a:off x="7232204" y="786256"/>
+              <a:ext cx="493798" cy="481962"/>
+            </a:xfrm>
+            <a:prstGeom prst="ellipse">
+              <a:avLst/>
+            </a:prstGeom>
+            <a:solidFill>
+              <a:schemeClr val="bg2">
+                <a:lumMod val="90000"/>
+              </a:schemeClr>
+            </a:solidFill>
+            <a:ln w="38100">
+              <a:solidFill>
+                <a:schemeClr val="bg2">
+                  <a:lumMod val="75000"/>
+                  <a:alpha val="0"/>
+                </a:schemeClr>
+              </a:solidFill>
+            </a:ln>
+            <a:scene3d>
+              <a:camera prst="orthographicFront"/>
+              <a:lightRig rig="threePt" dir="t">
+                <a:rot lat="0" lon="0" rev="2700000"/>
+              </a:lightRig>
+            </a:scene3d>
+            <a:sp3d prstMaterial="softEdge">
+              <a:bevelT w="165100" prst="coolSlant"/>
+            </a:sp3d>
+          </p:spPr>
+          <p:style>
+            <a:lnRef idx="2">
+              <a:schemeClr val="accent1">
+                <a:shade val="15000"/>
+              </a:schemeClr>
+            </a:lnRef>
+            <a:fillRef idx="1">
+              <a:schemeClr val="accent1"/>
+            </a:fillRef>
+            <a:effectRef idx="0">
+              <a:schemeClr val="accent1"/>
+            </a:effectRef>
+            <a:fontRef idx="minor">
+              <a:schemeClr val="lt1"/>
+            </a:fontRef>
+          </p:style>
+          <p:txBody>
+            <a:bodyPr rtlCol="0" anchor="ctr"/>
+            <a:lstStyle/>
+            <a:p>
+              <a:pPr algn="ctr"/>
+              <a:endParaRPr lang="ko-KR" altLang="en-US"/>
+            </a:p>
+          </p:txBody>
+        </p:sp>
+        <p:sp>
+          <p:nvSpPr>
+            <p:cNvPr id="63" name="사각형: 둥근 모서리 62">
+              <a:extLst>
+                <a:ext uri="{FF2B5EF4-FFF2-40B4-BE49-F238E27FC236}">
+                  <a16:creationId xmlns:a16="http://schemas.microsoft.com/office/drawing/2014/main" id="{3781EE38-3DC8-E97E-AB3D-BA481F52382C}"/>
+                </a:ext>
+              </a:extLst>
+            </p:cNvPr>
+            <p:cNvSpPr/>
+            <p:nvPr/>
+          </p:nvSpPr>
+          <p:spPr>
+            <a:xfrm rot="5356858" flipH="1">
+              <a:off x="7080808" y="543689"/>
+              <a:ext cx="311517" cy="875206"/>
+            </a:xfrm>
+            <a:prstGeom prst="roundRect">
+              <a:avLst>
+                <a:gd name="adj" fmla="val 47694"/>
+              </a:avLst>
+            </a:prstGeom>
+            <a:solidFill>
+              <a:schemeClr val="bg2"/>
+            </a:solidFill>
+            <a:ln>
+              <a:solidFill>
+                <a:schemeClr val="bg2">
+                  <a:lumMod val="90000"/>
+                </a:schemeClr>
+              </a:solidFill>
+            </a:ln>
+            <a:scene3d>
+              <a:camera prst="orthographicFront"/>
+              <a:lightRig rig="flat" dir="t"/>
+            </a:scene3d>
+            <a:sp3d>
+              <a:bevelT w="254000" h="38100" prst="slope"/>
+            </a:sp3d>
+          </p:spPr>
+          <p:style>
+            <a:lnRef idx="2">
+              <a:schemeClr val="accent1">
+                <a:shade val="15000"/>
+              </a:schemeClr>
+            </a:lnRef>
+            <a:fillRef idx="1">
+              <a:schemeClr val="accent1"/>
+            </a:fillRef>
+            <a:effectRef idx="0">
+              <a:schemeClr val="accent1"/>
+            </a:effectRef>
+            <a:fontRef idx="minor">
+              <a:schemeClr val="lt1"/>
+            </a:fontRef>
+          </p:style>
+          <p:txBody>
+            <a:bodyPr rtlCol="0" anchor="ctr"/>
+            <a:lstStyle/>
+            <a:p>
+              <a:pPr algn="ctr"/>
+              <a:endParaRPr lang="ko-KR" altLang="en-US"/>
+            </a:p>
+          </p:txBody>
+        </p:sp>
+        <p:sp>
+          <p:nvSpPr>
+            <p:cNvPr id="48" name="사각형: 둥근 모서리 47">
+              <a:extLst>
+                <a:ext uri="{FF2B5EF4-FFF2-40B4-BE49-F238E27FC236}">
+                  <a16:creationId xmlns:a16="http://schemas.microsoft.com/office/drawing/2014/main" id="{6BB6F1B2-6255-F911-9B35-E7A3D861D12C}"/>
+                </a:ext>
+              </a:extLst>
+            </p:cNvPr>
+            <p:cNvSpPr/>
+            <p:nvPr/>
+          </p:nvSpPr>
+          <p:spPr>
+            <a:xfrm rot="6219111">
+              <a:off x="7592781" y="653279"/>
+              <a:ext cx="340893" cy="875206"/>
+            </a:xfrm>
+            <a:prstGeom prst="roundRect">
+              <a:avLst>
+                <a:gd name="adj" fmla="val 47694"/>
+              </a:avLst>
+            </a:prstGeom>
+            <a:solidFill>
+              <a:schemeClr val="bg2"/>
+            </a:solidFill>
+            <a:ln>
+              <a:solidFill>
+                <a:schemeClr val="bg2">
+                  <a:lumMod val="90000"/>
+                </a:schemeClr>
+              </a:solidFill>
+            </a:ln>
+            <a:scene3d>
+              <a:camera prst="orthographicFront"/>
+              <a:lightRig rig="flat" dir="t"/>
+            </a:scene3d>
+            <a:sp3d>
+              <a:bevelT w="254000" h="38100" prst="slope"/>
+            </a:sp3d>
+          </p:spPr>
+          <p:style>
+            <a:lnRef idx="2">
+              <a:schemeClr val="accent1">
+                <a:shade val="15000"/>
+              </a:schemeClr>
+            </a:lnRef>
+            <a:fillRef idx="1">
+              <a:schemeClr val="accent1"/>
+            </a:fillRef>
+            <a:effectRef idx="0">
+              <a:schemeClr val="accent1"/>
+            </a:effectRef>
+            <a:fontRef idx="minor">
+              <a:schemeClr val="lt1"/>
+            </a:fontRef>
+          </p:style>
+          <p:txBody>
+            <a:bodyPr rtlCol="0" anchor="ctr"/>
+            <a:lstStyle/>
+            <a:p>
+              <a:pPr algn="ctr"/>
+              <a:endParaRPr lang="ko-KR" altLang="en-US"/>
+            </a:p>
+          </p:txBody>
+        </p:sp>
+        <p:sp>
+          <p:nvSpPr>
+            <p:cNvPr id="11" name="사각형: 둥근 모서리 10">
+              <a:extLst>
+                <a:ext uri="{FF2B5EF4-FFF2-40B4-BE49-F238E27FC236}">
+                  <a16:creationId xmlns:a16="http://schemas.microsoft.com/office/drawing/2014/main" id="{A6C58757-8CC5-2C0F-B18A-D30EC285C38B}"/>
+                </a:ext>
+              </a:extLst>
+            </p:cNvPr>
+            <p:cNvSpPr/>
+            <p:nvPr/>
+          </p:nvSpPr>
+          <p:spPr>
+            <a:xfrm rot="591215">
+              <a:off x="8030836" y="354895"/>
+              <a:ext cx="185437" cy="875205"/>
+            </a:xfrm>
+            <a:prstGeom prst="roundRect">
+              <a:avLst>
+                <a:gd name="adj" fmla="val 47694"/>
+              </a:avLst>
+            </a:prstGeom>
+            <a:solidFill>
+              <a:schemeClr val="bg2"/>
+            </a:solidFill>
+            <a:ln>
+              <a:solidFill>
+                <a:schemeClr val="bg2">
+                  <a:lumMod val="90000"/>
+                </a:schemeClr>
+              </a:solidFill>
+            </a:ln>
+            <a:scene3d>
+              <a:camera prst="orthographicFront"/>
+              <a:lightRig rig="flat" dir="t"/>
+            </a:scene3d>
+            <a:sp3d>
+              <a:bevelT w="254000" h="38100" prst="slope"/>
+            </a:sp3d>
+          </p:spPr>
+          <p:style>
+            <a:lnRef idx="2">
+              <a:schemeClr val="accent1">
+                <a:shade val="15000"/>
+              </a:schemeClr>
+            </a:lnRef>
+            <a:fillRef idx="1">
+              <a:schemeClr val="accent1"/>
+            </a:fillRef>
+            <a:effectRef idx="0">
+              <a:schemeClr val="accent1"/>
+            </a:effectRef>
+            <a:fontRef idx="minor">
+              <a:schemeClr val="lt1"/>
+            </a:fontRef>
+          </p:style>
+          <p:txBody>
+            <a:bodyPr rtlCol="0" anchor="ctr"/>
+            <a:lstStyle/>
+            <a:p>
+              <a:pPr algn="ctr"/>
+              <a:endParaRPr lang="ko-KR" altLang="en-US" dirty="0"/>
+            </a:p>
+          </p:txBody>
+        </p:sp>
+        <p:sp>
+          <p:nvSpPr>
+            <p:cNvPr id="61" name="사각형: 둥근 모서리 60">
+              <a:extLst>
+                <a:ext uri="{FF2B5EF4-FFF2-40B4-BE49-F238E27FC236}">
+                  <a16:creationId xmlns:a16="http://schemas.microsoft.com/office/drawing/2014/main" id="{3D56625C-C432-209A-A916-1D9068E3AF78}"/>
+                </a:ext>
+              </a:extLst>
+            </p:cNvPr>
+            <p:cNvSpPr/>
+            <p:nvPr/>
+          </p:nvSpPr>
+          <p:spPr>
+            <a:xfrm rot="12429346" flipH="1">
+              <a:off x="6677900" y="873084"/>
+              <a:ext cx="185437" cy="875205"/>
+            </a:xfrm>
+            <a:prstGeom prst="roundRect">
+              <a:avLst>
+                <a:gd name="adj" fmla="val 47694"/>
+              </a:avLst>
+            </a:prstGeom>
+            <a:solidFill>
+              <a:schemeClr val="bg2"/>
+            </a:solidFill>
+            <a:ln>
+              <a:solidFill>
+                <a:schemeClr val="bg2">
+                  <a:lumMod val="90000"/>
+                </a:schemeClr>
+              </a:solidFill>
+            </a:ln>
+            <a:scene3d>
+              <a:camera prst="orthographicFront"/>
+              <a:lightRig rig="flat" dir="t"/>
+            </a:scene3d>
+            <a:sp3d>
+              <a:bevelT w="254000" h="38100" prst="slope"/>
+            </a:sp3d>
+          </p:spPr>
+          <p:style>
+            <a:lnRef idx="2">
+              <a:schemeClr val="accent1">
+                <a:shade val="15000"/>
+              </a:schemeClr>
+            </a:lnRef>
+            <a:fillRef idx="1">
+              <a:schemeClr val="accent1"/>
+            </a:fillRef>
+            <a:effectRef idx="0">
+              <a:schemeClr val="accent1"/>
+            </a:effectRef>
+            <a:fontRef idx="minor">
+              <a:schemeClr val="lt1"/>
+            </a:fontRef>
+          </p:style>
+          <p:txBody>
+            <a:bodyPr rtlCol="0" anchor="ctr"/>
+            <a:lstStyle/>
+            <a:p>
+              <a:pPr algn="ctr"/>
+              <a:endParaRPr lang="ko-KR" altLang="en-US"/>
+            </a:p>
+          </p:txBody>
+        </p:sp>
+        <p:grpSp>
+          <p:nvGrpSpPr>
+            <p:cNvPr id="35" name="그룹 34">
+              <a:extLst>
+                <a:ext uri="{FF2B5EF4-FFF2-40B4-BE49-F238E27FC236}">
+                  <a16:creationId xmlns:a16="http://schemas.microsoft.com/office/drawing/2014/main" id="{F03B5544-1545-9BE8-6299-322A56F3C125}"/>
+                </a:ext>
+              </a:extLst>
+            </p:cNvPr>
+            <p:cNvGrpSpPr/>
+            <p:nvPr/>
+          </p:nvGrpSpPr>
+          <p:grpSpPr>
+            <a:xfrm rot="8674535">
+              <a:off x="5666051" y="1732476"/>
+              <a:ext cx="1068357" cy="342000"/>
+              <a:chOff x="7042179" y="2423434"/>
+              <a:chExt cx="1068357" cy="342000"/>
+            </a:xfrm>
+          </p:grpSpPr>
+          <p:sp>
+            <p:nvSpPr>
+              <p:cNvPr id="36" name="자유형: 도형 35">
+                <a:extLst>
+                  <a:ext uri="{FF2B5EF4-FFF2-40B4-BE49-F238E27FC236}">
+                    <a16:creationId xmlns:a16="http://schemas.microsoft.com/office/drawing/2014/main" id="{37443BAF-0482-E44E-4D33-2695232A6CFE}"/>
+                  </a:ext>
+                </a:extLst>
+              </p:cNvPr>
+              <p:cNvSpPr/>
+              <p:nvPr/>
+            </p:nvSpPr>
+            <p:spPr>
+              <a:xfrm rot="10911144" flipH="1">
+                <a:off x="7312258" y="2423434"/>
+                <a:ext cx="798278" cy="342000"/>
+              </a:xfrm>
+              <a:custGeom>
+                <a:avLst/>
+                <a:gdLst>
+                  <a:gd name="csX0" fmla="*/ 281505 w 798278"/>
+                  <a:gd name="csY0" fmla="*/ 0 h 342000"/>
+                  <a:gd name="csX1" fmla="*/ 444732 w 798278"/>
+                  <a:gd name="csY1" fmla="*/ 0 h 342000"/>
+                  <a:gd name="csX2" fmla="*/ 444732 w 798278"/>
+                  <a:gd name="csY2" fmla="*/ 3128 h 342000"/>
+                  <a:gd name="csX3" fmla="*/ 447264 w 798278"/>
+                  <a:gd name="csY3" fmla="*/ 248 h 342000"/>
+                  <a:gd name="csX4" fmla="*/ 690692 w 798278"/>
+                  <a:gd name="csY4" fmla="*/ 248 h 342000"/>
+                  <a:gd name="csX5" fmla="*/ 783490 w 798278"/>
+                  <a:gd name="csY5" fmla="*/ 29298 h 342000"/>
+                  <a:gd name="csX6" fmla="*/ 798277 w 798278"/>
+                  <a:gd name="csY6" fmla="*/ 41801 h 342000"/>
+                  <a:gd name="csX7" fmla="*/ 647837 w 798278"/>
+                  <a:gd name="csY7" fmla="*/ 41801 h 342000"/>
+                  <a:gd name="csX8" fmla="*/ 569275 w 798278"/>
+                  <a:gd name="csY8" fmla="*/ 63755 h 342000"/>
+                  <a:gd name="csX9" fmla="*/ 550148 w 798278"/>
+                  <a:gd name="csY9" fmla="*/ 79653 h 342000"/>
+                  <a:gd name="csX10" fmla="*/ 547652 w 798278"/>
+                  <a:gd name="csY10" fmla="*/ 81193 h 342000"/>
+                  <a:gd name="csX11" fmla="*/ 546633 w 798278"/>
+                  <a:gd name="csY11" fmla="*/ 82575 h 342000"/>
+                  <a:gd name="csX12" fmla="*/ 539410 w 798278"/>
+                  <a:gd name="csY12" fmla="*/ 88579 h 342000"/>
+                  <a:gd name="csX13" fmla="*/ 518366 w 798278"/>
+                  <a:gd name="csY13" fmla="*/ 120310 h 342000"/>
+                  <a:gd name="csX14" fmla="*/ 518172 w 798278"/>
+                  <a:gd name="csY14" fmla="*/ 121194 h 342000"/>
+                  <a:gd name="csX15" fmla="*/ 518147 w 798278"/>
+                  <a:gd name="csY15" fmla="*/ 121227 h 342000"/>
+                  <a:gd name="csX16" fmla="*/ 507328 w 798278"/>
+                  <a:gd name="csY16" fmla="*/ 170251 h 342000"/>
+                  <a:gd name="csX17" fmla="*/ 518147 w 798278"/>
+                  <a:gd name="csY17" fmla="*/ 219275 h 342000"/>
+                  <a:gd name="csX18" fmla="*/ 518172 w 798278"/>
+                  <a:gd name="csY18" fmla="*/ 219310 h 342000"/>
+                  <a:gd name="csX19" fmla="*/ 518367 w 798278"/>
+                  <a:gd name="csY19" fmla="*/ 220191 h 342000"/>
+                  <a:gd name="csX20" fmla="*/ 539411 w 798278"/>
+                  <a:gd name="csY20" fmla="*/ 251921 h 342000"/>
+                  <a:gd name="csX21" fmla="*/ 546631 w 798278"/>
+                  <a:gd name="csY21" fmla="*/ 257922 h 342000"/>
+                  <a:gd name="csX22" fmla="*/ 547652 w 798278"/>
+                  <a:gd name="csY22" fmla="*/ 259309 h 342000"/>
+                  <a:gd name="csX23" fmla="*/ 550156 w 798278"/>
+                  <a:gd name="csY23" fmla="*/ 260853 h 342000"/>
+                  <a:gd name="csX24" fmla="*/ 569275 w 798278"/>
+                  <a:gd name="csY24" fmla="*/ 276746 h 342000"/>
+                  <a:gd name="csX25" fmla="*/ 647838 w 798278"/>
+                  <a:gd name="csY25" fmla="*/ 298699 h 342000"/>
+                  <a:gd name="csX26" fmla="*/ 798278 w 798278"/>
+                  <a:gd name="csY26" fmla="*/ 298699 h 342000"/>
+                  <a:gd name="csX27" fmla="*/ 783491 w 798278"/>
+                  <a:gd name="csY27" fmla="*/ 311203 h 342000"/>
+                  <a:gd name="csX28" fmla="*/ 690693 w 798278"/>
+                  <a:gd name="csY28" fmla="*/ 340252 h 342000"/>
+                  <a:gd name="csX29" fmla="*/ 447265 w 798278"/>
+                  <a:gd name="csY29" fmla="*/ 340252 h 342000"/>
+                  <a:gd name="csX30" fmla="*/ 444732 w 798278"/>
+                  <a:gd name="csY30" fmla="*/ 337371 h 342000"/>
+                  <a:gd name="csX31" fmla="*/ 444732 w 798278"/>
+                  <a:gd name="csY31" fmla="*/ 342000 h 342000"/>
+                  <a:gd name="csX32" fmla="*/ 281505 w 798278"/>
+                  <a:gd name="csY32" fmla="*/ 342000 h 342000"/>
+                  <a:gd name="csX33" fmla="*/ 142890 w 798278"/>
+                  <a:gd name="csY33" fmla="*/ 207916 h 342000"/>
+                  <a:gd name="csX34" fmla="*/ 7440 w 798278"/>
+                  <a:gd name="csY34" fmla="*/ 207916 h 342000"/>
+                  <a:gd name="csX35" fmla="*/ 39 w 798278"/>
+                  <a:gd name="csY35" fmla="*/ 170344 h 342000"/>
+                  <a:gd name="csX36" fmla="*/ 0 w 798278"/>
+                  <a:gd name="csY36" fmla="*/ 170344 h 342000"/>
+                  <a:gd name="csX37" fmla="*/ 19 w 798278"/>
+                  <a:gd name="csY37" fmla="*/ 170248 h 342000"/>
+                  <a:gd name="csX38" fmla="*/ 1 w 798278"/>
+                  <a:gd name="csY38" fmla="*/ 170156 h 342000"/>
+                  <a:gd name="csX39" fmla="*/ 38 w 798278"/>
+                  <a:gd name="csY39" fmla="*/ 170156 h 342000"/>
+                  <a:gd name="csX40" fmla="*/ 7439 w 798278"/>
+                  <a:gd name="csY40" fmla="*/ 132584 h 342000"/>
+                  <a:gd name="csX41" fmla="*/ 144441 w 798278"/>
+                  <a:gd name="csY41" fmla="*/ 132584 h 342000"/>
+                </a:gdLst>
+                <a:ahLst/>
+                <a:cxnLst>
+                  <a:cxn ang="0">
+                    <a:pos x="csX0" y="csY0"/>
+                  </a:cxn>
+                  <a:cxn ang="0">
+                    <a:pos x="csX1" y="csY1"/>
+                  </a:cxn>
+                  <a:cxn ang="0">
+                    <a:pos x="csX2" y="csY2"/>
+                  </a:cxn>
+                  <a:cxn ang="0">
+                    <a:pos x="csX3" y="csY3"/>
+                  </a:cxn>
+                  <a:cxn ang="0">
+                    <a:pos x="csX4" y="csY4"/>
+                  </a:cxn>
+                  <a:cxn ang="0">
+                    <a:pos x="csX5" y="csY5"/>
+                  </a:cxn>
+                  <a:cxn ang="0">
+                    <a:pos x="csX6" y="csY6"/>
+                  </a:cxn>
+                  <a:cxn ang="0">
+                    <a:pos x="csX7" y="csY7"/>
+                  </a:cxn>
+                  <a:cxn ang="0">
+                    <a:pos x="csX8" y="csY8"/>
+                  </a:cxn>
+                  <a:cxn ang="0">
+                    <a:pos x="csX9" y="csY9"/>
+                  </a:cxn>
+                  <a:cxn ang="0">
+                    <a:pos x="csX10" y="csY10"/>
+                  </a:cxn>
+                  <a:cxn ang="0">
+                    <a:pos x="csX11" y="csY11"/>
+                  </a:cxn>
+                  <a:cxn ang="0">
+                    <a:pos x="csX12" y="csY12"/>
+                  </a:cxn>
+                  <a:cxn ang="0">
+                    <a:pos x="csX13" y="csY13"/>
+                  </a:cxn>
+                  <a:cxn ang="0">
+                    <a:pos x="csX14" y="csY14"/>
+                  </a:cxn>
+                  <a:cxn ang="0">
+                    <a:pos x="csX15" y="csY15"/>
+                  </a:cxn>
+                  <a:cxn ang="0">
+                    <a:pos x="csX16" y="csY16"/>
+                  </a:cxn>
+                  <a:cxn ang="0">
+                    <a:pos x="csX17" y="csY17"/>
+                  </a:cxn>
+                  <a:cxn ang="0">
+                    <a:pos x="csX18" y="csY18"/>
+                  </a:cxn>
+                  <a:cxn ang="0">
+                    <a:pos x="csX19" y="csY19"/>
+                  </a:cxn>
+                  <a:cxn ang="0">
+                    <a:pos x="csX20" y="csY20"/>
+                  </a:cxn>
+                  <a:cxn ang="0">
+                    <a:pos x="csX21" y="csY21"/>
+                  </a:cxn>
+                  <a:cxn ang="0">
+                    <a:pos x="csX22" y="csY22"/>
+                  </a:cxn>
+                  <a:cxn ang="0">
+                    <a:pos x="csX23" y="csY23"/>
+                  </a:cxn>
+                  <a:cxn ang="0">
+                    <a:pos x="csX24" y="csY24"/>
+                  </a:cxn>
+                  <a:cxn ang="0">
+                    <a:pos x="csX25" y="csY25"/>
+                  </a:cxn>
+                  <a:cxn ang="0">
+                    <a:pos x="csX26" y="csY26"/>
+                  </a:cxn>
+                  <a:cxn ang="0">
+                    <a:pos x="csX27" y="csY27"/>
+                  </a:cxn>
+                  <a:cxn ang="0">
+                    <a:pos x="csX28" y="csY28"/>
+                  </a:cxn>
+                  <a:cxn ang="0">
+                    <a:pos x="csX29" y="csY29"/>
+                  </a:cxn>
+                  <a:cxn ang="0">
+                    <a:pos x="csX30" y="csY30"/>
+                  </a:cxn>
+                  <a:cxn ang="0">
+                    <a:pos x="csX31" y="csY31"/>
+                  </a:cxn>
+                  <a:cxn ang="0">
+                    <a:pos x="csX32" y="csY32"/>
+                  </a:cxn>
+                  <a:cxn ang="0">
+                    <a:pos x="csX33" y="csY33"/>
+                  </a:cxn>
+                  <a:cxn ang="0">
+                    <a:pos x="csX34" y="csY34"/>
+                  </a:cxn>
+                  <a:cxn ang="0">
+                    <a:pos x="csX35" y="csY35"/>
+                  </a:cxn>
+                  <a:cxn ang="0">
+                    <a:pos x="csX36" y="csY36"/>
+                  </a:cxn>
+                  <a:cxn ang="0">
+                    <a:pos x="csX37" y="csY37"/>
+                  </a:cxn>
+                  <a:cxn ang="0">
+                    <a:pos x="csX38" y="csY38"/>
+                  </a:cxn>
+                  <a:cxn ang="0">
+                    <a:pos x="csX39" y="csY39"/>
+                  </a:cxn>
+                  <a:cxn ang="0">
+                    <a:pos x="csX40" y="csY40"/>
+                  </a:cxn>
+                  <a:cxn ang="0">
+                    <a:pos x="csX41" y="csY41"/>
+                  </a:cxn>
+                </a:cxnLst>
+                <a:rect l="l" t="t" r="r" b="b"/>
+                <a:pathLst>
+                  <a:path w="798278" h="342000">
+                    <a:moveTo>
+                      <a:pt x="281505" y="0"/>
+                    </a:moveTo>
+                    <a:lnTo>
+                      <a:pt x="444732" y="0"/>
+                    </a:lnTo>
+                    <a:lnTo>
+                      <a:pt x="444732" y="3128"/>
+                    </a:lnTo>
+                    <a:lnTo>
+                      <a:pt x="447264" y="248"/>
+                    </a:lnTo>
+                    <a:lnTo>
+                      <a:pt x="690692" y="248"/>
+                    </a:lnTo>
+                    <a:cubicBezTo>
+                      <a:pt x="725067" y="248"/>
+                      <a:pt x="757001" y="10957"/>
+                      <a:pt x="783490" y="29298"/>
+                    </a:cubicBezTo>
+                    <a:lnTo>
+                      <a:pt x="798277" y="41801"/>
+                    </a:lnTo>
+                    <a:lnTo>
+                      <a:pt x="647837" y="41801"/>
+                    </a:lnTo>
+                    <a:cubicBezTo>
+                      <a:pt x="618736" y="41801"/>
+                      <a:pt x="591701" y="49894"/>
+                      <a:pt x="569275" y="63755"/>
+                    </a:cubicBezTo>
+                    <a:lnTo>
+                      <a:pt x="550148" y="79653"/>
+                    </a:lnTo>
+                    <a:lnTo>
+                      <a:pt x="547652" y="81193"/>
+                    </a:lnTo>
+                    <a:lnTo>
+                      <a:pt x="546633" y="82575"/>
+                    </a:lnTo>
+                    <a:lnTo>
+                      <a:pt x="539410" y="88579"/>
+                    </a:lnTo>
+                    <a:cubicBezTo>
+                      <a:pt x="530820" y="98102"/>
+                      <a:pt x="523699" y="108776"/>
+                      <a:pt x="518366" y="120310"/>
+                    </a:cubicBezTo>
+                    <a:lnTo>
+                      <a:pt x="518172" y="121194"/>
+                    </a:lnTo>
+                    <a:lnTo>
+                      <a:pt x="518147" y="121227"/>
+                    </a:lnTo>
+                    <a:cubicBezTo>
+                      <a:pt x="511181" y="136294"/>
+                      <a:pt x="507328" y="152861"/>
+                      <a:pt x="507328" y="170251"/>
+                    </a:cubicBezTo>
+                    <a:cubicBezTo>
+                      <a:pt x="507328" y="187640"/>
+                      <a:pt x="511181" y="204207"/>
+                      <a:pt x="518147" y="219275"/>
+                    </a:cubicBezTo>
+                    <a:lnTo>
+                      <a:pt x="518172" y="219310"/>
+                    </a:lnTo>
+                    <a:lnTo>
+                      <a:pt x="518367" y="220191"/>
+                    </a:lnTo>
+                    <a:cubicBezTo>
+                      <a:pt x="523700" y="231725"/>
+                      <a:pt x="530821" y="242398"/>
+                      <a:pt x="539411" y="251921"/>
+                    </a:cubicBezTo>
+                    <a:lnTo>
+                      <a:pt x="546631" y="257922"/>
+                    </a:lnTo>
+                    <a:lnTo>
+                      <a:pt x="547652" y="259309"/>
+                    </a:lnTo>
+                    <a:lnTo>
+                      <a:pt x="550156" y="260853"/>
+                    </a:lnTo>
+                    <a:lnTo>
+                      <a:pt x="569275" y="276746"/>
+                    </a:lnTo>
+                    <a:cubicBezTo>
+                      <a:pt x="591702" y="290606"/>
+                      <a:pt x="618737" y="298699"/>
+                      <a:pt x="647838" y="298699"/>
+                    </a:cubicBezTo>
+                    <a:lnTo>
+                      <a:pt x="798278" y="298699"/>
+                    </a:lnTo>
+                    <a:lnTo>
+                      <a:pt x="783491" y="311203"/>
+                    </a:lnTo>
+                    <a:cubicBezTo>
+                      <a:pt x="757001" y="329543"/>
+                      <a:pt x="725068" y="340252"/>
+                      <a:pt x="690693" y="340252"/>
+                    </a:cubicBezTo>
+                    <a:lnTo>
+                      <a:pt x="447265" y="340252"/>
+                    </a:lnTo>
+                    <a:lnTo>
+                      <a:pt x="444732" y="337371"/>
+                    </a:lnTo>
+                    <a:lnTo>
+                      <a:pt x="444732" y="342000"/>
+                    </a:lnTo>
+                    <a:lnTo>
+                      <a:pt x="281505" y="342000"/>
+                    </a:lnTo>
+                    <a:lnTo>
+                      <a:pt x="142890" y="207916"/>
+                    </a:lnTo>
+                    <a:lnTo>
+                      <a:pt x="7440" y="207916"/>
+                    </a:lnTo>
+                    <a:lnTo>
+                      <a:pt x="39" y="170344"/>
+                    </a:lnTo>
+                    <a:lnTo>
+                      <a:pt x="0" y="170344"/>
+                    </a:lnTo>
+                    <a:lnTo>
+                      <a:pt x="19" y="170248"/>
+                    </a:lnTo>
+                    <a:lnTo>
+                      <a:pt x="1" y="170156"/>
+                    </a:lnTo>
+                    <a:lnTo>
+                      <a:pt x="38" y="170156"/>
+                    </a:lnTo>
+                    <a:lnTo>
+                      <a:pt x="7439" y="132584"/>
+                    </a:lnTo>
+                    <a:lnTo>
+                      <a:pt x="144441" y="132584"/>
+                    </a:lnTo>
+                    <a:close/>
+                  </a:path>
+                </a:pathLst>
+              </a:custGeom>
+              <a:solidFill>
+                <a:srgbClr val="FCFFDD"/>
+              </a:solidFill>
+              <a:ln>
+                <a:solidFill>
+                  <a:srgbClr val="FCFFDD"/>
+                </a:solidFill>
+              </a:ln>
+              <a:effectLst/>
+              <a:scene3d>
+                <a:camera prst="orthographicFront"/>
+                <a:lightRig rig="threePt" dir="t">
+                  <a:rot lat="0" lon="0" rev="17400000"/>
+                </a:lightRig>
+              </a:scene3d>
+              <a:sp3d>
+                <a:bevelT w="508000" h="38100" prst="cross"/>
+              </a:sp3d>
+            </p:spPr>
+            <p:style>
+              <a:lnRef idx="2">
+                <a:schemeClr val="accent1">
+                  <a:shade val="15000"/>
+                </a:schemeClr>
+              </a:lnRef>
+              <a:fillRef idx="1">
+                <a:schemeClr val="accent1"/>
+              </a:fillRef>
+              <a:effectRef idx="0">
+                <a:schemeClr val="accent1"/>
+              </a:effectRef>
+              <a:fontRef idx="minor">
+                <a:schemeClr val="lt1"/>
+              </a:fontRef>
+            </p:style>
+            <p:txBody>
+              <a:bodyPr wrap="square" rtlCol="0" anchor="ctr">
+                <a:noAutofit/>
+              </a:bodyPr>
+              <a:lstStyle/>
+              <a:p>
+                <a:pPr algn="ctr"/>
+                <a:endParaRPr lang="ko-KR" altLang="en-US" dirty="0">
+                  <a:solidFill>
+                    <a:sysClr val="windowText" lastClr="000000"/>
+                  </a:solidFill>
+                </a:endParaRPr>
+              </a:p>
+            </p:txBody>
+          </p:sp>
+          <p:sp>
+            <p:nvSpPr>
+              <p:cNvPr id="37" name="자유형: 도형 36">
+                <a:extLst>
+                  <a:ext uri="{FF2B5EF4-FFF2-40B4-BE49-F238E27FC236}">
+                    <a16:creationId xmlns:a16="http://schemas.microsoft.com/office/drawing/2014/main" id="{AE46AE19-E6AC-E55F-8D08-EF9B97AF57F9}"/>
+                  </a:ext>
+                </a:extLst>
+              </p:cNvPr>
+              <p:cNvSpPr/>
+              <p:nvPr/>
+            </p:nvSpPr>
+            <p:spPr>
+              <a:xfrm rot="10911144" flipH="1">
+                <a:off x="7042179" y="2502432"/>
+                <a:ext cx="345775" cy="141590"/>
+              </a:xfrm>
+              <a:custGeom>
+                <a:avLst/>
+                <a:gdLst>
+                  <a:gd name="csX0" fmla="*/ 98886 w 390646"/>
+                  <a:gd name="csY0" fmla="*/ 0 h 141590"/>
+                  <a:gd name="csX1" fmla="*/ 314678 w 390646"/>
+                  <a:gd name="csY1" fmla="*/ 0 h 141590"/>
+                  <a:gd name="csX2" fmla="*/ 390646 w 390646"/>
+                  <a:gd name="csY2" fmla="*/ 16526 h 141590"/>
+                  <a:gd name="csX3" fmla="*/ 390646 w 390646"/>
+                  <a:gd name="csY3" fmla="*/ 32120 h 141590"/>
+                  <a:gd name="csX4" fmla="*/ 292923 w 390646"/>
+                  <a:gd name="csY4" fmla="*/ 32120 h 141590"/>
+                  <a:gd name="csX5" fmla="*/ 292923 w 390646"/>
+                  <a:gd name="csY5" fmla="*/ 109470 h 141590"/>
+                  <a:gd name="csX6" fmla="*/ 390646 w 390646"/>
+                  <a:gd name="csY6" fmla="*/ 109470 h 141590"/>
+                  <a:gd name="csX7" fmla="*/ 390646 w 390646"/>
+                  <a:gd name="csY7" fmla="*/ 125065 h 141590"/>
+                  <a:gd name="csX8" fmla="*/ 314678 w 390646"/>
+                  <a:gd name="csY8" fmla="*/ 141590 h 141590"/>
+                  <a:gd name="csX9" fmla="*/ 169200 w 390646"/>
+                  <a:gd name="csY9" fmla="*/ 141590 h 141590"/>
+                  <a:gd name="csX10" fmla="*/ 98886 w 390646"/>
+                  <a:gd name="csY10" fmla="*/ 141590 h 141590"/>
+                  <a:gd name="csX11" fmla="*/ 84600 w 390646"/>
+                  <a:gd name="csY11" fmla="*/ 141590 h 141590"/>
+                  <a:gd name="csX12" fmla="*/ 0 w 390646"/>
+                  <a:gd name="csY12" fmla="*/ 71390 h 141590"/>
+                  <a:gd name="csX13" fmla="*/ 84600 w 390646"/>
+                  <a:gd name="csY13" fmla="*/ 1190 h 141590"/>
+                  <a:gd name="csX14" fmla="*/ 98886 w 390646"/>
+                  <a:gd name="csY14" fmla="*/ 1190 h 141590"/>
+                </a:gdLst>
+                <a:ahLst/>
+                <a:cxnLst>
+                  <a:cxn ang="0">
+                    <a:pos x="csX0" y="csY0"/>
+                  </a:cxn>
+                  <a:cxn ang="0">
+                    <a:pos x="csX1" y="csY1"/>
+                  </a:cxn>
+                  <a:cxn ang="0">
+                    <a:pos x="csX2" y="csY2"/>
+                  </a:cxn>
+                  <a:cxn ang="0">
+                    <a:pos x="csX3" y="csY3"/>
+                  </a:cxn>
+                  <a:cxn ang="0">
+                    <a:pos x="csX4" y="csY4"/>
+                  </a:cxn>
+                  <a:cxn ang="0">
+                    <a:pos x="csX5" y="csY5"/>
+                  </a:cxn>
+                  <a:cxn ang="0">
+                    <a:pos x="csX6" y="csY6"/>
+                  </a:cxn>
+                  <a:cxn ang="0">
+                    <a:pos x="csX7" y="csY7"/>
+                  </a:cxn>
+                  <a:cxn ang="0">
+                    <a:pos x="csX8" y="csY8"/>
+                  </a:cxn>
+                  <a:cxn ang="0">
+                    <a:pos x="csX9" y="csY9"/>
+                  </a:cxn>
+                  <a:cxn ang="0">
+                    <a:pos x="csX10" y="csY10"/>
+                  </a:cxn>
+                  <a:cxn ang="0">
+                    <a:pos x="csX11" y="csY11"/>
+                  </a:cxn>
+                  <a:cxn ang="0">
+                    <a:pos x="csX12" y="csY12"/>
+                  </a:cxn>
+                  <a:cxn ang="0">
+                    <a:pos x="csX13" y="csY13"/>
+                  </a:cxn>
+                  <a:cxn ang="0">
+                    <a:pos x="csX14" y="csY14"/>
+                  </a:cxn>
+                </a:cxnLst>
+                <a:rect l="l" t="t" r="r" b="b"/>
+                <a:pathLst>
+                  <a:path w="390646" h="141590">
+                    <a:moveTo>
+                      <a:pt x="98886" y="0"/>
+                    </a:moveTo>
+                    <a:lnTo>
+                      <a:pt x="314678" y="0"/>
+                    </a:lnTo>
+                    <a:lnTo>
+                      <a:pt x="390646" y="16526"/>
+                    </a:lnTo>
+                    <a:lnTo>
+                      <a:pt x="390646" y="32120"/>
+                    </a:lnTo>
+                    <a:lnTo>
+                      <a:pt x="292923" y="32120"/>
+                    </a:lnTo>
+                    <a:lnTo>
+                      <a:pt x="292923" y="109470"/>
+                    </a:lnTo>
+                    <a:lnTo>
+                      <a:pt x="390646" y="109470"/>
+                    </a:lnTo>
+                    <a:lnTo>
+                      <a:pt x="390646" y="125065"/>
+                    </a:lnTo>
+                    <a:lnTo>
+                      <a:pt x="314678" y="141590"/>
+                    </a:lnTo>
+                    <a:lnTo>
+                      <a:pt x="169200" y="141590"/>
+                    </a:lnTo>
+                    <a:lnTo>
+                      <a:pt x="98886" y="141590"/>
+                    </a:lnTo>
+                    <a:lnTo>
+                      <a:pt x="84600" y="141590"/>
+                    </a:lnTo>
+                    <a:cubicBezTo>
+                      <a:pt x="37877" y="141590"/>
+                      <a:pt x="0" y="110160"/>
+                      <a:pt x="0" y="71390"/>
+                    </a:cubicBezTo>
+                    <a:cubicBezTo>
+                      <a:pt x="0" y="32620"/>
+                      <a:pt x="37877" y="1190"/>
+                      <a:pt x="84600" y="1190"/>
+                    </a:cubicBezTo>
+                    <a:lnTo>
+                      <a:pt x="98886" y="1190"/>
+                    </a:lnTo>
+                    <a:close/>
+                  </a:path>
+                </a:pathLst>
+              </a:custGeom>
+              <a:solidFill>
+                <a:schemeClr val="bg2"/>
+              </a:solidFill>
+              <a:ln>
+                <a:solidFill>
+                  <a:schemeClr val="bg2"/>
+                </a:solidFill>
+              </a:ln>
+              <a:scene3d>
+                <a:camera prst="orthographicFront"/>
+                <a:lightRig rig="threePt" dir="t"/>
+              </a:scene3d>
+              <a:sp3d>
+                <a:bevelT w="381000" h="25400" prst="cross"/>
+              </a:sp3d>
+            </p:spPr>
+            <p:style>
+              <a:lnRef idx="2">
+                <a:schemeClr val="accent1">
+                  <a:shade val="15000"/>
+                </a:schemeClr>
+              </a:lnRef>
+              <a:fillRef idx="1">
+                <a:schemeClr val="accent1"/>
+              </a:fillRef>
+              <a:effectRef idx="0">
+                <a:schemeClr val="accent1"/>
+              </a:effectRef>
+              <a:fontRef idx="minor">
+                <a:schemeClr val="lt1"/>
+              </a:fontRef>
+            </p:style>
+            <p:txBody>
+              <a:bodyPr wrap="square" rtlCol="0" anchor="ctr">
+                <a:noAutofit/>
+              </a:bodyPr>
+              <a:lstStyle/>
+              <a:p>
+                <a:pPr algn="ctr"/>
+                <a:endParaRPr lang="ko-KR" altLang="en-US" dirty="0"/>
+              </a:p>
+            </p:txBody>
+          </p:sp>
+        </p:grpSp>
+        <p:grpSp>
+          <p:nvGrpSpPr>
+            <p:cNvPr id="38" name="그룹 37">
+              <a:extLst>
+                <a:ext uri="{FF2B5EF4-FFF2-40B4-BE49-F238E27FC236}">
+                  <a16:creationId xmlns:a16="http://schemas.microsoft.com/office/drawing/2014/main" id="{88F90E7C-50BA-84D9-10DF-6EC859D6CAA4}"/>
+                </a:ext>
+              </a:extLst>
+            </p:cNvPr>
+            <p:cNvGrpSpPr/>
+            <p:nvPr/>
+          </p:nvGrpSpPr>
+          <p:grpSpPr>
+            <a:xfrm rot="8672181">
+              <a:off x="7299153" y="546419"/>
+              <a:ext cx="1047440" cy="342000"/>
+              <a:chOff x="6817589" y="2592749"/>
+              <a:chExt cx="1047440" cy="342000"/>
+            </a:xfrm>
+          </p:grpSpPr>
+          <p:sp>
+            <p:nvSpPr>
+              <p:cNvPr id="39" name="자유형: 도형 38">
+                <a:extLst>
+                  <a:ext uri="{FF2B5EF4-FFF2-40B4-BE49-F238E27FC236}">
+                    <a16:creationId xmlns:a16="http://schemas.microsoft.com/office/drawing/2014/main" id="{64E47577-AFF0-CE9F-FCAA-C1844501BD35}"/>
+                  </a:ext>
+                </a:extLst>
+              </p:cNvPr>
+              <p:cNvSpPr/>
+              <p:nvPr/>
+            </p:nvSpPr>
+            <p:spPr>
+              <a:xfrm>
+                <a:off x="7066751" y="2592749"/>
+                <a:ext cx="798278" cy="342000"/>
+              </a:xfrm>
+              <a:custGeom>
+                <a:avLst/>
+                <a:gdLst>
+                  <a:gd name="csX0" fmla="*/ 281505 w 798278"/>
+                  <a:gd name="csY0" fmla="*/ 0 h 342000"/>
+                  <a:gd name="csX1" fmla="*/ 444732 w 798278"/>
+                  <a:gd name="csY1" fmla="*/ 0 h 342000"/>
+                  <a:gd name="csX2" fmla="*/ 444732 w 798278"/>
+                  <a:gd name="csY2" fmla="*/ 3128 h 342000"/>
+                  <a:gd name="csX3" fmla="*/ 447264 w 798278"/>
+                  <a:gd name="csY3" fmla="*/ 248 h 342000"/>
+                  <a:gd name="csX4" fmla="*/ 690692 w 798278"/>
+                  <a:gd name="csY4" fmla="*/ 248 h 342000"/>
+                  <a:gd name="csX5" fmla="*/ 783490 w 798278"/>
+                  <a:gd name="csY5" fmla="*/ 29298 h 342000"/>
+                  <a:gd name="csX6" fmla="*/ 798277 w 798278"/>
+                  <a:gd name="csY6" fmla="*/ 41801 h 342000"/>
+                  <a:gd name="csX7" fmla="*/ 647837 w 798278"/>
+                  <a:gd name="csY7" fmla="*/ 41801 h 342000"/>
+                  <a:gd name="csX8" fmla="*/ 569275 w 798278"/>
+                  <a:gd name="csY8" fmla="*/ 63755 h 342000"/>
+                  <a:gd name="csX9" fmla="*/ 550148 w 798278"/>
+                  <a:gd name="csY9" fmla="*/ 79653 h 342000"/>
+                  <a:gd name="csX10" fmla="*/ 547652 w 798278"/>
+                  <a:gd name="csY10" fmla="*/ 81193 h 342000"/>
+                  <a:gd name="csX11" fmla="*/ 546633 w 798278"/>
+                  <a:gd name="csY11" fmla="*/ 82575 h 342000"/>
+                  <a:gd name="csX12" fmla="*/ 539410 w 798278"/>
+                  <a:gd name="csY12" fmla="*/ 88579 h 342000"/>
+                  <a:gd name="csX13" fmla="*/ 518366 w 798278"/>
+                  <a:gd name="csY13" fmla="*/ 120310 h 342000"/>
+                  <a:gd name="csX14" fmla="*/ 518172 w 798278"/>
+                  <a:gd name="csY14" fmla="*/ 121194 h 342000"/>
+                  <a:gd name="csX15" fmla="*/ 518147 w 798278"/>
+                  <a:gd name="csY15" fmla="*/ 121227 h 342000"/>
+                  <a:gd name="csX16" fmla="*/ 507328 w 798278"/>
+                  <a:gd name="csY16" fmla="*/ 170251 h 342000"/>
+                  <a:gd name="csX17" fmla="*/ 518147 w 798278"/>
+                  <a:gd name="csY17" fmla="*/ 219275 h 342000"/>
+                  <a:gd name="csX18" fmla="*/ 518172 w 798278"/>
+                  <a:gd name="csY18" fmla="*/ 219310 h 342000"/>
+                  <a:gd name="csX19" fmla="*/ 518367 w 798278"/>
+                  <a:gd name="csY19" fmla="*/ 220191 h 342000"/>
+                  <a:gd name="csX20" fmla="*/ 539411 w 798278"/>
+                  <a:gd name="csY20" fmla="*/ 251921 h 342000"/>
+                  <a:gd name="csX21" fmla="*/ 546631 w 798278"/>
+                  <a:gd name="csY21" fmla="*/ 257922 h 342000"/>
+                  <a:gd name="csX22" fmla="*/ 547652 w 798278"/>
+                  <a:gd name="csY22" fmla="*/ 259309 h 342000"/>
+                  <a:gd name="csX23" fmla="*/ 550156 w 798278"/>
+                  <a:gd name="csY23" fmla="*/ 260853 h 342000"/>
+                  <a:gd name="csX24" fmla="*/ 569275 w 798278"/>
+                  <a:gd name="csY24" fmla="*/ 276746 h 342000"/>
+                  <a:gd name="csX25" fmla="*/ 647838 w 798278"/>
+                  <a:gd name="csY25" fmla="*/ 298699 h 342000"/>
+                  <a:gd name="csX26" fmla="*/ 798278 w 798278"/>
+                  <a:gd name="csY26" fmla="*/ 298699 h 342000"/>
+                  <a:gd name="csX27" fmla="*/ 783491 w 798278"/>
+                  <a:gd name="csY27" fmla="*/ 311203 h 342000"/>
+                  <a:gd name="csX28" fmla="*/ 690693 w 798278"/>
+                  <a:gd name="csY28" fmla="*/ 340252 h 342000"/>
+                  <a:gd name="csX29" fmla="*/ 447265 w 798278"/>
+                  <a:gd name="csY29" fmla="*/ 340252 h 342000"/>
+                  <a:gd name="csX30" fmla="*/ 444732 w 798278"/>
+                  <a:gd name="csY30" fmla="*/ 337371 h 342000"/>
+                  <a:gd name="csX31" fmla="*/ 444732 w 798278"/>
+                  <a:gd name="csY31" fmla="*/ 342000 h 342000"/>
+                  <a:gd name="csX32" fmla="*/ 281505 w 798278"/>
+                  <a:gd name="csY32" fmla="*/ 342000 h 342000"/>
+                  <a:gd name="csX33" fmla="*/ 142890 w 798278"/>
+                  <a:gd name="csY33" fmla="*/ 207916 h 342000"/>
+                  <a:gd name="csX34" fmla="*/ 7440 w 798278"/>
+                  <a:gd name="csY34" fmla="*/ 207916 h 342000"/>
+                  <a:gd name="csX35" fmla="*/ 39 w 798278"/>
+                  <a:gd name="csY35" fmla="*/ 170344 h 342000"/>
+                  <a:gd name="csX36" fmla="*/ 0 w 798278"/>
+                  <a:gd name="csY36" fmla="*/ 170344 h 342000"/>
+                  <a:gd name="csX37" fmla="*/ 19 w 798278"/>
+                  <a:gd name="csY37" fmla="*/ 170248 h 342000"/>
+                  <a:gd name="csX38" fmla="*/ 1 w 798278"/>
+                  <a:gd name="csY38" fmla="*/ 170156 h 342000"/>
+                  <a:gd name="csX39" fmla="*/ 38 w 798278"/>
+                  <a:gd name="csY39" fmla="*/ 170156 h 342000"/>
+                  <a:gd name="csX40" fmla="*/ 7439 w 798278"/>
+                  <a:gd name="csY40" fmla="*/ 132584 h 342000"/>
+                  <a:gd name="csX41" fmla="*/ 144441 w 798278"/>
+                  <a:gd name="csY41" fmla="*/ 132584 h 342000"/>
+                </a:gdLst>
+                <a:ahLst/>
+                <a:cxnLst>
+                  <a:cxn ang="0">
+                    <a:pos x="csX0" y="csY0"/>
+                  </a:cxn>
+                  <a:cxn ang="0">
+                    <a:pos x="csX1" y="csY1"/>
+                  </a:cxn>
+                  <a:cxn ang="0">
+                    <a:pos x="csX2" y="csY2"/>
+                  </a:cxn>
+                  <a:cxn ang="0">
+                    <a:pos x="csX3" y="csY3"/>
+                  </a:cxn>
+                  <a:cxn ang="0">
+                    <a:pos x="csX4" y="csY4"/>
+                  </a:cxn>
+                  <a:cxn ang="0">
+                    <a:pos x="csX5" y="csY5"/>
+                  </a:cxn>
+                  <a:cxn ang="0">
+                    <a:pos x="csX6" y="csY6"/>
+                  </a:cxn>
+                  <a:cxn ang="0">
+                    <a:pos x="csX7" y="csY7"/>
+                  </a:cxn>
+                  <a:cxn ang="0">
+                    <a:pos x="csX8" y="csY8"/>
+                  </a:cxn>
+                  <a:cxn ang="0">
+                    <a:pos x="csX9" y="csY9"/>
+                  </a:cxn>
+                  <a:cxn ang="0">
+                    <a:pos x="csX10" y="csY10"/>
+                  </a:cxn>
+                  <a:cxn ang="0">
+                    <a:pos x="csX11" y="csY11"/>
+                  </a:cxn>
+                  <a:cxn ang="0">
+                    <a:pos x="csX12" y="csY12"/>
+                  </a:cxn>
+                  <a:cxn ang="0">
+                    <a:pos x="csX13" y="csY13"/>
+                  </a:cxn>
+                  <a:cxn ang="0">
+                    <a:pos x="csX14" y="csY14"/>
+                  </a:cxn>
+                  <a:cxn ang="0">
+                    <a:pos x="csX15" y="csY15"/>
+                  </a:cxn>
+                  <a:cxn ang="0">
+                    <a:pos x="csX16" y="csY16"/>
+                  </a:cxn>
+                  <a:cxn ang="0">
+                    <a:pos x="csX17" y="csY17"/>
+                  </a:cxn>
+                  <a:cxn ang="0">
+                    <a:pos x="csX18" y="csY18"/>
+                  </a:cxn>
+                  <a:cxn ang="0">
+                    <a:pos x="csX19" y="csY19"/>
+                  </a:cxn>
+                  <a:cxn ang="0">
+                    <a:pos x="csX20" y="csY20"/>
+                  </a:cxn>
+                  <a:cxn ang="0">
+                    <a:pos x="csX21" y="csY21"/>
+                  </a:cxn>
+                  <a:cxn ang="0">
+                    <a:pos x="csX22" y="csY22"/>
+                  </a:cxn>
+                  <a:cxn ang="0">
+                    <a:pos x="csX23" y="csY23"/>
+                  </a:cxn>
+                  <a:cxn ang="0">
+                    <a:pos x="csX24" y="csY24"/>
+                  </a:cxn>
+                  <a:cxn ang="0">
+                    <a:pos x="csX25" y="csY25"/>
+                  </a:cxn>
+                  <a:cxn ang="0">
+                    <a:pos x="csX26" y="csY26"/>
+                  </a:cxn>
+                  <a:cxn ang="0">
+                    <a:pos x="csX27" y="csY27"/>
+                  </a:cxn>
+                  <a:cxn ang="0">
+                    <a:pos x="csX28" y="csY28"/>
+                  </a:cxn>
+                  <a:cxn ang="0">
+                    <a:pos x="csX29" y="csY29"/>
+                  </a:cxn>
+                  <a:cxn ang="0">
+                    <a:pos x="csX30" y="csY30"/>
+                  </a:cxn>
+                  <a:cxn ang="0">
+                    <a:pos x="csX31" y="csY31"/>
+                  </a:cxn>
+                  <a:cxn ang="0">
+                    <a:pos x="csX32" y="csY32"/>
+                  </a:cxn>
+                  <a:cxn ang="0">
+                    <a:pos x="csX33" y="csY33"/>
+                  </a:cxn>
+                  <a:cxn ang="0">
+                    <a:pos x="csX34" y="csY34"/>
+                  </a:cxn>
+                  <a:cxn ang="0">
+                    <a:pos x="csX35" y="csY35"/>
+                  </a:cxn>
+                  <a:cxn ang="0">
+                    <a:pos x="csX36" y="csY36"/>
+                  </a:cxn>
+                  <a:cxn ang="0">
+                    <a:pos x="csX37" y="csY37"/>
+                  </a:cxn>
+                  <a:cxn ang="0">
+                    <a:pos x="csX38" y="csY38"/>
+                  </a:cxn>
+                  <a:cxn ang="0">
+                    <a:pos x="csX39" y="csY39"/>
+                  </a:cxn>
+                  <a:cxn ang="0">
+                    <a:pos x="csX40" y="csY40"/>
+                  </a:cxn>
+                  <a:cxn ang="0">
+                    <a:pos x="csX41" y="csY41"/>
+                  </a:cxn>
+                </a:cxnLst>
+                <a:rect l="l" t="t" r="r" b="b"/>
+                <a:pathLst>
+                  <a:path w="798278" h="342000">
+                    <a:moveTo>
+                      <a:pt x="281505" y="0"/>
+                    </a:moveTo>
+                    <a:lnTo>
+                      <a:pt x="444732" y="0"/>
+                    </a:lnTo>
+                    <a:lnTo>
+                      <a:pt x="444732" y="3128"/>
+                    </a:lnTo>
+                    <a:lnTo>
+                      <a:pt x="447264" y="248"/>
+                    </a:lnTo>
+                    <a:lnTo>
+                      <a:pt x="690692" y="248"/>
+                    </a:lnTo>
+                    <a:cubicBezTo>
+                      <a:pt x="725067" y="248"/>
+                      <a:pt x="757001" y="10957"/>
+                      <a:pt x="783490" y="29298"/>
+                    </a:cubicBezTo>
+                    <a:lnTo>
+                      <a:pt x="798277" y="41801"/>
+                    </a:lnTo>
+                    <a:lnTo>
+                      <a:pt x="647837" y="41801"/>
+                    </a:lnTo>
+                    <a:cubicBezTo>
+                      <a:pt x="618736" y="41801"/>
+                      <a:pt x="591701" y="49894"/>
+                      <a:pt x="569275" y="63755"/>
+                    </a:cubicBezTo>
+                    <a:lnTo>
+                      <a:pt x="550148" y="79653"/>
+                    </a:lnTo>
+                    <a:lnTo>
+                      <a:pt x="547652" y="81193"/>
+                    </a:lnTo>
+                    <a:lnTo>
+                      <a:pt x="546633" y="82575"/>
+                    </a:lnTo>
+                    <a:lnTo>
+                      <a:pt x="539410" y="88579"/>
+                    </a:lnTo>
+                    <a:cubicBezTo>
+                      <a:pt x="530820" y="98102"/>
+                      <a:pt x="523699" y="108776"/>
+                      <a:pt x="518366" y="120310"/>
+                    </a:cubicBezTo>
+                    <a:lnTo>
+                      <a:pt x="518172" y="121194"/>
+                    </a:lnTo>
+                    <a:lnTo>
+                      <a:pt x="518147" y="121227"/>
+                    </a:lnTo>
+                    <a:cubicBezTo>
+                      <a:pt x="511181" y="136294"/>
+                      <a:pt x="507328" y="152861"/>
+                      <a:pt x="507328" y="170251"/>
+                    </a:cubicBezTo>
+                    <a:cubicBezTo>
+                      <a:pt x="507328" y="187640"/>
+                      <a:pt x="511181" y="204207"/>
+                      <a:pt x="518147" y="219275"/>
+                    </a:cubicBezTo>
+                    <a:lnTo>
+                      <a:pt x="518172" y="219310"/>
+                    </a:lnTo>
+                    <a:lnTo>
+                      <a:pt x="518367" y="220191"/>
+                    </a:lnTo>
+                    <a:cubicBezTo>
+                      <a:pt x="523700" y="231725"/>
+                      <a:pt x="530821" y="242398"/>
+                      <a:pt x="539411" y="251921"/>
+                    </a:cubicBezTo>
+                    <a:lnTo>
+                      <a:pt x="546631" y="257922"/>
+                    </a:lnTo>
+                    <a:lnTo>
+                      <a:pt x="547652" y="259309"/>
+                    </a:lnTo>
+                    <a:lnTo>
+                      <a:pt x="550156" y="260853"/>
+                    </a:lnTo>
+                    <a:lnTo>
+                      <a:pt x="569275" y="276746"/>
+                    </a:lnTo>
+                    <a:cubicBezTo>
+                      <a:pt x="591702" y="290606"/>
+                      <a:pt x="618737" y="298699"/>
+                      <a:pt x="647838" y="298699"/>
+                    </a:cubicBezTo>
+                    <a:lnTo>
+                      <a:pt x="798278" y="298699"/>
+                    </a:lnTo>
+                    <a:lnTo>
+                      <a:pt x="783491" y="311203"/>
+                    </a:lnTo>
+                    <a:cubicBezTo>
+                      <a:pt x="757001" y="329543"/>
+                      <a:pt x="725068" y="340252"/>
+                      <a:pt x="690693" y="340252"/>
+                    </a:cubicBezTo>
+                    <a:lnTo>
+                      <a:pt x="447265" y="340252"/>
+                    </a:lnTo>
+                    <a:lnTo>
+                      <a:pt x="444732" y="337371"/>
+                    </a:lnTo>
+                    <a:lnTo>
+                      <a:pt x="444732" y="342000"/>
+                    </a:lnTo>
+                    <a:lnTo>
+                      <a:pt x="281505" y="342000"/>
+                    </a:lnTo>
+                    <a:lnTo>
+                      <a:pt x="142890" y="207916"/>
+                    </a:lnTo>
+                    <a:lnTo>
+                      <a:pt x="7440" y="207916"/>
+                    </a:lnTo>
+                    <a:lnTo>
+                      <a:pt x="39" y="170344"/>
+                    </a:lnTo>
+                    <a:lnTo>
+                      <a:pt x="0" y="170344"/>
+                    </a:lnTo>
+                    <a:lnTo>
+                      <a:pt x="19" y="170248"/>
+                    </a:lnTo>
+                    <a:lnTo>
+                      <a:pt x="1" y="170156"/>
+                    </a:lnTo>
+                    <a:lnTo>
+                      <a:pt x="38" y="170156"/>
+                    </a:lnTo>
+                    <a:lnTo>
+                      <a:pt x="7439" y="132584"/>
+                    </a:lnTo>
+                    <a:lnTo>
+                      <a:pt x="144441" y="132584"/>
+                    </a:lnTo>
+                    <a:close/>
+                  </a:path>
+                </a:pathLst>
+              </a:custGeom>
+              <a:solidFill>
+                <a:srgbClr val="FCFFDD"/>
+              </a:solidFill>
+              <a:ln>
+                <a:solidFill>
+                  <a:srgbClr val="FCFFDD"/>
+                </a:solidFill>
+              </a:ln>
+              <a:effectLst/>
+              <a:scene3d>
+                <a:camera prst="orthographicFront"/>
+                <a:lightRig rig="threePt" dir="t">
+                  <a:rot lat="0" lon="0" rev="17400000"/>
+                </a:lightRig>
+              </a:scene3d>
+              <a:sp3d>
+                <a:bevelT w="508000" h="38100" prst="cross"/>
+              </a:sp3d>
+            </p:spPr>
+            <p:style>
+              <a:lnRef idx="2">
+                <a:schemeClr val="accent1">
+                  <a:shade val="15000"/>
+                </a:schemeClr>
+              </a:lnRef>
+              <a:fillRef idx="1">
+                <a:schemeClr val="accent1"/>
+              </a:fillRef>
+              <a:effectRef idx="0">
+                <a:schemeClr val="accent1"/>
+              </a:effectRef>
+              <a:fontRef idx="minor">
+                <a:schemeClr val="lt1"/>
+              </a:fontRef>
+            </p:style>
+            <p:txBody>
+              <a:bodyPr wrap="square" rtlCol="0" anchor="ctr">
+                <a:noAutofit/>
+              </a:bodyPr>
+              <a:lstStyle/>
+              <a:p>
+                <a:pPr algn="ctr"/>
+                <a:endParaRPr lang="ko-KR" altLang="en-US" dirty="0">
+                  <a:solidFill>
+                    <a:sysClr val="windowText" lastClr="000000"/>
+                  </a:solidFill>
+                </a:endParaRPr>
+              </a:p>
+            </p:txBody>
+          </p:sp>
+          <p:sp>
+            <p:nvSpPr>
+              <p:cNvPr id="40" name="자유형: 도형 39">
+                <a:extLst>
+                  <a:ext uri="{FF2B5EF4-FFF2-40B4-BE49-F238E27FC236}">
+                    <a16:creationId xmlns:a16="http://schemas.microsoft.com/office/drawing/2014/main" id="{F9F86636-89FB-6169-A3D2-C5619E5A9373}"/>
+                  </a:ext>
+                </a:extLst>
+              </p:cNvPr>
+              <p:cNvSpPr/>
+              <p:nvPr/>
+            </p:nvSpPr>
+            <p:spPr>
+              <a:xfrm>
+                <a:off x="6817589" y="2692080"/>
+                <a:ext cx="345775" cy="141590"/>
+              </a:xfrm>
+              <a:custGeom>
+                <a:avLst/>
+                <a:gdLst>
+                  <a:gd name="csX0" fmla="*/ 98886 w 390646"/>
+                  <a:gd name="csY0" fmla="*/ 0 h 141590"/>
+                  <a:gd name="csX1" fmla="*/ 314678 w 390646"/>
+                  <a:gd name="csY1" fmla="*/ 0 h 141590"/>
+                  <a:gd name="csX2" fmla="*/ 390646 w 390646"/>
+                  <a:gd name="csY2" fmla="*/ 16526 h 141590"/>
+                  <a:gd name="csX3" fmla="*/ 390646 w 390646"/>
+                  <a:gd name="csY3" fmla="*/ 32120 h 141590"/>
+                  <a:gd name="csX4" fmla="*/ 292923 w 390646"/>
+                  <a:gd name="csY4" fmla="*/ 32120 h 141590"/>
+                  <a:gd name="csX5" fmla="*/ 292923 w 390646"/>
+                  <a:gd name="csY5" fmla="*/ 109470 h 141590"/>
+                  <a:gd name="csX6" fmla="*/ 390646 w 390646"/>
+                  <a:gd name="csY6" fmla="*/ 109470 h 141590"/>
+                  <a:gd name="csX7" fmla="*/ 390646 w 390646"/>
+                  <a:gd name="csY7" fmla="*/ 125065 h 141590"/>
+                  <a:gd name="csX8" fmla="*/ 314678 w 390646"/>
+                  <a:gd name="csY8" fmla="*/ 141590 h 141590"/>
+                  <a:gd name="csX9" fmla="*/ 169200 w 390646"/>
+                  <a:gd name="csY9" fmla="*/ 141590 h 141590"/>
+                  <a:gd name="csX10" fmla="*/ 98886 w 390646"/>
+                  <a:gd name="csY10" fmla="*/ 141590 h 141590"/>
+                  <a:gd name="csX11" fmla="*/ 84600 w 390646"/>
+                  <a:gd name="csY11" fmla="*/ 141590 h 141590"/>
+                  <a:gd name="csX12" fmla="*/ 0 w 390646"/>
+                  <a:gd name="csY12" fmla="*/ 71390 h 141590"/>
+                  <a:gd name="csX13" fmla="*/ 84600 w 390646"/>
+                  <a:gd name="csY13" fmla="*/ 1190 h 141590"/>
+                  <a:gd name="csX14" fmla="*/ 98886 w 390646"/>
+                  <a:gd name="csY14" fmla="*/ 1190 h 141590"/>
+                </a:gdLst>
+                <a:ahLst/>
+                <a:cxnLst>
+                  <a:cxn ang="0">
+                    <a:pos x="csX0" y="csY0"/>
+                  </a:cxn>
+                  <a:cxn ang="0">
+                    <a:pos x="csX1" y="csY1"/>
+                  </a:cxn>
+                  <a:cxn ang="0">
+                    <a:pos x="csX2" y="csY2"/>
+                  </a:cxn>
+                  <a:cxn ang="0">
+                    <a:pos x="csX3" y="csY3"/>
+                  </a:cxn>
+                  <a:cxn ang="0">
+                    <a:pos x="csX4" y="csY4"/>
+                  </a:cxn>
+                  <a:cxn ang="0">
+                    <a:pos x="csX5" y="csY5"/>
+                  </a:cxn>
+                  <a:cxn ang="0">
+                    <a:pos x="csX6" y="csY6"/>
+                  </a:cxn>
+                  <a:cxn ang="0">
+                    <a:pos x="csX7" y="csY7"/>
+                  </a:cxn>
+                  <a:cxn ang="0">
+                    <a:pos x="csX8" y="csY8"/>
+                  </a:cxn>
+                  <a:cxn ang="0">
+                    <a:pos x="csX9" y="csY9"/>
+                  </a:cxn>
+                  <a:cxn ang="0">
+                    <a:pos x="csX10" y="csY10"/>
+                  </a:cxn>
+                  <a:cxn ang="0">
+                    <a:pos x="csX11" y="csY11"/>
+                  </a:cxn>
+                  <a:cxn ang="0">
+                    <a:pos x="csX12" y="csY12"/>
+                  </a:cxn>
+                  <a:cxn ang="0">
+                    <a:pos x="csX13" y="csY13"/>
+                  </a:cxn>
+                  <a:cxn ang="0">
+                    <a:pos x="csX14" y="csY14"/>
+                  </a:cxn>
+                </a:cxnLst>
+                <a:rect l="l" t="t" r="r" b="b"/>
+                <a:pathLst>
+                  <a:path w="390646" h="141590">
+                    <a:moveTo>
+                      <a:pt x="98886" y="0"/>
+                    </a:moveTo>
+                    <a:lnTo>
+                      <a:pt x="314678" y="0"/>
+                    </a:lnTo>
+                    <a:lnTo>
+                      <a:pt x="390646" y="16526"/>
+                    </a:lnTo>
+                    <a:lnTo>
+                      <a:pt x="390646" y="32120"/>
+                    </a:lnTo>
+                    <a:lnTo>
+                      <a:pt x="292923" y="32120"/>
+                    </a:lnTo>
+                    <a:lnTo>
+                      <a:pt x="292923" y="109470"/>
+                    </a:lnTo>
+                    <a:lnTo>
+                      <a:pt x="390646" y="109470"/>
+                    </a:lnTo>
+                    <a:lnTo>
+                      <a:pt x="390646" y="125065"/>
+                    </a:lnTo>
+                    <a:lnTo>
+                      <a:pt x="314678" y="141590"/>
+                    </a:lnTo>
+                    <a:lnTo>
+                      <a:pt x="169200" y="141590"/>
+                    </a:lnTo>
+                    <a:lnTo>
+                      <a:pt x="98886" y="141590"/>
+                    </a:lnTo>
+                    <a:lnTo>
+                      <a:pt x="84600" y="141590"/>
+                    </a:lnTo>
+                    <a:cubicBezTo>
+                      <a:pt x="37877" y="141590"/>
+                      <a:pt x="0" y="110160"/>
+                      <a:pt x="0" y="71390"/>
+                    </a:cubicBezTo>
+                    <a:cubicBezTo>
+                      <a:pt x="0" y="32620"/>
+                      <a:pt x="37877" y="1190"/>
+                      <a:pt x="84600" y="1190"/>
+                    </a:cubicBezTo>
+                    <a:lnTo>
+                      <a:pt x="98886" y="1190"/>
+                    </a:lnTo>
+                    <a:close/>
+                  </a:path>
+                </a:pathLst>
+              </a:custGeom>
+              <a:solidFill>
+                <a:schemeClr val="bg2"/>
+              </a:solidFill>
+              <a:ln>
+                <a:solidFill>
+                  <a:schemeClr val="bg2"/>
+                </a:solidFill>
+              </a:ln>
+              <a:scene3d>
+                <a:camera prst="orthographicFront"/>
+                <a:lightRig rig="threePt" dir="t"/>
+              </a:scene3d>
+              <a:sp3d>
+                <a:bevelT w="381000" h="25400" prst="cross"/>
+              </a:sp3d>
+            </p:spPr>
+            <p:style>
+              <a:lnRef idx="2">
+                <a:schemeClr val="accent1">
+                  <a:shade val="15000"/>
+                </a:schemeClr>
+              </a:lnRef>
+              <a:fillRef idx="1">
+                <a:schemeClr val="accent1"/>
+              </a:fillRef>
+              <a:effectRef idx="0">
+                <a:schemeClr val="accent1"/>
+              </a:effectRef>
+              <a:fontRef idx="minor">
+                <a:schemeClr val="lt1"/>
+              </a:fontRef>
+            </p:style>
+            <p:txBody>
+              <a:bodyPr wrap="square" rtlCol="0" anchor="ctr">
+                <a:noAutofit/>
+              </a:bodyPr>
+              <a:lstStyle/>
+              <a:p>
+                <a:pPr algn="ctr"/>
+                <a:endParaRPr lang="ko-KR" altLang="en-US" dirty="0"/>
+              </a:p>
+            </p:txBody>
+          </p:sp>
+        </p:grpSp>
+      </p:grpSp>
+      <p:grpSp>
+        <p:nvGrpSpPr>
+          <p:cNvPr id="47" name="그룹 46">
+            <a:extLst>
+              <a:ext uri="{FF2B5EF4-FFF2-40B4-BE49-F238E27FC236}">
+                <a16:creationId xmlns:a16="http://schemas.microsoft.com/office/drawing/2014/main" id="{05DED928-EDA9-2BB6-7885-C501B6012104}"/>
+              </a:ext>
+            </a:extLst>
+          </p:cNvPr>
+          <p:cNvGrpSpPr/>
+          <p:nvPr/>
+        </p:nvGrpSpPr>
+        <p:grpSpPr>
+          <a:xfrm rot="7601730">
+            <a:off x="1736927" y="3475199"/>
+            <a:ext cx="1112479" cy="956166"/>
+            <a:chOff x="7232204" y="312052"/>
+            <a:chExt cx="1112479" cy="956166"/>
+          </a:xfrm>
+        </p:grpSpPr>
+        <p:sp>
+          <p:nvSpPr>
+            <p:cNvPr id="49" name="타원 48">
+              <a:extLst>
+                <a:ext uri="{FF2B5EF4-FFF2-40B4-BE49-F238E27FC236}">
+                  <a16:creationId xmlns:a16="http://schemas.microsoft.com/office/drawing/2014/main" id="{9F1E4A63-AFA2-0633-986E-B0650A9B3C17}"/>
+                </a:ext>
+              </a:extLst>
+            </p:cNvPr>
+            <p:cNvSpPr/>
+            <p:nvPr/>
+          </p:nvSpPr>
+          <p:spPr>
+            <a:xfrm>
+              <a:off x="7232204" y="786256"/>
+              <a:ext cx="493798" cy="481962"/>
+            </a:xfrm>
+            <a:prstGeom prst="ellipse">
+              <a:avLst/>
+            </a:prstGeom>
+            <a:solidFill>
+              <a:schemeClr val="bg2">
+                <a:lumMod val="90000"/>
+              </a:schemeClr>
+            </a:solidFill>
+            <a:ln w="38100">
+              <a:solidFill>
+                <a:schemeClr val="bg2">
+                  <a:lumMod val="75000"/>
+                  <a:alpha val="0"/>
+                </a:schemeClr>
+              </a:solidFill>
+            </a:ln>
+            <a:scene3d>
+              <a:camera prst="orthographicFront"/>
+              <a:lightRig rig="threePt" dir="t">
+                <a:rot lat="0" lon="0" rev="2700000"/>
+              </a:lightRig>
+            </a:scene3d>
+            <a:sp3d prstMaterial="softEdge">
+              <a:bevelT w="165100" prst="coolSlant"/>
+            </a:sp3d>
+          </p:spPr>
+          <p:style>
+            <a:lnRef idx="2">
+              <a:schemeClr val="accent1">
+                <a:shade val="15000"/>
+              </a:schemeClr>
+            </a:lnRef>
+            <a:fillRef idx="1">
+              <a:schemeClr val="accent1"/>
+            </a:fillRef>
+            <a:effectRef idx="0">
+              <a:schemeClr val="accent1"/>
+            </a:effectRef>
+            <a:fontRef idx="minor">
+              <a:schemeClr val="lt1"/>
+            </a:fontRef>
+          </p:style>
+          <p:txBody>
+            <a:bodyPr rtlCol="0" anchor="ctr"/>
+            <a:lstStyle/>
+            <a:p>
+              <a:pPr algn="ctr"/>
+              <a:endParaRPr lang="ko-KR" altLang="en-US"/>
+            </a:p>
+          </p:txBody>
+        </p:sp>
+        <p:sp>
+          <p:nvSpPr>
+            <p:cNvPr id="51" name="사각형: 둥근 모서리 50">
+              <a:extLst>
+                <a:ext uri="{FF2B5EF4-FFF2-40B4-BE49-F238E27FC236}">
+                  <a16:creationId xmlns:a16="http://schemas.microsoft.com/office/drawing/2014/main" id="{D1762470-D16B-829E-0249-4E9910FE0DD8}"/>
+                </a:ext>
+              </a:extLst>
+            </p:cNvPr>
+            <p:cNvSpPr/>
+            <p:nvPr/>
+          </p:nvSpPr>
+          <p:spPr>
+            <a:xfrm>
+              <a:off x="7320472" y="312052"/>
+              <a:ext cx="340893" cy="875206"/>
+            </a:xfrm>
+            <a:prstGeom prst="roundRect">
+              <a:avLst>
+                <a:gd name="adj" fmla="val 47694"/>
+              </a:avLst>
+            </a:prstGeom>
+            <a:solidFill>
+              <a:schemeClr val="bg2"/>
+            </a:solidFill>
+            <a:ln>
+              <a:solidFill>
+                <a:schemeClr val="bg2">
+                  <a:lumMod val="90000"/>
+                </a:schemeClr>
+              </a:solidFill>
+            </a:ln>
+            <a:scene3d>
+              <a:camera prst="orthographicFront"/>
+              <a:lightRig rig="flat" dir="t"/>
+            </a:scene3d>
+            <a:sp3d>
+              <a:bevelT w="254000" h="38100" prst="slope"/>
+            </a:sp3d>
+          </p:spPr>
+          <p:style>
+            <a:lnRef idx="2">
+              <a:schemeClr val="accent1">
+                <a:shade val="15000"/>
+              </a:schemeClr>
+            </a:lnRef>
+            <a:fillRef idx="1">
+              <a:schemeClr val="accent1"/>
+            </a:fillRef>
+            <a:effectRef idx="0">
+              <a:schemeClr val="accent1"/>
+            </a:effectRef>
+            <a:fontRef idx="minor">
+              <a:schemeClr val="lt1"/>
+            </a:fontRef>
+          </p:style>
+          <p:txBody>
+            <a:bodyPr rtlCol="0" anchor="ctr"/>
+            <a:lstStyle/>
+            <a:p>
+              <a:pPr algn="ctr"/>
+              <a:endParaRPr lang="ko-KR" altLang="en-US"/>
+            </a:p>
+          </p:txBody>
+        </p:sp>
+        <p:sp>
+          <p:nvSpPr>
+            <p:cNvPr id="52" name="사각형: 둥근 모서리 51">
+              <a:extLst>
+                <a:ext uri="{FF2B5EF4-FFF2-40B4-BE49-F238E27FC236}">
+                  <a16:creationId xmlns:a16="http://schemas.microsoft.com/office/drawing/2014/main" id="{2307FF84-59EB-E619-E3B7-065B43C97056}"/>
+                </a:ext>
+              </a:extLst>
+            </p:cNvPr>
+            <p:cNvSpPr/>
+            <p:nvPr/>
+          </p:nvSpPr>
+          <p:spPr>
+            <a:xfrm rot="5642612">
+              <a:off x="7764658" y="48517"/>
+              <a:ext cx="185437" cy="875205"/>
+            </a:xfrm>
+            <a:prstGeom prst="roundRect">
+              <a:avLst>
+                <a:gd name="adj" fmla="val 47694"/>
+              </a:avLst>
+            </a:prstGeom>
+            <a:solidFill>
+              <a:schemeClr val="bg2"/>
+            </a:solidFill>
+            <a:ln>
+              <a:solidFill>
+                <a:schemeClr val="bg2">
+                  <a:lumMod val="90000"/>
+                </a:schemeClr>
+              </a:solidFill>
+            </a:ln>
+            <a:scene3d>
+              <a:camera prst="orthographicFront"/>
+              <a:lightRig rig="flat" dir="t"/>
+            </a:scene3d>
+            <a:sp3d>
+              <a:bevelT w="254000" h="38100" prst="slope"/>
+            </a:sp3d>
+          </p:spPr>
+          <p:style>
+            <a:lnRef idx="2">
+              <a:schemeClr val="accent1">
+                <a:shade val="15000"/>
+              </a:schemeClr>
+            </a:lnRef>
+            <a:fillRef idx="1">
+              <a:schemeClr val="accent1"/>
+            </a:fillRef>
+            <a:effectRef idx="0">
+              <a:schemeClr val="accent1"/>
+            </a:effectRef>
+            <a:fontRef idx="minor">
+              <a:schemeClr val="lt1"/>
+            </a:fontRef>
+          </p:style>
+          <p:txBody>
+            <a:bodyPr rtlCol="0" anchor="ctr"/>
+            <a:lstStyle/>
+            <a:p>
+              <a:pPr algn="ctr"/>
+              <a:endParaRPr lang="ko-KR" altLang="en-US"/>
+            </a:p>
+          </p:txBody>
+        </p:sp>
+        <p:grpSp>
+          <p:nvGrpSpPr>
+            <p:cNvPr id="55" name="그룹 54">
+              <a:extLst>
+                <a:ext uri="{FF2B5EF4-FFF2-40B4-BE49-F238E27FC236}">
+                  <a16:creationId xmlns:a16="http://schemas.microsoft.com/office/drawing/2014/main" id="{395CC367-D25C-D09C-03E9-3ED332B5D962}"/>
+                </a:ext>
+              </a:extLst>
+            </p:cNvPr>
+            <p:cNvGrpSpPr/>
+            <p:nvPr/>
+          </p:nvGrpSpPr>
+          <p:grpSpPr>
+            <a:xfrm rot="8672181">
+              <a:off x="7297246" y="605377"/>
+              <a:ext cx="1047437" cy="342000"/>
+              <a:chOff x="6853350" y="2545836"/>
+              <a:chExt cx="1047437" cy="342000"/>
+            </a:xfrm>
+          </p:grpSpPr>
+          <p:sp>
+            <p:nvSpPr>
+              <p:cNvPr id="56" name="자유형: 도형 55">
+                <a:extLst>
+                  <a:ext uri="{FF2B5EF4-FFF2-40B4-BE49-F238E27FC236}">
+                    <a16:creationId xmlns:a16="http://schemas.microsoft.com/office/drawing/2014/main" id="{68089BFB-8C01-FE3A-362C-DB7E5BAAB5FB}"/>
+                  </a:ext>
+                </a:extLst>
+              </p:cNvPr>
+              <p:cNvSpPr/>
+              <p:nvPr/>
+            </p:nvSpPr>
+            <p:spPr>
+              <a:xfrm>
+                <a:off x="7102509" y="2545836"/>
+                <a:ext cx="798278" cy="342000"/>
+              </a:xfrm>
+              <a:custGeom>
+                <a:avLst/>
+                <a:gdLst>
+                  <a:gd name="csX0" fmla="*/ 281505 w 798278"/>
+                  <a:gd name="csY0" fmla="*/ 0 h 342000"/>
+                  <a:gd name="csX1" fmla="*/ 444732 w 798278"/>
+                  <a:gd name="csY1" fmla="*/ 0 h 342000"/>
+                  <a:gd name="csX2" fmla="*/ 444732 w 798278"/>
+                  <a:gd name="csY2" fmla="*/ 3128 h 342000"/>
+                  <a:gd name="csX3" fmla="*/ 447264 w 798278"/>
+                  <a:gd name="csY3" fmla="*/ 248 h 342000"/>
+                  <a:gd name="csX4" fmla="*/ 690692 w 798278"/>
+                  <a:gd name="csY4" fmla="*/ 248 h 342000"/>
+                  <a:gd name="csX5" fmla="*/ 783490 w 798278"/>
+                  <a:gd name="csY5" fmla="*/ 29298 h 342000"/>
+                  <a:gd name="csX6" fmla="*/ 798277 w 798278"/>
+                  <a:gd name="csY6" fmla="*/ 41801 h 342000"/>
+                  <a:gd name="csX7" fmla="*/ 647837 w 798278"/>
+                  <a:gd name="csY7" fmla="*/ 41801 h 342000"/>
+                  <a:gd name="csX8" fmla="*/ 569275 w 798278"/>
+                  <a:gd name="csY8" fmla="*/ 63755 h 342000"/>
+                  <a:gd name="csX9" fmla="*/ 550148 w 798278"/>
+                  <a:gd name="csY9" fmla="*/ 79653 h 342000"/>
+                  <a:gd name="csX10" fmla="*/ 547652 w 798278"/>
+                  <a:gd name="csY10" fmla="*/ 81193 h 342000"/>
+                  <a:gd name="csX11" fmla="*/ 546633 w 798278"/>
+                  <a:gd name="csY11" fmla="*/ 82575 h 342000"/>
+                  <a:gd name="csX12" fmla="*/ 539410 w 798278"/>
+                  <a:gd name="csY12" fmla="*/ 88579 h 342000"/>
+                  <a:gd name="csX13" fmla="*/ 518366 w 798278"/>
+                  <a:gd name="csY13" fmla="*/ 120310 h 342000"/>
+                  <a:gd name="csX14" fmla="*/ 518172 w 798278"/>
+                  <a:gd name="csY14" fmla="*/ 121194 h 342000"/>
+                  <a:gd name="csX15" fmla="*/ 518147 w 798278"/>
+                  <a:gd name="csY15" fmla="*/ 121227 h 342000"/>
+                  <a:gd name="csX16" fmla="*/ 507328 w 798278"/>
+                  <a:gd name="csY16" fmla="*/ 170251 h 342000"/>
+                  <a:gd name="csX17" fmla="*/ 518147 w 798278"/>
+                  <a:gd name="csY17" fmla="*/ 219275 h 342000"/>
+                  <a:gd name="csX18" fmla="*/ 518172 w 798278"/>
+                  <a:gd name="csY18" fmla="*/ 219310 h 342000"/>
+                  <a:gd name="csX19" fmla="*/ 518367 w 798278"/>
+                  <a:gd name="csY19" fmla="*/ 220191 h 342000"/>
+                  <a:gd name="csX20" fmla="*/ 539411 w 798278"/>
+                  <a:gd name="csY20" fmla="*/ 251921 h 342000"/>
+                  <a:gd name="csX21" fmla="*/ 546631 w 798278"/>
+                  <a:gd name="csY21" fmla="*/ 257922 h 342000"/>
+                  <a:gd name="csX22" fmla="*/ 547652 w 798278"/>
+                  <a:gd name="csY22" fmla="*/ 259309 h 342000"/>
+                  <a:gd name="csX23" fmla="*/ 550156 w 798278"/>
+                  <a:gd name="csY23" fmla="*/ 260853 h 342000"/>
+                  <a:gd name="csX24" fmla="*/ 569275 w 798278"/>
+                  <a:gd name="csY24" fmla="*/ 276746 h 342000"/>
+                  <a:gd name="csX25" fmla="*/ 647838 w 798278"/>
+                  <a:gd name="csY25" fmla="*/ 298699 h 342000"/>
+                  <a:gd name="csX26" fmla="*/ 798278 w 798278"/>
+                  <a:gd name="csY26" fmla="*/ 298699 h 342000"/>
+                  <a:gd name="csX27" fmla="*/ 783491 w 798278"/>
+                  <a:gd name="csY27" fmla="*/ 311203 h 342000"/>
+                  <a:gd name="csX28" fmla="*/ 690693 w 798278"/>
+                  <a:gd name="csY28" fmla="*/ 340252 h 342000"/>
+                  <a:gd name="csX29" fmla="*/ 447265 w 798278"/>
+                  <a:gd name="csY29" fmla="*/ 340252 h 342000"/>
+                  <a:gd name="csX30" fmla="*/ 444732 w 798278"/>
+                  <a:gd name="csY30" fmla="*/ 337371 h 342000"/>
+                  <a:gd name="csX31" fmla="*/ 444732 w 798278"/>
+                  <a:gd name="csY31" fmla="*/ 342000 h 342000"/>
+                  <a:gd name="csX32" fmla="*/ 281505 w 798278"/>
+                  <a:gd name="csY32" fmla="*/ 342000 h 342000"/>
+                  <a:gd name="csX33" fmla="*/ 142890 w 798278"/>
+                  <a:gd name="csY33" fmla="*/ 207916 h 342000"/>
+                  <a:gd name="csX34" fmla="*/ 7440 w 798278"/>
+                  <a:gd name="csY34" fmla="*/ 207916 h 342000"/>
+                  <a:gd name="csX35" fmla="*/ 39 w 798278"/>
+                  <a:gd name="csY35" fmla="*/ 170344 h 342000"/>
+                  <a:gd name="csX36" fmla="*/ 0 w 798278"/>
+                  <a:gd name="csY36" fmla="*/ 170344 h 342000"/>
+                  <a:gd name="csX37" fmla="*/ 19 w 798278"/>
+                  <a:gd name="csY37" fmla="*/ 170248 h 342000"/>
+                  <a:gd name="csX38" fmla="*/ 1 w 798278"/>
+                  <a:gd name="csY38" fmla="*/ 170156 h 342000"/>
+                  <a:gd name="csX39" fmla="*/ 38 w 798278"/>
+                  <a:gd name="csY39" fmla="*/ 170156 h 342000"/>
+                  <a:gd name="csX40" fmla="*/ 7439 w 798278"/>
+                  <a:gd name="csY40" fmla="*/ 132584 h 342000"/>
+                  <a:gd name="csX41" fmla="*/ 144441 w 798278"/>
+                  <a:gd name="csY41" fmla="*/ 132584 h 342000"/>
+                </a:gdLst>
+                <a:ahLst/>
+                <a:cxnLst>
+                  <a:cxn ang="0">
+                    <a:pos x="csX0" y="csY0"/>
+                  </a:cxn>
+                  <a:cxn ang="0">
+                    <a:pos x="csX1" y="csY1"/>
+                  </a:cxn>
+                  <a:cxn ang="0">
+                    <a:pos x="csX2" y="csY2"/>
+                  </a:cxn>
+                  <a:cxn ang="0">
+                    <a:pos x="csX3" y="csY3"/>
+                  </a:cxn>
+                  <a:cxn ang="0">
+                    <a:pos x="csX4" y="csY4"/>
+                  </a:cxn>
+                  <a:cxn ang="0">
+                    <a:pos x="csX5" y="csY5"/>
+                  </a:cxn>
+                  <a:cxn ang="0">
+                    <a:pos x="csX6" y="csY6"/>
+                  </a:cxn>
+                  <a:cxn ang="0">
+                    <a:pos x="csX7" y="csY7"/>
+                  </a:cxn>
+                  <a:cxn ang="0">
+                    <a:pos x="csX8" y="csY8"/>
+                  </a:cxn>
+                  <a:cxn ang="0">
+                    <a:pos x="csX9" y="csY9"/>
+                  </a:cxn>
+                  <a:cxn ang="0">
+                    <a:pos x="csX10" y="csY10"/>
+                  </a:cxn>
+                  <a:cxn ang="0">
+                    <a:pos x="csX11" y="csY11"/>
+                  </a:cxn>
+                  <a:cxn ang="0">
+                    <a:pos x="csX12" y="csY12"/>
+                  </a:cxn>
+                  <a:cxn ang="0">
+                    <a:pos x="csX13" y="csY13"/>
+                  </a:cxn>
+                  <a:cxn ang="0">
+                    <a:pos x="csX14" y="csY14"/>
+                  </a:cxn>
+                  <a:cxn ang="0">
+                    <a:pos x="csX15" y="csY15"/>
+                  </a:cxn>
+                  <a:cxn ang="0">
+                    <a:pos x="csX16" y="csY16"/>
+                  </a:cxn>
+                  <a:cxn ang="0">
+                    <a:pos x="csX17" y="csY17"/>
+                  </a:cxn>
+                  <a:cxn ang="0">
+                    <a:pos x="csX18" y="csY18"/>
+                  </a:cxn>
+                  <a:cxn ang="0">
+                    <a:pos x="csX19" y="csY19"/>
+                  </a:cxn>
+                  <a:cxn ang="0">
+                    <a:pos x="csX20" y="csY20"/>
+                  </a:cxn>
+                  <a:cxn ang="0">
+                    <a:pos x="csX21" y="csY21"/>
+                  </a:cxn>
+                  <a:cxn ang="0">
+                    <a:pos x="csX22" y="csY22"/>
+                  </a:cxn>
+                  <a:cxn ang="0">
+                    <a:pos x="csX23" y="csY23"/>
+                  </a:cxn>
+                  <a:cxn ang="0">
+                    <a:pos x="csX24" y="csY24"/>
+                  </a:cxn>
+                  <a:cxn ang="0">
+                    <a:pos x="csX25" y="csY25"/>
+                  </a:cxn>
+                  <a:cxn ang="0">
+                    <a:pos x="csX26" y="csY26"/>
+                  </a:cxn>
+                  <a:cxn ang="0">
+                    <a:pos x="csX27" y="csY27"/>
+                  </a:cxn>
+                  <a:cxn ang="0">
+                    <a:pos x="csX28" y="csY28"/>
+                  </a:cxn>
+                  <a:cxn ang="0">
+                    <a:pos x="csX29" y="csY29"/>
+                  </a:cxn>
+                  <a:cxn ang="0">
+                    <a:pos x="csX30" y="csY30"/>
+                  </a:cxn>
+                  <a:cxn ang="0">
+                    <a:pos x="csX31" y="csY31"/>
+                  </a:cxn>
+                  <a:cxn ang="0">
+                    <a:pos x="csX32" y="csY32"/>
+                  </a:cxn>
+                  <a:cxn ang="0">
+                    <a:pos x="csX33" y="csY33"/>
+                  </a:cxn>
+                  <a:cxn ang="0">
+                    <a:pos x="csX34" y="csY34"/>
+                  </a:cxn>
+                  <a:cxn ang="0">
+                    <a:pos x="csX35" y="csY35"/>
+                  </a:cxn>
+                  <a:cxn ang="0">
+                    <a:pos x="csX36" y="csY36"/>
+                  </a:cxn>
+                  <a:cxn ang="0">
+                    <a:pos x="csX37" y="csY37"/>
+                  </a:cxn>
+                  <a:cxn ang="0">
+                    <a:pos x="csX38" y="csY38"/>
+                  </a:cxn>
+                  <a:cxn ang="0">
+                    <a:pos x="csX39" y="csY39"/>
+                  </a:cxn>
+                  <a:cxn ang="0">
+                    <a:pos x="csX40" y="csY40"/>
+                  </a:cxn>
+                  <a:cxn ang="0">
+                    <a:pos x="csX41" y="csY41"/>
+                  </a:cxn>
+                </a:cxnLst>
+                <a:rect l="l" t="t" r="r" b="b"/>
+                <a:pathLst>
+                  <a:path w="798278" h="342000">
+                    <a:moveTo>
+                      <a:pt x="281505" y="0"/>
+                    </a:moveTo>
+                    <a:lnTo>
+                      <a:pt x="444732" y="0"/>
+                    </a:lnTo>
+                    <a:lnTo>
+                      <a:pt x="444732" y="3128"/>
+                    </a:lnTo>
+                    <a:lnTo>
+                      <a:pt x="447264" y="248"/>
+                    </a:lnTo>
+                    <a:lnTo>
+                      <a:pt x="690692" y="248"/>
+                    </a:lnTo>
+                    <a:cubicBezTo>
+                      <a:pt x="725067" y="248"/>
+                      <a:pt x="757001" y="10957"/>
+                      <a:pt x="783490" y="29298"/>
+                    </a:cubicBezTo>
+                    <a:lnTo>
+                      <a:pt x="798277" y="41801"/>
+                    </a:lnTo>
+                    <a:lnTo>
+                      <a:pt x="647837" y="41801"/>
+                    </a:lnTo>
+                    <a:cubicBezTo>
+                      <a:pt x="618736" y="41801"/>
+                      <a:pt x="591701" y="49894"/>
+                      <a:pt x="569275" y="63755"/>
+                    </a:cubicBezTo>
+                    <a:lnTo>
+                      <a:pt x="550148" y="79653"/>
+                    </a:lnTo>
+                    <a:lnTo>
+                      <a:pt x="547652" y="81193"/>
+                    </a:lnTo>
+                    <a:lnTo>
+                      <a:pt x="546633" y="82575"/>
+                    </a:lnTo>
+                    <a:lnTo>
+                      <a:pt x="539410" y="88579"/>
+                    </a:lnTo>
+                    <a:cubicBezTo>
+                      <a:pt x="530820" y="98102"/>
+                      <a:pt x="523699" y="108776"/>
+                      <a:pt x="518366" y="120310"/>
+                    </a:cubicBezTo>
+                    <a:lnTo>
+                      <a:pt x="518172" y="121194"/>
+                    </a:lnTo>
+                    <a:lnTo>
+                      <a:pt x="518147" y="121227"/>
+                    </a:lnTo>
+                    <a:cubicBezTo>
+                      <a:pt x="511181" y="136294"/>
+                      <a:pt x="507328" y="152861"/>
+                      <a:pt x="507328" y="170251"/>
+                    </a:cubicBezTo>
+                    <a:cubicBezTo>
+                      <a:pt x="507328" y="187640"/>
+                      <a:pt x="511181" y="204207"/>
+                      <a:pt x="518147" y="219275"/>
+                    </a:cubicBezTo>
+                    <a:lnTo>
+                      <a:pt x="518172" y="219310"/>
+                    </a:lnTo>
+                    <a:lnTo>
+                      <a:pt x="518367" y="220191"/>
+                    </a:lnTo>
+                    <a:cubicBezTo>
+                      <a:pt x="523700" y="231725"/>
+                      <a:pt x="530821" y="242398"/>
+                      <a:pt x="539411" y="251921"/>
+                    </a:cubicBezTo>
+                    <a:lnTo>
+                      <a:pt x="546631" y="257922"/>
+                    </a:lnTo>
+                    <a:lnTo>
+                      <a:pt x="547652" y="259309"/>
+                    </a:lnTo>
+                    <a:lnTo>
+                      <a:pt x="550156" y="260853"/>
+                    </a:lnTo>
+                    <a:lnTo>
+                      <a:pt x="569275" y="276746"/>
+                    </a:lnTo>
+                    <a:cubicBezTo>
+                      <a:pt x="591702" y="290606"/>
+                      <a:pt x="618737" y="298699"/>
+                      <a:pt x="647838" y="298699"/>
+                    </a:cubicBezTo>
+                    <a:lnTo>
+                      <a:pt x="798278" y="298699"/>
+                    </a:lnTo>
+                    <a:lnTo>
+                      <a:pt x="783491" y="311203"/>
+                    </a:lnTo>
+                    <a:cubicBezTo>
+                      <a:pt x="757001" y="329543"/>
+                      <a:pt x="725068" y="340252"/>
+                      <a:pt x="690693" y="340252"/>
+                    </a:cubicBezTo>
+                    <a:lnTo>
+                      <a:pt x="447265" y="340252"/>
+                    </a:lnTo>
+                    <a:lnTo>
+                      <a:pt x="444732" y="337371"/>
+                    </a:lnTo>
+                    <a:lnTo>
+                      <a:pt x="444732" y="342000"/>
+                    </a:lnTo>
+                    <a:lnTo>
+                      <a:pt x="281505" y="342000"/>
+                    </a:lnTo>
+                    <a:lnTo>
+                      <a:pt x="142890" y="207916"/>
+                    </a:lnTo>
+                    <a:lnTo>
+                      <a:pt x="7440" y="207916"/>
+                    </a:lnTo>
+                    <a:lnTo>
+                      <a:pt x="39" y="170344"/>
+                    </a:lnTo>
+                    <a:lnTo>
+                      <a:pt x="0" y="170344"/>
+                    </a:lnTo>
+                    <a:lnTo>
+                      <a:pt x="19" y="170248"/>
+                    </a:lnTo>
+                    <a:lnTo>
+                      <a:pt x="1" y="170156"/>
+                    </a:lnTo>
+                    <a:lnTo>
+                      <a:pt x="38" y="170156"/>
+                    </a:lnTo>
+                    <a:lnTo>
+                      <a:pt x="7439" y="132584"/>
+                    </a:lnTo>
+                    <a:lnTo>
+                      <a:pt x="144441" y="132584"/>
+                    </a:lnTo>
+                    <a:close/>
+                  </a:path>
+                </a:pathLst>
+              </a:custGeom>
+              <a:solidFill>
+                <a:srgbClr val="FCFFDD"/>
+              </a:solidFill>
+              <a:ln>
+                <a:solidFill>
+                  <a:srgbClr val="FCFFDD"/>
+                </a:solidFill>
+              </a:ln>
+              <a:effectLst/>
+              <a:scene3d>
+                <a:camera prst="orthographicFront"/>
+                <a:lightRig rig="threePt" dir="t">
+                  <a:rot lat="0" lon="0" rev="17400000"/>
+                </a:lightRig>
+              </a:scene3d>
+              <a:sp3d>
+                <a:bevelT w="508000" h="38100" prst="cross"/>
+              </a:sp3d>
+            </p:spPr>
+            <p:style>
+              <a:lnRef idx="2">
+                <a:schemeClr val="accent1">
+                  <a:shade val="15000"/>
+                </a:schemeClr>
+              </a:lnRef>
+              <a:fillRef idx="1">
+                <a:schemeClr val="accent1"/>
+              </a:fillRef>
+              <a:effectRef idx="0">
+                <a:schemeClr val="accent1"/>
+              </a:effectRef>
+              <a:fontRef idx="minor">
+                <a:schemeClr val="lt1"/>
+              </a:fontRef>
+            </p:style>
+            <p:txBody>
+              <a:bodyPr wrap="square" rtlCol="0" anchor="ctr">
+                <a:noAutofit/>
+              </a:bodyPr>
+              <a:lstStyle/>
+              <a:p>
+                <a:pPr algn="ctr"/>
+                <a:endParaRPr lang="ko-KR" altLang="en-US" dirty="0">
+                  <a:solidFill>
+                    <a:sysClr val="windowText" lastClr="000000"/>
+                  </a:solidFill>
+                </a:endParaRPr>
+              </a:p>
+            </p:txBody>
+          </p:sp>
+          <p:sp>
+            <p:nvSpPr>
+              <p:cNvPr id="57" name="자유형: 도형 56">
+                <a:extLst>
+                  <a:ext uri="{FF2B5EF4-FFF2-40B4-BE49-F238E27FC236}">
+                    <a16:creationId xmlns:a16="http://schemas.microsoft.com/office/drawing/2014/main" id="{B10B1CDF-6770-02A7-92AE-599728C231FB}"/>
+                  </a:ext>
+                </a:extLst>
+              </p:cNvPr>
+              <p:cNvSpPr/>
+              <p:nvPr/>
+            </p:nvSpPr>
+            <p:spPr>
+              <a:xfrm>
+                <a:off x="6853350" y="2645165"/>
+                <a:ext cx="345775" cy="141590"/>
+              </a:xfrm>
+              <a:custGeom>
+                <a:avLst/>
+                <a:gdLst>
+                  <a:gd name="csX0" fmla="*/ 98886 w 390646"/>
+                  <a:gd name="csY0" fmla="*/ 0 h 141590"/>
+                  <a:gd name="csX1" fmla="*/ 314678 w 390646"/>
+                  <a:gd name="csY1" fmla="*/ 0 h 141590"/>
+                  <a:gd name="csX2" fmla="*/ 390646 w 390646"/>
+                  <a:gd name="csY2" fmla="*/ 16526 h 141590"/>
+                  <a:gd name="csX3" fmla="*/ 390646 w 390646"/>
+                  <a:gd name="csY3" fmla="*/ 32120 h 141590"/>
+                  <a:gd name="csX4" fmla="*/ 292923 w 390646"/>
+                  <a:gd name="csY4" fmla="*/ 32120 h 141590"/>
+                  <a:gd name="csX5" fmla="*/ 292923 w 390646"/>
+                  <a:gd name="csY5" fmla="*/ 109470 h 141590"/>
+                  <a:gd name="csX6" fmla="*/ 390646 w 390646"/>
+                  <a:gd name="csY6" fmla="*/ 109470 h 141590"/>
+                  <a:gd name="csX7" fmla="*/ 390646 w 390646"/>
+                  <a:gd name="csY7" fmla="*/ 125065 h 141590"/>
+                  <a:gd name="csX8" fmla="*/ 314678 w 390646"/>
+                  <a:gd name="csY8" fmla="*/ 141590 h 141590"/>
+                  <a:gd name="csX9" fmla="*/ 169200 w 390646"/>
+                  <a:gd name="csY9" fmla="*/ 141590 h 141590"/>
+                  <a:gd name="csX10" fmla="*/ 98886 w 390646"/>
+                  <a:gd name="csY10" fmla="*/ 141590 h 141590"/>
+                  <a:gd name="csX11" fmla="*/ 84600 w 390646"/>
+                  <a:gd name="csY11" fmla="*/ 141590 h 141590"/>
+                  <a:gd name="csX12" fmla="*/ 0 w 390646"/>
+                  <a:gd name="csY12" fmla="*/ 71390 h 141590"/>
+                  <a:gd name="csX13" fmla="*/ 84600 w 390646"/>
+                  <a:gd name="csY13" fmla="*/ 1190 h 141590"/>
+                  <a:gd name="csX14" fmla="*/ 98886 w 390646"/>
+                  <a:gd name="csY14" fmla="*/ 1190 h 141590"/>
+                </a:gdLst>
+                <a:ahLst/>
+                <a:cxnLst>
+                  <a:cxn ang="0">
+                    <a:pos x="csX0" y="csY0"/>
+                  </a:cxn>
+                  <a:cxn ang="0">
+                    <a:pos x="csX1" y="csY1"/>
+                  </a:cxn>
+                  <a:cxn ang="0">
+                    <a:pos x="csX2" y="csY2"/>
+                  </a:cxn>
+                  <a:cxn ang="0">
+                    <a:pos x="csX3" y="csY3"/>
+                  </a:cxn>
+                  <a:cxn ang="0">
+                    <a:pos x="csX4" y="csY4"/>
+                  </a:cxn>
+                  <a:cxn ang="0">
+                    <a:pos x="csX5" y="csY5"/>
+                  </a:cxn>
+                  <a:cxn ang="0">
+                    <a:pos x="csX6" y="csY6"/>
+                  </a:cxn>
+                  <a:cxn ang="0">
+                    <a:pos x="csX7" y="csY7"/>
+                  </a:cxn>
+                  <a:cxn ang="0">
+                    <a:pos x="csX8" y="csY8"/>
+                  </a:cxn>
+                  <a:cxn ang="0">
+                    <a:pos x="csX9" y="csY9"/>
+                  </a:cxn>
+                  <a:cxn ang="0">
+                    <a:pos x="csX10" y="csY10"/>
+                  </a:cxn>
+                  <a:cxn ang="0">
+                    <a:pos x="csX11" y="csY11"/>
+                  </a:cxn>
+                  <a:cxn ang="0">
+                    <a:pos x="csX12" y="csY12"/>
+                  </a:cxn>
+                  <a:cxn ang="0">
+                    <a:pos x="csX13" y="csY13"/>
+                  </a:cxn>
+                  <a:cxn ang="0">
+                    <a:pos x="csX14" y="csY14"/>
+                  </a:cxn>
+                </a:cxnLst>
+                <a:rect l="l" t="t" r="r" b="b"/>
+                <a:pathLst>
+                  <a:path w="390646" h="141590">
+                    <a:moveTo>
+                      <a:pt x="98886" y="0"/>
+                    </a:moveTo>
+                    <a:lnTo>
+                      <a:pt x="314678" y="0"/>
+                    </a:lnTo>
+                    <a:lnTo>
+                      <a:pt x="390646" y="16526"/>
+                    </a:lnTo>
+                    <a:lnTo>
+                      <a:pt x="390646" y="32120"/>
+                    </a:lnTo>
+                    <a:lnTo>
+                      <a:pt x="292923" y="32120"/>
+                    </a:lnTo>
+                    <a:lnTo>
+                      <a:pt x="292923" y="109470"/>
+                    </a:lnTo>
+                    <a:lnTo>
+                      <a:pt x="390646" y="109470"/>
+                    </a:lnTo>
+                    <a:lnTo>
+                      <a:pt x="390646" y="125065"/>
+                    </a:lnTo>
+                    <a:lnTo>
+                      <a:pt x="314678" y="141590"/>
+                    </a:lnTo>
+                    <a:lnTo>
+                      <a:pt x="169200" y="141590"/>
+                    </a:lnTo>
+                    <a:lnTo>
+                      <a:pt x="98886" y="141590"/>
+                    </a:lnTo>
+                    <a:lnTo>
+                      <a:pt x="84600" y="141590"/>
+                    </a:lnTo>
+                    <a:cubicBezTo>
+                      <a:pt x="37877" y="141590"/>
+                      <a:pt x="0" y="110160"/>
+                      <a:pt x="0" y="71390"/>
+                    </a:cubicBezTo>
+                    <a:cubicBezTo>
+                      <a:pt x="0" y="32620"/>
+                      <a:pt x="37877" y="1190"/>
+                      <a:pt x="84600" y="1190"/>
+                    </a:cubicBezTo>
+                    <a:lnTo>
+                      <a:pt x="98886" y="1190"/>
+                    </a:lnTo>
+                    <a:close/>
+                  </a:path>
+                </a:pathLst>
+              </a:custGeom>
+              <a:solidFill>
+                <a:schemeClr val="bg2"/>
+              </a:solidFill>
+              <a:ln>
+                <a:solidFill>
+                  <a:schemeClr val="bg2"/>
+                </a:solidFill>
+              </a:ln>
+              <a:scene3d>
+                <a:camera prst="orthographicFront"/>
+                <a:lightRig rig="threePt" dir="t"/>
+              </a:scene3d>
+              <a:sp3d>
+                <a:bevelT w="381000" h="25400" prst="cross"/>
+              </a:sp3d>
+            </p:spPr>
+            <p:style>
+              <a:lnRef idx="2">
+                <a:schemeClr val="accent1">
+                  <a:shade val="15000"/>
+                </a:schemeClr>
+              </a:lnRef>
+              <a:fillRef idx="1">
+                <a:schemeClr val="accent1"/>
+              </a:fillRef>
+              <a:effectRef idx="0">
+                <a:schemeClr val="accent1"/>
+              </a:effectRef>
+              <a:fontRef idx="minor">
+                <a:schemeClr val="lt1"/>
+              </a:fontRef>
+            </p:style>
+            <p:txBody>
+              <a:bodyPr wrap="square" rtlCol="0" anchor="ctr">
+                <a:noAutofit/>
+              </a:bodyPr>
+              <a:lstStyle/>
+              <a:p>
+                <a:pPr algn="ctr"/>
+                <a:endParaRPr lang="ko-KR" altLang="en-US" dirty="0"/>
+              </a:p>
+            </p:txBody>
+          </p:sp>
+        </p:grpSp>
+      </p:grpSp>
+      <p:sp>
+        <p:nvSpPr>
+          <p:cNvPr id="62" name="타원 61">
+            <a:extLst>
+              <a:ext uri="{FF2B5EF4-FFF2-40B4-BE49-F238E27FC236}">
+                <a16:creationId xmlns:a16="http://schemas.microsoft.com/office/drawing/2014/main" id="{37D1CFCC-019E-BA6F-D3C3-2F7F7828F1BC}"/>
+              </a:ext>
+            </a:extLst>
+          </p:cNvPr>
+          <p:cNvSpPr/>
+          <p:nvPr/>
+        </p:nvSpPr>
+        <p:spPr>
+          <a:xfrm>
+            <a:off x="9675540" y="3599002"/>
+            <a:ext cx="169500" cy="168045"/>
+          </a:xfrm>
+          <a:prstGeom prst="ellipse">
+            <a:avLst/>
+          </a:prstGeom>
+          <a:solidFill>
+            <a:schemeClr val="bg2">
+              <a:lumMod val="90000"/>
+            </a:schemeClr>
+          </a:solidFill>
+          <a:ln w="38100">
+            <a:solidFill>
+              <a:schemeClr val="bg2">
+                <a:lumMod val="75000"/>
+                <a:alpha val="0"/>
+              </a:schemeClr>
+            </a:solidFill>
+          </a:ln>
+          <a:scene3d>
+            <a:camera prst="orthographicFront"/>
+            <a:lightRig rig="threePt" dir="t">
+              <a:rot lat="0" lon="0" rev="12600000"/>
+            </a:lightRig>
+          </a:scene3d>
+          <a:sp3d prstMaterial="softEdge">
+            <a:bevelT w="165100" h="38100" prst="coolSlant"/>
+          </a:sp3d>
+        </p:spPr>
+        <p:style>
+          <a:lnRef idx="2">
+            <a:schemeClr val="accent1">
+              <a:shade val="15000"/>
+            </a:schemeClr>
+          </a:lnRef>
+          <a:fillRef idx="1">
+            <a:schemeClr val="accent1"/>
+          </a:fillRef>
+          <a:effectRef idx="0">
+            <a:schemeClr val="accent1"/>
+          </a:effectRef>
+          <a:fontRef idx="minor">
+            <a:schemeClr val="lt1"/>
+          </a:fontRef>
+        </p:style>
+        <p:txBody>
+          <a:bodyPr rtlCol="0" anchor="ctr"/>
+          <a:lstStyle/>
+          <a:p>
+            <a:pPr algn="ctr"/>
+            <a:endParaRPr lang="ko-KR" altLang="en-US"/>
+          </a:p>
+        </p:txBody>
+      </p:sp>
+      <p:grpSp>
+        <p:nvGrpSpPr>
+          <p:cNvPr id="65" name="그룹 64">
+            <a:extLst>
+              <a:ext uri="{FF2B5EF4-FFF2-40B4-BE49-F238E27FC236}">
+                <a16:creationId xmlns:a16="http://schemas.microsoft.com/office/drawing/2014/main" id="{B6A12DA2-746B-AC7B-285D-5BE26B718A6E}"/>
+              </a:ext>
+            </a:extLst>
+          </p:cNvPr>
+          <p:cNvGrpSpPr/>
+          <p:nvPr/>
+        </p:nvGrpSpPr>
+        <p:grpSpPr>
+          <a:xfrm rot="13998270" flipH="1">
+            <a:off x="1744014" y="3475198"/>
+            <a:ext cx="1112479" cy="956166"/>
+            <a:chOff x="7232204" y="312052"/>
+            <a:chExt cx="1112479" cy="956166"/>
+          </a:xfrm>
+        </p:grpSpPr>
+        <p:sp>
+          <p:nvSpPr>
+            <p:cNvPr id="66" name="타원 65">
+              <a:extLst>
+                <a:ext uri="{FF2B5EF4-FFF2-40B4-BE49-F238E27FC236}">
+                  <a16:creationId xmlns:a16="http://schemas.microsoft.com/office/drawing/2014/main" id="{27A2A86E-761A-5E9E-7255-FC782E1FAEF2}"/>
+                </a:ext>
+              </a:extLst>
+            </p:cNvPr>
+            <p:cNvSpPr/>
+            <p:nvPr/>
+          </p:nvSpPr>
+          <p:spPr>
+            <a:xfrm>
+              <a:off x="7232204" y="786256"/>
+              <a:ext cx="493798" cy="481962"/>
+            </a:xfrm>
+            <a:prstGeom prst="ellipse">
+              <a:avLst/>
+            </a:prstGeom>
+            <a:solidFill>
+              <a:schemeClr val="bg2">
+                <a:lumMod val="90000"/>
+              </a:schemeClr>
+            </a:solidFill>
+            <a:ln w="38100">
+              <a:solidFill>
+                <a:schemeClr val="bg2">
+                  <a:lumMod val="75000"/>
+                  <a:alpha val="0"/>
+                </a:schemeClr>
+              </a:solidFill>
+            </a:ln>
+            <a:scene3d>
+              <a:camera prst="orthographicFront"/>
+              <a:lightRig rig="threePt" dir="t">
+                <a:rot lat="0" lon="0" rev="2700000"/>
+              </a:lightRig>
+            </a:scene3d>
+            <a:sp3d prstMaterial="softEdge">
+              <a:bevelT w="165100" prst="coolSlant"/>
+            </a:sp3d>
+          </p:spPr>
+          <p:style>
+            <a:lnRef idx="2">
+              <a:schemeClr val="accent1">
+                <a:shade val="15000"/>
+              </a:schemeClr>
+            </a:lnRef>
+            <a:fillRef idx="1">
+              <a:schemeClr val="accent1"/>
+            </a:fillRef>
+            <a:effectRef idx="0">
+              <a:schemeClr val="accent1"/>
+            </a:effectRef>
+            <a:fontRef idx="minor">
+              <a:schemeClr val="lt1"/>
+            </a:fontRef>
+          </p:style>
+          <p:txBody>
+            <a:bodyPr rtlCol="0" anchor="ctr"/>
+            <a:lstStyle/>
+            <a:p>
+              <a:pPr algn="ctr"/>
+              <a:endParaRPr lang="ko-KR" altLang="en-US"/>
+            </a:p>
+          </p:txBody>
+        </p:sp>
+        <p:sp>
+          <p:nvSpPr>
+            <p:cNvPr id="68" name="사각형: 둥근 모서리 67">
+              <a:extLst>
+                <a:ext uri="{FF2B5EF4-FFF2-40B4-BE49-F238E27FC236}">
+                  <a16:creationId xmlns:a16="http://schemas.microsoft.com/office/drawing/2014/main" id="{D7C8E2DF-882F-E59F-DF6E-822B0EBA5E33}"/>
+                </a:ext>
+              </a:extLst>
+            </p:cNvPr>
+            <p:cNvSpPr/>
+            <p:nvPr/>
+          </p:nvSpPr>
+          <p:spPr>
+            <a:xfrm>
+              <a:off x="7320472" y="312052"/>
+              <a:ext cx="340893" cy="875206"/>
+            </a:xfrm>
+            <a:prstGeom prst="roundRect">
+              <a:avLst>
+                <a:gd name="adj" fmla="val 47694"/>
+              </a:avLst>
+            </a:prstGeom>
+            <a:solidFill>
+              <a:schemeClr val="bg2"/>
+            </a:solidFill>
+            <a:ln>
+              <a:solidFill>
+                <a:schemeClr val="bg2">
+                  <a:lumMod val="90000"/>
+                </a:schemeClr>
+              </a:solidFill>
+            </a:ln>
+            <a:scene3d>
+              <a:camera prst="orthographicFront"/>
+              <a:lightRig rig="flat" dir="t"/>
+            </a:scene3d>
+            <a:sp3d>
+              <a:bevelT w="254000" h="38100" prst="slope"/>
+            </a:sp3d>
+          </p:spPr>
+          <p:style>
+            <a:lnRef idx="2">
+              <a:schemeClr val="accent1">
+                <a:shade val="15000"/>
+              </a:schemeClr>
+            </a:lnRef>
+            <a:fillRef idx="1">
+              <a:schemeClr val="accent1"/>
+            </a:fillRef>
+            <a:effectRef idx="0">
+              <a:schemeClr val="accent1"/>
+            </a:effectRef>
+            <a:fontRef idx="minor">
+              <a:schemeClr val="lt1"/>
+            </a:fontRef>
+          </p:style>
+          <p:txBody>
+            <a:bodyPr rtlCol="0" anchor="ctr"/>
+            <a:lstStyle/>
+            <a:p>
+              <a:pPr algn="ctr"/>
+              <a:endParaRPr lang="ko-KR" altLang="en-US"/>
+            </a:p>
+          </p:txBody>
+        </p:sp>
+        <p:sp>
+          <p:nvSpPr>
+            <p:cNvPr id="70" name="사각형: 둥근 모서리 69">
+              <a:extLst>
+                <a:ext uri="{FF2B5EF4-FFF2-40B4-BE49-F238E27FC236}">
+                  <a16:creationId xmlns:a16="http://schemas.microsoft.com/office/drawing/2014/main" id="{22D39B2E-0D6E-5995-563A-0BC4280E9951}"/>
+                </a:ext>
+              </a:extLst>
+            </p:cNvPr>
+            <p:cNvSpPr/>
+            <p:nvPr/>
+          </p:nvSpPr>
+          <p:spPr>
+            <a:xfrm rot="5642612">
+              <a:off x="7764658" y="48517"/>
+              <a:ext cx="185437" cy="875205"/>
+            </a:xfrm>
+            <a:prstGeom prst="roundRect">
+              <a:avLst>
+                <a:gd name="adj" fmla="val 47694"/>
+              </a:avLst>
+            </a:prstGeom>
+            <a:solidFill>
+              <a:schemeClr val="bg2"/>
+            </a:solidFill>
+            <a:ln>
+              <a:solidFill>
+                <a:schemeClr val="bg2">
+                  <a:lumMod val="90000"/>
+                </a:schemeClr>
+              </a:solidFill>
+            </a:ln>
+            <a:scene3d>
+              <a:camera prst="orthographicFront"/>
+              <a:lightRig rig="flat" dir="t"/>
+            </a:scene3d>
+            <a:sp3d>
+              <a:bevelT w="254000" h="38100" prst="slope"/>
+            </a:sp3d>
+          </p:spPr>
+          <p:style>
+            <a:lnRef idx="2">
+              <a:schemeClr val="accent1">
+                <a:shade val="15000"/>
+              </a:schemeClr>
+            </a:lnRef>
+            <a:fillRef idx="1">
+              <a:schemeClr val="accent1"/>
+            </a:fillRef>
+            <a:effectRef idx="0">
+              <a:schemeClr val="accent1"/>
+            </a:effectRef>
+            <a:fontRef idx="minor">
+              <a:schemeClr val="lt1"/>
+            </a:fontRef>
+          </p:style>
+          <p:txBody>
+            <a:bodyPr rtlCol="0" anchor="ctr"/>
+            <a:lstStyle/>
+            <a:p>
+              <a:pPr algn="ctr"/>
+              <a:endParaRPr lang="ko-KR" altLang="en-US"/>
+            </a:p>
+          </p:txBody>
+        </p:sp>
+        <p:grpSp>
+          <p:nvGrpSpPr>
+            <p:cNvPr id="71" name="그룹 70">
+              <a:extLst>
+                <a:ext uri="{FF2B5EF4-FFF2-40B4-BE49-F238E27FC236}">
+                  <a16:creationId xmlns:a16="http://schemas.microsoft.com/office/drawing/2014/main" id="{359F814F-7E3C-43BE-908F-7CA439D13E05}"/>
+                </a:ext>
+              </a:extLst>
+            </p:cNvPr>
+            <p:cNvGrpSpPr/>
+            <p:nvPr/>
+          </p:nvGrpSpPr>
+          <p:grpSpPr>
+            <a:xfrm rot="8672181">
+              <a:off x="7297246" y="605377"/>
+              <a:ext cx="1047437" cy="342000"/>
+              <a:chOff x="6853350" y="2545836"/>
+              <a:chExt cx="1047437" cy="342000"/>
+            </a:xfrm>
+          </p:grpSpPr>
+          <p:sp>
+            <p:nvSpPr>
+              <p:cNvPr id="72" name="자유형: 도형 71">
+                <a:extLst>
+                  <a:ext uri="{FF2B5EF4-FFF2-40B4-BE49-F238E27FC236}">
+                    <a16:creationId xmlns:a16="http://schemas.microsoft.com/office/drawing/2014/main" id="{DAD1CD6A-23BF-8F9C-163D-4A7729B05AB4}"/>
+                  </a:ext>
+                </a:extLst>
+              </p:cNvPr>
+              <p:cNvSpPr/>
+              <p:nvPr/>
+            </p:nvSpPr>
+            <p:spPr>
+              <a:xfrm>
+                <a:off x="7102509" y="2545836"/>
+                <a:ext cx="798278" cy="342000"/>
+              </a:xfrm>
+              <a:custGeom>
+                <a:avLst/>
+                <a:gdLst>
+                  <a:gd name="csX0" fmla="*/ 281505 w 798278"/>
+                  <a:gd name="csY0" fmla="*/ 0 h 342000"/>
+                  <a:gd name="csX1" fmla="*/ 444732 w 798278"/>
+                  <a:gd name="csY1" fmla="*/ 0 h 342000"/>
+                  <a:gd name="csX2" fmla="*/ 444732 w 798278"/>
+                  <a:gd name="csY2" fmla="*/ 3128 h 342000"/>
+                  <a:gd name="csX3" fmla="*/ 447264 w 798278"/>
+                  <a:gd name="csY3" fmla="*/ 248 h 342000"/>
+                  <a:gd name="csX4" fmla="*/ 690692 w 798278"/>
+                  <a:gd name="csY4" fmla="*/ 248 h 342000"/>
+                  <a:gd name="csX5" fmla="*/ 783490 w 798278"/>
+                  <a:gd name="csY5" fmla="*/ 29298 h 342000"/>
+                  <a:gd name="csX6" fmla="*/ 798277 w 798278"/>
+                  <a:gd name="csY6" fmla="*/ 41801 h 342000"/>
+                  <a:gd name="csX7" fmla="*/ 647837 w 798278"/>
+                  <a:gd name="csY7" fmla="*/ 41801 h 342000"/>
+                  <a:gd name="csX8" fmla="*/ 569275 w 798278"/>
+                  <a:gd name="csY8" fmla="*/ 63755 h 342000"/>
+                  <a:gd name="csX9" fmla="*/ 550148 w 798278"/>
+                  <a:gd name="csY9" fmla="*/ 79653 h 342000"/>
+                  <a:gd name="csX10" fmla="*/ 547652 w 798278"/>
+                  <a:gd name="csY10" fmla="*/ 81193 h 342000"/>
+                  <a:gd name="csX11" fmla="*/ 546633 w 798278"/>
+                  <a:gd name="csY11" fmla="*/ 82575 h 342000"/>
+                  <a:gd name="csX12" fmla="*/ 539410 w 798278"/>
+                  <a:gd name="csY12" fmla="*/ 88579 h 342000"/>
+                  <a:gd name="csX13" fmla="*/ 518366 w 798278"/>
+                  <a:gd name="csY13" fmla="*/ 120310 h 342000"/>
+                  <a:gd name="csX14" fmla="*/ 518172 w 798278"/>
+                  <a:gd name="csY14" fmla="*/ 121194 h 342000"/>
+                  <a:gd name="csX15" fmla="*/ 518147 w 798278"/>
+                  <a:gd name="csY15" fmla="*/ 121227 h 342000"/>
+                  <a:gd name="csX16" fmla="*/ 507328 w 798278"/>
+                  <a:gd name="csY16" fmla="*/ 170251 h 342000"/>
+                  <a:gd name="csX17" fmla="*/ 518147 w 798278"/>
+                  <a:gd name="csY17" fmla="*/ 219275 h 342000"/>
+                  <a:gd name="csX18" fmla="*/ 518172 w 798278"/>
+                  <a:gd name="csY18" fmla="*/ 219310 h 342000"/>
+                  <a:gd name="csX19" fmla="*/ 518367 w 798278"/>
+                  <a:gd name="csY19" fmla="*/ 220191 h 342000"/>
+                  <a:gd name="csX20" fmla="*/ 539411 w 798278"/>
+                  <a:gd name="csY20" fmla="*/ 251921 h 342000"/>
+                  <a:gd name="csX21" fmla="*/ 546631 w 798278"/>
+                  <a:gd name="csY21" fmla="*/ 257922 h 342000"/>
+                  <a:gd name="csX22" fmla="*/ 547652 w 798278"/>
+                  <a:gd name="csY22" fmla="*/ 259309 h 342000"/>
+                  <a:gd name="csX23" fmla="*/ 550156 w 798278"/>
+                  <a:gd name="csY23" fmla="*/ 260853 h 342000"/>
+                  <a:gd name="csX24" fmla="*/ 569275 w 798278"/>
+                  <a:gd name="csY24" fmla="*/ 276746 h 342000"/>
+                  <a:gd name="csX25" fmla="*/ 647838 w 798278"/>
+                  <a:gd name="csY25" fmla="*/ 298699 h 342000"/>
+                  <a:gd name="csX26" fmla="*/ 798278 w 798278"/>
+                  <a:gd name="csY26" fmla="*/ 298699 h 342000"/>
+                  <a:gd name="csX27" fmla="*/ 783491 w 798278"/>
+                  <a:gd name="csY27" fmla="*/ 311203 h 342000"/>
+                  <a:gd name="csX28" fmla="*/ 690693 w 798278"/>
+                  <a:gd name="csY28" fmla="*/ 340252 h 342000"/>
+                  <a:gd name="csX29" fmla="*/ 447265 w 798278"/>
+                  <a:gd name="csY29" fmla="*/ 340252 h 342000"/>
+                  <a:gd name="csX30" fmla="*/ 444732 w 798278"/>
+                  <a:gd name="csY30" fmla="*/ 337371 h 342000"/>
+                  <a:gd name="csX31" fmla="*/ 444732 w 798278"/>
+                  <a:gd name="csY31" fmla="*/ 342000 h 342000"/>
+                  <a:gd name="csX32" fmla="*/ 281505 w 798278"/>
+                  <a:gd name="csY32" fmla="*/ 342000 h 342000"/>
+                  <a:gd name="csX33" fmla="*/ 142890 w 798278"/>
+                  <a:gd name="csY33" fmla="*/ 207916 h 342000"/>
+                  <a:gd name="csX34" fmla="*/ 7440 w 798278"/>
+                  <a:gd name="csY34" fmla="*/ 207916 h 342000"/>
+                  <a:gd name="csX35" fmla="*/ 39 w 798278"/>
+                  <a:gd name="csY35" fmla="*/ 170344 h 342000"/>
+                  <a:gd name="csX36" fmla="*/ 0 w 798278"/>
+                  <a:gd name="csY36" fmla="*/ 170344 h 342000"/>
+                  <a:gd name="csX37" fmla="*/ 19 w 798278"/>
+                  <a:gd name="csY37" fmla="*/ 170248 h 342000"/>
+                  <a:gd name="csX38" fmla="*/ 1 w 798278"/>
+                  <a:gd name="csY38" fmla="*/ 170156 h 342000"/>
+                  <a:gd name="csX39" fmla="*/ 38 w 798278"/>
+                  <a:gd name="csY39" fmla="*/ 170156 h 342000"/>
+                  <a:gd name="csX40" fmla="*/ 7439 w 798278"/>
+                  <a:gd name="csY40" fmla="*/ 132584 h 342000"/>
+                  <a:gd name="csX41" fmla="*/ 144441 w 798278"/>
+                  <a:gd name="csY41" fmla="*/ 132584 h 342000"/>
+                </a:gdLst>
+                <a:ahLst/>
+                <a:cxnLst>
+                  <a:cxn ang="0">
+                    <a:pos x="csX0" y="csY0"/>
+                  </a:cxn>
+                  <a:cxn ang="0">
+                    <a:pos x="csX1" y="csY1"/>
+                  </a:cxn>
+                  <a:cxn ang="0">
+                    <a:pos x="csX2" y="csY2"/>
+                  </a:cxn>
+                  <a:cxn ang="0">
+                    <a:pos x="csX3" y="csY3"/>
+                  </a:cxn>
+                  <a:cxn ang="0">
+                    <a:pos x="csX4" y="csY4"/>
+                  </a:cxn>
+                  <a:cxn ang="0">
+                    <a:pos x="csX5" y="csY5"/>
+                  </a:cxn>
+                  <a:cxn ang="0">
+                    <a:pos x="csX6" y="csY6"/>
+                  </a:cxn>
+                  <a:cxn ang="0">
+                    <a:pos x="csX7" y="csY7"/>
+                  </a:cxn>
+                  <a:cxn ang="0">
+                    <a:pos x="csX8" y="csY8"/>
+                  </a:cxn>
+                  <a:cxn ang="0">
+                    <a:pos x="csX9" y="csY9"/>
+                  </a:cxn>
+                  <a:cxn ang="0">
+                    <a:pos x="csX10" y="csY10"/>
+                  </a:cxn>
+                  <a:cxn ang="0">
+                    <a:pos x="csX11" y="csY11"/>
+                  </a:cxn>
+                  <a:cxn ang="0">
+                    <a:pos x="csX12" y="csY12"/>
+                  </a:cxn>
+                  <a:cxn ang="0">
+                    <a:pos x="csX13" y="csY13"/>
+                  </a:cxn>
+                  <a:cxn ang="0">
+                    <a:pos x="csX14" y="csY14"/>
+                  </a:cxn>
+                  <a:cxn ang="0">
+                    <a:pos x="csX15" y="csY15"/>
+                  </a:cxn>
+                  <a:cxn ang="0">
+                    <a:pos x="csX16" y="csY16"/>
+                  </a:cxn>
+                  <a:cxn ang="0">
+                    <a:pos x="csX17" y="csY17"/>
+                  </a:cxn>
+                  <a:cxn ang="0">
+                    <a:pos x="csX18" y="csY18"/>
+                  </a:cxn>
+                  <a:cxn ang="0">
+                    <a:pos x="csX19" y="csY19"/>
+                  </a:cxn>
+                  <a:cxn ang="0">
+                    <a:pos x="csX20" y="csY20"/>
+                  </a:cxn>
+                  <a:cxn ang="0">
+                    <a:pos x="csX21" y="csY21"/>
+                  </a:cxn>
+                  <a:cxn ang="0">
+                    <a:pos x="csX22" y="csY22"/>
+                  </a:cxn>
+                  <a:cxn ang="0">
+                    <a:pos x="csX23" y="csY23"/>
+                  </a:cxn>
+                  <a:cxn ang="0">
+                    <a:pos x="csX24" y="csY24"/>
+                  </a:cxn>
+                  <a:cxn ang="0">
+                    <a:pos x="csX25" y="csY25"/>
+                  </a:cxn>
+                  <a:cxn ang="0">
+                    <a:pos x="csX26" y="csY26"/>
+                  </a:cxn>
+                  <a:cxn ang="0">
+                    <a:pos x="csX27" y="csY27"/>
+                  </a:cxn>
+                  <a:cxn ang="0">
+                    <a:pos x="csX28" y="csY28"/>
+                  </a:cxn>
+                  <a:cxn ang="0">
+                    <a:pos x="csX29" y="csY29"/>
+                  </a:cxn>
+                  <a:cxn ang="0">
+                    <a:pos x="csX30" y="csY30"/>
+                  </a:cxn>
+                  <a:cxn ang="0">
+                    <a:pos x="csX31" y="csY31"/>
+                  </a:cxn>
+                  <a:cxn ang="0">
+                    <a:pos x="csX32" y="csY32"/>
+                  </a:cxn>
+                  <a:cxn ang="0">
+                    <a:pos x="csX33" y="csY33"/>
+                  </a:cxn>
+                  <a:cxn ang="0">
+                    <a:pos x="csX34" y="csY34"/>
+                  </a:cxn>
+                  <a:cxn ang="0">
+                    <a:pos x="csX35" y="csY35"/>
+                  </a:cxn>
+                  <a:cxn ang="0">
+                    <a:pos x="csX36" y="csY36"/>
+                  </a:cxn>
+                  <a:cxn ang="0">
+                    <a:pos x="csX37" y="csY37"/>
+                  </a:cxn>
+                  <a:cxn ang="0">
+                    <a:pos x="csX38" y="csY38"/>
+                  </a:cxn>
+                  <a:cxn ang="0">
+                    <a:pos x="csX39" y="csY39"/>
+                  </a:cxn>
+                  <a:cxn ang="0">
+                    <a:pos x="csX40" y="csY40"/>
+                  </a:cxn>
+                  <a:cxn ang="0">
+                    <a:pos x="csX41" y="csY41"/>
+                  </a:cxn>
+                </a:cxnLst>
+                <a:rect l="l" t="t" r="r" b="b"/>
+                <a:pathLst>
+                  <a:path w="798278" h="342000">
+                    <a:moveTo>
+                      <a:pt x="281505" y="0"/>
+                    </a:moveTo>
+                    <a:lnTo>
+                      <a:pt x="444732" y="0"/>
+                    </a:lnTo>
+                    <a:lnTo>
+                      <a:pt x="444732" y="3128"/>
+                    </a:lnTo>
+                    <a:lnTo>
+                      <a:pt x="447264" y="248"/>
+                    </a:lnTo>
+                    <a:lnTo>
+                      <a:pt x="690692" y="248"/>
+                    </a:lnTo>
+                    <a:cubicBezTo>
+                      <a:pt x="725067" y="248"/>
+                      <a:pt x="757001" y="10957"/>
+                      <a:pt x="783490" y="29298"/>
+                    </a:cubicBezTo>
+                    <a:lnTo>
+                      <a:pt x="798277" y="41801"/>
+                    </a:lnTo>
+                    <a:lnTo>
+                      <a:pt x="647837" y="41801"/>
+                    </a:lnTo>
+                    <a:cubicBezTo>
+                      <a:pt x="618736" y="41801"/>
+                      <a:pt x="591701" y="49894"/>
+                      <a:pt x="569275" y="63755"/>
+                    </a:cubicBezTo>
+                    <a:lnTo>
+                      <a:pt x="550148" y="79653"/>
+                    </a:lnTo>
+                    <a:lnTo>
+                      <a:pt x="547652" y="81193"/>
+                    </a:lnTo>
+                    <a:lnTo>
+                      <a:pt x="546633" y="82575"/>
+                    </a:lnTo>
+                    <a:lnTo>
+                      <a:pt x="539410" y="88579"/>
+                    </a:lnTo>
+                    <a:cubicBezTo>
+                      <a:pt x="530820" y="98102"/>
+                      <a:pt x="523699" y="108776"/>
+                      <a:pt x="518366" y="120310"/>
+                    </a:cubicBezTo>
+                    <a:lnTo>
+                      <a:pt x="518172" y="121194"/>
+                    </a:lnTo>
+                    <a:lnTo>
+                      <a:pt x="518147" y="121227"/>
+                    </a:lnTo>
+                    <a:cubicBezTo>
+                      <a:pt x="511181" y="136294"/>
+                      <a:pt x="507328" y="152861"/>
+                      <a:pt x="507328" y="170251"/>
+                    </a:cubicBezTo>
+                    <a:cubicBezTo>
+                      <a:pt x="507328" y="187640"/>
+                      <a:pt x="511181" y="204207"/>
+                      <a:pt x="518147" y="219275"/>
+                    </a:cubicBezTo>
+                    <a:lnTo>
+                      <a:pt x="518172" y="219310"/>
+                    </a:lnTo>
+                    <a:lnTo>
+                      <a:pt x="518367" y="220191"/>
+                    </a:lnTo>
+                    <a:cubicBezTo>
+                      <a:pt x="523700" y="231725"/>
+                      <a:pt x="530821" y="242398"/>
+                      <a:pt x="539411" y="251921"/>
+                    </a:cubicBezTo>
+                    <a:lnTo>
+                      <a:pt x="546631" y="257922"/>
+                    </a:lnTo>
+                    <a:lnTo>
+                      <a:pt x="547652" y="259309"/>
+                    </a:lnTo>
+                    <a:lnTo>
+                      <a:pt x="550156" y="260853"/>
+                    </a:lnTo>
+                    <a:lnTo>
+                      <a:pt x="569275" y="276746"/>
+                    </a:lnTo>
+                    <a:cubicBezTo>
+                      <a:pt x="591702" y="290606"/>
+                      <a:pt x="618737" y="298699"/>
+                      <a:pt x="647838" y="298699"/>
+                    </a:cubicBezTo>
+                    <a:lnTo>
+                      <a:pt x="798278" y="298699"/>
+                    </a:lnTo>
+                    <a:lnTo>
+                      <a:pt x="783491" y="311203"/>
+                    </a:lnTo>
+                    <a:cubicBezTo>
+                      <a:pt x="757001" y="329543"/>
+                      <a:pt x="725068" y="340252"/>
+                      <a:pt x="690693" y="340252"/>
+                    </a:cubicBezTo>
+                    <a:lnTo>
+                      <a:pt x="447265" y="340252"/>
+                    </a:lnTo>
+                    <a:lnTo>
+                      <a:pt x="444732" y="337371"/>
+                    </a:lnTo>
+                    <a:lnTo>
+                      <a:pt x="444732" y="342000"/>
+                    </a:lnTo>
+                    <a:lnTo>
+                      <a:pt x="281505" y="342000"/>
+                    </a:lnTo>
+                    <a:lnTo>
+                      <a:pt x="142890" y="207916"/>
+                    </a:lnTo>
+                    <a:lnTo>
+                      <a:pt x="7440" y="207916"/>
+                    </a:lnTo>
+                    <a:lnTo>
+                      <a:pt x="39" y="170344"/>
+                    </a:lnTo>
+                    <a:lnTo>
+                      <a:pt x="0" y="170344"/>
+                    </a:lnTo>
+                    <a:lnTo>
+                      <a:pt x="19" y="170248"/>
+                    </a:lnTo>
+                    <a:lnTo>
+                      <a:pt x="1" y="170156"/>
+                    </a:lnTo>
+                    <a:lnTo>
+                      <a:pt x="38" y="170156"/>
+                    </a:lnTo>
+                    <a:lnTo>
+                      <a:pt x="7439" y="132584"/>
+                    </a:lnTo>
+                    <a:lnTo>
+                      <a:pt x="144441" y="132584"/>
+                    </a:lnTo>
+                    <a:close/>
+                  </a:path>
+                </a:pathLst>
+              </a:custGeom>
+              <a:solidFill>
+                <a:srgbClr val="FCFFDD"/>
+              </a:solidFill>
+              <a:ln>
+                <a:solidFill>
+                  <a:srgbClr val="FCFFDD"/>
+                </a:solidFill>
+              </a:ln>
+              <a:effectLst/>
+              <a:scene3d>
+                <a:camera prst="orthographicFront"/>
+                <a:lightRig rig="threePt" dir="t">
+                  <a:rot lat="0" lon="0" rev="17400000"/>
+                </a:lightRig>
+              </a:scene3d>
+              <a:sp3d>
+                <a:bevelT w="508000" h="38100" prst="cross"/>
+              </a:sp3d>
+            </p:spPr>
+            <p:style>
+              <a:lnRef idx="2">
+                <a:schemeClr val="accent1">
+                  <a:shade val="15000"/>
+                </a:schemeClr>
+              </a:lnRef>
+              <a:fillRef idx="1">
+                <a:schemeClr val="accent1"/>
+              </a:fillRef>
+              <a:effectRef idx="0">
+                <a:schemeClr val="accent1"/>
+              </a:effectRef>
+              <a:fontRef idx="minor">
+                <a:schemeClr val="lt1"/>
+              </a:fontRef>
+            </p:style>
+            <p:txBody>
+              <a:bodyPr wrap="square" rtlCol="0" anchor="ctr">
+                <a:noAutofit/>
+              </a:bodyPr>
+              <a:lstStyle/>
+              <a:p>
+                <a:pPr algn="ctr"/>
+                <a:endParaRPr lang="ko-KR" altLang="en-US" dirty="0">
+                  <a:solidFill>
+                    <a:sysClr val="windowText" lastClr="000000"/>
+                  </a:solidFill>
+                </a:endParaRPr>
+              </a:p>
+            </p:txBody>
+          </p:sp>
+          <p:sp>
+            <p:nvSpPr>
+              <p:cNvPr id="73" name="자유형: 도형 72">
+                <a:extLst>
+                  <a:ext uri="{FF2B5EF4-FFF2-40B4-BE49-F238E27FC236}">
+                    <a16:creationId xmlns:a16="http://schemas.microsoft.com/office/drawing/2014/main" id="{2876769C-0023-7EBC-6B7E-F1AD7E5A1FB4}"/>
+                  </a:ext>
+                </a:extLst>
+              </p:cNvPr>
+              <p:cNvSpPr/>
+              <p:nvPr/>
+            </p:nvSpPr>
+            <p:spPr>
+              <a:xfrm>
+                <a:off x="6853350" y="2645165"/>
+                <a:ext cx="345775" cy="141590"/>
+              </a:xfrm>
+              <a:custGeom>
+                <a:avLst/>
+                <a:gdLst>
+                  <a:gd name="csX0" fmla="*/ 98886 w 390646"/>
+                  <a:gd name="csY0" fmla="*/ 0 h 141590"/>
+                  <a:gd name="csX1" fmla="*/ 314678 w 390646"/>
+                  <a:gd name="csY1" fmla="*/ 0 h 141590"/>
+                  <a:gd name="csX2" fmla="*/ 390646 w 390646"/>
+                  <a:gd name="csY2" fmla="*/ 16526 h 141590"/>
+                  <a:gd name="csX3" fmla="*/ 390646 w 390646"/>
+                  <a:gd name="csY3" fmla="*/ 32120 h 141590"/>
+                  <a:gd name="csX4" fmla="*/ 292923 w 390646"/>
+                  <a:gd name="csY4" fmla="*/ 32120 h 141590"/>
+                  <a:gd name="csX5" fmla="*/ 292923 w 390646"/>
+                  <a:gd name="csY5" fmla="*/ 109470 h 141590"/>
+                  <a:gd name="csX6" fmla="*/ 390646 w 390646"/>
+                  <a:gd name="csY6" fmla="*/ 109470 h 141590"/>
+                  <a:gd name="csX7" fmla="*/ 390646 w 390646"/>
+                  <a:gd name="csY7" fmla="*/ 125065 h 141590"/>
+                  <a:gd name="csX8" fmla="*/ 314678 w 390646"/>
+                  <a:gd name="csY8" fmla="*/ 141590 h 141590"/>
+                  <a:gd name="csX9" fmla="*/ 169200 w 390646"/>
+                  <a:gd name="csY9" fmla="*/ 141590 h 141590"/>
+                  <a:gd name="csX10" fmla="*/ 98886 w 390646"/>
+                  <a:gd name="csY10" fmla="*/ 141590 h 141590"/>
+                  <a:gd name="csX11" fmla="*/ 84600 w 390646"/>
+                  <a:gd name="csY11" fmla="*/ 141590 h 141590"/>
+                  <a:gd name="csX12" fmla="*/ 0 w 390646"/>
+                  <a:gd name="csY12" fmla="*/ 71390 h 141590"/>
+                  <a:gd name="csX13" fmla="*/ 84600 w 390646"/>
+                  <a:gd name="csY13" fmla="*/ 1190 h 141590"/>
+                  <a:gd name="csX14" fmla="*/ 98886 w 390646"/>
+                  <a:gd name="csY14" fmla="*/ 1190 h 141590"/>
+                </a:gdLst>
+                <a:ahLst/>
+                <a:cxnLst>
+                  <a:cxn ang="0">
+                    <a:pos x="csX0" y="csY0"/>
+                  </a:cxn>
+                  <a:cxn ang="0">
+                    <a:pos x="csX1" y="csY1"/>
+                  </a:cxn>
+                  <a:cxn ang="0">
+                    <a:pos x="csX2" y="csY2"/>
+                  </a:cxn>
+                  <a:cxn ang="0">
+                    <a:pos x="csX3" y="csY3"/>
+                  </a:cxn>
+                  <a:cxn ang="0">
+                    <a:pos x="csX4" y="csY4"/>
+                  </a:cxn>
+                  <a:cxn ang="0">
+                    <a:pos x="csX5" y="csY5"/>
+                  </a:cxn>
+                  <a:cxn ang="0">
+                    <a:pos x="csX6" y="csY6"/>
+                  </a:cxn>
+                  <a:cxn ang="0">
+                    <a:pos x="csX7" y="csY7"/>
+                  </a:cxn>
+                  <a:cxn ang="0">
+                    <a:pos x="csX8" y="csY8"/>
+                  </a:cxn>
+                  <a:cxn ang="0">
+                    <a:pos x="csX9" y="csY9"/>
+                  </a:cxn>
+                  <a:cxn ang="0">
+                    <a:pos x="csX10" y="csY10"/>
+                  </a:cxn>
+                  <a:cxn ang="0">
+                    <a:pos x="csX11" y="csY11"/>
+                  </a:cxn>
+                  <a:cxn ang="0">
+                    <a:pos x="csX12" y="csY12"/>
+                  </a:cxn>
+                  <a:cxn ang="0">
+                    <a:pos x="csX13" y="csY13"/>
+                  </a:cxn>
+                  <a:cxn ang="0">
+                    <a:pos x="csX14" y="csY14"/>
+                  </a:cxn>
+                </a:cxnLst>
+                <a:rect l="l" t="t" r="r" b="b"/>
+                <a:pathLst>
+                  <a:path w="390646" h="141590">
+                    <a:moveTo>
+                      <a:pt x="98886" y="0"/>
+                    </a:moveTo>
+                    <a:lnTo>
+                      <a:pt x="314678" y="0"/>
+                    </a:lnTo>
+                    <a:lnTo>
+                      <a:pt x="390646" y="16526"/>
+                    </a:lnTo>
+                    <a:lnTo>
+                      <a:pt x="390646" y="32120"/>
+                    </a:lnTo>
+                    <a:lnTo>
+                      <a:pt x="292923" y="32120"/>
+                    </a:lnTo>
+                    <a:lnTo>
+                      <a:pt x="292923" y="109470"/>
+                    </a:lnTo>
+                    <a:lnTo>
+                      <a:pt x="390646" y="109470"/>
+                    </a:lnTo>
+                    <a:lnTo>
+                      <a:pt x="390646" y="125065"/>
+                    </a:lnTo>
+                    <a:lnTo>
+                      <a:pt x="314678" y="141590"/>
+                    </a:lnTo>
+                    <a:lnTo>
+                      <a:pt x="169200" y="141590"/>
+                    </a:lnTo>
+                    <a:lnTo>
+                      <a:pt x="98886" y="141590"/>
+                    </a:lnTo>
+                    <a:lnTo>
+                      <a:pt x="84600" y="141590"/>
+                    </a:lnTo>
+                    <a:cubicBezTo>
+                      <a:pt x="37877" y="141590"/>
+                      <a:pt x="0" y="110160"/>
+                      <a:pt x="0" y="71390"/>
+                    </a:cubicBezTo>
+                    <a:cubicBezTo>
+                      <a:pt x="0" y="32620"/>
+                      <a:pt x="37877" y="1190"/>
+                      <a:pt x="84600" y="1190"/>
+                    </a:cubicBezTo>
+                    <a:lnTo>
+                      <a:pt x="98886" y="1190"/>
+                    </a:lnTo>
+                    <a:close/>
+                  </a:path>
+                </a:pathLst>
+              </a:custGeom>
+              <a:solidFill>
+                <a:schemeClr val="bg2"/>
+              </a:solidFill>
+              <a:ln>
+                <a:solidFill>
+                  <a:schemeClr val="bg2"/>
+                </a:solidFill>
+              </a:ln>
+              <a:scene3d>
+                <a:camera prst="orthographicFront"/>
+                <a:lightRig rig="threePt" dir="t"/>
+              </a:scene3d>
+              <a:sp3d>
+                <a:bevelT w="381000" h="25400" prst="cross"/>
+              </a:sp3d>
+            </p:spPr>
+            <p:style>
+              <a:lnRef idx="2">
+                <a:schemeClr val="accent1">
+                  <a:shade val="15000"/>
+                </a:schemeClr>
+              </a:lnRef>
+              <a:fillRef idx="1">
+                <a:schemeClr val="accent1"/>
+              </a:fillRef>
+              <a:effectRef idx="0">
+                <a:schemeClr val="accent1"/>
+              </a:effectRef>
+              <a:fontRef idx="minor">
+                <a:schemeClr val="lt1"/>
+              </a:fontRef>
+            </p:style>
+            <p:txBody>
+              <a:bodyPr wrap="square" rtlCol="0" anchor="ctr">
+                <a:noAutofit/>
+              </a:bodyPr>
+              <a:lstStyle/>
+              <a:p>
+                <a:pPr algn="ctr"/>
+                <a:endParaRPr lang="ko-KR" altLang="en-US" dirty="0"/>
+              </a:p>
+            </p:txBody>
+          </p:sp>
+        </p:grpSp>
+      </p:grpSp>
+    </p:spTree>
+    <p:extLst>
+      <p:ext uri="{BB962C8B-B14F-4D97-AF65-F5344CB8AC3E}">
+        <p14:creationId xmlns:p14="http://schemas.microsoft.com/office/powerpoint/2010/main" val="3554656648"/>
+      </p:ext>
+    </p:extLst>
+  </p:cSld>
+  <p:clrMapOvr>
+    <a:masterClrMapping/>
+  </p:clrMapOvr>
+</p:sld>
+</file>
+
+<file path=ppt/slides/slide17.xml><?xml version="1.0" encoding="utf-8"?>
+<p:sld xmlns:a="http://schemas.openxmlformats.org/drawingml/2006/main" xmlns:r="http://schemas.openxmlformats.org/officeDocument/2006/relationships" xmlns:p="http://schemas.openxmlformats.org/presentationml/2006/main">
+  <p:cSld>
+    <p:spTree>
+      <p:nvGrpSpPr>
+        <p:cNvPr id="1" name=""/>
+        <p:cNvGrpSpPr/>
+        <p:nvPr/>
+      </p:nvGrpSpPr>
+      <p:grpSpPr>
+        <a:xfrm>
+          <a:off x="0" y="0"/>
+          <a:ext cx="0" cy="0"/>
+          <a:chOff x="0" y="0"/>
+          <a:chExt cx="0" cy="0"/>
+        </a:xfrm>
+      </p:grpSpPr>
+      <p:grpSp>
+        <p:nvGrpSpPr>
+          <p:cNvPr id="4" name="그룹 3">
+            <a:extLst>
+              <a:ext uri="{FF2B5EF4-FFF2-40B4-BE49-F238E27FC236}">
+                <a16:creationId xmlns:a16="http://schemas.microsoft.com/office/drawing/2014/main" id="{44AB2259-A0AC-8F63-98A2-2F6461F59B0F}"/>
+              </a:ext>
+            </a:extLst>
+          </p:cNvPr>
+          <p:cNvGrpSpPr/>
+          <p:nvPr/>
+        </p:nvGrpSpPr>
+        <p:grpSpPr>
+          <a:xfrm>
+            <a:off x="316247" y="323911"/>
+            <a:ext cx="7234222" cy="6015955"/>
+            <a:chOff x="1293043" y="422568"/>
+            <a:chExt cx="6574608" cy="6015955"/>
+          </a:xfrm>
+        </p:grpSpPr>
+        <p:grpSp>
+          <p:nvGrpSpPr>
+            <p:cNvPr id="5" name="그룹 4">
+              <a:extLst>
+                <a:ext uri="{FF2B5EF4-FFF2-40B4-BE49-F238E27FC236}">
+                  <a16:creationId xmlns:a16="http://schemas.microsoft.com/office/drawing/2014/main" id="{E3CC3053-A925-2FAE-F336-74EC527CE5D7}"/>
+                </a:ext>
+              </a:extLst>
+            </p:cNvPr>
+            <p:cNvGrpSpPr/>
+            <p:nvPr/>
+          </p:nvGrpSpPr>
+          <p:grpSpPr>
+            <a:xfrm>
+              <a:off x="1293043" y="422568"/>
+              <a:ext cx="6574608" cy="6015955"/>
+              <a:chOff x="687845" y="2333987"/>
+              <a:chExt cx="4308091" cy="3614370"/>
+            </a:xfrm>
+            <a:solidFill>
+              <a:schemeClr val="bg1"/>
+            </a:solidFill>
+          </p:grpSpPr>
+          <p:sp>
+            <p:nvSpPr>
+              <p:cNvPr id="7" name="사각형: 둥근 모서리 6">
+                <a:extLst>
+                  <a:ext uri="{FF2B5EF4-FFF2-40B4-BE49-F238E27FC236}">
+                    <a16:creationId xmlns:a16="http://schemas.microsoft.com/office/drawing/2014/main" id="{F0105E09-DFB1-0930-D51E-71185BC289F3}"/>
+                  </a:ext>
+                </a:extLst>
+              </p:cNvPr>
+              <p:cNvSpPr/>
+              <p:nvPr/>
+            </p:nvSpPr>
+            <p:spPr>
+              <a:xfrm>
+                <a:off x="2916560" y="4594635"/>
+                <a:ext cx="862607" cy="543598"/>
+              </a:xfrm>
+              <a:prstGeom prst="roundRect">
+                <a:avLst/>
+              </a:prstGeom>
+              <a:solidFill>
+                <a:schemeClr val="bg1"/>
+              </a:solidFill>
+              <a:ln>
+                <a:noFill/>
+              </a:ln>
+              <a:effectLst/>
+              <a:scene3d>
+                <a:camera prst="orthographicFront"/>
+                <a:lightRig rig="threePt" dir="t"/>
+              </a:scene3d>
+              <a:sp3d prstMaterial="flat">
+                <a:bevelT w="139700" h="139700" prst="divot"/>
+              </a:sp3d>
+            </p:spPr>
+            <p:style>
+              <a:lnRef idx="2">
+                <a:schemeClr val="accent1">
+                  <a:shade val="50000"/>
+                </a:schemeClr>
+              </a:lnRef>
+              <a:fillRef idx="1">
+                <a:schemeClr val="accent1"/>
+              </a:fillRef>
+              <a:effectRef idx="0">
+                <a:schemeClr val="accent1"/>
+              </a:effectRef>
+              <a:fontRef idx="minor">
+                <a:schemeClr val="lt1"/>
+              </a:fontRef>
+            </p:style>
+            <p:txBody>
+              <a:bodyPr rtlCol="0" anchor="ctr"/>
+              <a:lstStyle/>
+              <a:p>
+                <a:pPr algn="ctr"/>
+                <a:endParaRPr lang="ko-KR" altLang="en-US" sz="1500"/>
+              </a:p>
+            </p:txBody>
+          </p:sp>
+          <p:sp>
+            <p:nvSpPr>
+              <p:cNvPr id="8" name="사각형: 둥근 모서리 7">
+                <a:extLst>
+                  <a:ext uri="{FF2B5EF4-FFF2-40B4-BE49-F238E27FC236}">
+                    <a16:creationId xmlns:a16="http://schemas.microsoft.com/office/drawing/2014/main" id="{E19F9D29-82EE-1299-032F-B3309FDCAA65}"/>
+                  </a:ext>
+                </a:extLst>
+              </p:cNvPr>
+              <p:cNvSpPr/>
+              <p:nvPr/>
+            </p:nvSpPr>
+            <p:spPr>
+              <a:xfrm>
+                <a:off x="1904213" y="4594635"/>
+                <a:ext cx="862608" cy="543598"/>
+              </a:xfrm>
+              <a:prstGeom prst="roundRect">
+                <a:avLst/>
+              </a:prstGeom>
+              <a:solidFill>
+                <a:schemeClr val="bg1"/>
+              </a:solidFill>
+              <a:ln>
+                <a:noFill/>
+              </a:ln>
+              <a:effectLst/>
+              <a:scene3d>
+                <a:camera prst="orthographicFront"/>
+                <a:lightRig rig="threePt" dir="t"/>
+              </a:scene3d>
+              <a:sp3d prstMaterial="flat">
+                <a:bevelT w="139700" h="139700" prst="divot"/>
+              </a:sp3d>
+            </p:spPr>
+            <p:style>
+              <a:lnRef idx="2">
+                <a:schemeClr val="accent1">
+                  <a:shade val="50000"/>
+                </a:schemeClr>
+              </a:lnRef>
+              <a:fillRef idx="1">
+                <a:schemeClr val="accent1"/>
+              </a:fillRef>
+              <a:effectRef idx="0">
+                <a:schemeClr val="accent1"/>
+              </a:effectRef>
+              <a:fontRef idx="minor">
+                <a:schemeClr val="lt1"/>
+              </a:fontRef>
+            </p:style>
+            <p:txBody>
+              <a:bodyPr rtlCol="0" anchor="ctr"/>
+              <a:lstStyle/>
+              <a:p>
+                <a:pPr algn="ctr"/>
+                <a:endParaRPr lang="ko-KR" altLang="en-US" sz="1500"/>
+              </a:p>
+            </p:txBody>
+          </p:sp>
+          <p:sp>
+            <p:nvSpPr>
+              <p:cNvPr id="9" name="육각형 8">
+                <a:extLst>
+                  <a:ext uri="{FF2B5EF4-FFF2-40B4-BE49-F238E27FC236}">
+                    <a16:creationId xmlns:a16="http://schemas.microsoft.com/office/drawing/2014/main" id="{6123D0B9-D852-C138-EBE5-1C249EEE757F}"/>
+                  </a:ext>
+                </a:extLst>
+              </p:cNvPr>
+              <p:cNvSpPr/>
+              <p:nvPr/>
+            </p:nvSpPr>
+            <p:spPr>
+              <a:xfrm rot="5400000">
+                <a:off x="1819536" y="3162911"/>
+                <a:ext cx="2043913" cy="2025000"/>
+              </a:xfrm>
+              <a:prstGeom prst="hexagon">
+                <a:avLst/>
+              </a:prstGeom>
+              <a:solidFill>
+                <a:schemeClr val="bg1"/>
+              </a:solidFill>
+              <a:ln>
+                <a:noFill/>
+              </a:ln>
+              <a:effectLst/>
+              <a:scene3d>
+                <a:camera prst="orthographicFront"/>
+                <a:lightRig rig="threePt" dir="t"/>
+              </a:scene3d>
+              <a:sp3d prstMaterial="flat">
+                <a:bevelT w="139700" h="139700" prst="divot"/>
+              </a:sp3d>
+            </p:spPr>
+            <p:style>
+              <a:lnRef idx="2">
+                <a:schemeClr val="accent1">
+                  <a:shade val="50000"/>
+                </a:schemeClr>
+              </a:lnRef>
+              <a:fillRef idx="1">
+                <a:schemeClr val="accent1"/>
+              </a:fillRef>
+              <a:effectRef idx="0">
+                <a:schemeClr val="accent1"/>
+              </a:effectRef>
+              <a:fontRef idx="minor">
+                <a:schemeClr val="lt1"/>
+              </a:fontRef>
+            </p:style>
+            <p:txBody>
+              <a:bodyPr rtlCol="0" anchor="ctr"/>
+              <a:lstStyle/>
+              <a:p>
+                <a:pPr algn="ctr"/>
+                <a:endParaRPr lang="ko-KR" altLang="en-US" sz="1500" dirty="0"/>
+              </a:p>
+            </p:txBody>
+          </p:sp>
+          <p:sp>
+            <p:nvSpPr>
+              <p:cNvPr id="10" name="직사각형 9">
+                <a:extLst>
+                  <a:ext uri="{FF2B5EF4-FFF2-40B4-BE49-F238E27FC236}">
+                    <a16:creationId xmlns:a16="http://schemas.microsoft.com/office/drawing/2014/main" id="{434E6D9E-0E71-1723-0ECA-95FF74A25824}"/>
+                  </a:ext>
+                </a:extLst>
+              </p:cNvPr>
+              <p:cNvSpPr/>
+              <p:nvPr/>
+            </p:nvSpPr>
+            <p:spPr>
+              <a:xfrm rot="20011563">
+                <a:off x="1967793" y="3310806"/>
+                <a:ext cx="704321" cy="98450"/>
+              </a:xfrm>
+              <a:prstGeom prst="rect">
+                <a:avLst/>
+              </a:prstGeom>
+              <a:solidFill>
+                <a:schemeClr val="tx2">
+                  <a:lumMod val="10000"/>
+                  <a:lumOff val="90000"/>
+                </a:schemeClr>
+              </a:solidFill>
+              <a:ln>
+                <a:solidFill>
+                  <a:schemeClr val="bg1">
+                    <a:lumMod val="75000"/>
+                  </a:schemeClr>
+                </a:solidFill>
+              </a:ln>
+              <a:scene3d>
+                <a:camera prst="orthographicFront"/>
+                <a:lightRig rig="threePt" dir="t"/>
+              </a:scene3d>
+              <a:sp3d>
+                <a:bevelT w="1270000" h="101600" prst="angle"/>
+                <a:bevelB w="1270000" h="0"/>
+              </a:sp3d>
+            </p:spPr>
+            <p:style>
+              <a:lnRef idx="2">
+                <a:schemeClr val="accent1">
+                  <a:shade val="15000"/>
+                </a:schemeClr>
+              </a:lnRef>
+              <a:fillRef idx="1">
+                <a:schemeClr val="accent1"/>
+              </a:fillRef>
+              <a:effectRef idx="0">
+                <a:schemeClr val="accent1"/>
+              </a:effectRef>
+              <a:fontRef idx="minor">
+                <a:schemeClr val="lt1"/>
+              </a:fontRef>
+            </p:style>
+            <p:txBody>
+              <a:bodyPr rtlCol="0" anchor="ctr"/>
+              <a:lstStyle/>
+              <a:p>
+                <a:pPr algn="ctr"/>
+                <a:endParaRPr lang="ko-KR" altLang="en-US" sz="1013" dirty="0"/>
+              </a:p>
+            </p:txBody>
+          </p:sp>
+          <p:sp>
+            <p:nvSpPr>
+              <p:cNvPr id="11" name="직사각형 10">
+                <a:extLst>
+                  <a:ext uri="{FF2B5EF4-FFF2-40B4-BE49-F238E27FC236}">
+                    <a16:creationId xmlns:a16="http://schemas.microsoft.com/office/drawing/2014/main" id="{19F437AC-74A3-4CFD-9BED-B68BBC496127}"/>
+                  </a:ext>
+                </a:extLst>
+              </p:cNvPr>
+              <p:cNvSpPr/>
+              <p:nvPr/>
+            </p:nvSpPr>
+            <p:spPr>
+              <a:xfrm rot="16200000">
+                <a:off x="1424096" y="4098379"/>
+                <a:ext cx="712781" cy="97282"/>
+              </a:xfrm>
+              <a:prstGeom prst="rect">
+                <a:avLst/>
+              </a:prstGeom>
+              <a:solidFill>
+                <a:schemeClr val="tx2">
+                  <a:lumMod val="10000"/>
+                  <a:lumOff val="90000"/>
+                </a:schemeClr>
+              </a:solidFill>
+              <a:ln>
+                <a:solidFill>
+                  <a:schemeClr val="tx1"/>
+                </a:solidFill>
+              </a:ln>
+            </p:spPr>
+            <p:style>
+              <a:lnRef idx="2">
+                <a:schemeClr val="accent1">
+                  <a:shade val="15000"/>
+                </a:schemeClr>
+              </a:lnRef>
+              <a:fillRef idx="1">
+                <a:schemeClr val="accent1"/>
+              </a:fillRef>
+              <a:effectRef idx="0">
+                <a:schemeClr val="accent1"/>
+              </a:effectRef>
+              <a:fontRef idx="minor">
+                <a:schemeClr val="lt1"/>
+              </a:fontRef>
+            </p:style>
+            <p:txBody>
+              <a:bodyPr rtlCol="0" anchor="ctr"/>
+              <a:lstStyle/>
+              <a:p>
+                <a:pPr algn="ctr"/>
+                <a:endParaRPr lang="ko-KR" altLang="en-US" sz="1013"/>
+              </a:p>
+            </p:txBody>
+          </p:sp>
+          <p:sp>
+            <p:nvSpPr>
+              <p:cNvPr id="12" name="직사각형 11">
+                <a:extLst>
+                  <a:ext uri="{FF2B5EF4-FFF2-40B4-BE49-F238E27FC236}">
+                    <a16:creationId xmlns:a16="http://schemas.microsoft.com/office/drawing/2014/main" id="{858FF22B-68FE-F390-1D5D-DCB83453440E}"/>
+                  </a:ext>
+                </a:extLst>
+              </p:cNvPr>
+              <p:cNvSpPr/>
+              <p:nvPr/>
+            </p:nvSpPr>
+            <p:spPr>
+              <a:xfrm rot="1583793">
+                <a:off x="3008452" y="3309710"/>
+                <a:ext cx="704321" cy="98450"/>
+              </a:xfrm>
+              <a:prstGeom prst="rect">
+                <a:avLst/>
+              </a:prstGeom>
+              <a:solidFill>
+                <a:schemeClr val="tx2">
+                  <a:lumMod val="10000"/>
+                  <a:lumOff val="90000"/>
+                </a:schemeClr>
+              </a:solidFill>
+              <a:ln>
+                <a:solidFill>
+                  <a:schemeClr val="tx1"/>
+                </a:solidFill>
+              </a:ln>
+            </p:spPr>
+            <p:style>
+              <a:lnRef idx="2">
+                <a:schemeClr val="accent1">
+                  <a:shade val="15000"/>
+                </a:schemeClr>
+              </a:lnRef>
+              <a:fillRef idx="1">
+                <a:schemeClr val="accent1"/>
+              </a:fillRef>
+              <a:effectRef idx="0">
+                <a:schemeClr val="accent1"/>
+              </a:effectRef>
+              <a:fontRef idx="minor">
+                <a:schemeClr val="lt1"/>
+              </a:fontRef>
+            </p:style>
+            <p:txBody>
+              <a:bodyPr rtlCol="0" anchor="ctr"/>
+              <a:lstStyle/>
+              <a:p>
+                <a:pPr algn="ctr"/>
+                <a:endParaRPr lang="ko-KR" altLang="en-US" sz="1013"/>
+              </a:p>
+            </p:txBody>
+          </p:sp>
+          <p:sp>
+            <p:nvSpPr>
+              <p:cNvPr id="13" name="직사각형 12">
+                <a:extLst>
+                  <a:ext uri="{FF2B5EF4-FFF2-40B4-BE49-F238E27FC236}">
+                    <a16:creationId xmlns:a16="http://schemas.microsoft.com/office/drawing/2014/main" id="{822B8B90-12CE-8EDF-946D-0847FB0C63B0}"/>
+                  </a:ext>
+                </a:extLst>
+              </p:cNvPr>
+              <p:cNvSpPr/>
+              <p:nvPr/>
+            </p:nvSpPr>
+            <p:spPr>
+              <a:xfrm rot="10800000">
+                <a:off x="1979126" y="5137988"/>
+                <a:ext cx="712781" cy="97282"/>
+              </a:xfrm>
+              <a:prstGeom prst="rect">
+                <a:avLst/>
+              </a:prstGeom>
+              <a:solidFill>
+                <a:schemeClr val="tx2">
+                  <a:lumMod val="10000"/>
+                  <a:lumOff val="90000"/>
+                </a:schemeClr>
+              </a:solidFill>
+              <a:ln>
+                <a:solidFill>
+                  <a:schemeClr val="tx1"/>
+                </a:solidFill>
+              </a:ln>
+            </p:spPr>
+            <p:style>
+              <a:lnRef idx="2">
+                <a:schemeClr val="accent1">
+                  <a:shade val="15000"/>
+                </a:schemeClr>
+              </a:lnRef>
+              <a:fillRef idx="1">
+                <a:schemeClr val="accent1"/>
+              </a:fillRef>
+              <a:effectRef idx="0">
+                <a:schemeClr val="accent1"/>
+              </a:effectRef>
+              <a:fontRef idx="minor">
+                <a:schemeClr val="lt1"/>
+              </a:fontRef>
+            </p:style>
+            <p:txBody>
+              <a:bodyPr rtlCol="0" anchor="ctr"/>
+              <a:lstStyle/>
+              <a:p>
+                <a:pPr algn="ctr"/>
+                <a:endParaRPr lang="ko-KR" altLang="en-US" sz="1013"/>
+              </a:p>
+            </p:txBody>
+          </p:sp>
+          <p:sp>
+            <p:nvSpPr>
+              <p:cNvPr id="14" name="직사각형 13">
+                <a:extLst>
+                  <a:ext uri="{FF2B5EF4-FFF2-40B4-BE49-F238E27FC236}">
+                    <a16:creationId xmlns:a16="http://schemas.microsoft.com/office/drawing/2014/main" id="{B7C59B0D-9A2E-35CA-57B5-08505B5BB48B}"/>
+                  </a:ext>
+                </a:extLst>
+              </p:cNvPr>
+              <p:cNvSpPr/>
+              <p:nvPr/>
+            </p:nvSpPr>
+            <p:spPr>
+              <a:xfrm rot="10800000">
+                <a:off x="2991473" y="5137988"/>
+                <a:ext cx="712781" cy="97282"/>
+              </a:xfrm>
+              <a:prstGeom prst="rect">
+                <a:avLst/>
+              </a:prstGeom>
+              <a:solidFill>
+                <a:schemeClr val="tx2">
+                  <a:lumMod val="10000"/>
+                  <a:lumOff val="90000"/>
+                </a:schemeClr>
+              </a:solidFill>
+              <a:ln>
+                <a:solidFill>
+                  <a:schemeClr val="tx1"/>
+                </a:solidFill>
+              </a:ln>
+            </p:spPr>
+            <p:style>
+              <a:lnRef idx="2">
+                <a:schemeClr val="accent1">
+                  <a:shade val="15000"/>
+                </a:schemeClr>
+              </a:lnRef>
+              <a:fillRef idx="1">
+                <a:schemeClr val="accent1"/>
+              </a:fillRef>
+              <a:effectRef idx="0">
+                <a:schemeClr val="accent1"/>
+              </a:effectRef>
+              <a:fontRef idx="minor">
+                <a:schemeClr val="lt1"/>
+              </a:fontRef>
+            </p:style>
+            <p:txBody>
+              <a:bodyPr rtlCol="0" anchor="ctr"/>
+              <a:lstStyle/>
+              <a:p>
+                <a:pPr algn="ctr"/>
+                <a:endParaRPr lang="ko-KR" altLang="en-US" sz="1013"/>
+              </a:p>
+            </p:txBody>
+          </p:sp>
+          <p:sp>
+            <p:nvSpPr>
+              <p:cNvPr id="15" name="사각형: 둥근 모서리 14">
+                <a:extLst>
+                  <a:ext uri="{FF2B5EF4-FFF2-40B4-BE49-F238E27FC236}">
+                    <a16:creationId xmlns:a16="http://schemas.microsoft.com/office/drawing/2014/main" id="{F2413D1B-75C4-2115-1BE0-16A4A9B8D958}"/>
+                  </a:ext>
+                </a:extLst>
+              </p:cNvPr>
+              <p:cNvSpPr/>
+              <p:nvPr/>
+            </p:nvSpPr>
+            <p:spPr>
+              <a:xfrm>
+                <a:off x="1904213" y="5235271"/>
+                <a:ext cx="862608" cy="619755"/>
+              </a:xfrm>
+              <a:prstGeom prst="roundRect">
+                <a:avLst/>
+              </a:prstGeom>
+              <a:solidFill>
+                <a:schemeClr val="bg1"/>
+              </a:solidFill>
+              <a:ln>
+                <a:noFill/>
+              </a:ln>
+              <a:effectLst/>
+              <a:scene3d>
+                <a:camera prst="orthographicFront"/>
+                <a:lightRig rig="threePt" dir="t"/>
+              </a:scene3d>
+              <a:sp3d prstMaterial="flat">
+                <a:bevelT w="139700" h="139700" prst="divot"/>
+              </a:sp3d>
+            </p:spPr>
+            <p:style>
+              <a:lnRef idx="2">
+                <a:schemeClr val="accent1">
+                  <a:shade val="50000"/>
+                </a:schemeClr>
+              </a:lnRef>
+              <a:fillRef idx="1">
+                <a:schemeClr val="accent1"/>
+              </a:fillRef>
+              <a:effectRef idx="0">
+                <a:schemeClr val="accent1"/>
+              </a:effectRef>
+              <a:fontRef idx="minor">
+                <a:schemeClr val="lt1"/>
+              </a:fontRef>
+            </p:style>
+            <p:txBody>
+              <a:bodyPr rtlCol="0" anchor="ctr"/>
+              <a:lstStyle/>
+              <a:p>
+                <a:pPr algn="ctr"/>
+                <a:endParaRPr lang="ko-KR" altLang="en-US" sz="1500"/>
+              </a:p>
+            </p:txBody>
+          </p:sp>
+          <p:sp>
+            <p:nvSpPr>
+              <p:cNvPr id="16" name="사각형: 둥근 모서리 15">
+                <a:extLst>
+                  <a:ext uri="{FF2B5EF4-FFF2-40B4-BE49-F238E27FC236}">
+                    <a16:creationId xmlns:a16="http://schemas.microsoft.com/office/drawing/2014/main" id="{F9C311E8-AF8B-A978-549C-E76CFD82D38D}"/>
+                  </a:ext>
+                </a:extLst>
+              </p:cNvPr>
+              <p:cNvSpPr/>
+              <p:nvPr/>
+            </p:nvSpPr>
+            <p:spPr>
+              <a:xfrm>
+                <a:off x="2916560" y="5235271"/>
+                <a:ext cx="862608" cy="619755"/>
+              </a:xfrm>
+              <a:prstGeom prst="roundRect">
+                <a:avLst/>
+              </a:prstGeom>
+              <a:solidFill>
+                <a:schemeClr val="bg1"/>
+              </a:solidFill>
+              <a:ln>
+                <a:noFill/>
+              </a:ln>
+              <a:effectLst/>
+              <a:scene3d>
+                <a:camera prst="orthographicFront"/>
+                <a:lightRig rig="threePt" dir="t"/>
+              </a:scene3d>
+              <a:sp3d prstMaterial="flat">
+                <a:bevelT w="139700" h="139700" prst="divot"/>
+              </a:sp3d>
+            </p:spPr>
+            <p:style>
+              <a:lnRef idx="2">
+                <a:schemeClr val="accent1">
+                  <a:shade val="50000"/>
+                </a:schemeClr>
+              </a:lnRef>
+              <a:fillRef idx="1">
+                <a:schemeClr val="accent1"/>
+              </a:fillRef>
+              <a:effectRef idx="0">
+                <a:schemeClr val="accent1"/>
+              </a:effectRef>
+              <a:fontRef idx="minor">
+                <a:schemeClr val="lt1"/>
+              </a:fontRef>
+            </p:style>
+            <p:txBody>
+              <a:bodyPr rtlCol="0" anchor="ctr"/>
+              <a:lstStyle/>
+              <a:p>
+                <a:pPr algn="ctr"/>
+                <a:endParaRPr lang="ko-KR" altLang="en-US" sz="1500"/>
+              </a:p>
+            </p:txBody>
+          </p:sp>
+          <p:sp>
+            <p:nvSpPr>
+              <p:cNvPr id="17" name="직사각형 16">
+                <a:extLst>
+                  <a:ext uri="{FF2B5EF4-FFF2-40B4-BE49-F238E27FC236}">
+                    <a16:creationId xmlns:a16="http://schemas.microsoft.com/office/drawing/2014/main" id="{AA9C2F4D-F86A-EA0D-E3FC-541F66E24795}"/>
+                  </a:ext>
+                </a:extLst>
+              </p:cNvPr>
+              <p:cNvSpPr/>
+              <p:nvPr/>
+            </p:nvSpPr>
+            <p:spPr>
+              <a:xfrm rot="16200000">
+                <a:off x="3546904" y="4098380"/>
+                <a:ext cx="712781" cy="97282"/>
+              </a:xfrm>
+              <a:prstGeom prst="rect">
+                <a:avLst/>
+              </a:prstGeom>
+              <a:solidFill>
+                <a:schemeClr val="tx2">
+                  <a:lumMod val="10000"/>
+                  <a:lumOff val="90000"/>
+                </a:schemeClr>
+              </a:solidFill>
+              <a:ln>
+                <a:solidFill>
+                  <a:schemeClr val="tx1"/>
+                </a:solidFill>
+              </a:ln>
+            </p:spPr>
+            <p:style>
+              <a:lnRef idx="2">
+                <a:schemeClr val="accent1">
+                  <a:shade val="15000"/>
+                </a:schemeClr>
+              </a:lnRef>
+              <a:fillRef idx="1">
+                <a:schemeClr val="accent1"/>
+              </a:fillRef>
+              <a:effectRef idx="0">
+                <a:schemeClr val="accent1"/>
+              </a:effectRef>
+              <a:fontRef idx="minor">
+                <a:schemeClr val="lt1"/>
+              </a:fontRef>
+            </p:style>
+            <p:txBody>
+              <a:bodyPr rtlCol="0" anchor="ctr"/>
+              <a:lstStyle/>
+              <a:p>
+                <a:pPr algn="ctr"/>
+                <a:endParaRPr lang="ko-KR" altLang="en-US" sz="1013" dirty="0"/>
+              </a:p>
+            </p:txBody>
+          </p:sp>
+          <p:sp>
+            <p:nvSpPr>
+              <p:cNvPr id="18" name="사각형: 둥근 모서리 17">
+                <a:extLst>
+                  <a:ext uri="{FF2B5EF4-FFF2-40B4-BE49-F238E27FC236}">
+                    <a16:creationId xmlns:a16="http://schemas.microsoft.com/office/drawing/2014/main" id="{268A1FD2-441E-272E-03FC-8D54702AEC11}"/>
+                  </a:ext>
+                </a:extLst>
+              </p:cNvPr>
+              <p:cNvSpPr/>
+              <p:nvPr/>
+            </p:nvSpPr>
+            <p:spPr>
+              <a:xfrm>
+                <a:off x="687845" y="3625020"/>
+                <a:ext cx="1044000" cy="1044000"/>
+              </a:xfrm>
+              <a:prstGeom prst="roundRect">
+                <a:avLst/>
+              </a:prstGeom>
+              <a:solidFill>
+                <a:schemeClr val="bg1"/>
+              </a:solidFill>
+              <a:ln>
+                <a:noFill/>
+              </a:ln>
+              <a:effectLst/>
+              <a:scene3d>
+                <a:camera prst="orthographicFront"/>
+                <a:lightRig rig="threePt" dir="t"/>
+              </a:scene3d>
+              <a:sp3d prstMaterial="flat">
+                <a:bevelT w="139700" h="139700" prst="divot"/>
+              </a:sp3d>
+            </p:spPr>
+            <p:style>
+              <a:lnRef idx="2">
+                <a:schemeClr val="accent1">
+                  <a:shade val="50000"/>
+                </a:schemeClr>
+              </a:lnRef>
+              <a:fillRef idx="1">
+                <a:schemeClr val="accent1"/>
+              </a:fillRef>
+              <a:effectRef idx="0">
+                <a:schemeClr val="accent1"/>
+              </a:effectRef>
+              <a:fontRef idx="minor">
+                <a:schemeClr val="lt1"/>
+              </a:fontRef>
+            </p:style>
+            <p:txBody>
+              <a:bodyPr rtlCol="0" anchor="ctr"/>
+              <a:lstStyle/>
+              <a:p>
+                <a:pPr algn="ctr"/>
+                <a:endParaRPr lang="ko-KR" altLang="en-US" sz="1500"/>
+              </a:p>
+            </p:txBody>
+          </p:sp>
+          <p:sp>
+            <p:nvSpPr>
+              <p:cNvPr id="19" name="사각형: 둥근 모서리 18">
+                <a:extLst>
+                  <a:ext uri="{FF2B5EF4-FFF2-40B4-BE49-F238E27FC236}">
+                    <a16:creationId xmlns:a16="http://schemas.microsoft.com/office/drawing/2014/main" id="{B690C776-8CB7-D100-E7A7-9B2E906E0A10}"/>
+                  </a:ext>
+                </a:extLst>
+              </p:cNvPr>
+              <p:cNvSpPr/>
+              <p:nvPr/>
+            </p:nvSpPr>
+            <p:spPr>
+              <a:xfrm rot="20016713">
+                <a:off x="1532665" y="2338583"/>
+                <a:ext cx="1044000" cy="1044000"/>
+              </a:xfrm>
+              <a:prstGeom prst="roundRect">
+                <a:avLst/>
+              </a:prstGeom>
+              <a:solidFill>
+                <a:schemeClr val="bg1"/>
+              </a:solidFill>
+              <a:ln>
+                <a:noFill/>
+              </a:ln>
+              <a:effectLst/>
+              <a:scene3d>
+                <a:camera prst="orthographicFront"/>
+                <a:lightRig rig="threePt" dir="t"/>
+              </a:scene3d>
+              <a:sp3d prstMaterial="flat">
+                <a:bevelT w="139700" h="139700" prst="divot"/>
+              </a:sp3d>
+            </p:spPr>
+            <p:style>
+              <a:lnRef idx="2">
+                <a:schemeClr val="accent1">
+                  <a:shade val="50000"/>
+                </a:schemeClr>
+              </a:lnRef>
+              <a:fillRef idx="1">
+                <a:schemeClr val="accent1"/>
+              </a:fillRef>
+              <a:effectRef idx="0">
+                <a:schemeClr val="accent1"/>
+              </a:effectRef>
+              <a:fontRef idx="minor">
+                <a:schemeClr val="lt1"/>
+              </a:fontRef>
+            </p:style>
+            <p:txBody>
+              <a:bodyPr rtlCol="0" anchor="ctr"/>
+              <a:lstStyle/>
+              <a:p>
+                <a:pPr algn="ctr"/>
+                <a:endParaRPr lang="ko-KR" altLang="en-US" sz="1500"/>
+              </a:p>
+            </p:txBody>
+          </p:sp>
+          <p:sp>
+            <p:nvSpPr>
+              <p:cNvPr id="20" name="사각형: 둥근 모서리 19">
+                <a:extLst>
+                  <a:ext uri="{FF2B5EF4-FFF2-40B4-BE49-F238E27FC236}">
+                    <a16:creationId xmlns:a16="http://schemas.microsoft.com/office/drawing/2014/main" id="{18443265-1E56-3615-D092-79F6A1EA84FB}"/>
+                  </a:ext>
+                </a:extLst>
+              </p:cNvPr>
+              <p:cNvSpPr/>
+              <p:nvPr/>
+            </p:nvSpPr>
+            <p:spPr>
+              <a:xfrm rot="1600827">
+                <a:off x="3098846" y="2333987"/>
+                <a:ext cx="1044000" cy="1044000"/>
+              </a:xfrm>
+              <a:prstGeom prst="roundRect">
+                <a:avLst/>
+              </a:prstGeom>
+              <a:solidFill>
+                <a:schemeClr val="bg1"/>
+              </a:solidFill>
+              <a:ln>
+                <a:noFill/>
+              </a:ln>
+              <a:effectLst/>
+              <a:scene3d>
+                <a:camera prst="orthographicFront"/>
+                <a:lightRig rig="threePt" dir="t"/>
+              </a:scene3d>
+              <a:sp3d prstMaterial="flat">
+                <a:bevelT w="139700" h="139700" prst="divot"/>
+              </a:sp3d>
+            </p:spPr>
+            <p:style>
+              <a:lnRef idx="2">
+                <a:schemeClr val="accent1">
+                  <a:shade val="50000"/>
+                </a:schemeClr>
+              </a:lnRef>
+              <a:fillRef idx="1">
+                <a:schemeClr val="accent1"/>
+              </a:fillRef>
+              <a:effectRef idx="0">
+                <a:schemeClr val="accent1"/>
+              </a:effectRef>
+              <a:fontRef idx="minor">
+                <a:schemeClr val="lt1"/>
+              </a:fontRef>
+            </p:style>
+            <p:txBody>
+              <a:bodyPr rtlCol="0" anchor="ctr"/>
+              <a:lstStyle/>
+              <a:p>
+                <a:pPr algn="ctr"/>
+                <a:endParaRPr lang="ko-KR" altLang="en-US" sz="1500" dirty="0"/>
+              </a:p>
+            </p:txBody>
+          </p:sp>
+          <p:sp>
+            <p:nvSpPr>
+              <p:cNvPr id="21" name="사각형: 둥근 모서리 20">
+                <a:extLst>
+                  <a:ext uri="{FF2B5EF4-FFF2-40B4-BE49-F238E27FC236}">
+                    <a16:creationId xmlns:a16="http://schemas.microsoft.com/office/drawing/2014/main" id="{A03B4CE9-5DAD-43C6-DD3D-3EA65F33264B}"/>
+                  </a:ext>
+                </a:extLst>
+              </p:cNvPr>
+              <p:cNvSpPr/>
+              <p:nvPr/>
+            </p:nvSpPr>
+            <p:spPr>
+              <a:xfrm>
+                <a:off x="3951936" y="3625020"/>
+                <a:ext cx="1044000" cy="1044000"/>
+              </a:xfrm>
+              <a:prstGeom prst="roundRect">
+                <a:avLst/>
+              </a:prstGeom>
+              <a:solidFill>
+                <a:schemeClr val="bg1"/>
+              </a:solidFill>
+              <a:ln>
+                <a:noFill/>
+              </a:ln>
+              <a:effectLst/>
+              <a:scene3d>
+                <a:camera prst="orthographicFront"/>
+                <a:lightRig rig="threePt" dir="t"/>
+              </a:scene3d>
+              <a:sp3d prstMaterial="flat">
+                <a:bevelT w="139700" h="139700" prst="divot"/>
+              </a:sp3d>
+            </p:spPr>
+            <p:style>
+              <a:lnRef idx="2">
+                <a:schemeClr val="accent1">
+                  <a:shade val="50000"/>
+                </a:schemeClr>
+              </a:lnRef>
+              <a:fillRef idx="1">
+                <a:schemeClr val="accent1"/>
+              </a:fillRef>
+              <a:effectRef idx="0">
+                <a:schemeClr val="accent1"/>
+              </a:effectRef>
+              <a:fontRef idx="minor">
+                <a:schemeClr val="lt1"/>
+              </a:fontRef>
+            </p:style>
+            <p:txBody>
+              <a:bodyPr rtlCol="0" anchor="ctr"/>
+              <a:lstStyle/>
+              <a:p>
+                <a:pPr algn="ctr"/>
+                <a:endParaRPr lang="ko-KR" altLang="en-US" sz="1500"/>
+              </a:p>
+            </p:txBody>
+          </p:sp>
+          <p:sp>
+            <p:nvSpPr>
+              <p:cNvPr id="22" name="직사각형 21">
+                <a:extLst>
+                  <a:ext uri="{FF2B5EF4-FFF2-40B4-BE49-F238E27FC236}">
+                    <a16:creationId xmlns:a16="http://schemas.microsoft.com/office/drawing/2014/main" id="{1B09C13B-0E7A-F744-C06D-E7624D64AB4C}"/>
+                  </a:ext>
+                </a:extLst>
+              </p:cNvPr>
+              <p:cNvSpPr/>
+              <p:nvPr/>
+            </p:nvSpPr>
+            <p:spPr>
+              <a:xfrm rot="10800000">
+                <a:off x="1979125" y="5851075"/>
+                <a:ext cx="712781" cy="97282"/>
+              </a:xfrm>
+              <a:prstGeom prst="rect">
+                <a:avLst/>
+              </a:prstGeom>
+              <a:solidFill>
+                <a:schemeClr val="tx2">
+                  <a:lumMod val="10000"/>
+                  <a:lumOff val="90000"/>
+                </a:schemeClr>
+              </a:solidFill>
+              <a:ln>
+                <a:solidFill>
+                  <a:schemeClr val="tx1"/>
+                </a:solidFill>
+              </a:ln>
+            </p:spPr>
+            <p:style>
+              <a:lnRef idx="2">
+                <a:schemeClr val="accent1">
+                  <a:shade val="15000"/>
+                </a:schemeClr>
+              </a:lnRef>
+              <a:fillRef idx="1">
+                <a:schemeClr val="accent1"/>
+              </a:fillRef>
+              <a:effectRef idx="0">
+                <a:schemeClr val="accent1"/>
+              </a:effectRef>
+              <a:fontRef idx="minor">
+                <a:schemeClr val="lt1"/>
+              </a:fontRef>
+            </p:style>
+            <p:txBody>
+              <a:bodyPr rtlCol="0" anchor="ctr"/>
+              <a:lstStyle/>
+              <a:p>
+                <a:pPr algn="ctr"/>
+                <a:endParaRPr lang="ko-KR" altLang="en-US" sz="1013"/>
+              </a:p>
+            </p:txBody>
+          </p:sp>
+          <p:sp>
+            <p:nvSpPr>
+              <p:cNvPr id="23" name="직사각형 22">
+                <a:extLst>
+                  <a:ext uri="{FF2B5EF4-FFF2-40B4-BE49-F238E27FC236}">
+                    <a16:creationId xmlns:a16="http://schemas.microsoft.com/office/drawing/2014/main" id="{FECEDB63-9A2A-7388-87B7-BCFA75703F31}"/>
+                  </a:ext>
+                </a:extLst>
+              </p:cNvPr>
+              <p:cNvSpPr/>
+              <p:nvPr/>
+            </p:nvSpPr>
+            <p:spPr>
+              <a:xfrm rot="10800000">
+                <a:off x="2993985" y="5851075"/>
+                <a:ext cx="712781" cy="97282"/>
+              </a:xfrm>
+              <a:prstGeom prst="rect">
+                <a:avLst/>
+              </a:prstGeom>
+              <a:solidFill>
+                <a:schemeClr val="tx2">
+                  <a:lumMod val="10000"/>
+                  <a:lumOff val="90000"/>
+                </a:schemeClr>
+              </a:solidFill>
+              <a:ln>
+                <a:solidFill>
+                  <a:schemeClr val="tx1"/>
+                </a:solidFill>
+              </a:ln>
+            </p:spPr>
+            <p:style>
+              <a:lnRef idx="2">
+                <a:schemeClr val="accent1">
+                  <a:shade val="15000"/>
+                </a:schemeClr>
+              </a:lnRef>
+              <a:fillRef idx="1">
+                <a:schemeClr val="accent1"/>
+              </a:fillRef>
+              <a:effectRef idx="0">
+                <a:schemeClr val="accent1"/>
+              </a:effectRef>
+              <a:fontRef idx="minor">
+                <a:schemeClr val="lt1"/>
+              </a:fontRef>
+            </p:style>
+            <p:txBody>
+              <a:bodyPr rtlCol="0" anchor="ctr"/>
+              <a:lstStyle/>
+              <a:p>
+                <a:pPr algn="ctr"/>
+                <a:endParaRPr lang="ko-KR" altLang="en-US" sz="1013"/>
+              </a:p>
+            </p:txBody>
+          </p:sp>
+          <p:sp>
+            <p:nvSpPr>
+              <p:cNvPr id="24" name="직사각형 23">
+                <a:extLst>
+                  <a:ext uri="{FF2B5EF4-FFF2-40B4-BE49-F238E27FC236}">
+                    <a16:creationId xmlns:a16="http://schemas.microsoft.com/office/drawing/2014/main" id="{F2E3041C-11A7-EC0F-D287-5CC150B1C7C0}"/>
+                  </a:ext>
+                </a:extLst>
+              </p:cNvPr>
+              <p:cNvSpPr/>
+              <p:nvPr/>
+            </p:nvSpPr>
+            <p:spPr>
+              <a:xfrm rot="16200000">
+                <a:off x="1422005" y="4097962"/>
+                <a:ext cx="712781" cy="97282"/>
+              </a:xfrm>
+              <a:prstGeom prst="rect">
+                <a:avLst/>
+              </a:prstGeom>
+              <a:solidFill>
+                <a:schemeClr val="tx2">
+                  <a:lumMod val="10000"/>
+                  <a:lumOff val="90000"/>
+                </a:schemeClr>
+              </a:solidFill>
+              <a:ln>
+                <a:solidFill>
+                  <a:schemeClr val="bg1">
+                    <a:lumMod val="75000"/>
+                  </a:schemeClr>
+                </a:solidFill>
+              </a:ln>
+              <a:scene3d>
+                <a:camera prst="orthographicFront"/>
+                <a:lightRig rig="threePt" dir="t"/>
+              </a:scene3d>
+              <a:sp3d>
+                <a:bevelT w="1270000" h="101600" prst="angle"/>
+                <a:bevelB w="1270000" h="0"/>
+              </a:sp3d>
+            </p:spPr>
+            <p:style>
+              <a:lnRef idx="2">
+                <a:schemeClr val="accent1">
+                  <a:shade val="15000"/>
+                </a:schemeClr>
+              </a:lnRef>
+              <a:fillRef idx="1">
+                <a:schemeClr val="accent1"/>
+              </a:fillRef>
+              <a:effectRef idx="0">
+                <a:schemeClr val="accent1"/>
+              </a:effectRef>
+              <a:fontRef idx="minor">
+                <a:schemeClr val="lt1"/>
+              </a:fontRef>
+            </p:style>
+            <p:txBody>
+              <a:bodyPr rtlCol="0" anchor="ctr"/>
+              <a:lstStyle/>
+              <a:p>
+                <a:pPr algn="ctr"/>
+                <a:endParaRPr lang="ko-KR" altLang="en-US" sz="1013" dirty="0"/>
+              </a:p>
+            </p:txBody>
+          </p:sp>
+          <p:sp>
+            <p:nvSpPr>
+              <p:cNvPr id="25" name="직사각형 24">
+                <a:extLst>
+                  <a:ext uri="{FF2B5EF4-FFF2-40B4-BE49-F238E27FC236}">
+                    <a16:creationId xmlns:a16="http://schemas.microsoft.com/office/drawing/2014/main" id="{8EE042F0-F6F8-6B40-7D0B-AE905F2F9531}"/>
+                  </a:ext>
+                </a:extLst>
+              </p:cNvPr>
+              <p:cNvSpPr/>
+              <p:nvPr/>
+            </p:nvSpPr>
+            <p:spPr>
+              <a:xfrm rot="1583793">
+                <a:off x="3006361" y="3309294"/>
+                <a:ext cx="704321" cy="98450"/>
+              </a:xfrm>
+              <a:prstGeom prst="rect">
+                <a:avLst/>
+              </a:prstGeom>
+              <a:solidFill>
+                <a:schemeClr val="tx2">
+                  <a:lumMod val="10000"/>
+                  <a:lumOff val="90000"/>
+                </a:schemeClr>
+              </a:solidFill>
+              <a:ln>
+                <a:solidFill>
+                  <a:schemeClr val="bg1">
+                    <a:lumMod val="75000"/>
+                  </a:schemeClr>
+                </a:solidFill>
+              </a:ln>
+              <a:scene3d>
+                <a:camera prst="orthographicFront"/>
+                <a:lightRig rig="threePt" dir="t"/>
+              </a:scene3d>
+              <a:sp3d>
+                <a:bevelT w="1270000" h="101600" prst="angle"/>
+                <a:bevelB w="1270000" h="0"/>
+              </a:sp3d>
+            </p:spPr>
+            <p:style>
+              <a:lnRef idx="2">
+                <a:schemeClr val="accent1">
+                  <a:shade val="15000"/>
+                </a:schemeClr>
+              </a:lnRef>
+              <a:fillRef idx="1">
+                <a:schemeClr val="accent1"/>
+              </a:fillRef>
+              <a:effectRef idx="0">
+                <a:schemeClr val="accent1"/>
+              </a:effectRef>
+              <a:fontRef idx="minor">
+                <a:schemeClr val="lt1"/>
+              </a:fontRef>
+            </p:style>
+            <p:txBody>
+              <a:bodyPr rtlCol="0" anchor="ctr"/>
+              <a:lstStyle/>
+              <a:p>
+                <a:pPr algn="ctr"/>
+                <a:endParaRPr lang="ko-KR" altLang="en-US" sz="1013"/>
+              </a:p>
+            </p:txBody>
+          </p:sp>
+          <p:sp>
+            <p:nvSpPr>
+              <p:cNvPr id="26" name="직사각형 25">
+                <a:extLst>
+                  <a:ext uri="{FF2B5EF4-FFF2-40B4-BE49-F238E27FC236}">
+                    <a16:creationId xmlns:a16="http://schemas.microsoft.com/office/drawing/2014/main" id="{BBA716F4-ECEE-B975-0788-17680AE1CD14}"/>
+                  </a:ext>
+                </a:extLst>
+              </p:cNvPr>
+              <p:cNvSpPr/>
+              <p:nvPr/>
+            </p:nvSpPr>
+            <p:spPr>
+              <a:xfrm rot="10800000">
+                <a:off x="1977035" y="5137572"/>
+                <a:ext cx="712781" cy="97282"/>
+              </a:xfrm>
+              <a:prstGeom prst="rect">
+                <a:avLst/>
+              </a:prstGeom>
+              <a:solidFill>
+                <a:schemeClr val="tx2">
+                  <a:lumMod val="10000"/>
+                  <a:lumOff val="90000"/>
+                </a:schemeClr>
+              </a:solidFill>
+              <a:ln>
+                <a:solidFill>
+                  <a:schemeClr val="bg1">
+                    <a:lumMod val="75000"/>
+                  </a:schemeClr>
+                </a:solidFill>
+              </a:ln>
+              <a:scene3d>
+                <a:camera prst="orthographicFront"/>
+                <a:lightRig rig="threePt" dir="t"/>
+              </a:scene3d>
+              <a:sp3d>
+                <a:bevelT w="1270000" h="101600" prst="angle"/>
+                <a:bevelB w="1270000" h="0"/>
+              </a:sp3d>
+            </p:spPr>
+            <p:style>
+              <a:lnRef idx="2">
+                <a:schemeClr val="accent1">
+                  <a:shade val="15000"/>
+                </a:schemeClr>
+              </a:lnRef>
+              <a:fillRef idx="1">
+                <a:schemeClr val="accent1"/>
+              </a:fillRef>
+              <a:effectRef idx="0">
+                <a:schemeClr val="accent1"/>
+              </a:effectRef>
+              <a:fontRef idx="minor">
+                <a:schemeClr val="lt1"/>
+              </a:fontRef>
+            </p:style>
+            <p:txBody>
+              <a:bodyPr rtlCol="0" anchor="ctr"/>
+              <a:lstStyle/>
+              <a:p>
+                <a:pPr algn="ctr"/>
+                <a:endParaRPr lang="ko-KR" altLang="en-US" sz="1013"/>
+              </a:p>
+            </p:txBody>
+          </p:sp>
+          <p:sp>
+            <p:nvSpPr>
+              <p:cNvPr id="27" name="직사각형 26">
+                <a:extLst>
+                  <a:ext uri="{FF2B5EF4-FFF2-40B4-BE49-F238E27FC236}">
+                    <a16:creationId xmlns:a16="http://schemas.microsoft.com/office/drawing/2014/main" id="{396C2E73-8CA7-E566-2452-AF6E9CC8E53C}"/>
+                  </a:ext>
+                </a:extLst>
+              </p:cNvPr>
+              <p:cNvSpPr/>
+              <p:nvPr/>
+            </p:nvSpPr>
+            <p:spPr>
+              <a:xfrm rot="10800000">
+                <a:off x="2989382" y="5137572"/>
+                <a:ext cx="712781" cy="97282"/>
+              </a:xfrm>
+              <a:prstGeom prst="rect">
+                <a:avLst/>
+              </a:prstGeom>
+              <a:solidFill>
+                <a:schemeClr val="tx2">
+                  <a:lumMod val="10000"/>
+                  <a:lumOff val="90000"/>
+                </a:schemeClr>
+              </a:solidFill>
+              <a:ln>
+                <a:solidFill>
+                  <a:schemeClr val="bg1">
+                    <a:lumMod val="75000"/>
+                  </a:schemeClr>
+                </a:solidFill>
+              </a:ln>
+              <a:scene3d>
+                <a:camera prst="orthographicFront"/>
+                <a:lightRig rig="threePt" dir="t"/>
+              </a:scene3d>
+              <a:sp3d>
+                <a:bevelT w="1270000" h="101600" prst="angle"/>
+                <a:bevelB w="1270000" h="0"/>
+              </a:sp3d>
+            </p:spPr>
+            <p:style>
+              <a:lnRef idx="2">
+                <a:schemeClr val="accent1">
+                  <a:shade val="15000"/>
+                </a:schemeClr>
+              </a:lnRef>
+              <a:fillRef idx="1">
+                <a:schemeClr val="accent1"/>
+              </a:fillRef>
+              <a:effectRef idx="0">
+                <a:schemeClr val="accent1"/>
+              </a:effectRef>
+              <a:fontRef idx="minor">
+                <a:schemeClr val="lt1"/>
+              </a:fontRef>
+            </p:style>
+            <p:txBody>
+              <a:bodyPr rtlCol="0" anchor="ctr"/>
+              <a:lstStyle/>
+              <a:p>
+                <a:pPr algn="ctr"/>
+                <a:endParaRPr lang="ko-KR" altLang="en-US" sz="1013"/>
+              </a:p>
+            </p:txBody>
+          </p:sp>
+          <p:sp>
+            <p:nvSpPr>
+              <p:cNvPr id="28" name="직사각형 27">
+                <a:extLst>
+                  <a:ext uri="{FF2B5EF4-FFF2-40B4-BE49-F238E27FC236}">
+                    <a16:creationId xmlns:a16="http://schemas.microsoft.com/office/drawing/2014/main" id="{88776C68-7E91-EF83-FE55-A34AEE58EFF3}"/>
+                  </a:ext>
+                </a:extLst>
+              </p:cNvPr>
+              <p:cNvSpPr/>
+              <p:nvPr/>
+            </p:nvSpPr>
+            <p:spPr>
+              <a:xfrm rot="16200000">
+                <a:off x="3544813" y="4097964"/>
+                <a:ext cx="712781" cy="97282"/>
+              </a:xfrm>
+              <a:prstGeom prst="rect">
+                <a:avLst/>
+              </a:prstGeom>
+              <a:solidFill>
+                <a:schemeClr val="tx2">
+                  <a:lumMod val="10000"/>
+                  <a:lumOff val="90000"/>
+                </a:schemeClr>
+              </a:solidFill>
+              <a:ln>
+                <a:solidFill>
+                  <a:schemeClr val="bg1">
+                    <a:lumMod val="75000"/>
+                  </a:schemeClr>
+                </a:solidFill>
+              </a:ln>
+              <a:scene3d>
+                <a:camera prst="orthographicFront"/>
+                <a:lightRig rig="threePt" dir="t"/>
+              </a:scene3d>
+              <a:sp3d>
+                <a:bevelT w="1270000" h="101600" prst="angle"/>
+                <a:bevelB w="1270000" h="0"/>
+              </a:sp3d>
+            </p:spPr>
+            <p:style>
+              <a:lnRef idx="2">
+                <a:schemeClr val="accent1">
+                  <a:shade val="15000"/>
+                </a:schemeClr>
+              </a:lnRef>
+              <a:fillRef idx="1">
+                <a:schemeClr val="accent1"/>
+              </a:fillRef>
+              <a:effectRef idx="0">
+                <a:schemeClr val="accent1"/>
+              </a:effectRef>
+              <a:fontRef idx="minor">
+                <a:schemeClr val="lt1"/>
+              </a:fontRef>
+            </p:style>
+            <p:txBody>
+              <a:bodyPr rtlCol="0" anchor="ctr"/>
+              <a:lstStyle/>
+              <a:p>
+                <a:pPr algn="ctr"/>
+                <a:endParaRPr lang="ko-KR" altLang="en-US" sz="1013" dirty="0"/>
+              </a:p>
+            </p:txBody>
+          </p:sp>
+          <p:sp>
+            <p:nvSpPr>
+              <p:cNvPr id="29" name="직사각형 28">
+                <a:extLst>
+                  <a:ext uri="{FF2B5EF4-FFF2-40B4-BE49-F238E27FC236}">
+                    <a16:creationId xmlns:a16="http://schemas.microsoft.com/office/drawing/2014/main" id="{0C24962D-D7DF-2D92-F229-2913DDEA7C99}"/>
+                  </a:ext>
+                </a:extLst>
+              </p:cNvPr>
+              <p:cNvSpPr/>
+              <p:nvPr/>
+            </p:nvSpPr>
+            <p:spPr>
+              <a:xfrm rot="10800000">
+                <a:off x="1977034" y="5850659"/>
+                <a:ext cx="712781" cy="97282"/>
+              </a:xfrm>
+              <a:prstGeom prst="rect">
+                <a:avLst/>
+              </a:prstGeom>
+              <a:solidFill>
+                <a:schemeClr val="tx2">
+                  <a:lumMod val="10000"/>
+                  <a:lumOff val="90000"/>
+                </a:schemeClr>
+              </a:solidFill>
+              <a:ln>
+                <a:solidFill>
+                  <a:schemeClr val="bg1">
+                    <a:lumMod val="75000"/>
+                  </a:schemeClr>
+                </a:solidFill>
+              </a:ln>
+              <a:scene3d>
+                <a:camera prst="orthographicFront"/>
+                <a:lightRig rig="threePt" dir="t"/>
+              </a:scene3d>
+              <a:sp3d>
+                <a:bevelT w="1270000" h="101600" prst="angle"/>
+                <a:bevelB w="1270000" h="0"/>
+              </a:sp3d>
+            </p:spPr>
+            <p:style>
+              <a:lnRef idx="2">
+                <a:schemeClr val="accent1">
+                  <a:shade val="15000"/>
+                </a:schemeClr>
+              </a:lnRef>
+              <a:fillRef idx="1">
+                <a:schemeClr val="accent1"/>
+              </a:fillRef>
+              <a:effectRef idx="0">
+                <a:schemeClr val="accent1"/>
+              </a:effectRef>
+              <a:fontRef idx="minor">
+                <a:schemeClr val="lt1"/>
+              </a:fontRef>
+            </p:style>
+            <p:txBody>
+              <a:bodyPr rtlCol="0" anchor="ctr"/>
+              <a:lstStyle/>
+              <a:p>
+                <a:pPr algn="ctr"/>
+                <a:endParaRPr lang="ko-KR" altLang="en-US" sz="1013"/>
+              </a:p>
+            </p:txBody>
+          </p:sp>
+          <p:sp>
+            <p:nvSpPr>
+              <p:cNvPr id="30" name="직사각형 29">
+                <a:extLst>
+                  <a:ext uri="{FF2B5EF4-FFF2-40B4-BE49-F238E27FC236}">
+                    <a16:creationId xmlns:a16="http://schemas.microsoft.com/office/drawing/2014/main" id="{D50375FA-379D-809B-51D2-F466303BE4D7}"/>
+                  </a:ext>
+                </a:extLst>
+              </p:cNvPr>
+              <p:cNvSpPr/>
+              <p:nvPr/>
+            </p:nvSpPr>
+            <p:spPr>
+              <a:xfrm rot="10800000">
+                <a:off x="2991894" y="5850659"/>
+                <a:ext cx="712781" cy="97282"/>
+              </a:xfrm>
+              <a:prstGeom prst="rect">
+                <a:avLst/>
+              </a:prstGeom>
+              <a:solidFill>
+                <a:schemeClr val="tx2">
+                  <a:lumMod val="10000"/>
+                  <a:lumOff val="90000"/>
+                </a:schemeClr>
+              </a:solidFill>
+              <a:ln>
+                <a:solidFill>
+                  <a:schemeClr val="bg1">
+                    <a:lumMod val="75000"/>
+                  </a:schemeClr>
+                </a:solidFill>
+              </a:ln>
+              <a:scene3d>
+                <a:camera prst="orthographicFront"/>
+                <a:lightRig rig="threePt" dir="t"/>
+              </a:scene3d>
+              <a:sp3d>
+                <a:bevelT w="1270000" h="101600" prst="angle"/>
+                <a:bevelB w="1270000" h="0"/>
+              </a:sp3d>
+            </p:spPr>
+            <p:style>
+              <a:lnRef idx="2">
+                <a:schemeClr val="accent1">
+                  <a:shade val="15000"/>
+                </a:schemeClr>
+              </a:lnRef>
+              <a:fillRef idx="1">
+                <a:schemeClr val="accent1"/>
+              </a:fillRef>
+              <a:effectRef idx="0">
+                <a:schemeClr val="accent1"/>
+              </a:effectRef>
+              <a:fontRef idx="minor">
+                <a:schemeClr val="lt1"/>
+              </a:fontRef>
+            </p:style>
+            <p:txBody>
+              <a:bodyPr rtlCol="0" anchor="ctr"/>
+              <a:lstStyle/>
+              <a:p>
+                <a:pPr algn="ctr"/>
+                <a:endParaRPr lang="ko-KR" altLang="en-US" sz="1013"/>
+              </a:p>
+            </p:txBody>
+          </p:sp>
+        </p:grpSp>
+        <p:sp>
+          <p:nvSpPr>
+            <p:cNvPr id="6" name="타원 5">
+              <a:extLst>
+                <a:ext uri="{FF2B5EF4-FFF2-40B4-BE49-F238E27FC236}">
+                  <a16:creationId xmlns:a16="http://schemas.microsoft.com/office/drawing/2014/main" id="{4ACCFD8C-9B0F-1EA4-D4AE-28B88B045FE5}"/>
+                </a:ext>
+              </a:extLst>
+            </p:cNvPr>
+            <p:cNvSpPr/>
+            <p:nvPr/>
+          </p:nvSpPr>
+          <p:spPr>
+            <a:xfrm>
+              <a:off x="4556491" y="3504257"/>
+              <a:ext cx="46494" cy="46800"/>
+            </a:xfrm>
+            <a:prstGeom prst="ellipse">
+              <a:avLst/>
+            </a:prstGeom>
+            <a:solidFill>
+              <a:srgbClr val="C00000"/>
+            </a:solidFill>
+            <a:ln>
+              <a:solidFill>
+                <a:schemeClr val="tx1"/>
+              </a:solidFill>
+            </a:ln>
+          </p:spPr>
+          <p:style>
+            <a:lnRef idx="2">
+              <a:schemeClr val="accent1">
+                <a:shade val="15000"/>
+              </a:schemeClr>
+            </a:lnRef>
+            <a:fillRef idx="1">
+              <a:schemeClr val="accent1"/>
+            </a:fillRef>
+            <a:effectRef idx="0">
+              <a:schemeClr val="accent1"/>
+            </a:effectRef>
+            <a:fontRef idx="minor">
+              <a:schemeClr val="lt1"/>
+            </a:fontRef>
+          </p:style>
+          <p:txBody>
+            <a:bodyPr rtlCol="0" anchor="ctr"/>
+            <a:lstStyle/>
+            <a:p>
+              <a:pPr algn="ctr"/>
+              <a:endParaRPr lang="ko-KR" altLang="en-US"/>
+            </a:p>
+          </p:txBody>
+        </p:sp>
+      </p:grpSp>
+    </p:spTree>
+    <p:extLst>
+      <p:ext uri="{BB962C8B-B14F-4D97-AF65-F5344CB8AC3E}">
+        <p14:creationId xmlns:p14="http://schemas.microsoft.com/office/powerpoint/2010/main" val="1130819038"/>
       </p:ext>
     </p:extLst>
   </p:cSld>

--- a/Control Design PPT.pptx
+++ b/Control Design PPT.pptx
@@ -5,7 +5,7 @@
     <p:sldMasterId id="2147483648" r:id="rId1"/>
   </p:sldMasterIdLst>
   <p:notesMasterIdLst>
-    <p:notesMasterId r:id="rId19"/>
+    <p:notesMasterId r:id="rId21"/>
   </p:notesMasterIdLst>
   <p:sldIdLst>
     <p:sldId id="256" r:id="rId2"/>
@@ -25,6 +25,8 @@
     <p:sldId id="269" r:id="rId16"/>
     <p:sldId id="271" r:id="rId17"/>
     <p:sldId id="272" r:id="rId18"/>
+    <p:sldId id="273" r:id="rId19"/>
+    <p:sldId id="274" r:id="rId20"/>
   </p:sldIdLst>
   <p:sldSz cx="12192000" cy="6858000"/>
   <p:notesSz cx="6858000" cy="9144000"/>
@@ -866,6 +868,62 @@
 </inkml:ink>
 </file>
 
+<file path=ppt/ink/ink34.xml><?xml version="1.0" encoding="utf-8"?>
+<inkml:ink xmlns:inkml="http://www.w3.org/2003/InkML">
+  <inkml:definitions>
+    <inkml:context xml:id="ctx0">
+      <inkml:inkSource xml:id="inkSrc0">
+        <inkml:traceFormat>
+          <inkml:channel name="X" type="integer" min="-2.14748E9" max="2.14748E9" units="cm"/>
+          <inkml:channel name="Y" type="integer" min="-2.14748E9" max="2.14748E9" units="cm"/>
+          <inkml:channel name="F" type="integer" max="32767" units="dev"/>
+        </inkml:traceFormat>
+        <inkml:channelProperties>
+          <inkml:channelProperty channel="X" name="resolution" value="1000" units="1/cm"/>
+          <inkml:channelProperty channel="Y" name="resolution" value="1000" units="1/cm"/>
+          <inkml:channelProperty channel="F" name="resolution" value="0" units="1/dev"/>
+        </inkml:channelProperties>
+      </inkml:inkSource>
+      <inkml:timestamp xml:id="ts0" timeString="2026-01-16T08:06:51.864"/>
+    </inkml:context>
+    <inkml:brush xml:id="br0">
+      <inkml:brushProperty name="width" value="0.035" units="cm"/>
+      <inkml:brushProperty name="height" value="0.035" units="cm"/>
+      <inkml:brushProperty name="color" value="#E71224"/>
+    </inkml:brush>
+  </inkml:definitions>
+  <inkml:trace contextRef="#ctx0" brushRef="#br0">80 23 24575,'-3'-1'0,"0"1"0,0 0 0,0 0 0,1 0 0,-1 0 0,0 0 0,0 1 0,0-1 0,0 1 0,0 0 0,0 0 0,0 0 0,1 0 0,-1 0 0,0 1 0,1-1 0,-1 1 0,1-1 0,0 1 0,-1 0 0,1 0 0,0 0 0,0 1 0,0-1 0,1 0 0,-1 1 0,0-1 0,1 1 0,0 0 0,-1-1 0,1 1 0,0 0 0,1 0 0,-1 0 0,0 0 0,1 0 0,-1 0 0,1-1 0,0 1 0,1 6 0,-1-5 0,0 0 0,1 0 0,0 0 0,-1 1 0,2-1 0,-1-1 0,0 1 0,1 0 0,0 0 0,-1 0 0,1-1 0,1 1 0,-1-1 0,1 0 0,-1 1 0,1-1 0,0 0 0,0-1 0,0 1 0,1 0 0,-1-1 0,0 0 0,1 0 0,4 2 0,-6-3 0,0 0 0,0 0 0,0-1 0,1 1 0,-1-1 0,0 0 0,0 1 0,0-1 0,1 0 0,-1 0 0,0 0 0,0-1 0,0 1 0,1 0 0,-1-1 0,0 0 0,0 1 0,3-3 0,-2 2 0,-1-1 0,0 0 0,0 0 0,0 0 0,0 0 0,0 0 0,0-1 0,0 1 0,-1 0 0,1-1 0,-1 1 0,0-1 0,0 0 0,0 1 0,0-1 0,0 0 0,0 0 0,0-3 0,1-13-231,0 0-1,-1 0 1,-2-27 0,0 40-209,0-18-6386</inkml:trace>
+</inkml:ink>
+</file>
+
+<file path=ppt/ink/ink35.xml><?xml version="1.0" encoding="utf-8"?>
+<inkml:ink xmlns:inkml="http://www.w3.org/2003/InkML">
+  <inkml:definitions>
+    <inkml:context xml:id="ctx0">
+      <inkml:inkSource xml:id="inkSrc0">
+        <inkml:traceFormat>
+          <inkml:channel name="X" type="integer" min="-2.14748E9" max="2.14748E9" units="cm"/>
+          <inkml:channel name="Y" type="integer" min="-2.14748E9" max="2.14748E9" units="cm"/>
+          <inkml:channel name="F" type="integer" max="32767" units="dev"/>
+        </inkml:traceFormat>
+        <inkml:channelProperties>
+          <inkml:channelProperty channel="X" name="resolution" value="1000" units="1/cm"/>
+          <inkml:channelProperty channel="Y" name="resolution" value="1000" units="1/cm"/>
+          <inkml:channelProperty channel="F" name="resolution" value="0" units="1/dev"/>
+        </inkml:channelProperties>
+      </inkml:inkSource>
+      <inkml:timestamp xml:id="ts0" timeString="2026-01-16T08:07:12.035"/>
+    </inkml:context>
+    <inkml:brush xml:id="br0">
+      <inkml:brushProperty name="width" value="0.035" units="cm"/>
+      <inkml:brushProperty name="height" value="0.035" units="cm"/>
+      <inkml:brushProperty name="color" value="#E71224"/>
+    </inkml:brush>
+  </inkml:definitions>
+  <inkml:trace contextRef="#ctx0" brushRef="#br0">217 0 24575,'-18'1'0,"1"-1"0,-1 2 0,1 1 0,-1 0 0,1 1 0,-31 12 0,43-14 0,1 0 0,0 0 0,-1 0 0,1 1 0,0 0 0,0 0 0,0 0 0,1 0 0,-1 1 0,1 0 0,0-1 0,-5 8 0,6-7 0,1-1 0,0 1 0,0-1 0,0 1 0,0-1 0,0 1 0,1 0 0,-1-1 0,1 1 0,0 0 0,0 0 0,1-1 0,-1 1 0,1 0 0,0-1 0,0 1 0,0 0 0,0-1 0,2 4 0,-2-5 0,0 0 0,0 0 0,-1 0 0,1 0 0,1 0 0,-1-1 0,0 1 0,0 0 0,0-1 0,1 1 0,-1-1 0,1 1 0,0-1 0,-1 0 0,1 0 0,0 0 0,0 0 0,-1 0 0,1 0 0,0 0 0,0 0 0,0-1 0,0 1 0,0-1 0,0 1 0,0-1 0,0 0 0,1 0 0,-1 0 0,0 0 0,0 0 0,0-1 0,0 1 0,0 0 0,0-1 0,2-1 0,0 1 0,0-1 0,0 0 0,0 0 0,-1 0 0,1 0 0,-1 0 0,1-1 0,-1 0 0,0 0 0,0 0 0,0 0 0,0 0 0,-1-1 0,0 1 0,1-1 0,-1 1 0,2-6 0,4-14-455,0 0 0,7-35 0,-13 39-6371</inkml:trace>
+</inkml:ink>
+</file>
+
 <file path=ppt/ink/ink4.xml><?xml version="1.0" encoding="utf-8"?>
 <inkml:ink xmlns:inkml="http://www.w3.org/2003/InkML">
   <inkml:definitions>
@@ -1110,7 +1168,7 @@
           <a:p>
             <a:fld id="{4ED325A6-F241-40D7-BF9F-421B71D3CAAD}" type="datetimeFigureOut">
               <a:rPr lang="ko-KR" altLang="en-US" smtClean="0"/>
-              <a:t>2026-01-15</a:t>
+              <a:t>2026-01-16</a:t>
             </a:fld>
             <a:endParaRPr lang="ko-KR" altLang="en-US"/>
           </a:p>
@@ -1692,7 +1750,7 @@
           <a:p>
             <a:fld id="{127C1622-C0C2-42A6-A420-A2525B32B105}" type="datetimeFigureOut">
               <a:rPr lang="ko-KR" altLang="en-US" smtClean="0"/>
-              <a:t>2026-01-15</a:t>
+              <a:t>2026-01-16</a:t>
             </a:fld>
             <a:endParaRPr lang="ko-KR" altLang="en-US"/>
           </a:p>
@@ -1890,7 +1948,7 @@
           <a:p>
             <a:fld id="{127C1622-C0C2-42A6-A420-A2525B32B105}" type="datetimeFigureOut">
               <a:rPr lang="ko-KR" altLang="en-US" smtClean="0"/>
-              <a:t>2026-01-15</a:t>
+              <a:t>2026-01-16</a:t>
             </a:fld>
             <a:endParaRPr lang="ko-KR" altLang="en-US"/>
           </a:p>
@@ -2098,7 +2156,7 @@
           <a:p>
             <a:fld id="{127C1622-C0C2-42A6-A420-A2525B32B105}" type="datetimeFigureOut">
               <a:rPr lang="ko-KR" altLang="en-US" smtClean="0"/>
-              <a:t>2026-01-15</a:t>
+              <a:t>2026-01-16</a:t>
             </a:fld>
             <a:endParaRPr lang="ko-KR" altLang="en-US"/>
           </a:p>
@@ -2296,7 +2354,7 @@
           <a:p>
             <a:fld id="{127C1622-C0C2-42A6-A420-A2525B32B105}" type="datetimeFigureOut">
               <a:rPr lang="ko-KR" altLang="en-US" smtClean="0"/>
-              <a:t>2026-01-15</a:t>
+              <a:t>2026-01-16</a:t>
             </a:fld>
             <a:endParaRPr lang="ko-KR" altLang="en-US"/>
           </a:p>
@@ -2571,7 +2629,7 @@
           <a:p>
             <a:fld id="{127C1622-C0C2-42A6-A420-A2525B32B105}" type="datetimeFigureOut">
               <a:rPr lang="ko-KR" altLang="en-US" smtClean="0"/>
-              <a:t>2026-01-15</a:t>
+              <a:t>2026-01-16</a:t>
             </a:fld>
             <a:endParaRPr lang="ko-KR" altLang="en-US"/>
           </a:p>
@@ -2836,7 +2894,7 @@
           <a:p>
             <a:fld id="{127C1622-C0C2-42A6-A420-A2525B32B105}" type="datetimeFigureOut">
               <a:rPr lang="ko-KR" altLang="en-US" smtClean="0"/>
-              <a:t>2026-01-15</a:t>
+              <a:t>2026-01-16</a:t>
             </a:fld>
             <a:endParaRPr lang="ko-KR" altLang="en-US"/>
           </a:p>
@@ -3248,7 +3306,7 @@
           <a:p>
             <a:fld id="{127C1622-C0C2-42A6-A420-A2525B32B105}" type="datetimeFigureOut">
               <a:rPr lang="ko-KR" altLang="en-US" smtClean="0"/>
-              <a:t>2026-01-15</a:t>
+              <a:t>2026-01-16</a:t>
             </a:fld>
             <a:endParaRPr lang="ko-KR" altLang="en-US"/>
           </a:p>
@@ -3389,7 +3447,7 @@
           <a:p>
             <a:fld id="{127C1622-C0C2-42A6-A420-A2525B32B105}" type="datetimeFigureOut">
               <a:rPr lang="ko-KR" altLang="en-US" smtClean="0"/>
-              <a:t>2026-01-15</a:t>
+              <a:t>2026-01-16</a:t>
             </a:fld>
             <a:endParaRPr lang="ko-KR" altLang="en-US"/>
           </a:p>
@@ -3502,7 +3560,7 @@
           <a:p>
             <a:fld id="{127C1622-C0C2-42A6-A420-A2525B32B105}" type="datetimeFigureOut">
               <a:rPr lang="ko-KR" altLang="en-US" smtClean="0"/>
-              <a:t>2026-01-15</a:t>
+              <a:t>2026-01-16</a:t>
             </a:fld>
             <a:endParaRPr lang="ko-KR" altLang="en-US"/>
           </a:p>
@@ -3813,7 +3871,7 @@
           <a:p>
             <a:fld id="{127C1622-C0C2-42A6-A420-A2525B32B105}" type="datetimeFigureOut">
               <a:rPr lang="ko-KR" altLang="en-US" smtClean="0"/>
-              <a:t>2026-01-15</a:t>
+              <a:t>2026-01-16</a:t>
             </a:fld>
             <a:endParaRPr lang="ko-KR" altLang="en-US"/>
           </a:p>
@@ -4101,7 +4159,7 @@
           <a:p>
             <a:fld id="{127C1622-C0C2-42A6-A420-A2525B32B105}" type="datetimeFigureOut">
               <a:rPr lang="ko-KR" altLang="en-US" smtClean="0"/>
-              <a:t>2026-01-15</a:t>
+              <a:t>2026-01-16</a:t>
             </a:fld>
             <a:endParaRPr lang="ko-KR" altLang="en-US"/>
           </a:p>
@@ -4342,7 +4400,7 @@
           <a:p>
             <a:fld id="{127C1622-C0C2-42A6-A420-A2525B32B105}" type="datetimeFigureOut">
               <a:rPr lang="ko-KR" altLang="en-US" smtClean="0"/>
-              <a:t>2026-01-15</a:t>
+              <a:t>2026-01-16</a:t>
             </a:fld>
             <a:endParaRPr lang="ko-KR" altLang="en-US"/>
           </a:p>
@@ -12007,7 +12065,7 @@
         </p:nvSpPr>
         <p:spPr>
           <a:xfrm>
-            <a:off x="1172181" y="1249680"/>
+            <a:off x="1193557" y="1173480"/>
             <a:ext cx="3970857" cy="3676232"/>
           </a:xfrm>
           <a:prstGeom prst="rect">
@@ -12678,7 +12736,7 @@
         </p:nvGrpSpPr>
         <p:grpSpPr>
           <a:xfrm rot="16200000">
-            <a:off x="8788021" y="3023344"/>
+            <a:off x="7417158" y="3363759"/>
             <a:ext cx="340004" cy="811312"/>
             <a:chOff x="7306608" y="2080088"/>
             <a:chExt cx="340004" cy="811312"/>
@@ -13298,7 +13356,7 @@
         </p:nvSpPr>
         <p:spPr>
           <a:xfrm rot="16200000">
-            <a:off x="8893304" y="2211807"/>
+            <a:off x="8790761" y="1848608"/>
             <a:ext cx="185437" cy="875205"/>
           </a:xfrm>
           <a:prstGeom prst="roundRect">
@@ -13311,18 +13369,9 @@
           </a:solidFill>
           <a:ln>
             <a:solidFill>
-              <a:schemeClr val="bg2">
-                <a:lumMod val="90000"/>
-              </a:schemeClr>
+              <a:schemeClr val="bg2"/>
             </a:solidFill>
           </a:ln>
-          <a:scene3d>
-            <a:camera prst="orthographicFront"/>
-            <a:lightRig rig="flat" dir="t"/>
-          </a:scene3d>
-          <a:sp3d>
-            <a:bevelT w="254000" h="38100" prst="slope"/>
-          </a:sp3d>
         </p:spPr>
         <p:style>
           <a:lnRef idx="2">
@@ -13376,18 +13425,9 @@
           </a:solidFill>
           <a:ln>
             <a:solidFill>
-              <a:schemeClr val="bg2">
-                <a:lumMod val="90000"/>
-              </a:schemeClr>
+              <a:schemeClr val="bg2"/>
             </a:solidFill>
           </a:ln>
-          <a:scene3d>
-            <a:camera prst="orthographicFront"/>
-            <a:lightRig rig="flat" dir="t"/>
-          </a:scene3d>
-          <a:sp3d>
-            <a:bevelT w="254000" h="38100" prst="slope"/>
-          </a:sp3d>
         </p:spPr>
         <p:style>
           <a:lnRef idx="2">
@@ -13428,7 +13468,7 @@
         </p:nvSpPr>
         <p:spPr>
           <a:xfrm>
-            <a:off x="9595859" y="1784651"/>
+            <a:off x="8503882" y="2495947"/>
             <a:ext cx="817200" cy="817683"/>
           </a:xfrm>
           <a:prstGeom prst="ellipse">
@@ -13441,20 +13481,17 @@
           </a:solidFill>
           <a:ln w="38100">
             <a:solidFill>
-              <a:schemeClr val="bg2">
-                <a:lumMod val="75000"/>
+              <a:schemeClr val="bg1">
                 <a:alpha val="0"/>
               </a:schemeClr>
             </a:solidFill>
           </a:ln>
           <a:scene3d>
             <a:camera prst="orthographicFront"/>
-            <a:lightRig rig="threePt" dir="t">
-              <a:rot lat="0" lon="0" rev="12600000"/>
-            </a:lightRig>
+            <a:lightRig rig="flat" dir="t"/>
           </a:scene3d>
           <a:sp3d prstMaterial="softEdge">
-            <a:bevelT w="165100" h="38100" prst="coolSlant"/>
+            <a:bevelT w="165100" h="190500" prst="coolSlant"/>
           </a:sp3d>
         </p:spPr>
         <p:style>
@@ -13496,10 +13533,10 @@
         </p:nvGrpSpPr>
         <p:grpSpPr>
           <a:xfrm>
-            <a:off x="6421170" y="4021297"/>
-            <a:ext cx="1177416" cy="342000"/>
+            <a:off x="8470476" y="1148073"/>
+            <a:ext cx="1048765" cy="342000"/>
             <a:chOff x="7119080" y="2335599"/>
-            <a:chExt cx="1177416" cy="342000"/>
+            <a:chExt cx="1048765" cy="342000"/>
           </a:xfrm>
         </p:grpSpPr>
         <p:sp>
@@ -13516,7 +13553,7 @@
           </p:nvSpPr>
           <p:spPr>
             <a:xfrm>
-              <a:off x="7498218" y="2335599"/>
+              <a:off x="7369567" y="2335599"/>
               <a:ext cx="798278" cy="342000"/>
             </a:xfrm>
             <a:custGeom>
@@ -13888,21 +13925,14 @@
             <a:solidFill>
               <a:srgbClr val="FCFFDD"/>
             </a:solidFill>
-            <a:ln>
+            <a:ln w="12700">
               <a:solidFill>
-                <a:srgbClr val="FCFFDD"/>
+                <a:schemeClr val="bg1">
+                  <a:lumMod val="85000"/>
+                </a:schemeClr>
               </a:solidFill>
             </a:ln>
             <a:effectLst/>
-            <a:scene3d>
-              <a:camera prst="orthographicFront"/>
-              <a:lightRig rig="threePt" dir="t">
-                <a:rot lat="0" lon="0" rev="17400000"/>
-              </a:lightRig>
-            </a:scene3d>
-            <a:sp3d>
-              <a:bevelT w="508000" h="38100" prst="cross"/>
-            </a:sp3d>
           </p:spPr>
           <p:style>
             <a:lnRef idx="2">
@@ -14098,13 +14128,6 @@
                 <a:schemeClr val="bg2"/>
               </a:solidFill>
             </a:ln>
-            <a:scene3d>
-              <a:camera prst="orthographicFront"/>
-              <a:lightRig rig="threePt" dir="t"/>
-            </a:scene3d>
-            <a:sp3d>
-              <a:bevelT w="381000" h="25400" prst="cross"/>
-            </a:sp3d>
           </p:spPr>
           <p:style>
             <a:lnRef idx="2">
@@ -14148,7 +14171,7 @@
         </p:nvGrpSpPr>
         <p:grpSpPr>
           <a:xfrm rot="7469893">
-            <a:off x="2727763" y="2130964"/>
+            <a:off x="2698862" y="2121623"/>
             <a:ext cx="2680542" cy="1719581"/>
             <a:chOff x="5666051" y="354895"/>
             <a:chExt cx="2680542" cy="1719581"/>
@@ -16658,74 +16681,6 @@
           </p:sp>
         </p:grpSp>
       </p:grpSp>
-      <p:sp>
-        <p:nvSpPr>
-          <p:cNvPr id="62" name="타원 61">
-            <a:extLst>
-              <a:ext uri="{FF2B5EF4-FFF2-40B4-BE49-F238E27FC236}">
-                <a16:creationId xmlns:a16="http://schemas.microsoft.com/office/drawing/2014/main" id="{37D1CFCC-019E-BA6F-D3C3-2F7F7828F1BC}"/>
-              </a:ext>
-            </a:extLst>
-          </p:cNvPr>
-          <p:cNvSpPr/>
-          <p:nvPr/>
-        </p:nvSpPr>
-        <p:spPr>
-          <a:xfrm>
-            <a:off x="9675540" y="3599002"/>
-            <a:ext cx="169500" cy="168045"/>
-          </a:xfrm>
-          <a:prstGeom prst="ellipse">
-            <a:avLst/>
-          </a:prstGeom>
-          <a:solidFill>
-            <a:schemeClr val="bg2">
-              <a:lumMod val="90000"/>
-            </a:schemeClr>
-          </a:solidFill>
-          <a:ln w="38100">
-            <a:solidFill>
-              <a:schemeClr val="bg2">
-                <a:lumMod val="75000"/>
-                <a:alpha val="0"/>
-              </a:schemeClr>
-            </a:solidFill>
-          </a:ln>
-          <a:scene3d>
-            <a:camera prst="orthographicFront"/>
-            <a:lightRig rig="threePt" dir="t">
-              <a:rot lat="0" lon="0" rev="12600000"/>
-            </a:lightRig>
-          </a:scene3d>
-          <a:sp3d prstMaterial="softEdge">
-            <a:bevelT w="165100" h="38100" prst="coolSlant"/>
-          </a:sp3d>
-        </p:spPr>
-        <p:style>
-          <a:lnRef idx="2">
-            <a:schemeClr val="accent1">
-              <a:shade val="15000"/>
-            </a:schemeClr>
-          </a:lnRef>
-          <a:fillRef idx="1">
-            <a:schemeClr val="accent1"/>
-          </a:fillRef>
-          <a:effectRef idx="0">
-            <a:schemeClr val="accent1"/>
-          </a:effectRef>
-          <a:fontRef idx="minor">
-            <a:schemeClr val="lt1"/>
-          </a:fontRef>
-        </p:style>
-        <p:txBody>
-          <a:bodyPr rtlCol="0" anchor="ctr"/>
-          <a:lstStyle/>
-          <a:p>
-            <a:pPr algn="ctr"/>
-            <a:endParaRPr lang="ko-KR" altLang="en-US"/>
-          </a:p>
-        </p:txBody>
-      </p:sp>
       <p:grpSp>
         <p:nvGrpSpPr>
           <p:cNvPr id="65" name="그룹 64">
@@ -17597,6 +17552,1449 @@
           </p:sp>
         </p:grpSp>
       </p:grpSp>
+      <p:sp>
+        <p:nvSpPr>
+          <p:cNvPr id="2" name="사각형: 둥근 모서리 1">
+            <a:extLst>
+              <a:ext uri="{FF2B5EF4-FFF2-40B4-BE49-F238E27FC236}">
+                <a16:creationId xmlns:a16="http://schemas.microsoft.com/office/drawing/2014/main" id="{EACF8990-217E-8F52-34CB-86D030C639E7}"/>
+              </a:ext>
+            </a:extLst>
+          </p:cNvPr>
+          <p:cNvSpPr/>
+          <p:nvPr/>
+        </p:nvSpPr>
+        <p:spPr>
+          <a:xfrm rot="16200000">
+            <a:off x="6588142" y="4412108"/>
+            <a:ext cx="311517" cy="875206"/>
+          </a:xfrm>
+          <a:prstGeom prst="roundRect">
+            <a:avLst>
+              <a:gd name="adj" fmla="val 47694"/>
+            </a:avLst>
+          </a:prstGeom>
+          <a:solidFill>
+            <a:schemeClr val="bg2"/>
+          </a:solidFill>
+          <a:ln>
+            <a:solidFill>
+              <a:schemeClr val="bg2">
+                <a:lumMod val="90000"/>
+              </a:schemeClr>
+            </a:solidFill>
+          </a:ln>
+          <a:scene3d>
+            <a:camera prst="orthographicFront"/>
+            <a:lightRig rig="flat" dir="t"/>
+          </a:scene3d>
+          <a:sp3d>
+            <a:bevelT w="254000" h="38100" prst="slope"/>
+          </a:sp3d>
+        </p:spPr>
+        <p:style>
+          <a:lnRef idx="2">
+            <a:schemeClr val="accent1">
+              <a:shade val="15000"/>
+            </a:schemeClr>
+          </a:lnRef>
+          <a:fillRef idx="1">
+            <a:schemeClr val="accent1"/>
+          </a:fillRef>
+          <a:effectRef idx="0">
+            <a:schemeClr val="accent1"/>
+          </a:effectRef>
+          <a:fontRef idx="minor">
+            <a:schemeClr val="lt1"/>
+          </a:fontRef>
+        </p:style>
+        <p:txBody>
+          <a:bodyPr rtlCol="0" anchor="ctr"/>
+          <a:lstStyle/>
+          <a:p>
+            <a:pPr algn="ctr"/>
+            <a:endParaRPr lang="ko-KR" altLang="en-US"/>
+          </a:p>
+        </p:txBody>
+      </p:sp>
+      <p:sp>
+        <p:nvSpPr>
+          <p:cNvPr id="3" name="타원 2">
+            <a:extLst>
+              <a:ext uri="{FF2B5EF4-FFF2-40B4-BE49-F238E27FC236}">
+                <a16:creationId xmlns:a16="http://schemas.microsoft.com/office/drawing/2014/main" id="{2F31BF83-4690-3A40-4405-EEBA705C8BEF}"/>
+              </a:ext>
+            </a:extLst>
+          </p:cNvPr>
+          <p:cNvSpPr/>
+          <p:nvPr/>
+        </p:nvSpPr>
+        <p:spPr>
+          <a:xfrm>
+            <a:off x="6224385" y="4826851"/>
+            <a:ext cx="45719" cy="45719"/>
+          </a:xfrm>
+          <a:prstGeom prst="ellipse">
+            <a:avLst/>
+          </a:prstGeom>
+        </p:spPr>
+        <p:style>
+          <a:lnRef idx="2">
+            <a:schemeClr val="accent1">
+              <a:shade val="15000"/>
+            </a:schemeClr>
+          </a:lnRef>
+          <a:fillRef idx="1">
+            <a:schemeClr val="accent1"/>
+          </a:fillRef>
+          <a:effectRef idx="0">
+            <a:schemeClr val="accent1"/>
+          </a:effectRef>
+          <a:fontRef idx="minor">
+            <a:schemeClr val="lt1"/>
+          </a:fontRef>
+        </p:style>
+        <p:txBody>
+          <a:bodyPr rtlCol="0" anchor="ctr"/>
+          <a:lstStyle/>
+          <a:p>
+            <a:pPr algn="ctr"/>
+            <a:endParaRPr lang="ko-KR" altLang="en-US"/>
+          </a:p>
+        </p:txBody>
+      </p:sp>
+      <p:sp>
+        <p:nvSpPr>
+          <p:cNvPr id="4" name="타원 3">
+            <a:extLst>
+              <a:ext uri="{FF2B5EF4-FFF2-40B4-BE49-F238E27FC236}">
+                <a16:creationId xmlns:a16="http://schemas.microsoft.com/office/drawing/2014/main" id="{A62F881D-D63C-3C3D-AFE1-E9C4D55C6DE6}"/>
+              </a:ext>
+            </a:extLst>
+          </p:cNvPr>
+          <p:cNvSpPr/>
+          <p:nvPr/>
+        </p:nvSpPr>
+        <p:spPr>
+          <a:xfrm>
+            <a:off x="6452199" y="4826850"/>
+            <a:ext cx="45719" cy="45719"/>
+          </a:xfrm>
+          <a:prstGeom prst="ellipse">
+            <a:avLst/>
+          </a:prstGeom>
+        </p:spPr>
+        <p:style>
+          <a:lnRef idx="2">
+            <a:schemeClr val="accent1">
+              <a:shade val="15000"/>
+            </a:schemeClr>
+          </a:lnRef>
+          <a:fillRef idx="1">
+            <a:schemeClr val="accent1"/>
+          </a:fillRef>
+          <a:effectRef idx="0">
+            <a:schemeClr val="accent1"/>
+          </a:effectRef>
+          <a:fontRef idx="minor">
+            <a:schemeClr val="lt1"/>
+          </a:fontRef>
+        </p:style>
+        <p:txBody>
+          <a:bodyPr rtlCol="0" anchor="ctr"/>
+          <a:lstStyle/>
+          <a:p>
+            <a:pPr algn="ctr"/>
+            <a:endParaRPr lang="ko-KR" altLang="en-US"/>
+          </a:p>
+        </p:txBody>
+      </p:sp>
+      <p:grpSp>
+        <p:nvGrpSpPr>
+          <p:cNvPr id="6" name="그룹 5">
+            <a:extLst>
+              <a:ext uri="{FF2B5EF4-FFF2-40B4-BE49-F238E27FC236}">
+                <a16:creationId xmlns:a16="http://schemas.microsoft.com/office/drawing/2014/main" id="{D32FC8E5-6CF5-2352-1EF1-ECDD8B20E448}"/>
+              </a:ext>
+            </a:extLst>
+          </p:cNvPr>
+          <p:cNvGrpSpPr/>
+          <p:nvPr/>
+        </p:nvGrpSpPr>
+        <p:grpSpPr>
+          <a:xfrm rot="7690259">
+            <a:off x="5500751" y="5269255"/>
+            <a:ext cx="1069994" cy="1064158"/>
+            <a:chOff x="7172504" y="312052"/>
+            <a:chExt cx="1069994" cy="1064158"/>
+          </a:xfrm>
+        </p:grpSpPr>
+        <p:sp>
+          <p:nvSpPr>
+            <p:cNvPr id="7" name="타원 6">
+              <a:extLst>
+                <a:ext uri="{FF2B5EF4-FFF2-40B4-BE49-F238E27FC236}">
+                  <a16:creationId xmlns:a16="http://schemas.microsoft.com/office/drawing/2014/main" id="{078CFA0A-17BA-A54D-DF58-42D30595D038}"/>
+                </a:ext>
+              </a:extLst>
+            </p:cNvPr>
+            <p:cNvSpPr/>
+            <p:nvPr/>
+          </p:nvSpPr>
+          <p:spPr>
+            <a:xfrm>
+              <a:off x="7232204" y="786256"/>
+              <a:ext cx="493798" cy="481962"/>
+            </a:xfrm>
+            <a:prstGeom prst="ellipse">
+              <a:avLst/>
+            </a:prstGeom>
+            <a:solidFill>
+              <a:schemeClr val="bg2">
+                <a:lumMod val="90000"/>
+              </a:schemeClr>
+            </a:solidFill>
+            <a:ln w="38100">
+              <a:solidFill>
+                <a:schemeClr val="bg2">
+                  <a:lumMod val="75000"/>
+                  <a:alpha val="0"/>
+                </a:schemeClr>
+              </a:solidFill>
+            </a:ln>
+            <a:scene3d>
+              <a:camera prst="orthographicFront"/>
+              <a:lightRig rig="threePt" dir="t">
+                <a:rot lat="0" lon="0" rev="2700000"/>
+              </a:lightRig>
+            </a:scene3d>
+            <a:sp3d prstMaterial="softEdge">
+              <a:bevelT w="165100" prst="coolSlant"/>
+            </a:sp3d>
+          </p:spPr>
+          <p:style>
+            <a:lnRef idx="2">
+              <a:schemeClr val="accent1">
+                <a:shade val="15000"/>
+              </a:schemeClr>
+            </a:lnRef>
+            <a:fillRef idx="1">
+              <a:schemeClr val="accent1"/>
+            </a:fillRef>
+            <a:effectRef idx="0">
+              <a:schemeClr val="accent1"/>
+            </a:effectRef>
+            <a:fontRef idx="minor">
+              <a:schemeClr val="lt1"/>
+            </a:fontRef>
+          </p:style>
+          <p:txBody>
+            <a:bodyPr rtlCol="0" anchor="ctr"/>
+            <a:lstStyle/>
+            <a:p>
+              <a:pPr algn="ctr"/>
+              <a:endParaRPr lang="ko-KR" altLang="en-US"/>
+            </a:p>
+          </p:txBody>
+        </p:sp>
+        <p:sp>
+          <p:nvSpPr>
+            <p:cNvPr id="8" name="사각형: 둥근 모서리 7">
+              <a:extLst>
+                <a:ext uri="{FF2B5EF4-FFF2-40B4-BE49-F238E27FC236}">
+                  <a16:creationId xmlns:a16="http://schemas.microsoft.com/office/drawing/2014/main" id="{1E545E5E-C3A6-D0DC-39E6-30CFDFB43E16}"/>
+                </a:ext>
+              </a:extLst>
+            </p:cNvPr>
+            <p:cNvSpPr/>
+            <p:nvPr/>
+          </p:nvSpPr>
+          <p:spPr>
+            <a:xfrm>
+              <a:off x="7320472" y="312052"/>
+              <a:ext cx="340893" cy="875206"/>
+            </a:xfrm>
+            <a:prstGeom prst="roundRect">
+              <a:avLst>
+                <a:gd name="adj" fmla="val 47694"/>
+              </a:avLst>
+            </a:prstGeom>
+            <a:solidFill>
+              <a:schemeClr val="bg2"/>
+            </a:solidFill>
+            <a:ln>
+              <a:solidFill>
+                <a:schemeClr val="bg2">
+                  <a:lumMod val="90000"/>
+                </a:schemeClr>
+              </a:solidFill>
+            </a:ln>
+            <a:scene3d>
+              <a:camera prst="orthographicFront"/>
+              <a:lightRig rig="flat" dir="t"/>
+            </a:scene3d>
+            <a:sp3d>
+              <a:bevelT w="254000" h="38100" prst="slope"/>
+            </a:sp3d>
+          </p:spPr>
+          <p:style>
+            <a:lnRef idx="2">
+              <a:schemeClr val="accent1">
+                <a:shade val="15000"/>
+              </a:schemeClr>
+            </a:lnRef>
+            <a:fillRef idx="1">
+              <a:schemeClr val="accent1"/>
+            </a:fillRef>
+            <a:effectRef idx="0">
+              <a:schemeClr val="accent1"/>
+            </a:effectRef>
+            <a:fontRef idx="minor">
+              <a:schemeClr val="lt1"/>
+            </a:fontRef>
+          </p:style>
+          <p:txBody>
+            <a:bodyPr rtlCol="0" anchor="ctr"/>
+            <a:lstStyle/>
+            <a:p>
+              <a:pPr algn="ctr"/>
+              <a:endParaRPr lang="ko-KR" altLang="en-US"/>
+            </a:p>
+          </p:txBody>
+        </p:sp>
+        <p:sp>
+          <p:nvSpPr>
+            <p:cNvPr id="9" name="사각형: 둥근 모서리 8">
+              <a:extLst>
+                <a:ext uri="{FF2B5EF4-FFF2-40B4-BE49-F238E27FC236}">
+                  <a16:creationId xmlns:a16="http://schemas.microsoft.com/office/drawing/2014/main" id="{DFD07E8F-A973-E40B-06A6-142D5193EFFF}"/>
+                </a:ext>
+              </a:extLst>
+            </p:cNvPr>
+            <p:cNvSpPr/>
+            <p:nvPr/>
+          </p:nvSpPr>
+          <p:spPr>
+            <a:xfrm rot="7408681">
+              <a:off x="7712177" y="239417"/>
+              <a:ext cx="185437" cy="875205"/>
+            </a:xfrm>
+            <a:prstGeom prst="roundRect">
+              <a:avLst>
+                <a:gd name="adj" fmla="val 47694"/>
+              </a:avLst>
+            </a:prstGeom>
+            <a:solidFill>
+              <a:schemeClr val="bg2"/>
+            </a:solidFill>
+            <a:ln>
+              <a:solidFill>
+                <a:schemeClr val="bg2">
+                  <a:lumMod val="90000"/>
+                </a:schemeClr>
+              </a:solidFill>
+            </a:ln>
+            <a:scene3d>
+              <a:camera prst="orthographicFront"/>
+              <a:lightRig rig="flat" dir="t"/>
+            </a:scene3d>
+            <a:sp3d>
+              <a:bevelT w="254000" h="38100" prst="slope"/>
+            </a:sp3d>
+          </p:spPr>
+          <p:style>
+            <a:lnRef idx="2">
+              <a:schemeClr val="accent1">
+                <a:shade val="15000"/>
+              </a:schemeClr>
+            </a:lnRef>
+            <a:fillRef idx="1">
+              <a:schemeClr val="accent1"/>
+            </a:fillRef>
+            <a:effectRef idx="0">
+              <a:schemeClr val="accent1"/>
+            </a:effectRef>
+            <a:fontRef idx="minor">
+              <a:schemeClr val="lt1"/>
+            </a:fontRef>
+          </p:style>
+          <p:txBody>
+            <a:bodyPr rtlCol="0" anchor="ctr"/>
+            <a:lstStyle/>
+            <a:p>
+              <a:pPr algn="ctr"/>
+              <a:endParaRPr lang="ko-KR" altLang="en-US"/>
+            </a:p>
+          </p:txBody>
+        </p:sp>
+        <p:grpSp>
+          <p:nvGrpSpPr>
+            <p:cNvPr id="10" name="그룹 9">
+              <a:extLst>
+                <a:ext uri="{FF2B5EF4-FFF2-40B4-BE49-F238E27FC236}">
+                  <a16:creationId xmlns:a16="http://schemas.microsoft.com/office/drawing/2014/main" id="{FDD1EEE7-320E-32EB-4447-136331D15FC3}"/>
+                </a:ext>
+              </a:extLst>
+            </p:cNvPr>
+            <p:cNvGrpSpPr/>
+            <p:nvPr/>
+          </p:nvGrpSpPr>
+          <p:grpSpPr>
+            <a:xfrm rot="8672181">
+              <a:off x="7172504" y="1034210"/>
+              <a:ext cx="1047436" cy="342000"/>
+              <a:chOff x="7203754" y="2268932"/>
+              <a:chExt cx="1047436" cy="342000"/>
+            </a:xfrm>
+          </p:grpSpPr>
+          <p:sp>
+            <p:nvSpPr>
+              <p:cNvPr id="12" name="자유형: 도형 11">
+                <a:extLst>
+                  <a:ext uri="{FF2B5EF4-FFF2-40B4-BE49-F238E27FC236}">
+                    <a16:creationId xmlns:a16="http://schemas.microsoft.com/office/drawing/2014/main" id="{AA9124DD-C5A2-4584-274C-8737D62A04BA}"/>
+                  </a:ext>
+                </a:extLst>
+              </p:cNvPr>
+              <p:cNvSpPr/>
+              <p:nvPr/>
+            </p:nvSpPr>
+            <p:spPr>
+              <a:xfrm>
+                <a:off x="7452912" y="2268932"/>
+                <a:ext cx="798278" cy="342000"/>
+              </a:xfrm>
+              <a:custGeom>
+                <a:avLst/>
+                <a:gdLst>
+                  <a:gd name="csX0" fmla="*/ 281505 w 798278"/>
+                  <a:gd name="csY0" fmla="*/ 0 h 342000"/>
+                  <a:gd name="csX1" fmla="*/ 444732 w 798278"/>
+                  <a:gd name="csY1" fmla="*/ 0 h 342000"/>
+                  <a:gd name="csX2" fmla="*/ 444732 w 798278"/>
+                  <a:gd name="csY2" fmla="*/ 3128 h 342000"/>
+                  <a:gd name="csX3" fmla="*/ 447264 w 798278"/>
+                  <a:gd name="csY3" fmla="*/ 248 h 342000"/>
+                  <a:gd name="csX4" fmla="*/ 690692 w 798278"/>
+                  <a:gd name="csY4" fmla="*/ 248 h 342000"/>
+                  <a:gd name="csX5" fmla="*/ 783490 w 798278"/>
+                  <a:gd name="csY5" fmla="*/ 29298 h 342000"/>
+                  <a:gd name="csX6" fmla="*/ 798277 w 798278"/>
+                  <a:gd name="csY6" fmla="*/ 41801 h 342000"/>
+                  <a:gd name="csX7" fmla="*/ 647837 w 798278"/>
+                  <a:gd name="csY7" fmla="*/ 41801 h 342000"/>
+                  <a:gd name="csX8" fmla="*/ 569275 w 798278"/>
+                  <a:gd name="csY8" fmla="*/ 63755 h 342000"/>
+                  <a:gd name="csX9" fmla="*/ 550148 w 798278"/>
+                  <a:gd name="csY9" fmla="*/ 79653 h 342000"/>
+                  <a:gd name="csX10" fmla="*/ 547652 w 798278"/>
+                  <a:gd name="csY10" fmla="*/ 81193 h 342000"/>
+                  <a:gd name="csX11" fmla="*/ 546633 w 798278"/>
+                  <a:gd name="csY11" fmla="*/ 82575 h 342000"/>
+                  <a:gd name="csX12" fmla="*/ 539410 w 798278"/>
+                  <a:gd name="csY12" fmla="*/ 88579 h 342000"/>
+                  <a:gd name="csX13" fmla="*/ 518366 w 798278"/>
+                  <a:gd name="csY13" fmla="*/ 120310 h 342000"/>
+                  <a:gd name="csX14" fmla="*/ 518172 w 798278"/>
+                  <a:gd name="csY14" fmla="*/ 121194 h 342000"/>
+                  <a:gd name="csX15" fmla="*/ 518147 w 798278"/>
+                  <a:gd name="csY15" fmla="*/ 121227 h 342000"/>
+                  <a:gd name="csX16" fmla="*/ 507328 w 798278"/>
+                  <a:gd name="csY16" fmla="*/ 170251 h 342000"/>
+                  <a:gd name="csX17" fmla="*/ 518147 w 798278"/>
+                  <a:gd name="csY17" fmla="*/ 219275 h 342000"/>
+                  <a:gd name="csX18" fmla="*/ 518172 w 798278"/>
+                  <a:gd name="csY18" fmla="*/ 219310 h 342000"/>
+                  <a:gd name="csX19" fmla="*/ 518367 w 798278"/>
+                  <a:gd name="csY19" fmla="*/ 220191 h 342000"/>
+                  <a:gd name="csX20" fmla="*/ 539411 w 798278"/>
+                  <a:gd name="csY20" fmla="*/ 251921 h 342000"/>
+                  <a:gd name="csX21" fmla="*/ 546631 w 798278"/>
+                  <a:gd name="csY21" fmla="*/ 257922 h 342000"/>
+                  <a:gd name="csX22" fmla="*/ 547652 w 798278"/>
+                  <a:gd name="csY22" fmla="*/ 259309 h 342000"/>
+                  <a:gd name="csX23" fmla="*/ 550156 w 798278"/>
+                  <a:gd name="csY23" fmla="*/ 260853 h 342000"/>
+                  <a:gd name="csX24" fmla="*/ 569275 w 798278"/>
+                  <a:gd name="csY24" fmla="*/ 276746 h 342000"/>
+                  <a:gd name="csX25" fmla="*/ 647838 w 798278"/>
+                  <a:gd name="csY25" fmla="*/ 298699 h 342000"/>
+                  <a:gd name="csX26" fmla="*/ 798278 w 798278"/>
+                  <a:gd name="csY26" fmla="*/ 298699 h 342000"/>
+                  <a:gd name="csX27" fmla="*/ 783491 w 798278"/>
+                  <a:gd name="csY27" fmla="*/ 311203 h 342000"/>
+                  <a:gd name="csX28" fmla="*/ 690693 w 798278"/>
+                  <a:gd name="csY28" fmla="*/ 340252 h 342000"/>
+                  <a:gd name="csX29" fmla="*/ 447265 w 798278"/>
+                  <a:gd name="csY29" fmla="*/ 340252 h 342000"/>
+                  <a:gd name="csX30" fmla="*/ 444732 w 798278"/>
+                  <a:gd name="csY30" fmla="*/ 337371 h 342000"/>
+                  <a:gd name="csX31" fmla="*/ 444732 w 798278"/>
+                  <a:gd name="csY31" fmla="*/ 342000 h 342000"/>
+                  <a:gd name="csX32" fmla="*/ 281505 w 798278"/>
+                  <a:gd name="csY32" fmla="*/ 342000 h 342000"/>
+                  <a:gd name="csX33" fmla="*/ 142890 w 798278"/>
+                  <a:gd name="csY33" fmla="*/ 207916 h 342000"/>
+                  <a:gd name="csX34" fmla="*/ 7440 w 798278"/>
+                  <a:gd name="csY34" fmla="*/ 207916 h 342000"/>
+                  <a:gd name="csX35" fmla="*/ 39 w 798278"/>
+                  <a:gd name="csY35" fmla="*/ 170344 h 342000"/>
+                  <a:gd name="csX36" fmla="*/ 0 w 798278"/>
+                  <a:gd name="csY36" fmla="*/ 170344 h 342000"/>
+                  <a:gd name="csX37" fmla="*/ 19 w 798278"/>
+                  <a:gd name="csY37" fmla="*/ 170248 h 342000"/>
+                  <a:gd name="csX38" fmla="*/ 1 w 798278"/>
+                  <a:gd name="csY38" fmla="*/ 170156 h 342000"/>
+                  <a:gd name="csX39" fmla="*/ 38 w 798278"/>
+                  <a:gd name="csY39" fmla="*/ 170156 h 342000"/>
+                  <a:gd name="csX40" fmla="*/ 7439 w 798278"/>
+                  <a:gd name="csY40" fmla="*/ 132584 h 342000"/>
+                  <a:gd name="csX41" fmla="*/ 144441 w 798278"/>
+                  <a:gd name="csY41" fmla="*/ 132584 h 342000"/>
+                </a:gdLst>
+                <a:ahLst/>
+                <a:cxnLst>
+                  <a:cxn ang="0">
+                    <a:pos x="csX0" y="csY0"/>
+                  </a:cxn>
+                  <a:cxn ang="0">
+                    <a:pos x="csX1" y="csY1"/>
+                  </a:cxn>
+                  <a:cxn ang="0">
+                    <a:pos x="csX2" y="csY2"/>
+                  </a:cxn>
+                  <a:cxn ang="0">
+                    <a:pos x="csX3" y="csY3"/>
+                  </a:cxn>
+                  <a:cxn ang="0">
+                    <a:pos x="csX4" y="csY4"/>
+                  </a:cxn>
+                  <a:cxn ang="0">
+                    <a:pos x="csX5" y="csY5"/>
+                  </a:cxn>
+                  <a:cxn ang="0">
+                    <a:pos x="csX6" y="csY6"/>
+                  </a:cxn>
+                  <a:cxn ang="0">
+                    <a:pos x="csX7" y="csY7"/>
+                  </a:cxn>
+                  <a:cxn ang="0">
+                    <a:pos x="csX8" y="csY8"/>
+                  </a:cxn>
+                  <a:cxn ang="0">
+                    <a:pos x="csX9" y="csY9"/>
+                  </a:cxn>
+                  <a:cxn ang="0">
+                    <a:pos x="csX10" y="csY10"/>
+                  </a:cxn>
+                  <a:cxn ang="0">
+                    <a:pos x="csX11" y="csY11"/>
+                  </a:cxn>
+                  <a:cxn ang="0">
+                    <a:pos x="csX12" y="csY12"/>
+                  </a:cxn>
+                  <a:cxn ang="0">
+                    <a:pos x="csX13" y="csY13"/>
+                  </a:cxn>
+                  <a:cxn ang="0">
+                    <a:pos x="csX14" y="csY14"/>
+                  </a:cxn>
+                  <a:cxn ang="0">
+                    <a:pos x="csX15" y="csY15"/>
+                  </a:cxn>
+                  <a:cxn ang="0">
+                    <a:pos x="csX16" y="csY16"/>
+                  </a:cxn>
+                  <a:cxn ang="0">
+                    <a:pos x="csX17" y="csY17"/>
+                  </a:cxn>
+                  <a:cxn ang="0">
+                    <a:pos x="csX18" y="csY18"/>
+                  </a:cxn>
+                  <a:cxn ang="0">
+                    <a:pos x="csX19" y="csY19"/>
+                  </a:cxn>
+                  <a:cxn ang="0">
+                    <a:pos x="csX20" y="csY20"/>
+                  </a:cxn>
+                  <a:cxn ang="0">
+                    <a:pos x="csX21" y="csY21"/>
+                  </a:cxn>
+                  <a:cxn ang="0">
+                    <a:pos x="csX22" y="csY22"/>
+                  </a:cxn>
+                  <a:cxn ang="0">
+                    <a:pos x="csX23" y="csY23"/>
+                  </a:cxn>
+                  <a:cxn ang="0">
+                    <a:pos x="csX24" y="csY24"/>
+                  </a:cxn>
+                  <a:cxn ang="0">
+                    <a:pos x="csX25" y="csY25"/>
+                  </a:cxn>
+                  <a:cxn ang="0">
+                    <a:pos x="csX26" y="csY26"/>
+                  </a:cxn>
+                  <a:cxn ang="0">
+                    <a:pos x="csX27" y="csY27"/>
+                  </a:cxn>
+                  <a:cxn ang="0">
+                    <a:pos x="csX28" y="csY28"/>
+                  </a:cxn>
+                  <a:cxn ang="0">
+                    <a:pos x="csX29" y="csY29"/>
+                  </a:cxn>
+                  <a:cxn ang="0">
+                    <a:pos x="csX30" y="csY30"/>
+                  </a:cxn>
+                  <a:cxn ang="0">
+                    <a:pos x="csX31" y="csY31"/>
+                  </a:cxn>
+                  <a:cxn ang="0">
+                    <a:pos x="csX32" y="csY32"/>
+                  </a:cxn>
+                  <a:cxn ang="0">
+                    <a:pos x="csX33" y="csY33"/>
+                  </a:cxn>
+                  <a:cxn ang="0">
+                    <a:pos x="csX34" y="csY34"/>
+                  </a:cxn>
+                  <a:cxn ang="0">
+                    <a:pos x="csX35" y="csY35"/>
+                  </a:cxn>
+                  <a:cxn ang="0">
+                    <a:pos x="csX36" y="csY36"/>
+                  </a:cxn>
+                  <a:cxn ang="0">
+                    <a:pos x="csX37" y="csY37"/>
+                  </a:cxn>
+                  <a:cxn ang="0">
+                    <a:pos x="csX38" y="csY38"/>
+                  </a:cxn>
+                  <a:cxn ang="0">
+                    <a:pos x="csX39" y="csY39"/>
+                  </a:cxn>
+                  <a:cxn ang="0">
+                    <a:pos x="csX40" y="csY40"/>
+                  </a:cxn>
+                  <a:cxn ang="0">
+                    <a:pos x="csX41" y="csY41"/>
+                  </a:cxn>
+                </a:cxnLst>
+                <a:rect l="l" t="t" r="r" b="b"/>
+                <a:pathLst>
+                  <a:path w="798278" h="342000">
+                    <a:moveTo>
+                      <a:pt x="281505" y="0"/>
+                    </a:moveTo>
+                    <a:lnTo>
+                      <a:pt x="444732" y="0"/>
+                    </a:lnTo>
+                    <a:lnTo>
+                      <a:pt x="444732" y="3128"/>
+                    </a:lnTo>
+                    <a:lnTo>
+                      <a:pt x="447264" y="248"/>
+                    </a:lnTo>
+                    <a:lnTo>
+                      <a:pt x="690692" y="248"/>
+                    </a:lnTo>
+                    <a:cubicBezTo>
+                      <a:pt x="725067" y="248"/>
+                      <a:pt x="757001" y="10957"/>
+                      <a:pt x="783490" y="29298"/>
+                    </a:cubicBezTo>
+                    <a:lnTo>
+                      <a:pt x="798277" y="41801"/>
+                    </a:lnTo>
+                    <a:lnTo>
+                      <a:pt x="647837" y="41801"/>
+                    </a:lnTo>
+                    <a:cubicBezTo>
+                      <a:pt x="618736" y="41801"/>
+                      <a:pt x="591701" y="49894"/>
+                      <a:pt x="569275" y="63755"/>
+                    </a:cubicBezTo>
+                    <a:lnTo>
+                      <a:pt x="550148" y="79653"/>
+                    </a:lnTo>
+                    <a:lnTo>
+                      <a:pt x="547652" y="81193"/>
+                    </a:lnTo>
+                    <a:lnTo>
+                      <a:pt x="546633" y="82575"/>
+                    </a:lnTo>
+                    <a:lnTo>
+                      <a:pt x="539410" y="88579"/>
+                    </a:lnTo>
+                    <a:cubicBezTo>
+                      <a:pt x="530820" y="98102"/>
+                      <a:pt x="523699" y="108776"/>
+                      <a:pt x="518366" y="120310"/>
+                    </a:cubicBezTo>
+                    <a:lnTo>
+                      <a:pt x="518172" y="121194"/>
+                    </a:lnTo>
+                    <a:lnTo>
+                      <a:pt x="518147" y="121227"/>
+                    </a:lnTo>
+                    <a:cubicBezTo>
+                      <a:pt x="511181" y="136294"/>
+                      <a:pt x="507328" y="152861"/>
+                      <a:pt x="507328" y="170251"/>
+                    </a:cubicBezTo>
+                    <a:cubicBezTo>
+                      <a:pt x="507328" y="187640"/>
+                      <a:pt x="511181" y="204207"/>
+                      <a:pt x="518147" y="219275"/>
+                    </a:cubicBezTo>
+                    <a:lnTo>
+                      <a:pt x="518172" y="219310"/>
+                    </a:lnTo>
+                    <a:lnTo>
+                      <a:pt x="518367" y="220191"/>
+                    </a:lnTo>
+                    <a:cubicBezTo>
+                      <a:pt x="523700" y="231725"/>
+                      <a:pt x="530821" y="242398"/>
+                      <a:pt x="539411" y="251921"/>
+                    </a:cubicBezTo>
+                    <a:lnTo>
+                      <a:pt x="546631" y="257922"/>
+                    </a:lnTo>
+                    <a:lnTo>
+                      <a:pt x="547652" y="259309"/>
+                    </a:lnTo>
+                    <a:lnTo>
+                      <a:pt x="550156" y="260853"/>
+                    </a:lnTo>
+                    <a:lnTo>
+                      <a:pt x="569275" y="276746"/>
+                    </a:lnTo>
+                    <a:cubicBezTo>
+                      <a:pt x="591702" y="290606"/>
+                      <a:pt x="618737" y="298699"/>
+                      <a:pt x="647838" y="298699"/>
+                    </a:cubicBezTo>
+                    <a:lnTo>
+                      <a:pt x="798278" y="298699"/>
+                    </a:lnTo>
+                    <a:lnTo>
+                      <a:pt x="783491" y="311203"/>
+                    </a:lnTo>
+                    <a:cubicBezTo>
+                      <a:pt x="757001" y="329543"/>
+                      <a:pt x="725068" y="340252"/>
+                      <a:pt x="690693" y="340252"/>
+                    </a:cubicBezTo>
+                    <a:lnTo>
+                      <a:pt x="447265" y="340252"/>
+                    </a:lnTo>
+                    <a:lnTo>
+                      <a:pt x="444732" y="337371"/>
+                    </a:lnTo>
+                    <a:lnTo>
+                      <a:pt x="444732" y="342000"/>
+                    </a:lnTo>
+                    <a:lnTo>
+                      <a:pt x="281505" y="342000"/>
+                    </a:lnTo>
+                    <a:lnTo>
+                      <a:pt x="142890" y="207916"/>
+                    </a:lnTo>
+                    <a:lnTo>
+                      <a:pt x="7440" y="207916"/>
+                    </a:lnTo>
+                    <a:lnTo>
+                      <a:pt x="39" y="170344"/>
+                    </a:lnTo>
+                    <a:lnTo>
+                      <a:pt x="0" y="170344"/>
+                    </a:lnTo>
+                    <a:lnTo>
+                      <a:pt x="19" y="170248"/>
+                    </a:lnTo>
+                    <a:lnTo>
+                      <a:pt x="1" y="170156"/>
+                    </a:lnTo>
+                    <a:lnTo>
+                      <a:pt x="38" y="170156"/>
+                    </a:lnTo>
+                    <a:lnTo>
+                      <a:pt x="7439" y="132584"/>
+                    </a:lnTo>
+                    <a:lnTo>
+                      <a:pt x="144441" y="132584"/>
+                    </a:lnTo>
+                    <a:close/>
+                  </a:path>
+                </a:pathLst>
+              </a:custGeom>
+              <a:solidFill>
+                <a:srgbClr val="FCFFDD"/>
+              </a:solidFill>
+              <a:ln>
+                <a:solidFill>
+                  <a:srgbClr val="FCFFDD"/>
+                </a:solidFill>
+              </a:ln>
+              <a:effectLst/>
+              <a:scene3d>
+                <a:camera prst="orthographicFront"/>
+                <a:lightRig rig="threePt" dir="t">
+                  <a:rot lat="0" lon="0" rev="17400000"/>
+                </a:lightRig>
+              </a:scene3d>
+              <a:sp3d>
+                <a:bevelT w="508000" h="38100" prst="cross"/>
+              </a:sp3d>
+            </p:spPr>
+            <p:style>
+              <a:lnRef idx="2">
+                <a:schemeClr val="accent1">
+                  <a:shade val="15000"/>
+                </a:schemeClr>
+              </a:lnRef>
+              <a:fillRef idx="1">
+                <a:schemeClr val="accent1"/>
+              </a:fillRef>
+              <a:effectRef idx="0">
+                <a:schemeClr val="accent1"/>
+              </a:effectRef>
+              <a:fontRef idx="minor">
+                <a:schemeClr val="lt1"/>
+              </a:fontRef>
+            </p:style>
+            <p:txBody>
+              <a:bodyPr wrap="square" rtlCol="0" anchor="ctr">
+                <a:noAutofit/>
+              </a:bodyPr>
+              <a:lstStyle/>
+              <a:p>
+                <a:pPr algn="ctr"/>
+                <a:endParaRPr lang="ko-KR" altLang="en-US" dirty="0">
+                  <a:solidFill>
+                    <a:sysClr val="windowText" lastClr="000000"/>
+                  </a:solidFill>
+                </a:endParaRPr>
+              </a:p>
+            </p:txBody>
+          </p:sp>
+          <p:sp>
+            <p:nvSpPr>
+              <p:cNvPr id="13" name="자유형: 도형 12">
+                <a:extLst>
+                  <a:ext uri="{FF2B5EF4-FFF2-40B4-BE49-F238E27FC236}">
+                    <a16:creationId xmlns:a16="http://schemas.microsoft.com/office/drawing/2014/main" id="{82E725BF-7BE1-E908-3A23-8AD65B64341F}"/>
+                  </a:ext>
+                </a:extLst>
+              </p:cNvPr>
+              <p:cNvSpPr/>
+              <p:nvPr/>
+            </p:nvSpPr>
+            <p:spPr>
+              <a:xfrm>
+                <a:off x="7203754" y="2368260"/>
+                <a:ext cx="345775" cy="141590"/>
+              </a:xfrm>
+              <a:custGeom>
+                <a:avLst/>
+                <a:gdLst>
+                  <a:gd name="csX0" fmla="*/ 98886 w 390646"/>
+                  <a:gd name="csY0" fmla="*/ 0 h 141590"/>
+                  <a:gd name="csX1" fmla="*/ 314678 w 390646"/>
+                  <a:gd name="csY1" fmla="*/ 0 h 141590"/>
+                  <a:gd name="csX2" fmla="*/ 390646 w 390646"/>
+                  <a:gd name="csY2" fmla="*/ 16526 h 141590"/>
+                  <a:gd name="csX3" fmla="*/ 390646 w 390646"/>
+                  <a:gd name="csY3" fmla="*/ 32120 h 141590"/>
+                  <a:gd name="csX4" fmla="*/ 292923 w 390646"/>
+                  <a:gd name="csY4" fmla="*/ 32120 h 141590"/>
+                  <a:gd name="csX5" fmla="*/ 292923 w 390646"/>
+                  <a:gd name="csY5" fmla="*/ 109470 h 141590"/>
+                  <a:gd name="csX6" fmla="*/ 390646 w 390646"/>
+                  <a:gd name="csY6" fmla="*/ 109470 h 141590"/>
+                  <a:gd name="csX7" fmla="*/ 390646 w 390646"/>
+                  <a:gd name="csY7" fmla="*/ 125065 h 141590"/>
+                  <a:gd name="csX8" fmla="*/ 314678 w 390646"/>
+                  <a:gd name="csY8" fmla="*/ 141590 h 141590"/>
+                  <a:gd name="csX9" fmla="*/ 169200 w 390646"/>
+                  <a:gd name="csY9" fmla="*/ 141590 h 141590"/>
+                  <a:gd name="csX10" fmla="*/ 98886 w 390646"/>
+                  <a:gd name="csY10" fmla="*/ 141590 h 141590"/>
+                  <a:gd name="csX11" fmla="*/ 84600 w 390646"/>
+                  <a:gd name="csY11" fmla="*/ 141590 h 141590"/>
+                  <a:gd name="csX12" fmla="*/ 0 w 390646"/>
+                  <a:gd name="csY12" fmla="*/ 71390 h 141590"/>
+                  <a:gd name="csX13" fmla="*/ 84600 w 390646"/>
+                  <a:gd name="csY13" fmla="*/ 1190 h 141590"/>
+                  <a:gd name="csX14" fmla="*/ 98886 w 390646"/>
+                  <a:gd name="csY14" fmla="*/ 1190 h 141590"/>
+                </a:gdLst>
+                <a:ahLst/>
+                <a:cxnLst>
+                  <a:cxn ang="0">
+                    <a:pos x="csX0" y="csY0"/>
+                  </a:cxn>
+                  <a:cxn ang="0">
+                    <a:pos x="csX1" y="csY1"/>
+                  </a:cxn>
+                  <a:cxn ang="0">
+                    <a:pos x="csX2" y="csY2"/>
+                  </a:cxn>
+                  <a:cxn ang="0">
+                    <a:pos x="csX3" y="csY3"/>
+                  </a:cxn>
+                  <a:cxn ang="0">
+                    <a:pos x="csX4" y="csY4"/>
+                  </a:cxn>
+                  <a:cxn ang="0">
+                    <a:pos x="csX5" y="csY5"/>
+                  </a:cxn>
+                  <a:cxn ang="0">
+                    <a:pos x="csX6" y="csY6"/>
+                  </a:cxn>
+                  <a:cxn ang="0">
+                    <a:pos x="csX7" y="csY7"/>
+                  </a:cxn>
+                  <a:cxn ang="0">
+                    <a:pos x="csX8" y="csY8"/>
+                  </a:cxn>
+                  <a:cxn ang="0">
+                    <a:pos x="csX9" y="csY9"/>
+                  </a:cxn>
+                  <a:cxn ang="0">
+                    <a:pos x="csX10" y="csY10"/>
+                  </a:cxn>
+                  <a:cxn ang="0">
+                    <a:pos x="csX11" y="csY11"/>
+                  </a:cxn>
+                  <a:cxn ang="0">
+                    <a:pos x="csX12" y="csY12"/>
+                  </a:cxn>
+                  <a:cxn ang="0">
+                    <a:pos x="csX13" y="csY13"/>
+                  </a:cxn>
+                  <a:cxn ang="0">
+                    <a:pos x="csX14" y="csY14"/>
+                  </a:cxn>
+                </a:cxnLst>
+                <a:rect l="l" t="t" r="r" b="b"/>
+                <a:pathLst>
+                  <a:path w="390646" h="141590">
+                    <a:moveTo>
+                      <a:pt x="98886" y="0"/>
+                    </a:moveTo>
+                    <a:lnTo>
+                      <a:pt x="314678" y="0"/>
+                    </a:lnTo>
+                    <a:lnTo>
+                      <a:pt x="390646" y="16526"/>
+                    </a:lnTo>
+                    <a:lnTo>
+                      <a:pt x="390646" y="32120"/>
+                    </a:lnTo>
+                    <a:lnTo>
+                      <a:pt x="292923" y="32120"/>
+                    </a:lnTo>
+                    <a:lnTo>
+                      <a:pt x="292923" y="109470"/>
+                    </a:lnTo>
+                    <a:lnTo>
+                      <a:pt x="390646" y="109470"/>
+                    </a:lnTo>
+                    <a:lnTo>
+                      <a:pt x="390646" y="125065"/>
+                    </a:lnTo>
+                    <a:lnTo>
+                      <a:pt x="314678" y="141590"/>
+                    </a:lnTo>
+                    <a:lnTo>
+                      <a:pt x="169200" y="141590"/>
+                    </a:lnTo>
+                    <a:lnTo>
+                      <a:pt x="98886" y="141590"/>
+                    </a:lnTo>
+                    <a:lnTo>
+                      <a:pt x="84600" y="141590"/>
+                    </a:lnTo>
+                    <a:cubicBezTo>
+                      <a:pt x="37877" y="141590"/>
+                      <a:pt x="0" y="110160"/>
+                      <a:pt x="0" y="71390"/>
+                    </a:cubicBezTo>
+                    <a:cubicBezTo>
+                      <a:pt x="0" y="32620"/>
+                      <a:pt x="37877" y="1190"/>
+                      <a:pt x="84600" y="1190"/>
+                    </a:cubicBezTo>
+                    <a:lnTo>
+                      <a:pt x="98886" y="1190"/>
+                    </a:lnTo>
+                    <a:close/>
+                  </a:path>
+                </a:pathLst>
+              </a:custGeom>
+              <a:solidFill>
+                <a:schemeClr val="bg2"/>
+              </a:solidFill>
+              <a:ln>
+                <a:solidFill>
+                  <a:schemeClr val="bg2"/>
+                </a:solidFill>
+              </a:ln>
+              <a:scene3d>
+                <a:camera prst="orthographicFront"/>
+                <a:lightRig rig="threePt" dir="t"/>
+              </a:scene3d>
+              <a:sp3d>
+                <a:bevelT w="381000" h="25400" prst="cross"/>
+              </a:sp3d>
+            </p:spPr>
+            <p:style>
+              <a:lnRef idx="2">
+                <a:schemeClr val="accent1">
+                  <a:shade val="15000"/>
+                </a:schemeClr>
+              </a:lnRef>
+              <a:fillRef idx="1">
+                <a:schemeClr val="accent1"/>
+              </a:fillRef>
+              <a:effectRef idx="0">
+                <a:schemeClr val="accent1"/>
+              </a:effectRef>
+              <a:fontRef idx="minor">
+                <a:schemeClr val="lt1"/>
+              </a:fontRef>
+            </p:style>
+            <p:txBody>
+              <a:bodyPr wrap="square" rtlCol="0" anchor="ctr">
+                <a:noAutofit/>
+              </a:bodyPr>
+              <a:lstStyle/>
+              <a:p>
+                <a:pPr algn="ctr"/>
+                <a:endParaRPr lang="ko-KR" altLang="en-US" dirty="0"/>
+              </a:p>
+            </p:txBody>
+          </p:sp>
+        </p:grpSp>
+      </p:grpSp>
+      <p:sp>
+        <p:nvSpPr>
+          <p:cNvPr id="14" name="사각형: 둥근 모서리 13">
+            <a:extLst>
+              <a:ext uri="{FF2B5EF4-FFF2-40B4-BE49-F238E27FC236}">
+                <a16:creationId xmlns:a16="http://schemas.microsoft.com/office/drawing/2014/main" id="{ECCDA8F4-6F09-A66A-21DA-E71373B2E856}"/>
+              </a:ext>
+            </a:extLst>
+          </p:cNvPr>
+          <p:cNvSpPr/>
+          <p:nvPr/>
+        </p:nvSpPr>
+        <p:spPr>
+          <a:xfrm rot="13998270" flipH="1">
+            <a:off x="5131046" y="5245565"/>
+            <a:ext cx="340893" cy="875206"/>
+          </a:xfrm>
+          <a:prstGeom prst="roundRect">
+            <a:avLst>
+              <a:gd name="adj" fmla="val 47694"/>
+            </a:avLst>
+          </a:prstGeom>
+          <a:solidFill>
+            <a:schemeClr val="bg2"/>
+          </a:solidFill>
+          <a:ln>
+            <a:solidFill>
+              <a:schemeClr val="bg2">
+                <a:lumMod val="90000"/>
+              </a:schemeClr>
+            </a:solidFill>
+          </a:ln>
+          <a:scene3d>
+            <a:camera prst="orthographicFront"/>
+            <a:lightRig rig="flat" dir="t"/>
+          </a:scene3d>
+          <a:sp3d>
+            <a:bevelT w="254000" h="38100" prst="slope"/>
+          </a:sp3d>
+        </p:spPr>
+        <p:style>
+          <a:lnRef idx="2">
+            <a:schemeClr val="accent1">
+              <a:shade val="15000"/>
+            </a:schemeClr>
+          </a:lnRef>
+          <a:fillRef idx="1">
+            <a:schemeClr val="accent1"/>
+          </a:fillRef>
+          <a:effectRef idx="0">
+            <a:schemeClr val="accent1"/>
+          </a:effectRef>
+          <a:fontRef idx="minor">
+            <a:schemeClr val="lt1"/>
+          </a:fontRef>
+        </p:style>
+        <p:txBody>
+          <a:bodyPr rtlCol="0" anchor="ctr"/>
+          <a:lstStyle/>
+          <a:p>
+            <a:pPr algn="ctr"/>
+            <a:endParaRPr lang="ko-KR" altLang="en-US"/>
+          </a:p>
+        </p:txBody>
+      </p:sp>
+      <p:sp>
+        <p:nvSpPr>
+          <p:cNvPr id="17" name="사각형: 둥근 모서리 16">
+            <a:extLst>
+              <a:ext uri="{FF2B5EF4-FFF2-40B4-BE49-F238E27FC236}">
+                <a16:creationId xmlns:a16="http://schemas.microsoft.com/office/drawing/2014/main" id="{40C07B3B-DC15-C08B-193E-DFE79B2DA3A3}"/>
+              </a:ext>
+            </a:extLst>
+          </p:cNvPr>
+          <p:cNvSpPr/>
+          <p:nvPr/>
+        </p:nvSpPr>
+        <p:spPr>
+          <a:xfrm rot="6675274" flipH="1">
+            <a:off x="5300948" y="5557598"/>
+            <a:ext cx="185437" cy="875205"/>
+          </a:xfrm>
+          <a:prstGeom prst="roundRect">
+            <a:avLst>
+              <a:gd name="adj" fmla="val 47694"/>
+            </a:avLst>
+          </a:prstGeom>
+          <a:solidFill>
+            <a:schemeClr val="bg2"/>
+          </a:solidFill>
+          <a:ln>
+            <a:solidFill>
+              <a:schemeClr val="bg2">
+                <a:lumMod val="90000"/>
+              </a:schemeClr>
+            </a:solidFill>
+          </a:ln>
+          <a:scene3d>
+            <a:camera prst="orthographicFront"/>
+            <a:lightRig rig="flat" dir="t"/>
+          </a:scene3d>
+          <a:sp3d>
+            <a:bevelT w="254000" h="38100" prst="slope"/>
+          </a:sp3d>
+        </p:spPr>
+        <p:style>
+          <a:lnRef idx="2">
+            <a:schemeClr val="accent1">
+              <a:shade val="15000"/>
+            </a:schemeClr>
+          </a:lnRef>
+          <a:fillRef idx="1">
+            <a:schemeClr val="accent1"/>
+          </a:fillRef>
+          <a:effectRef idx="0">
+            <a:schemeClr val="accent1"/>
+          </a:effectRef>
+          <a:fontRef idx="minor">
+            <a:schemeClr val="lt1"/>
+          </a:fontRef>
+        </p:style>
+        <p:txBody>
+          <a:bodyPr rtlCol="0" anchor="ctr"/>
+          <a:lstStyle/>
+          <a:p>
+            <a:pPr algn="ctr"/>
+            <a:endParaRPr lang="ko-KR" altLang="en-US"/>
+          </a:p>
+        </p:txBody>
+      </p:sp>
+      <mc:AlternateContent xmlns:mc="http://schemas.openxmlformats.org/markup-compatibility/2006">
+        <mc:Choice xmlns:p14="http://schemas.microsoft.com/office/powerpoint/2010/main" Requires="p14">
+          <p:contentPart p14:bwMode="auto" r:id="rId3">
+            <p14:nvContentPartPr>
+              <p14:cNvPr id="18" name="잉크 17">
+                <a:extLst>
+                  <a:ext uri="{FF2B5EF4-FFF2-40B4-BE49-F238E27FC236}">
+                    <a16:creationId xmlns:a16="http://schemas.microsoft.com/office/drawing/2014/main" id="{64021401-BC9A-5ADA-5E3C-5E1E552027C9}"/>
+                  </a:ext>
+                </a:extLst>
+              </p14:cNvPr>
+              <p14:cNvContentPartPr/>
+              <p14:nvPr/>
+            </p14:nvContentPartPr>
+            <p14:xfrm>
+              <a:off x="9614698" y="4422411"/>
+              <a:ext cx="49680" cy="67680"/>
+            </p14:xfrm>
+          </p:contentPart>
+        </mc:Choice>
+        <mc:Fallback>
+          <p:pic>
+            <p:nvPicPr>
+              <p:cNvPr id="18" name="잉크 17">
+                <a:extLst>
+                  <a:ext uri="{FF2B5EF4-FFF2-40B4-BE49-F238E27FC236}">
+                    <a16:creationId xmlns:a16="http://schemas.microsoft.com/office/drawing/2014/main" id="{64021401-BC9A-5ADA-5E3C-5E1E552027C9}"/>
+                  </a:ext>
+                </a:extLst>
+              </p:cNvPr>
+              <p:cNvPicPr/>
+              <p:nvPr/>
+            </p:nvPicPr>
+            <p:blipFill>
+              <a:blip r:embed="rId4"/>
+              <a:stretch>
+                <a:fillRect/>
+              </a:stretch>
+            </p:blipFill>
+            <p:spPr>
+              <a:xfrm>
+                <a:off x="9608578" y="4416291"/>
+                <a:ext cx="61920" cy="79920"/>
+              </a:xfrm>
+              <a:prstGeom prst="rect">
+                <a:avLst/>
+              </a:prstGeom>
+            </p:spPr>
+          </p:pic>
+        </mc:Fallback>
+      </mc:AlternateContent>
+      <mc:AlternateContent xmlns:mc="http://schemas.openxmlformats.org/markup-compatibility/2006">
+        <mc:Choice xmlns:p14="http://schemas.microsoft.com/office/powerpoint/2010/main" Requires="p14">
+          <p:contentPart p14:bwMode="auto" r:id="rId5">
+            <p14:nvContentPartPr>
+              <p14:cNvPr id="30" name="잉크 29">
+                <a:extLst>
+                  <a:ext uri="{FF2B5EF4-FFF2-40B4-BE49-F238E27FC236}">
+                    <a16:creationId xmlns:a16="http://schemas.microsoft.com/office/drawing/2014/main" id="{AB3B4190-8882-7261-CEED-E60080FF6F50}"/>
+                  </a:ext>
+                </a:extLst>
+              </p14:cNvPr>
+              <p14:cNvContentPartPr/>
+              <p14:nvPr/>
+            </p14:nvContentPartPr>
+            <p14:xfrm>
+              <a:off x="9989458" y="4439691"/>
+              <a:ext cx="78480" cy="66600"/>
+            </p14:xfrm>
+          </p:contentPart>
+        </mc:Choice>
+        <mc:Fallback>
+          <p:pic>
+            <p:nvPicPr>
+              <p:cNvPr id="30" name="잉크 29">
+                <a:extLst>
+                  <a:ext uri="{FF2B5EF4-FFF2-40B4-BE49-F238E27FC236}">
+                    <a16:creationId xmlns:a16="http://schemas.microsoft.com/office/drawing/2014/main" id="{AB3B4190-8882-7261-CEED-E60080FF6F50}"/>
+                  </a:ext>
+                </a:extLst>
+              </p:cNvPr>
+              <p:cNvPicPr/>
+              <p:nvPr/>
+            </p:nvPicPr>
+            <p:blipFill>
+              <a:blip r:embed="rId6"/>
+              <a:stretch>
+                <a:fillRect/>
+              </a:stretch>
+            </p:blipFill>
+            <p:spPr>
+              <a:xfrm>
+                <a:off x="9983338" y="4433571"/>
+                <a:ext cx="90720" cy="78840"/>
+              </a:xfrm>
+              <a:prstGeom prst="rect">
+                <a:avLst/>
+              </a:prstGeom>
+            </p:spPr>
+          </p:pic>
+        </mc:Fallback>
+      </mc:AlternateContent>
+      <p:sp>
+        <p:nvSpPr>
+          <p:cNvPr id="31" name="사각형: 둥근 모서리 30">
+            <a:extLst>
+              <a:ext uri="{FF2B5EF4-FFF2-40B4-BE49-F238E27FC236}">
+                <a16:creationId xmlns:a16="http://schemas.microsoft.com/office/drawing/2014/main" id="{65547220-CE0C-850D-B217-6736AA526B54}"/>
+              </a:ext>
+            </a:extLst>
+          </p:cNvPr>
+          <p:cNvSpPr/>
+          <p:nvPr/>
+        </p:nvSpPr>
+        <p:spPr>
+          <a:xfrm rot="10800000">
+            <a:off x="9492864" y="3745159"/>
+            <a:ext cx="311517" cy="875206"/>
+          </a:xfrm>
+          <a:prstGeom prst="roundRect">
+            <a:avLst>
+              <a:gd name="adj" fmla="val 47694"/>
+            </a:avLst>
+          </a:prstGeom>
+          <a:solidFill>
+            <a:schemeClr val="bg2"/>
+          </a:solidFill>
+          <a:ln>
+            <a:solidFill>
+              <a:schemeClr val="bg2">
+                <a:lumMod val="90000"/>
+              </a:schemeClr>
+            </a:solidFill>
+          </a:ln>
+          <a:scene3d>
+            <a:camera prst="orthographicFront"/>
+            <a:lightRig rig="flat" dir="t"/>
+          </a:scene3d>
+          <a:sp3d>
+            <a:bevelT w="254000" h="38100" prst="slope"/>
+          </a:sp3d>
+        </p:spPr>
+        <p:style>
+          <a:lnRef idx="2">
+            <a:schemeClr val="accent1">
+              <a:shade val="15000"/>
+            </a:schemeClr>
+          </a:lnRef>
+          <a:fillRef idx="1">
+            <a:schemeClr val="accent1"/>
+          </a:fillRef>
+          <a:effectRef idx="0">
+            <a:schemeClr val="accent1"/>
+          </a:effectRef>
+          <a:fontRef idx="minor">
+            <a:schemeClr val="lt1"/>
+          </a:fontRef>
+        </p:style>
+        <p:txBody>
+          <a:bodyPr rtlCol="0" anchor="ctr"/>
+          <a:lstStyle/>
+          <a:p>
+            <a:pPr algn="ctr"/>
+            <a:endParaRPr lang="ko-KR" altLang="en-US"/>
+          </a:p>
+        </p:txBody>
+      </p:sp>
+      <p:sp>
+        <p:nvSpPr>
+          <p:cNvPr id="42" name="사각형: 둥근 모서리 41">
+            <a:extLst>
+              <a:ext uri="{FF2B5EF4-FFF2-40B4-BE49-F238E27FC236}">
+                <a16:creationId xmlns:a16="http://schemas.microsoft.com/office/drawing/2014/main" id="{8FF8D808-A2E2-B48E-84DB-25E2FBBE68C6}"/>
+              </a:ext>
+            </a:extLst>
+          </p:cNvPr>
+          <p:cNvSpPr/>
+          <p:nvPr/>
+        </p:nvSpPr>
+        <p:spPr>
+          <a:xfrm rot="10800000">
+            <a:off x="9645264" y="3897559"/>
+            <a:ext cx="311517" cy="875206"/>
+          </a:xfrm>
+          <a:prstGeom prst="roundRect">
+            <a:avLst>
+              <a:gd name="adj" fmla="val 47694"/>
+            </a:avLst>
+          </a:prstGeom>
+          <a:solidFill>
+            <a:schemeClr val="bg2"/>
+          </a:solidFill>
+          <a:ln>
+            <a:solidFill>
+              <a:schemeClr val="bg2">
+                <a:lumMod val="90000"/>
+              </a:schemeClr>
+            </a:solidFill>
+          </a:ln>
+          <a:scene3d>
+            <a:camera prst="orthographicFront"/>
+            <a:lightRig rig="flat" dir="t"/>
+          </a:scene3d>
+          <a:sp3d>
+            <a:bevelT w="254000" h="38100" prst="slope"/>
+          </a:sp3d>
+        </p:spPr>
+        <p:style>
+          <a:lnRef idx="2">
+            <a:schemeClr val="accent1">
+              <a:shade val="15000"/>
+            </a:schemeClr>
+          </a:lnRef>
+          <a:fillRef idx="1">
+            <a:schemeClr val="accent1"/>
+          </a:fillRef>
+          <a:effectRef idx="0">
+            <a:schemeClr val="accent1"/>
+          </a:effectRef>
+          <a:fontRef idx="minor">
+            <a:schemeClr val="lt1"/>
+          </a:fontRef>
+        </p:style>
+        <p:txBody>
+          <a:bodyPr rtlCol="0" anchor="ctr"/>
+          <a:lstStyle/>
+          <a:p>
+            <a:pPr algn="ctr"/>
+            <a:endParaRPr lang="ko-KR" altLang="en-US"/>
+          </a:p>
+        </p:txBody>
+      </p:sp>
+      <p:sp>
+        <p:nvSpPr>
+          <p:cNvPr id="43" name="사각형: 둥근 모서리 42">
+            <a:extLst>
+              <a:ext uri="{FF2B5EF4-FFF2-40B4-BE49-F238E27FC236}">
+                <a16:creationId xmlns:a16="http://schemas.microsoft.com/office/drawing/2014/main" id="{C6DC4F4D-027B-21DB-DC4F-17A6F57573C7}"/>
+              </a:ext>
+            </a:extLst>
+          </p:cNvPr>
+          <p:cNvSpPr/>
+          <p:nvPr/>
+        </p:nvSpPr>
+        <p:spPr>
+          <a:xfrm>
+            <a:off x="6374987" y="509047"/>
+            <a:ext cx="1065257" cy="1605490"/>
+          </a:xfrm>
+          <a:prstGeom prst="roundRect">
+            <a:avLst>
+              <a:gd name="adj" fmla="val 50000"/>
+            </a:avLst>
+          </a:prstGeom>
+          <a:scene3d>
+            <a:camera prst="perspectiveBelow"/>
+            <a:lightRig rig="threePt" dir="t"/>
+          </a:scene3d>
+          <a:sp3d/>
+        </p:spPr>
+        <p:style>
+          <a:lnRef idx="2">
+            <a:schemeClr val="accent1">
+              <a:shade val="15000"/>
+            </a:schemeClr>
+          </a:lnRef>
+          <a:fillRef idx="1">
+            <a:schemeClr val="accent1"/>
+          </a:fillRef>
+          <a:effectRef idx="0">
+            <a:schemeClr val="accent1"/>
+          </a:effectRef>
+          <a:fontRef idx="minor">
+            <a:schemeClr val="lt1"/>
+          </a:fontRef>
+        </p:style>
+        <p:txBody>
+          <a:bodyPr rtlCol="0" anchor="ctr"/>
+          <a:lstStyle/>
+          <a:p>
+            <a:pPr algn="ctr"/>
+            <a:endParaRPr lang="ko-KR" altLang="en-US"/>
+          </a:p>
+        </p:txBody>
+      </p:sp>
     </p:spTree>
     <p:extLst>
       <p:ext uri="{BB962C8B-B14F-4D97-AF65-F5344CB8AC3E}">
@@ -17641,7 +19039,7 @@
         </p:nvGrpSpPr>
         <p:grpSpPr>
           <a:xfrm>
-            <a:off x="316247" y="323911"/>
+            <a:off x="287672" y="247711"/>
             <a:ext cx="7234222" cy="6015955"/>
             <a:chOff x="1293043" y="422568"/>
             <a:chExt cx="6574608" cy="6015955"/>
@@ -19160,8 +20558,8 @@
           </p:nvSpPr>
           <p:spPr>
             <a:xfrm>
-              <a:off x="4556491" y="3504257"/>
-              <a:ext cx="46494" cy="46800"/>
+              <a:off x="4561918" y="3478010"/>
+              <a:ext cx="42533" cy="46800"/>
             </a:xfrm>
             <a:prstGeom prst="ellipse">
               <a:avLst/>
@@ -19205,6 +20603,126 @@
     <p:extLst>
       <p:ext uri="{BB962C8B-B14F-4D97-AF65-F5344CB8AC3E}">
         <p14:creationId xmlns:p14="http://schemas.microsoft.com/office/powerpoint/2010/main" val="1130819038"/>
+      </p:ext>
+    </p:extLst>
+  </p:cSld>
+  <p:clrMapOvr>
+    <a:masterClrMapping/>
+  </p:clrMapOvr>
+</p:sld>
+</file>
+
+<file path=ppt/slides/slide18.xml><?xml version="1.0" encoding="utf-8"?>
+<p:sld xmlns:a="http://schemas.openxmlformats.org/drawingml/2006/main" xmlns:r="http://schemas.openxmlformats.org/officeDocument/2006/relationships" xmlns:p="http://schemas.openxmlformats.org/presentationml/2006/main">
+  <p:cSld>
+    <p:spTree>
+      <p:nvGrpSpPr>
+        <p:cNvPr id="1" name=""/>
+        <p:cNvGrpSpPr/>
+        <p:nvPr/>
+      </p:nvGrpSpPr>
+      <p:grpSpPr>
+        <a:xfrm>
+          <a:off x="0" y="0"/>
+          <a:ext cx="0" cy="0"/>
+          <a:chOff x="0" y="0"/>
+          <a:chExt cx="0" cy="0"/>
+        </a:xfrm>
+      </p:grpSpPr>
+      <p:pic>
+        <p:nvPicPr>
+          <p:cNvPr id="5" name="그림 4" descr="텍스트, 스크린샷, 소프트웨어, 멀티미디어 소프트웨어이(가) 표시된 사진&#10;&#10;AI 생성 콘텐츠는 정확하지 않을 수 있습니다.">
+            <a:extLst>
+              <a:ext uri="{FF2B5EF4-FFF2-40B4-BE49-F238E27FC236}">
+                <a16:creationId xmlns:a16="http://schemas.microsoft.com/office/drawing/2014/main" id="{FC4799C9-D9B1-F19D-AF14-34253B163E52}"/>
+              </a:ext>
+            </a:extLst>
+          </p:cNvPr>
+          <p:cNvPicPr>
+            <a:picLocks noChangeAspect="1"/>
+          </p:cNvPicPr>
+          <p:nvPr/>
+        </p:nvPicPr>
+        <p:blipFill>
+          <a:blip r:embed="rId2"/>
+          <a:stretch>
+            <a:fillRect/>
+          </a:stretch>
+        </p:blipFill>
+        <p:spPr>
+          <a:xfrm>
+            <a:off x="448951" y="139218"/>
+            <a:ext cx="10193787" cy="5395820"/>
+          </a:xfrm>
+          <a:prstGeom prst="rect">
+            <a:avLst/>
+          </a:prstGeom>
+        </p:spPr>
+      </p:pic>
+    </p:spTree>
+    <p:extLst>
+      <p:ext uri="{BB962C8B-B14F-4D97-AF65-F5344CB8AC3E}">
+        <p14:creationId xmlns:p14="http://schemas.microsoft.com/office/powerpoint/2010/main" val="3807952658"/>
+      </p:ext>
+    </p:extLst>
+  </p:cSld>
+  <p:clrMapOvr>
+    <a:masterClrMapping/>
+  </p:clrMapOvr>
+</p:sld>
+</file>
+
+<file path=ppt/slides/slide19.xml><?xml version="1.0" encoding="utf-8"?>
+<p:sld xmlns:a="http://schemas.openxmlformats.org/drawingml/2006/main" xmlns:r="http://schemas.openxmlformats.org/officeDocument/2006/relationships" xmlns:p="http://schemas.openxmlformats.org/presentationml/2006/main">
+  <p:cSld>
+    <p:spTree>
+      <p:nvGrpSpPr>
+        <p:cNvPr id="1" name=""/>
+        <p:cNvGrpSpPr/>
+        <p:nvPr/>
+      </p:nvGrpSpPr>
+      <p:grpSpPr>
+        <a:xfrm>
+          <a:off x="0" y="0"/>
+          <a:ext cx="0" cy="0"/>
+          <a:chOff x="0" y="0"/>
+          <a:chExt cx="0" cy="0"/>
+        </a:xfrm>
+      </p:grpSpPr>
+      <p:pic>
+        <p:nvPicPr>
+          <p:cNvPr id="7" name="그림 6" descr="텍스트, 스크린샷, 소프트웨어, 멀티미디어 소프트웨어이(가) 표시된 사진&#10;&#10;AI 생성 콘텐츠는 정확하지 않을 수 있습니다.">
+            <a:extLst>
+              <a:ext uri="{FF2B5EF4-FFF2-40B4-BE49-F238E27FC236}">
+                <a16:creationId xmlns:a16="http://schemas.microsoft.com/office/drawing/2014/main" id="{11C17E2C-22A3-A17A-B540-1D6896BE2B52}"/>
+              </a:ext>
+            </a:extLst>
+          </p:cNvPr>
+          <p:cNvPicPr>
+            <a:picLocks noChangeAspect="1"/>
+          </p:cNvPicPr>
+          <p:nvPr/>
+        </p:nvPicPr>
+        <p:blipFill>
+          <a:blip r:embed="rId2"/>
+          <a:stretch>
+            <a:fillRect/>
+          </a:stretch>
+        </p:blipFill>
+        <p:spPr>
+          <a:xfrm>
+            <a:off x="722709" y="113164"/>
+            <a:ext cx="11344993" cy="5849891"/>
+          </a:xfrm>
+          <a:prstGeom prst="rect">
+            <a:avLst/>
+          </a:prstGeom>
+        </p:spPr>
+      </p:pic>
+    </p:spTree>
+    <p:extLst>
+      <p:ext uri="{BB962C8B-B14F-4D97-AF65-F5344CB8AC3E}">
+        <p14:creationId xmlns:p14="http://schemas.microsoft.com/office/powerpoint/2010/main" val="3985013823"/>
       </p:ext>
     </p:extLst>
   </p:cSld>

--- a/Control Design PPT.pptx
+++ b/Control Design PPT.pptx
@@ -5,7 +5,7 @@
     <p:sldMasterId id="2147483648" r:id="rId1"/>
   </p:sldMasterIdLst>
   <p:notesMasterIdLst>
-    <p:notesMasterId r:id="rId21"/>
+    <p:notesMasterId r:id="rId20"/>
   </p:notesMasterIdLst>
   <p:sldIdLst>
     <p:sldId id="256" r:id="rId2"/>
@@ -26,7 +26,6 @@
     <p:sldId id="271" r:id="rId17"/>
     <p:sldId id="272" r:id="rId18"/>
     <p:sldId id="273" r:id="rId19"/>
-    <p:sldId id="274" r:id="rId20"/>
   </p:sldIdLst>
   <p:sldSz cx="12192000" cy="6858000"/>
   <p:notesSz cx="6858000" cy="9144000"/>
@@ -1168,7 +1167,7 @@
           <a:p>
             <a:fld id="{4ED325A6-F241-40D7-BF9F-421B71D3CAAD}" type="datetimeFigureOut">
               <a:rPr lang="ko-KR" altLang="en-US" smtClean="0"/>
-              <a:t>2026-01-16</a:t>
+              <a:t>2026-01-19</a:t>
             </a:fld>
             <a:endParaRPr lang="ko-KR" altLang="en-US"/>
           </a:p>
@@ -1750,7 +1749,7 @@
           <a:p>
             <a:fld id="{127C1622-C0C2-42A6-A420-A2525B32B105}" type="datetimeFigureOut">
               <a:rPr lang="ko-KR" altLang="en-US" smtClean="0"/>
-              <a:t>2026-01-16</a:t>
+              <a:t>2026-01-19</a:t>
             </a:fld>
             <a:endParaRPr lang="ko-KR" altLang="en-US"/>
           </a:p>
@@ -1948,7 +1947,7 @@
           <a:p>
             <a:fld id="{127C1622-C0C2-42A6-A420-A2525B32B105}" type="datetimeFigureOut">
               <a:rPr lang="ko-KR" altLang="en-US" smtClean="0"/>
-              <a:t>2026-01-16</a:t>
+              <a:t>2026-01-19</a:t>
             </a:fld>
             <a:endParaRPr lang="ko-KR" altLang="en-US"/>
           </a:p>
@@ -2156,7 +2155,7 @@
           <a:p>
             <a:fld id="{127C1622-C0C2-42A6-A420-A2525B32B105}" type="datetimeFigureOut">
               <a:rPr lang="ko-KR" altLang="en-US" smtClean="0"/>
-              <a:t>2026-01-16</a:t>
+              <a:t>2026-01-19</a:t>
             </a:fld>
             <a:endParaRPr lang="ko-KR" altLang="en-US"/>
           </a:p>
@@ -2354,7 +2353,7 @@
           <a:p>
             <a:fld id="{127C1622-C0C2-42A6-A420-A2525B32B105}" type="datetimeFigureOut">
               <a:rPr lang="ko-KR" altLang="en-US" smtClean="0"/>
-              <a:t>2026-01-16</a:t>
+              <a:t>2026-01-19</a:t>
             </a:fld>
             <a:endParaRPr lang="ko-KR" altLang="en-US"/>
           </a:p>
@@ -2629,7 +2628,7 @@
           <a:p>
             <a:fld id="{127C1622-C0C2-42A6-A420-A2525B32B105}" type="datetimeFigureOut">
               <a:rPr lang="ko-KR" altLang="en-US" smtClean="0"/>
-              <a:t>2026-01-16</a:t>
+              <a:t>2026-01-19</a:t>
             </a:fld>
             <a:endParaRPr lang="ko-KR" altLang="en-US"/>
           </a:p>
@@ -2894,7 +2893,7 @@
           <a:p>
             <a:fld id="{127C1622-C0C2-42A6-A420-A2525B32B105}" type="datetimeFigureOut">
               <a:rPr lang="ko-KR" altLang="en-US" smtClean="0"/>
-              <a:t>2026-01-16</a:t>
+              <a:t>2026-01-19</a:t>
             </a:fld>
             <a:endParaRPr lang="ko-KR" altLang="en-US"/>
           </a:p>
@@ -3306,7 +3305,7 @@
           <a:p>
             <a:fld id="{127C1622-C0C2-42A6-A420-A2525B32B105}" type="datetimeFigureOut">
               <a:rPr lang="ko-KR" altLang="en-US" smtClean="0"/>
-              <a:t>2026-01-16</a:t>
+              <a:t>2026-01-19</a:t>
             </a:fld>
             <a:endParaRPr lang="ko-KR" altLang="en-US"/>
           </a:p>
@@ -3447,7 +3446,7 @@
           <a:p>
             <a:fld id="{127C1622-C0C2-42A6-A420-A2525B32B105}" type="datetimeFigureOut">
               <a:rPr lang="ko-KR" altLang="en-US" smtClean="0"/>
-              <a:t>2026-01-16</a:t>
+              <a:t>2026-01-19</a:t>
             </a:fld>
             <a:endParaRPr lang="ko-KR" altLang="en-US"/>
           </a:p>
@@ -3560,7 +3559,7 @@
           <a:p>
             <a:fld id="{127C1622-C0C2-42A6-A420-A2525B32B105}" type="datetimeFigureOut">
               <a:rPr lang="ko-KR" altLang="en-US" smtClean="0"/>
-              <a:t>2026-01-16</a:t>
+              <a:t>2026-01-19</a:t>
             </a:fld>
             <a:endParaRPr lang="ko-KR" altLang="en-US"/>
           </a:p>
@@ -3871,7 +3870,7 @@
           <a:p>
             <a:fld id="{127C1622-C0C2-42A6-A420-A2525B32B105}" type="datetimeFigureOut">
               <a:rPr lang="ko-KR" altLang="en-US" smtClean="0"/>
-              <a:t>2026-01-16</a:t>
+              <a:t>2026-01-19</a:t>
             </a:fld>
             <a:endParaRPr lang="ko-KR" altLang="en-US"/>
           </a:p>
@@ -4159,7 +4158,7 @@
           <a:p>
             <a:fld id="{127C1622-C0C2-42A6-A420-A2525B32B105}" type="datetimeFigureOut">
               <a:rPr lang="ko-KR" altLang="en-US" smtClean="0"/>
-              <a:t>2026-01-16</a:t>
+              <a:t>2026-01-19</a:t>
             </a:fld>
             <a:endParaRPr lang="ko-KR" altLang="en-US"/>
           </a:p>
@@ -4400,7 +4399,7 @@
           <a:p>
             <a:fld id="{127C1622-C0C2-42A6-A420-A2525B32B105}" type="datetimeFigureOut">
               <a:rPr lang="ko-KR" altLang="en-US" smtClean="0"/>
-              <a:t>2026-01-16</a:t>
+              <a:t>2026-01-19</a:t>
             </a:fld>
             <a:endParaRPr lang="ko-KR" altLang="en-US"/>
           </a:p>
@@ -12051,6 +12050,193 @@
           <a:chExt cx="0" cy="0"/>
         </a:xfrm>
       </p:grpSpPr>
+      <p:grpSp>
+        <p:nvGrpSpPr>
+          <p:cNvPr id="77" name="그룹 76">
+            <a:extLst>
+              <a:ext uri="{FF2B5EF4-FFF2-40B4-BE49-F238E27FC236}">
+                <a16:creationId xmlns:a16="http://schemas.microsoft.com/office/drawing/2014/main" id="{053361FC-A2A1-84D8-4204-3E41B0E73072}"/>
+              </a:ext>
+            </a:extLst>
+          </p:cNvPr>
+          <p:cNvGrpSpPr/>
+          <p:nvPr/>
+        </p:nvGrpSpPr>
+        <p:grpSpPr>
+          <a:xfrm>
+            <a:off x="8445875" y="3496691"/>
+            <a:ext cx="817200" cy="817683"/>
+            <a:chOff x="7628675" y="4418008"/>
+            <a:chExt cx="817200" cy="817683"/>
+          </a:xfrm>
+          <a:effectLst>
+            <a:outerShdw blurRad="76200" sx="98000" sy="98000" algn="ctr" rotWithShape="0">
+              <a:prstClr val="black">
+                <a:alpha val="40000"/>
+              </a:prstClr>
+            </a:outerShdw>
+          </a:effectLst>
+        </p:grpSpPr>
+        <p:sp>
+          <p:nvSpPr>
+            <p:cNvPr id="19" name="타원 18">
+              <a:extLst>
+                <a:ext uri="{FF2B5EF4-FFF2-40B4-BE49-F238E27FC236}">
+                  <a16:creationId xmlns:a16="http://schemas.microsoft.com/office/drawing/2014/main" id="{D6678080-353D-5880-3C74-2088FA06A763}"/>
+                </a:ext>
+              </a:extLst>
+            </p:cNvPr>
+            <p:cNvSpPr/>
+            <p:nvPr/>
+          </p:nvSpPr>
+          <p:spPr>
+            <a:xfrm>
+              <a:off x="7628675" y="4418008"/>
+              <a:ext cx="817200" cy="817683"/>
+            </a:xfrm>
+            <a:prstGeom prst="ellipse">
+              <a:avLst/>
+            </a:prstGeom>
+            <a:pattFill prst="plaid">
+              <a:fgClr>
+                <a:schemeClr val="tx1"/>
+              </a:fgClr>
+              <a:bgClr>
+                <a:schemeClr val="bg1"/>
+              </a:bgClr>
+            </a:pattFill>
+            <a:ln w="38100">
+              <a:solidFill>
+                <a:schemeClr val="bg1">
+                  <a:alpha val="0"/>
+                </a:schemeClr>
+              </a:solidFill>
+            </a:ln>
+          </p:spPr>
+          <p:style>
+            <a:lnRef idx="2">
+              <a:schemeClr val="accent1">
+                <a:shade val="15000"/>
+              </a:schemeClr>
+            </a:lnRef>
+            <a:fillRef idx="1">
+              <a:schemeClr val="accent1"/>
+            </a:fillRef>
+            <a:effectRef idx="0">
+              <a:schemeClr val="accent1"/>
+            </a:effectRef>
+            <a:fontRef idx="minor">
+              <a:schemeClr val="lt1"/>
+            </a:fontRef>
+          </p:style>
+          <p:txBody>
+            <a:bodyPr rtlCol="0" anchor="ctr"/>
+            <a:lstStyle/>
+            <a:p>
+              <a:pPr algn="ctr"/>
+              <a:endParaRPr lang="ko-KR" altLang="en-US" dirty="0"/>
+            </a:p>
+          </p:txBody>
+        </p:sp>
+        <p:sp>
+          <p:nvSpPr>
+            <p:cNvPr id="76" name="타원 75">
+              <a:extLst>
+                <a:ext uri="{FF2B5EF4-FFF2-40B4-BE49-F238E27FC236}">
+                  <a16:creationId xmlns:a16="http://schemas.microsoft.com/office/drawing/2014/main" id="{2C547CA2-C549-0E68-A8D5-9A80A8FEDFC6}"/>
+                </a:ext>
+              </a:extLst>
+            </p:cNvPr>
+            <p:cNvSpPr/>
+            <p:nvPr/>
+          </p:nvSpPr>
+          <p:spPr>
+            <a:xfrm>
+              <a:off x="7628675" y="4418008"/>
+              <a:ext cx="817200" cy="817683"/>
+            </a:xfrm>
+            <a:prstGeom prst="ellipse">
+              <a:avLst/>
+            </a:prstGeom>
+            <a:gradFill>
+              <a:gsLst>
+                <a:gs pos="28000">
+                  <a:schemeClr val="accent6">
+                    <a:lumMod val="20000"/>
+                    <a:lumOff val="80000"/>
+                    <a:alpha val="85000"/>
+                  </a:schemeClr>
+                </a:gs>
+                <a:gs pos="0">
+                  <a:schemeClr val="accent3">
+                    <a:lumMod val="40000"/>
+                    <a:lumOff val="60000"/>
+                  </a:schemeClr>
+                </a:gs>
+                <a:gs pos="15000">
+                  <a:schemeClr val="accent6">
+                    <a:lumMod val="20000"/>
+                    <a:lumOff val="80000"/>
+                    <a:alpha val="85000"/>
+                  </a:schemeClr>
+                </a:gs>
+                <a:gs pos="100000">
+                  <a:schemeClr val="bg1">
+                    <a:alpha val="85000"/>
+                  </a:schemeClr>
+                </a:gs>
+                <a:gs pos="80000">
+                  <a:schemeClr val="accent6">
+                    <a:lumMod val="40000"/>
+                    <a:lumOff val="60000"/>
+                    <a:alpha val="85000"/>
+                  </a:schemeClr>
+                </a:gs>
+                <a:gs pos="68000">
+                  <a:schemeClr val="accent6">
+                    <a:lumMod val="60000"/>
+                    <a:lumOff val="40000"/>
+                    <a:alpha val="85000"/>
+                  </a:schemeClr>
+                </a:gs>
+                <a:gs pos="53000">
+                  <a:schemeClr val="bg1">
+                    <a:alpha val="85000"/>
+                  </a:schemeClr>
+                </a:gs>
+              </a:gsLst>
+              <a:lin ang="5400000" scaled="1"/>
+            </a:gradFill>
+            <a:ln w="38100">
+              <a:noFill/>
+            </a:ln>
+          </p:spPr>
+          <p:style>
+            <a:lnRef idx="2">
+              <a:schemeClr val="accent1">
+                <a:shade val="15000"/>
+              </a:schemeClr>
+            </a:lnRef>
+            <a:fillRef idx="1">
+              <a:schemeClr val="accent1"/>
+            </a:fillRef>
+            <a:effectRef idx="0">
+              <a:schemeClr val="accent1"/>
+            </a:effectRef>
+            <a:fontRef idx="minor">
+              <a:schemeClr val="lt1"/>
+            </a:fontRef>
+          </p:style>
+          <p:txBody>
+            <a:bodyPr rtlCol="0" anchor="ctr"/>
+            <a:lstStyle/>
+            <a:p>
+              <a:pPr algn="ctr"/>
+              <a:endParaRPr lang="ko-KR" altLang="en-US" dirty="0"/>
+            </a:p>
+          </p:txBody>
+        </p:sp>
+      </p:grpSp>
       <p:sp>
         <p:nvSpPr>
           <p:cNvPr id="44" name="직사각형 43">
@@ -13369,9 +13555,25 @@
           </a:solidFill>
           <a:ln>
             <a:solidFill>
-              <a:schemeClr val="bg2"/>
+              <a:schemeClr val="bg2">
+                <a:lumMod val="90000"/>
+              </a:schemeClr>
             </a:solidFill>
           </a:ln>
+          <a:effectLst>
+            <a:outerShdw blurRad="63500" sx="96000" sy="96000" algn="ctr" rotWithShape="0">
+              <a:prstClr val="black">
+                <a:alpha val="40000"/>
+              </a:prstClr>
+            </a:outerShdw>
+          </a:effectLst>
+          <a:scene3d>
+            <a:camera prst="orthographicFront"/>
+            <a:lightRig rig="flat" dir="t"/>
+          </a:scene3d>
+          <a:sp3d>
+            <a:bevelT w="254000" h="38100" prst="slope"/>
+          </a:sp3d>
         </p:spPr>
         <p:style>
           <a:lnRef idx="2">
@@ -13425,9 +13627,25 @@
           </a:solidFill>
           <a:ln>
             <a:solidFill>
-              <a:schemeClr val="bg2"/>
+              <a:schemeClr val="bg2">
+                <a:lumMod val="90000"/>
+              </a:schemeClr>
             </a:solidFill>
           </a:ln>
+          <a:effectLst>
+            <a:outerShdw blurRad="63500" sx="96000" sy="96000" algn="ctr" rotWithShape="0">
+              <a:prstClr val="black">
+                <a:alpha val="40000"/>
+              </a:prstClr>
+            </a:outerShdw>
+          </a:effectLst>
+          <a:scene3d>
+            <a:camera prst="orthographicFront"/>
+            <a:lightRig rig="flat" dir="t"/>
+          </a:scene3d>
+          <a:sp3d>
+            <a:bevelT w="254000" h="38100" prst="slope"/>
+          </a:sp3d>
         </p:spPr>
         <p:style>
           <a:lnRef idx="2">
@@ -13486,6 +13704,13 @@
               </a:schemeClr>
             </a:solidFill>
           </a:ln>
+          <a:effectLst>
+            <a:outerShdw blurRad="63500" sx="96000" sy="96000" algn="ctr" rotWithShape="0">
+              <a:prstClr val="black">
+                <a:alpha val="40000"/>
+              </a:prstClr>
+            </a:outerShdw>
+          </a:effectLst>
           <a:scene3d>
             <a:camera prst="orthographicFront"/>
             <a:lightRig rig="flat" dir="t"/>
@@ -13515,7 +13740,7 @@
           <a:lstStyle/>
           <a:p>
             <a:pPr algn="ctr"/>
-            <a:endParaRPr lang="ko-KR" altLang="en-US"/>
+            <a:endParaRPr lang="ko-KR" altLang="en-US" dirty="0"/>
           </a:p>
         </p:txBody>
       </p:sp>
@@ -13538,6 +13763,7 @@
             <a:chOff x="7119080" y="2335599"/>
             <a:chExt cx="1048765" cy="342000"/>
           </a:xfrm>
+          <a:effectLst/>
         </p:grpSpPr>
         <p:sp>
           <p:nvSpPr>
@@ -13925,14 +14151,29 @@
             <a:solidFill>
               <a:srgbClr val="FCFFDD"/>
             </a:solidFill>
-            <a:ln w="12700">
+            <a:ln>
               <a:solidFill>
                 <a:schemeClr val="bg1">
                   <a:lumMod val="85000"/>
                 </a:schemeClr>
               </a:solidFill>
             </a:ln>
-            <a:effectLst/>
+            <a:effectLst>
+              <a:outerShdw blurRad="63500" sx="96000" sy="96000" algn="ctr" rotWithShape="0">
+                <a:prstClr val="black">
+                  <a:alpha val="40000"/>
+                </a:prstClr>
+              </a:outerShdw>
+            </a:effectLst>
+            <a:scene3d>
+              <a:camera prst="orthographicFront"/>
+              <a:lightRig rig="threePt" dir="t">
+                <a:rot lat="0" lon="0" rev="17400000"/>
+              </a:lightRig>
+            </a:scene3d>
+            <a:sp3d>
+              <a:bevelT w="508000" h="38100" prst="cross"/>
+            </a:sp3d>
           </p:spPr>
           <p:style>
             <a:lnRef idx="2">
@@ -14128,6 +14369,16 @@
                 <a:schemeClr val="bg2"/>
               </a:solidFill>
             </a:ln>
+            <a:effectLst/>
+            <a:scene3d>
+              <a:camera prst="orthographicFront"/>
+              <a:lightRig rig="threePt" dir="t">
+                <a:rot lat="0" lon="0" rev="13200000"/>
+              </a:lightRig>
+            </a:scene3d>
+            <a:sp3d>
+              <a:bevelT w="381000" h="25400" prst="cross"/>
+            </a:sp3d>
           </p:spPr>
           <p:style>
             <a:lnRef idx="2">
@@ -18725,7 +18976,7 @@
               <p14:nvPr/>
             </p14:nvContentPartPr>
             <p14:xfrm>
-              <a:off x="9614698" y="4422411"/>
+              <a:off x="3068753" y="5993996"/>
               <a:ext cx="49680" cy="67680"/>
             </p14:xfrm>
           </p:contentPart>
@@ -18751,7 +19002,7 @@
             </p:blipFill>
             <p:spPr>
               <a:xfrm>
-                <a:off x="9608578" y="4416291"/>
+                <a:off x="3062633" y="5987876"/>
                 <a:ext cx="61920" cy="79920"/>
               </a:xfrm>
               <a:prstGeom prst="rect">
@@ -18776,7 +19027,7 @@
               <p14:nvPr/>
             </p14:nvContentPartPr>
             <p14:xfrm>
-              <a:off x="9989458" y="4439691"/>
+              <a:off x="3443513" y="6011276"/>
               <a:ext cx="78480" cy="66600"/>
             </p14:xfrm>
           </p:contentPart>
@@ -18802,7 +19053,7 @@
             </p:blipFill>
             <p:spPr>
               <a:xfrm>
-                <a:off x="9983338" y="4433571"/>
+                <a:off x="3437393" y="6005156"/>
                 <a:ext cx="90720" cy="78840"/>
               </a:xfrm>
               <a:prstGeom prst="rect">
@@ -18826,7 +19077,7 @@
         </p:nvSpPr>
         <p:spPr>
           <a:xfrm rot="10800000">
-            <a:off x="9492864" y="3745159"/>
+            <a:off x="2946919" y="5316744"/>
             <a:ext cx="311517" cy="875206"/>
           </a:xfrm>
           <a:prstGeom prst="roundRect">
@@ -18891,7 +19142,7 @@
         </p:nvSpPr>
         <p:spPr>
           <a:xfrm rot="10800000">
-            <a:off x="9645264" y="3897559"/>
+            <a:off x="3099319" y="5469144"/>
             <a:ext cx="311517" cy="875206"/>
           </a:xfrm>
           <a:prstGeom prst="roundRect">
@@ -18965,7 +19216,7 @@
             </a:avLst>
           </a:prstGeom>
           <a:scene3d>
-            <a:camera prst="perspectiveBelow"/>
+            <a:camera prst="perspectiveRelaxed"/>
             <a:lightRig rig="threePt" dir="t"/>
           </a:scene3d>
           <a:sp3d/>
@@ -18995,6 +19246,1008 @@
           </a:p>
         </p:txBody>
       </p:sp>
+      <p:sp>
+        <p:nvSpPr>
+          <p:cNvPr id="46" name="사각형: 둥근 모서리 45">
+            <a:extLst>
+              <a:ext uri="{FF2B5EF4-FFF2-40B4-BE49-F238E27FC236}">
+                <a16:creationId xmlns:a16="http://schemas.microsoft.com/office/drawing/2014/main" id="{588FDF81-B5D3-0334-D15A-BF21FEB8EB4A}"/>
+              </a:ext>
+            </a:extLst>
+          </p:cNvPr>
+          <p:cNvSpPr/>
+          <p:nvPr/>
+        </p:nvSpPr>
+        <p:spPr>
+          <a:xfrm rot="16200000">
+            <a:off x="10348599" y="1800643"/>
+            <a:ext cx="185437" cy="875205"/>
+          </a:xfrm>
+          <a:prstGeom prst="roundRect">
+            <a:avLst>
+              <a:gd name="adj" fmla="val 47694"/>
+            </a:avLst>
+          </a:prstGeom>
+          <a:solidFill>
+            <a:schemeClr val="bg2"/>
+          </a:solidFill>
+          <a:ln>
+            <a:solidFill>
+              <a:schemeClr val="bg2">
+                <a:lumMod val="90000"/>
+              </a:schemeClr>
+            </a:solidFill>
+          </a:ln>
+        </p:spPr>
+        <p:style>
+          <a:lnRef idx="2">
+            <a:schemeClr val="accent1">
+              <a:shade val="15000"/>
+            </a:schemeClr>
+          </a:lnRef>
+          <a:fillRef idx="1">
+            <a:schemeClr val="accent1"/>
+          </a:fillRef>
+          <a:effectRef idx="0">
+            <a:schemeClr val="accent1"/>
+          </a:effectRef>
+          <a:fontRef idx="minor">
+            <a:schemeClr val="lt1"/>
+          </a:fontRef>
+        </p:style>
+        <p:txBody>
+          <a:bodyPr rtlCol="0" anchor="ctr"/>
+          <a:lstStyle/>
+          <a:p>
+            <a:pPr algn="ctr"/>
+            <a:endParaRPr lang="ko-KR" altLang="en-US"/>
+          </a:p>
+        </p:txBody>
+      </p:sp>
+      <p:sp>
+        <p:nvSpPr>
+          <p:cNvPr id="50" name="사각형: 둥근 모서리 49">
+            <a:extLst>
+              <a:ext uri="{FF2B5EF4-FFF2-40B4-BE49-F238E27FC236}">
+                <a16:creationId xmlns:a16="http://schemas.microsoft.com/office/drawing/2014/main" id="{A6B69370-BDEF-5E3D-65B8-6BDE579F6A76}"/>
+              </a:ext>
+            </a:extLst>
+          </p:cNvPr>
+          <p:cNvSpPr/>
+          <p:nvPr/>
+        </p:nvSpPr>
+        <p:spPr>
+          <a:xfrm rot="16200000">
+            <a:off x="10285558" y="1356325"/>
+            <a:ext cx="311517" cy="875206"/>
+          </a:xfrm>
+          <a:prstGeom prst="roundRect">
+            <a:avLst>
+              <a:gd name="adj" fmla="val 47694"/>
+            </a:avLst>
+          </a:prstGeom>
+          <a:solidFill>
+            <a:schemeClr val="bg2"/>
+          </a:solidFill>
+          <a:ln>
+            <a:solidFill>
+              <a:schemeClr val="bg2">
+                <a:lumMod val="90000"/>
+              </a:schemeClr>
+            </a:solidFill>
+          </a:ln>
+        </p:spPr>
+        <p:style>
+          <a:lnRef idx="2">
+            <a:schemeClr val="accent1">
+              <a:shade val="15000"/>
+            </a:schemeClr>
+          </a:lnRef>
+          <a:fillRef idx="1">
+            <a:schemeClr val="accent1"/>
+          </a:fillRef>
+          <a:effectRef idx="0">
+            <a:schemeClr val="accent1"/>
+          </a:effectRef>
+          <a:fontRef idx="minor">
+            <a:schemeClr val="lt1"/>
+          </a:fontRef>
+        </p:style>
+        <p:txBody>
+          <a:bodyPr rtlCol="0" anchor="ctr"/>
+          <a:lstStyle/>
+          <a:p>
+            <a:pPr algn="ctr"/>
+            <a:endParaRPr lang="ko-KR" altLang="en-US"/>
+          </a:p>
+        </p:txBody>
+      </p:sp>
+      <p:sp>
+        <p:nvSpPr>
+          <p:cNvPr id="53" name="타원 52">
+            <a:extLst>
+              <a:ext uri="{FF2B5EF4-FFF2-40B4-BE49-F238E27FC236}">
+                <a16:creationId xmlns:a16="http://schemas.microsoft.com/office/drawing/2014/main" id="{881DBEC7-592A-0C52-9737-33CDFF998667}"/>
+              </a:ext>
+            </a:extLst>
+          </p:cNvPr>
+          <p:cNvSpPr/>
+          <p:nvPr/>
+        </p:nvSpPr>
+        <p:spPr>
+          <a:xfrm>
+            <a:off x="10061720" y="2447982"/>
+            <a:ext cx="817200" cy="817683"/>
+          </a:xfrm>
+          <a:prstGeom prst="ellipse">
+            <a:avLst/>
+          </a:prstGeom>
+          <a:solidFill>
+            <a:schemeClr val="bg2">
+              <a:lumMod val="90000"/>
+            </a:schemeClr>
+          </a:solidFill>
+          <a:ln w="38100">
+            <a:solidFill>
+              <a:schemeClr val="bg1">
+                <a:alpha val="0"/>
+              </a:schemeClr>
+            </a:solidFill>
+          </a:ln>
+        </p:spPr>
+        <p:style>
+          <a:lnRef idx="2">
+            <a:schemeClr val="accent1">
+              <a:shade val="15000"/>
+            </a:schemeClr>
+          </a:lnRef>
+          <a:fillRef idx="1">
+            <a:schemeClr val="accent1"/>
+          </a:fillRef>
+          <a:effectRef idx="0">
+            <a:schemeClr val="accent1"/>
+          </a:effectRef>
+          <a:fontRef idx="minor">
+            <a:schemeClr val="lt1"/>
+          </a:fontRef>
+        </p:style>
+        <p:txBody>
+          <a:bodyPr rtlCol="0" anchor="ctr"/>
+          <a:lstStyle/>
+          <a:p>
+            <a:pPr algn="ctr"/>
+            <a:endParaRPr lang="ko-KR" altLang="en-US" dirty="0"/>
+          </a:p>
+        </p:txBody>
+      </p:sp>
+      <p:grpSp>
+        <p:nvGrpSpPr>
+          <p:cNvPr id="54" name="그룹 53">
+            <a:extLst>
+              <a:ext uri="{FF2B5EF4-FFF2-40B4-BE49-F238E27FC236}">
+                <a16:creationId xmlns:a16="http://schemas.microsoft.com/office/drawing/2014/main" id="{2D32971D-D2D0-11C5-9D8F-545596A6F0A8}"/>
+              </a:ext>
+            </a:extLst>
+          </p:cNvPr>
+          <p:cNvGrpSpPr/>
+          <p:nvPr/>
+        </p:nvGrpSpPr>
+        <p:grpSpPr>
+          <a:xfrm>
+            <a:off x="10028314" y="1100108"/>
+            <a:ext cx="1048765" cy="342000"/>
+            <a:chOff x="7119080" y="2335599"/>
+            <a:chExt cx="1048765" cy="342000"/>
+          </a:xfrm>
+        </p:grpSpPr>
+        <p:sp>
+          <p:nvSpPr>
+            <p:cNvPr id="58" name="자유형: 도형 57">
+              <a:extLst>
+                <a:ext uri="{FF2B5EF4-FFF2-40B4-BE49-F238E27FC236}">
+                  <a16:creationId xmlns:a16="http://schemas.microsoft.com/office/drawing/2014/main" id="{4D5B4644-154E-47FA-A5E5-19A3F2D1E98B}"/>
+                </a:ext>
+              </a:extLst>
+            </p:cNvPr>
+            <p:cNvSpPr/>
+            <p:nvPr/>
+          </p:nvSpPr>
+          <p:spPr>
+            <a:xfrm>
+              <a:off x="7369567" y="2335599"/>
+              <a:ext cx="798278" cy="342000"/>
+            </a:xfrm>
+            <a:custGeom>
+              <a:avLst/>
+              <a:gdLst>
+                <a:gd name="csX0" fmla="*/ 281505 w 798278"/>
+                <a:gd name="csY0" fmla="*/ 0 h 342000"/>
+                <a:gd name="csX1" fmla="*/ 444732 w 798278"/>
+                <a:gd name="csY1" fmla="*/ 0 h 342000"/>
+                <a:gd name="csX2" fmla="*/ 444732 w 798278"/>
+                <a:gd name="csY2" fmla="*/ 3128 h 342000"/>
+                <a:gd name="csX3" fmla="*/ 447264 w 798278"/>
+                <a:gd name="csY3" fmla="*/ 248 h 342000"/>
+                <a:gd name="csX4" fmla="*/ 690692 w 798278"/>
+                <a:gd name="csY4" fmla="*/ 248 h 342000"/>
+                <a:gd name="csX5" fmla="*/ 783490 w 798278"/>
+                <a:gd name="csY5" fmla="*/ 29298 h 342000"/>
+                <a:gd name="csX6" fmla="*/ 798277 w 798278"/>
+                <a:gd name="csY6" fmla="*/ 41801 h 342000"/>
+                <a:gd name="csX7" fmla="*/ 647837 w 798278"/>
+                <a:gd name="csY7" fmla="*/ 41801 h 342000"/>
+                <a:gd name="csX8" fmla="*/ 569275 w 798278"/>
+                <a:gd name="csY8" fmla="*/ 63755 h 342000"/>
+                <a:gd name="csX9" fmla="*/ 550148 w 798278"/>
+                <a:gd name="csY9" fmla="*/ 79653 h 342000"/>
+                <a:gd name="csX10" fmla="*/ 547652 w 798278"/>
+                <a:gd name="csY10" fmla="*/ 81193 h 342000"/>
+                <a:gd name="csX11" fmla="*/ 546633 w 798278"/>
+                <a:gd name="csY11" fmla="*/ 82575 h 342000"/>
+                <a:gd name="csX12" fmla="*/ 539410 w 798278"/>
+                <a:gd name="csY12" fmla="*/ 88579 h 342000"/>
+                <a:gd name="csX13" fmla="*/ 518366 w 798278"/>
+                <a:gd name="csY13" fmla="*/ 120310 h 342000"/>
+                <a:gd name="csX14" fmla="*/ 518172 w 798278"/>
+                <a:gd name="csY14" fmla="*/ 121194 h 342000"/>
+                <a:gd name="csX15" fmla="*/ 518147 w 798278"/>
+                <a:gd name="csY15" fmla="*/ 121227 h 342000"/>
+                <a:gd name="csX16" fmla="*/ 507328 w 798278"/>
+                <a:gd name="csY16" fmla="*/ 170251 h 342000"/>
+                <a:gd name="csX17" fmla="*/ 518147 w 798278"/>
+                <a:gd name="csY17" fmla="*/ 219275 h 342000"/>
+                <a:gd name="csX18" fmla="*/ 518172 w 798278"/>
+                <a:gd name="csY18" fmla="*/ 219310 h 342000"/>
+                <a:gd name="csX19" fmla="*/ 518367 w 798278"/>
+                <a:gd name="csY19" fmla="*/ 220191 h 342000"/>
+                <a:gd name="csX20" fmla="*/ 539411 w 798278"/>
+                <a:gd name="csY20" fmla="*/ 251921 h 342000"/>
+                <a:gd name="csX21" fmla="*/ 546631 w 798278"/>
+                <a:gd name="csY21" fmla="*/ 257922 h 342000"/>
+                <a:gd name="csX22" fmla="*/ 547652 w 798278"/>
+                <a:gd name="csY22" fmla="*/ 259309 h 342000"/>
+                <a:gd name="csX23" fmla="*/ 550156 w 798278"/>
+                <a:gd name="csY23" fmla="*/ 260853 h 342000"/>
+                <a:gd name="csX24" fmla="*/ 569275 w 798278"/>
+                <a:gd name="csY24" fmla="*/ 276746 h 342000"/>
+                <a:gd name="csX25" fmla="*/ 647838 w 798278"/>
+                <a:gd name="csY25" fmla="*/ 298699 h 342000"/>
+                <a:gd name="csX26" fmla="*/ 798278 w 798278"/>
+                <a:gd name="csY26" fmla="*/ 298699 h 342000"/>
+                <a:gd name="csX27" fmla="*/ 783491 w 798278"/>
+                <a:gd name="csY27" fmla="*/ 311203 h 342000"/>
+                <a:gd name="csX28" fmla="*/ 690693 w 798278"/>
+                <a:gd name="csY28" fmla="*/ 340252 h 342000"/>
+                <a:gd name="csX29" fmla="*/ 447265 w 798278"/>
+                <a:gd name="csY29" fmla="*/ 340252 h 342000"/>
+                <a:gd name="csX30" fmla="*/ 444732 w 798278"/>
+                <a:gd name="csY30" fmla="*/ 337371 h 342000"/>
+                <a:gd name="csX31" fmla="*/ 444732 w 798278"/>
+                <a:gd name="csY31" fmla="*/ 342000 h 342000"/>
+                <a:gd name="csX32" fmla="*/ 281505 w 798278"/>
+                <a:gd name="csY32" fmla="*/ 342000 h 342000"/>
+                <a:gd name="csX33" fmla="*/ 142890 w 798278"/>
+                <a:gd name="csY33" fmla="*/ 207916 h 342000"/>
+                <a:gd name="csX34" fmla="*/ 7440 w 798278"/>
+                <a:gd name="csY34" fmla="*/ 207916 h 342000"/>
+                <a:gd name="csX35" fmla="*/ 39 w 798278"/>
+                <a:gd name="csY35" fmla="*/ 170344 h 342000"/>
+                <a:gd name="csX36" fmla="*/ 0 w 798278"/>
+                <a:gd name="csY36" fmla="*/ 170344 h 342000"/>
+                <a:gd name="csX37" fmla="*/ 19 w 798278"/>
+                <a:gd name="csY37" fmla="*/ 170248 h 342000"/>
+                <a:gd name="csX38" fmla="*/ 1 w 798278"/>
+                <a:gd name="csY38" fmla="*/ 170156 h 342000"/>
+                <a:gd name="csX39" fmla="*/ 38 w 798278"/>
+                <a:gd name="csY39" fmla="*/ 170156 h 342000"/>
+                <a:gd name="csX40" fmla="*/ 7439 w 798278"/>
+                <a:gd name="csY40" fmla="*/ 132584 h 342000"/>
+                <a:gd name="csX41" fmla="*/ 144441 w 798278"/>
+                <a:gd name="csY41" fmla="*/ 132584 h 342000"/>
+              </a:gdLst>
+              <a:ahLst/>
+              <a:cxnLst>
+                <a:cxn ang="0">
+                  <a:pos x="csX0" y="csY0"/>
+                </a:cxn>
+                <a:cxn ang="0">
+                  <a:pos x="csX1" y="csY1"/>
+                </a:cxn>
+                <a:cxn ang="0">
+                  <a:pos x="csX2" y="csY2"/>
+                </a:cxn>
+                <a:cxn ang="0">
+                  <a:pos x="csX3" y="csY3"/>
+                </a:cxn>
+                <a:cxn ang="0">
+                  <a:pos x="csX4" y="csY4"/>
+                </a:cxn>
+                <a:cxn ang="0">
+                  <a:pos x="csX5" y="csY5"/>
+                </a:cxn>
+                <a:cxn ang="0">
+                  <a:pos x="csX6" y="csY6"/>
+                </a:cxn>
+                <a:cxn ang="0">
+                  <a:pos x="csX7" y="csY7"/>
+                </a:cxn>
+                <a:cxn ang="0">
+                  <a:pos x="csX8" y="csY8"/>
+                </a:cxn>
+                <a:cxn ang="0">
+                  <a:pos x="csX9" y="csY9"/>
+                </a:cxn>
+                <a:cxn ang="0">
+                  <a:pos x="csX10" y="csY10"/>
+                </a:cxn>
+                <a:cxn ang="0">
+                  <a:pos x="csX11" y="csY11"/>
+                </a:cxn>
+                <a:cxn ang="0">
+                  <a:pos x="csX12" y="csY12"/>
+                </a:cxn>
+                <a:cxn ang="0">
+                  <a:pos x="csX13" y="csY13"/>
+                </a:cxn>
+                <a:cxn ang="0">
+                  <a:pos x="csX14" y="csY14"/>
+                </a:cxn>
+                <a:cxn ang="0">
+                  <a:pos x="csX15" y="csY15"/>
+                </a:cxn>
+                <a:cxn ang="0">
+                  <a:pos x="csX16" y="csY16"/>
+                </a:cxn>
+                <a:cxn ang="0">
+                  <a:pos x="csX17" y="csY17"/>
+                </a:cxn>
+                <a:cxn ang="0">
+                  <a:pos x="csX18" y="csY18"/>
+                </a:cxn>
+                <a:cxn ang="0">
+                  <a:pos x="csX19" y="csY19"/>
+                </a:cxn>
+                <a:cxn ang="0">
+                  <a:pos x="csX20" y="csY20"/>
+                </a:cxn>
+                <a:cxn ang="0">
+                  <a:pos x="csX21" y="csY21"/>
+                </a:cxn>
+                <a:cxn ang="0">
+                  <a:pos x="csX22" y="csY22"/>
+                </a:cxn>
+                <a:cxn ang="0">
+                  <a:pos x="csX23" y="csY23"/>
+                </a:cxn>
+                <a:cxn ang="0">
+                  <a:pos x="csX24" y="csY24"/>
+                </a:cxn>
+                <a:cxn ang="0">
+                  <a:pos x="csX25" y="csY25"/>
+                </a:cxn>
+                <a:cxn ang="0">
+                  <a:pos x="csX26" y="csY26"/>
+                </a:cxn>
+                <a:cxn ang="0">
+                  <a:pos x="csX27" y="csY27"/>
+                </a:cxn>
+                <a:cxn ang="0">
+                  <a:pos x="csX28" y="csY28"/>
+                </a:cxn>
+                <a:cxn ang="0">
+                  <a:pos x="csX29" y="csY29"/>
+                </a:cxn>
+                <a:cxn ang="0">
+                  <a:pos x="csX30" y="csY30"/>
+                </a:cxn>
+                <a:cxn ang="0">
+                  <a:pos x="csX31" y="csY31"/>
+                </a:cxn>
+                <a:cxn ang="0">
+                  <a:pos x="csX32" y="csY32"/>
+                </a:cxn>
+                <a:cxn ang="0">
+                  <a:pos x="csX33" y="csY33"/>
+                </a:cxn>
+                <a:cxn ang="0">
+                  <a:pos x="csX34" y="csY34"/>
+                </a:cxn>
+                <a:cxn ang="0">
+                  <a:pos x="csX35" y="csY35"/>
+                </a:cxn>
+                <a:cxn ang="0">
+                  <a:pos x="csX36" y="csY36"/>
+                </a:cxn>
+                <a:cxn ang="0">
+                  <a:pos x="csX37" y="csY37"/>
+                </a:cxn>
+                <a:cxn ang="0">
+                  <a:pos x="csX38" y="csY38"/>
+                </a:cxn>
+                <a:cxn ang="0">
+                  <a:pos x="csX39" y="csY39"/>
+                </a:cxn>
+                <a:cxn ang="0">
+                  <a:pos x="csX40" y="csY40"/>
+                </a:cxn>
+                <a:cxn ang="0">
+                  <a:pos x="csX41" y="csY41"/>
+                </a:cxn>
+              </a:cxnLst>
+              <a:rect l="l" t="t" r="r" b="b"/>
+              <a:pathLst>
+                <a:path w="798278" h="342000">
+                  <a:moveTo>
+                    <a:pt x="281505" y="0"/>
+                  </a:moveTo>
+                  <a:lnTo>
+                    <a:pt x="444732" y="0"/>
+                  </a:lnTo>
+                  <a:lnTo>
+                    <a:pt x="444732" y="3128"/>
+                  </a:lnTo>
+                  <a:lnTo>
+                    <a:pt x="447264" y="248"/>
+                  </a:lnTo>
+                  <a:lnTo>
+                    <a:pt x="690692" y="248"/>
+                  </a:lnTo>
+                  <a:cubicBezTo>
+                    <a:pt x="725067" y="248"/>
+                    <a:pt x="757001" y="10957"/>
+                    <a:pt x="783490" y="29298"/>
+                  </a:cubicBezTo>
+                  <a:lnTo>
+                    <a:pt x="798277" y="41801"/>
+                  </a:lnTo>
+                  <a:lnTo>
+                    <a:pt x="647837" y="41801"/>
+                  </a:lnTo>
+                  <a:cubicBezTo>
+                    <a:pt x="618736" y="41801"/>
+                    <a:pt x="591701" y="49894"/>
+                    <a:pt x="569275" y="63755"/>
+                  </a:cubicBezTo>
+                  <a:lnTo>
+                    <a:pt x="550148" y="79653"/>
+                  </a:lnTo>
+                  <a:lnTo>
+                    <a:pt x="547652" y="81193"/>
+                  </a:lnTo>
+                  <a:lnTo>
+                    <a:pt x="546633" y="82575"/>
+                  </a:lnTo>
+                  <a:lnTo>
+                    <a:pt x="539410" y="88579"/>
+                  </a:lnTo>
+                  <a:cubicBezTo>
+                    <a:pt x="530820" y="98102"/>
+                    <a:pt x="523699" y="108776"/>
+                    <a:pt x="518366" y="120310"/>
+                  </a:cubicBezTo>
+                  <a:lnTo>
+                    <a:pt x="518172" y="121194"/>
+                  </a:lnTo>
+                  <a:lnTo>
+                    <a:pt x="518147" y="121227"/>
+                  </a:lnTo>
+                  <a:cubicBezTo>
+                    <a:pt x="511181" y="136294"/>
+                    <a:pt x="507328" y="152861"/>
+                    <a:pt x="507328" y="170251"/>
+                  </a:cubicBezTo>
+                  <a:cubicBezTo>
+                    <a:pt x="507328" y="187640"/>
+                    <a:pt x="511181" y="204207"/>
+                    <a:pt x="518147" y="219275"/>
+                  </a:cubicBezTo>
+                  <a:lnTo>
+                    <a:pt x="518172" y="219310"/>
+                  </a:lnTo>
+                  <a:lnTo>
+                    <a:pt x="518367" y="220191"/>
+                  </a:lnTo>
+                  <a:cubicBezTo>
+                    <a:pt x="523700" y="231725"/>
+                    <a:pt x="530821" y="242398"/>
+                    <a:pt x="539411" y="251921"/>
+                  </a:cubicBezTo>
+                  <a:lnTo>
+                    <a:pt x="546631" y="257922"/>
+                  </a:lnTo>
+                  <a:lnTo>
+                    <a:pt x="547652" y="259309"/>
+                  </a:lnTo>
+                  <a:lnTo>
+                    <a:pt x="550156" y="260853"/>
+                  </a:lnTo>
+                  <a:lnTo>
+                    <a:pt x="569275" y="276746"/>
+                  </a:lnTo>
+                  <a:cubicBezTo>
+                    <a:pt x="591702" y="290606"/>
+                    <a:pt x="618737" y="298699"/>
+                    <a:pt x="647838" y="298699"/>
+                  </a:cubicBezTo>
+                  <a:lnTo>
+                    <a:pt x="798278" y="298699"/>
+                  </a:lnTo>
+                  <a:lnTo>
+                    <a:pt x="783491" y="311203"/>
+                  </a:lnTo>
+                  <a:cubicBezTo>
+                    <a:pt x="757001" y="329543"/>
+                    <a:pt x="725068" y="340252"/>
+                    <a:pt x="690693" y="340252"/>
+                  </a:cubicBezTo>
+                  <a:lnTo>
+                    <a:pt x="447265" y="340252"/>
+                  </a:lnTo>
+                  <a:lnTo>
+                    <a:pt x="444732" y="337371"/>
+                  </a:lnTo>
+                  <a:lnTo>
+                    <a:pt x="444732" y="342000"/>
+                  </a:lnTo>
+                  <a:lnTo>
+                    <a:pt x="281505" y="342000"/>
+                  </a:lnTo>
+                  <a:lnTo>
+                    <a:pt x="142890" y="207916"/>
+                  </a:lnTo>
+                  <a:lnTo>
+                    <a:pt x="7440" y="207916"/>
+                  </a:lnTo>
+                  <a:lnTo>
+                    <a:pt x="39" y="170344"/>
+                  </a:lnTo>
+                  <a:lnTo>
+                    <a:pt x="0" y="170344"/>
+                  </a:lnTo>
+                  <a:lnTo>
+                    <a:pt x="19" y="170248"/>
+                  </a:lnTo>
+                  <a:lnTo>
+                    <a:pt x="1" y="170156"/>
+                  </a:lnTo>
+                  <a:lnTo>
+                    <a:pt x="38" y="170156"/>
+                  </a:lnTo>
+                  <a:lnTo>
+                    <a:pt x="7439" y="132584"/>
+                  </a:lnTo>
+                  <a:lnTo>
+                    <a:pt x="144441" y="132584"/>
+                  </a:lnTo>
+                  <a:close/>
+                </a:path>
+              </a:pathLst>
+            </a:custGeom>
+            <a:solidFill>
+              <a:srgbClr val="FCFFDD"/>
+            </a:solidFill>
+            <a:ln>
+              <a:solidFill>
+                <a:schemeClr val="bg1">
+                  <a:lumMod val="85000"/>
+                </a:schemeClr>
+              </a:solidFill>
+            </a:ln>
+            <a:effectLst/>
+          </p:spPr>
+          <p:style>
+            <a:lnRef idx="2">
+              <a:schemeClr val="accent1">
+                <a:shade val="15000"/>
+              </a:schemeClr>
+            </a:lnRef>
+            <a:fillRef idx="1">
+              <a:schemeClr val="accent1"/>
+            </a:fillRef>
+            <a:effectRef idx="0">
+              <a:schemeClr val="accent1"/>
+            </a:effectRef>
+            <a:fontRef idx="minor">
+              <a:schemeClr val="lt1"/>
+            </a:fontRef>
+          </p:style>
+          <p:txBody>
+            <a:bodyPr wrap="square" rtlCol="0" anchor="ctr">
+              <a:noAutofit/>
+            </a:bodyPr>
+            <a:lstStyle/>
+            <a:p>
+              <a:pPr algn="ctr"/>
+              <a:endParaRPr lang="ko-KR" altLang="en-US" dirty="0">
+                <a:solidFill>
+                  <a:sysClr val="windowText" lastClr="000000"/>
+                </a:solidFill>
+              </a:endParaRPr>
+            </a:p>
+          </p:txBody>
+        </p:sp>
+        <p:sp>
+          <p:nvSpPr>
+            <p:cNvPr id="59" name="자유형: 도형 58">
+              <a:extLst>
+                <a:ext uri="{FF2B5EF4-FFF2-40B4-BE49-F238E27FC236}">
+                  <a16:creationId xmlns:a16="http://schemas.microsoft.com/office/drawing/2014/main" id="{D4FBD797-D208-5402-641B-7D199172EF70}"/>
+                </a:ext>
+              </a:extLst>
+            </p:cNvPr>
+            <p:cNvSpPr/>
+            <p:nvPr/>
+          </p:nvSpPr>
+          <p:spPr>
+            <a:xfrm>
+              <a:off x="7119080" y="2435804"/>
+              <a:ext cx="345775" cy="141590"/>
+            </a:xfrm>
+            <a:custGeom>
+              <a:avLst/>
+              <a:gdLst>
+                <a:gd name="csX0" fmla="*/ 98886 w 390646"/>
+                <a:gd name="csY0" fmla="*/ 0 h 141590"/>
+                <a:gd name="csX1" fmla="*/ 314678 w 390646"/>
+                <a:gd name="csY1" fmla="*/ 0 h 141590"/>
+                <a:gd name="csX2" fmla="*/ 390646 w 390646"/>
+                <a:gd name="csY2" fmla="*/ 16526 h 141590"/>
+                <a:gd name="csX3" fmla="*/ 390646 w 390646"/>
+                <a:gd name="csY3" fmla="*/ 32120 h 141590"/>
+                <a:gd name="csX4" fmla="*/ 292923 w 390646"/>
+                <a:gd name="csY4" fmla="*/ 32120 h 141590"/>
+                <a:gd name="csX5" fmla="*/ 292923 w 390646"/>
+                <a:gd name="csY5" fmla="*/ 109470 h 141590"/>
+                <a:gd name="csX6" fmla="*/ 390646 w 390646"/>
+                <a:gd name="csY6" fmla="*/ 109470 h 141590"/>
+                <a:gd name="csX7" fmla="*/ 390646 w 390646"/>
+                <a:gd name="csY7" fmla="*/ 125065 h 141590"/>
+                <a:gd name="csX8" fmla="*/ 314678 w 390646"/>
+                <a:gd name="csY8" fmla="*/ 141590 h 141590"/>
+                <a:gd name="csX9" fmla="*/ 169200 w 390646"/>
+                <a:gd name="csY9" fmla="*/ 141590 h 141590"/>
+                <a:gd name="csX10" fmla="*/ 98886 w 390646"/>
+                <a:gd name="csY10" fmla="*/ 141590 h 141590"/>
+                <a:gd name="csX11" fmla="*/ 84600 w 390646"/>
+                <a:gd name="csY11" fmla="*/ 141590 h 141590"/>
+                <a:gd name="csX12" fmla="*/ 0 w 390646"/>
+                <a:gd name="csY12" fmla="*/ 71390 h 141590"/>
+                <a:gd name="csX13" fmla="*/ 84600 w 390646"/>
+                <a:gd name="csY13" fmla="*/ 1190 h 141590"/>
+                <a:gd name="csX14" fmla="*/ 98886 w 390646"/>
+                <a:gd name="csY14" fmla="*/ 1190 h 141590"/>
+              </a:gdLst>
+              <a:ahLst/>
+              <a:cxnLst>
+                <a:cxn ang="0">
+                  <a:pos x="csX0" y="csY0"/>
+                </a:cxn>
+                <a:cxn ang="0">
+                  <a:pos x="csX1" y="csY1"/>
+                </a:cxn>
+                <a:cxn ang="0">
+                  <a:pos x="csX2" y="csY2"/>
+                </a:cxn>
+                <a:cxn ang="0">
+                  <a:pos x="csX3" y="csY3"/>
+                </a:cxn>
+                <a:cxn ang="0">
+                  <a:pos x="csX4" y="csY4"/>
+                </a:cxn>
+                <a:cxn ang="0">
+                  <a:pos x="csX5" y="csY5"/>
+                </a:cxn>
+                <a:cxn ang="0">
+                  <a:pos x="csX6" y="csY6"/>
+                </a:cxn>
+                <a:cxn ang="0">
+                  <a:pos x="csX7" y="csY7"/>
+                </a:cxn>
+                <a:cxn ang="0">
+                  <a:pos x="csX8" y="csY8"/>
+                </a:cxn>
+                <a:cxn ang="0">
+                  <a:pos x="csX9" y="csY9"/>
+                </a:cxn>
+                <a:cxn ang="0">
+                  <a:pos x="csX10" y="csY10"/>
+                </a:cxn>
+                <a:cxn ang="0">
+                  <a:pos x="csX11" y="csY11"/>
+                </a:cxn>
+                <a:cxn ang="0">
+                  <a:pos x="csX12" y="csY12"/>
+                </a:cxn>
+                <a:cxn ang="0">
+                  <a:pos x="csX13" y="csY13"/>
+                </a:cxn>
+                <a:cxn ang="0">
+                  <a:pos x="csX14" y="csY14"/>
+                </a:cxn>
+              </a:cxnLst>
+              <a:rect l="l" t="t" r="r" b="b"/>
+              <a:pathLst>
+                <a:path w="390646" h="141590">
+                  <a:moveTo>
+                    <a:pt x="98886" y="0"/>
+                  </a:moveTo>
+                  <a:lnTo>
+                    <a:pt x="314678" y="0"/>
+                  </a:lnTo>
+                  <a:lnTo>
+                    <a:pt x="390646" y="16526"/>
+                  </a:lnTo>
+                  <a:lnTo>
+                    <a:pt x="390646" y="32120"/>
+                  </a:lnTo>
+                  <a:lnTo>
+                    <a:pt x="292923" y="32120"/>
+                  </a:lnTo>
+                  <a:lnTo>
+                    <a:pt x="292923" y="109470"/>
+                  </a:lnTo>
+                  <a:lnTo>
+                    <a:pt x="390646" y="109470"/>
+                  </a:lnTo>
+                  <a:lnTo>
+                    <a:pt x="390646" y="125065"/>
+                  </a:lnTo>
+                  <a:lnTo>
+                    <a:pt x="314678" y="141590"/>
+                  </a:lnTo>
+                  <a:lnTo>
+                    <a:pt x="169200" y="141590"/>
+                  </a:lnTo>
+                  <a:lnTo>
+                    <a:pt x="98886" y="141590"/>
+                  </a:lnTo>
+                  <a:lnTo>
+                    <a:pt x="84600" y="141590"/>
+                  </a:lnTo>
+                  <a:cubicBezTo>
+                    <a:pt x="37877" y="141590"/>
+                    <a:pt x="0" y="110160"/>
+                    <a:pt x="0" y="71390"/>
+                  </a:cubicBezTo>
+                  <a:cubicBezTo>
+                    <a:pt x="0" y="32620"/>
+                    <a:pt x="37877" y="1190"/>
+                    <a:pt x="84600" y="1190"/>
+                  </a:cubicBezTo>
+                  <a:lnTo>
+                    <a:pt x="98886" y="1190"/>
+                  </a:lnTo>
+                  <a:close/>
+                </a:path>
+              </a:pathLst>
+            </a:custGeom>
+            <a:solidFill>
+              <a:schemeClr val="bg2"/>
+            </a:solidFill>
+            <a:ln>
+              <a:solidFill>
+                <a:schemeClr val="bg2"/>
+              </a:solidFill>
+            </a:ln>
+          </p:spPr>
+          <p:style>
+            <a:lnRef idx="2">
+              <a:schemeClr val="accent1">
+                <a:shade val="15000"/>
+              </a:schemeClr>
+            </a:lnRef>
+            <a:fillRef idx="1">
+              <a:schemeClr val="accent1"/>
+            </a:fillRef>
+            <a:effectRef idx="0">
+              <a:schemeClr val="accent1"/>
+            </a:effectRef>
+            <a:fontRef idx="minor">
+              <a:schemeClr val="lt1"/>
+            </a:fontRef>
+          </p:style>
+          <p:txBody>
+            <a:bodyPr wrap="square" rtlCol="0" anchor="ctr">
+              <a:noAutofit/>
+            </a:bodyPr>
+            <a:lstStyle/>
+            <a:p>
+              <a:pPr algn="ctr"/>
+              <a:endParaRPr lang="ko-KR" altLang="en-US" dirty="0"/>
+            </a:p>
+          </p:txBody>
+        </p:sp>
+      </p:grpSp>
+      <p:grpSp>
+        <p:nvGrpSpPr>
+          <p:cNvPr id="78" name="그룹 77">
+            <a:extLst>
+              <a:ext uri="{FF2B5EF4-FFF2-40B4-BE49-F238E27FC236}">
+                <a16:creationId xmlns:a16="http://schemas.microsoft.com/office/drawing/2014/main" id="{9AF5FD75-7CE3-5E64-FE86-BDD19B142503}"/>
+              </a:ext>
+            </a:extLst>
+          </p:cNvPr>
+          <p:cNvGrpSpPr/>
+          <p:nvPr/>
+        </p:nvGrpSpPr>
+        <p:grpSpPr>
+          <a:xfrm>
+            <a:off x="8503882" y="4473959"/>
+            <a:ext cx="817200" cy="817683"/>
+            <a:chOff x="7628675" y="4418008"/>
+            <a:chExt cx="817200" cy="817683"/>
+          </a:xfrm>
+          <a:effectLst>
+            <a:outerShdw blurRad="63500" sx="98000" sy="98000" algn="ctr" rotWithShape="0">
+              <a:prstClr val="black">
+                <a:alpha val="40000"/>
+              </a:prstClr>
+            </a:outerShdw>
+          </a:effectLst>
+        </p:grpSpPr>
+        <p:sp>
+          <p:nvSpPr>
+            <p:cNvPr id="79" name="타원 78">
+              <a:extLst>
+                <a:ext uri="{FF2B5EF4-FFF2-40B4-BE49-F238E27FC236}">
+                  <a16:creationId xmlns:a16="http://schemas.microsoft.com/office/drawing/2014/main" id="{58828E48-0EAD-460D-6F9C-ECC0F9DF2607}"/>
+                </a:ext>
+              </a:extLst>
+            </p:cNvPr>
+            <p:cNvSpPr/>
+            <p:nvPr/>
+          </p:nvSpPr>
+          <p:spPr>
+            <a:xfrm>
+              <a:off x="7628675" y="4418008"/>
+              <a:ext cx="817200" cy="817683"/>
+            </a:xfrm>
+            <a:prstGeom prst="ellipse">
+              <a:avLst/>
+            </a:prstGeom>
+            <a:pattFill prst="plaid">
+              <a:fgClr>
+                <a:schemeClr val="tx1"/>
+              </a:fgClr>
+              <a:bgClr>
+                <a:schemeClr val="bg1"/>
+              </a:bgClr>
+            </a:pattFill>
+            <a:ln w="38100">
+              <a:solidFill>
+                <a:schemeClr val="bg1">
+                  <a:alpha val="0"/>
+                </a:schemeClr>
+              </a:solidFill>
+            </a:ln>
+          </p:spPr>
+          <p:style>
+            <a:lnRef idx="2">
+              <a:schemeClr val="accent1">
+                <a:shade val="15000"/>
+              </a:schemeClr>
+            </a:lnRef>
+            <a:fillRef idx="1">
+              <a:schemeClr val="accent1"/>
+            </a:fillRef>
+            <a:effectRef idx="0">
+              <a:schemeClr val="accent1"/>
+            </a:effectRef>
+            <a:fontRef idx="minor">
+              <a:schemeClr val="lt1"/>
+            </a:fontRef>
+          </p:style>
+          <p:txBody>
+            <a:bodyPr rtlCol="0" anchor="ctr"/>
+            <a:lstStyle/>
+            <a:p>
+              <a:pPr algn="ctr"/>
+              <a:endParaRPr lang="ko-KR" altLang="en-US" dirty="0"/>
+            </a:p>
+          </p:txBody>
+        </p:sp>
+        <p:sp>
+          <p:nvSpPr>
+            <p:cNvPr id="80" name="타원 79">
+              <a:extLst>
+                <a:ext uri="{FF2B5EF4-FFF2-40B4-BE49-F238E27FC236}">
+                  <a16:creationId xmlns:a16="http://schemas.microsoft.com/office/drawing/2014/main" id="{79FF8B21-18F3-ED13-22D7-FB9951D3AEB7}"/>
+                </a:ext>
+              </a:extLst>
+            </p:cNvPr>
+            <p:cNvSpPr/>
+            <p:nvPr/>
+          </p:nvSpPr>
+          <p:spPr>
+            <a:xfrm>
+              <a:off x="7628675" y="4418008"/>
+              <a:ext cx="817200" cy="817683"/>
+            </a:xfrm>
+            <a:prstGeom prst="ellipse">
+              <a:avLst/>
+            </a:prstGeom>
+            <a:gradFill>
+              <a:gsLst>
+                <a:gs pos="28000">
+                  <a:schemeClr val="accent5">
+                    <a:lumMod val="20000"/>
+                    <a:lumOff val="80000"/>
+                    <a:alpha val="85000"/>
+                  </a:schemeClr>
+                </a:gs>
+                <a:gs pos="0">
+                  <a:schemeClr val="accent5">
+                    <a:lumMod val="60000"/>
+                    <a:lumOff val="40000"/>
+                    <a:alpha val="85000"/>
+                  </a:schemeClr>
+                </a:gs>
+                <a:gs pos="15000">
+                  <a:schemeClr val="accent5">
+                    <a:lumMod val="20000"/>
+                    <a:lumOff val="80000"/>
+                    <a:alpha val="85000"/>
+                  </a:schemeClr>
+                </a:gs>
+                <a:gs pos="100000">
+                  <a:schemeClr val="accent5">
+                    <a:lumMod val="20000"/>
+                    <a:lumOff val="80000"/>
+                    <a:alpha val="85000"/>
+                  </a:schemeClr>
+                </a:gs>
+                <a:gs pos="80000">
+                  <a:schemeClr val="accent5">
+                    <a:lumMod val="40000"/>
+                    <a:lumOff val="60000"/>
+                    <a:alpha val="85000"/>
+                  </a:schemeClr>
+                </a:gs>
+                <a:gs pos="68000">
+                  <a:schemeClr val="accent5">
+                    <a:lumMod val="60000"/>
+                    <a:lumOff val="40000"/>
+                    <a:alpha val="85000"/>
+                  </a:schemeClr>
+                </a:gs>
+                <a:gs pos="53000">
+                  <a:schemeClr val="bg1">
+                    <a:alpha val="85000"/>
+                  </a:schemeClr>
+                </a:gs>
+              </a:gsLst>
+              <a:lin ang="5400000" scaled="1"/>
+            </a:gradFill>
+            <a:ln w="38100">
+              <a:noFill/>
+            </a:ln>
+          </p:spPr>
+          <p:style>
+            <a:lnRef idx="2">
+              <a:schemeClr val="accent1">
+                <a:shade val="15000"/>
+              </a:schemeClr>
+            </a:lnRef>
+            <a:fillRef idx="1">
+              <a:schemeClr val="accent1"/>
+            </a:fillRef>
+            <a:effectRef idx="0">
+              <a:schemeClr val="accent1"/>
+            </a:effectRef>
+            <a:fontRef idx="minor">
+              <a:schemeClr val="lt1"/>
+            </a:fontRef>
+          </p:style>
+          <p:txBody>
+            <a:bodyPr rtlCol="0" anchor="ctr"/>
+            <a:lstStyle/>
+            <a:p>
+              <a:pPr algn="ctr"/>
+              <a:endParaRPr lang="ko-KR" altLang="en-US" dirty="0"/>
+            </a:p>
+          </p:txBody>
+        </p:sp>
+      </p:grpSp>
     </p:spTree>
     <p:extLst>
       <p:ext uri="{BB962C8B-B14F-4D97-AF65-F5344CB8AC3E}">
@@ -20629,100 +21882,204 @@
           <a:chExt cx="0" cy="0"/>
         </a:xfrm>
       </p:grpSpPr>
-      <p:pic>
-        <p:nvPicPr>
-          <p:cNvPr id="5" name="그림 4" descr="텍스트, 스크린샷, 소프트웨어, 멀티미디어 소프트웨어이(가) 표시된 사진&#10;&#10;AI 생성 콘텐츠는 정확하지 않을 수 있습니다.">
+      <p:sp>
+        <p:nvSpPr>
+          <p:cNvPr id="4" name="TextBox 3">
             <a:extLst>
               <a:ext uri="{FF2B5EF4-FFF2-40B4-BE49-F238E27FC236}">
-                <a16:creationId xmlns:a16="http://schemas.microsoft.com/office/drawing/2014/main" id="{FC4799C9-D9B1-F19D-AF14-34253B163E52}"/>
+                <a16:creationId xmlns:a16="http://schemas.microsoft.com/office/drawing/2014/main" id="{6510ABF4-BB73-3A50-735A-DCEC2CBB85B6}"/>
               </a:ext>
             </a:extLst>
           </p:cNvPr>
-          <p:cNvPicPr>
-            <a:picLocks noChangeAspect="1"/>
-          </p:cNvPicPr>
+          <p:cNvSpPr txBox="1"/>
           <p:nvPr/>
-        </p:nvPicPr>
-        <p:blipFill>
-          <a:blip r:embed="rId2"/>
-          <a:stretch>
-            <a:fillRect/>
-          </a:stretch>
-        </p:blipFill>
+        </p:nvSpPr>
         <p:spPr>
           <a:xfrm>
-            <a:off x="448951" y="139218"/>
-            <a:ext cx="10193787" cy="5395820"/>
+            <a:off x="409575" y="276225"/>
+            <a:ext cx="3222229" cy="4524315"/>
           </a:xfrm>
           <a:prstGeom prst="rect">
             <a:avLst/>
           </a:prstGeom>
+          <a:noFill/>
         </p:spPr>
-      </p:pic>
+        <p:txBody>
+          <a:bodyPr wrap="none" rtlCol="0">
+            <a:spAutoFit/>
+          </a:bodyPr>
+          <a:lstStyle/>
+          <a:p>
+            <a:pPr marL="342900" indent="-342900">
+              <a:buAutoNum type="arabicPeriod"/>
+            </a:pPr>
+            <a:r>
+              <a:rPr lang="en-US" altLang="ko-KR" dirty="0" err="1"/>
+              <a:t>LoadLock</a:t>
+            </a:r>
+            <a:r>
+              <a:rPr lang="ko-KR" altLang="en-US" dirty="0"/>
+              <a:t> 웨이퍼 </a:t>
+            </a:r>
+            <a:r>
+              <a:rPr lang="ko-KR" altLang="en-US" dirty="0" err="1"/>
+              <a:t>스폰</a:t>
+            </a:r>
+            <a:endParaRPr lang="en-US" altLang="ko-KR" dirty="0"/>
+          </a:p>
+          <a:p>
+            <a:pPr marL="342900" indent="-342900">
+              <a:buAutoNum type="arabicPeriod"/>
+            </a:pPr>
+            <a:r>
+              <a:rPr lang="en-US" altLang="ko-KR" dirty="0"/>
+              <a:t>Lower Unfold</a:t>
+            </a:r>
+          </a:p>
+          <a:p>
+            <a:pPr marL="342900" indent="-342900">
+              <a:buAutoNum type="arabicPeriod"/>
+            </a:pPr>
+            <a:r>
+              <a:rPr lang="en-US" altLang="ko-KR" dirty="0"/>
+              <a:t>Lower Pick</a:t>
+            </a:r>
+          </a:p>
+          <a:p>
+            <a:pPr marL="342900" indent="-342900">
+              <a:buAutoNum type="arabicPeriod"/>
+            </a:pPr>
+            <a:r>
+              <a:rPr lang="en-US" altLang="ko-KR" dirty="0"/>
+              <a:t>Lower Fold</a:t>
+            </a:r>
+          </a:p>
+          <a:p>
+            <a:pPr marL="342900" indent="-342900">
+              <a:buAutoNum type="arabicPeriod"/>
+            </a:pPr>
+            <a:r>
+              <a:rPr lang="en-US" altLang="ko-KR" dirty="0"/>
+              <a:t>Lower Pm rotation</a:t>
+            </a:r>
+          </a:p>
+          <a:p>
+            <a:pPr marL="342900" indent="-342900">
+              <a:buAutoNum type="arabicPeriod"/>
+            </a:pPr>
+            <a:r>
+              <a:rPr lang="en-US" altLang="ko-KR" dirty="0"/>
+              <a:t>Lower Unfold</a:t>
+            </a:r>
+          </a:p>
+          <a:p>
+            <a:pPr marL="342900" indent="-342900">
+              <a:buAutoNum type="arabicPeriod"/>
+            </a:pPr>
+            <a:r>
+              <a:rPr lang="en-US" altLang="ko-KR" dirty="0"/>
+              <a:t>Lower Place</a:t>
+            </a:r>
+          </a:p>
+          <a:p>
+            <a:pPr marL="342900" indent="-342900">
+              <a:buAutoNum type="arabicPeriod"/>
+            </a:pPr>
+            <a:r>
+              <a:rPr lang="en-US" altLang="ko-KR" dirty="0"/>
+              <a:t>Lower Fold</a:t>
+            </a:r>
+          </a:p>
+          <a:p>
+            <a:pPr marL="342900" indent="-342900">
+              <a:buAutoNum type="arabicPeriod"/>
+            </a:pPr>
+            <a:r>
+              <a:rPr lang="en-US" altLang="ko-KR" dirty="0"/>
+              <a:t>Pm End</a:t>
+            </a:r>
+          </a:p>
+          <a:p>
+            <a:pPr marL="342900" indent="-342900">
+              <a:buAutoNum type="arabicPeriod"/>
+            </a:pPr>
+            <a:r>
+              <a:rPr lang="en-US" altLang="ko-KR" dirty="0"/>
+              <a:t> Upper Unfold</a:t>
+            </a:r>
+          </a:p>
+          <a:p>
+            <a:pPr marL="342900" indent="-342900">
+              <a:buAutoNum type="arabicPeriod"/>
+            </a:pPr>
+            <a:r>
+              <a:rPr lang="en-US" altLang="ko-KR" dirty="0"/>
+              <a:t> Upper Pick</a:t>
+            </a:r>
+          </a:p>
+          <a:p>
+            <a:pPr marL="342900" indent="-342900">
+              <a:buAutoNum type="arabicPeriod"/>
+            </a:pPr>
+            <a:r>
+              <a:rPr lang="en-US" altLang="ko-KR" dirty="0"/>
+              <a:t> Upper Fold</a:t>
+            </a:r>
+          </a:p>
+          <a:p>
+            <a:pPr marL="342900" indent="-342900">
+              <a:buAutoNum type="arabicPeriod"/>
+            </a:pPr>
+            <a:r>
+              <a:rPr lang="en-US" altLang="ko-KR" dirty="0"/>
+              <a:t> Upper </a:t>
+            </a:r>
+            <a:r>
+              <a:rPr lang="en-US" altLang="ko-KR" dirty="0" err="1"/>
+              <a:t>LoadLock</a:t>
+            </a:r>
+            <a:r>
+              <a:rPr lang="en-US" altLang="ko-KR" dirty="0"/>
+              <a:t> rotation</a:t>
+            </a:r>
+          </a:p>
+          <a:p>
+            <a:pPr marL="342900" indent="-342900">
+              <a:buAutoNum type="arabicPeriod"/>
+            </a:pPr>
+            <a:r>
+              <a:rPr lang="en-US" altLang="ko-KR" dirty="0"/>
+              <a:t> Upper Unfold</a:t>
+            </a:r>
+          </a:p>
+          <a:p>
+            <a:pPr marL="342900" indent="-342900">
+              <a:buAutoNum type="arabicPeriod"/>
+            </a:pPr>
+            <a:r>
+              <a:rPr lang="en-US" altLang="ko-KR" dirty="0"/>
+              <a:t> Upper Place</a:t>
+            </a:r>
+          </a:p>
+          <a:p>
+            <a:pPr marL="342900" indent="-342900">
+              <a:buAutoNum type="arabicPeriod"/>
+            </a:pPr>
+            <a:r>
+              <a:rPr lang="en-US" altLang="ko-KR"/>
+              <a:t> LoadLock</a:t>
+            </a:r>
+            <a:r>
+              <a:rPr lang="en-US" altLang="ko-KR" dirty="0"/>
+              <a:t> Delete</a:t>
+            </a:r>
+          </a:p>
+        </p:txBody>
+      </p:sp>
     </p:spTree>
     <p:extLst>
       <p:ext uri="{BB962C8B-B14F-4D97-AF65-F5344CB8AC3E}">
-        <p14:creationId xmlns:p14="http://schemas.microsoft.com/office/powerpoint/2010/main" val="3807952658"/>
-      </p:ext>
-    </p:extLst>
-  </p:cSld>
-  <p:clrMapOvr>
-    <a:masterClrMapping/>
-  </p:clrMapOvr>
-</p:sld>
-</file>
-
-<file path=ppt/slides/slide19.xml><?xml version="1.0" encoding="utf-8"?>
-<p:sld xmlns:a="http://schemas.openxmlformats.org/drawingml/2006/main" xmlns:r="http://schemas.openxmlformats.org/officeDocument/2006/relationships" xmlns:p="http://schemas.openxmlformats.org/presentationml/2006/main">
-  <p:cSld>
-    <p:spTree>
-      <p:nvGrpSpPr>
-        <p:cNvPr id="1" name=""/>
-        <p:cNvGrpSpPr/>
-        <p:nvPr/>
-      </p:nvGrpSpPr>
-      <p:grpSpPr>
-        <a:xfrm>
-          <a:off x="0" y="0"/>
-          <a:ext cx="0" cy="0"/>
-          <a:chOff x="0" y="0"/>
-          <a:chExt cx="0" cy="0"/>
-        </a:xfrm>
-      </p:grpSpPr>
-      <p:pic>
-        <p:nvPicPr>
-          <p:cNvPr id="7" name="그림 6" descr="텍스트, 스크린샷, 소프트웨어, 멀티미디어 소프트웨어이(가) 표시된 사진&#10;&#10;AI 생성 콘텐츠는 정확하지 않을 수 있습니다.">
-            <a:extLst>
-              <a:ext uri="{FF2B5EF4-FFF2-40B4-BE49-F238E27FC236}">
-                <a16:creationId xmlns:a16="http://schemas.microsoft.com/office/drawing/2014/main" id="{11C17E2C-22A3-A17A-B540-1D6896BE2B52}"/>
-              </a:ext>
-            </a:extLst>
-          </p:cNvPr>
-          <p:cNvPicPr>
-            <a:picLocks noChangeAspect="1"/>
-          </p:cNvPicPr>
-          <p:nvPr/>
-        </p:nvPicPr>
-        <p:blipFill>
-          <a:blip r:embed="rId2"/>
-          <a:stretch>
-            <a:fillRect/>
-          </a:stretch>
-        </p:blipFill>
-        <p:spPr>
-          <a:xfrm>
-            <a:off x="722709" y="113164"/>
-            <a:ext cx="11344993" cy="5849891"/>
-          </a:xfrm>
-          <a:prstGeom prst="rect">
-            <a:avLst/>
-          </a:prstGeom>
-        </p:spPr>
-      </p:pic>
-    </p:spTree>
-    <p:extLst>
-      <p:ext uri="{BB962C8B-B14F-4D97-AF65-F5344CB8AC3E}">
-        <p14:creationId xmlns:p14="http://schemas.microsoft.com/office/powerpoint/2010/main" val="3985013823"/>
+        <p14:creationId xmlns:p14="http://schemas.microsoft.com/office/powerpoint/2010/main" val="3709812735"/>
       </p:ext>
     </p:extLst>
   </p:cSld>
